--- a/Final-Presentation/Presentation.pptx
+++ b/Final-Presentation/Presentation.pptx
@@ -2,10 +2,20 @@
 <file path=ppt/presentation.xml><?xml version="1.0" encoding="utf-8"?>
 <p:presentation xmlns:a="http://schemas.openxmlformats.org/drawingml/2006/main" xmlns:r="http://schemas.openxmlformats.org/officeDocument/2006/relationships" xmlns:p="http://schemas.openxmlformats.org/presentationml/2006/main" saveSubsetFonts="1">
   <p:sldMasterIdLst>
-    <p:sldMasterId id="2147483648" r:id="rId1"/>
+    <p:sldMasterId id="2147483696" r:id="rId1"/>
   </p:sldMasterIdLst>
   <p:sldIdLst>
     <p:sldId id="256" r:id="rId2"/>
+    <p:sldId id="258" r:id="rId3"/>
+    <p:sldId id="266" r:id="rId4"/>
+    <p:sldId id="260" r:id="rId5"/>
+    <p:sldId id="264" r:id="rId6"/>
+    <p:sldId id="262" r:id="rId7"/>
+    <p:sldId id="263" r:id="rId8"/>
+    <p:sldId id="257" r:id="rId9"/>
+    <p:sldId id="259" r:id="rId10"/>
+    <p:sldId id="261" r:id="rId11"/>
+    <p:sldId id="265" r:id="rId12"/>
   </p:sldIdLst>
   <p:sldSz cx="12192000" cy="6858000"/>
   <p:notesSz cx="6858000" cy="9144000"/>
@@ -13,7 +23,7 @@
     <a:defPPr>
       <a:defRPr lang="en-US"/>
     </a:defPPr>
-    <a:lvl1pPr marL="0" algn="l" defTabSz="914400" rtl="0" eaLnBrk="1" latinLnBrk="0" hangingPunct="1">
+    <a:lvl1pPr marL="0" algn="l" defTabSz="457200" rtl="0" eaLnBrk="1" latinLnBrk="0" hangingPunct="1">
       <a:defRPr sz="1800" kern="1200">
         <a:solidFill>
           <a:schemeClr val="tx1"/>
@@ -23,7 +33,7 @@
         <a:cs typeface="+mn-cs"/>
       </a:defRPr>
     </a:lvl1pPr>
-    <a:lvl2pPr marL="457200" algn="l" defTabSz="914400" rtl="0" eaLnBrk="1" latinLnBrk="0" hangingPunct="1">
+    <a:lvl2pPr marL="457200" algn="l" defTabSz="457200" rtl="0" eaLnBrk="1" latinLnBrk="0" hangingPunct="1">
       <a:defRPr sz="1800" kern="1200">
         <a:solidFill>
           <a:schemeClr val="tx1"/>
@@ -33,7 +43,7 @@
         <a:cs typeface="+mn-cs"/>
       </a:defRPr>
     </a:lvl2pPr>
-    <a:lvl3pPr marL="914400" algn="l" defTabSz="914400" rtl="0" eaLnBrk="1" latinLnBrk="0" hangingPunct="1">
+    <a:lvl3pPr marL="914400" algn="l" defTabSz="457200" rtl="0" eaLnBrk="1" latinLnBrk="0" hangingPunct="1">
       <a:defRPr sz="1800" kern="1200">
         <a:solidFill>
           <a:schemeClr val="tx1"/>
@@ -43,7 +53,7 @@
         <a:cs typeface="+mn-cs"/>
       </a:defRPr>
     </a:lvl3pPr>
-    <a:lvl4pPr marL="1371600" algn="l" defTabSz="914400" rtl="0" eaLnBrk="1" latinLnBrk="0" hangingPunct="1">
+    <a:lvl4pPr marL="1371600" algn="l" defTabSz="457200" rtl="0" eaLnBrk="1" latinLnBrk="0" hangingPunct="1">
       <a:defRPr sz="1800" kern="1200">
         <a:solidFill>
           <a:schemeClr val="tx1"/>
@@ -53,7 +63,7 @@
         <a:cs typeface="+mn-cs"/>
       </a:defRPr>
     </a:lvl4pPr>
-    <a:lvl5pPr marL="1828800" algn="l" defTabSz="914400" rtl="0" eaLnBrk="1" latinLnBrk="0" hangingPunct="1">
+    <a:lvl5pPr marL="1828800" algn="l" defTabSz="457200" rtl="0" eaLnBrk="1" latinLnBrk="0" hangingPunct="1">
       <a:defRPr sz="1800" kern="1200">
         <a:solidFill>
           <a:schemeClr val="tx1"/>
@@ -63,7 +73,7 @@
         <a:cs typeface="+mn-cs"/>
       </a:defRPr>
     </a:lvl5pPr>
-    <a:lvl6pPr marL="2286000" algn="l" defTabSz="914400" rtl="0" eaLnBrk="1" latinLnBrk="0" hangingPunct="1">
+    <a:lvl6pPr marL="2286000" algn="l" defTabSz="457200" rtl="0" eaLnBrk="1" latinLnBrk="0" hangingPunct="1">
       <a:defRPr sz="1800" kern="1200">
         <a:solidFill>
           <a:schemeClr val="tx1"/>
@@ -73,7 +83,7 @@
         <a:cs typeface="+mn-cs"/>
       </a:defRPr>
     </a:lvl6pPr>
-    <a:lvl7pPr marL="2743200" algn="l" defTabSz="914400" rtl="0" eaLnBrk="1" latinLnBrk="0" hangingPunct="1">
+    <a:lvl7pPr marL="2743200" algn="l" defTabSz="457200" rtl="0" eaLnBrk="1" latinLnBrk="0" hangingPunct="1">
       <a:defRPr sz="1800" kern="1200">
         <a:solidFill>
           <a:schemeClr val="tx1"/>
@@ -83,7 +93,7 @@
         <a:cs typeface="+mn-cs"/>
       </a:defRPr>
     </a:lvl7pPr>
-    <a:lvl8pPr marL="3200400" algn="l" defTabSz="914400" rtl="0" eaLnBrk="1" latinLnBrk="0" hangingPunct="1">
+    <a:lvl8pPr marL="3200400" algn="l" defTabSz="457200" rtl="0" eaLnBrk="1" latinLnBrk="0" hangingPunct="1">
       <a:defRPr sz="1800" kern="1200">
         <a:solidFill>
           <a:schemeClr val="tx1"/>
@@ -93,7 +103,7 @@
         <a:cs typeface="+mn-cs"/>
       </a:defRPr>
     </a:lvl8pPr>
-    <a:lvl9pPr marL="3657600" algn="l" defTabSz="914400" rtl="0" eaLnBrk="1" latinLnBrk="0" hangingPunct="1">
+    <a:lvl9pPr marL="3657600" algn="l" defTabSz="457200" rtl="0" eaLnBrk="1" latinLnBrk="0" hangingPunct="1">
       <a:defRPr sz="1800" kern="1200">
         <a:solidFill>
           <a:schemeClr val="tx1"/>
@@ -104,11 +114,40 @@
       </a:defRPr>
     </a:lvl9pPr>
   </p:defaultTextStyle>
+  <p:extLst>
+    <p:ext uri="{521415D9-36F7-43E2-AB2F-B90AF26B5E84}">
+      <p14:sectionLst xmlns:p14="http://schemas.microsoft.com/office/powerpoint/2010/main">
+        <p14:section name="Default Section" id="{593A3DF0-34A1-455D-8943-26FA71ED3DCC}">
+          <p14:sldIdLst>
+            <p14:sldId id="256"/>
+          </p14:sldIdLst>
+        </p14:section>
+        <p14:section name="Introduction" id="{B02D16C7-6FD9-4FF5-9199-179129663227}">
+          <p14:sldIdLst>
+            <p14:sldId id="258"/>
+            <p14:sldId id="266"/>
+            <p14:sldId id="260"/>
+            <p14:sldId id="264"/>
+          </p14:sldIdLst>
+        </p14:section>
+        <p14:section name="Implementation" id="{04ADD487-94DA-47EC-AF72-3116CF1CA6D9}">
+          <p14:sldIdLst>
+            <p14:sldId id="262"/>
+            <p14:sldId id="263"/>
+            <p14:sldId id="257"/>
+            <p14:sldId id="259"/>
+            <p14:sldId id="261"/>
+            <p14:sldId id="265"/>
+          </p14:sldIdLst>
+        </p14:section>
+      </p14:sectionLst>
+    </p:ext>
+  </p:extLst>
 </p:presentation>
 </file>
 
 <file path=ppt/slideLayouts/slideLayout1.xml><?xml version="1.0" encoding="utf-8"?>
-<p:sldLayout xmlns:a="http://schemas.openxmlformats.org/drawingml/2006/main" xmlns:r="http://schemas.openxmlformats.org/officeDocument/2006/relationships" xmlns:p="http://schemas.openxmlformats.org/presentationml/2006/main" type="title" preserve="1">
+<p:sldLayout xmlns:a="http://schemas.openxmlformats.org/drawingml/2006/main" xmlns:r="http://schemas.openxmlformats.org/officeDocument/2006/relationships" xmlns:p="http://schemas.openxmlformats.org/presentationml/2006/main" showMasterSp="0" type="title" preserve="1">
   <p:cSld name="Title Slide">
     <p:spTree>
       <p:nvGrpSpPr>
@@ -126,6 +165,82 @@
       </p:grpSpPr>
       <p:sp>
         <p:nvSpPr>
+          <p:cNvPr id="7" name="Rectangle 6"/>
+          <p:cNvSpPr/>
+          <p:nvPr/>
+        </p:nvSpPr>
+        <p:spPr>
+          <a:xfrm>
+            <a:off x="15" y="6400800"/>
+            <a:ext cx="12191985" cy="457200"/>
+          </a:xfrm>
+          <a:prstGeom prst="rect">
+            <a:avLst/>
+          </a:prstGeom>
+          <a:solidFill>
+            <a:schemeClr val="accent2"/>
+          </a:solidFill>
+          <a:ln>
+            <a:noFill/>
+          </a:ln>
+        </p:spPr>
+        <p:style>
+          <a:lnRef idx="2">
+            <a:schemeClr val="accent1">
+              <a:shade val="50000"/>
+            </a:schemeClr>
+          </a:lnRef>
+          <a:fillRef idx="1">
+            <a:schemeClr val="accent1"/>
+          </a:fillRef>
+          <a:effectRef idx="0">
+            <a:schemeClr val="accent1"/>
+          </a:effectRef>
+          <a:fontRef idx="minor">
+            <a:schemeClr val="lt1"/>
+          </a:fontRef>
+        </p:style>
+      </p:sp>
+      <p:sp>
+        <p:nvSpPr>
+          <p:cNvPr id="8" name="Rectangle 7"/>
+          <p:cNvSpPr/>
+          <p:nvPr/>
+        </p:nvSpPr>
+        <p:spPr>
+          <a:xfrm>
+            <a:off x="15" y="6334316"/>
+            <a:ext cx="12188825" cy="64008"/>
+          </a:xfrm>
+          <a:prstGeom prst="rect">
+            <a:avLst/>
+          </a:prstGeom>
+          <a:solidFill>
+            <a:schemeClr val="accent1"/>
+          </a:solidFill>
+          <a:ln>
+            <a:noFill/>
+          </a:ln>
+        </p:spPr>
+        <p:style>
+          <a:lnRef idx="2">
+            <a:schemeClr val="accent1">
+              <a:shade val="50000"/>
+            </a:schemeClr>
+          </a:lnRef>
+          <a:fillRef idx="1">
+            <a:schemeClr val="accent1"/>
+          </a:fillRef>
+          <a:effectRef idx="0">
+            <a:schemeClr val="accent1"/>
+          </a:effectRef>
+          <a:fontRef idx="minor">
+            <a:schemeClr val="lt1"/>
+          </a:fontRef>
+        </p:style>
+      </p:sp>
+      <p:sp>
+        <p:nvSpPr>
           <p:cNvPr id="2" name="Title 1"/>
           <p:cNvSpPr>
             <a:spLocks noGrp="1"/>
@@ -136,23 +251,34 @@
         </p:nvSpPr>
         <p:spPr>
           <a:xfrm>
-            <a:off x="1524000" y="1122363"/>
-            <a:ext cx="9144000" cy="2387600"/>
-          </a:xfrm>
-        </p:spPr>
-        <p:txBody>
-          <a:bodyPr anchor="b"/>
+            <a:off x="1097280" y="1347018"/>
+            <a:ext cx="10058400" cy="1651819"/>
+          </a:xfrm>
+        </p:spPr>
+        <p:txBody>
+          <a:bodyPr anchor="b">
+            <a:normAutofit/>
+          </a:bodyPr>
           <a:lstStyle>
             <a:lvl1pPr algn="ctr">
-              <a:defRPr sz="6000"/>
+              <a:lnSpc>
+                <a:spcPct val="85000"/>
+              </a:lnSpc>
+              <a:defRPr sz="6000" spc="-50" baseline="0">
+                <a:solidFill>
+                  <a:schemeClr val="tx1">
+                    <a:lumMod val="85000"/>
+                    <a:lumOff val="15000"/>
+                  </a:schemeClr>
+                </a:solidFill>
+              </a:defRPr>
             </a:lvl1pPr>
           </a:lstStyle>
           <a:p>
             <a:r>
-              <a:rPr lang="en-US"/>
+              <a:rPr lang="en-US" dirty="0"/>
               <a:t>Click to edit Master title style</a:t>
             </a:r>
-            <a:endParaRPr lang="en-US"/>
           </a:p>
         </p:txBody>
       </p:sp>
@@ -168,56 +294,62 @@
         </p:nvSpPr>
         <p:spPr>
           <a:xfrm>
-            <a:off x="1524000" y="3602038"/>
-            <a:ext cx="9144000" cy="1655762"/>
-          </a:xfrm>
-        </p:spPr>
-        <p:txBody>
-          <a:bodyPr/>
+            <a:off x="1065227" y="3964008"/>
+            <a:ext cx="10058400" cy="1143000"/>
+          </a:xfrm>
+        </p:spPr>
+        <p:txBody>
+          <a:bodyPr lIns="91440" rIns="91440">
+            <a:normAutofit/>
+          </a:bodyPr>
           <a:lstStyle>
             <a:lvl1pPr marL="0" indent="0" algn="ctr">
               <a:buNone/>
-              <a:defRPr sz="2400"/>
+              <a:defRPr sz="2400" cap="none" spc="200" baseline="0">
+                <a:solidFill>
+                  <a:schemeClr val="tx2"/>
+                </a:solidFill>
+                <a:latin typeface="+mj-lt"/>
+              </a:defRPr>
             </a:lvl1pPr>
             <a:lvl2pPr marL="457200" indent="0" algn="ctr">
               <a:buNone/>
-              <a:defRPr sz="2000"/>
+              <a:defRPr sz="2400"/>
             </a:lvl2pPr>
             <a:lvl3pPr marL="914400" indent="0" algn="ctr">
               <a:buNone/>
-              <a:defRPr sz="1800"/>
+              <a:defRPr sz="2400"/>
             </a:lvl3pPr>
             <a:lvl4pPr marL="1371600" indent="0" algn="ctr">
               <a:buNone/>
-              <a:defRPr sz="1600"/>
+              <a:defRPr sz="2000"/>
             </a:lvl4pPr>
             <a:lvl5pPr marL="1828800" indent="0" algn="ctr">
               <a:buNone/>
-              <a:defRPr sz="1600"/>
+              <a:defRPr sz="2000"/>
             </a:lvl5pPr>
             <a:lvl6pPr marL="2286000" indent="0" algn="ctr">
               <a:buNone/>
-              <a:defRPr sz="1600"/>
+              <a:defRPr sz="2000"/>
             </a:lvl6pPr>
             <a:lvl7pPr marL="2743200" indent="0" algn="ctr">
               <a:buNone/>
-              <a:defRPr sz="1600"/>
+              <a:defRPr sz="2000"/>
             </a:lvl7pPr>
             <a:lvl8pPr marL="3200400" indent="0" algn="ctr">
               <a:buNone/>
-              <a:defRPr sz="1600"/>
+              <a:defRPr sz="2000"/>
             </a:lvl8pPr>
             <a:lvl9pPr marL="3657600" indent="0" algn="ctr">
               <a:buNone/>
-              <a:defRPr sz="1600"/>
+              <a:defRPr sz="2000"/>
             </a:lvl9pPr>
           </a:lstStyle>
           <a:p>
             <a:r>
-              <a:rPr lang="en-US"/>
+              <a:rPr lang="en-US" dirty="0"/>
               <a:t>Click to edit Master subtitle style</a:t>
             </a:r>
-            <a:endParaRPr lang="en-US"/>
           </a:p>
         </p:txBody>
       </p:sp>
@@ -257,9 +389,13 @@
         <p:spPr/>
         <p:txBody>
           <a:bodyPr/>
-          <a:lstStyle/>
-          <a:p>
-            <a:endParaRPr lang="en-US"/>
+          <a:lstStyle>
+            <a:lvl1pPr>
+              <a:defRPr cap="none" baseline="0"/>
+            </a:lvl1pPr>
+          </a:lstStyle>
+          <a:p>
+            <a:endParaRPr lang="en-US" dirty="0"/>
           </a:p>
         </p:txBody>
       </p:sp>
@@ -289,7 +425,7 @@
     </p:spTree>
     <p:extLst>
       <p:ext uri="{BB962C8B-B14F-4D97-AF65-F5344CB8AC3E}">
-        <p14:creationId xmlns:p14="http://schemas.microsoft.com/office/powerpoint/2010/main" val="2809491671"/>
+        <p14:creationId xmlns:p14="http://schemas.microsoft.com/office/powerpoint/2010/main" val="239011070"/>
       </p:ext>
     </p:extLst>
   </p:cSld>
@@ -335,7 +471,7 @@
               <a:rPr lang="en-US"/>
               <a:t>Click to edit Master title style</a:t>
             </a:r>
-            <a:endParaRPr lang="en-US"/>
+            <a:endParaRPr lang="en-US" dirty="0"/>
           </a:p>
         </p:txBody>
       </p:sp>
@@ -351,7 +487,7 @@
         </p:nvSpPr>
         <p:spPr/>
         <p:txBody>
-          <a:bodyPr vert="eaVert"/>
+          <a:bodyPr vert="eaVert" lIns="45720" tIns="0" rIns="45720" bIns="0"/>
           <a:lstStyle/>
           <a:p>
             <a:pPr lvl="0"/>
@@ -387,7 +523,7 @@
               <a:rPr lang="en-US"/>
               <a:t>Fifth level</a:t>
             </a:r>
-            <a:endParaRPr lang="en-US"/>
+            <a:endParaRPr lang="en-US" dirty="0"/>
           </a:p>
         </p:txBody>
       </p:sp>
@@ -459,7 +595,7 @@
     </p:spTree>
     <p:extLst>
       <p:ext uri="{BB962C8B-B14F-4D97-AF65-F5344CB8AC3E}">
-        <p14:creationId xmlns:p14="http://schemas.microsoft.com/office/powerpoint/2010/main" val="2555816712"/>
+        <p14:creationId xmlns:p14="http://schemas.microsoft.com/office/powerpoint/2010/main" val="2137827176"/>
       </p:ext>
     </p:extLst>
   </p:cSld>
@@ -470,7 +606,7 @@
 </file>
 
 <file path=ppt/slideLayouts/slideLayout11.xml><?xml version="1.0" encoding="utf-8"?>
-<p:sldLayout xmlns:a="http://schemas.openxmlformats.org/drawingml/2006/main" xmlns:r="http://schemas.openxmlformats.org/officeDocument/2006/relationships" xmlns:p="http://schemas.openxmlformats.org/presentationml/2006/main" type="vertTitleAndTx" preserve="1">
+<p:sldLayout xmlns:a="http://schemas.openxmlformats.org/drawingml/2006/main" xmlns:r="http://schemas.openxmlformats.org/officeDocument/2006/relationships" xmlns:p="http://schemas.openxmlformats.org/presentationml/2006/main" showMasterSp="0" type="vertTitleAndTx" preserve="1">
   <p:cSld name="Vertical Title and Text">
     <p:spTree>
       <p:nvGrpSpPr>
@@ -488,6 +624,82 @@
       </p:grpSpPr>
       <p:sp>
         <p:nvSpPr>
+          <p:cNvPr id="7" name="Rectangle 6"/>
+          <p:cNvSpPr/>
+          <p:nvPr/>
+        </p:nvSpPr>
+        <p:spPr>
+          <a:xfrm>
+            <a:off x="3175" y="6400800"/>
+            <a:ext cx="12188825" cy="457200"/>
+          </a:xfrm>
+          <a:prstGeom prst="rect">
+            <a:avLst/>
+          </a:prstGeom>
+          <a:solidFill>
+            <a:schemeClr val="accent2"/>
+          </a:solidFill>
+          <a:ln>
+            <a:noFill/>
+          </a:ln>
+        </p:spPr>
+        <p:style>
+          <a:lnRef idx="2">
+            <a:schemeClr val="accent1">
+              <a:shade val="50000"/>
+            </a:schemeClr>
+          </a:lnRef>
+          <a:fillRef idx="1">
+            <a:schemeClr val="accent1"/>
+          </a:fillRef>
+          <a:effectRef idx="0">
+            <a:schemeClr val="accent1"/>
+          </a:effectRef>
+          <a:fontRef idx="minor">
+            <a:schemeClr val="lt1"/>
+          </a:fontRef>
+        </p:style>
+      </p:sp>
+      <p:sp>
+        <p:nvSpPr>
+          <p:cNvPr id="8" name="Rectangle 7"/>
+          <p:cNvSpPr/>
+          <p:nvPr/>
+        </p:nvSpPr>
+        <p:spPr>
+          <a:xfrm>
+            <a:off x="15" y="6334316"/>
+            <a:ext cx="12188825" cy="64008"/>
+          </a:xfrm>
+          <a:prstGeom prst="rect">
+            <a:avLst/>
+          </a:prstGeom>
+          <a:solidFill>
+            <a:schemeClr val="accent1"/>
+          </a:solidFill>
+          <a:ln>
+            <a:noFill/>
+          </a:ln>
+        </p:spPr>
+        <p:style>
+          <a:lnRef idx="2">
+            <a:schemeClr val="accent1">
+              <a:shade val="50000"/>
+            </a:schemeClr>
+          </a:lnRef>
+          <a:fillRef idx="1">
+            <a:schemeClr val="accent1"/>
+          </a:fillRef>
+          <a:effectRef idx="0">
+            <a:schemeClr val="accent1"/>
+          </a:effectRef>
+          <a:fontRef idx="minor">
+            <a:schemeClr val="lt1"/>
+          </a:fontRef>
+        </p:style>
+      </p:sp>
+      <p:sp>
+        <p:nvSpPr>
           <p:cNvPr id="2" name="Vertical Title 1"/>
           <p:cNvSpPr>
             <a:spLocks noGrp="1"/>
@@ -498,8 +710,8 @@
         </p:nvSpPr>
         <p:spPr>
           <a:xfrm>
-            <a:off x="8724900" y="365125"/>
-            <a:ext cx="2628900" cy="5811838"/>
+            <a:off x="8724900" y="414778"/>
+            <a:ext cx="2628900" cy="5757421"/>
           </a:xfrm>
         </p:spPr>
         <p:txBody>
@@ -510,7 +722,7 @@
               <a:rPr lang="en-US"/>
               <a:t>Click to edit Master title style</a:t>
             </a:r>
-            <a:endParaRPr lang="en-US"/>
+            <a:endParaRPr lang="en-US" dirty="0"/>
           </a:p>
         </p:txBody>
       </p:sp>
@@ -526,12 +738,12 @@
         </p:nvSpPr>
         <p:spPr>
           <a:xfrm>
-            <a:off x="838200" y="365125"/>
-            <a:ext cx="7734300" cy="5811838"/>
-          </a:xfrm>
-        </p:spPr>
-        <p:txBody>
-          <a:bodyPr vert="eaVert"/>
+            <a:off x="838200" y="414778"/>
+            <a:ext cx="7734300" cy="5757422"/>
+          </a:xfrm>
+        </p:spPr>
+        <p:txBody>
+          <a:bodyPr vert="eaVert" lIns="45720" tIns="0" rIns="45720" bIns="0"/>
           <a:lstStyle/>
           <a:p>
             <a:pPr lvl="0"/>
@@ -567,7 +779,7 @@
               <a:rPr lang="en-US"/>
               <a:t>Fifth level</a:t>
             </a:r>
-            <a:endParaRPr lang="en-US"/>
+            <a:endParaRPr lang="en-US" dirty="0"/>
           </a:p>
         </p:txBody>
       </p:sp>
@@ -639,7 +851,7 @@
     </p:spTree>
     <p:extLst>
       <p:ext uri="{BB962C8B-B14F-4D97-AF65-F5344CB8AC3E}">
-        <p14:creationId xmlns:p14="http://schemas.microsoft.com/office/powerpoint/2010/main" val="3272617633"/>
+        <p14:creationId xmlns:p14="http://schemas.microsoft.com/office/powerpoint/2010/main" val="1768660862"/>
       </p:ext>
     </p:extLst>
   </p:cSld>
@@ -679,13 +891,17 @@
         <p:spPr/>
         <p:txBody>
           <a:bodyPr/>
-          <a:lstStyle/>
+          <a:lstStyle>
+            <a:lvl1pPr marL="0">
+              <a:defRPr/>
+            </a:lvl1pPr>
+          </a:lstStyle>
           <a:p>
             <a:r>
               <a:rPr lang="en-US"/>
               <a:t>Click to edit Master title style</a:t>
             </a:r>
-            <a:endParaRPr lang="en-US"/>
+            <a:endParaRPr lang="en-US" dirty="0"/>
           </a:p>
         </p:txBody>
       </p:sp>
@@ -702,42 +918,45 @@
         <p:spPr/>
         <p:txBody>
           <a:bodyPr/>
-          <a:lstStyle/>
+          <a:lstStyle>
+            <a:lvl1pPr marL="285750" indent="-227013">
+              <a:defRPr/>
+            </a:lvl1pPr>
+          </a:lstStyle>
           <a:p>
             <a:pPr lvl="0"/>
             <a:r>
-              <a:rPr lang="en-US"/>
+              <a:rPr lang="en-US" dirty="0"/>
               <a:t>Edit Master text styles</a:t>
             </a:r>
           </a:p>
           <a:p>
             <a:pPr lvl="1"/>
             <a:r>
-              <a:rPr lang="en-US"/>
+              <a:rPr lang="en-US" dirty="0"/>
               <a:t>Second level</a:t>
             </a:r>
           </a:p>
           <a:p>
             <a:pPr lvl="2"/>
             <a:r>
-              <a:rPr lang="en-US"/>
+              <a:rPr lang="en-US" dirty="0"/>
               <a:t>Third level</a:t>
             </a:r>
           </a:p>
           <a:p>
             <a:pPr lvl="3"/>
             <a:r>
-              <a:rPr lang="en-US"/>
+              <a:rPr lang="en-US" dirty="0"/>
               <a:t>Fourth level</a:t>
             </a:r>
           </a:p>
           <a:p>
             <a:pPr lvl="4"/>
             <a:r>
-              <a:rPr lang="en-US"/>
+              <a:rPr lang="en-US" dirty="0"/>
               <a:t>Fifth level</a:t>
             </a:r>
-            <a:endParaRPr lang="en-US"/>
           </a:p>
         </p:txBody>
       </p:sp>
@@ -809,7 +1028,7 @@
     </p:spTree>
     <p:extLst>
       <p:ext uri="{BB962C8B-B14F-4D97-AF65-F5344CB8AC3E}">
-        <p14:creationId xmlns:p14="http://schemas.microsoft.com/office/powerpoint/2010/main" val="1903535020"/>
+        <p14:creationId xmlns:p14="http://schemas.microsoft.com/office/powerpoint/2010/main" val="2712330962"/>
       </p:ext>
     </p:extLst>
   </p:cSld>
@@ -820,8 +1039,16 @@
 </file>
 
 <file path=ppt/slideLayouts/slideLayout3.xml><?xml version="1.0" encoding="utf-8"?>
-<p:sldLayout xmlns:a="http://schemas.openxmlformats.org/drawingml/2006/main" xmlns:r="http://schemas.openxmlformats.org/officeDocument/2006/relationships" xmlns:p="http://schemas.openxmlformats.org/presentationml/2006/main" type="secHead" preserve="1">
+<p:sldLayout xmlns:a="http://schemas.openxmlformats.org/drawingml/2006/main" xmlns:r="http://schemas.openxmlformats.org/officeDocument/2006/relationships" xmlns:p="http://schemas.openxmlformats.org/presentationml/2006/main" showMasterSp="0" type="secHead" preserve="1">
   <p:cSld name="Section Header">
+    <p:bg>
+      <p:bgPr>
+        <a:solidFill>
+          <a:schemeClr val="bg1"/>
+        </a:solidFill>
+        <a:effectLst/>
+      </p:bgPr>
+    </p:bg>
     <p:spTree>
       <p:nvGrpSpPr>
         <p:cNvPr id="1" name=""/>
@@ -838,6 +1065,82 @@
       </p:grpSpPr>
       <p:sp>
         <p:nvSpPr>
+          <p:cNvPr id="7" name="Rectangle 6"/>
+          <p:cNvSpPr/>
+          <p:nvPr/>
+        </p:nvSpPr>
+        <p:spPr>
+          <a:xfrm>
+            <a:off x="3175" y="6400800"/>
+            <a:ext cx="12188825" cy="457200"/>
+          </a:xfrm>
+          <a:prstGeom prst="rect">
+            <a:avLst/>
+          </a:prstGeom>
+          <a:solidFill>
+            <a:schemeClr val="accent2"/>
+          </a:solidFill>
+          <a:ln>
+            <a:noFill/>
+          </a:ln>
+        </p:spPr>
+        <p:style>
+          <a:lnRef idx="2">
+            <a:schemeClr val="accent1">
+              <a:shade val="50000"/>
+            </a:schemeClr>
+          </a:lnRef>
+          <a:fillRef idx="1">
+            <a:schemeClr val="accent1"/>
+          </a:fillRef>
+          <a:effectRef idx="0">
+            <a:schemeClr val="accent1"/>
+          </a:effectRef>
+          <a:fontRef idx="minor">
+            <a:schemeClr val="lt1"/>
+          </a:fontRef>
+        </p:style>
+      </p:sp>
+      <p:sp>
+        <p:nvSpPr>
+          <p:cNvPr id="8" name="Rectangle 7"/>
+          <p:cNvSpPr/>
+          <p:nvPr/>
+        </p:nvSpPr>
+        <p:spPr>
+          <a:xfrm>
+            <a:off x="15" y="6334316"/>
+            <a:ext cx="12188825" cy="64008"/>
+          </a:xfrm>
+          <a:prstGeom prst="rect">
+            <a:avLst/>
+          </a:prstGeom>
+          <a:solidFill>
+            <a:schemeClr val="accent1"/>
+          </a:solidFill>
+          <a:ln>
+            <a:noFill/>
+          </a:ln>
+        </p:spPr>
+        <p:style>
+          <a:lnRef idx="2">
+            <a:schemeClr val="accent1">
+              <a:shade val="50000"/>
+            </a:schemeClr>
+          </a:lnRef>
+          <a:fillRef idx="1">
+            <a:schemeClr val="accent1"/>
+          </a:fillRef>
+          <a:effectRef idx="0">
+            <a:schemeClr val="accent1"/>
+          </a:effectRef>
+          <a:fontRef idx="minor">
+            <a:schemeClr val="lt1"/>
+          </a:fontRef>
+        </p:style>
+      </p:sp>
+      <p:sp>
+        <p:nvSpPr>
           <p:cNvPr id="2" name="Title 1"/>
           <p:cNvSpPr>
             <a:spLocks noGrp="1"/>
@@ -848,58 +1151,71 @@
         </p:nvSpPr>
         <p:spPr>
           <a:xfrm>
-            <a:off x="831850" y="1709738"/>
-            <a:ext cx="10515600" cy="2852737"/>
-          </a:xfrm>
-        </p:spPr>
-        <p:txBody>
-          <a:bodyPr anchor="b"/>
+            <a:off x="1097280" y="758952"/>
+            <a:ext cx="10058400" cy="3566160"/>
+          </a:xfrm>
+        </p:spPr>
+        <p:txBody>
+          <a:bodyPr anchor="b" anchorCtr="0">
+            <a:normAutofit/>
+          </a:bodyPr>
           <a:lstStyle>
             <a:lvl1pPr>
-              <a:defRPr sz="6000"/>
-            </a:lvl1pPr>
-          </a:lstStyle>
-          <a:p>
-            <a:r>
-              <a:rPr lang="en-US"/>
-              <a:t>Click to edit Master title style</a:t>
-            </a:r>
-            <a:endParaRPr lang="en-US"/>
-          </a:p>
-        </p:txBody>
-      </p:sp>
-      <p:sp>
-        <p:nvSpPr>
-          <p:cNvPr id="3" name="Text Placeholder 2"/>
-          <p:cNvSpPr>
-            <a:spLocks noGrp="1"/>
-          </p:cNvSpPr>
-          <p:nvPr>
-            <p:ph type="body" idx="1"/>
-          </p:nvPr>
-        </p:nvSpPr>
-        <p:spPr>
-          <a:xfrm>
-            <a:off x="831850" y="4589463"/>
-            <a:ext cx="10515600" cy="1500187"/>
-          </a:xfrm>
-        </p:spPr>
-        <p:txBody>
-          <a:bodyPr/>
-          <a:lstStyle>
-            <a:lvl1pPr marL="0" indent="0">
-              <a:buNone/>
-              <a:defRPr sz="2400">
+              <a:lnSpc>
+                <a:spcPct val="85000"/>
+              </a:lnSpc>
+              <a:defRPr sz="8000" b="0">
                 <a:solidFill>
                   <a:schemeClr val="tx1">
-                    <a:tint val="75000"/>
+                    <a:lumMod val="85000"/>
+                    <a:lumOff val="15000"/>
                   </a:schemeClr>
                 </a:solidFill>
               </a:defRPr>
             </a:lvl1pPr>
+          </a:lstStyle>
+          <a:p>
+            <a:r>
+              <a:rPr lang="en-US"/>
+              <a:t>Click to edit Master title style</a:t>
+            </a:r>
+            <a:endParaRPr lang="en-US" dirty="0"/>
+          </a:p>
+        </p:txBody>
+      </p:sp>
+      <p:sp>
+        <p:nvSpPr>
+          <p:cNvPr id="3" name="Text Placeholder 2"/>
+          <p:cNvSpPr>
+            <a:spLocks noGrp="1"/>
+          </p:cNvSpPr>
+          <p:nvPr>
+            <p:ph type="body" idx="1"/>
+          </p:nvPr>
+        </p:nvSpPr>
+        <p:spPr>
+          <a:xfrm>
+            <a:off x="1097280" y="4453128"/>
+            <a:ext cx="10058400" cy="1143000"/>
+          </a:xfrm>
+        </p:spPr>
+        <p:txBody>
+          <a:bodyPr lIns="91440" rIns="91440" anchor="t" anchorCtr="0">
+            <a:normAutofit/>
+          </a:bodyPr>
+          <a:lstStyle>
+            <a:lvl1pPr marL="0" indent="0">
+              <a:buNone/>
+              <a:defRPr sz="2400" cap="all" spc="200" baseline="0">
+                <a:solidFill>
+                  <a:schemeClr val="tx2"/>
+                </a:solidFill>
+                <a:latin typeface="+mj-lt"/>
+              </a:defRPr>
+            </a:lvl1pPr>
             <a:lvl2pPr marL="457200" indent="0">
               <a:buNone/>
-              <a:defRPr sz="2000">
+              <a:defRPr sz="1800">
                 <a:solidFill>
                   <a:schemeClr val="tx1">
                     <a:tint val="75000"/>
@@ -909,7 +1225,7 @@
             </a:lvl2pPr>
             <a:lvl3pPr marL="914400" indent="0">
               <a:buNone/>
-              <a:defRPr sz="1800">
+              <a:defRPr sz="1600">
                 <a:solidFill>
                   <a:schemeClr val="tx1">
                     <a:tint val="75000"/>
@@ -919,7 +1235,7 @@
             </a:lvl3pPr>
             <a:lvl4pPr marL="1371600" indent="0">
               <a:buNone/>
-              <a:defRPr sz="1600">
+              <a:defRPr sz="1400">
                 <a:solidFill>
                   <a:schemeClr val="tx1">
                     <a:tint val="75000"/>
@@ -929,7 +1245,7 @@
             </a:lvl4pPr>
             <a:lvl5pPr marL="1828800" indent="0">
               <a:buNone/>
-              <a:defRPr sz="1600">
+              <a:defRPr sz="1400">
                 <a:solidFill>
                   <a:schemeClr val="tx1">
                     <a:tint val="75000"/>
@@ -939,7 +1255,7 @@
             </a:lvl5pPr>
             <a:lvl6pPr marL="2286000" indent="0">
               <a:buNone/>
-              <a:defRPr sz="1600">
+              <a:defRPr sz="1400">
                 <a:solidFill>
                   <a:schemeClr val="tx1">
                     <a:tint val="75000"/>
@@ -949,7 +1265,7 @@
             </a:lvl6pPr>
             <a:lvl7pPr marL="2743200" indent="0">
               <a:buNone/>
-              <a:defRPr sz="1600">
+              <a:defRPr sz="1400">
                 <a:solidFill>
                   <a:schemeClr val="tx1">
                     <a:tint val="75000"/>
@@ -959,7 +1275,7 @@
             </a:lvl7pPr>
             <a:lvl8pPr marL="3200400" indent="0">
               <a:buNone/>
-              <a:defRPr sz="1600">
+              <a:defRPr sz="1400">
                 <a:solidFill>
                   <a:schemeClr val="tx1">
                     <a:tint val="75000"/>
@@ -969,7 +1285,7 @@
             </a:lvl8pPr>
             <a:lvl9pPr marL="3657600" indent="0">
               <a:buNone/>
-              <a:defRPr sz="1600">
+              <a:defRPr sz="1400">
                 <a:solidFill>
                   <a:schemeClr val="tx1">
                     <a:tint val="75000"/>
@@ -1052,10 +1368,48 @@
           </a:p>
         </p:txBody>
       </p:sp>
+      <p:cxnSp>
+        <p:nvCxnSpPr>
+          <p:cNvPr id="9" name="Straight Connector 8"/>
+          <p:cNvCxnSpPr/>
+          <p:nvPr/>
+        </p:nvCxnSpPr>
+        <p:spPr>
+          <a:xfrm>
+            <a:off x="1207658" y="4343400"/>
+            <a:ext cx="9875520" cy="0"/>
+          </a:xfrm>
+          <a:prstGeom prst="line">
+            <a:avLst/>
+          </a:prstGeom>
+          <a:ln w="6350">
+            <a:solidFill>
+              <a:schemeClr val="tx1">
+                <a:lumMod val="50000"/>
+                <a:lumOff val="50000"/>
+              </a:schemeClr>
+            </a:solidFill>
+          </a:ln>
+        </p:spPr>
+        <p:style>
+          <a:lnRef idx="1">
+            <a:schemeClr val="accent1"/>
+          </a:lnRef>
+          <a:fillRef idx="0">
+            <a:schemeClr val="accent1"/>
+          </a:fillRef>
+          <a:effectRef idx="0">
+            <a:schemeClr val="accent1"/>
+          </a:effectRef>
+          <a:fontRef idx="minor">
+            <a:schemeClr val="tx1"/>
+          </a:fontRef>
+        </p:style>
+      </p:cxnSp>
     </p:spTree>
     <p:extLst>
       <p:ext uri="{BB962C8B-B14F-4D97-AF65-F5344CB8AC3E}">
-        <p14:creationId xmlns:p14="http://schemas.microsoft.com/office/powerpoint/2010/main" val="4174802538"/>
+        <p14:creationId xmlns:p14="http://schemas.microsoft.com/office/powerpoint/2010/main" val="4128700683"/>
       </p:ext>
     </p:extLst>
   </p:cSld>
@@ -1084,7 +1438,7 @@
       </p:grpSpPr>
       <p:sp>
         <p:nvSpPr>
-          <p:cNvPr id="2" name="Title 1"/>
+          <p:cNvPr id="8" name="Title 7"/>
           <p:cNvSpPr>
             <a:spLocks noGrp="1"/>
           </p:cNvSpPr>
@@ -1092,7 +1446,12 @@
             <p:ph type="title"/>
           </p:nvPr>
         </p:nvSpPr>
-        <p:spPr/>
+        <p:spPr>
+          <a:xfrm>
+            <a:off x="1097280" y="286603"/>
+            <a:ext cx="10058400" cy="1450757"/>
+          </a:xfrm>
+        </p:spPr>
         <p:txBody>
           <a:bodyPr/>
           <a:lstStyle/>
@@ -1101,7 +1460,7 @@
               <a:rPr lang="en-US"/>
               <a:t>Click to edit Master title style</a:t>
             </a:r>
-            <a:endParaRPr lang="en-US"/>
+            <a:endParaRPr lang="en-US" dirty="0"/>
           </a:p>
         </p:txBody>
       </p:sp>
@@ -1117,8 +1476,8 @@
         </p:nvSpPr>
         <p:spPr>
           <a:xfrm>
-            <a:off x="838200" y="1825625"/>
-            <a:ext cx="5181600" cy="4351338"/>
+            <a:off x="1097279" y="1845734"/>
+            <a:ext cx="4937760" cy="4023360"/>
           </a:xfrm>
         </p:spPr>
         <p:txBody>
@@ -1158,7 +1517,7 @@
               <a:rPr lang="en-US"/>
               <a:t>Fifth level</a:t>
             </a:r>
-            <a:endParaRPr lang="en-US"/>
+            <a:endParaRPr lang="en-US" dirty="0"/>
           </a:p>
         </p:txBody>
       </p:sp>
@@ -1174,8 +1533,8 @@
         </p:nvSpPr>
         <p:spPr>
           <a:xfrm>
-            <a:off x="6172200" y="1825625"/>
-            <a:ext cx="5181600" cy="4351338"/>
+            <a:off x="6217920" y="1845735"/>
+            <a:ext cx="4937760" cy="4023360"/>
           </a:xfrm>
         </p:spPr>
         <p:txBody>
@@ -1215,7 +1574,7 @@
               <a:rPr lang="en-US"/>
               <a:t>Fifth level</a:t>
             </a:r>
-            <a:endParaRPr lang="en-US"/>
+            <a:endParaRPr lang="en-US" dirty="0"/>
           </a:p>
         </p:txBody>
       </p:sp>
@@ -1287,7 +1646,7 @@
     </p:spTree>
     <p:extLst>
       <p:ext uri="{BB962C8B-B14F-4D97-AF65-F5344CB8AC3E}">
-        <p14:creationId xmlns:p14="http://schemas.microsoft.com/office/powerpoint/2010/main" val="1806422544"/>
+        <p14:creationId xmlns:p14="http://schemas.microsoft.com/office/powerpoint/2010/main" val="340290046"/>
       </p:ext>
     </p:extLst>
   </p:cSld>
@@ -1316,7 +1675,7 @@
       </p:grpSpPr>
       <p:sp>
         <p:nvSpPr>
-          <p:cNvPr id="2" name="Title 1"/>
+          <p:cNvPr id="10" name="Title 9"/>
           <p:cNvSpPr>
             <a:spLocks noGrp="1"/>
           </p:cNvSpPr>
@@ -1326,8 +1685,8 @@
         </p:nvSpPr>
         <p:spPr>
           <a:xfrm>
-            <a:off x="839788" y="365125"/>
-            <a:ext cx="10515600" cy="1325563"/>
+            <a:off x="1097280" y="286603"/>
+            <a:ext cx="10058400" cy="1450757"/>
           </a:xfrm>
         </p:spPr>
         <p:txBody>
@@ -1338,7 +1697,7 @@
               <a:rPr lang="en-US"/>
               <a:t>Click to edit Master title style</a:t>
             </a:r>
-            <a:endParaRPr lang="en-US"/>
+            <a:endParaRPr lang="en-US" dirty="0"/>
           </a:p>
         </p:txBody>
       </p:sp>
@@ -1354,16 +1713,22 @@
         </p:nvSpPr>
         <p:spPr>
           <a:xfrm>
-            <a:off x="839788" y="1681163"/>
-            <a:ext cx="5157787" cy="823912"/>
-          </a:xfrm>
-        </p:spPr>
-        <p:txBody>
-          <a:bodyPr anchor="b"/>
+            <a:off x="1097280" y="1846052"/>
+            <a:ext cx="4937760" cy="736282"/>
+          </a:xfrm>
+        </p:spPr>
+        <p:txBody>
+          <a:bodyPr lIns="91440" rIns="91440" anchor="ctr">
+            <a:normAutofit/>
+          </a:bodyPr>
           <a:lstStyle>
             <a:lvl1pPr marL="0" indent="0">
               <a:buNone/>
-              <a:defRPr sz="2400" b="1"/>
+              <a:defRPr sz="2000" b="0" cap="all" baseline="0">
+                <a:solidFill>
+                  <a:schemeClr val="tx2"/>
+                </a:solidFill>
+              </a:defRPr>
             </a:lvl1pPr>
             <a:lvl2pPr marL="457200" indent="0">
               <a:buNone/>
@@ -1419,8 +1784,8 @@
         </p:nvSpPr>
         <p:spPr>
           <a:xfrm>
-            <a:off x="839788" y="2505075"/>
-            <a:ext cx="5157787" cy="3684588"/>
+            <a:off x="1097280" y="2582334"/>
+            <a:ext cx="4937760" cy="3378200"/>
           </a:xfrm>
         </p:spPr>
         <p:txBody>
@@ -1460,7 +1825,7 @@
               <a:rPr lang="en-US"/>
               <a:t>Fifth level</a:t>
             </a:r>
-            <a:endParaRPr lang="en-US"/>
+            <a:endParaRPr lang="en-US" dirty="0"/>
           </a:p>
         </p:txBody>
       </p:sp>
@@ -1476,16 +1841,22 @@
         </p:nvSpPr>
         <p:spPr>
           <a:xfrm>
-            <a:off x="6172200" y="1681163"/>
-            <a:ext cx="5183188" cy="823912"/>
-          </a:xfrm>
-        </p:spPr>
-        <p:txBody>
-          <a:bodyPr anchor="b"/>
+            <a:off x="6217920" y="1846052"/>
+            <a:ext cx="4937760" cy="736282"/>
+          </a:xfrm>
+        </p:spPr>
+        <p:txBody>
+          <a:bodyPr lIns="91440" rIns="91440" anchor="ctr">
+            <a:normAutofit/>
+          </a:bodyPr>
           <a:lstStyle>
             <a:lvl1pPr marL="0" indent="0">
               <a:buNone/>
-              <a:defRPr sz="2400" b="1"/>
+              <a:defRPr sz="2000" b="0" cap="all" baseline="0">
+                <a:solidFill>
+                  <a:schemeClr val="tx2"/>
+                </a:solidFill>
+              </a:defRPr>
             </a:lvl1pPr>
             <a:lvl2pPr marL="457200" indent="0">
               <a:buNone/>
@@ -1541,8 +1912,8 @@
         </p:nvSpPr>
         <p:spPr>
           <a:xfrm>
-            <a:off x="6172200" y="2505075"/>
-            <a:ext cx="5183188" cy="3684588"/>
+            <a:off x="6217920" y="2582334"/>
+            <a:ext cx="4937760" cy="3378200"/>
           </a:xfrm>
         </p:spPr>
         <p:txBody>
@@ -1582,7 +1953,7 @@
               <a:rPr lang="en-US"/>
               <a:t>Fifth level</a:t>
             </a:r>
-            <a:endParaRPr lang="en-US"/>
+            <a:endParaRPr lang="en-US" dirty="0"/>
           </a:p>
         </p:txBody>
       </p:sp>
@@ -1654,7 +2025,7 @@
     </p:spTree>
     <p:extLst>
       <p:ext uri="{BB962C8B-B14F-4D97-AF65-F5344CB8AC3E}">
-        <p14:creationId xmlns:p14="http://schemas.microsoft.com/office/powerpoint/2010/main" val="3539849692"/>
+        <p14:creationId xmlns:p14="http://schemas.microsoft.com/office/powerpoint/2010/main" val="425982820"/>
       </p:ext>
     </p:extLst>
   </p:cSld>
@@ -1700,7 +2071,7 @@
               <a:rPr lang="en-US"/>
               <a:t>Click to edit Master title style</a:t>
             </a:r>
-            <a:endParaRPr lang="en-US"/>
+            <a:endParaRPr lang="en-US" dirty="0"/>
           </a:p>
         </p:txBody>
       </p:sp>
@@ -1772,7 +2143,7 @@
     </p:spTree>
     <p:extLst>
       <p:ext uri="{BB962C8B-B14F-4D97-AF65-F5344CB8AC3E}">
-        <p14:creationId xmlns:p14="http://schemas.microsoft.com/office/powerpoint/2010/main" val="3299068548"/>
+        <p14:creationId xmlns:p14="http://schemas.microsoft.com/office/powerpoint/2010/main" val="1865538170"/>
       </p:ext>
     </p:extLst>
   </p:cSld>
@@ -1783,7 +2154,7 @@
 </file>
 
 <file path=ppt/slideLayouts/slideLayout7.xml><?xml version="1.0" encoding="utf-8"?>
-<p:sldLayout xmlns:a="http://schemas.openxmlformats.org/drawingml/2006/main" xmlns:r="http://schemas.openxmlformats.org/officeDocument/2006/relationships" xmlns:p="http://schemas.openxmlformats.org/presentationml/2006/main" type="blank" preserve="1">
+<p:sldLayout xmlns:a="http://schemas.openxmlformats.org/drawingml/2006/main" xmlns:r="http://schemas.openxmlformats.org/officeDocument/2006/relationships" xmlns:p="http://schemas.openxmlformats.org/presentationml/2006/main" showMasterSp="0" type="blank" preserve="1">
   <p:cSld name="Blank">
     <p:spTree>
       <p:nvGrpSpPr>
@@ -1801,7 +2172,83 @@
       </p:grpSpPr>
       <p:sp>
         <p:nvSpPr>
-          <p:cNvPr id="2" name="Date Placeholder 1"/>
+          <p:cNvPr id="5" name="Rectangle 4"/>
+          <p:cNvSpPr/>
+          <p:nvPr/>
+        </p:nvSpPr>
+        <p:spPr>
+          <a:xfrm>
+            <a:off x="3175" y="6400800"/>
+            <a:ext cx="12188825" cy="457200"/>
+          </a:xfrm>
+          <a:prstGeom prst="rect">
+            <a:avLst/>
+          </a:prstGeom>
+          <a:solidFill>
+            <a:schemeClr val="accent2"/>
+          </a:solidFill>
+          <a:ln>
+            <a:noFill/>
+          </a:ln>
+        </p:spPr>
+        <p:style>
+          <a:lnRef idx="2">
+            <a:schemeClr val="accent1">
+              <a:shade val="50000"/>
+            </a:schemeClr>
+          </a:lnRef>
+          <a:fillRef idx="1">
+            <a:schemeClr val="accent1"/>
+          </a:fillRef>
+          <a:effectRef idx="0">
+            <a:schemeClr val="accent1"/>
+          </a:effectRef>
+          <a:fontRef idx="minor">
+            <a:schemeClr val="lt1"/>
+          </a:fontRef>
+        </p:style>
+      </p:sp>
+      <p:sp>
+        <p:nvSpPr>
+          <p:cNvPr id="6" name="Rectangle 5"/>
+          <p:cNvSpPr/>
+          <p:nvPr/>
+        </p:nvSpPr>
+        <p:spPr>
+          <a:xfrm>
+            <a:off x="15" y="6334316"/>
+            <a:ext cx="12188825" cy="64008"/>
+          </a:xfrm>
+          <a:prstGeom prst="rect">
+            <a:avLst/>
+          </a:prstGeom>
+          <a:solidFill>
+            <a:schemeClr val="accent1"/>
+          </a:solidFill>
+          <a:ln>
+            <a:noFill/>
+          </a:ln>
+        </p:spPr>
+        <p:style>
+          <a:lnRef idx="2">
+            <a:schemeClr val="accent1">
+              <a:shade val="50000"/>
+            </a:schemeClr>
+          </a:lnRef>
+          <a:fillRef idx="1">
+            <a:schemeClr val="accent1"/>
+          </a:fillRef>
+          <a:effectRef idx="0">
+            <a:schemeClr val="accent1"/>
+          </a:effectRef>
+          <a:fontRef idx="minor">
+            <a:schemeClr val="lt1"/>
+          </a:fontRef>
+        </p:style>
+      </p:sp>
+      <p:sp>
+        <p:nvSpPr>
+          <p:cNvPr id="7" name="Date Placeholder 6"/>
           <p:cNvSpPr>
             <a:spLocks noGrp="1"/>
           </p:cNvSpPr>
@@ -1824,7 +2271,7 @@
       </p:sp>
       <p:sp>
         <p:nvSpPr>
-          <p:cNvPr id="3" name="Footer Placeholder 2"/>
+          <p:cNvPr id="8" name="Footer Placeholder 7"/>
           <p:cNvSpPr>
             <a:spLocks noGrp="1"/>
           </p:cNvSpPr>
@@ -1835,7 +2282,15 @@
         <p:spPr/>
         <p:txBody>
           <a:bodyPr/>
-          <a:lstStyle/>
+          <a:lstStyle>
+            <a:lvl1pPr>
+              <a:defRPr>
+                <a:solidFill>
+                  <a:srgbClr val="FFFFFF"/>
+                </a:solidFill>
+              </a:defRPr>
+            </a:lvl1pPr>
+          </a:lstStyle>
           <a:p>
             <a:endParaRPr lang="en-US"/>
           </a:p>
@@ -1843,7 +2298,7 @@
       </p:sp>
       <p:sp>
         <p:nvSpPr>
-          <p:cNvPr id="4" name="Slide Number Placeholder 3"/>
+          <p:cNvPr id="9" name="Slide Number Placeholder 8"/>
           <p:cNvSpPr>
             <a:spLocks noGrp="1"/>
           </p:cNvSpPr>
@@ -1867,7 +2322,7 @@
     </p:spTree>
     <p:extLst>
       <p:ext uri="{BB962C8B-B14F-4D97-AF65-F5344CB8AC3E}">
-        <p14:creationId xmlns:p14="http://schemas.microsoft.com/office/powerpoint/2010/main" val="3475934610"/>
+        <p14:creationId xmlns:p14="http://schemas.microsoft.com/office/powerpoint/2010/main" val="1843518521"/>
       </p:ext>
     </p:extLst>
   </p:cSld>
@@ -1878,7 +2333,7 @@
 </file>
 
 <file path=ppt/slideLayouts/slideLayout8.xml><?xml version="1.0" encoding="utf-8"?>
-<p:sldLayout xmlns:a="http://schemas.openxmlformats.org/drawingml/2006/main" xmlns:r="http://schemas.openxmlformats.org/officeDocument/2006/relationships" xmlns:p="http://schemas.openxmlformats.org/presentationml/2006/main" type="objTx" preserve="1">
+<p:sldLayout xmlns:a="http://schemas.openxmlformats.org/drawingml/2006/main" xmlns:r="http://schemas.openxmlformats.org/officeDocument/2006/relationships" xmlns:p="http://schemas.openxmlformats.org/presentationml/2006/main" showMasterSp="0" type="objTx" preserve="1">
   <p:cSld name="Content with Caption">
     <p:spTree>
       <p:nvGrpSpPr>
@@ -1896,6 +2351,82 @@
       </p:grpSpPr>
       <p:sp>
         <p:nvSpPr>
+          <p:cNvPr id="8" name="Rectangle 7"/>
+          <p:cNvSpPr/>
+          <p:nvPr/>
+        </p:nvSpPr>
+        <p:spPr>
+          <a:xfrm>
+            <a:off x="16" y="0"/>
+            <a:ext cx="4050791" cy="6858000"/>
+          </a:xfrm>
+          <a:prstGeom prst="rect">
+            <a:avLst/>
+          </a:prstGeom>
+          <a:solidFill>
+            <a:schemeClr val="accent2"/>
+          </a:solidFill>
+          <a:ln>
+            <a:noFill/>
+          </a:ln>
+        </p:spPr>
+        <p:style>
+          <a:lnRef idx="2">
+            <a:schemeClr val="accent1">
+              <a:shade val="50000"/>
+            </a:schemeClr>
+          </a:lnRef>
+          <a:fillRef idx="1">
+            <a:schemeClr val="accent1"/>
+          </a:fillRef>
+          <a:effectRef idx="0">
+            <a:schemeClr val="accent1"/>
+          </a:effectRef>
+          <a:fontRef idx="minor">
+            <a:schemeClr val="lt1"/>
+          </a:fontRef>
+        </p:style>
+      </p:sp>
+      <p:sp>
+        <p:nvSpPr>
+          <p:cNvPr id="9" name="Rectangle 8"/>
+          <p:cNvSpPr/>
+          <p:nvPr/>
+        </p:nvSpPr>
+        <p:spPr>
+          <a:xfrm>
+            <a:off x="4040071" y="0"/>
+            <a:ext cx="64008" cy="6858000"/>
+          </a:xfrm>
+          <a:prstGeom prst="rect">
+            <a:avLst/>
+          </a:prstGeom>
+          <a:solidFill>
+            <a:schemeClr val="accent1"/>
+          </a:solidFill>
+          <a:ln>
+            <a:noFill/>
+          </a:ln>
+        </p:spPr>
+        <p:style>
+          <a:lnRef idx="2">
+            <a:schemeClr val="accent1">
+              <a:shade val="50000"/>
+            </a:schemeClr>
+          </a:lnRef>
+          <a:fillRef idx="1">
+            <a:schemeClr val="accent1"/>
+          </a:fillRef>
+          <a:effectRef idx="0">
+            <a:schemeClr val="accent1"/>
+          </a:effectRef>
+          <a:fontRef idx="minor">
+            <a:schemeClr val="lt1"/>
+          </a:fontRef>
+        </p:style>
+      </p:sp>
+      <p:sp>
+        <p:nvSpPr>
           <p:cNvPr id="2" name="Title 1"/>
           <p:cNvSpPr>
             <a:spLocks noGrp="1"/>
@@ -1906,15 +2437,21 @@
         </p:nvSpPr>
         <p:spPr>
           <a:xfrm>
-            <a:off x="839788" y="457200"/>
-            <a:ext cx="3932237" cy="1600200"/>
-          </a:xfrm>
-        </p:spPr>
-        <p:txBody>
-          <a:bodyPr anchor="b"/>
+            <a:off x="457200" y="594359"/>
+            <a:ext cx="3200400" cy="2286000"/>
+          </a:xfrm>
+        </p:spPr>
+        <p:txBody>
+          <a:bodyPr anchor="b">
+            <a:normAutofit/>
+          </a:bodyPr>
           <a:lstStyle>
             <a:lvl1pPr>
-              <a:defRPr sz="3200"/>
+              <a:defRPr sz="3600" b="0">
+                <a:solidFill>
+                  <a:srgbClr val="FFFFFF"/>
+                </a:solidFill>
+              </a:defRPr>
             </a:lvl1pPr>
           </a:lstStyle>
           <a:p>
@@ -1922,7 +2459,7 @@
               <a:rPr lang="en-US"/>
               <a:t>Click to edit Master title style</a:t>
             </a:r>
-            <a:endParaRPr lang="en-US"/>
+            <a:endParaRPr lang="en-US" dirty="0"/>
           </a:p>
         </p:txBody>
       </p:sp>
@@ -1938,158 +2475,145 @@
         </p:nvSpPr>
         <p:spPr>
           <a:xfrm>
-            <a:off x="5183188" y="987425"/>
-            <a:ext cx="6172200" cy="4873625"/>
+            <a:off x="4800600" y="731520"/>
+            <a:ext cx="6492240" cy="5257800"/>
+          </a:xfrm>
+        </p:spPr>
+        <p:txBody>
+          <a:bodyPr/>
+          <a:lstStyle/>
+          <a:p>
+            <a:pPr lvl="0"/>
+            <a:r>
+              <a:rPr lang="en-US"/>
+              <a:t>Edit Master text styles</a:t>
+            </a:r>
+          </a:p>
+          <a:p>
+            <a:pPr lvl="1"/>
+            <a:r>
+              <a:rPr lang="en-US"/>
+              <a:t>Second level</a:t>
+            </a:r>
+          </a:p>
+          <a:p>
+            <a:pPr lvl="2"/>
+            <a:r>
+              <a:rPr lang="en-US"/>
+              <a:t>Third level</a:t>
+            </a:r>
+          </a:p>
+          <a:p>
+            <a:pPr lvl="3"/>
+            <a:r>
+              <a:rPr lang="en-US"/>
+              <a:t>Fourth level</a:t>
+            </a:r>
+          </a:p>
+          <a:p>
+            <a:pPr lvl="4"/>
+            <a:r>
+              <a:rPr lang="en-US"/>
+              <a:t>Fifth level</a:t>
+            </a:r>
+            <a:endParaRPr lang="en-US" dirty="0"/>
+          </a:p>
+        </p:txBody>
+      </p:sp>
+      <p:sp>
+        <p:nvSpPr>
+          <p:cNvPr id="4" name="Text Placeholder 3"/>
+          <p:cNvSpPr>
+            <a:spLocks noGrp="1"/>
+          </p:cNvSpPr>
+          <p:nvPr>
+            <p:ph type="body" sz="half" idx="2"/>
+          </p:nvPr>
+        </p:nvSpPr>
+        <p:spPr>
+          <a:xfrm>
+            <a:off x="457200" y="2926080"/>
+            <a:ext cx="3200400" cy="3379124"/>
+          </a:xfrm>
+        </p:spPr>
+        <p:txBody>
+          <a:bodyPr lIns="91440" rIns="91440">
+            <a:normAutofit/>
+          </a:bodyPr>
+          <a:lstStyle>
+            <a:lvl1pPr marL="0" indent="0">
+              <a:buNone/>
+              <a:defRPr sz="1500">
+                <a:solidFill>
+                  <a:srgbClr val="FFFFFF"/>
+                </a:solidFill>
+              </a:defRPr>
+            </a:lvl1pPr>
+            <a:lvl2pPr marL="457200" indent="0">
+              <a:buNone/>
+              <a:defRPr sz="1200"/>
+            </a:lvl2pPr>
+            <a:lvl3pPr marL="914400" indent="0">
+              <a:buNone/>
+              <a:defRPr sz="1000"/>
+            </a:lvl3pPr>
+            <a:lvl4pPr marL="1371600" indent="0">
+              <a:buNone/>
+              <a:defRPr sz="900"/>
+            </a:lvl4pPr>
+            <a:lvl5pPr marL="1828800" indent="0">
+              <a:buNone/>
+              <a:defRPr sz="900"/>
+            </a:lvl5pPr>
+            <a:lvl6pPr marL="2286000" indent="0">
+              <a:buNone/>
+              <a:defRPr sz="900"/>
+            </a:lvl6pPr>
+            <a:lvl7pPr marL="2743200" indent="0">
+              <a:buNone/>
+              <a:defRPr sz="900"/>
+            </a:lvl7pPr>
+            <a:lvl8pPr marL="3200400" indent="0">
+              <a:buNone/>
+              <a:defRPr sz="900"/>
+            </a:lvl8pPr>
+            <a:lvl9pPr marL="3657600" indent="0">
+              <a:buNone/>
+              <a:defRPr sz="900"/>
+            </a:lvl9pPr>
+          </a:lstStyle>
+          <a:p>
+            <a:pPr lvl="0"/>
+            <a:r>
+              <a:rPr lang="en-US"/>
+              <a:t>Edit Master text styles</a:t>
+            </a:r>
+          </a:p>
+        </p:txBody>
+      </p:sp>
+      <p:sp>
+        <p:nvSpPr>
+          <p:cNvPr id="5" name="Date Placeholder 4"/>
+          <p:cNvSpPr>
+            <a:spLocks noGrp="1"/>
+          </p:cNvSpPr>
+          <p:nvPr>
+            <p:ph type="dt" sz="half" idx="10"/>
+          </p:nvPr>
+        </p:nvSpPr>
+        <p:spPr>
+          <a:xfrm>
+            <a:off x="465512" y="6459785"/>
+            <a:ext cx="2618510" cy="365125"/>
           </a:xfrm>
         </p:spPr>
         <p:txBody>
           <a:bodyPr/>
           <a:lstStyle>
-            <a:lvl1pPr>
-              <a:defRPr sz="3200"/>
+            <a:lvl1pPr algn="l">
+              <a:defRPr/>
             </a:lvl1pPr>
-            <a:lvl2pPr>
-              <a:defRPr sz="2800"/>
-            </a:lvl2pPr>
-            <a:lvl3pPr>
-              <a:defRPr sz="2400"/>
-            </a:lvl3pPr>
-            <a:lvl4pPr>
-              <a:defRPr sz="2000"/>
-            </a:lvl4pPr>
-            <a:lvl5pPr>
-              <a:defRPr sz="2000"/>
-            </a:lvl5pPr>
-            <a:lvl6pPr>
-              <a:defRPr sz="2000"/>
-            </a:lvl6pPr>
-            <a:lvl7pPr>
-              <a:defRPr sz="2000"/>
-            </a:lvl7pPr>
-            <a:lvl8pPr>
-              <a:defRPr sz="2000"/>
-            </a:lvl8pPr>
-            <a:lvl9pPr>
-              <a:defRPr sz="2000"/>
-            </a:lvl9pPr>
           </a:lstStyle>
-          <a:p>
-            <a:pPr lvl="0"/>
-            <a:r>
-              <a:rPr lang="en-US"/>
-              <a:t>Edit Master text styles</a:t>
-            </a:r>
-          </a:p>
-          <a:p>
-            <a:pPr lvl="1"/>
-            <a:r>
-              <a:rPr lang="en-US"/>
-              <a:t>Second level</a:t>
-            </a:r>
-          </a:p>
-          <a:p>
-            <a:pPr lvl="2"/>
-            <a:r>
-              <a:rPr lang="en-US"/>
-              <a:t>Third level</a:t>
-            </a:r>
-          </a:p>
-          <a:p>
-            <a:pPr lvl="3"/>
-            <a:r>
-              <a:rPr lang="en-US"/>
-              <a:t>Fourth level</a:t>
-            </a:r>
-          </a:p>
-          <a:p>
-            <a:pPr lvl="4"/>
-            <a:r>
-              <a:rPr lang="en-US"/>
-              <a:t>Fifth level</a:t>
-            </a:r>
-            <a:endParaRPr lang="en-US"/>
-          </a:p>
-        </p:txBody>
-      </p:sp>
-      <p:sp>
-        <p:nvSpPr>
-          <p:cNvPr id="4" name="Text Placeholder 3"/>
-          <p:cNvSpPr>
-            <a:spLocks noGrp="1"/>
-          </p:cNvSpPr>
-          <p:nvPr>
-            <p:ph type="body" sz="half" idx="2"/>
-          </p:nvPr>
-        </p:nvSpPr>
-        <p:spPr>
-          <a:xfrm>
-            <a:off x="839788" y="2057400"/>
-            <a:ext cx="3932237" cy="3811588"/>
-          </a:xfrm>
-        </p:spPr>
-        <p:txBody>
-          <a:bodyPr/>
-          <a:lstStyle>
-            <a:lvl1pPr marL="0" indent="0">
-              <a:buNone/>
-              <a:defRPr sz="1600"/>
-            </a:lvl1pPr>
-            <a:lvl2pPr marL="457200" indent="0">
-              <a:buNone/>
-              <a:defRPr sz="1400"/>
-            </a:lvl2pPr>
-            <a:lvl3pPr marL="914400" indent="0">
-              <a:buNone/>
-              <a:defRPr sz="1200"/>
-            </a:lvl3pPr>
-            <a:lvl4pPr marL="1371600" indent="0">
-              <a:buNone/>
-              <a:defRPr sz="1000"/>
-            </a:lvl4pPr>
-            <a:lvl5pPr marL="1828800" indent="0">
-              <a:buNone/>
-              <a:defRPr sz="1000"/>
-            </a:lvl5pPr>
-            <a:lvl6pPr marL="2286000" indent="0">
-              <a:buNone/>
-              <a:defRPr sz="1000"/>
-            </a:lvl6pPr>
-            <a:lvl7pPr marL="2743200" indent="0">
-              <a:buNone/>
-              <a:defRPr sz="1000"/>
-            </a:lvl7pPr>
-            <a:lvl8pPr marL="3200400" indent="0">
-              <a:buNone/>
-              <a:defRPr sz="1000"/>
-            </a:lvl8pPr>
-            <a:lvl9pPr marL="3657600" indent="0">
-              <a:buNone/>
-              <a:defRPr sz="1000"/>
-            </a:lvl9pPr>
-          </a:lstStyle>
-          <a:p>
-            <a:pPr lvl="0"/>
-            <a:r>
-              <a:rPr lang="en-US"/>
-              <a:t>Edit Master text styles</a:t>
-            </a:r>
-          </a:p>
-        </p:txBody>
-      </p:sp>
-      <p:sp>
-        <p:nvSpPr>
-          <p:cNvPr id="5" name="Date Placeholder 4"/>
-          <p:cNvSpPr>
-            <a:spLocks noGrp="1"/>
-          </p:cNvSpPr>
-          <p:nvPr>
-            <p:ph type="dt" sz="half" idx="10"/>
-          </p:nvPr>
-        </p:nvSpPr>
-        <p:spPr/>
-        <p:txBody>
-          <a:bodyPr/>
-          <a:lstStyle/>
           <a:p>
             <a:fld id="{CA586F88-EEB5-4979-9532-C99075E35C56}" type="datetimeFigureOut">
               <a:rPr lang="en-US" smtClean="0"/>
@@ -2109,29 +2633,50 @@
             <p:ph type="ftr" sz="quarter" idx="11"/>
           </p:nvPr>
         </p:nvSpPr>
+        <p:spPr>
+          <a:xfrm>
+            <a:off x="4800600" y="6459785"/>
+            <a:ext cx="4648200" cy="365125"/>
+          </a:xfrm>
+        </p:spPr>
+        <p:txBody>
+          <a:bodyPr/>
+          <a:lstStyle>
+            <a:lvl1pPr algn="l">
+              <a:defRPr>
+                <a:solidFill>
+                  <a:schemeClr val="tx2"/>
+                </a:solidFill>
+              </a:defRPr>
+            </a:lvl1pPr>
+          </a:lstStyle>
+          <a:p>
+            <a:endParaRPr lang="en-US"/>
+          </a:p>
+        </p:txBody>
+      </p:sp>
+      <p:sp>
+        <p:nvSpPr>
+          <p:cNvPr id="7" name="Slide Number Placeholder 6"/>
+          <p:cNvSpPr>
+            <a:spLocks noGrp="1"/>
+          </p:cNvSpPr>
+          <p:nvPr>
+            <p:ph type="sldNum" sz="quarter" idx="12"/>
+          </p:nvPr>
+        </p:nvSpPr>
         <p:spPr/>
         <p:txBody>
           <a:bodyPr/>
-          <a:lstStyle/>
-          <a:p>
-            <a:endParaRPr lang="en-US"/>
-          </a:p>
-        </p:txBody>
-      </p:sp>
-      <p:sp>
-        <p:nvSpPr>
-          <p:cNvPr id="7" name="Slide Number Placeholder 6"/>
-          <p:cNvSpPr>
-            <a:spLocks noGrp="1"/>
-          </p:cNvSpPr>
-          <p:nvPr>
-            <p:ph type="sldNum" sz="quarter" idx="12"/>
-          </p:nvPr>
-        </p:nvSpPr>
-        <p:spPr/>
-        <p:txBody>
-          <a:bodyPr/>
-          <a:lstStyle/>
+          <a:lstStyle>
+            <a:lvl1pPr>
+              <a:defRPr>
+                <a:solidFill>
+                  <a:schemeClr val="tx2"/>
+                </a:solidFill>
+              </a:defRPr>
+            </a:lvl1pPr>
+          </a:lstStyle>
           <a:p>
             <a:fld id="{597C4F9D-C1BC-482F-ACE4-604A1ED49A8D}" type="slidenum">
               <a:rPr lang="en-US" smtClean="0"/>
@@ -2144,7 +2689,7 @@
     </p:spTree>
     <p:extLst>
       <p:ext uri="{BB962C8B-B14F-4D97-AF65-F5344CB8AC3E}">
-        <p14:creationId xmlns:p14="http://schemas.microsoft.com/office/powerpoint/2010/main" val="1003768597"/>
+        <p14:creationId xmlns:p14="http://schemas.microsoft.com/office/powerpoint/2010/main" val="3970616502"/>
       </p:ext>
     </p:extLst>
   </p:cSld>
@@ -2155,7 +2700,7 @@
 </file>
 
 <file path=ppt/slideLayouts/slideLayout9.xml><?xml version="1.0" encoding="utf-8"?>
-<p:sldLayout xmlns:a="http://schemas.openxmlformats.org/drawingml/2006/main" xmlns:r="http://schemas.openxmlformats.org/officeDocument/2006/relationships" xmlns:p="http://schemas.openxmlformats.org/presentationml/2006/main" type="picTx" preserve="1">
+<p:sldLayout xmlns:a="http://schemas.openxmlformats.org/drawingml/2006/main" xmlns:r="http://schemas.openxmlformats.org/officeDocument/2006/relationships" xmlns:p="http://schemas.openxmlformats.org/presentationml/2006/main" showMasterSp="0" type="picTx" preserve="1">
   <p:cSld name="Picture with Caption">
     <p:spTree>
       <p:nvGrpSpPr>
@@ -2173,6 +2718,82 @@
       </p:grpSpPr>
       <p:sp>
         <p:nvSpPr>
+          <p:cNvPr id="8" name="Rectangle 7"/>
+          <p:cNvSpPr/>
+          <p:nvPr/>
+        </p:nvSpPr>
+        <p:spPr>
+          <a:xfrm>
+            <a:off x="0" y="4953000"/>
+            <a:ext cx="12188825" cy="1905000"/>
+          </a:xfrm>
+          <a:prstGeom prst="rect">
+            <a:avLst/>
+          </a:prstGeom>
+          <a:solidFill>
+            <a:schemeClr val="accent2"/>
+          </a:solidFill>
+          <a:ln>
+            <a:noFill/>
+          </a:ln>
+        </p:spPr>
+        <p:style>
+          <a:lnRef idx="2">
+            <a:schemeClr val="accent1">
+              <a:shade val="50000"/>
+            </a:schemeClr>
+          </a:lnRef>
+          <a:fillRef idx="1">
+            <a:schemeClr val="accent1"/>
+          </a:fillRef>
+          <a:effectRef idx="0">
+            <a:schemeClr val="accent1"/>
+          </a:effectRef>
+          <a:fontRef idx="minor">
+            <a:schemeClr val="lt1"/>
+          </a:fontRef>
+        </p:style>
+      </p:sp>
+      <p:sp>
+        <p:nvSpPr>
+          <p:cNvPr id="9" name="Rectangle 8"/>
+          <p:cNvSpPr/>
+          <p:nvPr/>
+        </p:nvSpPr>
+        <p:spPr>
+          <a:xfrm>
+            <a:off x="15" y="4915076"/>
+            <a:ext cx="12188825" cy="64008"/>
+          </a:xfrm>
+          <a:prstGeom prst="rect">
+            <a:avLst/>
+          </a:prstGeom>
+          <a:solidFill>
+            <a:schemeClr val="accent1"/>
+          </a:solidFill>
+          <a:ln>
+            <a:noFill/>
+          </a:ln>
+        </p:spPr>
+        <p:style>
+          <a:lnRef idx="2">
+            <a:schemeClr val="accent1">
+              <a:shade val="50000"/>
+            </a:schemeClr>
+          </a:lnRef>
+          <a:fillRef idx="1">
+            <a:schemeClr val="accent1"/>
+          </a:fillRef>
+          <a:effectRef idx="0">
+            <a:schemeClr val="accent1"/>
+          </a:effectRef>
+          <a:fontRef idx="minor">
+            <a:schemeClr val="lt1"/>
+          </a:fontRef>
+        </p:style>
+      </p:sp>
+      <p:sp>
+        <p:nvSpPr>
           <p:cNvPr id="2" name="Title 1"/>
           <p:cNvSpPr>
             <a:spLocks noGrp="1"/>
@@ -2183,15 +2804,21 @@
         </p:nvSpPr>
         <p:spPr>
           <a:xfrm>
-            <a:off x="839788" y="457200"/>
-            <a:ext cx="3932237" cy="1600200"/>
-          </a:xfrm>
-        </p:spPr>
-        <p:txBody>
-          <a:bodyPr anchor="b"/>
+            <a:off x="1097280" y="5074920"/>
+            <a:ext cx="10113264" cy="822960"/>
+          </a:xfrm>
+        </p:spPr>
+        <p:txBody>
+          <a:bodyPr lIns="91440" tIns="0" rIns="91440" bIns="0" anchor="b">
+            <a:noAutofit/>
+          </a:bodyPr>
           <a:lstStyle>
             <a:lvl1pPr>
-              <a:defRPr sz="3200"/>
+              <a:defRPr sz="3600" b="0">
+                <a:solidFill>
+                  <a:srgbClr val="FFFFFF"/>
+                </a:solidFill>
+              </a:defRPr>
             </a:lvl1pPr>
           </a:lstStyle>
           <a:p>
@@ -2199,7 +2826,7 @@
               <a:rPr lang="en-US"/>
               <a:t>Click to edit Master title style</a:t>
             </a:r>
-            <a:endParaRPr lang="en-US"/>
+            <a:endParaRPr lang="en-US" dirty="0"/>
           </a:p>
         </p:txBody>
       </p:sp>
@@ -2207,7 +2834,7 @@
         <p:nvSpPr>
           <p:cNvPr id="3" name="Picture Placeholder 2"/>
           <p:cNvSpPr>
-            <a:spLocks noGrp="1"/>
+            <a:spLocks noGrp="1" noChangeAspect="1"/>
           </p:cNvSpPr>
           <p:nvPr>
             <p:ph type="pic" idx="1"/>
@@ -2215,16 +2842,26 @@
         </p:nvSpPr>
         <p:spPr>
           <a:xfrm>
-            <a:off x="5183188" y="987425"/>
-            <a:ext cx="6172200" cy="4873625"/>
-          </a:xfrm>
-        </p:spPr>
-        <p:txBody>
-          <a:bodyPr/>
+            <a:off x="15" y="0"/>
+            <a:ext cx="12191985" cy="4915076"/>
+          </a:xfrm>
+          <a:blipFill>
+            <a:blip r:embed="rId2"/>
+            <a:stretch>
+              <a:fillRect/>
+            </a:stretch>
+          </a:blipFill>
+        </p:spPr>
+        <p:txBody>
+          <a:bodyPr lIns="457200" tIns="457200" anchor="t"/>
           <a:lstStyle>
             <a:lvl1pPr marL="0" indent="0">
               <a:buNone/>
-              <a:defRPr sz="3200"/>
+              <a:defRPr sz="3200">
+                <a:solidFill>
+                  <a:schemeClr val="bg1"/>
+                </a:solidFill>
+              </a:defRPr>
             </a:lvl1pPr>
             <a:lvl2pPr marL="457200" indent="0">
               <a:buNone/>
@@ -2260,7 +2897,11 @@
             </a:lvl9pPr>
           </a:lstStyle>
           <a:p>
-            <a:endParaRPr lang="en-US"/>
+            <a:r>
+              <a:rPr lang="en-US"/>
+              <a:t>Click icon to add picture</a:t>
+            </a:r>
+            <a:endParaRPr lang="en-US" dirty="0"/>
           </a:p>
         </p:txBody>
       </p:sp>
@@ -2276,48 +2917,60 @@
         </p:nvSpPr>
         <p:spPr>
           <a:xfrm>
-            <a:off x="839788" y="2057400"/>
-            <a:ext cx="3932237" cy="3811588"/>
-          </a:xfrm>
-        </p:spPr>
-        <p:txBody>
-          <a:bodyPr/>
+            <a:off x="1097280" y="5907023"/>
+            <a:ext cx="10113264" cy="594360"/>
+          </a:xfrm>
+        </p:spPr>
+        <p:txBody>
+          <a:bodyPr lIns="91440" tIns="0" rIns="91440" bIns="0">
+            <a:normAutofit/>
+          </a:bodyPr>
           <a:lstStyle>
             <a:lvl1pPr marL="0" indent="0">
-              <a:buNone/>
-              <a:defRPr sz="1600"/>
+              <a:spcBef>
+                <a:spcPts val="0"/>
+              </a:spcBef>
+              <a:spcAft>
+                <a:spcPts val="600"/>
+              </a:spcAft>
+              <a:buNone/>
+              <a:defRPr sz="1500">
+                <a:solidFill>
+                  <a:srgbClr val="FFFFFF"/>
+                </a:solidFill>
+              </a:defRPr>
             </a:lvl1pPr>
             <a:lvl2pPr marL="457200" indent="0">
               <a:buNone/>
-              <a:defRPr sz="1400"/>
+              <a:defRPr sz="1200"/>
             </a:lvl2pPr>
             <a:lvl3pPr marL="914400" indent="0">
               <a:buNone/>
-              <a:defRPr sz="1200"/>
+              <a:defRPr sz="1000"/>
             </a:lvl3pPr>
             <a:lvl4pPr marL="1371600" indent="0">
               <a:buNone/>
-              <a:defRPr sz="1000"/>
+              <a:defRPr sz="900"/>
             </a:lvl4pPr>
             <a:lvl5pPr marL="1828800" indent="0">
               <a:buNone/>
-              <a:defRPr sz="1000"/>
+              <a:defRPr sz="900"/>
             </a:lvl5pPr>
             <a:lvl6pPr marL="2286000" indent="0">
               <a:buNone/>
-              <a:defRPr sz="1000"/>
+              <a:defRPr sz="900"/>
             </a:lvl6pPr>
             <a:lvl7pPr marL="2743200" indent="0">
               <a:buNone/>
-              <a:defRPr sz="1000"/>
+              <a:defRPr sz="900"/>
             </a:lvl7pPr>
             <a:lvl8pPr marL="3200400" indent="0">
               <a:buNone/>
-              <a:defRPr sz="1000"/>
+              <a:defRPr sz="900"/>
             </a:lvl8pPr>
             <a:lvl9pPr marL="3657600" indent="0">
               <a:buNone/>
-              <a:defRPr sz="1000"/>
+              <a:defRPr sz="900"/>
             </a:lvl9pPr>
           </a:lstStyle>
           <a:p>
@@ -2397,7 +3050,7 @@
     </p:spTree>
     <p:extLst>
       <p:ext uri="{BB962C8B-B14F-4D97-AF65-F5344CB8AC3E}">
-        <p14:creationId xmlns:p14="http://schemas.microsoft.com/office/powerpoint/2010/main" val="1707341459"/>
+        <p14:creationId xmlns:p14="http://schemas.microsoft.com/office/powerpoint/2010/main" val="3924264055"/>
       </p:ext>
     </p:extLst>
   </p:cSld>
@@ -2431,127 +3084,200 @@
       </p:grpSpPr>
       <p:sp>
         <p:nvSpPr>
-          <p:cNvPr id="2" name="Title Placeholder 1"/>
-          <p:cNvSpPr>
-            <a:spLocks noGrp="1"/>
-          </p:cNvSpPr>
-          <p:nvPr>
-            <p:ph type="title"/>
-          </p:nvPr>
+          <p:cNvPr id="7" name="Rectangle 6"/>
+          <p:cNvSpPr/>
+          <p:nvPr/>
         </p:nvSpPr>
         <p:spPr>
           <a:xfrm>
-            <a:off x="838200" y="365125"/>
-            <a:ext cx="10515600" cy="1325563"/>
+            <a:off x="1" y="6400800"/>
+            <a:ext cx="12192000" cy="457200"/>
           </a:xfrm>
           <a:prstGeom prst="rect">
             <a:avLst/>
           </a:prstGeom>
-        </p:spPr>
-        <p:txBody>
-          <a:bodyPr vert="horz" lIns="91440" tIns="45720" rIns="91440" bIns="45720" rtlCol="0" anchor="ctr">
-            <a:normAutofit/>
-          </a:bodyPr>
-          <a:lstStyle/>
-          <a:p>
-            <a:r>
-              <a:rPr lang="en-US"/>
-              <a:t>Click to edit Master title style</a:t>
-            </a:r>
-            <a:endParaRPr lang="en-US"/>
-          </a:p>
-        </p:txBody>
-      </p:sp>
-      <p:sp>
-        <p:nvSpPr>
-          <p:cNvPr id="3" name="Text Placeholder 2"/>
-          <p:cNvSpPr>
-            <a:spLocks noGrp="1"/>
-          </p:cNvSpPr>
-          <p:nvPr>
-            <p:ph type="body" idx="1"/>
-          </p:nvPr>
+          <a:solidFill>
+            <a:schemeClr val="accent2"/>
+          </a:solidFill>
+          <a:ln>
+            <a:noFill/>
+          </a:ln>
+        </p:spPr>
+        <p:style>
+          <a:lnRef idx="2">
+            <a:schemeClr val="accent1">
+              <a:shade val="50000"/>
+            </a:schemeClr>
+          </a:lnRef>
+          <a:fillRef idx="1">
+            <a:schemeClr val="accent1"/>
+          </a:fillRef>
+          <a:effectRef idx="0">
+            <a:schemeClr val="accent1"/>
+          </a:effectRef>
+          <a:fontRef idx="minor">
+            <a:schemeClr val="lt1"/>
+          </a:fontRef>
+        </p:style>
+      </p:sp>
+      <p:sp>
+        <p:nvSpPr>
+          <p:cNvPr id="9" name="Rectangle 8"/>
+          <p:cNvSpPr/>
+          <p:nvPr/>
         </p:nvSpPr>
         <p:spPr>
           <a:xfrm>
-            <a:off x="838200" y="1825625"/>
-            <a:ext cx="10515600" cy="4351338"/>
+            <a:off x="0" y="6334316"/>
+            <a:ext cx="12192001" cy="65998"/>
           </a:xfrm>
           <a:prstGeom prst="rect">
             <a:avLst/>
           </a:prstGeom>
-        </p:spPr>
-        <p:txBody>
-          <a:bodyPr vert="horz" lIns="91440" tIns="45720" rIns="91440" bIns="45720" rtlCol="0">
-            <a:normAutofit/>
-          </a:bodyPr>
-          <a:lstStyle/>
-          <a:p>
-            <a:pPr lvl="0"/>
-            <a:r>
-              <a:rPr lang="en-US"/>
-              <a:t>Edit Master text styles</a:t>
-            </a:r>
-          </a:p>
-          <a:p>
-            <a:pPr lvl="1"/>
-            <a:r>
-              <a:rPr lang="en-US"/>
-              <a:t>Second level</a:t>
-            </a:r>
-          </a:p>
-          <a:p>
-            <a:pPr lvl="2"/>
-            <a:r>
-              <a:rPr lang="en-US"/>
-              <a:t>Third level</a:t>
-            </a:r>
-          </a:p>
-          <a:p>
-            <a:pPr lvl="3"/>
-            <a:r>
-              <a:rPr lang="en-US"/>
-              <a:t>Fourth level</a:t>
-            </a:r>
-          </a:p>
-          <a:p>
-            <a:pPr lvl="4"/>
-            <a:r>
-              <a:rPr lang="en-US"/>
-              <a:t>Fifth level</a:t>
-            </a:r>
-            <a:endParaRPr lang="en-US"/>
-          </a:p>
-        </p:txBody>
-      </p:sp>
-      <p:sp>
-        <p:nvSpPr>
-          <p:cNvPr id="4" name="Date Placeholder 3"/>
-          <p:cNvSpPr>
-            <a:spLocks noGrp="1"/>
-          </p:cNvSpPr>
-          <p:nvPr>
-            <p:ph type="dt" sz="half" idx="2"/>
+          <a:solidFill>
+            <a:schemeClr val="accent1"/>
+          </a:solidFill>
+          <a:ln>
+            <a:noFill/>
+          </a:ln>
+        </p:spPr>
+        <p:style>
+          <a:lnRef idx="2">
+            <a:schemeClr val="accent1">
+              <a:shade val="50000"/>
+            </a:schemeClr>
+          </a:lnRef>
+          <a:fillRef idx="1">
+            <a:schemeClr val="accent1"/>
+          </a:fillRef>
+          <a:effectRef idx="0">
+            <a:schemeClr val="accent1"/>
+          </a:effectRef>
+          <a:fontRef idx="minor">
+            <a:schemeClr val="lt1"/>
+          </a:fontRef>
+        </p:style>
+      </p:sp>
+      <p:sp>
+        <p:nvSpPr>
+          <p:cNvPr id="2" name="Title Placeholder 1"/>
+          <p:cNvSpPr>
+            <a:spLocks noGrp="1"/>
+          </p:cNvSpPr>
+          <p:nvPr>
+            <p:ph type="title"/>
           </p:nvPr>
         </p:nvSpPr>
         <p:spPr>
           <a:xfrm>
-            <a:off x="838200" y="6356350"/>
-            <a:ext cx="2743200" cy="365125"/>
+            <a:off x="1097280" y="286603"/>
+            <a:ext cx="10058400" cy="1450757"/>
           </a:xfrm>
           <a:prstGeom prst="rect">
             <a:avLst/>
           </a:prstGeom>
         </p:spPr>
         <p:txBody>
+          <a:bodyPr vert="horz" lIns="91440" tIns="45720" rIns="91440" bIns="45720" rtlCol="0" anchor="b">
+            <a:normAutofit/>
+          </a:bodyPr>
+          <a:lstStyle/>
+          <a:p>
+            <a:r>
+              <a:rPr lang="en-US"/>
+              <a:t>Click to edit Master title style</a:t>
+            </a:r>
+            <a:endParaRPr lang="en-US" dirty="0"/>
+          </a:p>
+        </p:txBody>
+      </p:sp>
+      <p:sp>
+        <p:nvSpPr>
+          <p:cNvPr id="3" name="Text Placeholder 2"/>
+          <p:cNvSpPr>
+            <a:spLocks noGrp="1"/>
+          </p:cNvSpPr>
+          <p:nvPr>
+            <p:ph type="body" idx="1"/>
+          </p:nvPr>
+        </p:nvSpPr>
+        <p:spPr>
+          <a:xfrm>
+            <a:off x="1097280" y="1845734"/>
+            <a:ext cx="10058400" cy="4023360"/>
+          </a:xfrm>
+          <a:prstGeom prst="rect">
+            <a:avLst/>
+          </a:prstGeom>
+        </p:spPr>
+        <p:txBody>
+          <a:bodyPr vert="horz" lIns="0" tIns="45720" rIns="0" bIns="45720" rtlCol="0">
+            <a:normAutofit/>
+          </a:bodyPr>
+          <a:lstStyle/>
+          <a:p>
+            <a:pPr lvl="0"/>
+            <a:r>
+              <a:rPr lang="en-US" dirty="0"/>
+              <a:t>Edit Master text styles</a:t>
+            </a:r>
+          </a:p>
+          <a:p>
+            <a:pPr lvl="1"/>
+            <a:r>
+              <a:rPr lang="en-US" dirty="0"/>
+              <a:t>Second level</a:t>
+            </a:r>
+          </a:p>
+          <a:p>
+            <a:pPr lvl="2"/>
+            <a:r>
+              <a:rPr lang="en-US" dirty="0"/>
+              <a:t>Third level</a:t>
+            </a:r>
+          </a:p>
+          <a:p>
+            <a:pPr lvl="3"/>
+            <a:r>
+              <a:rPr lang="en-US" dirty="0"/>
+              <a:t>Fourth level</a:t>
+            </a:r>
+          </a:p>
+          <a:p>
+            <a:pPr lvl="4"/>
+            <a:r>
+              <a:rPr lang="en-US" dirty="0"/>
+              <a:t>Fifth level</a:t>
+            </a:r>
+          </a:p>
+        </p:txBody>
+      </p:sp>
+      <p:sp>
+        <p:nvSpPr>
+          <p:cNvPr id="4" name="Date Placeholder 3"/>
+          <p:cNvSpPr>
+            <a:spLocks noGrp="1"/>
+          </p:cNvSpPr>
+          <p:nvPr>
+            <p:ph type="dt" sz="half" idx="2"/>
+          </p:nvPr>
+        </p:nvSpPr>
+        <p:spPr>
+          <a:xfrm>
+            <a:off x="1097280" y="6459785"/>
+            <a:ext cx="2472271" cy="365125"/>
+          </a:xfrm>
+          <a:prstGeom prst="rect">
+            <a:avLst/>
+          </a:prstGeom>
+        </p:spPr>
+        <p:txBody>
           <a:bodyPr vert="horz" lIns="91440" tIns="45720" rIns="91440" bIns="45720" rtlCol="0" anchor="ctr"/>
           <a:lstStyle>
             <a:lvl1pPr algn="l">
-              <a:defRPr sz="1200">
+              <a:defRPr sz="900">
                 <a:solidFill>
-                  <a:schemeClr val="tx1">
-                    <a:tint val="75000"/>
-                  </a:schemeClr>
+                  <a:srgbClr val="FFFFFF"/>
                 </a:solidFill>
               </a:defRPr>
             </a:lvl1pPr>
@@ -2577,8 +3303,8 @@
         </p:nvSpPr>
         <p:spPr>
           <a:xfrm>
-            <a:off x="4038600" y="6356350"/>
-            <a:ext cx="4114800" cy="365125"/>
+            <a:off x="3686185" y="6459785"/>
+            <a:ext cx="4822804" cy="365125"/>
           </a:xfrm>
           <a:prstGeom prst="rect">
             <a:avLst/>
@@ -2588,17 +3314,15 @@
           <a:bodyPr vert="horz" lIns="91440" tIns="45720" rIns="91440" bIns="45720" rtlCol="0" anchor="ctr"/>
           <a:lstStyle>
             <a:lvl1pPr algn="ctr">
-              <a:defRPr sz="1200">
+              <a:defRPr sz="900" cap="none" baseline="0">
                 <a:solidFill>
-                  <a:schemeClr val="tx1">
-                    <a:tint val="75000"/>
-                  </a:schemeClr>
+                  <a:srgbClr val="FFFFFF"/>
                 </a:solidFill>
               </a:defRPr>
             </a:lvl1pPr>
           </a:lstStyle>
           <a:p>
-            <a:endParaRPr lang="en-US"/>
+            <a:endParaRPr lang="en-US" dirty="0"/>
           </a:p>
         </p:txBody>
       </p:sp>
@@ -2614,8 +3338,8 @@
         </p:nvSpPr>
         <p:spPr>
           <a:xfrm>
-            <a:off x="8610600" y="6356350"/>
-            <a:ext cx="2743200" cy="365125"/>
+            <a:off x="9900458" y="6459785"/>
+            <a:ext cx="1312025" cy="365125"/>
           </a:xfrm>
           <a:prstGeom prst="rect">
             <a:avLst/>
@@ -2625,11 +3349,9 @@
           <a:bodyPr vert="horz" lIns="91440" tIns="45720" rIns="91440" bIns="45720" rtlCol="0" anchor="ctr"/>
           <a:lstStyle>
             <a:lvl1pPr algn="r">
-              <a:defRPr sz="1200">
+              <a:defRPr sz="1050">
                 <a:solidFill>
-                  <a:schemeClr val="tx1">
-                    <a:tint val="75000"/>
-                  </a:schemeClr>
+                  <a:srgbClr val="FFFFFF"/>
                 </a:solidFill>
               </a:defRPr>
             </a:lvl1pPr>
@@ -2643,40 +3365,81 @@
           </a:p>
         </p:txBody>
       </p:sp>
+      <p:cxnSp>
+        <p:nvCxnSpPr>
+          <p:cNvPr id="10" name="Straight Connector 9"/>
+          <p:cNvCxnSpPr/>
+          <p:nvPr/>
+        </p:nvCxnSpPr>
+        <p:spPr>
+          <a:xfrm>
+            <a:off x="1193532" y="1737845"/>
+            <a:ext cx="9966960" cy="0"/>
+          </a:xfrm>
+          <a:prstGeom prst="line">
+            <a:avLst/>
+          </a:prstGeom>
+          <a:ln w="6350">
+            <a:solidFill>
+              <a:schemeClr val="tx1">
+                <a:lumMod val="50000"/>
+                <a:lumOff val="50000"/>
+              </a:schemeClr>
+            </a:solidFill>
+          </a:ln>
+        </p:spPr>
+        <p:style>
+          <a:lnRef idx="1">
+            <a:schemeClr val="accent1"/>
+          </a:lnRef>
+          <a:fillRef idx="0">
+            <a:schemeClr val="accent1"/>
+          </a:fillRef>
+          <a:effectRef idx="0">
+            <a:schemeClr val="accent1"/>
+          </a:effectRef>
+          <a:fontRef idx="minor">
+            <a:schemeClr val="tx1"/>
+          </a:fontRef>
+        </p:style>
+      </p:cxnSp>
     </p:spTree>
     <p:extLst>
       <p:ext uri="{BB962C8B-B14F-4D97-AF65-F5344CB8AC3E}">
-        <p14:creationId xmlns:p14="http://schemas.microsoft.com/office/powerpoint/2010/main" val="494737745"/>
+        <p14:creationId xmlns:p14="http://schemas.microsoft.com/office/powerpoint/2010/main" val="2154772577"/>
       </p:ext>
     </p:extLst>
   </p:cSld>
   <p:clrMap bg1="lt1" tx1="dk1" bg2="lt2" tx2="dk2" accent1="accent1" accent2="accent2" accent3="accent3" accent4="accent4" accent5="accent5" accent6="accent6" hlink="hlink" folHlink="folHlink"/>
   <p:sldLayoutIdLst>
-    <p:sldLayoutId id="2147483649" r:id="rId1"/>
-    <p:sldLayoutId id="2147483650" r:id="rId2"/>
-    <p:sldLayoutId id="2147483651" r:id="rId3"/>
-    <p:sldLayoutId id="2147483652" r:id="rId4"/>
-    <p:sldLayoutId id="2147483653" r:id="rId5"/>
-    <p:sldLayoutId id="2147483654" r:id="rId6"/>
-    <p:sldLayoutId id="2147483655" r:id="rId7"/>
-    <p:sldLayoutId id="2147483656" r:id="rId8"/>
-    <p:sldLayoutId id="2147483657" r:id="rId9"/>
-    <p:sldLayoutId id="2147483658" r:id="rId10"/>
-    <p:sldLayoutId id="2147483659" r:id="rId11"/>
+    <p:sldLayoutId id="2147483697" r:id="rId1"/>
+    <p:sldLayoutId id="2147483698" r:id="rId2"/>
+    <p:sldLayoutId id="2147483699" r:id="rId3"/>
+    <p:sldLayoutId id="2147483700" r:id="rId4"/>
+    <p:sldLayoutId id="2147483701" r:id="rId5"/>
+    <p:sldLayoutId id="2147483702" r:id="rId6"/>
+    <p:sldLayoutId id="2147483703" r:id="rId7"/>
+    <p:sldLayoutId id="2147483704" r:id="rId8"/>
+    <p:sldLayoutId id="2147483705" r:id="rId9"/>
+    <p:sldLayoutId id="2147483706" r:id="rId10"/>
+    <p:sldLayoutId id="2147483707" r:id="rId11"/>
   </p:sldLayoutIdLst>
   <p:txStyles>
     <p:titleStyle>
       <a:lvl1pPr algn="l" defTabSz="914400" rtl="0" eaLnBrk="1" latinLnBrk="0" hangingPunct="1">
         <a:lnSpc>
-          <a:spcPct val="90000"/>
+          <a:spcPct val="85000"/>
         </a:lnSpc>
         <a:spcBef>
           <a:spcPct val="0"/>
         </a:spcBef>
         <a:buNone/>
-        <a:defRPr sz="4400" kern="1200">
+        <a:defRPr sz="4800" kern="1200" spc="-50" baseline="0">
           <a:solidFill>
-            <a:schemeClr val="tx1"/>
+            <a:schemeClr val="tx1">
+              <a:lumMod val="75000"/>
+              <a:lumOff val="25000"/>
+            </a:schemeClr>
           </a:solidFill>
           <a:latin typeface="+mj-lt"/>
           <a:ea typeface="+mj-ea"/>
@@ -2685,162 +3448,244 @@
       </a:lvl1pPr>
     </p:titleStyle>
     <p:bodyStyle>
-      <a:lvl1pPr marL="228600" indent="-228600" algn="l" defTabSz="914400" rtl="0" eaLnBrk="1" latinLnBrk="0" hangingPunct="1">
+      <a:lvl1pPr marL="225425" indent="-166688" algn="l" defTabSz="914400" rtl="0" eaLnBrk="1" latinLnBrk="0" hangingPunct="1">
         <a:lnSpc>
           <a:spcPct val="90000"/>
         </a:lnSpc>
         <a:spcBef>
-          <a:spcPts val="1000"/>
+          <a:spcPts val="1200"/>
         </a:spcBef>
+        <a:spcAft>
+          <a:spcPts val="200"/>
+        </a:spcAft>
+        <a:buClr>
+          <a:schemeClr val="accent1"/>
+        </a:buClr>
+        <a:buSzPct val="100000"/>
         <a:buFont typeface="Arial" panose="020B0604020202020204" pitchFamily="34" charset="0"/>
         <a:buChar char="•"/>
-        <a:defRPr sz="2800" kern="1200">
+        <a:defRPr sz="3200" kern="1200">
           <a:solidFill>
-            <a:schemeClr val="tx1"/>
+            <a:schemeClr val="tx1">
+              <a:lumMod val="75000"/>
+              <a:lumOff val="25000"/>
+            </a:schemeClr>
           </a:solidFill>
           <a:latin typeface="+mn-lt"/>
           <a:ea typeface="+mn-ea"/>
           <a:cs typeface="+mn-cs"/>
         </a:defRPr>
       </a:lvl1pPr>
-      <a:lvl2pPr marL="685800" indent="-228600" algn="l" defTabSz="914400" rtl="0" eaLnBrk="1" latinLnBrk="0" hangingPunct="1">
+      <a:lvl2pPr marL="384048" indent="-182880" algn="l" defTabSz="914400" rtl="0" eaLnBrk="1" latinLnBrk="0" hangingPunct="1">
         <a:lnSpc>
           <a:spcPct val="90000"/>
         </a:lnSpc>
         <a:spcBef>
-          <a:spcPts val="500"/>
+          <a:spcPts val="200"/>
         </a:spcBef>
-        <a:buFont typeface="Arial" panose="020B0604020202020204" pitchFamily="34" charset="0"/>
-        <a:buChar char="•"/>
-        <a:defRPr sz="2400" kern="1200">
+        <a:spcAft>
+          <a:spcPts val="400"/>
+        </a:spcAft>
+        <a:buClr>
+          <a:schemeClr val="accent1"/>
+        </a:buClr>
+        <a:buFont typeface="Calibri" pitchFamily="34" charset="0"/>
+        <a:buChar char="◦"/>
+        <a:defRPr sz="2800" kern="1200">
           <a:solidFill>
-            <a:schemeClr val="tx1"/>
+            <a:schemeClr val="tx1">
+              <a:lumMod val="75000"/>
+              <a:lumOff val="25000"/>
+            </a:schemeClr>
           </a:solidFill>
           <a:latin typeface="+mn-lt"/>
           <a:ea typeface="+mn-ea"/>
           <a:cs typeface="+mn-cs"/>
         </a:defRPr>
       </a:lvl2pPr>
-      <a:lvl3pPr marL="1143000" indent="-228600" algn="l" defTabSz="914400" rtl="0" eaLnBrk="1" latinLnBrk="0" hangingPunct="1">
+      <a:lvl3pPr marL="566928" indent="-182880" algn="l" defTabSz="914400" rtl="0" eaLnBrk="1" latinLnBrk="0" hangingPunct="1">
         <a:lnSpc>
           <a:spcPct val="90000"/>
         </a:lnSpc>
         <a:spcBef>
-          <a:spcPts val="500"/>
+          <a:spcPts val="200"/>
         </a:spcBef>
-        <a:buFont typeface="Arial" panose="020B0604020202020204" pitchFamily="34" charset="0"/>
-        <a:buChar char="•"/>
+        <a:spcAft>
+          <a:spcPts val="400"/>
+        </a:spcAft>
+        <a:buClr>
+          <a:schemeClr val="accent1"/>
+        </a:buClr>
+        <a:buFont typeface="Calibri" pitchFamily="34" charset="0"/>
+        <a:buChar char="◦"/>
         <a:defRPr sz="2000" kern="1200">
           <a:solidFill>
-            <a:schemeClr val="tx1"/>
+            <a:schemeClr val="tx1">
+              <a:lumMod val="75000"/>
+              <a:lumOff val="25000"/>
+            </a:schemeClr>
           </a:solidFill>
           <a:latin typeface="+mn-lt"/>
           <a:ea typeface="+mn-ea"/>
           <a:cs typeface="+mn-cs"/>
         </a:defRPr>
       </a:lvl3pPr>
-      <a:lvl4pPr marL="1600200" indent="-228600" algn="l" defTabSz="914400" rtl="0" eaLnBrk="1" latinLnBrk="0" hangingPunct="1">
+      <a:lvl4pPr marL="749808" indent="-182880" algn="l" defTabSz="914400" rtl="0" eaLnBrk="1" latinLnBrk="0" hangingPunct="1">
         <a:lnSpc>
           <a:spcPct val="90000"/>
         </a:lnSpc>
         <a:spcBef>
-          <a:spcPts val="500"/>
+          <a:spcPts val="200"/>
         </a:spcBef>
-        <a:buFont typeface="Arial" panose="020B0604020202020204" pitchFamily="34" charset="0"/>
-        <a:buChar char="•"/>
-        <a:defRPr sz="1800" kern="1200">
+        <a:spcAft>
+          <a:spcPts val="400"/>
+        </a:spcAft>
+        <a:buClr>
+          <a:schemeClr val="accent1"/>
+        </a:buClr>
+        <a:buFont typeface="Calibri" pitchFamily="34" charset="0"/>
+        <a:buChar char="◦"/>
+        <a:defRPr sz="2000" kern="1200">
           <a:solidFill>
-            <a:schemeClr val="tx1"/>
+            <a:schemeClr val="tx1">
+              <a:lumMod val="75000"/>
+              <a:lumOff val="25000"/>
+            </a:schemeClr>
           </a:solidFill>
           <a:latin typeface="+mn-lt"/>
           <a:ea typeface="+mn-ea"/>
           <a:cs typeface="+mn-cs"/>
         </a:defRPr>
       </a:lvl4pPr>
-      <a:lvl5pPr marL="2057400" indent="-228600" algn="l" defTabSz="914400" rtl="0" eaLnBrk="1" latinLnBrk="0" hangingPunct="1">
+      <a:lvl5pPr marL="932688" indent="-182880" algn="l" defTabSz="914400" rtl="0" eaLnBrk="1" latinLnBrk="0" hangingPunct="1">
         <a:lnSpc>
           <a:spcPct val="90000"/>
         </a:lnSpc>
         <a:spcBef>
-          <a:spcPts val="500"/>
+          <a:spcPts val="200"/>
         </a:spcBef>
-        <a:buFont typeface="Arial" panose="020B0604020202020204" pitchFamily="34" charset="0"/>
-        <a:buChar char="•"/>
-        <a:defRPr sz="1800" kern="1200">
+        <a:spcAft>
+          <a:spcPts val="400"/>
+        </a:spcAft>
+        <a:buClr>
+          <a:schemeClr val="accent1"/>
+        </a:buClr>
+        <a:buFont typeface="Calibri" pitchFamily="34" charset="0"/>
+        <a:buChar char="◦"/>
+        <a:defRPr sz="2000" kern="1200">
           <a:solidFill>
-            <a:schemeClr val="tx1"/>
+            <a:schemeClr val="tx1">
+              <a:lumMod val="75000"/>
+              <a:lumOff val="25000"/>
+            </a:schemeClr>
           </a:solidFill>
           <a:latin typeface="+mn-lt"/>
           <a:ea typeface="+mn-ea"/>
           <a:cs typeface="+mn-cs"/>
         </a:defRPr>
       </a:lvl5pPr>
-      <a:lvl6pPr marL="2514600" indent="-228600" algn="l" defTabSz="914400" rtl="0" eaLnBrk="1" latinLnBrk="0" hangingPunct="1">
+      <a:lvl6pPr marL="1100000" indent="-228600" algn="l" defTabSz="914400" rtl="0" eaLnBrk="1" latinLnBrk="0" hangingPunct="1">
         <a:lnSpc>
           <a:spcPct val="90000"/>
         </a:lnSpc>
         <a:spcBef>
-          <a:spcPts val="500"/>
+          <a:spcPts val="200"/>
         </a:spcBef>
-        <a:buFont typeface="Arial" panose="020B0604020202020204" pitchFamily="34" charset="0"/>
-        <a:buChar char="•"/>
-        <a:defRPr sz="1800" kern="1200">
+        <a:spcAft>
+          <a:spcPts val="400"/>
+        </a:spcAft>
+        <a:buClr>
+          <a:schemeClr val="accent1"/>
+        </a:buClr>
+        <a:buFont typeface="Calibri" pitchFamily="34" charset="0"/>
+        <a:buChar char="◦"/>
+        <a:defRPr sz="1400" kern="1200">
           <a:solidFill>
-            <a:schemeClr val="tx1"/>
+            <a:schemeClr val="tx1">
+              <a:lumMod val="75000"/>
+              <a:lumOff val="25000"/>
+            </a:schemeClr>
           </a:solidFill>
           <a:latin typeface="+mn-lt"/>
           <a:ea typeface="+mn-ea"/>
           <a:cs typeface="+mn-cs"/>
         </a:defRPr>
       </a:lvl6pPr>
-      <a:lvl7pPr marL="2971800" indent="-228600" algn="l" defTabSz="914400" rtl="0" eaLnBrk="1" latinLnBrk="0" hangingPunct="1">
+      <a:lvl7pPr marL="1300000" indent="-228600" algn="l" defTabSz="914400" rtl="0" eaLnBrk="1" latinLnBrk="0" hangingPunct="1">
         <a:lnSpc>
           <a:spcPct val="90000"/>
         </a:lnSpc>
         <a:spcBef>
-          <a:spcPts val="500"/>
+          <a:spcPts val="200"/>
         </a:spcBef>
-        <a:buFont typeface="Arial" panose="020B0604020202020204" pitchFamily="34" charset="0"/>
-        <a:buChar char="•"/>
-        <a:defRPr sz="1800" kern="1200">
+        <a:spcAft>
+          <a:spcPts val="400"/>
+        </a:spcAft>
+        <a:buClr>
+          <a:schemeClr val="accent1"/>
+        </a:buClr>
+        <a:buFont typeface="Calibri" pitchFamily="34" charset="0"/>
+        <a:buChar char="◦"/>
+        <a:defRPr sz="1400" kern="1200">
           <a:solidFill>
-            <a:schemeClr val="tx1"/>
+            <a:schemeClr val="tx1">
+              <a:lumMod val="75000"/>
+              <a:lumOff val="25000"/>
+            </a:schemeClr>
           </a:solidFill>
           <a:latin typeface="+mn-lt"/>
           <a:ea typeface="+mn-ea"/>
           <a:cs typeface="+mn-cs"/>
         </a:defRPr>
       </a:lvl7pPr>
-      <a:lvl8pPr marL="3429000" indent="-228600" algn="l" defTabSz="914400" rtl="0" eaLnBrk="1" latinLnBrk="0" hangingPunct="1">
+      <a:lvl8pPr marL="1500000" indent="-228600" algn="l" defTabSz="914400" rtl="0" eaLnBrk="1" latinLnBrk="0" hangingPunct="1">
         <a:lnSpc>
           <a:spcPct val="90000"/>
         </a:lnSpc>
         <a:spcBef>
-          <a:spcPts val="500"/>
+          <a:spcPts val="200"/>
         </a:spcBef>
-        <a:buFont typeface="Arial" panose="020B0604020202020204" pitchFamily="34" charset="0"/>
-        <a:buChar char="•"/>
-        <a:defRPr sz="1800" kern="1200">
+        <a:spcAft>
+          <a:spcPts val="400"/>
+        </a:spcAft>
+        <a:buClr>
+          <a:schemeClr val="accent1"/>
+        </a:buClr>
+        <a:buFont typeface="Calibri" pitchFamily="34" charset="0"/>
+        <a:buChar char="◦"/>
+        <a:defRPr sz="1400" kern="1200">
           <a:solidFill>
-            <a:schemeClr val="tx1"/>
+            <a:schemeClr val="tx1">
+              <a:lumMod val="75000"/>
+              <a:lumOff val="25000"/>
+            </a:schemeClr>
           </a:solidFill>
           <a:latin typeface="+mn-lt"/>
           <a:ea typeface="+mn-ea"/>
           <a:cs typeface="+mn-cs"/>
         </a:defRPr>
       </a:lvl8pPr>
-      <a:lvl9pPr marL="3886200" indent="-228600" algn="l" defTabSz="914400" rtl="0" eaLnBrk="1" latinLnBrk="0" hangingPunct="1">
+      <a:lvl9pPr marL="1700000" indent="-228600" algn="l" defTabSz="914400" rtl="0" eaLnBrk="1" latinLnBrk="0" hangingPunct="1">
         <a:lnSpc>
           <a:spcPct val="90000"/>
         </a:lnSpc>
         <a:spcBef>
-          <a:spcPts val="500"/>
+          <a:spcPts val="200"/>
         </a:spcBef>
-        <a:buFont typeface="Arial" panose="020B0604020202020204" pitchFamily="34" charset="0"/>
-        <a:buChar char="•"/>
-        <a:defRPr sz="1800" kern="1200">
+        <a:spcAft>
+          <a:spcPts val="400"/>
+        </a:spcAft>
+        <a:buClr>
+          <a:schemeClr val="accent1"/>
+        </a:buClr>
+        <a:buFont typeface="Calibri" pitchFamily="34" charset="0"/>
+        <a:buChar char="◦"/>
+        <a:defRPr sz="1400" kern="1200">
           <a:solidFill>
-            <a:schemeClr val="tx1"/>
+            <a:schemeClr val="tx1">
+              <a:lumMod val="75000"/>
+              <a:lumOff val="25000"/>
+            </a:schemeClr>
           </a:solidFill>
           <a:latin typeface="+mn-lt"/>
           <a:ea typeface="+mn-ea"/>
@@ -2964,6 +3809,48 @@
           <a:chExt cx="0" cy="0"/>
         </a:xfrm>
       </p:grpSpPr>
+      <p:pic>
+        <p:nvPicPr>
+          <p:cNvPr id="1030" name="Picture 6" descr="movies matrix code system failure Wallpaper HD"/>
+          <p:cNvPicPr>
+            <a:picLocks noChangeAspect="1" noChangeArrowheads="1"/>
+          </p:cNvPicPr>
+          <p:nvPr/>
+        </p:nvPicPr>
+        <p:blipFill>
+          <a:blip r:embed="rId2">
+            <a:lum bright="70000" contrast="-70000"/>
+            <a:extLst>
+              <a:ext uri="{28A0092B-C50C-407E-A947-70E740481C1C}">
+                <a14:useLocalDpi xmlns:a14="http://schemas.microsoft.com/office/drawing/2010/main" val="0"/>
+              </a:ext>
+            </a:extLst>
+          </a:blip>
+          <a:srcRect/>
+          <a:stretch>
+            <a:fillRect/>
+          </a:stretch>
+        </p:blipFill>
+        <p:spPr bwMode="auto">
+          <a:xfrm>
+            <a:off x="-1" y="0"/>
+            <a:ext cx="12192001" cy="6337300"/>
+          </a:xfrm>
+          <a:prstGeom prst="rect">
+            <a:avLst/>
+          </a:prstGeom>
+          <a:noFill/>
+          <a:extLst>
+            <a:ext uri="{909E8E84-426E-40DD-AFC4-6F175D3DCCD1}">
+              <a14:hiddenFill xmlns:a14="http://schemas.microsoft.com/office/drawing/2010/main">
+                <a:solidFill>
+                  <a:srgbClr val="FFFFFF"/>
+                </a:solidFill>
+              </a14:hiddenFill>
+            </a:ext>
+          </a:extLst>
+        </p:spPr>
+      </p:pic>
       <p:sp>
         <p:nvSpPr>
           <p:cNvPr id="2" name="Title 1"/>
@@ -2976,10 +3863,15 @@
         </p:nvSpPr>
         <p:spPr/>
         <p:txBody>
-          <a:bodyPr/>
-          <a:lstStyle/>
-          <a:p>
-            <a:endParaRPr lang="en-US"/>
+          <a:bodyPr>
+            <a:normAutofit/>
+          </a:bodyPr>
+          <a:lstStyle/>
+          <a:p>
+            <a:r>
+              <a:rPr lang="en-US" dirty="0"/>
+              <a:t>Developer-Module Networks &amp; Failure Prediction</a:t>
+            </a:r>
           </a:p>
         </p:txBody>
       </p:sp>
@@ -2993,15 +3885,144 @@
             <p:ph type="subTitle" idx="1"/>
           </p:nvPr>
         </p:nvSpPr>
-        <p:spPr/>
-        <p:txBody>
-          <a:bodyPr/>
-          <a:lstStyle/>
-          <a:p>
-            <a:endParaRPr lang="en-US"/>
-          </a:p>
-        </p:txBody>
-      </p:sp>
+        <p:spPr>
+          <a:xfrm>
+            <a:off x="868582" y="3983673"/>
+            <a:ext cx="10058400" cy="902959"/>
+          </a:xfrm>
+        </p:spPr>
+        <p:txBody>
+          <a:bodyPr>
+            <a:normAutofit lnSpcReduction="10000"/>
+          </a:bodyPr>
+          <a:lstStyle/>
+          <a:p>
+            <a:r>
+              <a:rPr lang="en-US" dirty="0">
+                <a:solidFill>
+                  <a:schemeClr val="tx1"/>
+                </a:solidFill>
+              </a:rPr>
+              <a:t>Bryan J Muscedere</a:t>
+            </a:r>
+          </a:p>
+          <a:p>
+            <a:r>
+              <a:rPr lang="en-US" dirty="0">
+                <a:solidFill>
+                  <a:schemeClr val="tx1"/>
+                </a:solidFill>
+              </a:rPr>
+              <a:t>Rafi </a:t>
+            </a:r>
+            <a:r>
+              <a:rPr lang="en-US" dirty="0" err="1">
+                <a:solidFill>
+                  <a:schemeClr val="tx1"/>
+                </a:solidFill>
+              </a:rPr>
+              <a:t>Turas</a:t>
+            </a:r>
+            <a:endParaRPr lang="en-US" dirty="0">
+              <a:solidFill>
+                <a:schemeClr val="tx1"/>
+              </a:solidFill>
+            </a:endParaRPr>
+          </a:p>
+        </p:txBody>
+      </p:sp>
+      <p:sp>
+        <p:nvSpPr>
+          <p:cNvPr id="5" name="Title 1"/>
+          <p:cNvSpPr txBox="1">
+            <a:spLocks/>
+          </p:cNvSpPr>
+          <p:nvPr/>
+        </p:nvSpPr>
+        <p:spPr>
+          <a:xfrm>
+            <a:off x="1065227" y="3106994"/>
+            <a:ext cx="10058400" cy="590738"/>
+          </a:xfrm>
+          <a:prstGeom prst="rect">
+            <a:avLst/>
+          </a:prstGeom>
+        </p:spPr>
+        <p:txBody>
+          <a:bodyPr vert="horz" lIns="91440" tIns="45720" rIns="91440" bIns="45720" rtlCol="0" anchor="b">
+            <a:normAutofit fontScale="97500" lnSpcReduction="10000"/>
+          </a:bodyPr>
+          <a:lstStyle>
+            <a:lvl1pPr algn="ctr" defTabSz="914400" rtl="0" eaLnBrk="1" latinLnBrk="0" hangingPunct="1">
+              <a:lnSpc>
+                <a:spcPct val="85000"/>
+              </a:lnSpc>
+              <a:spcBef>
+                <a:spcPct val="0"/>
+              </a:spcBef>
+              <a:buNone/>
+              <a:defRPr sz="6000" kern="1200" spc="-50" baseline="0">
+                <a:solidFill>
+                  <a:schemeClr val="tx1">
+                    <a:lumMod val="85000"/>
+                    <a:lumOff val="15000"/>
+                  </a:schemeClr>
+                </a:solidFill>
+                <a:latin typeface="+mj-lt"/>
+                <a:ea typeface="+mj-ea"/>
+                <a:cs typeface="+mj-cs"/>
+              </a:defRPr>
+            </a:lvl1pPr>
+          </a:lstStyle>
+          <a:p>
+            <a:r>
+              <a:rPr lang="en-US" sz="4000" dirty="0"/>
+              <a:t>Can They Really Be Valid Defect Predictors?</a:t>
+            </a:r>
+          </a:p>
+        </p:txBody>
+      </p:sp>
+      <p:pic>
+        <p:nvPicPr>
+          <p:cNvPr id="1028" name="Picture 4" descr="https://uwaterloo.ca/brand-guidelines/sites/ca.brand-guidelines/files/resize/uploads/images/universityofwaterloo_logo_horiz_rgb_0-300x120.png"/>
+          <p:cNvPicPr>
+            <a:picLocks noChangeAspect="1" noChangeArrowheads="1"/>
+          </p:cNvPicPr>
+          <p:nvPr/>
+        </p:nvPicPr>
+        <p:blipFill>
+          <a:blip r:embed="rId3">
+            <a:extLst>
+              <a:ext uri="{28A0092B-C50C-407E-A947-70E740481C1C}">
+                <a14:useLocalDpi xmlns:a14="http://schemas.microsoft.com/office/drawing/2010/main" val="0"/>
+              </a:ext>
+            </a:extLst>
+          </a:blip>
+          <a:srcRect/>
+          <a:stretch>
+            <a:fillRect/>
+          </a:stretch>
+        </p:blipFill>
+        <p:spPr bwMode="auto">
+          <a:xfrm>
+            <a:off x="-304800" y="4799750"/>
+            <a:ext cx="4594568" cy="1837829"/>
+          </a:xfrm>
+          <a:prstGeom prst="rect">
+            <a:avLst/>
+          </a:prstGeom>
+          <a:noFill/>
+          <a:extLst>
+            <a:ext uri="{909E8E84-426E-40DD-AFC4-6F175D3DCCD1}">
+              <a14:hiddenFill xmlns:a14="http://schemas.microsoft.com/office/drawing/2010/main">
+                <a:solidFill>
+                  <a:srgbClr val="FFFFFF"/>
+                </a:solidFill>
+              </a14:hiddenFill>
+            </a:ext>
+          </a:extLst>
+        </p:spPr>
+      </p:pic>
     </p:spTree>
     <p:extLst>
       <p:ext uri="{BB962C8B-B14F-4D97-AF65-F5344CB8AC3E}">
@@ -3015,55 +4036,1392 @@
 </p:sld>
 </file>
 
+<file path=ppt/slides/slide10.xml><?xml version="1.0" encoding="utf-8"?>
+<p:sld xmlns:a="http://schemas.openxmlformats.org/drawingml/2006/main" xmlns:r="http://schemas.openxmlformats.org/officeDocument/2006/relationships" xmlns:p="http://schemas.openxmlformats.org/presentationml/2006/main">
+  <p:cSld>
+    <p:spTree>
+      <p:nvGrpSpPr>
+        <p:cNvPr id="1" name=""/>
+        <p:cNvGrpSpPr/>
+        <p:nvPr/>
+      </p:nvGrpSpPr>
+      <p:grpSpPr>
+        <a:xfrm>
+          <a:off x="0" y="0"/>
+          <a:ext cx="0" cy="0"/>
+          <a:chOff x="0" y="0"/>
+          <a:chExt cx="0" cy="0"/>
+        </a:xfrm>
+      </p:grpSpPr>
+      <p:sp>
+        <p:nvSpPr>
+          <p:cNvPr id="2" name="Title 1"/>
+          <p:cNvSpPr>
+            <a:spLocks noGrp="1"/>
+          </p:cNvSpPr>
+          <p:nvPr>
+            <p:ph type="title"/>
+          </p:nvPr>
+        </p:nvSpPr>
+        <p:spPr/>
+        <p:txBody>
+          <a:bodyPr/>
+          <a:lstStyle/>
+          <a:p>
+            <a:r>
+              <a:rPr lang="en-US" dirty="0"/>
+              <a:t>Software Tool</a:t>
+            </a:r>
+          </a:p>
+        </p:txBody>
+      </p:sp>
+      <p:sp>
+        <p:nvSpPr>
+          <p:cNvPr id="3" name="Content Placeholder 2"/>
+          <p:cNvSpPr>
+            <a:spLocks noGrp="1"/>
+          </p:cNvSpPr>
+          <p:nvPr>
+            <p:ph idx="1"/>
+          </p:nvPr>
+        </p:nvSpPr>
+        <p:spPr/>
+        <p:txBody>
+          <a:bodyPr/>
+          <a:lstStyle/>
+          <a:p>
+            <a:r>
+              <a:rPr lang="en-US" dirty="0"/>
+              <a:t>An extra component that we started working on is a software tool.</a:t>
+            </a:r>
+          </a:p>
+          <a:p>
+            <a:pPr marL="58737" indent="0">
+              <a:buNone/>
+            </a:pPr>
+            <a:endParaRPr lang="en-US" dirty="0"/>
+          </a:p>
+        </p:txBody>
+      </p:sp>
+      <p:pic>
+        <p:nvPicPr>
+          <p:cNvPr id="5" name="Picture 4"/>
+          <p:cNvPicPr>
+            <a:picLocks noChangeAspect="1"/>
+          </p:cNvPicPr>
+          <p:nvPr/>
+        </p:nvPicPr>
+        <p:blipFill>
+          <a:blip r:embed="rId2">
+            <a:extLst>
+              <a:ext uri="{28A0092B-C50C-407E-A947-70E740481C1C}">
+                <a14:useLocalDpi xmlns:a14="http://schemas.microsoft.com/office/drawing/2010/main" val="0"/>
+              </a:ext>
+            </a:extLst>
+          </a:blip>
+          <a:stretch>
+            <a:fillRect/>
+          </a:stretch>
+        </p:blipFill>
+        <p:spPr>
+          <a:xfrm>
+            <a:off x="1148715" y="1845734"/>
+            <a:ext cx="9955530" cy="4349311"/>
+          </a:xfrm>
+          <a:prstGeom prst="rect">
+            <a:avLst/>
+          </a:prstGeom>
+        </p:spPr>
+      </p:pic>
+      <p:sp>
+        <p:nvSpPr>
+          <p:cNvPr id="6" name="Rectangle 5"/>
+          <p:cNvSpPr/>
+          <p:nvPr/>
+        </p:nvSpPr>
+        <p:spPr>
+          <a:xfrm>
+            <a:off x="1179871" y="1845734"/>
+            <a:ext cx="3087329" cy="2028176"/>
+          </a:xfrm>
+          <a:prstGeom prst="rect">
+            <a:avLst/>
+          </a:prstGeom>
+          <a:noFill/>
+          <a:ln w="63500"/>
+        </p:spPr>
+        <p:style>
+          <a:lnRef idx="2">
+            <a:schemeClr val="accent1">
+              <a:shade val="50000"/>
+            </a:schemeClr>
+          </a:lnRef>
+          <a:fillRef idx="1">
+            <a:schemeClr val="accent1"/>
+          </a:fillRef>
+          <a:effectRef idx="0">
+            <a:schemeClr val="accent1"/>
+          </a:effectRef>
+          <a:fontRef idx="minor">
+            <a:schemeClr val="lt1"/>
+          </a:fontRef>
+        </p:style>
+        <p:txBody>
+          <a:bodyPr rtlCol="0" anchor="ctr"/>
+          <a:lstStyle/>
+          <a:p>
+            <a:pPr algn="ctr"/>
+            <a:endParaRPr lang="en-US"/>
+          </a:p>
+        </p:txBody>
+      </p:sp>
+      <p:sp>
+        <p:nvSpPr>
+          <p:cNvPr id="7" name="TextBox 6"/>
+          <p:cNvSpPr txBox="1"/>
+          <p:nvPr/>
+        </p:nvSpPr>
+        <p:spPr>
+          <a:xfrm>
+            <a:off x="1334814" y="3993931"/>
+            <a:ext cx="2785241" cy="646331"/>
+          </a:xfrm>
+          <a:prstGeom prst="rect">
+            <a:avLst/>
+          </a:prstGeom>
+          <a:noFill/>
+        </p:spPr>
+        <p:txBody>
+          <a:bodyPr wrap="square" rtlCol="0">
+            <a:spAutoFit/>
+          </a:bodyPr>
+          <a:lstStyle/>
+          <a:p>
+            <a:pPr algn="ctr"/>
+            <a:r>
+              <a:rPr lang="en-US" dirty="0"/>
+              <a:t>In the future, we will look at additional data sources.</a:t>
+            </a:r>
+          </a:p>
+        </p:txBody>
+      </p:sp>
+    </p:spTree>
+    <p:extLst>
+      <p:ext uri="{BB962C8B-B14F-4D97-AF65-F5344CB8AC3E}">
+        <p14:creationId xmlns:p14="http://schemas.microsoft.com/office/powerpoint/2010/main" val="2383857231"/>
+      </p:ext>
+    </p:extLst>
+  </p:cSld>
+  <p:clrMapOvr>
+    <a:masterClrMapping/>
+  </p:clrMapOvr>
+  <p:timing>
+    <p:tnLst>
+      <p:par>
+        <p:cTn id="1" dur="indefinite" restart="never" nodeType="tmRoot">
+          <p:childTnLst>
+            <p:seq concurrent="1" nextAc="seek">
+              <p:cTn id="2" dur="indefinite" nodeType="mainSeq">
+                <p:childTnLst>
+                  <p:par>
+                    <p:cTn id="3" fill="hold">
+                      <p:stCondLst>
+                        <p:cond delay="indefinite"/>
+                      </p:stCondLst>
+                      <p:childTnLst>
+                        <p:par>
+                          <p:cTn id="4" fill="hold">
+                            <p:stCondLst>
+                              <p:cond delay="0"/>
+                            </p:stCondLst>
+                            <p:childTnLst>
+                              <p:par>
+                                <p:cTn id="5" presetID="1" presetClass="entr" presetSubtype="0" fill="hold" nodeType="clickEffect">
+                                  <p:stCondLst>
+                                    <p:cond delay="0"/>
+                                  </p:stCondLst>
+                                  <p:childTnLst>
+                                    <p:set>
+                                      <p:cBhvr>
+                                        <p:cTn id="6" dur="1" fill="hold">
+                                          <p:stCondLst>
+                                            <p:cond delay="0"/>
+                                          </p:stCondLst>
+                                        </p:cTn>
+                                        <p:tgtEl>
+                                          <p:spTgt spid="5"/>
+                                        </p:tgtEl>
+                                        <p:attrNameLst>
+                                          <p:attrName>style.visibility</p:attrName>
+                                        </p:attrNameLst>
+                                      </p:cBhvr>
+                                      <p:to>
+                                        <p:strVal val="visible"/>
+                                      </p:to>
+                                    </p:set>
+                                  </p:childTnLst>
+                                </p:cTn>
+                              </p:par>
+                            </p:childTnLst>
+                          </p:cTn>
+                        </p:par>
+                      </p:childTnLst>
+                    </p:cTn>
+                  </p:par>
+                  <p:par>
+                    <p:cTn id="7" fill="hold">
+                      <p:stCondLst>
+                        <p:cond delay="indefinite"/>
+                      </p:stCondLst>
+                      <p:childTnLst>
+                        <p:par>
+                          <p:cTn id="8" fill="hold">
+                            <p:stCondLst>
+                              <p:cond delay="0"/>
+                            </p:stCondLst>
+                            <p:childTnLst>
+                              <p:par>
+                                <p:cTn id="9" presetID="10" presetClass="entr" presetSubtype="0" fill="hold" grpId="0" nodeType="clickEffect">
+                                  <p:stCondLst>
+                                    <p:cond delay="0"/>
+                                  </p:stCondLst>
+                                  <p:childTnLst>
+                                    <p:set>
+                                      <p:cBhvr>
+                                        <p:cTn id="10" dur="1" fill="hold">
+                                          <p:stCondLst>
+                                            <p:cond delay="0"/>
+                                          </p:stCondLst>
+                                        </p:cTn>
+                                        <p:tgtEl>
+                                          <p:spTgt spid="7"/>
+                                        </p:tgtEl>
+                                        <p:attrNameLst>
+                                          <p:attrName>style.visibility</p:attrName>
+                                        </p:attrNameLst>
+                                      </p:cBhvr>
+                                      <p:to>
+                                        <p:strVal val="visible"/>
+                                      </p:to>
+                                    </p:set>
+                                    <p:animEffect transition="in" filter="fade">
+                                      <p:cBhvr>
+                                        <p:cTn id="11" dur="500"/>
+                                        <p:tgtEl>
+                                          <p:spTgt spid="7"/>
+                                        </p:tgtEl>
+                                      </p:cBhvr>
+                                    </p:animEffect>
+                                  </p:childTnLst>
+                                </p:cTn>
+                              </p:par>
+                              <p:par>
+                                <p:cTn id="12" presetID="10" presetClass="entr" presetSubtype="0" fill="hold" grpId="0" nodeType="withEffect">
+                                  <p:stCondLst>
+                                    <p:cond delay="0"/>
+                                  </p:stCondLst>
+                                  <p:childTnLst>
+                                    <p:set>
+                                      <p:cBhvr>
+                                        <p:cTn id="13" dur="1" fill="hold">
+                                          <p:stCondLst>
+                                            <p:cond delay="0"/>
+                                          </p:stCondLst>
+                                        </p:cTn>
+                                        <p:tgtEl>
+                                          <p:spTgt spid="6"/>
+                                        </p:tgtEl>
+                                        <p:attrNameLst>
+                                          <p:attrName>style.visibility</p:attrName>
+                                        </p:attrNameLst>
+                                      </p:cBhvr>
+                                      <p:to>
+                                        <p:strVal val="visible"/>
+                                      </p:to>
+                                    </p:set>
+                                    <p:animEffect transition="in" filter="fade">
+                                      <p:cBhvr>
+                                        <p:cTn id="14" dur="500"/>
+                                        <p:tgtEl>
+                                          <p:spTgt spid="6"/>
+                                        </p:tgtEl>
+                                      </p:cBhvr>
+                                    </p:animEffect>
+                                  </p:childTnLst>
+                                </p:cTn>
+                              </p:par>
+                            </p:childTnLst>
+                          </p:cTn>
+                        </p:par>
+                      </p:childTnLst>
+                    </p:cTn>
+                  </p:par>
+                </p:childTnLst>
+              </p:cTn>
+              <p:prevCondLst>
+                <p:cond evt="onPrev" delay="0">
+                  <p:tgtEl>
+                    <p:sldTgt/>
+                  </p:tgtEl>
+                </p:cond>
+              </p:prevCondLst>
+              <p:nextCondLst>
+                <p:cond evt="onNext" delay="0">
+                  <p:tgtEl>
+                    <p:sldTgt/>
+                  </p:tgtEl>
+                </p:cond>
+              </p:nextCondLst>
+            </p:seq>
+          </p:childTnLst>
+        </p:cTn>
+      </p:par>
+    </p:tnLst>
+    <p:bldLst>
+      <p:bldP spid="6" grpId="0" animBg="1"/>
+      <p:bldP spid="7" grpId="0"/>
+    </p:bldLst>
+  </p:timing>
+</p:sld>
+</file>
+
+<file path=ppt/slides/slide11.xml><?xml version="1.0" encoding="utf-8"?>
+<p:sld xmlns:a="http://schemas.openxmlformats.org/drawingml/2006/main" xmlns:r="http://schemas.openxmlformats.org/officeDocument/2006/relationships" xmlns:p="http://schemas.openxmlformats.org/presentationml/2006/main">
+  <p:cSld>
+    <p:spTree>
+      <p:nvGrpSpPr>
+        <p:cNvPr id="1" name=""/>
+        <p:cNvGrpSpPr/>
+        <p:nvPr/>
+      </p:nvGrpSpPr>
+      <p:grpSpPr>
+        <a:xfrm>
+          <a:off x="0" y="0"/>
+          <a:ext cx="0" cy="0"/>
+          <a:chOff x="0" y="0"/>
+          <a:chExt cx="0" cy="0"/>
+        </a:xfrm>
+      </p:grpSpPr>
+      <p:pic>
+        <p:nvPicPr>
+          <p:cNvPr id="6" name="Picture 6" descr="movies matrix code system failure Wallpaper HD"/>
+          <p:cNvPicPr>
+            <a:picLocks noChangeAspect="1" noChangeArrowheads="1"/>
+          </p:cNvPicPr>
+          <p:nvPr/>
+        </p:nvPicPr>
+        <p:blipFill>
+          <a:blip r:embed="rId2">
+            <a:lum bright="70000" contrast="-70000"/>
+            <a:extLst>
+              <a:ext uri="{28A0092B-C50C-407E-A947-70E740481C1C}">
+                <a14:useLocalDpi xmlns:a14="http://schemas.microsoft.com/office/drawing/2010/main" val="0"/>
+              </a:ext>
+            </a:extLst>
+          </a:blip>
+          <a:srcRect/>
+          <a:stretch>
+            <a:fillRect/>
+          </a:stretch>
+        </p:blipFill>
+        <p:spPr bwMode="auto">
+          <a:xfrm>
+            <a:off x="-1" y="0"/>
+            <a:ext cx="12192001" cy="6337300"/>
+          </a:xfrm>
+          <a:prstGeom prst="rect">
+            <a:avLst/>
+          </a:prstGeom>
+          <a:noFill/>
+          <a:extLst>
+            <a:ext uri="{909E8E84-426E-40DD-AFC4-6F175D3DCCD1}">
+              <a14:hiddenFill xmlns:a14="http://schemas.microsoft.com/office/drawing/2010/main">
+                <a:solidFill>
+                  <a:srgbClr val="FFFFFF"/>
+                </a:solidFill>
+              </a14:hiddenFill>
+            </a:ext>
+          </a:extLst>
+        </p:spPr>
+      </p:pic>
+      <p:sp>
+        <p:nvSpPr>
+          <p:cNvPr id="4" name="Title 3"/>
+          <p:cNvSpPr>
+            <a:spLocks noGrp="1"/>
+          </p:cNvSpPr>
+          <p:nvPr>
+            <p:ph type="ctrTitle"/>
+          </p:nvPr>
+        </p:nvSpPr>
+        <p:spPr>
+          <a:xfrm>
+            <a:off x="0" y="1982018"/>
+            <a:ext cx="12192000" cy="1651819"/>
+          </a:xfrm>
+        </p:spPr>
+        <p:txBody>
+          <a:bodyPr/>
+          <a:lstStyle/>
+          <a:p>
+            <a:r>
+              <a:rPr lang="en-US" dirty="0"/>
+              <a:t>Thanks For Listening</a:t>
+            </a:r>
+          </a:p>
+        </p:txBody>
+      </p:sp>
+      <p:sp>
+        <p:nvSpPr>
+          <p:cNvPr id="5" name="Subtitle 4"/>
+          <p:cNvSpPr>
+            <a:spLocks noGrp="1"/>
+          </p:cNvSpPr>
+          <p:nvPr>
+            <p:ph type="subTitle" idx="1"/>
+          </p:nvPr>
+        </p:nvSpPr>
+        <p:spPr>
+          <a:xfrm>
+            <a:off x="0" y="3633837"/>
+            <a:ext cx="12192000" cy="1143000"/>
+          </a:xfrm>
+        </p:spPr>
+        <p:txBody>
+          <a:bodyPr>
+            <a:normAutofit/>
+          </a:bodyPr>
+          <a:lstStyle/>
+          <a:p>
+            <a:r>
+              <a:rPr lang="en-US" sz="3200" dirty="0">
+                <a:solidFill>
+                  <a:schemeClr val="tx1"/>
+                </a:solidFill>
+              </a:rPr>
+              <a:t>Any Questions?</a:t>
+            </a:r>
+          </a:p>
+        </p:txBody>
+      </p:sp>
+    </p:spTree>
+    <p:extLst>
+      <p:ext uri="{BB962C8B-B14F-4D97-AF65-F5344CB8AC3E}">
+        <p14:creationId xmlns:p14="http://schemas.microsoft.com/office/powerpoint/2010/main" val="1248569566"/>
+      </p:ext>
+    </p:extLst>
+  </p:cSld>
+  <p:clrMapOvr>
+    <a:masterClrMapping/>
+  </p:clrMapOvr>
+</p:sld>
+</file>
+
+<file path=ppt/slides/slide2.xml><?xml version="1.0" encoding="utf-8"?>
+<p:sld xmlns:a="http://schemas.openxmlformats.org/drawingml/2006/main" xmlns:r="http://schemas.openxmlformats.org/officeDocument/2006/relationships" xmlns:p="http://schemas.openxmlformats.org/presentationml/2006/main">
+  <p:cSld>
+    <p:spTree>
+      <p:nvGrpSpPr>
+        <p:cNvPr id="1" name=""/>
+        <p:cNvGrpSpPr/>
+        <p:nvPr/>
+      </p:nvGrpSpPr>
+      <p:grpSpPr>
+        <a:xfrm>
+          <a:off x="0" y="0"/>
+          <a:ext cx="0" cy="0"/>
+          <a:chOff x="0" y="0"/>
+          <a:chExt cx="0" cy="0"/>
+        </a:xfrm>
+      </p:grpSpPr>
+      <p:sp>
+        <p:nvSpPr>
+          <p:cNvPr id="2" name="Title 1"/>
+          <p:cNvSpPr>
+            <a:spLocks noGrp="1"/>
+          </p:cNvSpPr>
+          <p:nvPr>
+            <p:ph type="title"/>
+          </p:nvPr>
+        </p:nvSpPr>
+        <p:spPr/>
+        <p:txBody>
+          <a:bodyPr/>
+          <a:lstStyle/>
+          <a:p>
+            <a:r>
+              <a:rPr lang="en-US" dirty="0"/>
+              <a:t>Introduction</a:t>
+            </a:r>
+          </a:p>
+        </p:txBody>
+      </p:sp>
+      <p:sp>
+        <p:nvSpPr>
+          <p:cNvPr id="3" name="Content Placeholder 2"/>
+          <p:cNvSpPr>
+            <a:spLocks noGrp="1"/>
+          </p:cNvSpPr>
+          <p:nvPr>
+            <p:ph idx="1"/>
+          </p:nvPr>
+        </p:nvSpPr>
+        <p:spPr/>
+        <p:txBody>
+          <a:bodyPr>
+            <a:normAutofit fontScale="92500" lnSpcReduction="10000"/>
+          </a:bodyPr>
+          <a:lstStyle/>
+          <a:p>
+            <a:r>
+              <a:rPr lang="en-US" dirty="0"/>
+              <a:t>As we’ve seen in the course, they are many advantages to </a:t>
+            </a:r>
+            <a:r>
+              <a:rPr lang="en-US" b="1" dirty="0"/>
+              <a:t>early </a:t>
+            </a:r>
+            <a:r>
+              <a:rPr lang="en-US" dirty="0"/>
+              <a:t>defect prediction.</a:t>
+            </a:r>
+          </a:p>
+          <a:p>
+            <a:r>
+              <a:rPr lang="en-US" dirty="0"/>
+              <a:t>Many studies have been published looking at whether </a:t>
+            </a:r>
+            <a:r>
+              <a:rPr lang="en-US" b="1" dirty="0"/>
+              <a:t>internal metrics</a:t>
+            </a:r>
+            <a:r>
+              <a:rPr lang="en-US" dirty="0"/>
+              <a:t> can be used as failure predictors.</a:t>
+            </a:r>
+          </a:p>
+          <a:p>
+            <a:endParaRPr lang="en-US" dirty="0"/>
+          </a:p>
+          <a:p>
+            <a:r>
+              <a:rPr lang="en-US" dirty="0"/>
+              <a:t>Studies have looked at: </a:t>
+            </a:r>
+          </a:p>
+          <a:p>
+            <a:pPr lvl="1"/>
+            <a:r>
+              <a:rPr lang="en-US" i="1" dirty="0"/>
+              <a:t>Code measures</a:t>
+            </a:r>
+            <a:endParaRPr lang="en-US" dirty="0"/>
+          </a:p>
+          <a:p>
+            <a:pPr lvl="1"/>
+            <a:r>
+              <a:rPr lang="en-US" i="1" dirty="0"/>
+              <a:t>People and organizational metrics</a:t>
+            </a:r>
+          </a:p>
+          <a:p>
+            <a:pPr lvl="1"/>
+            <a:r>
+              <a:rPr lang="en-US" sz="2600" b="1" i="1" dirty="0"/>
+              <a:t>Social networks</a:t>
+            </a:r>
+          </a:p>
+          <a:p>
+            <a:endParaRPr lang="en-US" dirty="0"/>
+          </a:p>
+          <a:p>
+            <a:endParaRPr lang="en-US" dirty="0"/>
+          </a:p>
+          <a:p>
+            <a:endParaRPr lang="en-US" dirty="0"/>
+          </a:p>
+        </p:txBody>
+      </p:sp>
+    </p:spTree>
+    <p:extLst>
+      <p:ext uri="{BB962C8B-B14F-4D97-AF65-F5344CB8AC3E}">
+        <p14:creationId xmlns:p14="http://schemas.microsoft.com/office/powerpoint/2010/main" val="2457151651"/>
+      </p:ext>
+    </p:extLst>
+  </p:cSld>
+  <p:clrMapOvr>
+    <a:masterClrMapping/>
+  </p:clrMapOvr>
+</p:sld>
+</file>
+
+<file path=ppt/slides/slide3.xml><?xml version="1.0" encoding="utf-8"?>
+<p:sld xmlns:a="http://schemas.openxmlformats.org/drawingml/2006/main" xmlns:r="http://schemas.openxmlformats.org/officeDocument/2006/relationships" xmlns:p="http://schemas.openxmlformats.org/presentationml/2006/main">
+  <p:cSld>
+    <p:spTree>
+      <p:nvGrpSpPr>
+        <p:cNvPr id="1" name=""/>
+        <p:cNvGrpSpPr/>
+        <p:nvPr/>
+      </p:nvGrpSpPr>
+      <p:grpSpPr>
+        <a:xfrm>
+          <a:off x="0" y="0"/>
+          <a:ext cx="0" cy="0"/>
+          <a:chOff x="0" y="0"/>
+          <a:chExt cx="0" cy="0"/>
+        </a:xfrm>
+      </p:grpSpPr>
+      <p:sp>
+        <p:nvSpPr>
+          <p:cNvPr id="2" name="Title 1"/>
+          <p:cNvSpPr>
+            <a:spLocks noGrp="1"/>
+          </p:cNvSpPr>
+          <p:nvPr>
+            <p:ph type="title"/>
+          </p:nvPr>
+        </p:nvSpPr>
+        <p:spPr/>
+        <p:txBody>
+          <a:bodyPr/>
+          <a:lstStyle/>
+          <a:p>
+            <a:r>
+              <a:rPr lang="en-US" dirty="0"/>
+              <a:t>Developer-Module Networks</a:t>
+            </a:r>
+          </a:p>
+        </p:txBody>
+      </p:sp>
+      <p:sp>
+        <p:nvSpPr>
+          <p:cNvPr id="3" name="Content Placeholder 2"/>
+          <p:cNvSpPr>
+            <a:spLocks noGrp="1"/>
+          </p:cNvSpPr>
+          <p:nvPr>
+            <p:ph idx="1"/>
+          </p:nvPr>
+        </p:nvSpPr>
+        <p:spPr>
+          <a:xfrm>
+            <a:off x="5892800" y="2032000"/>
+            <a:ext cx="6113780" cy="4040294"/>
+          </a:xfrm>
+        </p:spPr>
+        <p:txBody>
+          <a:bodyPr>
+            <a:normAutofit lnSpcReduction="10000"/>
+          </a:bodyPr>
+          <a:lstStyle/>
+          <a:p>
+            <a:r>
+              <a:rPr lang="en-US" dirty="0"/>
+              <a:t>Social network.</a:t>
+            </a:r>
+          </a:p>
+          <a:p>
+            <a:r>
+              <a:rPr lang="en-US" dirty="0"/>
+              <a:t>Contains </a:t>
+            </a:r>
+            <a:r>
+              <a:rPr lang="en-US" b="1" dirty="0"/>
+              <a:t>actors.</a:t>
+            </a:r>
+          </a:p>
+          <a:p>
+            <a:pPr lvl="1"/>
+            <a:r>
+              <a:rPr lang="en-US" dirty="0"/>
+              <a:t>Files and developers.</a:t>
+            </a:r>
+          </a:p>
+          <a:p>
+            <a:r>
+              <a:rPr lang="en-US" dirty="0"/>
+              <a:t>Contains </a:t>
+            </a:r>
+            <a:r>
+              <a:rPr lang="en-US" b="1" dirty="0"/>
+              <a:t>ties.</a:t>
+            </a:r>
+          </a:p>
+          <a:p>
+            <a:pPr lvl="1"/>
+            <a:r>
+              <a:rPr lang="en-US" dirty="0"/>
+              <a:t>Commits between files and developers.</a:t>
+            </a:r>
+          </a:p>
+          <a:p>
+            <a:r>
+              <a:rPr lang="en-US" dirty="0"/>
+              <a:t>Can compute social network metrics like </a:t>
+            </a:r>
+            <a:r>
+              <a:rPr lang="en-US" dirty="0" err="1"/>
+              <a:t>betweenness</a:t>
+            </a:r>
+            <a:r>
+              <a:rPr lang="en-US" dirty="0"/>
+              <a:t> centrality.</a:t>
+            </a:r>
+          </a:p>
+        </p:txBody>
+      </p:sp>
+      <p:pic>
+        <p:nvPicPr>
+          <p:cNvPr id="4" name="Picture 3"/>
+          <p:cNvPicPr>
+            <a:picLocks noChangeAspect="1"/>
+          </p:cNvPicPr>
+          <p:nvPr/>
+        </p:nvPicPr>
+        <p:blipFill>
+          <a:blip r:embed="rId2"/>
+          <a:stretch>
+            <a:fillRect/>
+          </a:stretch>
+        </p:blipFill>
+        <p:spPr>
+          <a:xfrm>
+            <a:off x="0" y="2372572"/>
+            <a:ext cx="5591175" cy="2952750"/>
+          </a:xfrm>
+          <a:prstGeom prst="rect">
+            <a:avLst/>
+          </a:prstGeom>
+        </p:spPr>
+      </p:pic>
+    </p:spTree>
+    <p:extLst>
+      <p:ext uri="{BB962C8B-B14F-4D97-AF65-F5344CB8AC3E}">
+        <p14:creationId xmlns:p14="http://schemas.microsoft.com/office/powerpoint/2010/main" val="4131573959"/>
+      </p:ext>
+    </p:extLst>
+  </p:cSld>
+  <p:clrMapOvr>
+    <a:masterClrMapping/>
+  </p:clrMapOvr>
+</p:sld>
+</file>
+
+<file path=ppt/slides/slide4.xml><?xml version="1.0" encoding="utf-8"?>
+<p:sld xmlns:a="http://schemas.openxmlformats.org/drawingml/2006/main" xmlns:r="http://schemas.openxmlformats.org/officeDocument/2006/relationships" xmlns:p="http://schemas.openxmlformats.org/presentationml/2006/main">
+  <p:cSld>
+    <p:spTree>
+      <p:nvGrpSpPr>
+        <p:cNvPr id="1" name=""/>
+        <p:cNvGrpSpPr/>
+        <p:nvPr/>
+      </p:nvGrpSpPr>
+      <p:grpSpPr>
+        <a:xfrm>
+          <a:off x="0" y="0"/>
+          <a:ext cx="0" cy="0"/>
+          <a:chOff x="0" y="0"/>
+          <a:chExt cx="0" cy="0"/>
+        </a:xfrm>
+      </p:grpSpPr>
+      <p:sp>
+        <p:nvSpPr>
+          <p:cNvPr id="5" name="Rectangle 4"/>
+          <p:cNvSpPr/>
+          <p:nvPr/>
+        </p:nvSpPr>
+        <p:spPr>
+          <a:xfrm>
+            <a:off x="749300" y="1075481"/>
+            <a:ext cx="10934700" cy="1388319"/>
+          </a:xfrm>
+          <a:prstGeom prst="rect">
+            <a:avLst/>
+          </a:prstGeom>
+          <a:solidFill>
+            <a:schemeClr val="bg1"/>
+          </a:solidFill>
+          <a:ln>
+            <a:noFill/>
+          </a:ln>
+        </p:spPr>
+        <p:style>
+          <a:lnRef idx="2">
+            <a:schemeClr val="accent1">
+              <a:shade val="50000"/>
+            </a:schemeClr>
+          </a:lnRef>
+          <a:fillRef idx="1">
+            <a:schemeClr val="accent1"/>
+          </a:fillRef>
+          <a:effectRef idx="0">
+            <a:schemeClr val="accent1"/>
+          </a:effectRef>
+          <a:fontRef idx="minor">
+            <a:schemeClr val="lt1"/>
+          </a:fontRef>
+        </p:style>
+        <p:txBody>
+          <a:bodyPr rtlCol="0" anchor="ctr"/>
+          <a:lstStyle/>
+          <a:p>
+            <a:pPr algn="ctr"/>
+            <a:endParaRPr lang="en-US"/>
+          </a:p>
+        </p:txBody>
+      </p:sp>
+      <p:pic>
+        <p:nvPicPr>
+          <p:cNvPr id="4" name="Picture 3"/>
+          <p:cNvPicPr>
+            <a:picLocks noChangeAspect="1"/>
+          </p:cNvPicPr>
+          <p:nvPr/>
+        </p:nvPicPr>
+        <p:blipFill>
+          <a:blip r:embed="rId2"/>
+          <a:stretch>
+            <a:fillRect/>
+          </a:stretch>
+        </p:blipFill>
+        <p:spPr>
+          <a:xfrm>
+            <a:off x="2261870" y="1075481"/>
+            <a:ext cx="7729220" cy="5250759"/>
+          </a:xfrm>
+          <a:prstGeom prst="rect">
+            <a:avLst/>
+          </a:prstGeom>
+          <a:effectLst>
+            <a:outerShdw blurRad="50800" dist="38100" dir="13500000" algn="br" rotWithShape="0">
+              <a:prstClr val="black">
+                <a:alpha val="40000"/>
+              </a:prstClr>
+            </a:outerShdw>
+          </a:effectLst>
+        </p:spPr>
+      </p:pic>
+    </p:spTree>
+    <p:extLst>
+      <p:ext uri="{BB962C8B-B14F-4D97-AF65-F5344CB8AC3E}">
+        <p14:creationId xmlns:p14="http://schemas.microsoft.com/office/powerpoint/2010/main" val="616963674"/>
+      </p:ext>
+    </p:extLst>
+  </p:cSld>
+  <p:clrMapOvr>
+    <a:masterClrMapping/>
+  </p:clrMapOvr>
+</p:sld>
+</file>
+
+<file path=ppt/slides/slide5.xml><?xml version="1.0" encoding="utf-8"?>
+<p:sld xmlns:a="http://schemas.openxmlformats.org/drawingml/2006/main" xmlns:r="http://schemas.openxmlformats.org/officeDocument/2006/relationships" xmlns:p="http://schemas.openxmlformats.org/presentationml/2006/main">
+  <p:cSld>
+    <p:spTree>
+      <p:nvGrpSpPr>
+        <p:cNvPr id="1" name=""/>
+        <p:cNvGrpSpPr/>
+        <p:nvPr/>
+      </p:nvGrpSpPr>
+      <p:grpSpPr>
+        <a:xfrm>
+          <a:off x="0" y="0"/>
+          <a:ext cx="0" cy="0"/>
+          <a:chOff x="0" y="0"/>
+          <a:chExt cx="0" cy="0"/>
+        </a:xfrm>
+      </p:grpSpPr>
+      <p:sp>
+        <p:nvSpPr>
+          <p:cNvPr id="2" name="Title 1"/>
+          <p:cNvSpPr>
+            <a:spLocks noGrp="1"/>
+          </p:cNvSpPr>
+          <p:nvPr>
+            <p:ph type="title"/>
+          </p:nvPr>
+        </p:nvSpPr>
+        <p:spPr/>
+        <p:txBody>
+          <a:bodyPr>
+            <a:normAutofit/>
+          </a:bodyPr>
+          <a:lstStyle/>
+          <a:p>
+            <a:r>
+              <a:rPr lang="en-US" dirty="0"/>
+              <a:t>Can Developers-Module Networks Predict Failures?</a:t>
+            </a:r>
+          </a:p>
+        </p:txBody>
+      </p:sp>
+      <p:sp>
+        <p:nvSpPr>
+          <p:cNvPr id="3" name="Content Placeholder 2"/>
+          <p:cNvSpPr>
+            <a:spLocks noGrp="1"/>
+          </p:cNvSpPr>
+          <p:nvPr>
+            <p:ph idx="1"/>
+          </p:nvPr>
+        </p:nvSpPr>
+        <p:spPr/>
+        <p:txBody>
+          <a:bodyPr/>
+          <a:lstStyle/>
+          <a:p>
+            <a:r>
+              <a:rPr lang="en-US" dirty="0"/>
+              <a:t>Study of Windows Vista.</a:t>
+            </a:r>
+          </a:p>
+          <a:p>
+            <a:r>
+              <a:rPr lang="en-US" dirty="0"/>
+              <a:t>Looked at whether the developer-module network for Windows Vista could predict </a:t>
+            </a:r>
+            <a:r>
+              <a:rPr lang="en-US" b="1" dirty="0"/>
+              <a:t>failure-prone binaries.</a:t>
+            </a:r>
+          </a:p>
+          <a:p>
+            <a:r>
+              <a:rPr lang="en-US" dirty="0"/>
+              <a:t>Hypothesized that </a:t>
+            </a:r>
+          </a:p>
+          <a:p>
+            <a:endParaRPr lang="en-US" dirty="0"/>
+          </a:p>
+          <a:p>
+            <a:r>
+              <a:rPr lang="en-US" dirty="0"/>
+              <a:t>Found that, with </a:t>
+            </a:r>
+          </a:p>
+        </p:txBody>
+      </p:sp>
+    </p:spTree>
+    <p:extLst>
+      <p:ext uri="{BB962C8B-B14F-4D97-AF65-F5344CB8AC3E}">
+        <p14:creationId xmlns:p14="http://schemas.microsoft.com/office/powerpoint/2010/main" val="1130064596"/>
+      </p:ext>
+    </p:extLst>
+  </p:cSld>
+  <p:clrMapOvr>
+    <a:masterClrMapping/>
+  </p:clrMapOvr>
+</p:sld>
+</file>
+
+<file path=ppt/slides/slide6.xml><?xml version="1.0" encoding="utf-8"?>
+<p:sld xmlns:a="http://schemas.openxmlformats.org/drawingml/2006/main" xmlns:r="http://schemas.openxmlformats.org/officeDocument/2006/relationships" xmlns:p="http://schemas.openxmlformats.org/presentationml/2006/main">
+  <p:cSld>
+    <p:spTree>
+      <p:nvGrpSpPr>
+        <p:cNvPr id="1" name=""/>
+        <p:cNvGrpSpPr/>
+        <p:nvPr/>
+      </p:nvGrpSpPr>
+      <p:grpSpPr>
+        <a:xfrm>
+          <a:off x="0" y="0"/>
+          <a:ext cx="0" cy="0"/>
+          <a:chOff x="0" y="0"/>
+          <a:chExt cx="0" cy="0"/>
+        </a:xfrm>
+      </p:grpSpPr>
+      <p:sp>
+        <p:nvSpPr>
+          <p:cNvPr id="2" name="Title 1"/>
+          <p:cNvSpPr>
+            <a:spLocks noGrp="1"/>
+          </p:cNvSpPr>
+          <p:nvPr>
+            <p:ph type="title"/>
+          </p:nvPr>
+        </p:nvSpPr>
+        <p:spPr/>
+        <p:txBody>
+          <a:bodyPr/>
+          <a:lstStyle/>
+          <a:p>
+            <a:r>
+              <a:rPr lang="en-US" dirty="0"/>
+              <a:t>Our Project</a:t>
+            </a:r>
+          </a:p>
+        </p:txBody>
+      </p:sp>
+      <p:sp>
+        <p:nvSpPr>
+          <p:cNvPr id="3" name="Content Placeholder 2"/>
+          <p:cNvSpPr>
+            <a:spLocks noGrp="1"/>
+          </p:cNvSpPr>
+          <p:nvPr>
+            <p:ph idx="1"/>
+          </p:nvPr>
+        </p:nvSpPr>
+        <p:spPr/>
+        <p:txBody>
+          <a:bodyPr/>
+          <a:lstStyle/>
+          <a:p>
+            <a:r>
+              <a:rPr lang="en-US" dirty="0"/>
+              <a:t>Windows Vista is a massive software project with thousands of developers and binaries.</a:t>
+            </a:r>
+          </a:p>
+          <a:p>
+            <a:endParaRPr lang="en-US" dirty="0"/>
+          </a:p>
+          <a:p>
+            <a:pPr lvl="1"/>
+            <a:endParaRPr lang="en-US" dirty="0"/>
+          </a:p>
+        </p:txBody>
+      </p:sp>
+    </p:spTree>
+    <p:extLst>
+      <p:ext uri="{BB962C8B-B14F-4D97-AF65-F5344CB8AC3E}">
+        <p14:creationId xmlns:p14="http://schemas.microsoft.com/office/powerpoint/2010/main" val="3500865242"/>
+      </p:ext>
+    </p:extLst>
+  </p:cSld>
+  <p:clrMapOvr>
+    <a:masterClrMapping/>
+  </p:clrMapOvr>
+</p:sld>
+</file>
+
+<file path=ppt/slides/slide7.xml><?xml version="1.0" encoding="utf-8"?>
+<p:sld xmlns:a="http://schemas.openxmlformats.org/drawingml/2006/main" xmlns:r="http://schemas.openxmlformats.org/officeDocument/2006/relationships" xmlns:p="http://schemas.openxmlformats.org/presentationml/2006/main">
+  <p:cSld>
+    <p:spTree>
+      <p:nvGrpSpPr>
+        <p:cNvPr id="1" name=""/>
+        <p:cNvGrpSpPr/>
+        <p:nvPr/>
+      </p:nvGrpSpPr>
+      <p:grpSpPr>
+        <a:xfrm>
+          <a:off x="0" y="0"/>
+          <a:ext cx="0" cy="0"/>
+          <a:chOff x="0" y="0"/>
+          <a:chExt cx="0" cy="0"/>
+        </a:xfrm>
+      </p:grpSpPr>
+      <p:sp>
+        <p:nvSpPr>
+          <p:cNvPr id="2" name="Title 1"/>
+          <p:cNvSpPr>
+            <a:spLocks noGrp="1"/>
+          </p:cNvSpPr>
+          <p:nvPr>
+            <p:ph type="title"/>
+          </p:nvPr>
+        </p:nvSpPr>
+        <p:spPr/>
+        <p:txBody>
+          <a:bodyPr/>
+          <a:lstStyle/>
+          <a:p>
+            <a:r>
+              <a:rPr lang="en-US" dirty="0"/>
+              <a:t>Our Project	</a:t>
+            </a:r>
+          </a:p>
+        </p:txBody>
+      </p:sp>
+      <p:sp>
+        <p:nvSpPr>
+          <p:cNvPr id="3" name="Content Placeholder 2"/>
+          <p:cNvSpPr>
+            <a:spLocks noGrp="1"/>
+          </p:cNvSpPr>
+          <p:nvPr>
+            <p:ph idx="1"/>
+          </p:nvPr>
+        </p:nvSpPr>
+        <p:spPr/>
+        <p:txBody>
+          <a:bodyPr/>
+          <a:lstStyle/>
+          <a:p>
+            <a:endParaRPr lang="en-US" dirty="0"/>
+          </a:p>
+        </p:txBody>
+      </p:sp>
+    </p:spTree>
+    <p:extLst>
+      <p:ext uri="{BB962C8B-B14F-4D97-AF65-F5344CB8AC3E}">
+        <p14:creationId xmlns:p14="http://schemas.microsoft.com/office/powerpoint/2010/main" val="3039880892"/>
+      </p:ext>
+    </p:extLst>
+  </p:cSld>
+  <p:clrMapOvr>
+    <a:masterClrMapping/>
+  </p:clrMapOvr>
+</p:sld>
+</file>
+
+<file path=ppt/slides/slide8.xml><?xml version="1.0" encoding="utf-8"?>
+<p:sld xmlns:a="http://schemas.openxmlformats.org/drawingml/2006/main" xmlns:r="http://schemas.openxmlformats.org/officeDocument/2006/relationships" xmlns:p="http://schemas.openxmlformats.org/presentationml/2006/main">
+  <p:cSld>
+    <p:spTree>
+      <p:nvGrpSpPr>
+        <p:cNvPr id="1" name=""/>
+        <p:cNvGrpSpPr/>
+        <p:nvPr/>
+      </p:nvGrpSpPr>
+      <p:grpSpPr>
+        <a:xfrm>
+          <a:off x="0" y="0"/>
+          <a:ext cx="0" cy="0"/>
+          <a:chOff x="0" y="0"/>
+          <a:chExt cx="0" cy="0"/>
+        </a:xfrm>
+      </p:grpSpPr>
+      <p:sp>
+        <p:nvSpPr>
+          <p:cNvPr id="2" name="Title 1"/>
+          <p:cNvSpPr>
+            <a:spLocks noGrp="1"/>
+          </p:cNvSpPr>
+          <p:nvPr>
+            <p:ph type="title"/>
+          </p:nvPr>
+        </p:nvSpPr>
+        <p:spPr/>
+        <p:txBody>
+          <a:bodyPr/>
+          <a:lstStyle/>
+          <a:p>
+            <a:r>
+              <a:rPr lang="en-US" dirty="0"/>
+              <a:t>The Boa Project</a:t>
+            </a:r>
+          </a:p>
+        </p:txBody>
+      </p:sp>
+      <p:sp>
+        <p:nvSpPr>
+          <p:cNvPr id="3" name="Content Placeholder 2"/>
+          <p:cNvSpPr>
+            <a:spLocks noGrp="1"/>
+          </p:cNvSpPr>
+          <p:nvPr>
+            <p:ph idx="1"/>
+          </p:nvPr>
+        </p:nvSpPr>
+        <p:spPr/>
+        <p:txBody>
+          <a:bodyPr/>
+          <a:lstStyle/>
+          <a:p>
+            <a:r>
+              <a:rPr lang="en-US" dirty="0"/>
+              <a:t>Project that aims to develop a </a:t>
+            </a:r>
+            <a:r>
+              <a:rPr lang="en-US" b="1" dirty="0"/>
+              <a:t>high-level </a:t>
+            </a:r>
+            <a:r>
+              <a:rPr lang="en-US" dirty="0"/>
+              <a:t>language for mining code version repositories.</a:t>
+            </a:r>
+          </a:p>
+          <a:p>
+            <a:r>
+              <a:rPr lang="en-US" dirty="0"/>
+              <a:t>Comprised of two elements:</a:t>
+            </a:r>
+          </a:p>
+          <a:p>
+            <a:pPr lvl="1"/>
+            <a:r>
+              <a:rPr lang="en-US" dirty="0"/>
+              <a:t>Domain specific language for mining code repositories.</a:t>
+            </a:r>
+          </a:p>
+          <a:p>
+            <a:pPr lvl="1"/>
+            <a:r>
+              <a:rPr lang="en-US" dirty="0"/>
+              <a:t>Large online dataset from GitHub and </a:t>
+            </a:r>
+            <a:r>
+              <a:rPr lang="en-US" dirty="0" err="1"/>
+              <a:t>Surgeforge</a:t>
+            </a:r>
+            <a:r>
+              <a:rPr lang="en-US" dirty="0"/>
+              <a:t> (</a:t>
+            </a:r>
+            <a:r>
+              <a:rPr lang="en-US" i="1" dirty="0"/>
+              <a:t>September 2013</a:t>
+            </a:r>
+            <a:r>
+              <a:rPr lang="en-US" dirty="0"/>
+              <a:t>)</a:t>
+            </a:r>
+          </a:p>
+          <a:p>
+            <a:r>
+              <a:rPr lang="en-US" dirty="0"/>
+              <a:t>Has an Eclipse plugin and Java API.</a:t>
+            </a:r>
+          </a:p>
+        </p:txBody>
+      </p:sp>
+    </p:spTree>
+    <p:extLst>
+      <p:ext uri="{BB962C8B-B14F-4D97-AF65-F5344CB8AC3E}">
+        <p14:creationId xmlns:p14="http://schemas.microsoft.com/office/powerpoint/2010/main" val="1762729446"/>
+      </p:ext>
+    </p:extLst>
+  </p:cSld>
+  <p:clrMapOvr>
+    <a:masterClrMapping/>
+  </p:clrMapOvr>
+</p:sld>
+</file>
+
+<file path=ppt/slides/slide9.xml><?xml version="1.0" encoding="utf-8"?>
+<p:sld xmlns:a="http://schemas.openxmlformats.org/drawingml/2006/main" xmlns:r="http://schemas.openxmlformats.org/officeDocument/2006/relationships" xmlns:p="http://schemas.openxmlformats.org/presentationml/2006/main">
+  <p:cSld>
+    <p:spTree>
+      <p:nvGrpSpPr>
+        <p:cNvPr id="1" name=""/>
+        <p:cNvGrpSpPr/>
+        <p:nvPr/>
+      </p:nvGrpSpPr>
+      <p:grpSpPr>
+        <a:xfrm>
+          <a:off x="0" y="0"/>
+          <a:ext cx="0" cy="0"/>
+          <a:chOff x="0" y="0"/>
+          <a:chExt cx="0" cy="0"/>
+        </a:xfrm>
+      </p:grpSpPr>
+      <p:sp>
+        <p:nvSpPr>
+          <p:cNvPr id="2" name="Title 1"/>
+          <p:cNvSpPr>
+            <a:spLocks noGrp="1"/>
+          </p:cNvSpPr>
+          <p:nvPr>
+            <p:ph type="title"/>
+          </p:nvPr>
+        </p:nvSpPr>
+        <p:spPr/>
+        <p:txBody>
+          <a:bodyPr/>
+          <a:lstStyle/>
+          <a:p>
+            <a:r>
+              <a:rPr lang="en-US" dirty="0"/>
+              <a:t>Example of Boa: </a:t>
+            </a:r>
+            <a:r>
+              <a:rPr lang="en-US" i="1" dirty="0"/>
+              <a:t>Number of Committers</a:t>
+            </a:r>
+            <a:endParaRPr lang="en-US" dirty="0"/>
+          </a:p>
+        </p:txBody>
+      </p:sp>
+      <p:pic>
+        <p:nvPicPr>
+          <p:cNvPr id="4" name="Picture 3"/>
+          <p:cNvPicPr>
+            <a:picLocks noChangeAspect="1"/>
+          </p:cNvPicPr>
+          <p:nvPr/>
+        </p:nvPicPr>
+        <p:blipFill>
+          <a:blip r:embed="rId2"/>
+          <a:stretch>
+            <a:fillRect/>
+          </a:stretch>
+        </p:blipFill>
+        <p:spPr>
+          <a:xfrm>
+            <a:off x="1965975" y="2158949"/>
+            <a:ext cx="8321009" cy="3529739"/>
+          </a:xfrm>
+          <a:prstGeom prst="rect">
+            <a:avLst/>
+          </a:prstGeom>
+        </p:spPr>
+      </p:pic>
+    </p:spTree>
+    <p:extLst>
+      <p:ext uri="{BB962C8B-B14F-4D97-AF65-F5344CB8AC3E}">
+        <p14:creationId xmlns:p14="http://schemas.microsoft.com/office/powerpoint/2010/main" val="875459587"/>
+      </p:ext>
+    </p:extLst>
+  </p:cSld>
+  <p:clrMapOvr>
+    <a:masterClrMapping/>
+  </p:clrMapOvr>
+</p:sld>
+</file>
+
 <file path=ppt/theme/theme1.xml><?xml version="1.0" encoding="utf-8"?>
-<a:theme xmlns:a="http://schemas.openxmlformats.org/drawingml/2006/main" name="Office Theme">
+<a:theme xmlns:a="http://schemas.openxmlformats.org/drawingml/2006/main" name="Retrospect">
   <a:themeElements>
-    <a:clrScheme name="Office">
+    <a:clrScheme name="Retrospect">
       <a:dk1>
-        <a:sysClr val="windowText" lastClr="000000"/>
+        <a:srgbClr val="000000"/>
       </a:dk1>
       <a:lt1>
         <a:sysClr val="window" lastClr="FFFFFF"/>
       </a:lt1>
       <a:dk2>
-        <a:srgbClr val="44546A"/>
+        <a:srgbClr val="637052"/>
       </a:dk2>
       <a:lt2>
-        <a:srgbClr val="E7E6E6"/>
+        <a:srgbClr val="CCDDEA"/>
       </a:lt2>
       <a:accent1>
-        <a:srgbClr val="5B9BD5"/>
+        <a:srgbClr val="E48312"/>
       </a:accent1>
       <a:accent2>
-        <a:srgbClr val="ED7D31"/>
+        <a:srgbClr val="BD582C"/>
       </a:accent2>
       <a:accent3>
-        <a:srgbClr val="A5A5A5"/>
+        <a:srgbClr val="865640"/>
       </a:accent3>
       <a:accent4>
-        <a:srgbClr val="FFC000"/>
+        <a:srgbClr val="9B8357"/>
       </a:accent4>
       <a:accent5>
-        <a:srgbClr val="4472C4"/>
+        <a:srgbClr val="C2BC80"/>
       </a:accent5>
       <a:accent6>
-        <a:srgbClr val="70AD47"/>
+        <a:srgbClr val="94A088"/>
       </a:accent6>
       <a:hlink>
-        <a:srgbClr val="0563C1"/>
+        <a:srgbClr val="2998E3"/>
       </a:hlink>
       <a:folHlink>
-        <a:srgbClr val="954F72"/>
+        <a:srgbClr val="8C8C8C"/>
       </a:folHlink>
     </a:clrScheme>
-    <a:fontScheme name="Office">
+    <a:fontScheme name="Retrospect">
       <a:majorFont>
         <a:latin typeface="Calibri Light" panose="020F0302020204030204"/>
         <a:ea typeface=""/>
         <a:cs typeface=""/>
-        <a:font script="Jpan" typeface="游ゴシック Light"/>
+        <a:font script="Jpan" typeface="ＭＳ Ｐゴシック"/>
         <a:font script="Hang" typeface="맑은 고딕"/>
-        <a:font script="Hans" typeface="等线 Light"/>
+        <a:font script="Hans" typeface="宋体"/>
         <a:font script="Hant" typeface="新細明體"/>
         <a:font script="Arab" typeface="Times New Roman"/>
         <a:font script="Hebr" typeface="Times New Roman"/>
@@ -3091,31 +5449,14 @@
         <a:font script="Viet" typeface="Times New Roman"/>
         <a:font script="Uigh" typeface="Microsoft Uighur"/>
         <a:font script="Geor" typeface="Sylfaen"/>
-        <a:font script="Armn" typeface="Arial"/>
-        <a:font script="Bugi" typeface="Leelawadee UI"/>
-        <a:font script="Bopo" typeface="Microsoft JhengHei"/>
-        <a:font script="Java" typeface="Javanese Text"/>
-        <a:font script="Lisu" typeface="Segoe UI"/>
-        <a:font script="Mymr" typeface="Myanmar Text"/>
-        <a:font script="Nkoo" typeface="Ebrima"/>
-        <a:font script="Olck" typeface="Nirmala UI"/>
-        <a:font script="Osma" typeface="Ebrima"/>
-        <a:font script="Phag" typeface="Phagspa"/>
-        <a:font script="Syrn" typeface="Estrangelo Edessa"/>
-        <a:font script="Syrj" typeface="Estrangelo Edessa"/>
-        <a:font script="Syre" typeface="Estrangelo Edessa"/>
-        <a:font script="Sora" typeface="Nirmala UI"/>
-        <a:font script="Tale" typeface="Microsoft Tai Le"/>
-        <a:font script="Talu" typeface="Microsoft New Tai Lue"/>
-        <a:font script="Tfng" typeface="Ebrima"/>
       </a:majorFont>
       <a:minorFont>
         <a:latin typeface="Calibri" panose="020F0502020204030204"/>
         <a:ea typeface=""/>
         <a:cs typeface=""/>
-        <a:font script="Jpan" typeface="游ゴシック"/>
+        <a:font script="Jpan" typeface="ＭＳ Ｐゴシック"/>
         <a:font script="Hang" typeface="맑은 고딕"/>
-        <a:font script="Hans" typeface="等线"/>
+        <a:font script="Hans" typeface="宋体"/>
         <a:font script="Hant" typeface="新細明體"/>
         <a:font script="Arab" typeface="Arial"/>
         <a:font script="Hebr" typeface="Arial"/>
@@ -3143,26 +5484,9 @@
         <a:font script="Viet" typeface="Arial"/>
         <a:font script="Uigh" typeface="Microsoft Uighur"/>
         <a:font script="Geor" typeface="Sylfaen"/>
-        <a:font script="Armn" typeface="Arial"/>
-        <a:font script="Bugi" typeface="Leelawadee UI"/>
-        <a:font script="Bopo" typeface="Microsoft JhengHei"/>
-        <a:font script="Java" typeface="Javanese Text"/>
-        <a:font script="Lisu" typeface="Segoe UI"/>
-        <a:font script="Mymr" typeface="Myanmar Text"/>
-        <a:font script="Nkoo" typeface="Ebrima"/>
-        <a:font script="Olck" typeface="Nirmala UI"/>
-        <a:font script="Osma" typeface="Ebrima"/>
-        <a:font script="Phag" typeface="Phagspa"/>
-        <a:font script="Syrn" typeface="Estrangelo Edessa"/>
-        <a:font script="Syrj" typeface="Estrangelo Edessa"/>
-        <a:font script="Syre" typeface="Estrangelo Edessa"/>
-        <a:font script="Sora" typeface="Nirmala UI"/>
-        <a:font script="Tale" typeface="Microsoft Tai Le"/>
-        <a:font script="Talu" typeface="Microsoft New Tai Lue"/>
-        <a:font script="Tfng" typeface="Ebrima"/>
       </a:minorFont>
     </a:fontScheme>
-    <a:fmtScheme name="Office">
+    <a:fmtScheme name="Retrospect">
       <a:fillStyleLst>
         <a:solidFill>
           <a:schemeClr val="phClr"/>
@@ -3171,76 +5495,81 @@
           <a:gsLst>
             <a:gs pos="0">
               <a:schemeClr val="phClr">
-                <a:lumMod val="110000"/>
-                <a:satMod val="105000"/>
-                <a:tint val="67000"/>
+                <a:tint val="65000"/>
+                <a:shade val="92000"/>
+                <a:satMod val="130000"/>
               </a:schemeClr>
             </a:gs>
-            <a:gs pos="50000">
+            <a:gs pos="45000">
               <a:schemeClr val="phClr">
-                <a:lumMod val="105000"/>
-                <a:satMod val="103000"/>
-                <a:tint val="73000"/>
+                <a:tint val="60000"/>
+                <a:shade val="99000"/>
+                <a:satMod val="120000"/>
               </a:schemeClr>
             </a:gs>
             <a:gs pos="100000">
               <a:schemeClr val="phClr">
-                <a:lumMod val="105000"/>
-                <a:satMod val="109000"/>
-                <a:tint val="81000"/>
+                <a:tint val="55000"/>
+                <a:satMod val="140000"/>
               </a:schemeClr>
             </a:gs>
           </a:gsLst>
-          <a:lin ang="5400000" scaled="0"/>
+          <a:path path="circle">
+            <a:fillToRect l="100000" t="100000" r="100000" b="100000"/>
+          </a:path>
         </a:gradFill>
         <a:gradFill rotWithShape="1">
           <a:gsLst>
             <a:gs pos="0">
               <a:schemeClr val="phClr">
-                <a:satMod val="103000"/>
-                <a:lumMod val="102000"/>
-                <a:tint val="94000"/>
+                <a:shade val="85000"/>
+                <a:satMod val="130000"/>
               </a:schemeClr>
             </a:gs>
-            <a:gs pos="50000">
+            <a:gs pos="34000">
               <a:schemeClr val="phClr">
-                <a:satMod val="110000"/>
-                <a:lumMod val="100000"/>
-                <a:shade val="100000"/>
+                <a:shade val="87000"/>
+                <a:satMod val="125000"/>
+              </a:schemeClr>
+            </a:gs>
+            <a:gs pos="70000">
+              <a:schemeClr val="phClr">
+                <a:tint val="100000"/>
+                <a:shade val="90000"/>
+                <a:satMod val="130000"/>
               </a:schemeClr>
             </a:gs>
             <a:gs pos="100000">
               <a:schemeClr val="phClr">
-                <a:lumMod val="99000"/>
-                <a:satMod val="120000"/>
-                <a:shade val="78000"/>
+                <a:tint val="100000"/>
+                <a:shade val="100000"/>
+                <a:satMod val="110000"/>
               </a:schemeClr>
             </a:gs>
           </a:gsLst>
-          <a:lin ang="5400000" scaled="0"/>
+          <a:path path="circle">
+            <a:fillToRect l="100000" t="100000" r="100000" b="100000"/>
+          </a:path>
         </a:gradFill>
       </a:fillStyleLst>
       <a:lnStyleLst>
-        <a:ln w="6350" cap="flat" cmpd="sng" algn="ctr">
-          <a:solidFill>
-            <a:schemeClr val="phClr"/>
-          </a:solidFill>
-          <a:prstDash val="solid"/>
-          <a:miter lim="800000"/>
-        </a:ln>
         <a:ln w="12700" cap="flat" cmpd="sng" algn="ctr">
           <a:solidFill>
             <a:schemeClr val="phClr"/>
           </a:solidFill>
           <a:prstDash val="solid"/>
-          <a:miter lim="800000"/>
         </a:ln>
-        <a:ln w="19050" cap="flat" cmpd="sng" algn="ctr">
+        <a:ln w="15875" cap="flat" cmpd="sng" algn="ctr">
           <a:solidFill>
             <a:schemeClr val="phClr"/>
           </a:solidFill>
           <a:prstDash val="solid"/>
-          <a:miter lim="800000"/>
+        </a:ln>
+        <a:ln w="25400" cap="flat" cmpd="sng" algn="ctr">
+          <a:solidFill>
+            <a:schemeClr val="phClr"/>
+          </a:solidFill>
+          <a:prstDash val="solid"/>
         </a:ln>
       </a:lnStyleLst>
       <a:effectStyleLst>
@@ -3248,16 +5577,33 @@
           <a:effectLst/>
         </a:effectStyle>
         <a:effectStyle>
-          <a:effectLst/>
+          <a:effectLst>
+            <a:outerShdw blurRad="38100" dist="25400" dir="2700000" algn="br" rotWithShape="0">
+              <a:srgbClr val="000000">
+                <a:alpha val="60000"/>
+              </a:srgbClr>
+            </a:outerShdw>
+          </a:effectLst>
         </a:effectStyle>
         <a:effectStyle>
           <a:effectLst>
-            <a:outerShdw blurRad="57150" dist="19050" dir="5400000" algn="ctr" rotWithShape="0">
+            <a:outerShdw blurRad="44450" dist="25400" dir="2700000" algn="br" rotWithShape="0">
               <a:srgbClr val="000000">
-                <a:alpha val="63000"/>
+                <a:alpha val="60000"/>
               </a:srgbClr>
             </a:outerShdw>
           </a:effectLst>
+          <a:scene3d>
+            <a:camera prst="orthographicFront">
+              <a:rot lat="0" lon="0" rev="0"/>
+            </a:camera>
+            <a:lightRig rig="threePt" dir="t">
+              <a:rot lat="0" lon="0" rev="19800000"/>
+            </a:lightRig>
+          </a:scene3d>
+          <a:sp3d prstMaterial="flat">
+            <a:bevelT w="25400" h="31750"/>
+          </a:sp3d>
         </a:effectStyle>
       </a:effectStyleLst>
       <a:bgFillStyleLst>
@@ -3266,36 +5612,36 @@
         </a:solidFill>
         <a:solidFill>
           <a:schemeClr val="phClr">
-            <a:tint val="95000"/>
-            <a:satMod val="170000"/>
+            <a:tint val="90000"/>
+            <a:shade val="97000"/>
+            <a:satMod val="130000"/>
           </a:schemeClr>
         </a:solidFill>
         <a:gradFill rotWithShape="1">
           <a:gsLst>
             <a:gs pos="0">
               <a:schemeClr val="phClr">
-                <a:tint val="93000"/>
-                <a:satMod val="150000"/>
-                <a:shade val="98000"/>
-                <a:lumMod val="102000"/>
+                <a:tint val="96000"/>
+                <a:shade val="99000"/>
+                <a:satMod val="140000"/>
               </a:schemeClr>
             </a:gs>
-            <a:gs pos="50000">
+            <a:gs pos="65000">
               <a:schemeClr val="phClr">
-                <a:tint val="98000"/>
+                <a:tint val="100000"/>
+                <a:shade val="80000"/>
                 <a:satMod val="130000"/>
-                <a:shade val="90000"/>
-                <a:lumMod val="103000"/>
               </a:schemeClr>
             </a:gs>
             <a:gs pos="100000">
               <a:schemeClr val="phClr">
-                <a:shade val="63000"/>
+                <a:tint val="100000"/>
+                <a:shade val="48000"/>
                 <a:satMod val="120000"/>
               </a:schemeClr>
             </a:gs>
           </a:gsLst>
-          <a:lin ang="5400000" scaled="0"/>
+          <a:lin ang="16200000" scaled="0"/>
         </a:gradFill>
       </a:bgFillStyleLst>
     </a:fmtScheme>
@@ -3304,7 +5650,7 @@
   <a:extraClrSchemeLst/>
   <a:extLst>
     <a:ext uri="{05A4C25C-085E-4340-85A3-A5531E510DB2}">
-      <thm15:themeFamily xmlns:thm15="http://schemas.microsoft.com/office/thememl/2012/main" name="Office Theme" id="{62F939B6-93AF-4DB8-9C6B-D6C7DFDC589F}" vid="{4A3C46E8-61CC-4603-A589-7422A47A8E4A}"/>
+      <thm15:themeFamily xmlns:thm15="http://schemas.microsoft.com/office/thememl/2012/main" name="Retrospect" id="{5F128B03-DCCA-4EEB-AB3B-CF2899314A46}" vid="{3F1AAB62-24C6-49D2-8E01-B56FAC9A3DCD}"/>
     </a:ext>
   </a:extLst>
 </a:theme>

--- a/Final-Presentation/Presentation.pptx
+++ b/Final-Presentation/Presentation.pptx
@@ -8,14 +8,17 @@
     <p:sldId id="256" r:id="rId2"/>
     <p:sldId id="258" r:id="rId3"/>
     <p:sldId id="266" r:id="rId4"/>
-    <p:sldId id="260" r:id="rId5"/>
-    <p:sldId id="264" r:id="rId6"/>
+    <p:sldId id="264" r:id="rId5"/>
+    <p:sldId id="267" r:id="rId6"/>
     <p:sldId id="262" r:id="rId7"/>
-    <p:sldId id="263" r:id="rId8"/>
-    <p:sldId id="257" r:id="rId9"/>
-    <p:sldId id="259" r:id="rId10"/>
-    <p:sldId id="261" r:id="rId11"/>
-    <p:sldId id="265" r:id="rId12"/>
+    <p:sldId id="257" r:id="rId8"/>
+    <p:sldId id="259" r:id="rId9"/>
+    <p:sldId id="268" r:id="rId10"/>
+    <p:sldId id="269" r:id="rId11"/>
+    <p:sldId id="271" r:id="rId12"/>
+    <p:sldId id="270" r:id="rId13"/>
+    <p:sldId id="272" r:id="rId14"/>
+    <p:sldId id="265" r:id="rId15"/>
   </p:sldIdLst>
   <p:sldSz cx="12192000" cy="6858000"/>
   <p:notesSz cx="6858000" cy="9144000"/>
@@ -126,21 +129,34 @@
           <p14:sldIdLst>
             <p14:sldId id="258"/>
             <p14:sldId id="266"/>
-            <p14:sldId id="260"/>
             <p14:sldId id="264"/>
+            <p14:sldId id="267"/>
           </p14:sldIdLst>
         </p14:section>
-        <p14:section name="Implementation" id="{04ADD487-94DA-47EC-AF72-3116CF1CA6D9}">
+        <p14:section name="Methodology" id="{04ADD487-94DA-47EC-AF72-3116CF1CA6D9}">
           <p14:sldIdLst>
             <p14:sldId id="262"/>
-            <p14:sldId id="263"/>
             <p14:sldId id="257"/>
             <p14:sldId id="259"/>
-            <p14:sldId id="261"/>
+            <p14:sldId id="268"/>
+            <p14:sldId id="269"/>
+            <p14:sldId id="271"/>
+            <p14:sldId id="270"/>
+          </p14:sldIdLst>
+        </p14:section>
+        <p14:section name="Results" id="{F06C6ECF-4606-4C14-8117-DA2D8675ACF3}">
+          <p14:sldIdLst/>
+        </p14:section>
+        <p14:section name="Conclusion" id="{8D9BA467-BE11-41EB-8F5E-434DA548520F}">
+          <p14:sldIdLst>
+            <p14:sldId id="272"/>
             <p14:sldId id="265"/>
           </p14:sldIdLst>
         </p14:section>
       </p14:sectionLst>
+    </p:ext>
+    <p:ext uri="{EFAFB233-063F-42B5-8137-9DF3F51BA10A}">
+      <p15:sldGuideLst xmlns:p15="http://schemas.microsoft.com/office/powerpoint/2012/main"/>
     </p:ext>
   </p:extLst>
 </p:presentation>
@@ -370,7 +386,7 @@
           <a:p>
             <a:fld id="{CA586F88-EEB5-4979-9532-C99075E35C56}" type="datetimeFigureOut">
               <a:rPr lang="en-US" smtClean="0"/>
-              <a:t>3/19/2016</a:t>
+              <a:t>3/22/2016</a:t>
             </a:fld>
             <a:endParaRPr lang="en-US"/>
           </a:p>
@@ -544,7 +560,7 @@
           <a:p>
             <a:fld id="{CA586F88-EEB5-4979-9532-C99075E35C56}" type="datetimeFigureOut">
               <a:rPr lang="en-US" smtClean="0"/>
-              <a:t>3/19/2016</a:t>
+              <a:t>3/22/2016</a:t>
             </a:fld>
             <a:endParaRPr lang="en-US"/>
           </a:p>
@@ -800,7 +816,7 @@
           <a:p>
             <a:fld id="{CA586F88-EEB5-4979-9532-C99075E35C56}" type="datetimeFigureOut">
               <a:rPr lang="en-US" smtClean="0"/>
-              <a:t>3/19/2016</a:t>
+              <a:t>3/22/2016</a:t>
             </a:fld>
             <a:endParaRPr lang="en-US"/>
           </a:p>
@@ -977,7 +993,7 @@
           <a:p>
             <a:fld id="{CA586F88-EEB5-4979-9532-C99075E35C56}" type="datetimeFigureOut">
               <a:rPr lang="en-US" smtClean="0"/>
-              <a:t>3/19/2016</a:t>
+              <a:t>3/22/2016</a:t>
             </a:fld>
             <a:endParaRPr lang="en-US"/>
           </a:p>
@@ -1320,7 +1336,7 @@
           <a:p>
             <a:fld id="{CA586F88-EEB5-4979-9532-C99075E35C56}" type="datetimeFigureOut">
               <a:rPr lang="en-US" smtClean="0"/>
-              <a:t>3/19/2016</a:t>
+              <a:t>3/22/2016</a:t>
             </a:fld>
             <a:endParaRPr lang="en-US"/>
           </a:p>
@@ -1595,7 +1611,7 @@
           <a:p>
             <a:fld id="{CA586F88-EEB5-4979-9532-C99075E35C56}" type="datetimeFigureOut">
               <a:rPr lang="en-US" smtClean="0"/>
-              <a:t>3/19/2016</a:t>
+              <a:t>3/22/2016</a:t>
             </a:fld>
             <a:endParaRPr lang="en-US"/>
           </a:p>
@@ -1974,7 +1990,7 @@
           <a:p>
             <a:fld id="{CA586F88-EEB5-4979-9532-C99075E35C56}" type="datetimeFigureOut">
               <a:rPr lang="en-US" smtClean="0"/>
-              <a:t>3/19/2016</a:t>
+              <a:t>3/22/2016</a:t>
             </a:fld>
             <a:endParaRPr lang="en-US"/>
           </a:p>
@@ -2092,7 +2108,7 @@
           <a:p>
             <a:fld id="{CA586F88-EEB5-4979-9532-C99075E35C56}" type="datetimeFigureOut">
               <a:rPr lang="en-US" smtClean="0"/>
-              <a:t>3/19/2016</a:t>
+              <a:t>3/22/2016</a:t>
             </a:fld>
             <a:endParaRPr lang="en-US"/>
           </a:p>
@@ -2263,7 +2279,7 @@
           <a:p>
             <a:fld id="{CA586F88-EEB5-4979-9532-C99075E35C56}" type="datetimeFigureOut">
               <a:rPr lang="en-US" smtClean="0"/>
-              <a:t>3/19/2016</a:t>
+              <a:t>3/22/2016</a:t>
             </a:fld>
             <a:endParaRPr lang="en-US"/>
           </a:p>
@@ -2617,7 +2633,7 @@
           <a:p>
             <a:fld id="{CA586F88-EEB5-4979-9532-C99075E35C56}" type="datetimeFigureOut">
               <a:rPr lang="en-US" smtClean="0"/>
-              <a:t>3/19/2016</a:t>
+              <a:t>3/22/2016</a:t>
             </a:fld>
             <a:endParaRPr lang="en-US"/>
           </a:p>
@@ -2999,7 +3015,7 @@
           <a:p>
             <a:fld id="{CA586F88-EEB5-4979-9532-C99075E35C56}" type="datetimeFigureOut">
               <a:rPr lang="en-US" smtClean="0"/>
-              <a:t>3/19/2016</a:t>
+              <a:t>3/22/2016</a:t>
             </a:fld>
             <a:endParaRPr lang="en-US"/>
           </a:p>
@@ -3285,7 +3301,7 @@
           <a:p>
             <a:fld id="{CA586F88-EEB5-4979-9532-C99075E35C56}" type="datetimeFigureOut">
               <a:rPr lang="en-US" smtClean="0"/>
-              <a:t>3/19/2016</a:t>
+              <a:t>3/22/2016</a:t>
             </a:fld>
             <a:endParaRPr lang="en-US"/>
           </a:p>
@@ -4070,11 +4086,35 @@
           <a:p>
             <a:r>
               <a:rPr lang="en-US" dirty="0"/>
-              <a:t>Software Tool</a:t>
-            </a:r>
-          </a:p>
-        </p:txBody>
-      </p:sp>
+              <a:t>We Didn’t Do It By Hand!</a:t>
+            </a:r>
+          </a:p>
+        </p:txBody>
+      </p:sp>
+      <p:pic>
+        <p:nvPicPr>
+          <p:cNvPr id="6" name="Picture 5"/>
+          <p:cNvPicPr>
+            <a:picLocks noChangeAspect="1"/>
+          </p:cNvPicPr>
+          <p:nvPr/>
+        </p:nvPicPr>
+        <p:blipFill>
+          <a:blip r:embed="rId2"/>
+          <a:stretch>
+            <a:fillRect/>
+          </a:stretch>
+        </p:blipFill>
+        <p:spPr>
+          <a:xfrm>
+            <a:off x="1097280" y="1849280"/>
+            <a:ext cx="3975684" cy="2340823"/>
+          </a:xfrm>
+          <a:prstGeom prst="rect">
+            <a:avLst/>
+          </a:prstGeom>
+        </p:spPr>
+      </p:pic>
       <p:sp>
         <p:nvSpPr>
           <p:cNvPr id="3" name="Content Placeholder 2"/>
@@ -4085,27 +4125,452 @@
             <p:ph idx="1"/>
           </p:nvPr>
         </p:nvSpPr>
-        <p:spPr/>
-        <p:txBody>
-          <a:bodyPr/>
-          <a:lstStyle/>
-          <a:p>
-            <a:r>
-              <a:rPr lang="en-US" dirty="0"/>
-              <a:t>An extra component that we started working on is a software tool.</a:t>
-            </a:r>
-          </a:p>
-          <a:p>
-            <a:pPr marL="58737" indent="0">
+        <p:spPr>
+          <a:xfrm>
+            <a:off x="1097280" y="5152103"/>
+            <a:ext cx="5087210" cy="716990"/>
+          </a:xfrm>
+        </p:spPr>
+        <p:txBody>
+          <a:bodyPr anchor="ctr"/>
+          <a:lstStyle/>
+          <a:p>
+            <a:pPr marL="58737" indent="0" algn="ctr">
               <a:buNone/>
             </a:pPr>
-            <a:endParaRPr lang="en-US" dirty="0"/>
+            <a:r>
+              <a:rPr lang="en-US" dirty="0"/>
+              <a:t>Boa Software Miner</a:t>
+            </a:r>
+          </a:p>
+        </p:txBody>
+      </p:sp>
+      <p:sp>
+        <p:nvSpPr>
+          <p:cNvPr id="4" name="Content Placeholder 2"/>
+          <p:cNvSpPr txBox="1">
+            <a:spLocks/>
+          </p:cNvSpPr>
+          <p:nvPr/>
+        </p:nvSpPr>
+        <p:spPr>
+          <a:xfrm>
+            <a:off x="6068470" y="5152103"/>
+            <a:ext cx="5087210" cy="716990"/>
+          </a:xfrm>
+          <a:prstGeom prst="rect">
+            <a:avLst/>
+          </a:prstGeom>
+        </p:spPr>
+        <p:txBody>
+          <a:bodyPr vert="horz" lIns="0" tIns="45720" rIns="0" bIns="45720" rtlCol="0" anchor="ctr">
+            <a:normAutofit/>
+          </a:bodyPr>
+          <a:lstStyle>
+            <a:lvl1pPr marL="285750" indent="-227013" algn="l" defTabSz="914400" rtl="0" eaLnBrk="1" latinLnBrk="0" hangingPunct="1">
+              <a:lnSpc>
+                <a:spcPct val="90000"/>
+              </a:lnSpc>
+              <a:spcBef>
+                <a:spcPts val="1200"/>
+              </a:spcBef>
+              <a:spcAft>
+                <a:spcPts val="200"/>
+              </a:spcAft>
+              <a:buClr>
+                <a:schemeClr val="accent1"/>
+              </a:buClr>
+              <a:buSzPct val="100000"/>
+              <a:buFont typeface="Arial" panose="020B0604020202020204" pitchFamily="34" charset="0"/>
+              <a:buChar char="•"/>
+              <a:defRPr sz="3200" kern="1200">
+                <a:solidFill>
+                  <a:schemeClr val="tx1">
+                    <a:lumMod val="75000"/>
+                    <a:lumOff val="25000"/>
+                  </a:schemeClr>
+                </a:solidFill>
+                <a:latin typeface="+mn-lt"/>
+                <a:ea typeface="+mn-ea"/>
+                <a:cs typeface="+mn-cs"/>
+              </a:defRPr>
+            </a:lvl1pPr>
+            <a:lvl2pPr marL="384048" indent="-182880" algn="l" defTabSz="914400" rtl="0" eaLnBrk="1" latinLnBrk="0" hangingPunct="1">
+              <a:lnSpc>
+                <a:spcPct val="90000"/>
+              </a:lnSpc>
+              <a:spcBef>
+                <a:spcPts val="200"/>
+              </a:spcBef>
+              <a:spcAft>
+                <a:spcPts val="400"/>
+              </a:spcAft>
+              <a:buClr>
+                <a:schemeClr val="accent1"/>
+              </a:buClr>
+              <a:buFont typeface="Calibri" pitchFamily="34" charset="0"/>
+              <a:buChar char="◦"/>
+              <a:defRPr sz="2800" kern="1200">
+                <a:solidFill>
+                  <a:schemeClr val="tx1">
+                    <a:lumMod val="75000"/>
+                    <a:lumOff val="25000"/>
+                  </a:schemeClr>
+                </a:solidFill>
+                <a:latin typeface="+mn-lt"/>
+                <a:ea typeface="+mn-ea"/>
+                <a:cs typeface="+mn-cs"/>
+              </a:defRPr>
+            </a:lvl2pPr>
+            <a:lvl3pPr marL="566928" indent="-182880" algn="l" defTabSz="914400" rtl="0" eaLnBrk="1" latinLnBrk="0" hangingPunct="1">
+              <a:lnSpc>
+                <a:spcPct val="90000"/>
+              </a:lnSpc>
+              <a:spcBef>
+                <a:spcPts val="200"/>
+              </a:spcBef>
+              <a:spcAft>
+                <a:spcPts val="400"/>
+              </a:spcAft>
+              <a:buClr>
+                <a:schemeClr val="accent1"/>
+              </a:buClr>
+              <a:buFont typeface="Calibri" pitchFamily="34" charset="0"/>
+              <a:buChar char="◦"/>
+              <a:defRPr sz="2000" kern="1200">
+                <a:solidFill>
+                  <a:schemeClr val="tx1">
+                    <a:lumMod val="75000"/>
+                    <a:lumOff val="25000"/>
+                  </a:schemeClr>
+                </a:solidFill>
+                <a:latin typeface="+mn-lt"/>
+                <a:ea typeface="+mn-ea"/>
+                <a:cs typeface="+mn-cs"/>
+              </a:defRPr>
+            </a:lvl3pPr>
+            <a:lvl4pPr marL="749808" indent="-182880" algn="l" defTabSz="914400" rtl="0" eaLnBrk="1" latinLnBrk="0" hangingPunct="1">
+              <a:lnSpc>
+                <a:spcPct val="90000"/>
+              </a:lnSpc>
+              <a:spcBef>
+                <a:spcPts val="200"/>
+              </a:spcBef>
+              <a:spcAft>
+                <a:spcPts val="400"/>
+              </a:spcAft>
+              <a:buClr>
+                <a:schemeClr val="accent1"/>
+              </a:buClr>
+              <a:buFont typeface="Calibri" pitchFamily="34" charset="0"/>
+              <a:buChar char="◦"/>
+              <a:defRPr sz="2000" kern="1200">
+                <a:solidFill>
+                  <a:schemeClr val="tx1">
+                    <a:lumMod val="75000"/>
+                    <a:lumOff val="25000"/>
+                  </a:schemeClr>
+                </a:solidFill>
+                <a:latin typeface="+mn-lt"/>
+                <a:ea typeface="+mn-ea"/>
+                <a:cs typeface="+mn-cs"/>
+              </a:defRPr>
+            </a:lvl4pPr>
+            <a:lvl5pPr marL="932688" indent="-182880" algn="l" defTabSz="914400" rtl="0" eaLnBrk="1" latinLnBrk="0" hangingPunct="1">
+              <a:lnSpc>
+                <a:spcPct val="90000"/>
+              </a:lnSpc>
+              <a:spcBef>
+                <a:spcPts val="200"/>
+              </a:spcBef>
+              <a:spcAft>
+                <a:spcPts val="400"/>
+              </a:spcAft>
+              <a:buClr>
+                <a:schemeClr val="accent1"/>
+              </a:buClr>
+              <a:buFont typeface="Calibri" pitchFamily="34" charset="0"/>
+              <a:buChar char="◦"/>
+              <a:defRPr sz="2000" kern="1200">
+                <a:solidFill>
+                  <a:schemeClr val="tx1">
+                    <a:lumMod val="75000"/>
+                    <a:lumOff val="25000"/>
+                  </a:schemeClr>
+                </a:solidFill>
+                <a:latin typeface="+mn-lt"/>
+                <a:ea typeface="+mn-ea"/>
+                <a:cs typeface="+mn-cs"/>
+              </a:defRPr>
+            </a:lvl5pPr>
+            <a:lvl6pPr marL="1100000" indent="-228600" algn="l" defTabSz="914400" rtl="0" eaLnBrk="1" latinLnBrk="0" hangingPunct="1">
+              <a:lnSpc>
+                <a:spcPct val="90000"/>
+              </a:lnSpc>
+              <a:spcBef>
+                <a:spcPts val="200"/>
+              </a:spcBef>
+              <a:spcAft>
+                <a:spcPts val="400"/>
+              </a:spcAft>
+              <a:buClr>
+                <a:schemeClr val="accent1"/>
+              </a:buClr>
+              <a:buFont typeface="Calibri" pitchFamily="34" charset="0"/>
+              <a:buChar char="◦"/>
+              <a:defRPr sz="1400" kern="1200">
+                <a:solidFill>
+                  <a:schemeClr val="tx1">
+                    <a:lumMod val="75000"/>
+                    <a:lumOff val="25000"/>
+                  </a:schemeClr>
+                </a:solidFill>
+                <a:latin typeface="+mn-lt"/>
+                <a:ea typeface="+mn-ea"/>
+                <a:cs typeface="+mn-cs"/>
+              </a:defRPr>
+            </a:lvl6pPr>
+            <a:lvl7pPr marL="1300000" indent="-228600" algn="l" defTabSz="914400" rtl="0" eaLnBrk="1" latinLnBrk="0" hangingPunct="1">
+              <a:lnSpc>
+                <a:spcPct val="90000"/>
+              </a:lnSpc>
+              <a:spcBef>
+                <a:spcPts val="200"/>
+              </a:spcBef>
+              <a:spcAft>
+                <a:spcPts val="400"/>
+              </a:spcAft>
+              <a:buClr>
+                <a:schemeClr val="accent1"/>
+              </a:buClr>
+              <a:buFont typeface="Calibri" pitchFamily="34" charset="0"/>
+              <a:buChar char="◦"/>
+              <a:defRPr sz="1400" kern="1200">
+                <a:solidFill>
+                  <a:schemeClr val="tx1">
+                    <a:lumMod val="75000"/>
+                    <a:lumOff val="25000"/>
+                  </a:schemeClr>
+                </a:solidFill>
+                <a:latin typeface="+mn-lt"/>
+                <a:ea typeface="+mn-ea"/>
+                <a:cs typeface="+mn-cs"/>
+              </a:defRPr>
+            </a:lvl7pPr>
+            <a:lvl8pPr marL="1500000" indent="-228600" algn="l" defTabSz="914400" rtl="0" eaLnBrk="1" latinLnBrk="0" hangingPunct="1">
+              <a:lnSpc>
+                <a:spcPct val="90000"/>
+              </a:lnSpc>
+              <a:spcBef>
+                <a:spcPts val="200"/>
+              </a:spcBef>
+              <a:spcAft>
+                <a:spcPts val="400"/>
+              </a:spcAft>
+              <a:buClr>
+                <a:schemeClr val="accent1"/>
+              </a:buClr>
+              <a:buFont typeface="Calibri" pitchFamily="34" charset="0"/>
+              <a:buChar char="◦"/>
+              <a:defRPr sz="1400" kern="1200">
+                <a:solidFill>
+                  <a:schemeClr val="tx1">
+                    <a:lumMod val="75000"/>
+                    <a:lumOff val="25000"/>
+                  </a:schemeClr>
+                </a:solidFill>
+                <a:latin typeface="+mn-lt"/>
+                <a:ea typeface="+mn-ea"/>
+                <a:cs typeface="+mn-cs"/>
+              </a:defRPr>
+            </a:lvl8pPr>
+            <a:lvl9pPr marL="1700000" indent="-228600" algn="l" defTabSz="914400" rtl="0" eaLnBrk="1" latinLnBrk="0" hangingPunct="1">
+              <a:lnSpc>
+                <a:spcPct val="90000"/>
+              </a:lnSpc>
+              <a:spcBef>
+                <a:spcPts val="200"/>
+              </a:spcBef>
+              <a:spcAft>
+                <a:spcPts val="400"/>
+              </a:spcAft>
+              <a:buClr>
+                <a:schemeClr val="accent1"/>
+              </a:buClr>
+              <a:buFont typeface="Calibri" pitchFamily="34" charset="0"/>
+              <a:buChar char="◦"/>
+              <a:defRPr sz="1400" kern="1200">
+                <a:solidFill>
+                  <a:schemeClr val="tx1">
+                    <a:lumMod val="75000"/>
+                    <a:lumOff val="25000"/>
+                  </a:schemeClr>
+                </a:solidFill>
+                <a:latin typeface="+mn-lt"/>
+                <a:ea typeface="+mn-ea"/>
+                <a:cs typeface="+mn-cs"/>
+              </a:defRPr>
+            </a:lvl9pPr>
+          </a:lstStyle>
+          <a:p>
+            <a:pPr marL="58737" indent="0" algn="ctr">
+              <a:buFont typeface="Arial" panose="020B0604020202020204" pitchFamily="34" charset="0"/>
+              <a:buNone/>
+            </a:pPr>
+            <a:r>
+              <a:rPr lang="en-US" dirty="0"/>
+              <a:t>Boa Software Miner</a:t>
+            </a:r>
           </a:p>
         </p:txBody>
       </p:sp>
       <p:pic>
         <p:nvPicPr>
           <p:cNvPr id="5" name="Picture 4"/>
+          <p:cNvPicPr>
+            <a:picLocks noChangeAspect="1"/>
+          </p:cNvPicPr>
+          <p:nvPr/>
+        </p:nvPicPr>
+        <p:blipFill>
+          <a:blip r:embed="rId3"/>
+          <a:stretch>
+            <a:fillRect/>
+          </a:stretch>
+        </p:blipFill>
+        <p:spPr>
+          <a:xfrm>
+            <a:off x="2774184" y="3274124"/>
+            <a:ext cx="3189583" cy="1877979"/>
+          </a:xfrm>
+          <a:prstGeom prst="rect">
+            <a:avLst/>
+          </a:prstGeom>
+        </p:spPr>
+      </p:pic>
+      <p:pic>
+        <p:nvPicPr>
+          <p:cNvPr id="1026" name="Picture 2" descr="http://spark.apache.org/images/spark-logo-trademark.png"/>
+          <p:cNvPicPr>
+            <a:picLocks noChangeAspect="1" noChangeArrowheads="1"/>
+          </p:cNvPicPr>
+          <p:nvPr/>
+        </p:nvPicPr>
+        <p:blipFill>
+          <a:blip r:embed="rId4">
+            <a:extLst>
+              <a:ext uri="{28A0092B-C50C-407E-A947-70E740481C1C}">
+                <a14:useLocalDpi xmlns:a14="http://schemas.microsoft.com/office/drawing/2010/main" val="0"/>
+              </a:ext>
+            </a:extLst>
+          </a:blip>
+          <a:srcRect/>
+          <a:stretch>
+            <a:fillRect/>
+          </a:stretch>
+        </p:blipFill>
+        <p:spPr bwMode="auto">
+          <a:xfrm>
+            <a:off x="7326200" y="1891064"/>
+            <a:ext cx="2571750" cy="1304926"/>
+          </a:xfrm>
+          <a:prstGeom prst="rect">
+            <a:avLst/>
+          </a:prstGeom>
+          <a:noFill/>
+          <a:extLst>
+            <a:ext uri="{909E8E84-426E-40DD-AFC4-6F175D3DCCD1}">
+              <a14:hiddenFill xmlns:a14="http://schemas.microsoft.com/office/drawing/2010/main">
+                <a:solidFill>
+                  <a:srgbClr val="FFFFFF"/>
+                </a:solidFill>
+              </a14:hiddenFill>
+            </a:ext>
+          </a:extLst>
+        </p:spPr>
+      </p:pic>
+      <p:pic>
+        <p:nvPicPr>
+          <p:cNvPr id="7" name="Picture 6"/>
+          <p:cNvPicPr>
+            <a:picLocks noChangeAspect="1"/>
+          </p:cNvPicPr>
+          <p:nvPr/>
+        </p:nvPicPr>
+        <p:blipFill rotWithShape="1">
+          <a:blip r:embed="rId5"/>
+          <a:srcRect r="59410"/>
+          <a:stretch/>
+        </p:blipFill>
+        <p:spPr>
+          <a:xfrm>
+            <a:off x="6289193" y="3349694"/>
+            <a:ext cx="4866487" cy="1849561"/>
+          </a:xfrm>
+          <a:prstGeom prst="rect">
+            <a:avLst/>
+          </a:prstGeom>
+        </p:spPr>
+      </p:pic>
+    </p:spTree>
+    <p:extLst>
+      <p:ext uri="{BB962C8B-B14F-4D97-AF65-F5344CB8AC3E}">
+        <p14:creationId xmlns:p14="http://schemas.microsoft.com/office/powerpoint/2010/main" val="2397700325"/>
+      </p:ext>
+    </p:extLst>
+  </p:cSld>
+  <p:clrMapOvr>
+    <a:masterClrMapping/>
+  </p:clrMapOvr>
+</p:sld>
+</file>
+
+<file path=ppt/slides/slide11.xml><?xml version="1.0" encoding="utf-8"?>
+<p:sld xmlns:a="http://schemas.openxmlformats.org/drawingml/2006/main" xmlns:r="http://schemas.openxmlformats.org/officeDocument/2006/relationships" xmlns:p="http://schemas.openxmlformats.org/presentationml/2006/main">
+  <p:cSld>
+    <p:spTree>
+      <p:nvGrpSpPr>
+        <p:cNvPr id="1" name=""/>
+        <p:cNvGrpSpPr/>
+        <p:nvPr/>
+      </p:nvGrpSpPr>
+      <p:grpSpPr>
+        <a:xfrm>
+          <a:off x="0" y="0"/>
+          <a:ext cx="0" cy="0"/>
+          <a:chOff x="0" y="0"/>
+          <a:chExt cx="0" cy="0"/>
+        </a:xfrm>
+      </p:grpSpPr>
+      <p:sp>
+        <p:nvSpPr>
+          <p:cNvPr id="2" name="Title 1"/>
+          <p:cNvSpPr>
+            <a:spLocks noGrp="1"/>
+          </p:cNvSpPr>
+          <p:nvPr>
+            <p:ph type="title"/>
+          </p:nvPr>
+        </p:nvSpPr>
+        <p:spPr/>
+        <p:txBody>
+          <a:bodyPr/>
+          <a:lstStyle/>
+          <a:p>
+            <a:r>
+              <a:rPr lang="en-US" dirty="0"/>
+              <a:t>Next Steps: </a:t>
+            </a:r>
+            <a:r>
+              <a:rPr lang="en-US" i="1" dirty="0"/>
+              <a:t>Software Tool</a:t>
+            </a:r>
+          </a:p>
+        </p:txBody>
+      </p:sp>
+      <p:pic>
+        <p:nvPicPr>
+          <p:cNvPr id="4" name="Picture 3"/>
           <p:cNvPicPr>
             <a:picLocks noChangeAspect="1"/>
           </p:cNvPicPr>
@@ -4125,7 +4590,7 @@
         </p:blipFill>
         <p:spPr>
           <a:xfrm>
-            <a:off x="1148715" y="1845734"/>
+            <a:off x="1136608" y="1825848"/>
             <a:ext cx="9955530" cy="4349311"/>
           </a:xfrm>
           <a:prstGeom prst="rect">
@@ -4133,9 +4598,95 @@
           </a:prstGeom>
         </p:spPr>
       </p:pic>
-      <p:sp>
-        <p:nvSpPr>
-          <p:cNvPr id="6" name="Rectangle 5"/>
+    </p:spTree>
+    <p:extLst>
+      <p:ext uri="{BB962C8B-B14F-4D97-AF65-F5344CB8AC3E}">
+        <p14:creationId xmlns:p14="http://schemas.microsoft.com/office/powerpoint/2010/main" val="3094267991"/>
+      </p:ext>
+    </p:extLst>
+  </p:cSld>
+  <p:clrMapOvr>
+    <a:masterClrMapping/>
+  </p:clrMapOvr>
+</p:sld>
+</file>
+
+<file path=ppt/slides/slide12.xml><?xml version="1.0" encoding="utf-8"?>
+<p:sld xmlns:a="http://schemas.openxmlformats.org/drawingml/2006/main" xmlns:r="http://schemas.openxmlformats.org/officeDocument/2006/relationships" xmlns:p="http://schemas.openxmlformats.org/presentationml/2006/main">
+  <p:cSld>
+    <p:spTree>
+      <p:nvGrpSpPr>
+        <p:cNvPr id="1" name=""/>
+        <p:cNvGrpSpPr/>
+        <p:nvPr/>
+      </p:nvGrpSpPr>
+      <p:grpSpPr>
+        <a:xfrm>
+          <a:off x="0" y="0"/>
+          <a:ext cx="0" cy="0"/>
+          <a:chOff x="0" y="0"/>
+          <a:chExt cx="0" cy="0"/>
+        </a:xfrm>
+      </p:grpSpPr>
+      <p:sp>
+        <p:nvSpPr>
+          <p:cNvPr id="2" name="Title 1"/>
+          <p:cNvSpPr>
+            <a:spLocks noGrp="1"/>
+          </p:cNvSpPr>
+          <p:nvPr>
+            <p:ph type="title"/>
+          </p:nvPr>
+        </p:nvSpPr>
+        <p:spPr/>
+        <p:txBody>
+          <a:bodyPr/>
+          <a:lstStyle/>
+          <a:p>
+            <a:r>
+              <a:rPr lang="en-US" dirty="0"/>
+              <a:t>Next Steps: </a:t>
+            </a:r>
+            <a:r>
+              <a:rPr lang="en-US" i="1" dirty="0"/>
+              <a:t>Software Tool</a:t>
+            </a:r>
+          </a:p>
+        </p:txBody>
+      </p:sp>
+      <p:pic>
+        <p:nvPicPr>
+          <p:cNvPr id="4" name="Picture 3"/>
+          <p:cNvPicPr>
+            <a:picLocks noChangeAspect="1"/>
+          </p:cNvPicPr>
+          <p:nvPr/>
+        </p:nvPicPr>
+        <p:blipFill>
+          <a:blip r:embed="rId2">
+            <a:extLst>
+              <a:ext uri="{28A0092B-C50C-407E-A947-70E740481C1C}">
+                <a14:useLocalDpi xmlns:a14="http://schemas.microsoft.com/office/drawing/2010/main" val="0"/>
+              </a:ext>
+            </a:extLst>
+          </a:blip>
+          <a:stretch>
+            <a:fillRect/>
+          </a:stretch>
+        </p:blipFill>
+        <p:spPr>
+          <a:xfrm>
+            <a:off x="1136608" y="1825848"/>
+            <a:ext cx="9955530" cy="4349311"/>
+          </a:xfrm>
+          <a:prstGeom prst="rect">
+            <a:avLst/>
+          </a:prstGeom>
+        </p:spPr>
+      </p:pic>
+      <p:sp>
+        <p:nvSpPr>
+          <p:cNvPr id="5" name="Rectangle 4"/>
           <p:cNvSpPr/>
           <p:nvPr/>
         </p:nvSpPr>
@@ -4177,7 +4728,7 @@
       </p:sp>
       <p:sp>
         <p:nvSpPr>
-          <p:cNvPr id="7" name="TextBox 6"/>
+          <p:cNvPr id="6" name="TextBox 5"/>
           <p:cNvSpPr txBox="1"/>
           <p:nvPr/>
         </p:nvSpPr>
@@ -4205,10 +4756,194 @@
           </a:p>
         </p:txBody>
       </p:sp>
+      <p:sp>
+        <p:nvSpPr>
+          <p:cNvPr id="15" name="Rectangle 14"/>
+          <p:cNvSpPr/>
+          <p:nvPr/>
+        </p:nvSpPr>
+        <p:spPr>
+          <a:xfrm>
+            <a:off x="1179870" y="1845734"/>
+            <a:ext cx="3087329" cy="2028176"/>
+          </a:xfrm>
+          <a:prstGeom prst="rect">
+            <a:avLst/>
+          </a:prstGeom>
+          <a:noFill/>
+          <a:ln w="63500">
+            <a:solidFill>
+              <a:srgbClr val="00B050"/>
+            </a:solidFill>
+          </a:ln>
+        </p:spPr>
+        <p:style>
+          <a:lnRef idx="2">
+            <a:schemeClr val="accent1">
+              <a:shade val="50000"/>
+            </a:schemeClr>
+          </a:lnRef>
+          <a:fillRef idx="1">
+            <a:schemeClr val="accent1"/>
+          </a:fillRef>
+          <a:effectRef idx="0">
+            <a:schemeClr val="accent1"/>
+          </a:effectRef>
+          <a:fontRef idx="minor">
+            <a:schemeClr val="lt1"/>
+          </a:fontRef>
+        </p:style>
+        <p:txBody>
+          <a:bodyPr rtlCol="0" anchor="ctr"/>
+          <a:lstStyle/>
+          <a:p>
+            <a:pPr algn="ctr"/>
+            <a:endParaRPr lang="en-US"/>
+          </a:p>
+        </p:txBody>
+      </p:sp>
+      <p:sp>
+        <p:nvSpPr>
+          <p:cNvPr id="16" name="Rectangle 15"/>
+          <p:cNvSpPr/>
+          <p:nvPr/>
+        </p:nvSpPr>
+        <p:spPr>
+          <a:xfrm>
+            <a:off x="8689512" y="2538513"/>
+            <a:ext cx="2505496" cy="1192659"/>
+          </a:xfrm>
+          <a:prstGeom prst="rect">
+            <a:avLst/>
+          </a:prstGeom>
+          <a:noFill/>
+          <a:ln w="63500">
+            <a:solidFill>
+              <a:srgbClr val="00B050"/>
+            </a:solidFill>
+          </a:ln>
+        </p:spPr>
+        <p:style>
+          <a:lnRef idx="2">
+            <a:schemeClr val="accent1">
+              <a:shade val="50000"/>
+            </a:schemeClr>
+          </a:lnRef>
+          <a:fillRef idx="1">
+            <a:schemeClr val="accent1"/>
+          </a:fillRef>
+          <a:effectRef idx="0">
+            <a:schemeClr val="accent1"/>
+          </a:effectRef>
+          <a:fontRef idx="minor">
+            <a:schemeClr val="lt1"/>
+          </a:fontRef>
+        </p:style>
+        <p:txBody>
+          <a:bodyPr rtlCol="0" anchor="ctr"/>
+          <a:lstStyle/>
+          <a:p>
+            <a:pPr algn="ctr"/>
+            <a:endParaRPr lang="en-US"/>
+          </a:p>
+        </p:txBody>
+      </p:sp>
+      <p:sp>
+        <p:nvSpPr>
+          <p:cNvPr id="17" name="Rectangle 16"/>
+          <p:cNvSpPr/>
+          <p:nvPr/>
+        </p:nvSpPr>
+        <p:spPr>
+          <a:xfrm>
+            <a:off x="7353558" y="4311840"/>
+            <a:ext cx="2505496" cy="1951807"/>
+          </a:xfrm>
+          <a:prstGeom prst="rect">
+            <a:avLst/>
+          </a:prstGeom>
+          <a:noFill/>
+          <a:ln w="63500">
+            <a:solidFill>
+              <a:srgbClr val="00B050"/>
+            </a:solidFill>
+          </a:ln>
+        </p:spPr>
+        <p:style>
+          <a:lnRef idx="2">
+            <a:schemeClr val="accent1">
+              <a:shade val="50000"/>
+            </a:schemeClr>
+          </a:lnRef>
+          <a:fillRef idx="1">
+            <a:schemeClr val="accent1"/>
+          </a:fillRef>
+          <a:effectRef idx="0">
+            <a:schemeClr val="accent1"/>
+          </a:effectRef>
+          <a:fontRef idx="minor">
+            <a:schemeClr val="lt1"/>
+          </a:fontRef>
+        </p:style>
+        <p:txBody>
+          <a:bodyPr rtlCol="0" anchor="ctr"/>
+          <a:lstStyle/>
+          <a:p>
+            <a:pPr algn="ctr"/>
+            <a:endParaRPr lang="en-US"/>
+          </a:p>
+        </p:txBody>
+      </p:sp>
+      <p:sp>
+        <p:nvSpPr>
+          <p:cNvPr id="18" name="Rectangle 17"/>
+          <p:cNvSpPr/>
+          <p:nvPr/>
+        </p:nvSpPr>
+        <p:spPr>
+          <a:xfrm>
+            <a:off x="3690704" y="4293872"/>
+            <a:ext cx="2505496" cy="1951807"/>
+          </a:xfrm>
+          <a:prstGeom prst="rect">
+            <a:avLst/>
+          </a:prstGeom>
+          <a:noFill/>
+          <a:ln w="63500">
+            <a:solidFill>
+              <a:srgbClr val="00B050"/>
+            </a:solidFill>
+          </a:ln>
+        </p:spPr>
+        <p:style>
+          <a:lnRef idx="2">
+            <a:schemeClr val="accent1">
+              <a:shade val="50000"/>
+            </a:schemeClr>
+          </a:lnRef>
+          <a:fillRef idx="1">
+            <a:schemeClr val="accent1"/>
+          </a:fillRef>
+          <a:effectRef idx="0">
+            <a:schemeClr val="accent1"/>
+          </a:effectRef>
+          <a:fontRef idx="minor">
+            <a:schemeClr val="lt1"/>
+          </a:fontRef>
+        </p:style>
+        <p:txBody>
+          <a:bodyPr rtlCol="0" anchor="ctr"/>
+          <a:lstStyle/>
+          <a:p>
+            <a:pPr algn="ctr"/>
+            <a:endParaRPr lang="en-US"/>
+          </a:p>
+        </p:txBody>
+      </p:sp>
     </p:spTree>
     <p:extLst>
       <p:ext uri="{BB962C8B-B14F-4D97-AF65-F5344CB8AC3E}">
-        <p14:creationId xmlns:p14="http://schemas.microsoft.com/office/powerpoint/2010/main" val="2383857231"/>
+        <p14:creationId xmlns:p14="http://schemas.microsoft.com/office/powerpoint/2010/main" val="3943938521"/>
       </p:ext>
     </p:extLst>
   </p:cSld>
@@ -4236,7 +4971,7 @@
                             </p:stCondLst>
                             <p:childTnLst>
                               <p:par>
-                                <p:cTn id="5" presetID="1" presetClass="entr" presetSubtype="0" fill="hold" nodeType="clickEffect">
+                                <p:cTn id="5" presetID="10" presetClass="entr" presetSubtype="0" fill="hold" grpId="0" nodeType="clickEffect">
                                   <p:stCondLst>
                                     <p:cond delay="0"/>
                                   </p:stCondLst>
@@ -4244,86 +4979,6 @@
                                     <p:set>
                                       <p:cBhvr>
                                         <p:cTn id="6" dur="1" fill="hold">
-                                          <p:stCondLst>
-                                            <p:cond delay="0"/>
-                                          </p:stCondLst>
-                                        </p:cTn>
-                                        <p:tgtEl>
-                                          <p:spTgt spid="5"/>
-                                        </p:tgtEl>
-                                        <p:attrNameLst>
-                                          <p:attrName>style.visibility</p:attrName>
-                                        </p:attrNameLst>
-                                      </p:cBhvr>
-                                      <p:to>
-                                        <p:strVal val="visible"/>
-                                      </p:to>
-                                    </p:set>
-                                  </p:childTnLst>
-                                </p:cTn>
-                              </p:par>
-                            </p:childTnLst>
-                          </p:cTn>
-                        </p:par>
-                      </p:childTnLst>
-                    </p:cTn>
-                  </p:par>
-                  <p:par>
-                    <p:cTn id="7" fill="hold">
-                      <p:stCondLst>
-                        <p:cond delay="indefinite"/>
-                      </p:stCondLst>
-                      <p:childTnLst>
-                        <p:par>
-                          <p:cTn id="8" fill="hold">
-                            <p:stCondLst>
-                              <p:cond delay="0"/>
-                            </p:stCondLst>
-                            <p:childTnLst>
-                              <p:par>
-                                <p:cTn id="9" presetID="10" presetClass="entr" presetSubtype="0" fill="hold" grpId="0" nodeType="clickEffect">
-                                  <p:stCondLst>
-                                    <p:cond delay="0"/>
-                                  </p:stCondLst>
-                                  <p:childTnLst>
-                                    <p:set>
-                                      <p:cBhvr>
-                                        <p:cTn id="10" dur="1" fill="hold">
-                                          <p:stCondLst>
-                                            <p:cond delay="0"/>
-                                          </p:stCondLst>
-                                        </p:cTn>
-                                        <p:tgtEl>
-                                          <p:spTgt spid="7"/>
-                                        </p:tgtEl>
-                                        <p:attrNameLst>
-                                          <p:attrName>style.visibility</p:attrName>
-                                        </p:attrNameLst>
-                                      </p:cBhvr>
-                                      <p:to>
-                                        <p:strVal val="visible"/>
-                                      </p:to>
-                                    </p:set>
-                                    <p:animEffect transition="in" filter="fade">
-                                      <p:cBhvr>
-                                        <p:cTn id="11" dur="500"/>
-                                        <p:tgtEl>
-                                          <p:spTgt spid="7"/>
-                                        </p:tgtEl>
-                                      </p:cBhvr>
-                                    </p:animEffect>
-                                  </p:childTnLst>
-                                </p:cTn>
-                              </p:par>
-                              <p:par>
-                                <p:cTn id="12" presetID="10" presetClass="entr" presetSubtype="0" fill="hold" grpId="0" nodeType="withEffect">
-                                  <p:stCondLst>
-                                    <p:cond delay="0"/>
-                                  </p:stCondLst>
-                                  <p:childTnLst>
-                                    <p:set>
-                                      <p:cBhvr>
-                                        <p:cTn id="13" dur="1" fill="hold">
                                           <p:stCondLst>
                                             <p:cond delay="0"/>
                                           </p:stCondLst>
@@ -4341,12 +4996,152 @@
                                     </p:set>
                                     <p:animEffect transition="in" filter="fade">
                                       <p:cBhvr>
-                                        <p:cTn id="14" dur="500"/>
+                                        <p:cTn id="7" dur="500"/>
                                         <p:tgtEl>
                                           <p:spTgt spid="6"/>
                                         </p:tgtEl>
                                       </p:cBhvr>
                                     </p:animEffect>
+                                  </p:childTnLst>
+                                </p:cTn>
+                              </p:par>
+                              <p:par>
+                                <p:cTn id="8" presetID="10" presetClass="exit" presetSubtype="0" fill="hold" grpId="0" nodeType="withEffect">
+                                  <p:stCondLst>
+                                    <p:cond delay="0"/>
+                                  </p:stCondLst>
+                                  <p:childTnLst>
+                                    <p:animEffect transition="out" filter="fade">
+                                      <p:cBhvr>
+                                        <p:cTn id="9" dur="500"/>
+                                        <p:tgtEl>
+                                          <p:spTgt spid="18"/>
+                                        </p:tgtEl>
+                                      </p:cBhvr>
+                                    </p:animEffect>
+                                    <p:set>
+                                      <p:cBhvr>
+                                        <p:cTn id="10" dur="1" fill="hold">
+                                          <p:stCondLst>
+                                            <p:cond delay="499"/>
+                                          </p:stCondLst>
+                                        </p:cTn>
+                                        <p:tgtEl>
+                                          <p:spTgt spid="18"/>
+                                        </p:tgtEl>
+                                        <p:attrNameLst>
+                                          <p:attrName>style.visibility</p:attrName>
+                                        </p:attrNameLst>
+                                      </p:cBhvr>
+                                      <p:to>
+                                        <p:strVal val="hidden"/>
+                                      </p:to>
+                                    </p:set>
+                                  </p:childTnLst>
+                                </p:cTn>
+                              </p:par>
+                              <p:par>
+                                <p:cTn id="11" presetID="10" presetClass="exit" presetSubtype="0" fill="hold" grpId="0" nodeType="withEffect">
+                                  <p:stCondLst>
+                                    <p:cond delay="0"/>
+                                  </p:stCondLst>
+                                  <p:childTnLst>
+                                    <p:animEffect transition="out" filter="fade">
+                                      <p:cBhvr>
+                                        <p:cTn id="12" dur="500"/>
+                                        <p:tgtEl>
+                                          <p:spTgt spid="17"/>
+                                        </p:tgtEl>
+                                      </p:cBhvr>
+                                    </p:animEffect>
+                                    <p:set>
+                                      <p:cBhvr>
+                                        <p:cTn id="13" dur="1" fill="hold">
+                                          <p:stCondLst>
+                                            <p:cond delay="499"/>
+                                          </p:stCondLst>
+                                        </p:cTn>
+                                        <p:tgtEl>
+                                          <p:spTgt spid="17"/>
+                                        </p:tgtEl>
+                                        <p:attrNameLst>
+                                          <p:attrName>style.visibility</p:attrName>
+                                        </p:attrNameLst>
+                                      </p:cBhvr>
+                                      <p:to>
+                                        <p:strVal val="hidden"/>
+                                      </p:to>
+                                    </p:set>
+                                  </p:childTnLst>
+                                </p:cTn>
+                              </p:par>
+                              <p:par>
+                                <p:cTn id="14" presetID="10" presetClass="exit" presetSubtype="0" fill="hold" grpId="0" nodeType="withEffect">
+                                  <p:stCondLst>
+                                    <p:cond delay="0"/>
+                                  </p:stCondLst>
+                                  <p:childTnLst>
+                                    <p:animEffect transition="out" filter="fade">
+                                      <p:cBhvr>
+                                        <p:cTn id="15" dur="500"/>
+                                        <p:tgtEl>
+                                          <p:spTgt spid="16"/>
+                                        </p:tgtEl>
+                                      </p:cBhvr>
+                                    </p:animEffect>
+                                    <p:set>
+                                      <p:cBhvr>
+                                        <p:cTn id="16" dur="1" fill="hold">
+                                          <p:stCondLst>
+                                            <p:cond delay="499"/>
+                                          </p:stCondLst>
+                                        </p:cTn>
+                                        <p:tgtEl>
+                                          <p:spTgt spid="16"/>
+                                        </p:tgtEl>
+                                        <p:attrNameLst>
+                                          <p:attrName>style.visibility</p:attrName>
+                                        </p:attrNameLst>
+                                      </p:cBhvr>
+                                      <p:to>
+                                        <p:strVal val="hidden"/>
+                                      </p:to>
+                                    </p:set>
+                                  </p:childTnLst>
+                                </p:cTn>
+                              </p:par>
+                              <p:par>
+                                <p:cTn id="17" presetID="10" presetClass="exit" presetSubtype="0" fill="hold" grpId="0" nodeType="withEffect">
+                                  <p:stCondLst>
+                                    <p:cond delay="0"/>
+                                  </p:stCondLst>
+                                  <p:childTnLst>
+                                    <p:animEffect transition="out" filter="fade">
+                                      <p:cBhvr>
+                                        <p:cTn id="18" dur="500"/>
+                                        <p:tgtEl>
+                                          <p:spTgt spid="15"/>
+                                        </p:tgtEl>
+                                      </p:cBhvr>
+                                    </p:animEffect>
+                                    <p:set>
+                                      <p:cBhvr>
+                                        <p:cTn id="19" dur="1" fill="hold">
+                                          <p:stCondLst>
+                                            <p:cond delay="499"/>
+                                          </p:stCondLst>
+                                        </p:cTn>
+                                        <p:tgtEl>
+                                          <p:spTgt spid="15"/>
+                                        </p:tgtEl>
+                                        <p:attrNameLst>
+                                          <p:attrName>style.visibility</p:attrName>
+                                        </p:attrNameLst>
+                                      </p:cBhvr>
+                                      <p:to>
+                                        <p:strVal val="hidden"/>
+                                      </p:to>
+                                    </p:set>
                                   </p:childTnLst>
                                 </p:cTn>
                               </p:par>
@@ -4378,14 +5173,88 @@
       </p:par>
     </p:tnLst>
     <p:bldLst>
-      <p:bldP spid="6" grpId="0" animBg="1"/>
-      <p:bldP spid="7" grpId="0"/>
+      <p:bldP spid="6" grpId="0"/>
+      <p:bldP spid="15" grpId="0" animBg="1"/>
+      <p:bldP spid="16" grpId="0" animBg="1"/>
+      <p:bldP spid="17" grpId="0" animBg="1"/>
+      <p:bldP spid="18" grpId="0" animBg="1"/>
     </p:bldLst>
   </p:timing>
 </p:sld>
 </file>
 
-<file path=ppt/slides/slide11.xml><?xml version="1.0" encoding="utf-8"?>
+<file path=ppt/slides/slide13.xml><?xml version="1.0" encoding="utf-8"?>
+<p:sld xmlns:a="http://schemas.openxmlformats.org/drawingml/2006/main" xmlns:r="http://schemas.openxmlformats.org/officeDocument/2006/relationships" xmlns:p="http://schemas.openxmlformats.org/presentationml/2006/main">
+  <p:cSld>
+    <p:spTree>
+      <p:nvGrpSpPr>
+        <p:cNvPr id="1" name=""/>
+        <p:cNvGrpSpPr/>
+        <p:nvPr/>
+      </p:nvGrpSpPr>
+      <p:grpSpPr>
+        <a:xfrm>
+          <a:off x="0" y="0"/>
+          <a:ext cx="0" cy="0"/>
+          <a:chOff x="0" y="0"/>
+          <a:chExt cx="0" cy="0"/>
+        </a:xfrm>
+      </p:grpSpPr>
+      <p:sp>
+        <p:nvSpPr>
+          <p:cNvPr id="2" name="Title 1"/>
+          <p:cNvSpPr>
+            <a:spLocks noGrp="1"/>
+          </p:cNvSpPr>
+          <p:nvPr>
+            <p:ph type="title"/>
+          </p:nvPr>
+        </p:nvSpPr>
+        <p:spPr/>
+        <p:txBody>
+          <a:bodyPr/>
+          <a:lstStyle/>
+          <a:p>
+            <a:r>
+              <a:rPr lang="en-US" dirty="0"/>
+              <a:t>Conclusion</a:t>
+            </a:r>
+          </a:p>
+        </p:txBody>
+      </p:sp>
+      <p:sp>
+        <p:nvSpPr>
+          <p:cNvPr id="3" name="Content Placeholder 2"/>
+          <p:cNvSpPr>
+            <a:spLocks noGrp="1"/>
+          </p:cNvSpPr>
+          <p:nvPr>
+            <p:ph idx="1"/>
+          </p:nvPr>
+        </p:nvSpPr>
+        <p:spPr/>
+        <p:txBody>
+          <a:bodyPr/>
+          <a:lstStyle/>
+          <a:p>
+            <a:endParaRPr lang="en-US"/>
+          </a:p>
+        </p:txBody>
+      </p:sp>
+    </p:spTree>
+    <p:extLst>
+      <p:ext uri="{BB962C8B-B14F-4D97-AF65-F5344CB8AC3E}">
+        <p14:creationId xmlns:p14="http://schemas.microsoft.com/office/powerpoint/2010/main" val="2144939540"/>
+      </p:ext>
+    </p:extLst>
+  </p:cSld>
+  <p:clrMapOvr>
+    <a:masterClrMapping/>
+  </p:clrMapOvr>
+</p:sld>
+</file>
+
+<file path=ppt/slides/slide14.xml><?xml version="1.0" encoding="utf-8"?>
 <p:sld xmlns:a="http://schemas.openxmlformats.org/drawingml/2006/main" xmlns:r="http://schemas.openxmlformats.org/officeDocument/2006/relationships" xmlns:p="http://schemas.openxmlformats.org/presentationml/2006/main">
   <p:cSld>
     <p:spTree>
@@ -4827,85 +5696,88 @@
       </p:grpSpPr>
       <p:sp>
         <p:nvSpPr>
-          <p:cNvPr id="5" name="Rectangle 4"/>
-          <p:cNvSpPr/>
-          <p:nvPr/>
-        </p:nvSpPr>
-        <p:spPr>
-          <a:xfrm>
-            <a:off x="749300" y="1075481"/>
-            <a:ext cx="10934700" cy="1388319"/>
-          </a:xfrm>
-          <a:prstGeom prst="rect">
-            <a:avLst/>
-          </a:prstGeom>
-          <a:solidFill>
-            <a:schemeClr val="bg1"/>
-          </a:solidFill>
-          <a:ln>
-            <a:noFill/>
-          </a:ln>
-        </p:spPr>
-        <p:style>
-          <a:lnRef idx="2">
-            <a:schemeClr val="accent1">
-              <a:shade val="50000"/>
-            </a:schemeClr>
-          </a:lnRef>
-          <a:fillRef idx="1">
-            <a:schemeClr val="accent1"/>
-          </a:fillRef>
-          <a:effectRef idx="0">
-            <a:schemeClr val="accent1"/>
-          </a:effectRef>
-          <a:fontRef idx="minor">
-            <a:schemeClr val="lt1"/>
-          </a:fontRef>
-        </p:style>
-        <p:txBody>
-          <a:bodyPr rtlCol="0" anchor="ctr"/>
-          <a:lstStyle/>
-          <a:p>
-            <a:pPr algn="ctr"/>
-            <a:endParaRPr lang="en-US"/>
-          </a:p>
-        </p:txBody>
-      </p:sp>
-      <p:pic>
-        <p:nvPicPr>
-          <p:cNvPr id="4" name="Picture 3"/>
-          <p:cNvPicPr>
-            <a:picLocks noChangeAspect="1"/>
-          </p:cNvPicPr>
-          <p:nvPr/>
-        </p:nvPicPr>
-        <p:blipFill>
-          <a:blip r:embed="rId2"/>
-          <a:stretch>
-            <a:fillRect/>
-          </a:stretch>
-        </p:blipFill>
-        <p:spPr>
-          <a:xfrm>
-            <a:off x="2261870" y="1075481"/>
-            <a:ext cx="7729220" cy="5250759"/>
-          </a:xfrm>
-          <a:prstGeom prst="rect">
-            <a:avLst/>
-          </a:prstGeom>
-          <a:effectLst>
-            <a:outerShdw blurRad="50800" dist="38100" dir="13500000" algn="br" rotWithShape="0">
-              <a:prstClr val="black">
-                <a:alpha val="40000"/>
-              </a:prstClr>
-            </a:outerShdw>
-          </a:effectLst>
-        </p:spPr>
-      </p:pic>
+          <p:cNvPr id="2" name="Title 1"/>
+          <p:cNvSpPr>
+            <a:spLocks noGrp="1"/>
+          </p:cNvSpPr>
+          <p:nvPr>
+            <p:ph type="title"/>
+          </p:nvPr>
+        </p:nvSpPr>
+        <p:spPr/>
+        <p:txBody>
+          <a:bodyPr>
+            <a:normAutofit/>
+          </a:bodyPr>
+          <a:lstStyle/>
+          <a:p>
+            <a:r>
+              <a:rPr lang="en-US" dirty="0"/>
+              <a:t>Can Developers-Module Networks Predict Failures?</a:t>
+            </a:r>
+          </a:p>
+        </p:txBody>
+      </p:sp>
+      <p:sp>
+        <p:nvSpPr>
+          <p:cNvPr id="3" name="Content Placeholder 2"/>
+          <p:cNvSpPr>
+            <a:spLocks noGrp="1"/>
+          </p:cNvSpPr>
+          <p:nvPr>
+            <p:ph idx="1"/>
+          </p:nvPr>
+        </p:nvSpPr>
+        <p:spPr/>
+        <p:txBody>
+          <a:bodyPr>
+            <a:normAutofit/>
+          </a:bodyPr>
+          <a:lstStyle/>
+          <a:p>
+            <a:r>
+              <a:rPr lang="en-US" dirty="0"/>
+              <a:t>Published by Pingzer et al. in 2009</a:t>
+            </a:r>
+          </a:p>
+          <a:p>
+            <a:r>
+              <a:rPr lang="en-US" dirty="0"/>
+              <a:t>Study of Windows Vista and its associated binaries and developers.</a:t>
+            </a:r>
+          </a:p>
+          <a:p>
+            <a:pPr marL="58737" indent="0">
+              <a:buNone/>
+            </a:pPr>
+            <a:endParaRPr lang="en-US" dirty="0"/>
+          </a:p>
+          <a:p>
+            <a:r>
+              <a:rPr lang="en-US" dirty="0"/>
+              <a:t>Looked at whether the developer-module network for Windows Vista could predict </a:t>
+            </a:r>
+            <a:r>
+              <a:rPr lang="en-US" b="1" dirty="0"/>
+              <a:t>failure-prone binaries.</a:t>
+            </a:r>
+          </a:p>
+          <a:p>
+            <a:pPr lvl="1"/>
+            <a:r>
+              <a:rPr lang="en-US" dirty="0"/>
+              <a:t>Used centrality metrics to predict.</a:t>
+            </a:r>
+          </a:p>
+          <a:p>
+            <a:endParaRPr lang="en-US" b="1" dirty="0"/>
+          </a:p>
+        </p:txBody>
+      </p:sp>
     </p:spTree>
     <p:extLst>
       <p:ext uri="{BB962C8B-B14F-4D97-AF65-F5344CB8AC3E}">
-        <p14:creationId xmlns:p14="http://schemas.microsoft.com/office/powerpoint/2010/main" val="616963674"/>
+        <p14:creationId xmlns:p14="http://schemas.microsoft.com/office/powerpoint/2010/main" val="1130064596"/>
       </p:ext>
     </p:extLst>
   </p:cSld>
@@ -4944,69 +5816,80 @@
         </p:nvSpPr>
         <p:spPr/>
         <p:txBody>
+          <a:bodyPr/>
+          <a:lstStyle/>
+          <a:p>
+            <a:r>
+              <a:rPr lang="en-US" dirty="0"/>
+              <a:t>Limitations with Previous Work</a:t>
+            </a:r>
+          </a:p>
+        </p:txBody>
+      </p:sp>
+      <p:sp>
+        <p:nvSpPr>
+          <p:cNvPr id="3" name="Content Placeholder 2"/>
+          <p:cNvSpPr>
+            <a:spLocks noGrp="1"/>
+          </p:cNvSpPr>
+          <p:nvPr>
+            <p:ph idx="1"/>
+          </p:nvPr>
+        </p:nvSpPr>
+        <p:spPr/>
+        <p:txBody>
           <a:bodyPr>
-            <a:normAutofit/>
+            <a:normAutofit lnSpcReduction="10000"/>
           </a:bodyPr>
           <a:lstStyle/>
           <a:p>
             <a:r>
               <a:rPr lang="en-US" dirty="0"/>
-              <a:t>Can Developers-Module Networks Predict Failures?</a:t>
-            </a:r>
-          </a:p>
-        </p:txBody>
-      </p:sp>
-      <p:sp>
-        <p:nvSpPr>
-          <p:cNvPr id="3" name="Content Placeholder 2"/>
-          <p:cNvSpPr>
-            <a:spLocks noGrp="1"/>
-          </p:cNvSpPr>
-          <p:nvPr>
-            <p:ph idx="1"/>
-          </p:nvPr>
-        </p:nvSpPr>
-        <p:spPr/>
-        <p:txBody>
-          <a:bodyPr/>
-          <a:lstStyle/>
-          <a:p>
+              <a:t>Windows Vista is a great start.</a:t>
+            </a:r>
+          </a:p>
+          <a:p>
+            <a:pPr lvl="1"/>
             <a:r>
               <a:rPr lang="en-US" dirty="0"/>
-              <a:t>Study of Windows Vista.</a:t>
-            </a:r>
+              <a:t>Large software project with lots of developers and binaries.</a:t>
+            </a:r>
+          </a:p>
+          <a:p>
+            <a:pPr lvl="1"/>
+            <a:endParaRPr lang="en-US" dirty="0"/>
           </a:p>
           <a:p>
             <a:r>
               <a:rPr lang="en-US" dirty="0"/>
-              <a:t>Looked at whether the developer-module network for Windows Vista could predict </a:t>
+              <a:t>However, </a:t>
             </a:r>
             <a:r>
               <a:rPr lang="en-US" b="1" dirty="0"/>
-              <a:t>failure-prone binaries.</a:t>
-            </a:r>
+              <a:t>extrapolating results to other software domains can be dangerous.</a:t>
+            </a:r>
+          </a:p>
+          <a:p>
+            <a:endParaRPr lang="en-US" b="1" dirty="0"/>
           </a:p>
           <a:p>
             <a:r>
               <a:rPr lang="en-US" dirty="0"/>
-              <a:t>Hypothesized that </a:t>
+              <a:t>With large repositories of software data, can we test the results discovered by Pingzer, et al. in other domains?</a:t>
             </a:r>
           </a:p>
           <a:p>
             <a:endParaRPr lang="en-US" dirty="0"/>
           </a:p>
           <a:p>
-            <a:r>
-              <a:rPr lang="en-US" dirty="0"/>
-              <a:t>Found that, with </a:t>
-            </a:r>
+            <a:endParaRPr lang="en-US" dirty="0"/>
           </a:p>
         </p:txBody>
       </p:sp>
     </p:spTree>
     <p:extLst>
       <p:ext uri="{BB962C8B-B14F-4D97-AF65-F5344CB8AC3E}">
-        <p14:creationId xmlns:p14="http://schemas.microsoft.com/office/powerpoint/2010/main" val="1130064596"/>
+        <p14:creationId xmlns:p14="http://schemas.microsoft.com/office/powerpoint/2010/main" val="1741753081"/>
       </p:ext>
     </p:extLst>
   </p:cSld>
@@ -5131,77 +6014,6 @@
           <a:p>
             <a:r>
               <a:rPr lang="en-US" dirty="0"/>
-              <a:t>Our Project	</a:t>
-            </a:r>
-          </a:p>
-        </p:txBody>
-      </p:sp>
-      <p:sp>
-        <p:nvSpPr>
-          <p:cNvPr id="3" name="Content Placeholder 2"/>
-          <p:cNvSpPr>
-            <a:spLocks noGrp="1"/>
-          </p:cNvSpPr>
-          <p:nvPr>
-            <p:ph idx="1"/>
-          </p:nvPr>
-        </p:nvSpPr>
-        <p:spPr/>
-        <p:txBody>
-          <a:bodyPr/>
-          <a:lstStyle/>
-          <a:p>
-            <a:endParaRPr lang="en-US" dirty="0"/>
-          </a:p>
-        </p:txBody>
-      </p:sp>
-    </p:spTree>
-    <p:extLst>
-      <p:ext uri="{BB962C8B-B14F-4D97-AF65-F5344CB8AC3E}">
-        <p14:creationId xmlns:p14="http://schemas.microsoft.com/office/powerpoint/2010/main" val="3039880892"/>
-      </p:ext>
-    </p:extLst>
-  </p:cSld>
-  <p:clrMapOvr>
-    <a:masterClrMapping/>
-  </p:clrMapOvr>
-</p:sld>
-</file>
-
-<file path=ppt/slides/slide8.xml><?xml version="1.0" encoding="utf-8"?>
-<p:sld xmlns:a="http://schemas.openxmlformats.org/drawingml/2006/main" xmlns:r="http://schemas.openxmlformats.org/officeDocument/2006/relationships" xmlns:p="http://schemas.openxmlformats.org/presentationml/2006/main">
-  <p:cSld>
-    <p:spTree>
-      <p:nvGrpSpPr>
-        <p:cNvPr id="1" name=""/>
-        <p:cNvGrpSpPr/>
-        <p:nvPr/>
-      </p:nvGrpSpPr>
-      <p:grpSpPr>
-        <a:xfrm>
-          <a:off x="0" y="0"/>
-          <a:ext cx="0" cy="0"/>
-          <a:chOff x="0" y="0"/>
-          <a:chExt cx="0" cy="0"/>
-        </a:xfrm>
-      </p:grpSpPr>
-      <p:sp>
-        <p:nvSpPr>
-          <p:cNvPr id="2" name="Title 1"/>
-          <p:cNvSpPr>
-            <a:spLocks noGrp="1"/>
-          </p:cNvSpPr>
-          <p:nvPr>
-            <p:ph type="title"/>
-          </p:nvPr>
-        </p:nvSpPr>
-        <p:spPr/>
-        <p:txBody>
-          <a:bodyPr/>
-          <a:lstStyle/>
-          <a:p>
-            <a:r>
-              <a:rPr lang="en-US" dirty="0"/>
               <a:t>The Boa Project</a:t>
             </a:r>
           </a:p>
@@ -5292,7 +6104,7 @@
 </p:sld>
 </file>
 
-<file path=ppt/slides/slide9.xml><?xml version="1.0" encoding="utf-8"?>
+<file path=ppt/slides/slide8.xml><?xml version="1.0" encoding="utf-8"?>
 <p:sld xmlns:a="http://schemas.openxmlformats.org/drawingml/2006/main" xmlns:r="http://schemas.openxmlformats.org/officeDocument/2006/relationships" xmlns:p="http://schemas.openxmlformats.org/presentationml/2006/main">
   <p:cSld>
     <p:spTree>
@@ -5364,6 +6176,149 @@
     <p:extLst>
       <p:ext uri="{BB962C8B-B14F-4D97-AF65-F5344CB8AC3E}">
         <p14:creationId xmlns:p14="http://schemas.microsoft.com/office/powerpoint/2010/main" val="875459587"/>
+      </p:ext>
+    </p:extLst>
+  </p:cSld>
+  <p:clrMapOvr>
+    <a:masterClrMapping/>
+  </p:clrMapOvr>
+</p:sld>
+</file>
+
+<file path=ppt/slides/slide9.xml><?xml version="1.0" encoding="utf-8"?>
+<p:sld xmlns:a="http://schemas.openxmlformats.org/drawingml/2006/main" xmlns:r="http://schemas.openxmlformats.org/officeDocument/2006/relationships" xmlns:p="http://schemas.openxmlformats.org/presentationml/2006/main">
+  <p:cSld>
+    <p:spTree>
+      <p:nvGrpSpPr>
+        <p:cNvPr id="1" name=""/>
+        <p:cNvGrpSpPr/>
+        <p:nvPr/>
+      </p:nvGrpSpPr>
+      <p:grpSpPr>
+        <a:xfrm>
+          <a:off x="0" y="0"/>
+          <a:ext cx="0" cy="0"/>
+          <a:chOff x="0" y="0"/>
+          <a:chExt cx="0" cy="0"/>
+        </a:xfrm>
+      </p:grpSpPr>
+      <p:sp>
+        <p:nvSpPr>
+          <p:cNvPr id="2" name="Title 1"/>
+          <p:cNvSpPr>
+            <a:spLocks noGrp="1"/>
+          </p:cNvSpPr>
+          <p:nvPr>
+            <p:ph type="title"/>
+          </p:nvPr>
+        </p:nvSpPr>
+        <p:spPr/>
+        <p:txBody>
+          <a:bodyPr/>
+          <a:lstStyle/>
+          <a:p>
+            <a:r>
+              <a:rPr lang="en-US" dirty="0"/>
+              <a:t>Methodology</a:t>
+            </a:r>
+          </a:p>
+        </p:txBody>
+      </p:sp>
+      <p:sp>
+        <p:nvSpPr>
+          <p:cNvPr id="3" name="Content Placeholder 2"/>
+          <p:cNvSpPr>
+            <a:spLocks noGrp="1"/>
+          </p:cNvSpPr>
+          <p:nvPr>
+            <p:ph idx="1"/>
+          </p:nvPr>
+        </p:nvSpPr>
+        <p:spPr/>
+        <p:txBody>
+          <a:bodyPr/>
+          <a:lstStyle/>
+          <a:p>
+            <a:pPr marL="573087" indent="-514350">
+              <a:buFont typeface="+mj-lt"/>
+              <a:buAutoNum type="arabicPeriod"/>
+            </a:pPr>
+            <a:r>
+              <a:rPr lang="en-US" dirty="0"/>
+              <a:t>Determine adequate projects stored in Boa.</a:t>
+            </a:r>
+          </a:p>
+          <a:p>
+            <a:pPr marL="573087" indent="-514350">
+              <a:buFont typeface="+mj-lt"/>
+              <a:buAutoNum type="arabicPeriod"/>
+            </a:pPr>
+            <a:r>
+              <a:rPr lang="en-US" dirty="0"/>
+              <a:t>Pull associated file, user, and commit information for a desired project.</a:t>
+            </a:r>
+          </a:p>
+          <a:p>
+            <a:pPr marL="573087" indent="-514350">
+              <a:buFont typeface="+mj-lt"/>
+              <a:buAutoNum type="arabicPeriod"/>
+            </a:pPr>
+            <a:r>
+              <a:rPr lang="en-US" dirty="0"/>
+              <a:t>Build contribution network from the project data.</a:t>
+            </a:r>
+          </a:p>
+          <a:p>
+            <a:pPr marL="573087" indent="-514350">
+              <a:buFont typeface="+mj-lt"/>
+              <a:buAutoNum type="arabicPeriod"/>
+            </a:pPr>
+            <a:r>
+              <a:rPr lang="en-US" dirty="0"/>
+              <a:t>Compute </a:t>
+            </a:r>
+            <a:r>
+              <a:rPr lang="en-US" dirty="0" err="1"/>
+              <a:t>betweenness</a:t>
+            </a:r>
+            <a:r>
+              <a:rPr lang="en-US" dirty="0"/>
+              <a:t>, closeness, and degree centrality.</a:t>
+            </a:r>
+          </a:p>
+          <a:p>
+            <a:pPr marL="573087" indent="-514350">
+              <a:buFont typeface="+mj-lt"/>
+              <a:buAutoNum type="arabicPeriod"/>
+            </a:pPr>
+            <a:r>
+              <a:rPr lang="en-US" dirty="0"/>
+              <a:t>Run logical regression on the social network and determine </a:t>
+            </a:r>
+            <a:r>
+              <a:rPr lang="en-US" b="1" dirty="0"/>
+              <a:t>precision</a:t>
+            </a:r>
+            <a:r>
+              <a:rPr lang="en-US" dirty="0"/>
+              <a:t> and </a:t>
+            </a:r>
+            <a:r>
+              <a:rPr lang="en-US" b="1" dirty="0"/>
+              <a:t>recall</a:t>
+            </a:r>
+            <a:r>
+              <a:rPr lang="en-US" dirty="0"/>
+              <a:t>.</a:t>
+            </a:r>
+            <a:endParaRPr lang="en-US" b="1" dirty="0"/>
+          </a:p>
+        </p:txBody>
+      </p:sp>
+    </p:spTree>
+    <p:extLst>
+      <p:ext uri="{BB962C8B-B14F-4D97-AF65-F5344CB8AC3E}">
+        <p14:creationId xmlns:p14="http://schemas.microsoft.com/office/powerpoint/2010/main" val="486631603"/>
       </p:ext>
     </p:extLst>
   </p:cSld>

--- a/Final-Presentation/Presentation.pptx
+++ b/Final-Presentation/Presentation.pptx
@@ -17,8 +17,11 @@
     <p:sldId id="269" r:id="rId11"/>
     <p:sldId id="271" r:id="rId12"/>
     <p:sldId id="270" r:id="rId13"/>
-    <p:sldId id="272" r:id="rId14"/>
-    <p:sldId id="265" r:id="rId15"/>
+    <p:sldId id="273" r:id="rId14"/>
+    <p:sldId id="274" r:id="rId15"/>
+    <p:sldId id="275" r:id="rId16"/>
+    <p:sldId id="272" r:id="rId17"/>
+    <p:sldId id="265" r:id="rId18"/>
   </p:sldIdLst>
   <p:sldSz cx="12192000" cy="6858000"/>
   <p:notesSz cx="6858000" cy="9144000"/>
@@ -145,7 +148,11 @@
           </p14:sldIdLst>
         </p14:section>
         <p14:section name="Results" id="{F06C6ECF-4606-4C14-8117-DA2D8675ACF3}">
-          <p14:sldIdLst/>
+          <p14:sldIdLst>
+            <p14:sldId id="273"/>
+            <p14:sldId id="274"/>
+            <p14:sldId id="275"/>
+          </p14:sldIdLst>
         </p14:section>
         <p14:section name="Conclusion" id="{8D9BA467-BE11-41EB-8F5E-434DA548520F}">
           <p14:sldIdLst>
@@ -386,7 +393,7 @@
           <a:p>
             <a:fld id="{CA586F88-EEB5-4979-9532-C99075E35C56}" type="datetimeFigureOut">
               <a:rPr lang="en-US" smtClean="0"/>
-              <a:t>3/22/2016</a:t>
+              <a:t>3/24/2016</a:t>
             </a:fld>
             <a:endParaRPr lang="en-US"/>
           </a:p>
@@ -560,7 +567,7 @@
           <a:p>
             <a:fld id="{CA586F88-EEB5-4979-9532-C99075E35C56}" type="datetimeFigureOut">
               <a:rPr lang="en-US" smtClean="0"/>
-              <a:t>3/22/2016</a:t>
+              <a:t>3/24/2016</a:t>
             </a:fld>
             <a:endParaRPr lang="en-US"/>
           </a:p>
@@ -816,7 +823,7 @@
           <a:p>
             <a:fld id="{CA586F88-EEB5-4979-9532-C99075E35C56}" type="datetimeFigureOut">
               <a:rPr lang="en-US" smtClean="0"/>
-              <a:t>3/22/2016</a:t>
+              <a:t>3/24/2016</a:t>
             </a:fld>
             <a:endParaRPr lang="en-US"/>
           </a:p>
@@ -993,7 +1000,7 @@
           <a:p>
             <a:fld id="{CA586F88-EEB5-4979-9532-C99075E35C56}" type="datetimeFigureOut">
               <a:rPr lang="en-US" smtClean="0"/>
-              <a:t>3/22/2016</a:t>
+              <a:t>3/24/2016</a:t>
             </a:fld>
             <a:endParaRPr lang="en-US"/>
           </a:p>
@@ -1336,7 +1343,7 @@
           <a:p>
             <a:fld id="{CA586F88-EEB5-4979-9532-C99075E35C56}" type="datetimeFigureOut">
               <a:rPr lang="en-US" smtClean="0"/>
-              <a:t>3/22/2016</a:t>
+              <a:t>3/24/2016</a:t>
             </a:fld>
             <a:endParaRPr lang="en-US"/>
           </a:p>
@@ -1611,7 +1618,7 @@
           <a:p>
             <a:fld id="{CA586F88-EEB5-4979-9532-C99075E35C56}" type="datetimeFigureOut">
               <a:rPr lang="en-US" smtClean="0"/>
-              <a:t>3/22/2016</a:t>
+              <a:t>3/24/2016</a:t>
             </a:fld>
             <a:endParaRPr lang="en-US"/>
           </a:p>
@@ -1990,7 +1997,7 @@
           <a:p>
             <a:fld id="{CA586F88-EEB5-4979-9532-C99075E35C56}" type="datetimeFigureOut">
               <a:rPr lang="en-US" smtClean="0"/>
-              <a:t>3/22/2016</a:t>
+              <a:t>3/24/2016</a:t>
             </a:fld>
             <a:endParaRPr lang="en-US"/>
           </a:p>
@@ -2108,7 +2115,7 @@
           <a:p>
             <a:fld id="{CA586F88-EEB5-4979-9532-C99075E35C56}" type="datetimeFigureOut">
               <a:rPr lang="en-US" smtClean="0"/>
-              <a:t>3/22/2016</a:t>
+              <a:t>3/24/2016</a:t>
             </a:fld>
             <a:endParaRPr lang="en-US"/>
           </a:p>
@@ -2279,7 +2286,7 @@
           <a:p>
             <a:fld id="{CA586F88-EEB5-4979-9532-C99075E35C56}" type="datetimeFigureOut">
               <a:rPr lang="en-US" smtClean="0"/>
-              <a:t>3/22/2016</a:t>
+              <a:t>3/24/2016</a:t>
             </a:fld>
             <a:endParaRPr lang="en-US"/>
           </a:p>
@@ -2633,7 +2640,7 @@
           <a:p>
             <a:fld id="{CA586F88-EEB5-4979-9532-C99075E35C56}" type="datetimeFigureOut">
               <a:rPr lang="en-US" smtClean="0"/>
-              <a:t>3/22/2016</a:t>
+              <a:t>3/24/2016</a:t>
             </a:fld>
             <a:endParaRPr lang="en-US"/>
           </a:p>
@@ -3015,7 +3022,7 @@
           <a:p>
             <a:fld id="{CA586F88-EEB5-4979-9532-C99075E35C56}" type="datetimeFigureOut">
               <a:rPr lang="en-US" smtClean="0"/>
-              <a:t>3/22/2016</a:t>
+              <a:t>3/24/2016</a:t>
             </a:fld>
             <a:endParaRPr lang="en-US"/>
           </a:p>
@@ -3301,7 +3308,7 @@
           <a:p>
             <a:fld id="{CA586F88-EEB5-4979-9532-C99075E35C56}" type="datetimeFigureOut">
               <a:rPr lang="en-US" smtClean="0"/>
-              <a:t>3/22/2016</a:t>
+              <a:t>3/24/2016</a:t>
             </a:fld>
             <a:endParaRPr lang="en-US"/>
           </a:p>
@@ -4086,8 +4093,13 @@
           <a:p>
             <a:r>
               <a:rPr lang="en-US" dirty="0"/>
-              <a:t>We Didn’t Do It By Hand!</a:t>
-            </a:r>
+              <a:t>Software Tool: </a:t>
+            </a:r>
+            <a:r>
+              <a:rPr lang="en-US" i="1" dirty="0" err="1"/>
+              <a:t>NetworkMine</a:t>
+            </a:r>
+            <a:endParaRPr lang="en-US" dirty="0"/>
           </a:p>
         </p:txBody>
       </p:sp>
@@ -4419,7 +4431,7 @@
             </a:pPr>
             <a:r>
               <a:rPr lang="en-US" dirty="0"/>
-              <a:t>Boa Software Miner</a:t>
+              <a:t>Social Network Builder</a:t>
             </a:r>
           </a:p>
         </p:txBody>
@@ -5217,6 +5229,626 @@
           <a:p>
             <a:r>
               <a:rPr lang="en-US" dirty="0"/>
+              <a:t>Projects Used in Study</a:t>
+            </a:r>
+          </a:p>
+        </p:txBody>
+      </p:sp>
+      <p:sp>
+        <p:nvSpPr>
+          <p:cNvPr id="3" name="Content Placeholder 2"/>
+          <p:cNvSpPr>
+            <a:spLocks noGrp="1"/>
+          </p:cNvSpPr>
+          <p:nvPr>
+            <p:ph idx="1"/>
+          </p:nvPr>
+        </p:nvSpPr>
+        <p:spPr/>
+        <p:txBody>
+          <a:bodyPr/>
+          <a:lstStyle/>
+          <a:p>
+            <a:r>
+              <a:rPr lang="en-US" dirty="0"/>
+              <a:t>We performed our methodology on 15 different GitHub projects.</a:t>
+            </a:r>
+          </a:p>
+          <a:p>
+            <a:pPr marL="58737" indent="0">
+              <a:buNone/>
+            </a:pPr>
+            <a:endParaRPr lang="en-US" sz="900" dirty="0"/>
+          </a:p>
+          <a:p>
+            <a:pPr marL="58737" indent="0">
+              <a:buNone/>
+            </a:pPr>
+            <a:r>
+              <a:rPr lang="en-US" b="1" dirty="0"/>
+              <a:t>Project Statistics:</a:t>
+            </a:r>
+          </a:p>
+          <a:p>
+            <a:pPr marL="58737" indent="0">
+              <a:buNone/>
+            </a:pPr>
+            <a:endParaRPr lang="en-US" b="1" dirty="0"/>
+          </a:p>
+        </p:txBody>
+      </p:sp>
+      <p:graphicFrame>
+        <p:nvGraphicFramePr>
+          <p:cNvPr id="5" name="Table 4"/>
+          <p:cNvGraphicFramePr>
+            <a:graphicFrameLocks noGrp="1"/>
+          </p:cNvGraphicFramePr>
+          <p:nvPr>
+            <p:extLst>
+              <p:ext uri="{D42A27DB-BD31-4B8C-83A1-F6EECF244321}">
+                <p14:modId xmlns:p14="http://schemas.microsoft.com/office/powerpoint/2010/main" val="1872906644"/>
+              </p:ext>
+            </p:extLst>
+          </p:nvPr>
+        </p:nvGraphicFramePr>
+        <p:xfrm>
+          <a:off x="2062480" y="3926238"/>
+          <a:ext cx="8127999" cy="741680"/>
+        </p:xfrm>
+        <a:graphic>
+          <a:graphicData uri="http://schemas.openxmlformats.org/drawingml/2006/table">
+            <a:tbl>
+              <a:tblPr firstRow="1" bandRow="1">
+                <a:tableStyleId>{5C22544A-7EE6-4342-B048-85BDC9FD1C3A}</a:tableStyleId>
+              </a:tblPr>
+              <a:tblGrid>
+                <a:gridCol w="2709333">
+                  <a:extLst>
+                    <a:ext uri="{9D8B030D-6E8A-4147-A177-3AD203B41FA5}">
+                      <a16:colId xmlns:a16="http://schemas.microsoft.com/office/drawing/2014/main" val="643314803"/>
+                    </a:ext>
+                  </a:extLst>
+                </a:gridCol>
+                <a:gridCol w="2709333">
+                  <a:extLst>
+                    <a:ext uri="{9D8B030D-6E8A-4147-A177-3AD203B41FA5}">
+                      <a16:colId xmlns:a16="http://schemas.microsoft.com/office/drawing/2014/main" val="1177950111"/>
+                    </a:ext>
+                  </a:extLst>
+                </a:gridCol>
+                <a:gridCol w="2709333">
+                  <a:extLst>
+                    <a:ext uri="{9D8B030D-6E8A-4147-A177-3AD203B41FA5}">
+                      <a16:colId xmlns:a16="http://schemas.microsoft.com/office/drawing/2014/main" val="104661152"/>
+                    </a:ext>
+                  </a:extLst>
+                </a:gridCol>
+              </a:tblGrid>
+              <a:tr h="370840">
+                <a:tc>
+                  <a:txBody>
+                    <a:bodyPr/>
+                    <a:lstStyle/>
+                    <a:p>
+                      <a:pPr algn="ctr"/>
+                      <a:r>
+                        <a:rPr lang="en-US" dirty="0"/>
+                        <a:t>Max Contributors</a:t>
+                      </a:r>
+                    </a:p>
+                  </a:txBody>
+                  <a:tcPr/>
+                </a:tc>
+                <a:tc>
+                  <a:txBody>
+                    <a:bodyPr/>
+                    <a:lstStyle/>
+                    <a:p>
+                      <a:pPr algn="ctr"/>
+                      <a:r>
+                        <a:rPr lang="en-US" dirty="0"/>
+                        <a:t>Min Contributors</a:t>
+                      </a:r>
+                    </a:p>
+                  </a:txBody>
+                  <a:tcPr/>
+                </a:tc>
+                <a:tc>
+                  <a:txBody>
+                    <a:bodyPr/>
+                    <a:lstStyle/>
+                    <a:p>
+                      <a:pPr algn="ctr"/>
+                      <a:r>
+                        <a:rPr lang="en-US" dirty="0"/>
+                        <a:t>Average</a:t>
+                      </a:r>
+                      <a:r>
+                        <a:rPr lang="en-US" baseline="0" dirty="0"/>
+                        <a:t> Contributors</a:t>
+                      </a:r>
+                      <a:endParaRPr lang="en-US" dirty="0"/>
+                    </a:p>
+                  </a:txBody>
+                  <a:tcPr/>
+                </a:tc>
+                <a:extLst>
+                  <a:ext uri="{0D108BD9-81ED-4DB2-BD59-A6C34878D82A}">
+                    <a16:rowId xmlns:a16="http://schemas.microsoft.com/office/drawing/2014/main" val="78963249"/>
+                  </a:ext>
+                </a:extLst>
+              </a:tr>
+              <a:tr h="370840">
+                <a:tc>
+                  <a:txBody>
+                    <a:bodyPr/>
+                    <a:lstStyle/>
+                    <a:p>
+                      <a:pPr algn="ctr"/>
+                      <a:r>
+                        <a:rPr lang="en-US" dirty="0"/>
+                        <a:t>614</a:t>
+                      </a:r>
+                    </a:p>
+                  </a:txBody>
+                  <a:tcPr/>
+                </a:tc>
+                <a:tc>
+                  <a:txBody>
+                    <a:bodyPr/>
+                    <a:lstStyle/>
+                    <a:p>
+                      <a:pPr algn="ctr"/>
+                      <a:r>
+                        <a:rPr lang="en-US" dirty="0"/>
+                        <a:t>255</a:t>
+                      </a:r>
+                    </a:p>
+                  </a:txBody>
+                  <a:tcPr/>
+                </a:tc>
+                <a:tc>
+                  <a:txBody>
+                    <a:bodyPr/>
+                    <a:lstStyle/>
+                    <a:p>
+                      <a:pPr algn="ctr"/>
+                      <a:r>
+                        <a:rPr lang="en-US" dirty="0"/>
+                        <a:t>314.20</a:t>
+                      </a:r>
+                    </a:p>
+                  </a:txBody>
+                  <a:tcPr/>
+                </a:tc>
+                <a:extLst>
+                  <a:ext uri="{0D108BD9-81ED-4DB2-BD59-A6C34878D82A}">
+                    <a16:rowId xmlns:a16="http://schemas.microsoft.com/office/drawing/2014/main" val="1204660429"/>
+                  </a:ext>
+                </a:extLst>
+              </a:tr>
+            </a:tbl>
+          </a:graphicData>
+        </a:graphic>
+      </p:graphicFrame>
+      <p:graphicFrame>
+        <p:nvGraphicFramePr>
+          <p:cNvPr id="7" name="Table 6"/>
+          <p:cNvGraphicFramePr>
+            <a:graphicFrameLocks noGrp="1"/>
+          </p:cNvGraphicFramePr>
+          <p:nvPr>
+            <p:extLst>
+              <p:ext uri="{D42A27DB-BD31-4B8C-83A1-F6EECF244321}">
+                <p14:modId xmlns:p14="http://schemas.microsoft.com/office/powerpoint/2010/main" val="2837550199"/>
+              </p:ext>
+            </p:extLst>
+          </p:nvPr>
+        </p:nvGraphicFramePr>
+        <p:xfrm>
+          <a:off x="1097280" y="5117498"/>
+          <a:ext cx="10058400" cy="741680"/>
+        </p:xfrm>
+        <a:graphic>
+          <a:graphicData uri="http://schemas.openxmlformats.org/drawingml/2006/table">
+            <a:tbl>
+              <a:tblPr firstRow="1" bandRow="1">
+                <a:tableStyleId>{5C22544A-7EE6-4342-B048-85BDC9FD1C3A}</a:tableStyleId>
+              </a:tblPr>
+              <a:tblGrid>
+                <a:gridCol w="1331288">
+                  <a:extLst>
+                    <a:ext uri="{9D8B030D-6E8A-4147-A177-3AD203B41FA5}">
+                      <a16:colId xmlns:a16="http://schemas.microsoft.com/office/drawing/2014/main" val="2296600065"/>
+                    </a:ext>
+                  </a:extLst>
+                </a:gridCol>
+                <a:gridCol w="1543664">
+                  <a:extLst>
+                    <a:ext uri="{9D8B030D-6E8A-4147-A177-3AD203B41FA5}">
+                      <a16:colId xmlns:a16="http://schemas.microsoft.com/office/drawing/2014/main" val="2275269473"/>
+                    </a:ext>
+                  </a:extLst>
+                </a:gridCol>
+                <a:gridCol w="1828800">
+                  <a:extLst>
+                    <a:ext uri="{9D8B030D-6E8A-4147-A177-3AD203B41FA5}">
+                      <a16:colId xmlns:a16="http://schemas.microsoft.com/office/drawing/2014/main" val="1429109194"/>
+                    </a:ext>
+                  </a:extLst>
+                </a:gridCol>
+                <a:gridCol w="2635045">
+                  <a:extLst>
+                    <a:ext uri="{9D8B030D-6E8A-4147-A177-3AD203B41FA5}">
+                      <a16:colId xmlns:a16="http://schemas.microsoft.com/office/drawing/2014/main" val="206426635"/>
+                    </a:ext>
+                  </a:extLst>
+                </a:gridCol>
+                <a:gridCol w="2719603">
+                  <a:extLst>
+                    <a:ext uri="{9D8B030D-6E8A-4147-A177-3AD203B41FA5}">
+                      <a16:colId xmlns:a16="http://schemas.microsoft.com/office/drawing/2014/main" val="3148064752"/>
+                    </a:ext>
+                  </a:extLst>
+                </a:gridCol>
+              </a:tblGrid>
+              <a:tr h="370840">
+                <a:tc>
+                  <a:txBody>
+                    <a:bodyPr/>
+                    <a:lstStyle/>
+                    <a:p>
+                      <a:pPr algn="ctr"/>
+                      <a:r>
+                        <a:rPr lang="en-US" dirty="0"/>
+                        <a:t>Max Files</a:t>
+                      </a:r>
+                    </a:p>
+                  </a:txBody>
+                  <a:tcPr/>
+                </a:tc>
+                <a:tc>
+                  <a:txBody>
+                    <a:bodyPr/>
+                    <a:lstStyle/>
+                    <a:p>
+                      <a:pPr algn="ctr"/>
+                      <a:r>
+                        <a:rPr lang="en-US" dirty="0"/>
+                        <a:t>Min</a:t>
+                      </a:r>
+                      <a:r>
+                        <a:rPr lang="en-US" baseline="0" dirty="0"/>
+                        <a:t> Files</a:t>
+                      </a:r>
+                      <a:endParaRPr lang="en-US" dirty="0"/>
+                    </a:p>
+                  </a:txBody>
+                  <a:tcPr/>
+                </a:tc>
+                <a:tc>
+                  <a:txBody>
+                    <a:bodyPr/>
+                    <a:lstStyle/>
+                    <a:p>
+                      <a:pPr algn="ctr"/>
+                      <a:r>
+                        <a:rPr lang="en-US" dirty="0"/>
+                        <a:t>Average Files</a:t>
+                      </a:r>
+                    </a:p>
+                  </a:txBody>
+                  <a:tcPr/>
+                </a:tc>
+                <a:tc>
+                  <a:txBody>
+                    <a:bodyPr/>
+                    <a:lstStyle/>
+                    <a:p>
+                      <a:pPr algn="ctr"/>
+                      <a:r>
+                        <a:rPr lang="en-US" dirty="0"/>
+                        <a:t>Average Commits Per</a:t>
+                      </a:r>
+                      <a:r>
+                        <a:rPr lang="en-US" baseline="0" dirty="0"/>
+                        <a:t> File</a:t>
+                      </a:r>
+                      <a:endParaRPr lang="en-US" dirty="0"/>
+                    </a:p>
+                  </a:txBody>
+                  <a:tcPr/>
+                </a:tc>
+                <a:tc>
+                  <a:txBody>
+                    <a:bodyPr/>
+                    <a:lstStyle/>
+                    <a:p>
+                      <a:pPr algn="ctr"/>
+                      <a:r>
+                        <a:rPr lang="en-US" dirty="0"/>
+                        <a:t>Average Bug Fixes Per File</a:t>
+                      </a:r>
+                    </a:p>
+                  </a:txBody>
+                  <a:tcPr/>
+                </a:tc>
+                <a:extLst>
+                  <a:ext uri="{0D108BD9-81ED-4DB2-BD59-A6C34878D82A}">
+                    <a16:rowId xmlns:a16="http://schemas.microsoft.com/office/drawing/2014/main" val="1737069292"/>
+                  </a:ext>
+                </a:extLst>
+              </a:tr>
+              <a:tr h="370840">
+                <a:tc>
+                  <a:txBody>
+                    <a:bodyPr/>
+                    <a:lstStyle/>
+                    <a:p>
+                      <a:pPr algn="ctr"/>
+                      <a:r>
+                        <a:rPr lang="en-US" dirty="0"/>
+                        <a:t>11,935</a:t>
+                      </a:r>
+                    </a:p>
+                  </a:txBody>
+                  <a:tcPr/>
+                </a:tc>
+                <a:tc>
+                  <a:txBody>
+                    <a:bodyPr/>
+                    <a:lstStyle/>
+                    <a:p>
+                      <a:pPr algn="ctr"/>
+                      <a:r>
+                        <a:rPr lang="en-US" dirty="0"/>
+                        <a:t>1,451</a:t>
+                      </a:r>
+                    </a:p>
+                  </a:txBody>
+                  <a:tcPr/>
+                </a:tc>
+                <a:tc>
+                  <a:txBody>
+                    <a:bodyPr/>
+                    <a:lstStyle/>
+                    <a:p>
+                      <a:pPr algn="ctr"/>
+                      <a:r>
+                        <a:rPr lang="en-US" dirty="0"/>
+                        <a:t>3,281.73</a:t>
+                      </a:r>
+                    </a:p>
+                  </a:txBody>
+                  <a:tcPr/>
+                </a:tc>
+                <a:tc>
+                  <a:txBody>
+                    <a:bodyPr/>
+                    <a:lstStyle/>
+                    <a:p>
+                      <a:pPr algn="ctr"/>
+                      <a:r>
+                        <a:rPr lang="en-US" dirty="0"/>
+                        <a:t>42.80</a:t>
+                      </a:r>
+                    </a:p>
+                  </a:txBody>
+                  <a:tcPr/>
+                </a:tc>
+                <a:tc>
+                  <a:txBody>
+                    <a:bodyPr/>
+                    <a:lstStyle/>
+                    <a:p>
+                      <a:pPr algn="ctr"/>
+                      <a:r>
+                        <a:rPr lang="en-US" dirty="0"/>
+                        <a:t>7.12</a:t>
+                      </a:r>
+                    </a:p>
+                  </a:txBody>
+                  <a:tcPr/>
+                </a:tc>
+                <a:extLst>
+                  <a:ext uri="{0D108BD9-81ED-4DB2-BD59-A6C34878D82A}">
+                    <a16:rowId xmlns:a16="http://schemas.microsoft.com/office/drawing/2014/main" val="892322457"/>
+                  </a:ext>
+                </a:extLst>
+              </a:tr>
+            </a:tbl>
+          </a:graphicData>
+        </a:graphic>
+      </p:graphicFrame>
+    </p:spTree>
+    <p:extLst>
+      <p:ext uri="{BB962C8B-B14F-4D97-AF65-F5344CB8AC3E}">
+        <p14:creationId xmlns:p14="http://schemas.microsoft.com/office/powerpoint/2010/main" val="4211023800"/>
+      </p:ext>
+    </p:extLst>
+  </p:cSld>
+  <p:clrMapOvr>
+    <a:masterClrMapping/>
+  </p:clrMapOvr>
+</p:sld>
+</file>
+
+<file path=ppt/slides/slide14.xml><?xml version="1.0" encoding="utf-8"?>
+<p:sld xmlns:a="http://schemas.openxmlformats.org/drawingml/2006/main" xmlns:r="http://schemas.openxmlformats.org/officeDocument/2006/relationships" xmlns:p="http://schemas.openxmlformats.org/presentationml/2006/main">
+  <p:cSld>
+    <p:spTree>
+      <p:nvGrpSpPr>
+        <p:cNvPr id="1" name=""/>
+        <p:cNvGrpSpPr/>
+        <p:nvPr/>
+      </p:nvGrpSpPr>
+      <p:grpSpPr>
+        <a:xfrm>
+          <a:off x="0" y="0"/>
+          <a:ext cx="0" cy="0"/>
+          <a:chOff x="0" y="0"/>
+          <a:chExt cx="0" cy="0"/>
+        </a:xfrm>
+      </p:grpSpPr>
+      <p:sp>
+        <p:nvSpPr>
+          <p:cNvPr id="2" name="Title 1"/>
+          <p:cNvSpPr>
+            <a:spLocks noGrp="1"/>
+          </p:cNvSpPr>
+          <p:nvPr>
+            <p:ph type="title"/>
+          </p:nvPr>
+        </p:nvSpPr>
+        <p:spPr/>
+        <p:txBody>
+          <a:bodyPr/>
+          <a:lstStyle/>
+          <a:p>
+            <a:r>
+              <a:rPr lang="en-US" dirty="0"/>
+              <a:t>Spearman Correlation Results</a:t>
+            </a:r>
+          </a:p>
+        </p:txBody>
+      </p:sp>
+      <p:sp>
+        <p:nvSpPr>
+          <p:cNvPr id="3" name="Content Placeholder 2"/>
+          <p:cNvSpPr>
+            <a:spLocks noGrp="1"/>
+          </p:cNvSpPr>
+          <p:nvPr>
+            <p:ph idx="1"/>
+          </p:nvPr>
+        </p:nvSpPr>
+        <p:spPr/>
+        <p:txBody>
+          <a:bodyPr/>
+          <a:lstStyle/>
+          <a:p>
+            <a:endParaRPr lang="en-US"/>
+          </a:p>
+        </p:txBody>
+      </p:sp>
+    </p:spTree>
+    <p:extLst>
+      <p:ext uri="{BB962C8B-B14F-4D97-AF65-F5344CB8AC3E}">
+        <p14:creationId xmlns:p14="http://schemas.microsoft.com/office/powerpoint/2010/main" val="1866251307"/>
+      </p:ext>
+    </p:extLst>
+  </p:cSld>
+  <p:clrMapOvr>
+    <a:masterClrMapping/>
+  </p:clrMapOvr>
+</p:sld>
+</file>
+
+<file path=ppt/slides/slide15.xml><?xml version="1.0" encoding="utf-8"?>
+<p:sld xmlns:a="http://schemas.openxmlformats.org/drawingml/2006/main" xmlns:r="http://schemas.openxmlformats.org/officeDocument/2006/relationships" xmlns:p="http://schemas.openxmlformats.org/presentationml/2006/main">
+  <p:cSld>
+    <p:spTree>
+      <p:nvGrpSpPr>
+        <p:cNvPr id="1" name=""/>
+        <p:cNvGrpSpPr/>
+        <p:nvPr/>
+      </p:nvGrpSpPr>
+      <p:grpSpPr>
+        <a:xfrm>
+          <a:off x="0" y="0"/>
+          <a:ext cx="0" cy="0"/>
+          <a:chOff x="0" y="0"/>
+          <a:chExt cx="0" cy="0"/>
+        </a:xfrm>
+      </p:grpSpPr>
+      <p:sp>
+        <p:nvSpPr>
+          <p:cNvPr id="2" name="Title 1"/>
+          <p:cNvSpPr>
+            <a:spLocks noGrp="1"/>
+          </p:cNvSpPr>
+          <p:nvPr>
+            <p:ph type="title"/>
+          </p:nvPr>
+        </p:nvSpPr>
+        <p:spPr/>
+        <p:txBody>
+          <a:bodyPr/>
+          <a:lstStyle/>
+          <a:p>
+            <a:r>
+              <a:rPr lang="en-US" dirty="0"/>
+              <a:t>Logistical Regression</a:t>
+            </a:r>
+          </a:p>
+        </p:txBody>
+      </p:sp>
+      <p:sp>
+        <p:nvSpPr>
+          <p:cNvPr id="3" name="Content Placeholder 2"/>
+          <p:cNvSpPr>
+            <a:spLocks noGrp="1"/>
+          </p:cNvSpPr>
+          <p:nvPr>
+            <p:ph idx="1"/>
+          </p:nvPr>
+        </p:nvSpPr>
+        <p:spPr/>
+        <p:txBody>
+          <a:bodyPr/>
+          <a:lstStyle/>
+          <a:p>
+            <a:endParaRPr lang="en-US"/>
+          </a:p>
+        </p:txBody>
+      </p:sp>
+    </p:spTree>
+    <p:extLst>
+      <p:ext uri="{BB962C8B-B14F-4D97-AF65-F5344CB8AC3E}">
+        <p14:creationId xmlns:p14="http://schemas.microsoft.com/office/powerpoint/2010/main" val="3340033311"/>
+      </p:ext>
+    </p:extLst>
+  </p:cSld>
+  <p:clrMapOvr>
+    <a:masterClrMapping/>
+  </p:clrMapOvr>
+</p:sld>
+</file>
+
+<file path=ppt/slides/slide16.xml><?xml version="1.0" encoding="utf-8"?>
+<p:sld xmlns:a="http://schemas.openxmlformats.org/drawingml/2006/main" xmlns:r="http://schemas.openxmlformats.org/officeDocument/2006/relationships" xmlns:p="http://schemas.openxmlformats.org/presentationml/2006/main">
+  <p:cSld>
+    <p:spTree>
+      <p:nvGrpSpPr>
+        <p:cNvPr id="1" name=""/>
+        <p:cNvGrpSpPr/>
+        <p:nvPr/>
+      </p:nvGrpSpPr>
+      <p:grpSpPr>
+        <a:xfrm>
+          <a:off x="0" y="0"/>
+          <a:ext cx="0" cy="0"/>
+          <a:chOff x="0" y="0"/>
+          <a:chExt cx="0" cy="0"/>
+        </a:xfrm>
+      </p:grpSpPr>
+      <p:sp>
+        <p:nvSpPr>
+          <p:cNvPr id="2" name="Title 1"/>
+          <p:cNvSpPr>
+            <a:spLocks noGrp="1"/>
+          </p:cNvSpPr>
+          <p:nvPr>
+            <p:ph type="title"/>
+          </p:nvPr>
+        </p:nvSpPr>
+        <p:spPr/>
+        <p:txBody>
+          <a:bodyPr/>
+          <a:lstStyle/>
+          <a:p>
+            <a:r>
+              <a:rPr lang="en-US" dirty="0"/>
               <a:t>Conclusion</a:t>
             </a:r>
           </a:p>
@@ -5254,7 +5886,7 @@
 </p:sld>
 </file>
 
-<file path=ppt/slides/slide14.xml><?xml version="1.0" encoding="utf-8"?>
+<file path=ppt/slides/slide17.xml><?xml version="1.0" encoding="utf-8"?>
 <p:sld xmlns:a="http://schemas.openxmlformats.org/drawingml/2006/main" xmlns:r="http://schemas.openxmlformats.org/officeDocument/2006/relationships" xmlns:p="http://schemas.openxmlformats.org/presentationml/2006/main">
   <p:cSld>
     <p:spTree>
@@ -5875,14 +6507,8 @@
           <a:p>
             <a:r>
               <a:rPr lang="en-US" dirty="0"/>
-              <a:t>With large repositories of software data, can we test the results discovered by Pingzer, et al. in other domains?</a:t>
-            </a:r>
-          </a:p>
-          <a:p>
-            <a:endParaRPr lang="en-US" dirty="0"/>
-          </a:p>
-          <a:p>
-            <a:endParaRPr lang="en-US" dirty="0"/>
+              <a:t>Are developer-module networks valid predictors of failures in other domains?</a:t>
+            </a:r>
           </a:p>
         </p:txBody>
       </p:sp>
@@ -5950,12 +6576,50 @@
         </p:nvSpPr>
         <p:spPr/>
         <p:txBody>
-          <a:bodyPr/>
+          <a:bodyPr>
+            <a:normAutofit lnSpcReduction="10000"/>
+          </a:bodyPr>
           <a:lstStyle/>
           <a:p>
             <a:r>
               <a:rPr lang="en-US" dirty="0"/>
-              <a:t>Windows Vista is a massive software project with thousands of developers and binaries.</a:t>
+              <a:t>GitHub hosts tens of thousands of different projects:</a:t>
+            </a:r>
+          </a:p>
+          <a:p>
+            <a:pPr lvl="1"/>
+            <a:r>
+              <a:rPr lang="en-US" i="1" dirty="0"/>
+              <a:t>Open-source</a:t>
+            </a:r>
+          </a:p>
+          <a:p>
+            <a:pPr lvl="1"/>
+            <a:r>
+              <a:rPr lang="en-US" i="1" dirty="0"/>
+              <a:t>Hobbyist.</a:t>
+            </a:r>
+          </a:p>
+          <a:p>
+            <a:pPr lvl="1"/>
+            <a:endParaRPr lang="en-US" b="1" dirty="0"/>
+          </a:p>
+          <a:p>
+            <a:r>
+              <a:rPr lang="en-US" dirty="0"/>
+              <a:t>GitHub contains a wealth of data.</a:t>
+            </a:r>
+          </a:p>
+          <a:p>
+            <a:pPr marL="58737" indent="0">
+              <a:buNone/>
+            </a:pPr>
+            <a:endParaRPr lang="en-US" dirty="0"/>
+          </a:p>
+          <a:p>
+            <a:r>
+              <a:rPr lang="en-US" b="1" dirty="0"/>
+              <a:t>Why don’t we build developer-module networks for a slew of GitHub projects?</a:t>
             </a:r>
           </a:p>
           <a:p>

--- a/Final-Presentation/Presentation.pptx
+++ b/Final-Presentation/Presentation.pptx
@@ -11,17 +11,19 @@
     <p:sldId id="264" r:id="rId5"/>
     <p:sldId id="267" r:id="rId6"/>
     <p:sldId id="262" r:id="rId7"/>
-    <p:sldId id="257" r:id="rId8"/>
-    <p:sldId id="259" r:id="rId9"/>
-    <p:sldId id="268" r:id="rId10"/>
-    <p:sldId id="269" r:id="rId11"/>
-    <p:sldId id="271" r:id="rId12"/>
-    <p:sldId id="270" r:id="rId13"/>
-    <p:sldId id="273" r:id="rId14"/>
-    <p:sldId id="274" r:id="rId15"/>
-    <p:sldId id="275" r:id="rId16"/>
-    <p:sldId id="272" r:id="rId17"/>
-    <p:sldId id="265" r:id="rId18"/>
+    <p:sldId id="276" r:id="rId8"/>
+    <p:sldId id="257" r:id="rId9"/>
+    <p:sldId id="259" r:id="rId10"/>
+    <p:sldId id="268" r:id="rId11"/>
+    <p:sldId id="269" r:id="rId12"/>
+    <p:sldId id="271" r:id="rId13"/>
+    <p:sldId id="270" r:id="rId14"/>
+    <p:sldId id="273" r:id="rId15"/>
+    <p:sldId id="274" r:id="rId16"/>
+    <p:sldId id="275" r:id="rId17"/>
+    <p:sldId id="277" r:id="rId18"/>
+    <p:sldId id="272" r:id="rId19"/>
+    <p:sldId id="265" r:id="rId20"/>
   </p:sldIdLst>
   <p:sldSz cx="12192000" cy="6858000"/>
   <p:notesSz cx="6858000" cy="9144000"/>
@@ -139,6 +141,7 @@
         <p14:section name="Methodology" id="{04ADD487-94DA-47EC-AF72-3116CF1CA6D9}">
           <p14:sldIdLst>
             <p14:sldId id="262"/>
+            <p14:sldId id="276"/>
             <p14:sldId id="257"/>
             <p14:sldId id="259"/>
             <p14:sldId id="268"/>
@@ -152,6 +155,7 @@
             <p14:sldId id="273"/>
             <p14:sldId id="274"/>
             <p14:sldId id="275"/>
+            <p14:sldId id="277"/>
           </p14:sldIdLst>
         </p14:section>
         <p14:section name="Conclusion" id="{8D9BA467-BE11-41EB-8F5E-434DA548520F}">
@@ -393,7 +397,7 @@
           <a:p>
             <a:fld id="{CA586F88-EEB5-4979-9532-C99075E35C56}" type="datetimeFigureOut">
               <a:rPr lang="en-US" smtClean="0"/>
-              <a:t>3/24/2016</a:t>
+              <a:t>3/25/2016</a:t>
             </a:fld>
             <a:endParaRPr lang="en-US"/>
           </a:p>
@@ -567,7 +571,7 @@
           <a:p>
             <a:fld id="{CA586F88-EEB5-4979-9532-C99075E35C56}" type="datetimeFigureOut">
               <a:rPr lang="en-US" smtClean="0"/>
-              <a:t>3/24/2016</a:t>
+              <a:t>3/25/2016</a:t>
             </a:fld>
             <a:endParaRPr lang="en-US"/>
           </a:p>
@@ -823,7 +827,7 @@
           <a:p>
             <a:fld id="{CA586F88-EEB5-4979-9532-C99075E35C56}" type="datetimeFigureOut">
               <a:rPr lang="en-US" smtClean="0"/>
-              <a:t>3/24/2016</a:t>
+              <a:t>3/25/2016</a:t>
             </a:fld>
             <a:endParaRPr lang="en-US"/>
           </a:p>
@@ -1000,7 +1004,7 @@
           <a:p>
             <a:fld id="{CA586F88-EEB5-4979-9532-C99075E35C56}" type="datetimeFigureOut">
               <a:rPr lang="en-US" smtClean="0"/>
-              <a:t>3/24/2016</a:t>
+              <a:t>3/25/2016</a:t>
             </a:fld>
             <a:endParaRPr lang="en-US"/>
           </a:p>
@@ -1343,7 +1347,7 @@
           <a:p>
             <a:fld id="{CA586F88-EEB5-4979-9532-C99075E35C56}" type="datetimeFigureOut">
               <a:rPr lang="en-US" smtClean="0"/>
-              <a:t>3/24/2016</a:t>
+              <a:t>3/25/2016</a:t>
             </a:fld>
             <a:endParaRPr lang="en-US"/>
           </a:p>
@@ -1618,7 +1622,7 @@
           <a:p>
             <a:fld id="{CA586F88-EEB5-4979-9532-C99075E35C56}" type="datetimeFigureOut">
               <a:rPr lang="en-US" smtClean="0"/>
-              <a:t>3/24/2016</a:t>
+              <a:t>3/25/2016</a:t>
             </a:fld>
             <a:endParaRPr lang="en-US"/>
           </a:p>
@@ -1997,7 +2001,7 @@
           <a:p>
             <a:fld id="{CA586F88-EEB5-4979-9532-C99075E35C56}" type="datetimeFigureOut">
               <a:rPr lang="en-US" smtClean="0"/>
-              <a:t>3/24/2016</a:t>
+              <a:t>3/25/2016</a:t>
             </a:fld>
             <a:endParaRPr lang="en-US"/>
           </a:p>
@@ -2115,7 +2119,7 @@
           <a:p>
             <a:fld id="{CA586F88-EEB5-4979-9532-C99075E35C56}" type="datetimeFigureOut">
               <a:rPr lang="en-US" smtClean="0"/>
-              <a:t>3/24/2016</a:t>
+              <a:t>3/25/2016</a:t>
             </a:fld>
             <a:endParaRPr lang="en-US"/>
           </a:p>
@@ -2286,7 +2290,7 @@
           <a:p>
             <a:fld id="{CA586F88-EEB5-4979-9532-C99075E35C56}" type="datetimeFigureOut">
               <a:rPr lang="en-US" smtClean="0"/>
-              <a:t>3/24/2016</a:t>
+              <a:t>3/25/2016</a:t>
             </a:fld>
             <a:endParaRPr lang="en-US"/>
           </a:p>
@@ -2640,7 +2644,7 @@
           <a:p>
             <a:fld id="{CA586F88-EEB5-4979-9532-C99075E35C56}" type="datetimeFigureOut">
               <a:rPr lang="en-US" smtClean="0"/>
-              <a:t>3/24/2016</a:t>
+              <a:t>3/25/2016</a:t>
             </a:fld>
             <a:endParaRPr lang="en-US"/>
           </a:p>
@@ -3022,7 +3026,7 @@
           <a:p>
             <a:fld id="{CA586F88-EEB5-4979-9532-C99075E35C56}" type="datetimeFigureOut">
               <a:rPr lang="en-US" smtClean="0"/>
-              <a:t>3/24/2016</a:t>
+              <a:t>3/25/2016</a:t>
             </a:fld>
             <a:endParaRPr lang="en-US"/>
           </a:p>
@@ -3308,7 +3312,7 @@
           <a:p>
             <a:fld id="{CA586F88-EEB5-4979-9532-C99075E35C56}" type="datetimeFigureOut">
               <a:rPr lang="en-US" smtClean="0"/>
-              <a:t>3/24/2016</a:t>
+              <a:t>3/25/2016</a:t>
             </a:fld>
             <a:endParaRPr lang="en-US"/>
           </a:p>
@@ -4093,6 +4097,149 @@
           <a:p>
             <a:r>
               <a:rPr lang="en-US" dirty="0"/>
+              <a:t>Methodology</a:t>
+            </a:r>
+          </a:p>
+        </p:txBody>
+      </p:sp>
+      <p:sp>
+        <p:nvSpPr>
+          <p:cNvPr id="3" name="Content Placeholder 2"/>
+          <p:cNvSpPr>
+            <a:spLocks noGrp="1"/>
+          </p:cNvSpPr>
+          <p:nvPr>
+            <p:ph idx="1"/>
+          </p:nvPr>
+        </p:nvSpPr>
+        <p:spPr/>
+        <p:txBody>
+          <a:bodyPr/>
+          <a:lstStyle/>
+          <a:p>
+            <a:pPr marL="573087" indent="-514350">
+              <a:buFont typeface="+mj-lt"/>
+              <a:buAutoNum type="arabicPeriod"/>
+            </a:pPr>
+            <a:r>
+              <a:rPr lang="en-US" dirty="0"/>
+              <a:t>Determine adequate projects stored in Boa.</a:t>
+            </a:r>
+          </a:p>
+          <a:p>
+            <a:pPr marL="573087" indent="-514350">
+              <a:buFont typeface="+mj-lt"/>
+              <a:buAutoNum type="arabicPeriod"/>
+            </a:pPr>
+            <a:r>
+              <a:rPr lang="en-US" dirty="0"/>
+              <a:t>Pull associated file, user, and commit information for a desired project.</a:t>
+            </a:r>
+          </a:p>
+          <a:p>
+            <a:pPr marL="573087" indent="-514350">
+              <a:buFont typeface="+mj-lt"/>
+              <a:buAutoNum type="arabicPeriod"/>
+            </a:pPr>
+            <a:r>
+              <a:rPr lang="en-US" dirty="0"/>
+              <a:t>Build contribution network from the project data.</a:t>
+            </a:r>
+          </a:p>
+          <a:p>
+            <a:pPr marL="573087" indent="-514350">
+              <a:buFont typeface="+mj-lt"/>
+              <a:buAutoNum type="arabicPeriod"/>
+            </a:pPr>
+            <a:r>
+              <a:rPr lang="en-US" dirty="0"/>
+              <a:t>Compute </a:t>
+            </a:r>
+            <a:r>
+              <a:rPr lang="en-US" dirty="0" err="1"/>
+              <a:t>betweenness</a:t>
+            </a:r>
+            <a:r>
+              <a:rPr lang="en-US" dirty="0"/>
+              <a:t>, closeness, and degree centrality.</a:t>
+            </a:r>
+          </a:p>
+          <a:p>
+            <a:pPr marL="573087" indent="-514350">
+              <a:buFont typeface="+mj-lt"/>
+              <a:buAutoNum type="arabicPeriod"/>
+            </a:pPr>
+            <a:r>
+              <a:rPr lang="en-US" dirty="0"/>
+              <a:t>Run logical regression on the social network and determine </a:t>
+            </a:r>
+            <a:r>
+              <a:rPr lang="en-US" b="1" dirty="0"/>
+              <a:t>precision</a:t>
+            </a:r>
+            <a:r>
+              <a:rPr lang="en-US" dirty="0"/>
+              <a:t> and </a:t>
+            </a:r>
+            <a:r>
+              <a:rPr lang="en-US" b="1" dirty="0"/>
+              <a:t>recall</a:t>
+            </a:r>
+            <a:r>
+              <a:rPr lang="en-US" dirty="0"/>
+              <a:t>.</a:t>
+            </a:r>
+            <a:endParaRPr lang="en-US" b="1" dirty="0"/>
+          </a:p>
+        </p:txBody>
+      </p:sp>
+    </p:spTree>
+    <p:extLst>
+      <p:ext uri="{BB962C8B-B14F-4D97-AF65-F5344CB8AC3E}">
+        <p14:creationId xmlns:p14="http://schemas.microsoft.com/office/powerpoint/2010/main" val="486631603"/>
+      </p:ext>
+    </p:extLst>
+  </p:cSld>
+  <p:clrMapOvr>
+    <a:masterClrMapping/>
+  </p:clrMapOvr>
+</p:sld>
+</file>
+
+<file path=ppt/slides/slide11.xml><?xml version="1.0" encoding="utf-8"?>
+<p:sld xmlns:a="http://schemas.openxmlformats.org/drawingml/2006/main" xmlns:r="http://schemas.openxmlformats.org/officeDocument/2006/relationships" xmlns:p="http://schemas.openxmlformats.org/presentationml/2006/main">
+  <p:cSld>
+    <p:spTree>
+      <p:nvGrpSpPr>
+        <p:cNvPr id="1" name=""/>
+        <p:cNvGrpSpPr/>
+        <p:nvPr/>
+      </p:nvGrpSpPr>
+      <p:grpSpPr>
+        <a:xfrm>
+          <a:off x="0" y="0"/>
+          <a:ext cx="0" cy="0"/>
+          <a:chOff x="0" y="0"/>
+          <a:chExt cx="0" cy="0"/>
+        </a:xfrm>
+      </p:grpSpPr>
+      <p:sp>
+        <p:nvSpPr>
+          <p:cNvPr id="2" name="Title 1"/>
+          <p:cNvSpPr>
+            <a:spLocks noGrp="1"/>
+          </p:cNvSpPr>
+          <p:nvPr>
+            <p:ph type="title"/>
+          </p:nvPr>
+        </p:nvSpPr>
+        <p:spPr/>
+        <p:txBody>
+          <a:bodyPr/>
+          <a:lstStyle/>
+          <a:p>
+            <a:r>
+              <a:rPr lang="en-US" dirty="0"/>
               <a:t>Software Tool: </a:t>
             </a:r>
             <a:r>
@@ -4537,7 +4684,7 @@
 </p:sld>
 </file>
 
-<file path=ppt/slides/slide11.xml><?xml version="1.0" encoding="utf-8"?>
+<file path=ppt/slides/slide12.xml><?xml version="1.0" encoding="utf-8"?>
 <p:sld xmlns:a="http://schemas.openxmlformats.org/drawingml/2006/main" xmlns:r="http://schemas.openxmlformats.org/officeDocument/2006/relationships" xmlns:p="http://schemas.openxmlformats.org/presentationml/2006/main">
   <p:cSld>
     <p:spTree>
@@ -4623,7 +4770,7 @@
 </p:sld>
 </file>
 
-<file path=ppt/slides/slide12.xml><?xml version="1.0" encoding="utf-8"?>
+<file path=ppt/slides/slide13.xml><?xml version="1.0" encoding="utf-8"?>
 <p:sld xmlns:a="http://schemas.openxmlformats.org/drawingml/2006/main" xmlns:r="http://schemas.openxmlformats.org/officeDocument/2006/relationships" xmlns:p="http://schemas.openxmlformats.org/presentationml/2006/main">
   <p:cSld>
     <p:spTree>
@@ -5195,7 +5342,7 @@
 </p:sld>
 </file>
 
-<file path=ppt/slides/slide13.xml><?xml version="1.0" encoding="utf-8"?>
+<file path=ppt/slides/slide14.xml><?xml version="1.0" encoding="utf-8"?>
 <p:sld xmlns:a="http://schemas.openxmlformats.org/drawingml/2006/main" xmlns:r="http://schemas.openxmlformats.org/officeDocument/2006/relationships" xmlns:p="http://schemas.openxmlformats.org/presentationml/2006/main">
   <p:cSld>
     <p:spTree>
@@ -5673,77 +5820,6 @@
 </p:sld>
 </file>
 
-<file path=ppt/slides/slide14.xml><?xml version="1.0" encoding="utf-8"?>
-<p:sld xmlns:a="http://schemas.openxmlformats.org/drawingml/2006/main" xmlns:r="http://schemas.openxmlformats.org/officeDocument/2006/relationships" xmlns:p="http://schemas.openxmlformats.org/presentationml/2006/main">
-  <p:cSld>
-    <p:spTree>
-      <p:nvGrpSpPr>
-        <p:cNvPr id="1" name=""/>
-        <p:cNvGrpSpPr/>
-        <p:nvPr/>
-      </p:nvGrpSpPr>
-      <p:grpSpPr>
-        <a:xfrm>
-          <a:off x="0" y="0"/>
-          <a:ext cx="0" cy="0"/>
-          <a:chOff x="0" y="0"/>
-          <a:chExt cx="0" cy="0"/>
-        </a:xfrm>
-      </p:grpSpPr>
-      <p:sp>
-        <p:nvSpPr>
-          <p:cNvPr id="2" name="Title 1"/>
-          <p:cNvSpPr>
-            <a:spLocks noGrp="1"/>
-          </p:cNvSpPr>
-          <p:nvPr>
-            <p:ph type="title"/>
-          </p:nvPr>
-        </p:nvSpPr>
-        <p:spPr/>
-        <p:txBody>
-          <a:bodyPr/>
-          <a:lstStyle/>
-          <a:p>
-            <a:r>
-              <a:rPr lang="en-US" dirty="0"/>
-              <a:t>Spearman Correlation Results</a:t>
-            </a:r>
-          </a:p>
-        </p:txBody>
-      </p:sp>
-      <p:sp>
-        <p:nvSpPr>
-          <p:cNvPr id="3" name="Content Placeholder 2"/>
-          <p:cNvSpPr>
-            <a:spLocks noGrp="1"/>
-          </p:cNvSpPr>
-          <p:nvPr>
-            <p:ph idx="1"/>
-          </p:nvPr>
-        </p:nvSpPr>
-        <p:spPr/>
-        <p:txBody>
-          <a:bodyPr/>
-          <a:lstStyle/>
-          <a:p>
-            <a:endParaRPr lang="en-US"/>
-          </a:p>
-        </p:txBody>
-      </p:sp>
-    </p:spTree>
-    <p:extLst>
-      <p:ext uri="{BB962C8B-B14F-4D97-AF65-F5344CB8AC3E}">
-        <p14:creationId xmlns:p14="http://schemas.microsoft.com/office/powerpoint/2010/main" val="1866251307"/>
-      </p:ext>
-    </p:extLst>
-  </p:cSld>
-  <p:clrMapOvr>
-    <a:masterClrMapping/>
-  </p:clrMapOvr>
-</p:sld>
-</file>
-
 <file path=ppt/slides/slide15.xml><?xml version="1.0" encoding="utf-8"?>
 <p:sld xmlns:a="http://schemas.openxmlformats.org/drawingml/2006/main" xmlns:r="http://schemas.openxmlformats.org/officeDocument/2006/relationships" xmlns:p="http://schemas.openxmlformats.org/presentationml/2006/main">
   <p:cSld>
@@ -5778,7 +5854,7 @@
           <a:p>
             <a:r>
               <a:rPr lang="en-US" dirty="0"/>
-              <a:t>Logistical Regression</a:t>
+              <a:t>Spearman Correlation Results</a:t>
             </a:r>
           </a:p>
         </p:txBody>
@@ -5798,14 +5874,807 @@
           <a:bodyPr/>
           <a:lstStyle/>
           <a:p>
-            <a:endParaRPr lang="en-US"/>
+            <a:r>
+              <a:rPr lang="en-US" dirty="0"/>
+              <a:t>Determines how data metrics correlate with each other.</a:t>
+            </a:r>
+          </a:p>
+          <a:p>
+            <a:r>
+              <a:rPr lang="en-US" dirty="0"/>
+              <a:t>Values +/-0.7 are considered significant.</a:t>
+            </a:r>
+          </a:p>
+          <a:p>
+            <a:pPr marL="58737" indent="0">
+              <a:buNone/>
+            </a:pPr>
+            <a:endParaRPr lang="en-US" dirty="0"/>
+          </a:p>
+        </p:txBody>
+      </p:sp>
+      <p:graphicFrame>
+        <p:nvGraphicFramePr>
+          <p:cNvPr id="4" name="Table 3"/>
+          <p:cNvGraphicFramePr>
+            <a:graphicFrameLocks noGrp="1"/>
+          </p:cNvGraphicFramePr>
+          <p:nvPr>
+            <p:extLst>
+              <p:ext uri="{D42A27DB-BD31-4B8C-83A1-F6EECF244321}">
+                <p14:modId xmlns:p14="http://schemas.microsoft.com/office/powerpoint/2010/main" val="3354129531"/>
+              </p:ext>
+            </p:extLst>
+          </p:nvPr>
+        </p:nvGraphicFramePr>
+        <p:xfrm>
+          <a:off x="2062479" y="3285885"/>
+          <a:ext cx="8128002" cy="2225040"/>
+        </p:xfrm>
+        <a:graphic>
+          <a:graphicData uri="http://schemas.openxmlformats.org/drawingml/2006/table">
+            <a:tbl>
+              <a:tblPr firstRow="1" bandRow="1">
+                <a:tableStyleId>{B301B821-A1FF-4177-AEE7-76D212191A09}</a:tableStyleId>
+              </a:tblPr>
+              <a:tblGrid>
+                <a:gridCol w="1477134">
+                  <a:extLst>
+                    <a:ext uri="{9D8B030D-6E8A-4147-A177-3AD203B41FA5}">
+                      <a16:colId xmlns:a16="http://schemas.microsoft.com/office/drawing/2014/main" val="1197910584"/>
+                    </a:ext>
+                  </a:extLst>
+                </a:gridCol>
+                <a:gridCol w="1232200">
+                  <a:extLst>
+                    <a:ext uri="{9D8B030D-6E8A-4147-A177-3AD203B41FA5}">
+                      <a16:colId xmlns:a16="http://schemas.microsoft.com/office/drawing/2014/main" val="4077819383"/>
+                    </a:ext>
+                  </a:extLst>
+                </a:gridCol>
+                <a:gridCol w="1354667">
+                  <a:extLst>
+                    <a:ext uri="{9D8B030D-6E8A-4147-A177-3AD203B41FA5}">
+                      <a16:colId xmlns:a16="http://schemas.microsoft.com/office/drawing/2014/main" val="1854535"/>
+                    </a:ext>
+                  </a:extLst>
+                </a:gridCol>
+                <a:gridCol w="1354667">
+                  <a:extLst>
+                    <a:ext uri="{9D8B030D-6E8A-4147-A177-3AD203B41FA5}">
+                      <a16:colId xmlns:a16="http://schemas.microsoft.com/office/drawing/2014/main" val="2762140783"/>
+                    </a:ext>
+                  </a:extLst>
+                </a:gridCol>
+                <a:gridCol w="1354667">
+                  <a:extLst>
+                    <a:ext uri="{9D8B030D-6E8A-4147-A177-3AD203B41FA5}">
+                      <a16:colId xmlns:a16="http://schemas.microsoft.com/office/drawing/2014/main" val="3246837622"/>
+                    </a:ext>
+                  </a:extLst>
+                </a:gridCol>
+                <a:gridCol w="1354667">
+                  <a:extLst>
+                    <a:ext uri="{9D8B030D-6E8A-4147-A177-3AD203B41FA5}">
+                      <a16:colId xmlns:a16="http://schemas.microsoft.com/office/drawing/2014/main" val="3082632850"/>
+                    </a:ext>
+                  </a:extLst>
+                </a:gridCol>
+              </a:tblGrid>
+              <a:tr h="370840">
+                <a:tc>
+                  <a:txBody>
+                    <a:bodyPr/>
+                    <a:lstStyle/>
+                    <a:p>
+                      <a:pPr algn="ctr"/>
+                      <a:endParaRPr lang="en-US" dirty="0"/>
+                    </a:p>
+                  </a:txBody>
+                  <a:tcPr>
+                    <a:lnL w="12700" cmpd="sng">
+                      <a:noFill/>
+                    </a:lnL>
+                    <a:lnR>
+                      <a:noFill/>
+                    </a:lnR>
+                    <a:lnT w="12700" cap="flat" cmpd="sng" algn="ctr">
+                      <a:noFill/>
+                      <a:prstDash val="solid"/>
+                      <a:round/>
+                      <a:headEnd type="none" w="med" len="med"/>
+                      <a:tailEnd type="none" w="med" len="med"/>
+                    </a:lnT>
+                    <a:lnB w="12700" cmpd="sng">
+                      <a:noFill/>
+                    </a:lnB>
+                    <a:lnTlToBr w="12700" cmpd="sng">
+                      <a:noFill/>
+                      <a:prstDash val="solid"/>
+                    </a:lnTlToBr>
+                    <a:lnBlToTr w="12700" cmpd="sng">
+                      <a:noFill/>
+                      <a:prstDash val="solid"/>
+                    </a:lnBlToTr>
+                    <a:solidFill>
+                      <a:schemeClr val="bg1"/>
+                    </a:solidFill>
+                  </a:tcPr>
+                </a:tc>
+                <a:tc>
+                  <a:txBody>
+                    <a:bodyPr/>
+                    <a:lstStyle/>
+                    <a:p>
+                      <a:pPr algn="ctr"/>
+                      <a:r>
+                        <a:rPr lang="en-US" dirty="0"/>
+                        <a:t>Commits</a:t>
+                      </a:r>
+                    </a:p>
+                  </a:txBody>
+                  <a:tcPr>
+                    <a:lnL>
+                      <a:noFill/>
+                    </a:lnL>
+                  </a:tcPr>
+                </a:tc>
+                <a:tc>
+                  <a:txBody>
+                    <a:bodyPr/>
+                    <a:lstStyle/>
+                    <a:p>
+                      <a:pPr algn="ctr"/>
+                      <a:r>
+                        <a:rPr lang="en-US" dirty="0"/>
+                        <a:t>Failures</a:t>
+                      </a:r>
+                    </a:p>
+                  </a:txBody>
+                  <a:tcPr/>
+                </a:tc>
+                <a:tc>
+                  <a:txBody>
+                    <a:bodyPr/>
+                    <a:lstStyle/>
+                    <a:p>
+                      <a:pPr algn="ctr"/>
+                      <a:r>
+                        <a:rPr lang="en-US" dirty="0" err="1"/>
+                        <a:t>Betweeness</a:t>
+                      </a:r>
+                      <a:endParaRPr lang="en-US" dirty="0"/>
+                    </a:p>
+                  </a:txBody>
+                  <a:tcPr/>
+                </a:tc>
+                <a:tc>
+                  <a:txBody>
+                    <a:bodyPr/>
+                    <a:lstStyle/>
+                    <a:p>
+                      <a:pPr algn="ctr"/>
+                      <a:r>
+                        <a:rPr lang="en-US" dirty="0"/>
+                        <a:t>Closeness</a:t>
+                      </a:r>
+                    </a:p>
+                  </a:txBody>
+                  <a:tcPr/>
+                </a:tc>
+                <a:tc>
+                  <a:txBody>
+                    <a:bodyPr/>
+                    <a:lstStyle/>
+                    <a:p>
+                      <a:pPr algn="ctr"/>
+                      <a:r>
+                        <a:rPr lang="en-US" dirty="0"/>
+                        <a:t>Degree</a:t>
+                      </a:r>
+                    </a:p>
+                  </a:txBody>
+                  <a:tcPr/>
+                </a:tc>
+                <a:extLst>
+                  <a:ext uri="{0D108BD9-81ED-4DB2-BD59-A6C34878D82A}">
+                    <a16:rowId xmlns:a16="http://schemas.microsoft.com/office/drawing/2014/main" val="2176593963"/>
+                  </a:ext>
+                </a:extLst>
+              </a:tr>
+              <a:tr h="370840">
+                <a:tc>
+                  <a:txBody>
+                    <a:bodyPr/>
+                    <a:lstStyle/>
+                    <a:p>
+                      <a:pPr algn="ctr"/>
+                      <a:r>
+                        <a:rPr lang="en-US" b="1" dirty="0">
+                          <a:solidFill>
+                            <a:schemeClr val="bg1"/>
+                          </a:solidFill>
+                        </a:rPr>
+                        <a:t>Commits</a:t>
+                      </a:r>
+                    </a:p>
+                  </a:txBody>
+                  <a:tcPr>
+                    <a:lnL w="12700" cmpd="sng">
+                      <a:noFill/>
+                    </a:lnL>
+                    <a:lnR>
+                      <a:noFill/>
+                    </a:lnR>
+                    <a:lnT w="12700" cmpd="sng">
+                      <a:noFill/>
+                    </a:lnT>
+                    <a:lnB w="12700" cmpd="sng">
+                      <a:noFill/>
+                    </a:lnB>
+                    <a:lnTlToBr w="12700" cmpd="sng">
+                      <a:noFill/>
+                      <a:prstDash val="solid"/>
+                    </a:lnTlToBr>
+                    <a:lnBlToTr w="12700" cmpd="sng">
+                      <a:noFill/>
+                      <a:prstDash val="solid"/>
+                    </a:lnBlToTr>
+                    <a:solidFill>
+                      <a:schemeClr val="accent1"/>
+                    </a:solidFill>
+                  </a:tcPr>
+                </a:tc>
+                <a:tc>
+                  <a:txBody>
+                    <a:bodyPr/>
+                    <a:lstStyle/>
+                    <a:p>
+                      <a:pPr algn="ctr"/>
+                      <a:r>
+                        <a:rPr lang="en-US" dirty="0"/>
+                        <a:t>1</a:t>
+                      </a:r>
+                    </a:p>
+                  </a:txBody>
+                  <a:tcPr>
+                    <a:lnL>
+                      <a:noFill/>
+                    </a:lnL>
+                  </a:tcPr>
+                </a:tc>
+                <a:tc>
+                  <a:txBody>
+                    <a:bodyPr/>
+                    <a:lstStyle/>
+                    <a:p>
+                      <a:pPr algn="ctr"/>
+                      <a:endParaRPr lang="en-US"/>
+                    </a:p>
+                  </a:txBody>
+                  <a:tcPr/>
+                </a:tc>
+                <a:tc>
+                  <a:txBody>
+                    <a:bodyPr/>
+                    <a:lstStyle/>
+                    <a:p>
+                      <a:pPr algn="ctr"/>
+                      <a:endParaRPr lang="en-US"/>
+                    </a:p>
+                  </a:txBody>
+                  <a:tcPr/>
+                </a:tc>
+                <a:tc>
+                  <a:txBody>
+                    <a:bodyPr/>
+                    <a:lstStyle/>
+                    <a:p>
+                      <a:pPr algn="ctr"/>
+                      <a:endParaRPr lang="en-US"/>
+                    </a:p>
+                  </a:txBody>
+                  <a:tcPr/>
+                </a:tc>
+                <a:tc>
+                  <a:txBody>
+                    <a:bodyPr/>
+                    <a:lstStyle/>
+                    <a:p>
+                      <a:pPr algn="ctr"/>
+                      <a:endParaRPr lang="en-US"/>
+                    </a:p>
+                  </a:txBody>
+                  <a:tcPr/>
+                </a:tc>
+                <a:extLst>
+                  <a:ext uri="{0D108BD9-81ED-4DB2-BD59-A6C34878D82A}">
+                    <a16:rowId xmlns:a16="http://schemas.microsoft.com/office/drawing/2014/main" val="1695581901"/>
+                  </a:ext>
+                </a:extLst>
+              </a:tr>
+              <a:tr h="370840">
+                <a:tc>
+                  <a:txBody>
+                    <a:bodyPr/>
+                    <a:lstStyle/>
+                    <a:p>
+                      <a:pPr algn="ctr"/>
+                      <a:r>
+                        <a:rPr lang="en-US" b="1" dirty="0">
+                          <a:solidFill>
+                            <a:schemeClr val="bg1"/>
+                          </a:solidFill>
+                        </a:rPr>
+                        <a:t>Failures</a:t>
+                      </a:r>
+                    </a:p>
+                  </a:txBody>
+                  <a:tcPr>
+                    <a:lnL w="12700" cmpd="sng">
+                      <a:noFill/>
+                    </a:lnL>
+                    <a:lnR>
+                      <a:noFill/>
+                    </a:lnR>
+                    <a:lnT w="12700" cmpd="sng">
+                      <a:noFill/>
+                    </a:lnT>
+                    <a:lnB w="12700" cmpd="sng">
+                      <a:noFill/>
+                    </a:lnB>
+                    <a:lnTlToBr w="12700" cmpd="sng">
+                      <a:noFill/>
+                      <a:prstDash val="solid"/>
+                    </a:lnTlToBr>
+                    <a:lnBlToTr w="12700" cmpd="sng">
+                      <a:noFill/>
+                      <a:prstDash val="solid"/>
+                    </a:lnBlToTr>
+                    <a:solidFill>
+                      <a:schemeClr val="accent1"/>
+                    </a:solidFill>
+                  </a:tcPr>
+                </a:tc>
+                <a:tc>
+                  <a:txBody>
+                    <a:bodyPr/>
+                    <a:lstStyle/>
+                    <a:p>
+                      <a:pPr algn="ctr"/>
+                      <a:endParaRPr lang="en-US" dirty="0"/>
+                    </a:p>
+                  </a:txBody>
+                  <a:tcPr>
+                    <a:lnL>
+                      <a:noFill/>
+                    </a:lnL>
+                  </a:tcPr>
+                </a:tc>
+                <a:tc>
+                  <a:txBody>
+                    <a:bodyPr/>
+                    <a:lstStyle/>
+                    <a:p>
+                      <a:pPr algn="ctr"/>
+                      <a:r>
+                        <a:rPr lang="en-US" dirty="0"/>
+                        <a:t>1</a:t>
+                      </a:r>
+                    </a:p>
+                  </a:txBody>
+                  <a:tcPr/>
+                </a:tc>
+                <a:tc>
+                  <a:txBody>
+                    <a:bodyPr/>
+                    <a:lstStyle/>
+                    <a:p>
+                      <a:pPr algn="ctr"/>
+                      <a:endParaRPr lang="en-US" dirty="0"/>
+                    </a:p>
+                  </a:txBody>
+                  <a:tcPr/>
+                </a:tc>
+                <a:tc>
+                  <a:txBody>
+                    <a:bodyPr/>
+                    <a:lstStyle/>
+                    <a:p>
+                      <a:pPr algn="ctr"/>
+                      <a:endParaRPr lang="en-US"/>
+                    </a:p>
+                  </a:txBody>
+                  <a:tcPr/>
+                </a:tc>
+                <a:tc>
+                  <a:txBody>
+                    <a:bodyPr/>
+                    <a:lstStyle/>
+                    <a:p>
+                      <a:pPr algn="ctr"/>
+                      <a:endParaRPr lang="en-US" dirty="0"/>
+                    </a:p>
+                  </a:txBody>
+                  <a:tcPr/>
+                </a:tc>
+                <a:extLst>
+                  <a:ext uri="{0D108BD9-81ED-4DB2-BD59-A6C34878D82A}">
+                    <a16:rowId xmlns:a16="http://schemas.microsoft.com/office/drawing/2014/main" val="752802374"/>
+                  </a:ext>
+                </a:extLst>
+              </a:tr>
+              <a:tr h="370840">
+                <a:tc>
+                  <a:txBody>
+                    <a:bodyPr/>
+                    <a:lstStyle/>
+                    <a:p>
+                      <a:pPr algn="ctr"/>
+                      <a:r>
+                        <a:rPr lang="en-US" b="1" dirty="0">
+                          <a:solidFill>
+                            <a:schemeClr val="bg1"/>
+                          </a:solidFill>
+                        </a:rPr>
+                        <a:t>Betweenness</a:t>
+                      </a:r>
+                    </a:p>
+                  </a:txBody>
+                  <a:tcPr>
+                    <a:lnL w="12700" cmpd="sng">
+                      <a:noFill/>
+                    </a:lnL>
+                    <a:lnR>
+                      <a:noFill/>
+                    </a:lnR>
+                    <a:lnT w="12700" cmpd="sng">
+                      <a:noFill/>
+                    </a:lnT>
+                    <a:lnB w="12700" cmpd="sng">
+                      <a:noFill/>
+                    </a:lnB>
+                    <a:lnTlToBr w="12700" cmpd="sng">
+                      <a:noFill/>
+                      <a:prstDash val="solid"/>
+                    </a:lnTlToBr>
+                    <a:lnBlToTr w="12700" cmpd="sng">
+                      <a:noFill/>
+                      <a:prstDash val="solid"/>
+                    </a:lnBlToTr>
+                    <a:solidFill>
+                      <a:schemeClr val="accent1"/>
+                    </a:solidFill>
+                  </a:tcPr>
+                </a:tc>
+                <a:tc>
+                  <a:txBody>
+                    <a:bodyPr/>
+                    <a:lstStyle/>
+                    <a:p>
+                      <a:pPr algn="ctr"/>
+                      <a:endParaRPr lang="en-US"/>
+                    </a:p>
+                  </a:txBody>
+                  <a:tcPr>
+                    <a:lnL>
+                      <a:noFill/>
+                    </a:lnL>
+                  </a:tcPr>
+                </a:tc>
+                <a:tc>
+                  <a:txBody>
+                    <a:bodyPr/>
+                    <a:lstStyle/>
+                    <a:p>
+                      <a:pPr algn="ctr"/>
+                      <a:endParaRPr lang="en-US" dirty="0"/>
+                    </a:p>
+                  </a:txBody>
+                  <a:tcPr/>
+                </a:tc>
+                <a:tc>
+                  <a:txBody>
+                    <a:bodyPr/>
+                    <a:lstStyle/>
+                    <a:p>
+                      <a:pPr algn="ctr"/>
+                      <a:r>
+                        <a:rPr lang="en-US" dirty="0"/>
+                        <a:t>1</a:t>
+                      </a:r>
+                    </a:p>
+                  </a:txBody>
+                  <a:tcPr/>
+                </a:tc>
+                <a:tc>
+                  <a:txBody>
+                    <a:bodyPr/>
+                    <a:lstStyle/>
+                    <a:p>
+                      <a:pPr algn="ctr"/>
+                      <a:endParaRPr lang="en-US" dirty="0"/>
+                    </a:p>
+                  </a:txBody>
+                  <a:tcPr/>
+                </a:tc>
+                <a:tc>
+                  <a:txBody>
+                    <a:bodyPr/>
+                    <a:lstStyle/>
+                    <a:p>
+                      <a:pPr algn="ctr"/>
+                      <a:endParaRPr lang="en-US" dirty="0"/>
+                    </a:p>
+                  </a:txBody>
+                  <a:tcPr/>
+                </a:tc>
+                <a:extLst>
+                  <a:ext uri="{0D108BD9-81ED-4DB2-BD59-A6C34878D82A}">
+                    <a16:rowId xmlns:a16="http://schemas.microsoft.com/office/drawing/2014/main" val="2259620122"/>
+                  </a:ext>
+                </a:extLst>
+              </a:tr>
+              <a:tr h="370840">
+                <a:tc>
+                  <a:txBody>
+                    <a:bodyPr/>
+                    <a:lstStyle/>
+                    <a:p>
+                      <a:pPr algn="ctr"/>
+                      <a:r>
+                        <a:rPr lang="en-US" b="1" dirty="0">
+                          <a:solidFill>
+                            <a:schemeClr val="bg1"/>
+                          </a:solidFill>
+                        </a:rPr>
+                        <a:t>Closeness</a:t>
+                      </a:r>
+                    </a:p>
+                  </a:txBody>
+                  <a:tcPr>
+                    <a:lnL w="12700" cmpd="sng">
+                      <a:noFill/>
+                    </a:lnL>
+                    <a:lnR>
+                      <a:noFill/>
+                    </a:lnR>
+                    <a:lnT w="12700" cmpd="sng">
+                      <a:noFill/>
+                    </a:lnT>
+                    <a:lnB w="12700" cmpd="sng">
+                      <a:noFill/>
+                    </a:lnB>
+                    <a:lnTlToBr w="12700" cmpd="sng">
+                      <a:noFill/>
+                      <a:prstDash val="solid"/>
+                    </a:lnTlToBr>
+                    <a:lnBlToTr w="12700" cmpd="sng">
+                      <a:noFill/>
+                      <a:prstDash val="solid"/>
+                    </a:lnBlToTr>
+                    <a:solidFill>
+                      <a:schemeClr val="accent1"/>
+                    </a:solidFill>
+                  </a:tcPr>
+                </a:tc>
+                <a:tc>
+                  <a:txBody>
+                    <a:bodyPr/>
+                    <a:lstStyle/>
+                    <a:p>
+                      <a:pPr algn="ctr"/>
+                      <a:endParaRPr lang="en-US"/>
+                    </a:p>
+                  </a:txBody>
+                  <a:tcPr>
+                    <a:lnL>
+                      <a:noFill/>
+                    </a:lnL>
+                  </a:tcPr>
+                </a:tc>
+                <a:tc>
+                  <a:txBody>
+                    <a:bodyPr/>
+                    <a:lstStyle/>
+                    <a:p>
+                      <a:pPr algn="ctr"/>
+                      <a:endParaRPr lang="en-US"/>
+                    </a:p>
+                  </a:txBody>
+                  <a:tcPr/>
+                </a:tc>
+                <a:tc>
+                  <a:txBody>
+                    <a:bodyPr/>
+                    <a:lstStyle/>
+                    <a:p>
+                      <a:pPr algn="ctr"/>
+                      <a:endParaRPr lang="en-US" dirty="0"/>
+                    </a:p>
+                  </a:txBody>
+                  <a:tcPr/>
+                </a:tc>
+                <a:tc>
+                  <a:txBody>
+                    <a:bodyPr/>
+                    <a:lstStyle/>
+                    <a:p>
+                      <a:pPr algn="ctr"/>
+                      <a:r>
+                        <a:rPr lang="en-US" dirty="0"/>
+                        <a:t>1</a:t>
+                      </a:r>
+                    </a:p>
+                  </a:txBody>
+                  <a:tcPr/>
+                </a:tc>
+                <a:tc>
+                  <a:txBody>
+                    <a:bodyPr/>
+                    <a:lstStyle/>
+                    <a:p>
+                      <a:pPr algn="ctr"/>
+                      <a:endParaRPr lang="en-US" dirty="0"/>
+                    </a:p>
+                  </a:txBody>
+                  <a:tcPr/>
+                </a:tc>
+                <a:extLst>
+                  <a:ext uri="{0D108BD9-81ED-4DB2-BD59-A6C34878D82A}">
+                    <a16:rowId xmlns:a16="http://schemas.microsoft.com/office/drawing/2014/main" val="677023775"/>
+                  </a:ext>
+                </a:extLst>
+              </a:tr>
+              <a:tr h="370840">
+                <a:tc>
+                  <a:txBody>
+                    <a:bodyPr/>
+                    <a:lstStyle/>
+                    <a:p>
+                      <a:pPr algn="ctr"/>
+                      <a:r>
+                        <a:rPr lang="en-US" b="1" dirty="0">
+                          <a:solidFill>
+                            <a:schemeClr val="bg1"/>
+                          </a:solidFill>
+                        </a:rPr>
+                        <a:t>Degree</a:t>
+                      </a:r>
+                    </a:p>
+                  </a:txBody>
+                  <a:tcPr>
+                    <a:lnL w="12700" cmpd="sng">
+                      <a:noFill/>
+                    </a:lnL>
+                    <a:lnR>
+                      <a:noFill/>
+                    </a:lnR>
+                    <a:lnT w="12700" cmpd="sng">
+                      <a:noFill/>
+                    </a:lnT>
+                    <a:lnB w="12700" cmpd="sng">
+                      <a:noFill/>
+                    </a:lnB>
+                    <a:lnTlToBr w="12700" cmpd="sng">
+                      <a:noFill/>
+                      <a:prstDash val="solid"/>
+                    </a:lnTlToBr>
+                    <a:lnBlToTr w="12700" cmpd="sng">
+                      <a:noFill/>
+                      <a:prstDash val="solid"/>
+                    </a:lnBlToTr>
+                    <a:solidFill>
+                      <a:schemeClr val="accent1"/>
+                    </a:solidFill>
+                  </a:tcPr>
+                </a:tc>
+                <a:tc>
+                  <a:txBody>
+                    <a:bodyPr/>
+                    <a:lstStyle/>
+                    <a:p>
+                      <a:pPr algn="ctr"/>
+                      <a:endParaRPr lang="en-US"/>
+                    </a:p>
+                  </a:txBody>
+                  <a:tcPr>
+                    <a:lnL>
+                      <a:noFill/>
+                    </a:lnL>
+                  </a:tcPr>
+                </a:tc>
+                <a:tc>
+                  <a:txBody>
+                    <a:bodyPr/>
+                    <a:lstStyle/>
+                    <a:p>
+                      <a:pPr algn="ctr"/>
+                      <a:endParaRPr lang="en-US"/>
+                    </a:p>
+                  </a:txBody>
+                  <a:tcPr/>
+                </a:tc>
+                <a:tc>
+                  <a:txBody>
+                    <a:bodyPr/>
+                    <a:lstStyle/>
+                    <a:p>
+                      <a:pPr algn="ctr"/>
+                      <a:endParaRPr lang="en-US"/>
+                    </a:p>
+                  </a:txBody>
+                  <a:tcPr/>
+                </a:tc>
+                <a:tc>
+                  <a:txBody>
+                    <a:bodyPr/>
+                    <a:lstStyle/>
+                    <a:p>
+                      <a:pPr algn="ctr"/>
+                      <a:endParaRPr lang="en-US" dirty="0"/>
+                    </a:p>
+                  </a:txBody>
+                  <a:tcPr/>
+                </a:tc>
+                <a:tc>
+                  <a:txBody>
+                    <a:bodyPr/>
+                    <a:lstStyle/>
+                    <a:p>
+                      <a:pPr algn="ctr"/>
+                      <a:r>
+                        <a:rPr lang="en-US" dirty="0"/>
+                        <a:t>1</a:t>
+                      </a:r>
+                    </a:p>
+                  </a:txBody>
+                  <a:tcPr/>
+                </a:tc>
+                <a:extLst>
+                  <a:ext uri="{0D108BD9-81ED-4DB2-BD59-A6C34878D82A}">
+                    <a16:rowId xmlns:a16="http://schemas.microsoft.com/office/drawing/2014/main" val="1905588825"/>
+                  </a:ext>
+                </a:extLst>
+              </a:tr>
+            </a:tbl>
+          </a:graphicData>
+        </a:graphic>
+      </p:graphicFrame>
+      <p:sp>
+        <p:nvSpPr>
+          <p:cNvPr id="5" name="TextBox 4"/>
+          <p:cNvSpPr txBox="1"/>
+          <p:nvPr/>
+        </p:nvSpPr>
+        <p:spPr>
+          <a:xfrm>
+            <a:off x="5496232" y="5594555"/>
+            <a:ext cx="4694249" cy="369332"/>
+          </a:xfrm>
+          <a:prstGeom prst="rect">
+            <a:avLst/>
+          </a:prstGeom>
+          <a:noFill/>
+        </p:spPr>
+        <p:txBody>
+          <a:bodyPr wrap="square" rtlCol="0">
+            <a:spAutoFit/>
+          </a:bodyPr>
+          <a:lstStyle/>
+          <a:p>
+            <a:pPr algn="r"/>
+            <a:r>
+              <a:rPr lang="en-US" dirty="0"/>
+              <a:t>Values are significant at the 0.01 level (2-tailed).</a:t>
+            </a:r>
           </a:p>
         </p:txBody>
       </p:sp>
     </p:spTree>
     <p:extLst>
       <p:ext uri="{BB962C8B-B14F-4D97-AF65-F5344CB8AC3E}">
-        <p14:creationId xmlns:p14="http://schemas.microsoft.com/office/powerpoint/2010/main" val="3340033311"/>
+        <p14:creationId xmlns:p14="http://schemas.microsoft.com/office/powerpoint/2010/main" val="1866251307"/>
       </p:ext>
     </p:extLst>
   </p:cSld>
@@ -5849,7 +6718,7 @@
           <a:p>
             <a:r>
               <a:rPr lang="en-US" dirty="0"/>
-              <a:t>Conclusion</a:t>
+              <a:t>Logistical Regression Results</a:t>
             </a:r>
           </a:p>
         </p:txBody>
@@ -5869,7 +6738,488 @@
           <a:bodyPr/>
           <a:lstStyle/>
           <a:p>
-            <a:endParaRPr lang="en-US"/>
+            <a:r>
+              <a:rPr lang="en-US" dirty="0"/>
+              <a:t>Performed 100 times on the data.</a:t>
+            </a:r>
+          </a:p>
+          <a:p>
+            <a:r>
+              <a:rPr lang="en-US" dirty="0"/>
+              <a:t>Each time, 66% of the graph was placed in a training set and 44% was placed in a test set. </a:t>
+            </a:r>
+          </a:p>
+        </p:txBody>
+      </p:sp>
+      <p:graphicFrame>
+        <p:nvGraphicFramePr>
+          <p:cNvPr id="4" name="Table 3"/>
+          <p:cNvGraphicFramePr>
+            <a:graphicFrameLocks noGrp="1"/>
+          </p:cNvGraphicFramePr>
+          <p:nvPr>
+            <p:extLst>
+              <p:ext uri="{D42A27DB-BD31-4B8C-83A1-F6EECF244321}">
+                <p14:modId xmlns:p14="http://schemas.microsoft.com/office/powerpoint/2010/main" val="2212549281"/>
+              </p:ext>
+            </p:extLst>
+          </p:nvPr>
+        </p:nvGraphicFramePr>
+        <p:xfrm>
+          <a:off x="2062480" y="3857414"/>
+          <a:ext cx="8127999" cy="1483360"/>
+        </p:xfrm>
+        <a:graphic>
+          <a:graphicData uri="http://schemas.openxmlformats.org/drawingml/2006/table">
+            <a:tbl>
+              <a:tblPr firstRow="1" bandRow="1">
+                <a:tableStyleId>{5C22544A-7EE6-4342-B048-85BDC9FD1C3A}</a:tableStyleId>
+              </a:tblPr>
+              <a:tblGrid>
+                <a:gridCol w="2709333">
+                  <a:extLst>
+                    <a:ext uri="{9D8B030D-6E8A-4147-A177-3AD203B41FA5}">
+                      <a16:colId xmlns:a16="http://schemas.microsoft.com/office/drawing/2014/main" val="319367461"/>
+                    </a:ext>
+                  </a:extLst>
+                </a:gridCol>
+                <a:gridCol w="2709333">
+                  <a:extLst>
+                    <a:ext uri="{9D8B030D-6E8A-4147-A177-3AD203B41FA5}">
+                      <a16:colId xmlns:a16="http://schemas.microsoft.com/office/drawing/2014/main" val="1169438278"/>
+                    </a:ext>
+                  </a:extLst>
+                </a:gridCol>
+                <a:gridCol w="2709333">
+                  <a:extLst>
+                    <a:ext uri="{9D8B030D-6E8A-4147-A177-3AD203B41FA5}">
+                      <a16:colId xmlns:a16="http://schemas.microsoft.com/office/drawing/2014/main" val="863087891"/>
+                    </a:ext>
+                  </a:extLst>
+                </a:gridCol>
+              </a:tblGrid>
+              <a:tr h="370840">
+                <a:tc>
+                  <a:txBody>
+                    <a:bodyPr/>
+                    <a:lstStyle/>
+                    <a:p>
+                      <a:endParaRPr lang="en-US" dirty="0"/>
+                    </a:p>
+                  </a:txBody>
+                  <a:tcPr>
+                    <a:lnL w="12700" cmpd="sng">
+                      <a:noFill/>
+                    </a:lnL>
+                    <a:lnR w="12700" cmpd="sng">
+                      <a:noFill/>
+                    </a:lnR>
+                    <a:lnT w="12700" cmpd="sng">
+                      <a:noFill/>
+                    </a:lnT>
+                    <a:lnB w="38100" cmpd="sng">
+                      <a:noFill/>
+                    </a:lnB>
+                    <a:lnTlToBr w="12700" cmpd="sng">
+                      <a:noFill/>
+                      <a:prstDash val="solid"/>
+                    </a:lnTlToBr>
+                    <a:lnBlToTr w="12700" cmpd="sng">
+                      <a:noFill/>
+                      <a:prstDash val="solid"/>
+                    </a:lnBlToTr>
+                    <a:solidFill>
+                      <a:schemeClr val="bg1"/>
+                    </a:solidFill>
+                  </a:tcPr>
+                </a:tc>
+                <a:tc>
+                  <a:txBody>
+                    <a:bodyPr/>
+                    <a:lstStyle/>
+                    <a:p>
+                      <a:pPr algn="ctr"/>
+                      <a:r>
+                        <a:rPr lang="en-US" dirty="0"/>
+                        <a:t>Precision</a:t>
+                      </a:r>
+                    </a:p>
+                  </a:txBody>
+                  <a:tcPr>
+                    <a:lnL w="12700" cmpd="sng">
+                      <a:noFill/>
+                    </a:lnL>
+                  </a:tcPr>
+                </a:tc>
+                <a:tc>
+                  <a:txBody>
+                    <a:bodyPr/>
+                    <a:lstStyle/>
+                    <a:p>
+                      <a:pPr algn="ctr"/>
+                      <a:r>
+                        <a:rPr lang="en-US" dirty="0"/>
+                        <a:t>Recall</a:t>
+                      </a:r>
+                    </a:p>
+                  </a:txBody>
+                  <a:tcPr/>
+                </a:tc>
+                <a:extLst>
+                  <a:ext uri="{0D108BD9-81ED-4DB2-BD59-A6C34878D82A}">
+                    <a16:rowId xmlns:a16="http://schemas.microsoft.com/office/drawing/2014/main" val="647352893"/>
+                  </a:ext>
+                </a:extLst>
+              </a:tr>
+              <a:tr h="370840">
+                <a:tc>
+                  <a:txBody>
+                    <a:bodyPr/>
+                    <a:lstStyle/>
+                    <a:p>
+                      <a:pPr algn="r"/>
+                      <a:r>
+                        <a:rPr lang="en-US" b="1" dirty="0">
+                          <a:solidFill>
+                            <a:schemeClr val="bg1"/>
+                          </a:solidFill>
+                        </a:rPr>
+                        <a:t>Average</a:t>
+                      </a:r>
+                      <a:r>
+                        <a:rPr lang="en-US" b="1" baseline="0" dirty="0">
+                          <a:solidFill>
+                            <a:schemeClr val="bg1"/>
+                          </a:solidFill>
+                        </a:rPr>
+                        <a:t> (Mean)</a:t>
+                      </a:r>
+                      <a:endParaRPr lang="en-US" b="1" dirty="0">
+                        <a:solidFill>
+                          <a:schemeClr val="bg1"/>
+                        </a:solidFill>
+                      </a:endParaRPr>
+                    </a:p>
+                  </a:txBody>
+                  <a:tcPr>
+                    <a:lnT w="38100" cmpd="sng">
+                      <a:noFill/>
+                    </a:lnT>
+                    <a:solidFill>
+                      <a:schemeClr val="accent1"/>
+                    </a:solidFill>
+                  </a:tcPr>
+                </a:tc>
+                <a:tc>
+                  <a:txBody>
+                    <a:bodyPr/>
+                    <a:lstStyle/>
+                    <a:p>
+                      <a:endParaRPr lang="en-US" dirty="0"/>
+                    </a:p>
+                  </a:txBody>
+                  <a:tcPr/>
+                </a:tc>
+                <a:tc>
+                  <a:txBody>
+                    <a:bodyPr/>
+                    <a:lstStyle/>
+                    <a:p>
+                      <a:endParaRPr lang="en-US" dirty="0"/>
+                    </a:p>
+                  </a:txBody>
+                  <a:tcPr/>
+                </a:tc>
+                <a:extLst>
+                  <a:ext uri="{0D108BD9-81ED-4DB2-BD59-A6C34878D82A}">
+                    <a16:rowId xmlns:a16="http://schemas.microsoft.com/office/drawing/2014/main" val="2524732511"/>
+                  </a:ext>
+                </a:extLst>
+              </a:tr>
+              <a:tr h="370840">
+                <a:tc>
+                  <a:txBody>
+                    <a:bodyPr/>
+                    <a:lstStyle/>
+                    <a:p>
+                      <a:pPr algn="r"/>
+                      <a:r>
+                        <a:rPr lang="en-US" b="1" dirty="0">
+                          <a:solidFill>
+                            <a:schemeClr val="bg1"/>
+                          </a:solidFill>
+                        </a:rPr>
+                        <a:t>Median</a:t>
+                      </a:r>
+                    </a:p>
+                  </a:txBody>
+                  <a:tcPr>
+                    <a:solidFill>
+                      <a:schemeClr val="accent1"/>
+                    </a:solidFill>
+                  </a:tcPr>
+                </a:tc>
+                <a:tc>
+                  <a:txBody>
+                    <a:bodyPr/>
+                    <a:lstStyle/>
+                    <a:p>
+                      <a:endParaRPr lang="en-US" dirty="0"/>
+                    </a:p>
+                  </a:txBody>
+                  <a:tcPr/>
+                </a:tc>
+                <a:tc>
+                  <a:txBody>
+                    <a:bodyPr/>
+                    <a:lstStyle/>
+                    <a:p>
+                      <a:endParaRPr lang="en-US"/>
+                    </a:p>
+                  </a:txBody>
+                  <a:tcPr/>
+                </a:tc>
+                <a:extLst>
+                  <a:ext uri="{0D108BD9-81ED-4DB2-BD59-A6C34878D82A}">
+                    <a16:rowId xmlns:a16="http://schemas.microsoft.com/office/drawing/2014/main" val="2768752752"/>
+                  </a:ext>
+                </a:extLst>
+              </a:tr>
+              <a:tr h="370840">
+                <a:tc>
+                  <a:txBody>
+                    <a:bodyPr/>
+                    <a:lstStyle/>
+                    <a:p>
+                      <a:pPr algn="r"/>
+                      <a:r>
+                        <a:rPr lang="en-US" b="1" dirty="0">
+                          <a:solidFill>
+                            <a:schemeClr val="bg1"/>
+                          </a:solidFill>
+                        </a:rPr>
+                        <a:t>Standard Deviation</a:t>
+                      </a:r>
+                    </a:p>
+                  </a:txBody>
+                  <a:tcPr>
+                    <a:solidFill>
+                      <a:schemeClr val="accent1"/>
+                    </a:solidFill>
+                  </a:tcPr>
+                </a:tc>
+                <a:tc>
+                  <a:txBody>
+                    <a:bodyPr/>
+                    <a:lstStyle/>
+                    <a:p>
+                      <a:endParaRPr lang="en-US"/>
+                    </a:p>
+                  </a:txBody>
+                  <a:tcPr/>
+                </a:tc>
+                <a:tc>
+                  <a:txBody>
+                    <a:bodyPr/>
+                    <a:lstStyle/>
+                    <a:p>
+                      <a:endParaRPr lang="en-US" dirty="0"/>
+                    </a:p>
+                  </a:txBody>
+                  <a:tcPr/>
+                </a:tc>
+                <a:extLst>
+                  <a:ext uri="{0D108BD9-81ED-4DB2-BD59-A6C34878D82A}">
+                    <a16:rowId xmlns:a16="http://schemas.microsoft.com/office/drawing/2014/main" val="1933214928"/>
+                  </a:ext>
+                </a:extLst>
+              </a:tr>
+            </a:tbl>
+          </a:graphicData>
+        </a:graphic>
+      </p:graphicFrame>
+    </p:spTree>
+    <p:extLst>
+      <p:ext uri="{BB962C8B-B14F-4D97-AF65-F5344CB8AC3E}">
+        <p14:creationId xmlns:p14="http://schemas.microsoft.com/office/powerpoint/2010/main" val="3340033311"/>
+      </p:ext>
+    </p:extLst>
+  </p:cSld>
+  <p:clrMapOvr>
+    <a:masterClrMapping/>
+  </p:clrMapOvr>
+</p:sld>
+</file>
+
+<file path=ppt/slides/slide17.xml><?xml version="1.0" encoding="utf-8"?>
+<p:sld xmlns:a="http://schemas.openxmlformats.org/drawingml/2006/main" xmlns:r="http://schemas.openxmlformats.org/officeDocument/2006/relationships" xmlns:p="http://schemas.openxmlformats.org/presentationml/2006/main">
+  <p:cSld>
+    <p:spTree>
+      <p:nvGrpSpPr>
+        <p:cNvPr id="1" name=""/>
+        <p:cNvGrpSpPr/>
+        <p:nvPr/>
+      </p:nvGrpSpPr>
+      <p:grpSpPr>
+        <a:xfrm>
+          <a:off x="0" y="0"/>
+          <a:ext cx="0" cy="0"/>
+          <a:chOff x="0" y="0"/>
+          <a:chExt cx="0" cy="0"/>
+        </a:xfrm>
+      </p:grpSpPr>
+      <p:sp>
+        <p:nvSpPr>
+          <p:cNvPr id="2" name="Title 1"/>
+          <p:cNvSpPr>
+            <a:spLocks noGrp="1"/>
+          </p:cNvSpPr>
+          <p:nvPr>
+            <p:ph type="title"/>
+          </p:nvPr>
+        </p:nvSpPr>
+        <p:spPr/>
+        <p:txBody>
+          <a:bodyPr/>
+          <a:lstStyle/>
+          <a:p>
+            <a:r>
+              <a:rPr lang="en-US" dirty="0"/>
+              <a:t>Logistical Regression Results</a:t>
+            </a:r>
+          </a:p>
+        </p:txBody>
+      </p:sp>
+      <p:sp>
+        <p:nvSpPr>
+          <p:cNvPr id="3" name="Content Placeholder 2"/>
+          <p:cNvSpPr>
+            <a:spLocks noGrp="1"/>
+          </p:cNvSpPr>
+          <p:nvPr>
+            <p:ph idx="1"/>
+          </p:nvPr>
+        </p:nvSpPr>
+        <p:spPr/>
+        <p:txBody>
+          <a:bodyPr/>
+          <a:lstStyle/>
+          <a:p>
+            <a:endParaRPr lang="en-US" dirty="0"/>
+          </a:p>
+        </p:txBody>
+      </p:sp>
+    </p:spTree>
+    <p:extLst>
+      <p:ext uri="{BB962C8B-B14F-4D97-AF65-F5344CB8AC3E}">
+        <p14:creationId xmlns:p14="http://schemas.microsoft.com/office/powerpoint/2010/main" val="2319084904"/>
+      </p:ext>
+    </p:extLst>
+  </p:cSld>
+  <p:clrMapOvr>
+    <a:masterClrMapping/>
+  </p:clrMapOvr>
+</p:sld>
+</file>
+
+<file path=ppt/slides/slide18.xml><?xml version="1.0" encoding="utf-8"?>
+<p:sld xmlns:a="http://schemas.openxmlformats.org/drawingml/2006/main" xmlns:r="http://schemas.openxmlformats.org/officeDocument/2006/relationships" xmlns:p="http://schemas.openxmlformats.org/presentationml/2006/main">
+  <p:cSld>
+    <p:spTree>
+      <p:nvGrpSpPr>
+        <p:cNvPr id="1" name=""/>
+        <p:cNvGrpSpPr/>
+        <p:nvPr/>
+      </p:nvGrpSpPr>
+      <p:grpSpPr>
+        <a:xfrm>
+          <a:off x="0" y="0"/>
+          <a:ext cx="0" cy="0"/>
+          <a:chOff x="0" y="0"/>
+          <a:chExt cx="0" cy="0"/>
+        </a:xfrm>
+      </p:grpSpPr>
+      <p:sp>
+        <p:nvSpPr>
+          <p:cNvPr id="2" name="Title 1"/>
+          <p:cNvSpPr>
+            <a:spLocks noGrp="1"/>
+          </p:cNvSpPr>
+          <p:nvPr>
+            <p:ph type="title"/>
+          </p:nvPr>
+        </p:nvSpPr>
+        <p:spPr/>
+        <p:txBody>
+          <a:bodyPr/>
+          <a:lstStyle/>
+          <a:p>
+            <a:r>
+              <a:rPr lang="en-US" dirty="0"/>
+              <a:t>Conclusion</a:t>
+            </a:r>
+          </a:p>
+        </p:txBody>
+      </p:sp>
+      <p:sp>
+        <p:nvSpPr>
+          <p:cNvPr id="3" name="Content Placeholder 2"/>
+          <p:cNvSpPr>
+            <a:spLocks noGrp="1"/>
+          </p:cNvSpPr>
+          <p:nvPr>
+            <p:ph idx="1"/>
+          </p:nvPr>
+        </p:nvSpPr>
+        <p:spPr/>
+        <p:txBody>
+          <a:bodyPr/>
+          <a:lstStyle/>
+          <a:p>
+            <a:r>
+              <a:rPr lang="en-US" dirty="0"/>
+              <a:t>We show that </a:t>
+            </a:r>
+            <a:r>
+              <a:rPr lang="en-US"/>
+              <a:t>GitHub projects can</a:t>
+            </a:r>
+            <a:endParaRPr lang="en-US" dirty="0"/>
+          </a:p>
+          <a:p>
+            <a:r>
+              <a:rPr lang="en-US" dirty="0"/>
+              <a:t>Lots of future work!</a:t>
+            </a:r>
+          </a:p>
+          <a:p>
+            <a:pPr lvl="1"/>
+            <a:r>
+              <a:rPr lang="en-US" dirty="0"/>
+              <a:t>Use linear regression to predict </a:t>
+            </a:r>
+            <a:r>
+              <a:rPr lang="en-US" b="1" dirty="0"/>
+              <a:t>number</a:t>
+            </a:r>
+            <a:r>
+              <a:rPr lang="en-US" dirty="0"/>
+              <a:t> of bugs.</a:t>
+            </a:r>
+          </a:p>
+          <a:p>
+            <a:pPr lvl="1"/>
+            <a:r>
+              <a:rPr lang="en-US" dirty="0"/>
+              <a:t>Tool improvements.</a:t>
+            </a:r>
+          </a:p>
+          <a:p>
+            <a:pPr lvl="1"/>
+            <a:r>
+              <a:rPr lang="en-US" dirty="0"/>
+              <a:t>Change data source to speed up data mining.</a:t>
+            </a:r>
           </a:p>
         </p:txBody>
       </p:sp>
@@ -5886,7 +7236,7 @@
 </p:sld>
 </file>
 
-<file path=ppt/slides/slide17.xml><?xml version="1.0" encoding="utf-8"?>
+<file path=ppt/slides/slide19.xml><?xml version="1.0" encoding="utf-8"?>
 <p:sld xmlns:a="http://schemas.openxmlformats.org/drawingml/2006/main" xmlns:r="http://schemas.openxmlformats.org/officeDocument/2006/relationships" xmlns:p="http://schemas.openxmlformats.org/presentationml/2006/main">
   <p:cSld>
     <p:spTree>
@@ -6678,6 +8028,102 @@
           <a:p>
             <a:r>
               <a:rPr lang="en-US" dirty="0"/>
+              <a:t>Research Questions</a:t>
+            </a:r>
+          </a:p>
+        </p:txBody>
+      </p:sp>
+      <p:sp>
+        <p:nvSpPr>
+          <p:cNvPr id="3" name="Content Placeholder 2"/>
+          <p:cNvSpPr>
+            <a:spLocks noGrp="1"/>
+          </p:cNvSpPr>
+          <p:nvPr>
+            <p:ph idx="1"/>
+          </p:nvPr>
+        </p:nvSpPr>
+        <p:spPr>
+          <a:xfrm>
+            <a:off x="1097280" y="3854244"/>
+            <a:ext cx="10058400" cy="2014849"/>
+          </a:xfrm>
+        </p:spPr>
+        <p:txBody>
+          <a:bodyPr>
+            <a:normAutofit lnSpcReduction="10000"/>
+          </a:bodyPr>
+          <a:lstStyle/>
+          <a:p>
+            <a:r>
+              <a:rPr lang="en-US" b="1" dirty="0"/>
+              <a:t>RQ1: </a:t>
+            </a:r>
+            <a:r>
+              <a:rPr lang="en-US" i="1" dirty="0"/>
+              <a:t>Is the centrality of a file related to the number of commits and bug fixes in a file?</a:t>
+            </a:r>
+          </a:p>
+          <a:p>
+            <a:r>
+              <a:rPr lang="en-US" b="1" dirty="0"/>
+              <a:t>RQ2: </a:t>
+            </a:r>
+            <a:r>
+              <a:rPr lang="en-US" i="1" dirty="0"/>
+              <a:t>Can centrality be used as a valid predictor for defects?</a:t>
+            </a:r>
+            <a:endParaRPr lang="en-US" b="1" dirty="0"/>
+          </a:p>
+        </p:txBody>
+      </p:sp>
+    </p:spTree>
+    <p:extLst>
+      <p:ext uri="{BB962C8B-B14F-4D97-AF65-F5344CB8AC3E}">
+        <p14:creationId xmlns:p14="http://schemas.microsoft.com/office/powerpoint/2010/main" val="149220707"/>
+      </p:ext>
+    </p:extLst>
+  </p:cSld>
+  <p:clrMapOvr>
+    <a:masterClrMapping/>
+  </p:clrMapOvr>
+</p:sld>
+</file>
+
+<file path=ppt/slides/slide8.xml><?xml version="1.0" encoding="utf-8"?>
+<p:sld xmlns:a="http://schemas.openxmlformats.org/drawingml/2006/main" xmlns:r="http://schemas.openxmlformats.org/officeDocument/2006/relationships" xmlns:p="http://schemas.openxmlformats.org/presentationml/2006/main">
+  <p:cSld>
+    <p:spTree>
+      <p:nvGrpSpPr>
+        <p:cNvPr id="1" name=""/>
+        <p:cNvGrpSpPr/>
+        <p:nvPr/>
+      </p:nvGrpSpPr>
+      <p:grpSpPr>
+        <a:xfrm>
+          <a:off x="0" y="0"/>
+          <a:ext cx="0" cy="0"/>
+          <a:chOff x="0" y="0"/>
+          <a:chExt cx="0" cy="0"/>
+        </a:xfrm>
+      </p:grpSpPr>
+      <p:sp>
+        <p:nvSpPr>
+          <p:cNvPr id="2" name="Title 1"/>
+          <p:cNvSpPr>
+            <a:spLocks noGrp="1"/>
+          </p:cNvSpPr>
+          <p:nvPr>
+            <p:ph type="title"/>
+          </p:nvPr>
+        </p:nvSpPr>
+        <p:spPr/>
+        <p:txBody>
+          <a:bodyPr/>
+          <a:lstStyle/>
+          <a:p>
+            <a:r>
+              <a:rPr lang="en-US" dirty="0"/>
               <a:t>The Boa Project</a:t>
             </a:r>
           </a:p>
@@ -6768,7 +8214,7 @@
 </p:sld>
 </file>
 
-<file path=ppt/slides/slide8.xml><?xml version="1.0" encoding="utf-8"?>
+<file path=ppt/slides/slide9.xml><?xml version="1.0" encoding="utf-8"?>
 <p:sld xmlns:a="http://schemas.openxmlformats.org/drawingml/2006/main" xmlns:r="http://schemas.openxmlformats.org/officeDocument/2006/relationships" xmlns:p="http://schemas.openxmlformats.org/presentationml/2006/main">
   <p:cSld>
     <p:spTree>
@@ -6840,149 +8286,6 @@
     <p:extLst>
       <p:ext uri="{BB962C8B-B14F-4D97-AF65-F5344CB8AC3E}">
         <p14:creationId xmlns:p14="http://schemas.microsoft.com/office/powerpoint/2010/main" val="875459587"/>
-      </p:ext>
-    </p:extLst>
-  </p:cSld>
-  <p:clrMapOvr>
-    <a:masterClrMapping/>
-  </p:clrMapOvr>
-</p:sld>
-</file>
-
-<file path=ppt/slides/slide9.xml><?xml version="1.0" encoding="utf-8"?>
-<p:sld xmlns:a="http://schemas.openxmlformats.org/drawingml/2006/main" xmlns:r="http://schemas.openxmlformats.org/officeDocument/2006/relationships" xmlns:p="http://schemas.openxmlformats.org/presentationml/2006/main">
-  <p:cSld>
-    <p:spTree>
-      <p:nvGrpSpPr>
-        <p:cNvPr id="1" name=""/>
-        <p:cNvGrpSpPr/>
-        <p:nvPr/>
-      </p:nvGrpSpPr>
-      <p:grpSpPr>
-        <a:xfrm>
-          <a:off x="0" y="0"/>
-          <a:ext cx="0" cy="0"/>
-          <a:chOff x="0" y="0"/>
-          <a:chExt cx="0" cy="0"/>
-        </a:xfrm>
-      </p:grpSpPr>
-      <p:sp>
-        <p:nvSpPr>
-          <p:cNvPr id="2" name="Title 1"/>
-          <p:cNvSpPr>
-            <a:spLocks noGrp="1"/>
-          </p:cNvSpPr>
-          <p:nvPr>
-            <p:ph type="title"/>
-          </p:nvPr>
-        </p:nvSpPr>
-        <p:spPr/>
-        <p:txBody>
-          <a:bodyPr/>
-          <a:lstStyle/>
-          <a:p>
-            <a:r>
-              <a:rPr lang="en-US" dirty="0"/>
-              <a:t>Methodology</a:t>
-            </a:r>
-          </a:p>
-        </p:txBody>
-      </p:sp>
-      <p:sp>
-        <p:nvSpPr>
-          <p:cNvPr id="3" name="Content Placeholder 2"/>
-          <p:cNvSpPr>
-            <a:spLocks noGrp="1"/>
-          </p:cNvSpPr>
-          <p:nvPr>
-            <p:ph idx="1"/>
-          </p:nvPr>
-        </p:nvSpPr>
-        <p:spPr/>
-        <p:txBody>
-          <a:bodyPr/>
-          <a:lstStyle/>
-          <a:p>
-            <a:pPr marL="573087" indent="-514350">
-              <a:buFont typeface="+mj-lt"/>
-              <a:buAutoNum type="arabicPeriod"/>
-            </a:pPr>
-            <a:r>
-              <a:rPr lang="en-US" dirty="0"/>
-              <a:t>Determine adequate projects stored in Boa.</a:t>
-            </a:r>
-          </a:p>
-          <a:p>
-            <a:pPr marL="573087" indent="-514350">
-              <a:buFont typeface="+mj-lt"/>
-              <a:buAutoNum type="arabicPeriod"/>
-            </a:pPr>
-            <a:r>
-              <a:rPr lang="en-US" dirty="0"/>
-              <a:t>Pull associated file, user, and commit information for a desired project.</a:t>
-            </a:r>
-          </a:p>
-          <a:p>
-            <a:pPr marL="573087" indent="-514350">
-              <a:buFont typeface="+mj-lt"/>
-              <a:buAutoNum type="arabicPeriod"/>
-            </a:pPr>
-            <a:r>
-              <a:rPr lang="en-US" dirty="0"/>
-              <a:t>Build contribution network from the project data.</a:t>
-            </a:r>
-          </a:p>
-          <a:p>
-            <a:pPr marL="573087" indent="-514350">
-              <a:buFont typeface="+mj-lt"/>
-              <a:buAutoNum type="arabicPeriod"/>
-            </a:pPr>
-            <a:r>
-              <a:rPr lang="en-US" dirty="0"/>
-              <a:t>Compute </a:t>
-            </a:r>
-            <a:r>
-              <a:rPr lang="en-US" dirty="0" err="1"/>
-              <a:t>betweenness</a:t>
-            </a:r>
-            <a:r>
-              <a:rPr lang="en-US" dirty="0"/>
-              <a:t>, closeness, and degree centrality.</a:t>
-            </a:r>
-          </a:p>
-          <a:p>
-            <a:pPr marL="573087" indent="-514350">
-              <a:buFont typeface="+mj-lt"/>
-              <a:buAutoNum type="arabicPeriod"/>
-            </a:pPr>
-            <a:r>
-              <a:rPr lang="en-US" dirty="0"/>
-              <a:t>Run logical regression on the social network and determine </a:t>
-            </a:r>
-            <a:r>
-              <a:rPr lang="en-US" b="1" dirty="0"/>
-              <a:t>precision</a:t>
-            </a:r>
-            <a:r>
-              <a:rPr lang="en-US" dirty="0"/>
-              <a:t> and </a:t>
-            </a:r>
-            <a:r>
-              <a:rPr lang="en-US" b="1" dirty="0"/>
-              <a:t>recall</a:t>
-            </a:r>
-            <a:r>
-              <a:rPr lang="en-US" dirty="0"/>
-              <a:t>.</a:t>
-            </a:r>
-            <a:endParaRPr lang="en-US" b="1" dirty="0"/>
-          </a:p>
-        </p:txBody>
-      </p:sp>
-    </p:spTree>
-    <p:extLst>
-      <p:ext uri="{BB962C8B-B14F-4D97-AF65-F5344CB8AC3E}">
-        <p14:creationId xmlns:p14="http://schemas.microsoft.com/office/powerpoint/2010/main" val="486631603"/>
       </p:ext>
     </p:extLst>
   </p:cSld>

--- a/Final-Presentation/Presentation.pptx
+++ b/Final-Presentation/Presentation.pptx
@@ -136,11 +136,11 @@
             <p14:sldId id="266"/>
             <p14:sldId id="264"/>
             <p14:sldId id="267"/>
+            <p14:sldId id="262"/>
           </p14:sldIdLst>
         </p14:section>
         <p14:section name="Methodology" id="{04ADD487-94DA-47EC-AF72-3116CF1CA6D9}">
           <p14:sldIdLst>
-            <p14:sldId id="262"/>
             <p14:sldId id="276"/>
             <p14:sldId id="257"/>
             <p14:sldId id="259"/>
@@ -397,7 +397,7 @@
           <a:p>
             <a:fld id="{CA586F88-EEB5-4979-9532-C99075E35C56}" type="datetimeFigureOut">
               <a:rPr lang="en-US" smtClean="0"/>
-              <a:t>3/25/2016</a:t>
+              <a:t>3/27/2016</a:t>
             </a:fld>
             <a:endParaRPr lang="en-US"/>
           </a:p>
@@ -571,7 +571,7 @@
           <a:p>
             <a:fld id="{CA586F88-EEB5-4979-9532-C99075E35C56}" type="datetimeFigureOut">
               <a:rPr lang="en-US" smtClean="0"/>
-              <a:t>3/25/2016</a:t>
+              <a:t>3/27/2016</a:t>
             </a:fld>
             <a:endParaRPr lang="en-US"/>
           </a:p>
@@ -827,7 +827,7 @@
           <a:p>
             <a:fld id="{CA586F88-EEB5-4979-9532-C99075E35C56}" type="datetimeFigureOut">
               <a:rPr lang="en-US" smtClean="0"/>
-              <a:t>3/25/2016</a:t>
+              <a:t>3/27/2016</a:t>
             </a:fld>
             <a:endParaRPr lang="en-US"/>
           </a:p>
@@ -1004,7 +1004,7 @@
           <a:p>
             <a:fld id="{CA586F88-EEB5-4979-9532-C99075E35C56}" type="datetimeFigureOut">
               <a:rPr lang="en-US" smtClean="0"/>
-              <a:t>3/25/2016</a:t>
+              <a:t>3/27/2016</a:t>
             </a:fld>
             <a:endParaRPr lang="en-US"/>
           </a:p>
@@ -1347,7 +1347,7 @@
           <a:p>
             <a:fld id="{CA586F88-EEB5-4979-9532-C99075E35C56}" type="datetimeFigureOut">
               <a:rPr lang="en-US" smtClean="0"/>
-              <a:t>3/25/2016</a:t>
+              <a:t>3/27/2016</a:t>
             </a:fld>
             <a:endParaRPr lang="en-US"/>
           </a:p>
@@ -1622,7 +1622,7 @@
           <a:p>
             <a:fld id="{CA586F88-EEB5-4979-9532-C99075E35C56}" type="datetimeFigureOut">
               <a:rPr lang="en-US" smtClean="0"/>
-              <a:t>3/25/2016</a:t>
+              <a:t>3/27/2016</a:t>
             </a:fld>
             <a:endParaRPr lang="en-US"/>
           </a:p>
@@ -2001,7 +2001,7 @@
           <a:p>
             <a:fld id="{CA586F88-EEB5-4979-9532-C99075E35C56}" type="datetimeFigureOut">
               <a:rPr lang="en-US" smtClean="0"/>
-              <a:t>3/25/2016</a:t>
+              <a:t>3/27/2016</a:t>
             </a:fld>
             <a:endParaRPr lang="en-US"/>
           </a:p>
@@ -2119,7 +2119,7 @@
           <a:p>
             <a:fld id="{CA586F88-EEB5-4979-9532-C99075E35C56}" type="datetimeFigureOut">
               <a:rPr lang="en-US" smtClean="0"/>
-              <a:t>3/25/2016</a:t>
+              <a:t>3/27/2016</a:t>
             </a:fld>
             <a:endParaRPr lang="en-US"/>
           </a:p>
@@ -2290,7 +2290,7 @@
           <a:p>
             <a:fld id="{CA586F88-EEB5-4979-9532-C99075E35C56}" type="datetimeFigureOut">
               <a:rPr lang="en-US" smtClean="0"/>
-              <a:t>3/25/2016</a:t>
+              <a:t>3/27/2016</a:t>
             </a:fld>
             <a:endParaRPr lang="en-US"/>
           </a:p>
@@ -2644,7 +2644,7 @@
           <a:p>
             <a:fld id="{CA586F88-EEB5-4979-9532-C99075E35C56}" type="datetimeFigureOut">
               <a:rPr lang="en-US" smtClean="0"/>
-              <a:t>3/25/2016</a:t>
+              <a:t>3/27/2016</a:t>
             </a:fld>
             <a:endParaRPr lang="en-US"/>
           </a:p>
@@ -3026,7 +3026,7 @@
           <a:p>
             <a:fld id="{CA586F88-EEB5-4979-9532-C99075E35C56}" type="datetimeFigureOut">
               <a:rPr lang="en-US" smtClean="0"/>
-              <a:t>3/25/2016</a:t>
+              <a:t>3/27/2016</a:t>
             </a:fld>
             <a:endParaRPr lang="en-US"/>
           </a:p>
@@ -3312,7 +3312,7 @@
           <a:p>
             <a:fld id="{CA586F88-EEB5-4979-9532-C99075E35C56}" type="datetimeFigureOut">
               <a:rPr lang="en-US" smtClean="0"/>
-              <a:t>3/25/2016</a:t>
+              <a:t>3/27/2016</a:t>
             </a:fld>
             <a:endParaRPr lang="en-US"/>
           </a:p>
@@ -5398,8 +5398,13 @@
           <a:p>
             <a:r>
               <a:rPr lang="en-US" dirty="0"/>
-              <a:t>We performed our methodology on 15 different GitHub projects.</a:t>
-            </a:r>
+              <a:t>We performed our methodology on 15 different </a:t>
+            </a:r>
+            <a:r>
+              <a:rPr lang="en-US"/>
+              <a:t>GitHub projects.</a:t>
+            </a:r>
+            <a:endParaRPr lang="en-US" dirty="0"/>
           </a:p>
           <a:p>
             <a:pPr marL="58737" indent="0">
@@ -5433,7 +5438,7 @@
           <p:nvPr>
             <p:extLst>
               <p:ext uri="{D42A27DB-BD31-4B8C-83A1-F6EECF244321}">
-                <p14:modId xmlns:p14="http://schemas.microsoft.com/office/powerpoint/2010/main" val="1872906644"/>
+                <p14:modId xmlns:p14="http://schemas.microsoft.com/office/powerpoint/2010/main" val="104669928"/>
               </p:ext>
             </p:extLst>
           </p:nvPr>
@@ -5534,7 +5539,7 @@
                       <a:pPr algn="ctr"/>
                       <a:r>
                         <a:rPr lang="en-US" dirty="0"/>
-                        <a:t>614</a:t>
+                        <a:t>353</a:t>
                       </a:r>
                     </a:p>
                   </a:txBody>
@@ -5548,7 +5553,7 @@
                       <a:pPr algn="ctr"/>
                       <a:r>
                         <a:rPr lang="en-US" dirty="0"/>
-                        <a:t>255</a:t>
+                        <a:t>102</a:t>
                       </a:r>
                     </a:p>
                   </a:txBody>
@@ -8045,8 +8050,8 @@
         </p:nvSpPr>
         <p:spPr>
           <a:xfrm>
-            <a:off x="1097280" y="3854244"/>
-            <a:ext cx="10058400" cy="2014849"/>
+            <a:off x="1097280" y="2625212"/>
+            <a:ext cx="10058400" cy="2526892"/>
           </a:xfrm>
         </p:spPr>
         <p:txBody>
@@ -8063,6 +8068,12 @@
               <a:rPr lang="en-US" i="1" dirty="0"/>
               <a:t>Is the centrality of a file related to the number of commits and bug fixes in a file?</a:t>
             </a:r>
+          </a:p>
+          <a:p>
+            <a:pPr marL="58737" indent="0">
+              <a:buNone/>
+            </a:pPr>
+            <a:endParaRPr lang="en-US" i="1" dirty="0"/>
           </a:p>
           <a:p>
             <a:r>

--- a/Final-Presentation/Presentation.pptx
+++ b/Final-Presentation/Presentation.pptx
@@ -4,6 +4,9 @@
   <p:sldMasterIdLst>
     <p:sldMasterId id="2147483696" r:id="rId1"/>
   </p:sldMasterIdLst>
+  <p:notesMasterIdLst>
+    <p:notesMasterId r:id="rId22"/>
+  </p:notesMasterIdLst>
   <p:sldIdLst>
     <p:sldId id="256" r:id="rId2"/>
     <p:sldId id="258" r:id="rId3"/>
@@ -20,10 +23,11 @@
     <p:sldId id="270" r:id="rId14"/>
     <p:sldId id="273" r:id="rId15"/>
     <p:sldId id="274" r:id="rId16"/>
-    <p:sldId id="275" r:id="rId17"/>
-    <p:sldId id="277" r:id="rId18"/>
-    <p:sldId id="272" r:id="rId19"/>
-    <p:sldId id="265" r:id="rId20"/>
+    <p:sldId id="278" r:id="rId17"/>
+    <p:sldId id="275" r:id="rId18"/>
+    <p:sldId id="277" r:id="rId19"/>
+    <p:sldId id="272" r:id="rId20"/>
+    <p:sldId id="265" r:id="rId21"/>
   </p:sldIdLst>
   <p:sldSz cx="12192000" cy="6858000"/>
   <p:notesSz cx="6858000" cy="9144000"/>
@@ -154,6 +158,7 @@
           <p14:sldIdLst>
             <p14:sldId id="273"/>
             <p14:sldId id="274"/>
+            <p14:sldId id="278"/>
             <p14:sldId id="275"/>
             <p14:sldId id="277"/>
           </p14:sldIdLst>
@@ -171,6 +176,2758 @@
     </p:ext>
   </p:extLst>
 </p:presentation>
+</file>
+
+<file path=ppt/charts/chart1.xml><?xml version="1.0" encoding="utf-8"?>
+<c:chartSpace xmlns:c="http://schemas.openxmlformats.org/drawingml/2006/chart" xmlns:a="http://schemas.openxmlformats.org/drawingml/2006/main" xmlns:r="http://schemas.openxmlformats.org/officeDocument/2006/relationships" xmlns:c16r2="http://schemas.microsoft.com/office/drawing/2015/06/chart">
+  <c:date1904 val="0"/>
+  <c:lang val="en-US"/>
+  <c:roundedCorners val="0"/>
+  <mc:AlternateContent xmlns:mc="http://schemas.openxmlformats.org/markup-compatibility/2006">
+    <mc:Choice xmlns:c14="http://schemas.microsoft.com/office/drawing/2007/8/2/chart" Requires="c14">
+      <c14:style val="102"/>
+    </mc:Choice>
+    <mc:Fallback>
+      <c:style val="2"/>
+    </mc:Fallback>
+  </mc:AlternateContent>
+  <c:chart>
+    <c:title>
+      <c:tx>
+        <c:rich>
+          <a:bodyPr rot="0" spcFirstLastPara="1" vertOverflow="ellipsis" vert="horz" wrap="square" anchor="ctr" anchorCtr="1"/>
+          <a:lstStyle/>
+          <a:p>
+            <a:pPr>
+              <a:defRPr sz="2400" b="0" i="0" u="none" strike="noStrike" kern="1200" spc="0" baseline="0">
+                <a:solidFill>
+                  <a:schemeClr val="tx1">
+                    <a:lumMod val="65000"/>
+                    <a:lumOff val="35000"/>
+                  </a:schemeClr>
+                </a:solidFill>
+                <a:latin typeface="+mn-lt"/>
+                <a:ea typeface="+mn-ea"/>
+                <a:cs typeface="+mn-cs"/>
+              </a:defRPr>
+            </a:pPr>
+            <a:r>
+              <a:rPr lang="en-US" sz="2400"/>
+              <a:t>Precision</a:t>
+            </a:r>
+            <a:r>
+              <a:rPr lang="en-US" sz="2400" baseline="0"/>
+              <a:t> By Split Number</a:t>
+            </a:r>
+            <a:endParaRPr lang="en-US" sz="2400"/>
+          </a:p>
+        </c:rich>
+      </c:tx>
+      <c:overlay val="0"/>
+      <c:spPr>
+        <a:noFill/>
+        <a:ln>
+          <a:noFill/>
+        </a:ln>
+        <a:effectLst/>
+      </c:spPr>
+      <c:txPr>
+        <a:bodyPr rot="0" spcFirstLastPara="1" vertOverflow="ellipsis" vert="horz" wrap="square" anchor="ctr" anchorCtr="1"/>
+        <a:lstStyle/>
+        <a:p>
+          <a:pPr>
+            <a:defRPr sz="2400" b="0" i="0" u="none" strike="noStrike" kern="1200" spc="0" baseline="0">
+              <a:solidFill>
+                <a:schemeClr val="tx1">
+                  <a:lumMod val="65000"/>
+                  <a:lumOff val="35000"/>
+                </a:schemeClr>
+              </a:solidFill>
+              <a:latin typeface="+mn-lt"/>
+              <a:ea typeface="+mn-ea"/>
+              <a:cs typeface="+mn-cs"/>
+            </a:defRPr>
+          </a:pPr>
+          <a:endParaRPr lang="en-US"/>
+        </a:p>
+      </c:txPr>
+    </c:title>
+    <c:autoTitleDeleted val="0"/>
+    <c:plotArea>
+      <c:layout/>
+      <c:scatterChart>
+        <c:scatterStyle val="lineMarker"/>
+        <c:varyColors val="0"/>
+        <c:ser>
+          <c:idx val="0"/>
+          <c:order val="0"/>
+          <c:spPr>
+            <a:ln w="19050" cap="rnd">
+              <a:noFill/>
+              <a:round/>
+            </a:ln>
+            <a:effectLst/>
+          </c:spPr>
+          <c:marker>
+            <c:symbol val="circle"/>
+            <c:size val="5"/>
+            <c:spPr>
+              <a:solidFill>
+                <a:srgbClr val="FF0000"/>
+              </a:solidFill>
+              <a:ln w="28575">
+                <a:solidFill>
+                  <a:srgbClr val="FF0000"/>
+                </a:solidFill>
+              </a:ln>
+              <a:effectLst/>
+            </c:spPr>
+          </c:marker>
+          <c:yVal>
+            <c:numRef>
+              <c:f>final_output!$B$137:$B$236</c:f>
+              <c:numCache>
+                <c:formatCode>General</c:formatCode>
+                <c:ptCount val="100"/>
+                <c:pt idx="0">
+                  <c:v>0.75691699604743001</c:v>
+                </c:pt>
+                <c:pt idx="1">
+                  <c:v>0.73320537428023003</c:v>
+                </c:pt>
+                <c:pt idx="2">
+                  <c:v>0.79166666666666596</c:v>
+                </c:pt>
+                <c:pt idx="3">
+                  <c:v>0.74947807933194099</c:v>
+                </c:pt>
+                <c:pt idx="4">
+                  <c:v>0.77987421383647804</c:v>
+                </c:pt>
+                <c:pt idx="5">
+                  <c:v>0.74947368421052596</c:v>
+                </c:pt>
+                <c:pt idx="6">
+                  <c:v>0.74949083503054903</c:v>
+                </c:pt>
+                <c:pt idx="7">
+                  <c:v>0.72564612326043698</c:v>
+                </c:pt>
+                <c:pt idx="8">
+                  <c:v>0.75670103092783503</c:v>
+                </c:pt>
+                <c:pt idx="9">
+                  <c:v>0.76400000000000001</c:v>
+                </c:pt>
+                <c:pt idx="10">
+                  <c:v>0.77973568281938299</c:v>
+                </c:pt>
+                <c:pt idx="11">
+                  <c:v>0.72</c:v>
+                </c:pt>
+                <c:pt idx="12">
+                  <c:v>0.75763747454175101</c:v>
+                </c:pt>
+                <c:pt idx="13">
+                  <c:v>0.73104693140794197</c:v>
+                </c:pt>
+                <c:pt idx="14">
+                  <c:v>0.707317073170731</c:v>
+                </c:pt>
+                <c:pt idx="15">
+                  <c:v>0.75</c:v>
+                </c:pt>
+                <c:pt idx="16">
+                  <c:v>0.74081632653061202</c:v>
+                </c:pt>
+                <c:pt idx="17">
+                  <c:v>0.73599999999999999</c:v>
+                </c:pt>
+                <c:pt idx="18">
+                  <c:v>0.73469387755102</c:v>
+                </c:pt>
+                <c:pt idx="19">
+                  <c:v>0.77207392197125202</c:v>
+                </c:pt>
+                <c:pt idx="20">
+                  <c:v>0.77911646586345296</c:v>
+                </c:pt>
+                <c:pt idx="21">
+                  <c:v>0.73265306122448903</c:v>
+                </c:pt>
+                <c:pt idx="22">
+                  <c:v>0.77983539094650201</c:v>
+                </c:pt>
+                <c:pt idx="23">
+                  <c:v>0.69961240310077499</c:v>
+                </c:pt>
+                <c:pt idx="24">
+                  <c:v>0.75784753363228696</c:v>
+                </c:pt>
+                <c:pt idx="25">
+                  <c:v>0.78158458244111295</c:v>
+                </c:pt>
+                <c:pt idx="26">
+                  <c:v>0.73345588235294101</c:v>
+                </c:pt>
+                <c:pt idx="27">
+                  <c:v>0.79374999999999996</c:v>
+                </c:pt>
+                <c:pt idx="28">
+                  <c:v>0.73833671399594303</c:v>
+                </c:pt>
+                <c:pt idx="29">
+                  <c:v>0.74840085287846403</c:v>
+                </c:pt>
+                <c:pt idx="30">
+                  <c:v>0.76470588235294101</c:v>
+                </c:pt>
+                <c:pt idx="31">
+                  <c:v>0.74596774193548299</c:v>
+                </c:pt>
+                <c:pt idx="32">
+                  <c:v>0.72144288577154303</c:v>
+                </c:pt>
+                <c:pt idx="33">
+                  <c:v>0.72967479674796698</c:v>
+                </c:pt>
+                <c:pt idx="34">
+                  <c:v>0.78749999999999998</c:v>
+                </c:pt>
+                <c:pt idx="35">
+                  <c:v>0.75692963752665199</c:v>
+                </c:pt>
+                <c:pt idx="36">
+                  <c:v>0.76290630975143403</c:v>
+                </c:pt>
+                <c:pt idx="37">
+                  <c:v>0.74505928853754899</c:v>
+                </c:pt>
+                <c:pt idx="38">
+                  <c:v>0.740667976424361</c:v>
+                </c:pt>
+                <c:pt idx="39">
+                  <c:v>0.740079365079365</c:v>
+                </c:pt>
+                <c:pt idx="40">
+                  <c:v>0.72344689378757498</c:v>
+                </c:pt>
+                <c:pt idx="41">
+                  <c:v>0.73346303501945498</c:v>
+                </c:pt>
+                <c:pt idx="42">
+                  <c:v>0.74852652259331998</c:v>
+                </c:pt>
+                <c:pt idx="43">
+                  <c:v>0.721518987341772</c:v>
+                </c:pt>
+                <c:pt idx="44">
+                  <c:v>0.70242914979756998</c:v>
+                </c:pt>
+                <c:pt idx="45">
+                  <c:v>0.75883575883575805</c:v>
+                </c:pt>
+                <c:pt idx="46">
+                  <c:v>0.77870563674321502</c:v>
+                </c:pt>
+                <c:pt idx="47">
+                  <c:v>0.74226804123711299</c:v>
+                </c:pt>
+                <c:pt idx="48">
+                  <c:v>0.75614754098360604</c:v>
+                </c:pt>
+                <c:pt idx="49">
+                  <c:v>0.73052631578947302</c:v>
+                </c:pt>
+                <c:pt idx="50">
+                  <c:v>0.776842105263157</c:v>
+                </c:pt>
+                <c:pt idx="51">
+                  <c:v>0.75052410901467503</c:v>
+                </c:pt>
+                <c:pt idx="52">
+                  <c:v>0.77754677754677703</c:v>
+                </c:pt>
+                <c:pt idx="53">
+                  <c:v>0.78313253012048101</c:v>
+                </c:pt>
+                <c:pt idx="54">
+                  <c:v>0.72580645161290303</c:v>
+                </c:pt>
+                <c:pt idx="55">
+                  <c:v>0.74573055028462998</c:v>
+                </c:pt>
+                <c:pt idx="56">
+                  <c:v>0.77505112474437599</c:v>
+                </c:pt>
+                <c:pt idx="57">
+                  <c:v>0.76008064516129004</c:v>
+                </c:pt>
+                <c:pt idx="58">
+                  <c:v>0.75633528265107197</c:v>
+                </c:pt>
+                <c:pt idx="59">
+                  <c:v>0.75099601593625498</c:v>
+                </c:pt>
+                <c:pt idx="60">
+                  <c:v>0.78435114503816705</c:v>
+                </c:pt>
+                <c:pt idx="61">
+                  <c:v>0.75049115913555997</c:v>
+                </c:pt>
+                <c:pt idx="62">
+                  <c:v>0.75374732334047101</c:v>
+                </c:pt>
+                <c:pt idx="63">
+                  <c:v>0.73307543520309404</c:v>
+                </c:pt>
+                <c:pt idx="64">
+                  <c:v>0.75665399239543696</c:v>
+                </c:pt>
+                <c:pt idx="65">
+                  <c:v>0.77639751552795</c:v>
+                </c:pt>
+                <c:pt idx="66">
+                  <c:v>0.73673870333988201</c:v>
+                </c:pt>
+                <c:pt idx="67">
+                  <c:v>0.737354085603112</c:v>
+                </c:pt>
+                <c:pt idx="68">
+                  <c:v>0.74108818011257005</c:v>
+                </c:pt>
+                <c:pt idx="69">
+                  <c:v>0.73346303501945498</c:v>
+                </c:pt>
+                <c:pt idx="70">
+                  <c:v>0.77618069815195001</c:v>
+                </c:pt>
+                <c:pt idx="71">
+                  <c:v>0.75975359342915805</c:v>
+                </c:pt>
+                <c:pt idx="72">
+                  <c:v>0.78131212723657995</c:v>
+                </c:pt>
+                <c:pt idx="73">
+                  <c:v>0.78048780487804803</c:v>
+                </c:pt>
+                <c:pt idx="74">
+                  <c:v>0.77400000000000002</c:v>
+                </c:pt>
+                <c:pt idx="75">
+                  <c:v>0.75245579567779897</c:v>
+                </c:pt>
+                <c:pt idx="76">
+                  <c:v>0.75</c:v>
+                </c:pt>
+                <c:pt idx="77">
+                  <c:v>0.73015873015873001</c:v>
+                </c:pt>
+                <c:pt idx="78">
+                  <c:v>0.77844311377245501</c:v>
+                </c:pt>
+                <c:pt idx="79">
+                  <c:v>0.77555110220440804</c:v>
+                </c:pt>
+                <c:pt idx="80">
+                  <c:v>0.77301927194860798</c:v>
+                </c:pt>
+                <c:pt idx="81">
+                  <c:v>0.73415132924335302</c:v>
+                </c:pt>
+                <c:pt idx="82">
+                  <c:v>0.76024590163934402</c:v>
+                </c:pt>
+                <c:pt idx="83">
+                  <c:v>0.754201680672268</c:v>
+                </c:pt>
+                <c:pt idx="84">
+                  <c:v>0.781052631578947</c:v>
+                </c:pt>
+                <c:pt idx="85">
+                  <c:v>0.75356415478615002</c:v>
+                </c:pt>
+                <c:pt idx="86">
+                  <c:v>0.76267748478701802</c:v>
+                </c:pt>
+                <c:pt idx="87">
+                  <c:v>0.748987854251012</c:v>
+                </c:pt>
+                <c:pt idx="88">
+                  <c:v>0.75368421052631496</c:v>
+                </c:pt>
+                <c:pt idx="89">
+                  <c:v>0.77712031558185402</c:v>
+                </c:pt>
+                <c:pt idx="90">
+                  <c:v>0.77461706783369799</c:v>
+                </c:pt>
+                <c:pt idx="91">
+                  <c:v>0.72763419483101299</c:v>
+                </c:pt>
+                <c:pt idx="92">
+                  <c:v>0.75659229208924905</c:v>
+                </c:pt>
+                <c:pt idx="93">
+                  <c:v>0.75</c:v>
+                </c:pt>
+                <c:pt idx="94">
+                  <c:v>0.74798387096774099</c:v>
+                </c:pt>
+                <c:pt idx="95">
+                  <c:v>0.758762886597938</c:v>
+                </c:pt>
+                <c:pt idx="96">
+                  <c:v>0.72709551656920002</c:v>
+                </c:pt>
+                <c:pt idx="97">
+                  <c:v>0.75717439293598199</c:v>
+                </c:pt>
+                <c:pt idx="98">
+                  <c:v>0.73940677966101698</c:v>
+                </c:pt>
+                <c:pt idx="99">
+                  <c:v>0.76284584980237102</c:v>
+                </c:pt>
+              </c:numCache>
+            </c:numRef>
+          </c:yVal>
+          <c:smooth val="0"/>
+          <c:extLst>
+            <c:ext xmlns:c16="http://schemas.microsoft.com/office/drawing/2014/chart" uri="{C3380CC4-5D6E-409C-BE32-E72D297353CC}">
+              <c16:uniqueId val="{00000000-019F-4362-B76E-59573C1CAE7B}"/>
+            </c:ext>
+          </c:extLst>
+        </c:ser>
+        <c:dLbls>
+          <c:showLegendKey val="0"/>
+          <c:showVal val="0"/>
+          <c:showCatName val="0"/>
+          <c:showSerName val="0"/>
+          <c:showPercent val="0"/>
+          <c:showBubbleSize val="0"/>
+        </c:dLbls>
+        <c:axId val="312823448"/>
+        <c:axId val="312820168"/>
+      </c:scatterChart>
+      <c:valAx>
+        <c:axId val="312823448"/>
+        <c:scaling>
+          <c:orientation val="minMax"/>
+          <c:max val="100"/>
+        </c:scaling>
+        <c:delete val="0"/>
+        <c:axPos val="b"/>
+        <c:majorGridlines>
+          <c:spPr>
+            <a:ln w="9525" cap="flat" cmpd="sng" algn="ctr">
+              <a:solidFill>
+                <a:schemeClr val="tx1">
+                  <a:lumMod val="15000"/>
+                  <a:lumOff val="85000"/>
+                </a:schemeClr>
+              </a:solidFill>
+              <a:round/>
+            </a:ln>
+            <a:effectLst/>
+          </c:spPr>
+        </c:majorGridlines>
+        <c:title>
+          <c:tx>
+            <c:rich>
+              <a:bodyPr rot="0" spcFirstLastPara="1" vertOverflow="ellipsis" vert="horz" wrap="square" anchor="ctr" anchorCtr="1"/>
+              <a:lstStyle/>
+              <a:p>
+                <a:pPr>
+                  <a:defRPr sz="1600" b="0" i="0" u="none" strike="noStrike" kern="1200" baseline="0">
+                    <a:solidFill>
+                      <a:schemeClr val="tx1">
+                        <a:lumMod val="65000"/>
+                        <a:lumOff val="35000"/>
+                      </a:schemeClr>
+                    </a:solidFill>
+                    <a:latin typeface="+mn-lt"/>
+                    <a:ea typeface="+mn-ea"/>
+                    <a:cs typeface="+mn-cs"/>
+                  </a:defRPr>
+                </a:pPr>
+                <a:r>
+                  <a:rPr lang="en-US" sz="1600"/>
+                  <a:t>Split </a:t>
+                </a:r>
+                <a:r>
+                  <a:rPr lang="en-US" sz="1600" baseline="0"/>
+                  <a:t>Number</a:t>
+                </a:r>
+                <a:endParaRPr lang="en-US" sz="1600"/>
+              </a:p>
+            </c:rich>
+          </c:tx>
+          <c:overlay val="0"/>
+          <c:spPr>
+            <a:noFill/>
+            <a:ln>
+              <a:noFill/>
+            </a:ln>
+            <a:effectLst/>
+          </c:spPr>
+          <c:txPr>
+            <a:bodyPr rot="0" spcFirstLastPara="1" vertOverflow="ellipsis" vert="horz" wrap="square" anchor="ctr" anchorCtr="1"/>
+            <a:lstStyle/>
+            <a:p>
+              <a:pPr>
+                <a:defRPr sz="1600" b="0" i="0" u="none" strike="noStrike" kern="1200" baseline="0">
+                  <a:solidFill>
+                    <a:schemeClr val="tx1">
+                      <a:lumMod val="65000"/>
+                      <a:lumOff val="35000"/>
+                    </a:schemeClr>
+                  </a:solidFill>
+                  <a:latin typeface="+mn-lt"/>
+                  <a:ea typeface="+mn-ea"/>
+                  <a:cs typeface="+mn-cs"/>
+                </a:defRPr>
+              </a:pPr>
+              <a:endParaRPr lang="en-US"/>
+            </a:p>
+          </c:txPr>
+        </c:title>
+        <c:majorTickMark val="none"/>
+        <c:minorTickMark val="none"/>
+        <c:tickLblPos val="nextTo"/>
+        <c:spPr>
+          <a:noFill/>
+          <a:ln w="9525" cap="flat" cmpd="sng" algn="ctr">
+            <a:solidFill>
+              <a:schemeClr val="tx1">
+                <a:lumMod val="25000"/>
+                <a:lumOff val="75000"/>
+              </a:schemeClr>
+            </a:solidFill>
+            <a:round/>
+          </a:ln>
+          <a:effectLst/>
+        </c:spPr>
+        <c:txPr>
+          <a:bodyPr rot="-60000000" spcFirstLastPara="1" vertOverflow="ellipsis" vert="horz" wrap="square" anchor="ctr" anchorCtr="1"/>
+          <a:lstStyle/>
+          <a:p>
+            <a:pPr>
+              <a:defRPr sz="1600" b="0" i="0" u="none" strike="noStrike" kern="1200" baseline="0">
+                <a:solidFill>
+                  <a:schemeClr val="tx1">
+                    <a:lumMod val="65000"/>
+                    <a:lumOff val="35000"/>
+                  </a:schemeClr>
+                </a:solidFill>
+                <a:latin typeface="+mn-lt"/>
+                <a:ea typeface="+mn-ea"/>
+                <a:cs typeface="+mn-cs"/>
+              </a:defRPr>
+            </a:pPr>
+            <a:endParaRPr lang="en-US"/>
+          </a:p>
+        </c:txPr>
+        <c:crossAx val="312820168"/>
+        <c:crosses val="autoZero"/>
+        <c:crossBetween val="midCat"/>
+      </c:valAx>
+      <c:valAx>
+        <c:axId val="312820168"/>
+        <c:scaling>
+          <c:orientation val="minMax"/>
+          <c:max val="1"/>
+        </c:scaling>
+        <c:delete val="0"/>
+        <c:axPos val="l"/>
+        <c:majorGridlines>
+          <c:spPr>
+            <a:ln w="9525" cap="flat" cmpd="sng" algn="ctr">
+              <a:solidFill>
+                <a:schemeClr val="tx1">
+                  <a:lumMod val="15000"/>
+                  <a:lumOff val="85000"/>
+                </a:schemeClr>
+              </a:solidFill>
+              <a:round/>
+            </a:ln>
+            <a:effectLst/>
+          </c:spPr>
+        </c:majorGridlines>
+        <c:numFmt formatCode="General" sourceLinked="1"/>
+        <c:majorTickMark val="none"/>
+        <c:minorTickMark val="none"/>
+        <c:tickLblPos val="nextTo"/>
+        <c:spPr>
+          <a:noFill/>
+          <a:ln w="9525" cap="flat" cmpd="sng" algn="ctr">
+            <a:solidFill>
+              <a:schemeClr val="tx1">
+                <a:lumMod val="25000"/>
+                <a:lumOff val="75000"/>
+              </a:schemeClr>
+            </a:solidFill>
+            <a:round/>
+          </a:ln>
+          <a:effectLst/>
+        </c:spPr>
+        <c:txPr>
+          <a:bodyPr rot="-60000000" spcFirstLastPara="1" vertOverflow="ellipsis" vert="horz" wrap="square" anchor="ctr" anchorCtr="1"/>
+          <a:lstStyle/>
+          <a:p>
+            <a:pPr>
+              <a:defRPr sz="1600" b="0" i="0" u="none" strike="noStrike" kern="1200" baseline="0">
+                <a:solidFill>
+                  <a:schemeClr val="tx1">
+                    <a:lumMod val="65000"/>
+                    <a:lumOff val="35000"/>
+                  </a:schemeClr>
+                </a:solidFill>
+                <a:latin typeface="+mn-lt"/>
+                <a:ea typeface="+mn-ea"/>
+                <a:cs typeface="+mn-cs"/>
+              </a:defRPr>
+            </a:pPr>
+            <a:endParaRPr lang="en-US"/>
+          </a:p>
+        </c:txPr>
+        <c:crossAx val="312823448"/>
+        <c:crosses val="autoZero"/>
+        <c:crossBetween val="midCat"/>
+      </c:valAx>
+      <c:spPr>
+        <a:noFill/>
+        <a:ln>
+          <a:noFill/>
+        </a:ln>
+        <a:effectLst/>
+      </c:spPr>
+    </c:plotArea>
+    <c:plotVisOnly val="1"/>
+    <c:dispBlanksAs val="gap"/>
+    <c:showDLblsOverMax val="0"/>
+  </c:chart>
+  <c:spPr>
+    <a:noFill/>
+    <a:ln>
+      <a:noFill/>
+    </a:ln>
+    <a:effectLst/>
+  </c:spPr>
+  <c:txPr>
+    <a:bodyPr/>
+    <a:lstStyle/>
+    <a:p>
+      <a:pPr>
+        <a:defRPr/>
+      </a:pPr>
+      <a:endParaRPr lang="en-US"/>
+    </a:p>
+  </c:txPr>
+  <c:externalData r:id="rId3">
+    <c:autoUpdate val="0"/>
+  </c:externalData>
+</c:chartSpace>
+</file>
+
+<file path=ppt/charts/chart2.xml><?xml version="1.0" encoding="utf-8"?>
+<c:chartSpace xmlns:c="http://schemas.openxmlformats.org/drawingml/2006/chart" xmlns:a="http://schemas.openxmlformats.org/drawingml/2006/main" xmlns:r="http://schemas.openxmlformats.org/officeDocument/2006/relationships" xmlns:c16r2="http://schemas.microsoft.com/office/drawing/2015/06/chart">
+  <c:date1904 val="0"/>
+  <c:lang val="en-US"/>
+  <c:roundedCorners val="0"/>
+  <mc:AlternateContent xmlns:mc="http://schemas.openxmlformats.org/markup-compatibility/2006">
+    <mc:Choice xmlns:c14="http://schemas.microsoft.com/office/drawing/2007/8/2/chart" Requires="c14">
+      <c14:style val="102"/>
+    </mc:Choice>
+    <mc:Fallback>
+      <c:style val="2"/>
+    </mc:Fallback>
+  </mc:AlternateContent>
+  <c:chart>
+    <c:title>
+      <c:tx>
+        <c:rich>
+          <a:bodyPr rot="0" spcFirstLastPara="1" vertOverflow="ellipsis" vert="horz" wrap="square" anchor="ctr" anchorCtr="1"/>
+          <a:lstStyle/>
+          <a:p>
+            <a:pPr>
+              <a:defRPr sz="2400" b="0" i="0" u="none" strike="noStrike" kern="1200" spc="0" baseline="0">
+                <a:solidFill>
+                  <a:schemeClr val="tx1">
+                    <a:lumMod val="65000"/>
+                    <a:lumOff val="35000"/>
+                  </a:schemeClr>
+                </a:solidFill>
+                <a:latin typeface="+mn-lt"/>
+                <a:ea typeface="+mn-ea"/>
+                <a:cs typeface="+mn-cs"/>
+              </a:defRPr>
+            </a:pPr>
+            <a:r>
+              <a:rPr lang="en-US" sz="2400"/>
+              <a:t>Recall</a:t>
+            </a:r>
+            <a:r>
+              <a:rPr lang="en-US" sz="2400" baseline="0"/>
+              <a:t> By Split Number</a:t>
+            </a:r>
+            <a:endParaRPr lang="en-US" sz="2400"/>
+          </a:p>
+        </c:rich>
+      </c:tx>
+      <c:overlay val="0"/>
+      <c:spPr>
+        <a:noFill/>
+        <a:ln>
+          <a:noFill/>
+        </a:ln>
+        <a:effectLst/>
+      </c:spPr>
+      <c:txPr>
+        <a:bodyPr rot="0" spcFirstLastPara="1" vertOverflow="ellipsis" vert="horz" wrap="square" anchor="ctr" anchorCtr="1"/>
+        <a:lstStyle/>
+        <a:p>
+          <a:pPr>
+            <a:defRPr sz="2400" b="0" i="0" u="none" strike="noStrike" kern="1200" spc="0" baseline="0">
+              <a:solidFill>
+                <a:schemeClr val="tx1">
+                  <a:lumMod val="65000"/>
+                  <a:lumOff val="35000"/>
+                </a:schemeClr>
+              </a:solidFill>
+              <a:latin typeface="+mn-lt"/>
+              <a:ea typeface="+mn-ea"/>
+              <a:cs typeface="+mn-cs"/>
+            </a:defRPr>
+          </a:pPr>
+          <a:endParaRPr lang="en-US"/>
+        </a:p>
+      </c:txPr>
+    </c:title>
+    <c:autoTitleDeleted val="0"/>
+    <c:plotArea>
+      <c:layout>
+        <c:manualLayout>
+          <c:layoutTarget val="inner"/>
+          <c:xMode val="edge"/>
+          <c:yMode val="edge"/>
+          <c:x val="5.0964813876354945E-2"/>
+          <c:y val="0.16131086482406587"/>
+          <c:w val="0.90191486035681356"/>
+          <c:h val="0.64280751978649719"/>
+        </c:manualLayout>
+      </c:layout>
+      <c:scatterChart>
+        <c:scatterStyle val="lineMarker"/>
+        <c:varyColors val="0"/>
+        <c:ser>
+          <c:idx val="0"/>
+          <c:order val="0"/>
+          <c:spPr>
+            <a:ln w="19050" cap="rnd">
+              <a:noFill/>
+              <a:round/>
+            </a:ln>
+            <a:effectLst/>
+          </c:spPr>
+          <c:marker>
+            <c:symbol val="circle"/>
+            <c:size val="5"/>
+            <c:spPr>
+              <a:solidFill>
+                <a:srgbClr val="0070C0"/>
+              </a:solidFill>
+              <a:ln w="28575">
+                <a:solidFill>
+                  <a:srgbClr val="0070C0"/>
+                </a:solidFill>
+              </a:ln>
+              <a:effectLst/>
+            </c:spPr>
+          </c:marker>
+          <c:yVal>
+            <c:numRef>
+              <c:f>final_output!$C$137:$C$239</c:f>
+              <c:numCache>
+                <c:formatCode>General</c:formatCode>
+                <c:ptCount val="103"/>
+                <c:pt idx="0">
+                  <c:v>0.81316348195329002</c:v>
+                </c:pt>
+                <c:pt idx="1">
+                  <c:v>0.84888888888888803</c:v>
+                </c:pt>
+                <c:pt idx="2">
+                  <c:v>0.82608695652173902</c:v>
+                </c:pt>
+                <c:pt idx="3">
+                  <c:v>0.80133928571428503</c:v>
+                </c:pt>
+                <c:pt idx="4">
+                  <c:v>0.79657387580299699</c:v>
+                </c:pt>
+                <c:pt idx="5">
+                  <c:v>0.82407407407407396</c:v>
+                </c:pt>
+                <c:pt idx="6">
+                  <c:v>0.78800856531049202</c:v>
+                </c:pt>
+                <c:pt idx="7">
+                  <c:v>0.822072072072072</c:v>
+                </c:pt>
+                <c:pt idx="8">
+                  <c:v>0.80659340659340595</c:v>
+                </c:pt>
+                <c:pt idx="9">
+                  <c:v>0.83406113537117899</c:v>
+                </c:pt>
+                <c:pt idx="10">
+                  <c:v>0.78666666666666596</c:v>
+                </c:pt>
+                <c:pt idx="11">
+                  <c:v>0.84753363228699496</c:v>
+                </c:pt>
+                <c:pt idx="12">
+                  <c:v>0.8</c:v>
+                </c:pt>
+                <c:pt idx="13">
+                  <c:v>0.81983805668016196</c:v>
+                </c:pt>
+                <c:pt idx="14">
+                  <c:v>0.83453237410071901</c:v>
+                </c:pt>
+                <c:pt idx="15">
+                  <c:v>0.83035714285714202</c:v>
+                </c:pt>
+                <c:pt idx="16">
+                  <c:v>0.81573033707865095</c:v>
+                </c:pt>
+                <c:pt idx="17">
+                  <c:v>0.863849765258216</c:v>
+                </c:pt>
+                <c:pt idx="18">
+                  <c:v>0.80898876404494302</c:v>
+                </c:pt>
+                <c:pt idx="19">
+                  <c:v>0.80341880341880301</c:v>
+                </c:pt>
+                <c:pt idx="20">
+                  <c:v>0.81002087682672197</c:v>
+                </c:pt>
+                <c:pt idx="21">
+                  <c:v>0.81590909090909003</c:v>
+                </c:pt>
+                <c:pt idx="22">
+                  <c:v>0.83480176211453705</c:v>
+                </c:pt>
+                <c:pt idx="23">
+                  <c:v>0.81859410430838997</c:v>
+                </c:pt>
+                <c:pt idx="24">
+                  <c:v>0.8125</c:v>
+                </c:pt>
+                <c:pt idx="25">
+                  <c:v>0.79347826086956497</c:v>
+                </c:pt>
+                <c:pt idx="26">
+                  <c:v>0.854389721627409</c:v>
+                </c:pt>
+                <c:pt idx="27">
+                  <c:v>0.79874213836477903</c:v>
+                </c:pt>
+                <c:pt idx="28">
+                  <c:v>0.82915717539863298</c:v>
+                </c:pt>
+                <c:pt idx="29">
+                  <c:v>0.82588235294117596</c:v>
+                </c:pt>
+                <c:pt idx="30">
+                  <c:v>0.78541666666666599</c:v>
+                </c:pt>
+                <c:pt idx="31">
+                  <c:v>0.81858407079646001</c:v>
+                </c:pt>
+                <c:pt idx="32">
+                  <c:v>0.83140877598152396</c:v>
+                </c:pt>
+                <c:pt idx="33">
+                  <c:v>0.83682983682983603</c:v>
+                </c:pt>
+                <c:pt idx="34">
+                  <c:v>0.79915433403805403</c:v>
+                </c:pt>
+                <c:pt idx="35">
+                  <c:v>0.78193832599118895</c:v>
+                </c:pt>
+                <c:pt idx="36">
+                  <c:v>0.80933062880324502</c:v>
+                </c:pt>
+                <c:pt idx="37">
+                  <c:v>0.84340044742729303</c:v>
+                </c:pt>
+                <c:pt idx="38">
+                  <c:v>0.84340044742729303</c:v>
+                </c:pt>
+                <c:pt idx="39">
+                  <c:v>0.82158590308370005</c:v>
+                </c:pt>
+                <c:pt idx="40">
+                  <c:v>0.82608695652173902</c:v>
+                </c:pt>
+                <c:pt idx="41">
+                  <c:v>0.79872881355932202</c:v>
+                </c:pt>
+                <c:pt idx="42">
+                  <c:v>0.84855233853006595</c:v>
+                </c:pt>
+                <c:pt idx="43">
+                  <c:v>0.79534883720930205</c:v>
+                </c:pt>
+                <c:pt idx="44">
+                  <c:v>0.79770114942528703</c:v>
+                </c:pt>
+                <c:pt idx="45">
+                  <c:v>0.80931263858093105</c:v>
+                </c:pt>
+                <c:pt idx="46">
+                  <c:v>0.77870563674321502</c:v>
+                </c:pt>
+                <c:pt idx="47">
+                  <c:v>0.81264108352144404</c:v>
+                </c:pt>
+                <c:pt idx="48">
+                  <c:v>0.82735426008968604</c:v>
+                </c:pt>
+                <c:pt idx="49">
+                  <c:v>0.79953917050691203</c:v>
+                </c:pt>
+                <c:pt idx="50">
+                  <c:v>0.80043383947939195</c:v>
+                </c:pt>
+                <c:pt idx="51">
+                  <c:v>0.80269058295964102</c:v>
+                </c:pt>
+                <c:pt idx="52">
+                  <c:v>0.80777537796976195</c:v>
+                </c:pt>
+                <c:pt idx="53">
+                  <c:v>0.81589958158995801</c:v>
+                </c:pt>
+                <c:pt idx="54">
+                  <c:v>0.81081081081080997</c:v>
+                </c:pt>
+                <c:pt idx="55">
+                  <c:v>0.81874999999999998</c:v>
+                </c:pt>
+                <c:pt idx="56">
+                  <c:v>0.802966101694915</c:v>
+                </c:pt>
+                <c:pt idx="57">
+                  <c:v>0.80728051391862898</c:v>
+                </c:pt>
+                <c:pt idx="58">
+                  <c:v>0.81856540084388096</c:v>
+                </c:pt>
+                <c:pt idx="59">
+                  <c:v>0.81778741865509696</c:v>
+                </c:pt>
+                <c:pt idx="60">
+                  <c:v>0.809055118110236</c:v>
+                </c:pt>
+                <c:pt idx="61">
+                  <c:v>0.82683982683982604</c:v>
+                </c:pt>
+                <c:pt idx="62">
+                  <c:v>0.807339449541284</c:v>
+                </c:pt>
+                <c:pt idx="63">
+                  <c:v>0.85168539325842696</c:v>
+                </c:pt>
+                <c:pt idx="64">
+                  <c:v>0.84143763213530598</c:v>
+                </c:pt>
+                <c:pt idx="65">
+                  <c:v>0.79449152542372803</c:v>
+                </c:pt>
+                <c:pt idx="66">
+                  <c:v>0.83892617449664397</c:v>
+                </c:pt>
+                <c:pt idx="67">
+                  <c:v>0.83114035087719296</c:v>
+                </c:pt>
+                <c:pt idx="68">
+                  <c:v>0.82291666666666596</c:v>
+                </c:pt>
+                <c:pt idx="69">
+                  <c:v>0.82857142857142796</c:v>
+                </c:pt>
+                <c:pt idx="70">
+                  <c:v>0.809421841541755</c:v>
+                </c:pt>
+                <c:pt idx="71">
+                  <c:v>0.78891257995735597</c:v>
+                </c:pt>
+                <c:pt idx="72">
+                  <c:v>0.78600000000000003</c:v>
+                </c:pt>
+                <c:pt idx="73">
+                  <c:v>0.80503144654087999</c:v>
+                </c:pt>
+                <c:pt idx="74">
+                  <c:v>0.80124223602484401</c:v>
+                </c:pt>
+                <c:pt idx="75">
+                  <c:v>0.81663113006396504</c:v>
+                </c:pt>
+                <c:pt idx="76">
+                  <c:v>0.82045929018789099</c:v>
+                </c:pt>
+                <c:pt idx="77">
+                  <c:v>0.863849765258216</c:v>
+                </c:pt>
+                <c:pt idx="78">
+                  <c:v>0.82802547770700596</c:v>
+                </c:pt>
+                <c:pt idx="79">
+                  <c:v>0.82692307692307598</c:v>
+                </c:pt>
+                <c:pt idx="80">
+                  <c:v>0.80222222222222195</c:v>
+                </c:pt>
+                <c:pt idx="81">
+                  <c:v>0.83101851851851805</c:v>
+                </c:pt>
+                <c:pt idx="82">
+                  <c:v>0.79784946236559096</c:v>
+                </c:pt>
+                <c:pt idx="83">
+                  <c:v>0.80313199105145405</c:v>
+                </c:pt>
+                <c:pt idx="84">
+                  <c:v>0.79784946236559096</c:v>
+                </c:pt>
+                <c:pt idx="85">
+                  <c:v>0.82959641255605299</c:v>
+                </c:pt>
+                <c:pt idx="86">
+                  <c:v>0.82096069868995603</c:v>
+                </c:pt>
+                <c:pt idx="87">
+                  <c:v>0.80786026200873295</c:v>
+                </c:pt>
+                <c:pt idx="88">
+                  <c:v>0.81179138321995403</c:v>
+                </c:pt>
+                <c:pt idx="89">
+                  <c:v>0.812371134020618</c:v>
+                </c:pt>
+                <c:pt idx="90">
+                  <c:v>0.77631578947368396</c:v>
+                </c:pt>
+                <c:pt idx="91">
+                  <c:v>0.79738562091503196</c:v>
+                </c:pt>
+                <c:pt idx="92">
+                  <c:v>0.80911062906724496</c:v>
+                </c:pt>
+                <c:pt idx="93">
+                  <c:v>0.82112068965517204</c:v>
+                </c:pt>
+                <c:pt idx="94">
+                  <c:v>0.81718061674008802</c:v>
+                </c:pt>
+                <c:pt idx="95">
+                  <c:v>0.80349344978165904</c:v>
+                </c:pt>
+                <c:pt idx="96">
+                  <c:v>0.841986455981941</c:v>
+                </c:pt>
+                <c:pt idx="97">
+                  <c:v>0.79214780600461898</c:v>
+                </c:pt>
+                <c:pt idx="98">
+                  <c:v>0.81351981351981295</c:v>
+                </c:pt>
+                <c:pt idx="99">
+                  <c:v>0.83549783549783496</c:v>
+                </c:pt>
+                <c:pt idx="100">
+                  <c:v>0.65552264500000001</c:v>
+                </c:pt>
+                <c:pt idx="101">
+                  <c:v>0.64336113800000005</c:v>
+                </c:pt>
+                <c:pt idx="102">
+                  <c:v>0.14625711699999999</c:v>
+                </c:pt>
+              </c:numCache>
+            </c:numRef>
+          </c:yVal>
+          <c:smooth val="0"/>
+          <c:extLst>
+            <c:ext xmlns:c16="http://schemas.microsoft.com/office/drawing/2014/chart" uri="{C3380CC4-5D6E-409C-BE32-E72D297353CC}">
+              <c16:uniqueId val="{00000000-3F13-4C38-90C5-4C966EA9EAD3}"/>
+            </c:ext>
+          </c:extLst>
+        </c:ser>
+        <c:dLbls>
+          <c:showLegendKey val="0"/>
+          <c:showVal val="0"/>
+          <c:showCatName val="0"/>
+          <c:showSerName val="0"/>
+          <c:showPercent val="0"/>
+          <c:showBubbleSize val="0"/>
+        </c:dLbls>
+        <c:axId val="312823448"/>
+        <c:axId val="312820168"/>
+      </c:scatterChart>
+      <c:valAx>
+        <c:axId val="312823448"/>
+        <c:scaling>
+          <c:orientation val="minMax"/>
+          <c:max val="100"/>
+        </c:scaling>
+        <c:delete val="0"/>
+        <c:axPos val="b"/>
+        <c:majorGridlines>
+          <c:spPr>
+            <a:ln w="9525" cap="flat" cmpd="sng" algn="ctr">
+              <a:solidFill>
+                <a:schemeClr val="tx1">
+                  <a:lumMod val="15000"/>
+                  <a:lumOff val="85000"/>
+                </a:schemeClr>
+              </a:solidFill>
+              <a:round/>
+            </a:ln>
+            <a:effectLst/>
+          </c:spPr>
+        </c:majorGridlines>
+        <c:title>
+          <c:tx>
+            <c:rich>
+              <a:bodyPr rot="0" spcFirstLastPara="1" vertOverflow="ellipsis" vert="horz" wrap="square" anchor="ctr" anchorCtr="1"/>
+              <a:lstStyle/>
+              <a:p>
+                <a:pPr>
+                  <a:defRPr sz="1600" b="0" i="0" u="none" strike="noStrike" kern="1200" baseline="0">
+                    <a:solidFill>
+                      <a:schemeClr val="tx1">
+                        <a:lumMod val="65000"/>
+                        <a:lumOff val="35000"/>
+                      </a:schemeClr>
+                    </a:solidFill>
+                    <a:latin typeface="+mn-lt"/>
+                    <a:ea typeface="+mn-ea"/>
+                    <a:cs typeface="+mn-cs"/>
+                  </a:defRPr>
+                </a:pPr>
+                <a:r>
+                  <a:rPr lang="en-US" sz="1600"/>
+                  <a:t>Split </a:t>
+                </a:r>
+                <a:r>
+                  <a:rPr lang="en-US" sz="1600" baseline="0"/>
+                  <a:t>Number</a:t>
+                </a:r>
+                <a:endParaRPr lang="en-US" sz="1600"/>
+              </a:p>
+            </c:rich>
+          </c:tx>
+          <c:overlay val="0"/>
+          <c:spPr>
+            <a:noFill/>
+            <a:ln>
+              <a:noFill/>
+            </a:ln>
+            <a:effectLst/>
+          </c:spPr>
+          <c:txPr>
+            <a:bodyPr rot="0" spcFirstLastPara="1" vertOverflow="ellipsis" vert="horz" wrap="square" anchor="ctr" anchorCtr="1"/>
+            <a:lstStyle/>
+            <a:p>
+              <a:pPr>
+                <a:defRPr sz="1600" b="0" i="0" u="none" strike="noStrike" kern="1200" baseline="0">
+                  <a:solidFill>
+                    <a:schemeClr val="tx1">
+                      <a:lumMod val="65000"/>
+                      <a:lumOff val="35000"/>
+                    </a:schemeClr>
+                  </a:solidFill>
+                  <a:latin typeface="+mn-lt"/>
+                  <a:ea typeface="+mn-ea"/>
+                  <a:cs typeface="+mn-cs"/>
+                </a:defRPr>
+              </a:pPr>
+              <a:endParaRPr lang="en-US"/>
+            </a:p>
+          </c:txPr>
+        </c:title>
+        <c:majorTickMark val="none"/>
+        <c:minorTickMark val="none"/>
+        <c:tickLblPos val="nextTo"/>
+        <c:spPr>
+          <a:noFill/>
+          <a:ln w="9525" cap="flat" cmpd="sng" algn="ctr">
+            <a:solidFill>
+              <a:schemeClr val="tx1">
+                <a:lumMod val="25000"/>
+                <a:lumOff val="75000"/>
+              </a:schemeClr>
+            </a:solidFill>
+            <a:round/>
+          </a:ln>
+          <a:effectLst/>
+        </c:spPr>
+        <c:txPr>
+          <a:bodyPr rot="-60000000" spcFirstLastPara="1" vertOverflow="ellipsis" vert="horz" wrap="square" anchor="ctr" anchorCtr="1"/>
+          <a:lstStyle/>
+          <a:p>
+            <a:pPr>
+              <a:defRPr sz="1600" b="0" i="0" u="none" strike="noStrike" kern="1200" baseline="0">
+                <a:solidFill>
+                  <a:schemeClr val="tx1">
+                    <a:lumMod val="65000"/>
+                    <a:lumOff val="35000"/>
+                  </a:schemeClr>
+                </a:solidFill>
+                <a:latin typeface="+mn-lt"/>
+                <a:ea typeface="+mn-ea"/>
+                <a:cs typeface="+mn-cs"/>
+              </a:defRPr>
+            </a:pPr>
+            <a:endParaRPr lang="en-US"/>
+          </a:p>
+        </c:txPr>
+        <c:crossAx val="312820168"/>
+        <c:crosses val="autoZero"/>
+        <c:crossBetween val="midCat"/>
+      </c:valAx>
+      <c:valAx>
+        <c:axId val="312820168"/>
+        <c:scaling>
+          <c:orientation val="minMax"/>
+          <c:max val="1"/>
+        </c:scaling>
+        <c:delete val="1"/>
+        <c:axPos val="l"/>
+        <c:majorGridlines>
+          <c:spPr>
+            <a:ln w="9525" cap="flat" cmpd="sng" algn="ctr">
+              <a:solidFill>
+                <a:schemeClr val="tx1">
+                  <a:lumMod val="15000"/>
+                  <a:lumOff val="85000"/>
+                </a:schemeClr>
+              </a:solidFill>
+              <a:round/>
+            </a:ln>
+            <a:effectLst/>
+          </c:spPr>
+        </c:majorGridlines>
+        <c:numFmt formatCode="General" sourceLinked="1"/>
+        <c:majorTickMark val="none"/>
+        <c:minorTickMark val="none"/>
+        <c:tickLblPos val="nextTo"/>
+        <c:crossAx val="312823448"/>
+        <c:crosses val="autoZero"/>
+        <c:crossBetween val="midCat"/>
+      </c:valAx>
+      <c:spPr>
+        <a:noFill/>
+        <a:ln>
+          <a:noFill/>
+        </a:ln>
+        <a:effectLst/>
+      </c:spPr>
+    </c:plotArea>
+    <c:plotVisOnly val="1"/>
+    <c:dispBlanksAs val="gap"/>
+    <c:showDLblsOverMax val="0"/>
+  </c:chart>
+  <c:spPr>
+    <a:noFill/>
+    <a:ln>
+      <a:noFill/>
+    </a:ln>
+    <a:effectLst/>
+  </c:spPr>
+  <c:txPr>
+    <a:bodyPr/>
+    <a:lstStyle/>
+    <a:p>
+      <a:pPr>
+        <a:defRPr/>
+      </a:pPr>
+      <a:endParaRPr lang="en-US"/>
+    </a:p>
+  </c:txPr>
+  <c:externalData r:id="rId3">
+    <c:autoUpdate val="0"/>
+  </c:externalData>
+</c:chartSpace>
+</file>
+
+<file path=ppt/charts/colors1.xml><?xml version="1.0" encoding="utf-8"?>
+<cs:colorStyle xmlns:cs="http://schemas.microsoft.com/office/drawing/2012/chartStyle" xmlns:a="http://schemas.openxmlformats.org/drawingml/2006/main" meth="cycle" id="10">
+  <a:schemeClr val="accent1"/>
+  <a:schemeClr val="accent2"/>
+  <a:schemeClr val="accent3"/>
+  <a:schemeClr val="accent4"/>
+  <a:schemeClr val="accent5"/>
+  <a:schemeClr val="accent6"/>
+  <cs:variation/>
+  <cs:variation>
+    <a:lumMod val="60000"/>
+  </cs:variation>
+  <cs:variation>
+    <a:lumMod val="80000"/>
+    <a:lumOff val="20000"/>
+  </cs:variation>
+  <cs:variation>
+    <a:lumMod val="80000"/>
+  </cs:variation>
+  <cs:variation>
+    <a:lumMod val="60000"/>
+    <a:lumOff val="40000"/>
+  </cs:variation>
+  <cs:variation>
+    <a:lumMod val="50000"/>
+  </cs:variation>
+  <cs:variation>
+    <a:lumMod val="70000"/>
+    <a:lumOff val="30000"/>
+  </cs:variation>
+  <cs:variation>
+    <a:lumMod val="70000"/>
+  </cs:variation>
+  <cs:variation>
+    <a:lumMod val="50000"/>
+    <a:lumOff val="50000"/>
+  </cs:variation>
+</cs:colorStyle>
+</file>
+
+<file path=ppt/charts/colors2.xml><?xml version="1.0" encoding="utf-8"?>
+<cs:colorStyle xmlns:cs="http://schemas.microsoft.com/office/drawing/2012/chartStyle" xmlns:a="http://schemas.openxmlformats.org/drawingml/2006/main" meth="cycle" id="10">
+  <a:schemeClr val="accent1"/>
+  <a:schemeClr val="accent2"/>
+  <a:schemeClr val="accent3"/>
+  <a:schemeClr val="accent4"/>
+  <a:schemeClr val="accent5"/>
+  <a:schemeClr val="accent6"/>
+  <cs:variation/>
+  <cs:variation>
+    <a:lumMod val="60000"/>
+  </cs:variation>
+  <cs:variation>
+    <a:lumMod val="80000"/>
+    <a:lumOff val="20000"/>
+  </cs:variation>
+  <cs:variation>
+    <a:lumMod val="80000"/>
+  </cs:variation>
+  <cs:variation>
+    <a:lumMod val="60000"/>
+    <a:lumOff val="40000"/>
+  </cs:variation>
+  <cs:variation>
+    <a:lumMod val="50000"/>
+  </cs:variation>
+  <cs:variation>
+    <a:lumMod val="70000"/>
+    <a:lumOff val="30000"/>
+  </cs:variation>
+  <cs:variation>
+    <a:lumMod val="70000"/>
+  </cs:variation>
+  <cs:variation>
+    <a:lumMod val="50000"/>
+    <a:lumOff val="50000"/>
+  </cs:variation>
+</cs:colorStyle>
+</file>
+
+<file path=ppt/charts/style1.xml><?xml version="1.0" encoding="utf-8"?>
+<cs:chartStyle xmlns:cs="http://schemas.microsoft.com/office/drawing/2012/chartStyle" xmlns:a="http://schemas.openxmlformats.org/drawingml/2006/main" id="240">
+  <cs:axisTitle>
+    <cs:lnRef idx="0"/>
+    <cs:fillRef idx="0"/>
+    <cs:effectRef idx="0"/>
+    <cs:fontRef idx="minor">
+      <a:schemeClr val="tx1">
+        <a:lumMod val="65000"/>
+        <a:lumOff val="35000"/>
+      </a:schemeClr>
+    </cs:fontRef>
+    <cs:defRPr sz="1000" kern="1200"/>
+  </cs:axisTitle>
+  <cs:categoryAxis>
+    <cs:lnRef idx="0"/>
+    <cs:fillRef idx="0"/>
+    <cs:effectRef idx="0"/>
+    <cs:fontRef idx="minor">
+      <a:schemeClr val="tx1">
+        <a:lumMod val="65000"/>
+        <a:lumOff val="35000"/>
+      </a:schemeClr>
+    </cs:fontRef>
+    <cs:spPr>
+      <a:ln w="9525" cap="flat" cmpd="sng" algn="ctr">
+        <a:solidFill>
+          <a:schemeClr val="tx1">
+            <a:lumMod val="25000"/>
+            <a:lumOff val="75000"/>
+          </a:schemeClr>
+        </a:solidFill>
+        <a:round/>
+      </a:ln>
+    </cs:spPr>
+    <cs:defRPr sz="900" kern="1200"/>
+  </cs:categoryAxis>
+  <cs:chartArea mods="allowNoFillOverride allowNoLineOverride">
+    <cs:lnRef idx="0"/>
+    <cs:fillRef idx="0"/>
+    <cs:effectRef idx="0"/>
+    <cs:fontRef idx="minor">
+      <a:schemeClr val="tx1"/>
+    </cs:fontRef>
+    <cs:spPr>
+      <a:solidFill>
+        <a:schemeClr val="bg1"/>
+      </a:solidFill>
+      <a:ln w="9525" cap="flat" cmpd="sng" algn="ctr">
+        <a:solidFill>
+          <a:schemeClr val="tx1">
+            <a:lumMod val="15000"/>
+            <a:lumOff val="85000"/>
+          </a:schemeClr>
+        </a:solidFill>
+        <a:round/>
+      </a:ln>
+    </cs:spPr>
+    <cs:defRPr sz="1000" kern="1200"/>
+  </cs:chartArea>
+  <cs:dataLabel>
+    <cs:lnRef idx="0"/>
+    <cs:fillRef idx="0"/>
+    <cs:effectRef idx="0"/>
+    <cs:fontRef idx="minor">
+      <a:schemeClr val="tx1">
+        <a:lumMod val="75000"/>
+        <a:lumOff val="25000"/>
+      </a:schemeClr>
+    </cs:fontRef>
+    <cs:defRPr sz="900" kern="1200"/>
+  </cs:dataLabel>
+  <cs:dataLabelCallout>
+    <cs:lnRef idx="0"/>
+    <cs:fillRef idx="0"/>
+    <cs:effectRef idx="0"/>
+    <cs:fontRef idx="minor">
+      <a:schemeClr val="dk1">
+        <a:lumMod val="65000"/>
+        <a:lumOff val="35000"/>
+      </a:schemeClr>
+    </cs:fontRef>
+    <cs:spPr>
+      <a:solidFill>
+        <a:schemeClr val="lt1"/>
+      </a:solidFill>
+      <a:ln>
+        <a:solidFill>
+          <a:schemeClr val="dk1">
+            <a:lumMod val="25000"/>
+            <a:lumOff val="75000"/>
+          </a:schemeClr>
+        </a:solidFill>
+      </a:ln>
+    </cs:spPr>
+    <cs:defRPr sz="900" kern="1200"/>
+    <cs:bodyPr rot="0" spcFirstLastPara="1" vertOverflow="clip" horzOverflow="clip" vert="horz" wrap="square" lIns="36576" tIns="18288" rIns="36576" bIns="18288" anchor="ctr" anchorCtr="1">
+      <a:spAutoFit/>
+    </cs:bodyPr>
+  </cs:dataLabelCallout>
+  <cs:dataPoint>
+    <cs:lnRef idx="0"/>
+    <cs:fillRef idx="1">
+      <cs:styleClr val="auto"/>
+    </cs:fillRef>
+    <cs:effectRef idx="0"/>
+    <cs:fontRef idx="minor">
+      <a:schemeClr val="tx1"/>
+    </cs:fontRef>
+  </cs:dataPoint>
+  <cs:dataPoint3D>
+    <cs:lnRef idx="0"/>
+    <cs:fillRef idx="1">
+      <cs:styleClr val="auto"/>
+    </cs:fillRef>
+    <cs:effectRef idx="0"/>
+    <cs:fontRef idx="minor">
+      <a:schemeClr val="tx1"/>
+    </cs:fontRef>
+  </cs:dataPoint3D>
+  <cs:dataPointLine>
+    <cs:lnRef idx="0">
+      <cs:styleClr val="auto"/>
+    </cs:lnRef>
+    <cs:fillRef idx="1"/>
+    <cs:effectRef idx="0"/>
+    <cs:fontRef idx="minor">
+      <a:schemeClr val="tx1"/>
+    </cs:fontRef>
+    <cs:spPr>
+      <a:ln w="19050" cap="rnd">
+        <a:solidFill>
+          <a:schemeClr val="phClr"/>
+        </a:solidFill>
+        <a:round/>
+      </a:ln>
+    </cs:spPr>
+  </cs:dataPointLine>
+  <cs:dataPointMarker>
+    <cs:lnRef idx="0">
+      <cs:styleClr val="auto"/>
+    </cs:lnRef>
+    <cs:fillRef idx="1">
+      <cs:styleClr val="auto"/>
+    </cs:fillRef>
+    <cs:effectRef idx="0"/>
+    <cs:fontRef idx="minor">
+      <a:schemeClr val="tx1"/>
+    </cs:fontRef>
+    <cs:spPr>
+      <a:ln w="9525">
+        <a:solidFill>
+          <a:schemeClr val="phClr"/>
+        </a:solidFill>
+      </a:ln>
+    </cs:spPr>
+  </cs:dataPointMarker>
+  <cs:dataPointMarkerLayout symbol="circle" size="5"/>
+  <cs:dataPointWireframe>
+    <cs:lnRef idx="0">
+      <cs:styleClr val="auto"/>
+    </cs:lnRef>
+    <cs:fillRef idx="0"/>
+    <cs:effectRef idx="0"/>
+    <cs:fontRef idx="minor">
+      <a:schemeClr val="dk1"/>
+    </cs:fontRef>
+    <cs:spPr>
+      <a:ln w="9525" cap="rnd">
+        <a:solidFill>
+          <a:schemeClr val="phClr"/>
+        </a:solidFill>
+        <a:round/>
+      </a:ln>
+    </cs:spPr>
+  </cs:dataPointWireframe>
+  <cs:dataTable>
+    <cs:lnRef idx="0"/>
+    <cs:fillRef idx="0"/>
+    <cs:effectRef idx="0"/>
+    <cs:fontRef idx="minor">
+      <a:schemeClr val="tx1">
+        <a:lumMod val="65000"/>
+        <a:lumOff val="35000"/>
+      </a:schemeClr>
+    </cs:fontRef>
+    <cs:spPr>
+      <a:noFill/>
+      <a:ln w="9525" cap="flat" cmpd="sng" algn="ctr">
+        <a:solidFill>
+          <a:schemeClr val="tx1">
+            <a:lumMod val="15000"/>
+            <a:lumOff val="85000"/>
+          </a:schemeClr>
+        </a:solidFill>
+        <a:round/>
+      </a:ln>
+    </cs:spPr>
+    <cs:defRPr sz="900" kern="1200"/>
+  </cs:dataTable>
+  <cs:downBar>
+    <cs:lnRef idx="0"/>
+    <cs:fillRef idx="0"/>
+    <cs:effectRef idx="0"/>
+    <cs:fontRef idx="minor">
+      <a:schemeClr val="tx1"/>
+    </cs:fontRef>
+    <cs:spPr>
+      <a:solidFill>
+        <a:schemeClr val="dk1">
+          <a:lumMod val="75000"/>
+          <a:lumOff val="25000"/>
+        </a:schemeClr>
+      </a:solidFill>
+      <a:ln w="9525" cap="flat" cmpd="sng" algn="ctr">
+        <a:solidFill>
+          <a:schemeClr val="tx1">
+            <a:lumMod val="65000"/>
+            <a:lumOff val="35000"/>
+          </a:schemeClr>
+        </a:solidFill>
+        <a:round/>
+      </a:ln>
+    </cs:spPr>
+  </cs:downBar>
+  <cs:dropLine>
+    <cs:lnRef idx="0"/>
+    <cs:fillRef idx="0"/>
+    <cs:effectRef idx="0"/>
+    <cs:fontRef idx="minor">
+      <a:schemeClr val="tx1"/>
+    </cs:fontRef>
+    <cs:spPr>
+      <a:ln w="9525" cap="flat" cmpd="sng" algn="ctr">
+        <a:solidFill>
+          <a:schemeClr val="tx1">
+            <a:lumMod val="35000"/>
+            <a:lumOff val="65000"/>
+          </a:schemeClr>
+        </a:solidFill>
+        <a:round/>
+      </a:ln>
+    </cs:spPr>
+  </cs:dropLine>
+  <cs:errorBar>
+    <cs:lnRef idx="0"/>
+    <cs:fillRef idx="0"/>
+    <cs:effectRef idx="0"/>
+    <cs:fontRef idx="minor">
+      <a:schemeClr val="tx1"/>
+    </cs:fontRef>
+    <cs:spPr>
+      <a:ln w="9525" cap="flat" cmpd="sng" algn="ctr">
+        <a:solidFill>
+          <a:schemeClr val="tx1">
+            <a:lumMod val="65000"/>
+            <a:lumOff val="35000"/>
+          </a:schemeClr>
+        </a:solidFill>
+        <a:round/>
+      </a:ln>
+    </cs:spPr>
+  </cs:errorBar>
+  <cs:floor>
+    <cs:lnRef idx="0"/>
+    <cs:fillRef idx="0"/>
+    <cs:effectRef idx="0"/>
+    <cs:fontRef idx="minor">
+      <a:schemeClr val="tx1"/>
+    </cs:fontRef>
+    <cs:spPr>
+      <a:noFill/>
+      <a:ln>
+        <a:noFill/>
+      </a:ln>
+    </cs:spPr>
+  </cs:floor>
+  <cs:gridlineMajor>
+    <cs:lnRef idx="0"/>
+    <cs:fillRef idx="0"/>
+    <cs:effectRef idx="0"/>
+    <cs:fontRef idx="minor">
+      <a:schemeClr val="tx1"/>
+    </cs:fontRef>
+    <cs:spPr>
+      <a:ln w="9525" cap="flat" cmpd="sng" algn="ctr">
+        <a:solidFill>
+          <a:schemeClr val="tx1">
+            <a:lumMod val="15000"/>
+            <a:lumOff val="85000"/>
+          </a:schemeClr>
+        </a:solidFill>
+        <a:round/>
+      </a:ln>
+    </cs:spPr>
+  </cs:gridlineMajor>
+  <cs:gridlineMinor>
+    <cs:lnRef idx="0"/>
+    <cs:fillRef idx="0"/>
+    <cs:effectRef idx="0"/>
+    <cs:fontRef idx="minor">
+      <a:schemeClr val="tx1"/>
+    </cs:fontRef>
+    <cs:spPr>
+      <a:ln w="9525" cap="flat" cmpd="sng" algn="ctr">
+        <a:solidFill>
+          <a:schemeClr val="tx1">
+            <a:lumMod val="5000"/>
+            <a:lumOff val="95000"/>
+          </a:schemeClr>
+        </a:solidFill>
+        <a:round/>
+      </a:ln>
+    </cs:spPr>
+  </cs:gridlineMinor>
+  <cs:hiLoLine>
+    <cs:lnRef idx="0"/>
+    <cs:fillRef idx="0"/>
+    <cs:effectRef idx="0"/>
+    <cs:fontRef idx="minor">
+      <a:schemeClr val="tx1"/>
+    </cs:fontRef>
+    <cs:spPr>
+      <a:ln w="9525" cap="flat" cmpd="sng" algn="ctr">
+        <a:solidFill>
+          <a:schemeClr val="tx1">
+            <a:lumMod val="50000"/>
+            <a:lumOff val="50000"/>
+          </a:schemeClr>
+        </a:solidFill>
+        <a:round/>
+      </a:ln>
+    </cs:spPr>
+  </cs:hiLoLine>
+  <cs:leaderLine>
+    <cs:lnRef idx="0"/>
+    <cs:fillRef idx="0"/>
+    <cs:effectRef idx="0"/>
+    <cs:fontRef idx="minor">
+      <a:schemeClr val="tx1"/>
+    </cs:fontRef>
+    <cs:spPr>
+      <a:ln w="9525" cap="flat" cmpd="sng" algn="ctr">
+        <a:solidFill>
+          <a:schemeClr val="tx1">
+            <a:lumMod val="35000"/>
+            <a:lumOff val="65000"/>
+          </a:schemeClr>
+        </a:solidFill>
+        <a:round/>
+      </a:ln>
+    </cs:spPr>
+  </cs:leaderLine>
+  <cs:legend>
+    <cs:lnRef idx="0"/>
+    <cs:fillRef idx="0"/>
+    <cs:effectRef idx="0"/>
+    <cs:fontRef idx="minor">
+      <a:schemeClr val="tx1">
+        <a:lumMod val="65000"/>
+        <a:lumOff val="35000"/>
+      </a:schemeClr>
+    </cs:fontRef>
+    <cs:defRPr sz="900" kern="1200"/>
+  </cs:legend>
+  <cs:plotArea mods="allowNoFillOverride allowNoLineOverride">
+    <cs:lnRef idx="0"/>
+    <cs:fillRef idx="0"/>
+    <cs:effectRef idx="0"/>
+    <cs:fontRef idx="minor">
+      <a:schemeClr val="tx1"/>
+    </cs:fontRef>
+  </cs:plotArea>
+  <cs:plotArea3D mods="allowNoFillOverride allowNoLineOverride">
+    <cs:lnRef idx="0"/>
+    <cs:fillRef idx="0"/>
+    <cs:effectRef idx="0"/>
+    <cs:fontRef idx="minor">
+      <a:schemeClr val="tx1"/>
+    </cs:fontRef>
+  </cs:plotArea3D>
+  <cs:seriesAxis>
+    <cs:lnRef idx="0"/>
+    <cs:fillRef idx="0"/>
+    <cs:effectRef idx="0"/>
+    <cs:fontRef idx="minor">
+      <a:schemeClr val="tx1">
+        <a:lumMod val="65000"/>
+        <a:lumOff val="35000"/>
+      </a:schemeClr>
+    </cs:fontRef>
+    <cs:defRPr sz="900" kern="1200"/>
+  </cs:seriesAxis>
+  <cs:seriesLine>
+    <cs:lnRef idx="0"/>
+    <cs:fillRef idx="0"/>
+    <cs:effectRef idx="0"/>
+    <cs:fontRef idx="minor">
+      <a:schemeClr val="tx1"/>
+    </cs:fontRef>
+    <cs:spPr>
+      <a:ln w="9525" cap="flat" cmpd="sng" algn="ctr">
+        <a:solidFill>
+          <a:schemeClr val="tx1">
+            <a:lumMod val="35000"/>
+            <a:lumOff val="65000"/>
+          </a:schemeClr>
+        </a:solidFill>
+        <a:round/>
+      </a:ln>
+    </cs:spPr>
+  </cs:seriesLine>
+  <cs:title>
+    <cs:lnRef idx="0"/>
+    <cs:fillRef idx="0"/>
+    <cs:effectRef idx="0"/>
+    <cs:fontRef idx="minor">
+      <a:schemeClr val="tx1">
+        <a:lumMod val="65000"/>
+        <a:lumOff val="35000"/>
+      </a:schemeClr>
+    </cs:fontRef>
+    <cs:defRPr sz="1400" b="0" kern="1200" spc="0" baseline="0"/>
+  </cs:title>
+  <cs:trendline>
+    <cs:lnRef idx="0">
+      <cs:styleClr val="auto"/>
+    </cs:lnRef>
+    <cs:fillRef idx="0"/>
+    <cs:effectRef idx="0"/>
+    <cs:fontRef idx="minor">
+      <a:schemeClr val="tx1"/>
+    </cs:fontRef>
+    <cs:spPr>
+      <a:ln w="19050" cap="rnd">
+        <a:solidFill>
+          <a:schemeClr val="phClr"/>
+        </a:solidFill>
+        <a:prstDash val="sysDot"/>
+      </a:ln>
+    </cs:spPr>
+  </cs:trendline>
+  <cs:trendlineLabel>
+    <cs:lnRef idx="0"/>
+    <cs:fillRef idx="0"/>
+    <cs:effectRef idx="0"/>
+    <cs:fontRef idx="minor">
+      <a:schemeClr val="tx1">
+        <a:lumMod val="65000"/>
+        <a:lumOff val="35000"/>
+      </a:schemeClr>
+    </cs:fontRef>
+    <cs:defRPr sz="900" kern="1200"/>
+  </cs:trendlineLabel>
+  <cs:upBar>
+    <cs:lnRef idx="0"/>
+    <cs:fillRef idx="0"/>
+    <cs:effectRef idx="0"/>
+    <cs:fontRef idx="minor">
+      <a:schemeClr val="tx1"/>
+    </cs:fontRef>
+    <cs:spPr>
+      <a:solidFill>
+        <a:schemeClr val="lt1"/>
+      </a:solidFill>
+      <a:ln w="9525" cap="flat" cmpd="sng" algn="ctr">
+        <a:solidFill>
+          <a:schemeClr val="tx1">
+            <a:lumMod val="65000"/>
+            <a:lumOff val="35000"/>
+          </a:schemeClr>
+        </a:solidFill>
+        <a:round/>
+      </a:ln>
+    </cs:spPr>
+  </cs:upBar>
+  <cs:valueAxis>
+    <cs:lnRef idx="0"/>
+    <cs:fillRef idx="0"/>
+    <cs:effectRef idx="0"/>
+    <cs:fontRef idx="minor">
+      <a:schemeClr val="tx1">
+        <a:lumMod val="65000"/>
+        <a:lumOff val="35000"/>
+      </a:schemeClr>
+    </cs:fontRef>
+    <cs:spPr>
+      <a:ln w="9525" cap="flat" cmpd="sng" algn="ctr">
+        <a:solidFill>
+          <a:schemeClr val="tx1">
+            <a:lumMod val="25000"/>
+            <a:lumOff val="75000"/>
+          </a:schemeClr>
+        </a:solidFill>
+        <a:round/>
+      </a:ln>
+    </cs:spPr>
+    <cs:defRPr sz="900" kern="1200"/>
+  </cs:valueAxis>
+  <cs:wall>
+    <cs:lnRef idx="0"/>
+    <cs:fillRef idx="0"/>
+    <cs:effectRef idx="0"/>
+    <cs:fontRef idx="minor">
+      <a:schemeClr val="tx1"/>
+    </cs:fontRef>
+    <cs:spPr>
+      <a:noFill/>
+      <a:ln>
+        <a:noFill/>
+      </a:ln>
+    </cs:spPr>
+  </cs:wall>
+</cs:chartStyle>
+</file>
+
+<file path=ppt/charts/style2.xml><?xml version="1.0" encoding="utf-8"?>
+<cs:chartStyle xmlns:cs="http://schemas.microsoft.com/office/drawing/2012/chartStyle" xmlns:a="http://schemas.openxmlformats.org/drawingml/2006/main" id="240">
+  <cs:axisTitle>
+    <cs:lnRef idx="0"/>
+    <cs:fillRef idx="0"/>
+    <cs:effectRef idx="0"/>
+    <cs:fontRef idx="minor">
+      <a:schemeClr val="tx1">
+        <a:lumMod val="65000"/>
+        <a:lumOff val="35000"/>
+      </a:schemeClr>
+    </cs:fontRef>
+    <cs:defRPr sz="1000" kern="1200"/>
+  </cs:axisTitle>
+  <cs:categoryAxis>
+    <cs:lnRef idx="0"/>
+    <cs:fillRef idx="0"/>
+    <cs:effectRef idx="0"/>
+    <cs:fontRef idx="minor">
+      <a:schemeClr val="tx1">
+        <a:lumMod val="65000"/>
+        <a:lumOff val="35000"/>
+      </a:schemeClr>
+    </cs:fontRef>
+    <cs:spPr>
+      <a:ln w="9525" cap="flat" cmpd="sng" algn="ctr">
+        <a:solidFill>
+          <a:schemeClr val="tx1">
+            <a:lumMod val="25000"/>
+            <a:lumOff val="75000"/>
+          </a:schemeClr>
+        </a:solidFill>
+        <a:round/>
+      </a:ln>
+    </cs:spPr>
+    <cs:defRPr sz="900" kern="1200"/>
+  </cs:categoryAxis>
+  <cs:chartArea mods="allowNoFillOverride allowNoLineOverride">
+    <cs:lnRef idx="0"/>
+    <cs:fillRef idx="0"/>
+    <cs:effectRef idx="0"/>
+    <cs:fontRef idx="minor">
+      <a:schemeClr val="tx1"/>
+    </cs:fontRef>
+    <cs:spPr>
+      <a:solidFill>
+        <a:schemeClr val="bg1"/>
+      </a:solidFill>
+      <a:ln w="9525" cap="flat" cmpd="sng" algn="ctr">
+        <a:solidFill>
+          <a:schemeClr val="tx1">
+            <a:lumMod val="15000"/>
+            <a:lumOff val="85000"/>
+          </a:schemeClr>
+        </a:solidFill>
+        <a:round/>
+      </a:ln>
+    </cs:spPr>
+    <cs:defRPr sz="1000" kern="1200"/>
+  </cs:chartArea>
+  <cs:dataLabel>
+    <cs:lnRef idx="0"/>
+    <cs:fillRef idx="0"/>
+    <cs:effectRef idx="0"/>
+    <cs:fontRef idx="minor">
+      <a:schemeClr val="tx1">
+        <a:lumMod val="75000"/>
+        <a:lumOff val="25000"/>
+      </a:schemeClr>
+    </cs:fontRef>
+    <cs:defRPr sz="900" kern="1200"/>
+  </cs:dataLabel>
+  <cs:dataLabelCallout>
+    <cs:lnRef idx="0"/>
+    <cs:fillRef idx="0"/>
+    <cs:effectRef idx="0"/>
+    <cs:fontRef idx="minor">
+      <a:schemeClr val="dk1">
+        <a:lumMod val="65000"/>
+        <a:lumOff val="35000"/>
+      </a:schemeClr>
+    </cs:fontRef>
+    <cs:spPr>
+      <a:solidFill>
+        <a:schemeClr val="lt1"/>
+      </a:solidFill>
+      <a:ln>
+        <a:solidFill>
+          <a:schemeClr val="dk1">
+            <a:lumMod val="25000"/>
+            <a:lumOff val="75000"/>
+          </a:schemeClr>
+        </a:solidFill>
+      </a:ln>
+    </cs:spPr>
+    <cs:defRPr sz="900" kern="1200"/>
+    <cs:bodyPr rot="0" spcFirstLastPara="1" vertOverflow="clip" horzOverflow="clip" vert="horz" wrap="square" lIns="36576" tIns="18288" rIns="36576" bIns="18288" anchor="ctr" anchorCtr="1">
+      <a:spAutoFit/>
+    </cs:bodyPr>
+  </cs:dataLabelCallout>
+  <cs:dataPoint>
+    <cs:lnRef idx="0"/>
+    <cs:fillRef idx="1">
+      <cs:styleClr val="auto"/>
+    </cs:fillRef>
+    <cs:effectRef idx="0"/>
+    <cs:fontRef idx="minor">
+      <a:schemeClr val="tx1"/>
+    </cs:fontRef>
+  </cs:dataPoint>
+  <cs:dataPoint3D>
+    <cs:lnRef idx="0"/>
+    <cs:fillRef idx="1">
+      <cs:styleClr val="auto"/>
+    </cs:fillRef>
+    <cs:effectRef idx="0"/>
+    <cs:fontRef idx="minor">
+      <a:schemeClr val="tx1"/>
+    </cs:fontRef>
+  </cs:dataPoint3D>
+  <cs:dataPointLine>
+    <cs:lnRef idx="0">
+      <cs:styleClr val="auto"/>
+    </cs:lnRef>
+    <cs:fillRef idx="1"/>
+    <cs:effectRef idx="0"/>
+    <cs:fontRef idx="minor">
+      <a:schemeClr val="tx1"/>
+    </cs:fontRef>
+    <cs:spPr>
+      <a:ln w="19050" cap="rnd">
+        <a:solidFill>
+          <a:schemeClr val="phClr"/>
+        </a:solidFill>
+        <a:round/>
+      </a:ln>
+    </cs:spPr>
+  </cs:dataPointLine>
+  <cs:dataPointMarker>
+    <cs:lnRef idx="0">
+      <cs:styleClr val="auto"/>
+    </cs:lnRef>
+    <cs:fillRef idx="1">
+      <cs:styleClr val="auto"/>
+    </cs:fillRef>
+    <cs:effectRef idx="0"/>
+    <cs:fontRef idx="minor">
+      <a:schemeClr val="tx1"/>
+    </cs:fontRef>
+    <cs:spPr>
+      <a:ln w="9525">
+        <a:solidFill>
+          <a:schemeClr val="phClr"/>
+        </a:solidFill>
+      </a:ln>
+    </cs:spPr>
+  </cs:dataPointMarker>
+  <cs:dataPointMarkerLayout symbol="circle" size="5"/>
+  <cs:dataPointWireframe>
+    <cs:lnRef idx="0">
+      <cs:styleClr val="auto"/>
+    </cs:lnRef>
+    <cs:fillRef idx="0"/>
+    <cs:effectRef idx="0"/>
+    <cs:fontRef idx="minor">
+      <a:schemeClr val="dk1"/>
+    </cs:fontRef>
+    <cs:spPr>
+      <a:ln w="9525" cap="rnd">
+        <a:solidFill>
+          <a:schemeClr val="phClr"/>
+        </a:solidFill>
+        <a:round/>
+      </a:ln>
+    </cs:spPr>
+  </cs:dataPointWireframe>
+  <cs:dataTable>
+    <cs:lnRef idx="0"/>
+    <cs:fillRef idx="0"/>
+    <cs:effectRef idx="0"/>
+    <cs:fontRef idx="minor">
+      <a:schemeClr val="tx1">
+        <a:lumMod val="65000"/>
+        <a:lumOff val="35000"/>
+      </a:schemeClr>
+    </cs:fontRef>
+    <cs:spPr>
+      <a:noFill/>
+      <a:ln w="9525" cap="flat" cmpd="sng" algn="ctr">
+        <a:solidFill>
+          <a:schemeClr val="tx1">
+            <a:lumMod val="15000"/>
+            <a:lumOff val="85000"/>
+          </a:schemeClr>
+        </a:solidFill>
+        <a:round/>
+      </a:ln>
+    </cs:spPr>
+    <cs:defRPr sz="900" kern="1200"/>
+  </cs:dataTable>
+  <cs:downBar>
+    <cs:lnRef idx="0"/>
+    <cs:fillRef idx="0"/>
+    <cs:effectRef idx="0"/>
+    <cs:fontRef idx="minor">
+      <a:schemeClr val="tx1"/>
+    </cs:fontRef>
+    <cs:spPr>
+      <a:solidFill>
+        <a:schemeClr val="dk1">
+          <a:lumMod val="75000"/>
+          <a:lumOff val="25000"/>
+        </a:schemeClr>
+      </a:solidFill>
+      <a:ln w="9525" cap="flat" cmpd="sng" algn="ctr">
+        <a:solidFill>
+          <a:schemeClr val="tx1">
+            <a:lumMod val="65000"/>
+            <a:lumOff val="35000"/>
+          </a:schemeClr>
+        </a:solidFill>
+        <a:round/>
+      </a:ln>
+    </cs:spPr>
+  </cs:downBar>
+  <cs:dropLine>
+    <cs:lnRef idx="0"/>
+    <cs:fillRef idx="0"/>
+    <cs:effectRef idx="0"/>
+    <cs:fontRef idx="minor">
+      <a:schemeClr val="tx1"/>
+    </cs:fontRef>
+    <cs:spPr>
+      <a:ln w="9525" cap="flat" cmpd="sng" algn="ctr">
+        <a:solidFill>
+          <a:schemeClr val="tx1">
+            <a:lumMod val="35000"/>
+            <a:lumOff val="65000"/>
+          </a:schemeClr>
+        </a:solidFill>
+        <a:round/>
+      </a:ln>
+    </cs:spPr>
+  </cs:dropLine>
+  <cs:errorBar>
+    <cs:lnRef idx="0"/>
+    <cs:fillRef idx="0"/>
+    <cs:effectRef idx="0"/>
+    <cs:fontRef idx="minor">
+      <a:schemeClr val="tx1"/>
+    </cs:fontRef>
+    <cs:spPr>
+      <a:ln w="9525" cap="flat" cmpd="sng" algn="ctr">
+        <a:solidFill>
+          <a:schemeClr val="tx1">
+            <a:lumMod val="65000"/>
+            <a:lumOff val="35000"/>
+          </a:schemeClr>
+        </a:solidFill>
+        <a:round/>
+      </a:ln>
+    </cs:spPr>
+  </cs:errorBar>
+  <cs:floor>
+    <cs:lnRef idx="0"/>
+    <cs:fillRef idx="0"/>
+    <cs:effectRef idx="0"/>
+    <cs:fontRef idx="minor">
+      <a:schemeClr val="tx1"/>
+    </cs:fontRef>
+    <cs:spPr>
+      <a:noFill/>
+      <a:ln>
+        <a:noFill/>
+      </a:ln>
+    </cs:spPr>
+  </cs:floor>
+  <cs:gridlineMajor>
+    <cs:lnRef idx="0"/>
+    <cs:fillRef idx="0"/>
+    <cs:effectRef idx="0"/>
+    <cs:fontRef idx="minor">
+      <a:schemeClr val="tx1"/>
+    </cs:fontRef>
+    <cs:spPr>
+      <a:ln w="9525" cap="flat" cmpd="sng" algn="ctr">
+        <a:solidFill>
+          <a:schemeClr val="tx1">
+            <a:lumMod val="15000"/>
+            <a:lumOff val="85000"/>
+          </a:schemeClr>
+        </a:solidFill>
+        <a:round/>
+      </a:ln>
+    </cs:spPr>
+  </cs:gridlineMajor>
+  <cs:gridlineMinor>
+    <cs:lnRef idx="0"/>
+    <cs:fillRef idx="0"/>
+    <cs:effectRef idx="0"/>
+    <cs:fontRef idx="minor">
+      <a:schemeClr val="tx1"/>
+    </cs:fontRef>
+    <cs:spPr>
+      <a:ln w="9525" cap="flat" cmpd="sng" algn="ctr">
+        <a:solidFill>
+          <a:schemeClr val="tx1">
+            <a:lumMod val="5000"/>
+            <a:lumOff val="95000"/>
+          </a:schemeClr>
+        </a:solidFill>
+        <a:round/>
+      </a:ln>
+    </cs:spPr>
+  </cs:gridlineMinor>
+  <cs:hiLoLine>
+    <cs:lnRef idx="0"/>
+    <cs:fillRef idx="0"/>
+    <cs:effectRef idx="0"/>
+    <cs:fontRef idx="minor">
+      <a:schemeClr val="tx1"/>
+    </cs:fontRef>
+    <cs:spPr>
+      <a:ln w="9525" cap="flat" cmpd="sng" algn="ctr">
+        <a:solidFill>
+          <a:schemeClr val="tx1">
+            <a:lumMod val="50000"/>
+            <a:lumOff val="50000"/>
+          </a:schemeClr>
+        </a:solidFill>
+        <a:round/>
+      </a:ln>
+    </cs:spPr>
+  </cs:hiLoLine>
+  <cs:leaderLine>
+    <cs:lnRef idx="0"/>
+    <cs:fillRef idx="0"/>
+    <cs:effectRef idx="0"/>
+    <cs:fontRef idx="minor">
+      <a:schemeClr val="tx1"/>
+    </cs:fontRef>
+    <cs:spPr>
+      <a:ln w="9525" cap="flat" cmpd="sng" algn="ctr">
+        <a:solidFill>
+          <a:schemeClr val="tx1">
+            <a:lumMod val="35000"/>
+            <a:lumOff val="65000"/>
+          </a:schemeClr>
+        </a:solidFill>
+        <a:round/>
+      </a:ln>
+    </cs:spPr>
+  </cs:leaderLine>
+  <cs:legend>
+    <cs:lnRef idx="0"/>
+    <cs:fillRef idx="0"/>
+    <cs:effectRef idx="0"/>
+    <cs:fontRef idx="minor">
+      <a:schemeClr val="tx1">
+        <a:lumMod val="65000"/>
+        <a:lumOff val="35000"/>
+      </a:schemeClr>
+    </cs:fontRef>
+    <cs:defRPr sz="900" kern="1200"/>
+  </cs:legend>
+  <cs:plotArea mods="allowNoFillOverride allowNoLineOverride">
+    <cs:lnRef idx="0"/>
+    <cs:fillRef idx="0"/>
+    <cs:effectRef idx="0"/>
+    <cs:fontRef idx="minor">
+      <a:schemeClr val="tx1"/>
+    </cs:fontRef>
+  </cs:plotArea>
+  <cs:plotArea3D mods="allowNoFillOverride allowNoLineOverride">
+    <cs:lnRef idx="0"/>
+    <cs:fillRef idx="0"/>
+    <cs:effectRef idx="0"/>
+    <cs:fontRef idx="minor">
+      <a:schemeClr val="tx1"/>
+    </cs:fontRef>
+  </cs:plotArea3D>
+  <cs:seriesAxis>
+    <cs:lnRef idx="0"/>
+    <cs:fillRef idx="0"/>
+    <cs:effectRef idx="0"/>
+    <cs:fontRef idx="minor">
+      <a:schemeClr val="tx1">
+        <a:lumMod val="65000"/>
+        <a:lumOff val="35000"/>
+      </a:schemeClr>
+    </cs:fontRef>
+    <cs:defRPr sz="900" kern="1200"/>
+  </cs:seriesAxis>
+  <cs:seriesLine>
+    <cs:lnRef idx="0"/>
+    <cs:fillRef idx="0"/>
+    <cs:effectRef idx="0"/>
+    <cs:fontRef idx="minor">
+      <a:schemeClr val="tx1"/>
+    </cs:fontRef>
+    <cs:spPr>
+      <a:ln w="9525" cap="flat" cmpd="sng" algn="ctr">
+        <a:solidFill>
+          <a:schemeClr val="tx1">
+            <a:lumMod val="35000"/>
+            <a:lumOff val="65000"/>
+          </a:schemeClr>
+        </a:solidFill>
+        <a:round/>
+      </a:ln>
+    </cs:spPr>
+  </cs:seriesLine>
+  <cs:title>
+    <cs:lnRef idx="0"/>
+    <cs:fillRef idx="0"/>
+    <cs:effectRef idx="0"/>
+    <cs:fontRef idx="minor">
+      <a:schemeClr val="tx1">
+        <a:lumMod val="65000"/>
+        <a:lumOff val="35000"/>
+      </a:schemeClr>
+    </cs:fontRef>
+    <cs:defRPr sz="1400" b="0" kern="1200" spc="0" baseline="0"/>
+  </cs:title>
+  <cs:trendline>
+    <cs:lnRef idx="0">
+      <cs:styleClr val="auto"/>
+    </cs:lnRef>
+    <cs:fillRef idx="0"/>
+    <cs:effectRef idx="0"/>
+    <cs:fontRef idx="minor">
+      <a:schemeClr val="tx1"/>
+    </cs:fontRef>
+    <cs:spPr>
+      <a:ln w="19050" cap="rnd">
+        <a:solidFill>
+          <a:schemeClr val="phClr"/>
+        </a:solidFill>
+        <a:prstDash val="sysDot"/>
+      </a:ln>
+    </cs:spPr>
+  </cs:trendline>
+  <cs:trendlineLabel>
+    <cs:lnRef idx="0"/>
+    <cs:fillRef idx="0"/>
+    <cs:effectRef idx="0"/>
+    <cs:fontRef idx="minor">
+      <a:schemeClr val="tx1">
+        <a:lumMod val="65000"/>
+        <a:lumOff val="35000"/>
+      </a:schemeClr>
+    </cs:fontRef>
+    <cs:defRPr sz="900" kern="1200"/>
+  </cs:trendlineLabel>
+  <cs:upBar>
+    <cs:lnRef idx="0"/>
+    <cs:fillRef idx="0"/>
+    <cs:effectRef idx="0"/>
+    <cs:fontRef idx="minor">
+      <a:schemeClr val="tx1"/>
+    </cs:fontRef>
+    <cs:spPr>
+      <a:solidFill>
+        <a:schemeClr val="lt1"/>
+      </a:solidFill>
+      <a:ln w="9525" cap="flat" cmpd="sng" algn="ctr">
+        <a:solidFill>
+          <a:schemeClr val="tx1">
+            <a:lumMod val="65000"/>
+            <a:lumOff val="35000"/>
+          </a:schemeClr>
+        </a:solidFill>
+        <a:round/>
+      </a:ln>
+    </cs:spPr>
+  </cs:upBar>
+  <cs:valueAxis>
+    <cs:lnRef idx="0"/>
+    <cs:fillRef idx="0"/>
+    <cs:effectRef idx="0"/>
+    <cs:fontRef idx="minor">
+      <a:schemeClr val="tx1">
+        <a:lumMod val="65000"/>
+        <a:lumOff val="35000"/>
+      </a:schemeClr>
+    </cs:fontRef>
+    <cs:spPr>
+      <a:ln w="9525" cap="flat" cmpd="sng" algn="ctr">
+        <a:solidFill>
+          <a:schemeClr val="tx1">
+            <a:lumMod val="25000"/>
+            <a:lumOff val="75000"/>
+          </a:schemeClr>
+        </a:solidFill>
+        <a:round/>
+      </a:ln>
+    </cs:spPr>
+    <cs:defRPr sz="900" kern="1200"/>
+  </cs:valueAxis>
+  <cs:wall>
+    <cs:lnRef idx="0"/>
+    <cs:fillRef idx="0"/>
+    <cs:effectRef idx="0"/>
+    <cs:fontRef idx="minor">
+      <a:schemeClr val="tx1"/>
+    </cs:fontRef>
+    <cs:spPr>
+      <a:noFill/>
+      <a:ln>
+        <a:noFill/>
+      </a:ln>
+    </cs:spPr>
+  </cs:wall>
+</cs:chartStyle>
+</file>
+
+<file path=ppt/notesMasters/notesMaster1.xml><?xml version="1.0" encoding="utf-8"?>
+<p:notesMaster xmlns:a="http://schemas.openxmlformats.org/drawingml/2006/main" xmlns:r="http://schemas.openxmlformats.org/officeDocument/2006/relationships" xmlns:p="http://schemas.openxmlformats.org/presentationml/2006/main">
+  <p:cSld>
+    <p:bg>
+      <p:bgRef idx="1001">
+        <a:schemeClr val="bg1"/>
+      </p:bgRef>
+    </p:bg>
+    <p:spTree>
+      <p:nvGrpSpPr>
+        <p:cNvPr id="1" name=""/>
+        <p:cNvGrpSpPr/>
+        <p:nvPr/>
+      </p:nvGrpSpPr>
+      <p:grpSpPr>
+        <a:xfrm>
+          <a:off x="0" y="0"/>
+          <a:ext cx="0" cy="0"/>
+          <a:chOff x="0" y="0"/>
+          <a:chExt cx="0" cy="0"/>
+        </a:xfrm>
+      </p:grpSpPr>
+      <p:sp>
+        <p:nvSpPr>
+          <p:cNvPr id="2" name="Header Placeholder 1"/>
+          <p:cNvSpPr>
+            <a:spLocks noGrp="1"/>
+          </p:cNvSpPr>
+          <p:nvPr>
+            <p:ph type="hdr" sz="quarter"/>
+          </p:nvPr>
+        </p:nvSpPr>
+        <p:spPr>
+          <a:xfrm>
+            <a:off x="0" y="0"/>
+            <a:ext cx="2971800" cy="458788"/>
+          </a:xfrm>
+          <a:prstGeom prst="rect">
+            <a:avLst/>
+          </a:prstGeom>
+        </p:spPr>
+        <p:txBody>
+          <a:bodyPr vert="horz" lIns="91440" tIns="45720" rIns="91440" bIns="45720" rtlCol="0"/>
+          <a:lstStyle>
+            <a:lvl1pPr algn="l">
+              <a:defRPr sz="1200"/>
+            </a:lvl1pPr>
+          </a:lstStyle>
+          <a:p>
+            <a:endParaRPr lang="en-US"/>
+          </a:p>
+        </p:txBody>
+      </p:sp>
+      <p:sp>
+        <p:nvSpPr>
+          <p:cNvPr id="3" name="Date Placeholder 2"/>
+          <p:cNvSpPr>
+            <a:spLocks noGrp="1"/>
+          </p:cNvSpPr>
+          <p:nvPr>
+            <p:ph type="dt" idx="1"/>
+          </p:nvPr>
+        </p:nvSpPr>
+        <p:spPr>
+          <a:xfrm>
+            <a:off x="3884613" y="0"/>
+            <a:ext cx="2971800" cy="458788"/>
+          </a:xfrm>
+          <a:prstGeom prst="rect">
+            <a:avLst/>
+          </a:prstGeom>
+        </p:spPr>
+        <p:txBody>
+          <a:bodyPr vert="horz" lIns="91440" tIns="45720" rIns="91440" bIns="45720" rtlCol="0"/>
+          <a:lstStyle>
+            <a:lvl1pPr algn="r">
+              <a:defRPr sz="1200"/>
+            </a:lvl1pPr>
+          </a:lstStyle>
+          <a:p>
+            <a:fld id="{6AFF244E-039A-43E3-AD5A-60009F1CEEC7}" type="datetimeFigureOut">
+              <a:rPr lang="en-US" smtClean="0"/>
+              <a:t>3/27/2016</a:t>
+            </a:fld>
+            <a:endParaRPr lang="en-US"/>
+          </a:p>
+        </p:txBody>
+      </p:sp>
+      <p:sp>
+        <p:nvSpPr>
+          <p:cNvPr id="4" name="Slide Image Placeholder 3"/>
+          <p:cNvSpPr>
+            <a:spLocks noGrp="1" noRot="1" noChangeAspect="1"/>
+          </p:cNvSpPr>
+          <p:nvPr>
+            <p:ph type="sldImg" idx="2"/>
+          </p:nvPr>
+        </p:nvSpPr>
+        <p:spPr>
+          <a:xfrm>
+            <a:off x="685800" y="1143000"/>
+            <a:ext cx="5486400" cy="3086100"/>
+          </a:xfrm>
+          <a:prstGeom prst="rect">
+            <a:avLst/>
+          </a:prstGeom>
+          <a:noFill/>
+          <a:ln w="12700">
+            <a:solidFill>
+              <a:prstClr val="black"/>
+            </a:solidFill>
+          </a:ln>
+        </p:spPr>
+        <p:txBody>
+          <a:bodyPr vert="horz" lIns="91440" tIns="45720" rIns="91440" bIns="45720" rtlCol="0" anchor="ctr"/>
+          <a:lstStyle/>
+          <a:p>
+            <a:endParaRPr lang="en-US"/>
+          </a:p>
+        </p:txBody>
+      </p:sp>
+      <p:sp>
+        <p:nvSpPr>
+          <p:cNvPr id="5" name="Notes Placeholder 4"/>
+          <p:cNvSpPr>
+            <a:spLocks noGrp="1"/>
+          </p:cNvSpPr>
+          <p:nvPr>
+            <p:ph type="body" sz="quarter" idx="3"/>
+          </p:nvPr>
+        </p:nvSpPr>
+        <p:spPr>
+          <a:xfrm>
+            <a:off x="685800" y="4400550"/>
+            <a:ext cx="5486400" cy="3600450"/>
+          </a:xfrm>
+          <a:prstGeom prst="rect">
+            <a:avLst/>
+          </a:prstGeom>
+        </p:spPr>
+        <p:txBody>
+          <a:bodyPr vert="horz" lIns="91440" tIns="45720" rIns="91440" bIns="45720" rtlCol="0"/>
+          <a:lstStyle/>
+          <a:p>
+            <a:pPr lvl="0"/>
+            <a:r>
+              <a:rPr lang="en-US"/>
+              <a:t>Edit Master text styles</a:t>
+            </a:r>
+          </a:p>
+          <a:p>
+            <a:pPr lvl="1"/>
+            <a:r>
+              <a:rPr lang="en-US"/>
+              <a:t>Second level</a:t>
+            </a:r>
+          </a:p>
+          <a:p>
+            <a:pPr lvl="2"/>
+            <a:r>
+              <a:rPr lang="en-US"/>
+              <a:t>Third level</a:t>
+            </a:r>
+          </a:p>
+          <a:p>
+            <a:pPr lvl="3"/>
+            <a:r>
+              <a:rPr lang="en-US"/>
+              <a:t>Fourth level</a:t>
+            </a:r>
+          </a:p>
+          <a:p>
+            <a:pPr lvl="4"/>
+            <a:r>
+              <a:rPr lang="en-US"/>
+              <a:t>Fifth level</a:t>
+            </a:r>
+            <a:endParaRPr lang="en-US"/>
+          </a:p>
+        </p:txBody>
+      </p:sp>
+      <p:sp>
+        <p:nvSpPr>
+          <p:cNvPr id="6" name="Footer Placeholder 5"/>
+          <p:cNvSpPr>
+            <a:spLocks noGrp="1"/>
+          </p:cNvSpPr>
+          <p:nvPr>
+            <p:ph type="ftr" sz="quarter" idx="4"/>
+          </p:nvPr>
+        </p:nvSpPr>
+        <p:spPr>
+          <a:xfrm>
+            <a:off x="0" y="8685213"/>
+            <a:ext cx="2971800" cy="458787"/>
+          </a:xfrm>
+          <a:prstGeom prst="rect">
+            <a:avLst/>
+          </a:prstGeom>
+        </p:spPr>
+        <p:txBody>
+          <a:bodyPr vert="horz" lIns="91440" tIns="45720" rIns="91440" bIns="45720" rtlCol="0" anchor="b"/>
+          <a:lstStyle>
+            <a:lvl1pPr algn="l">
+              <a:defRPr sz="1200"/>
+            </a:lvl1pPr>
+          </a:lstStyle>
+          <a:p>
+            <a:endParaRPr lang="en-US"/>
+          </a:p>
+        </p:txBody>
+      </p:sp>
+      <p:sp>
+        <p:nvSpPr>
+          <p:cNvPr id="7" name="Slide Number Placeholder 6"/>
+          <p:cNvSpPr>
+            <a:spLocks noGrp="1"/>
+          </p:cNvSpPr>
+          <p:nvPr>
+            <p:ph type="sldNum" sz="quarter" idx="5"/>
+          </p:nvPr>
+        </p:nvSpPr>
+        <p:spPr>
+          <a:xfrm>
+            <a:off x="3884613" y="8685213"/>
+            <a:ext cx="2971800" cy="458787"/>
+          </a:xfrm>
+          <a:prstGeom prst="rect">
+            <a:avLst/>
+          </a:prstGeom>
+        </p:spPr>
+        <p:txBody>
+          <a:bodyPr vert="horz" lIns="91440" tIns="45720" rIns="91440" bIns="45720" rtlCol="0" anchor="b"/>
+          <a:lstStyle>
+            <a:lvl1pPr algn="r">
+              <a:defRPr sz="1200"/>
+            </a:lvl1pPr>
+          </a:lstStyle>
+          <a:p>
+            <a:fld id="{A264076F-80FB-43C3-B01C-7E976252877C}" type="slidenum">
+              <a:rPr lang="en-US" smtClean="0"/>
+              <a:t>‹#›</a:t>
+            </a:fld>
+            <a:endParaRPr lang="en-US"/>
+          </a:p>
+        </p:txBody>
+      </p:sp>
+    </p:spTree>
+    <p:extLst>
+      <p:ext uri="{BB962C8B-B14F-4D97-AF65-F5344CB8AC3E}">
+        <p14:creationId xmlns:p14="http://schemas.microsoft.com/office/powerpoint/2010/main" val="1013813879"/>
+      </p:ext>
+    </p:extLst>
+  </p:cSld>
+  <p:clrMap bg1="lt1" tx1="dk1" bg2="lt2" tx2="dk2" accent1="accent1" accent2="accent2" accent3="accent3" accent4="accent4" accent5="accent5" accent6="accent6" hlink="hlink" folHlink="folHlink"/>
+  <p:notesStyle>
+    <a:lvl1pPr marL="0" algn="l" defTabSz="914400" rtl="0" eaLnBrk="1" latinLnBrk="0" hangingPunct="1">
+      <a:defRPr sz="1200" kern="1200">
+        <a:solidFill>
+          <a:schemeClr val="tx1"/>
+        </a:solidFill>
+        <a:latin typeface="+mn-lt"/>
+        <a:ea typeface="+mn-ea"/>
+        <a:cs typeface="+mn-cs"/>
+      </a:defRPr>
+    </a:lvl1pPr>
+    <a:lvl2pPr marL="457200" algn="l" defTabSz="914400" rtl="0" eaLnBrk="1" latinLnBrk="0" hangingPunct="1">
+      <a:defRPr sz="1200" kern="1200">
+        <a:solidFill>
+          <a:schemeClr val="tx1"/>
+        </a:solidFill>
+        <a:latin typeface="+mn-lt"/>
+        <a:ea typeface="+mn-ea"/>
+        <a:cs typeface="+mn-cs"/>
+      </a:defRPr>
+    </a:lvl2pPr>
+    <a:lvl3pPr marL="914400" algn="l" defTabSz="914400" rtl="0" eaLnBrk="1" latinLnBrk="0" hangingPunct="1">
+      <a:defRPr sz="1200" kern="1200">
+        <a:solidFill>
+          <a:schemeClr val="tx1"/>
+        </a:solidFill>
+        <a:latin typeface="+mn-lt"/>
+        <a:ea typeface="+mn-ea"/>
+        <a:cs typeface="+mn-cs"/>
+      </a:defRPr>
+    </a:lvl3pPr>
+    <a:lvl4pPr marL="1371600" algn="l" defTabSz="914400" rtl="0" eaLnBrk="1" latinLnBrk="0" hangingPunct="1">
+      <a:defRPr sz="1200" kern="1200">
+        <a:solidFill>
+          <a:schemeClr val="tx1"/>
+        </a:solidFill>
+        <a:latin typeface="+mn-lt"/>
+        <a:ea typeface="+mn-ea"/>
+        <a:cs typeface="+mn-cs"/>
+      </a:defRPr>
+    </a:lvl4pPr>
+    <a:lvl5pPr marL="1828800" algn="l" defTabSz="914400" rtl="0" eaLnBrk="1" latinLnBrk="0" hangingPunct="1">
+      <a:defRPr sz="1200" kern="1200">
+        <a:solidFill>
+          <a:schemeClr val="tx1"/>
+        </a:solidFill>
+        <a:latin typeface="+mn-lt"/>
+        <a:ea typeface="+mn-ea"/>
+        <a:cs typeface="+mn-cs"/>
+      </a:defRPr>
+    </a:lvl5pPr>
+    <a:lvl6pPr marL="2286000" algn="l" defTabSz="914400" rtl="0" eaLnBrk="1" latinLnBrk="0" hangingPunct="1">
+      <a:defRPr sz="1200" kern="1200">
+        <a:solidFill>
+          <a:schemeClr val="tx1"/>
+        </a:solidFill>
+        <a:latin typeface="+mn-lt"/>
+        <a:ea typeface="+mn-ea"/>
+        <a:cs typeface="+mn-cs"/>
+      </a:defRPr>
+    </a:lvl6pPr>
+    <a:lvl7pPr marL="2743200" algn="l" defTabSz="914400" rtl="0" eaLnBrk="1" latinLnBrk="0" hangingPunct="1">
+      <a:defRPr sz="1200" kern="1200">
+        <a:solidFill>
+          <a:schemeClr val="tx1"/>
+        </a:solidFill>
+        <a:latin typeface="+mn-lt"/>
+        <a:ea typeface="+mn-ea"/>
+        <a:cs typeface="+mn-cs"/>
+      </a:defRPr>
+    </a:lvl7pPr>
+    <a:lvl8pPr marL="3200400" algn="l" defTabSz="914400" rtl="0" eaLnBrk="1" latinLnBrk="0" hangingPunct="1">
+      <a:defRPr sz="1200" kern="1200">
+        <a:solidFill>
+          <a:schemeClr val="tx1"/>
+        </a:solidFill>
+        <a:latin typeface="+mn-lt"/>
+        <a:ea typeface="+mn-ea"/>
+        <a:cs typeface="+mn-cs"/>
+      </a:defRPr>
+    </a:lvl8pPr>
+    <a:lvl9pPr marL="3657600" algn="l" defTabSz="914400" rtl="0" eaLnBrk="1" latinLnBrk="0" hangingPunct="1">
+      <a:defRPr sz="1200" kern="1200">
+        <a:solidFill>
+          <a:schemeClr val="tx1"/>
+        </a:solidFill>
+        <a:latin typeface="+mn-lt"/>
+        <a:ea typeface="+mn-ea"/>
+        <a:cs typeface="+mn-cs"/>
+      </a:defRPr>
+    </a:lvl9pPr>
+  </p:notesStyle>
+</p:notesMaster>
 </file>
 
 <file path=ppt/slideLayouts/slideLayout1.xml><?xml version="1.0" encoding="utf-8"?>
@@ -3977,7 +6734,7 @@
         </p:spPr>
         <p:txBody>
           <a:bodyPr vert="horz" lIns="91440" tIns="45720" rIns="91440" bIns="45720" rtlCol="0" anchor="b">
-            <a:normAutofit fontScale="97500" lnSpcReduction="10000"/>
+            <a:normAutofit fontScale="90000"/>
           </a:bodyPr>
           <a:lstStyle>
             <a:lvl1pPr algn="ctr" defTabSz="914400" rtl="0" eaLnBrk="1" latinLnBrk="0" hangingPunct="1">
@@ -4004,7 +6761,7 @@
           <a:p>
             <a:r>
               <a:rPr lang="en-US" sz="4000" dirty="0"/>
-              <a:t>Can They Really Be Valid Defect Predictors?</a:t>
+              <a:t>Can Network Centrality Be A Valid Defect Predictor?</a:t>
             </a:r>
           </a:p>
         </p:txBody>
@@ -5398,13 +8155,8 @@
           <a:p>
             <a:r>
               <a:rPr lang="en-US" dirty="0"/>
-              <a:t>We performed our methodology on 15 different </a:t>
-            </a:r>
-            <a:r>
-              <a:rPr lang="en-US"/>
-              <a:t>GitHub projects.</a:t>
-            </a:r>
-            <a:endParaRPr lang="en-US" dirty="0"/>
+              <a:t>We performed our methodology on 15 different GitHub projects.</a:t>
+            </a:r>
           </a:p>
           <a:p>
             <a:pPr marL="58737" indent="0">
@@ -5438,7 +8190,7 @@
           <p:nvPr>
             <p:extLst>
               <p:ext uri="{D42A27DB-BD31-4B8C-83A1-F6EECF244321}">
-                <p14:modId xmlns:p14="http://schemas.microsoft.com/office/powerpoint/2010/main" val="104669928"/>
+                <p14:modId xmlns:p14="http://schemas.microsoft.com/office/powerpoint/2010/main" val="3364207364"/>
               </p:ext>
             </p:extLst>
           </p:nvPr>
@@ -5539,7 +8291,7 @@
                       <a:pPr algn="ctr"/>
                       <a:r>
                         <a:rPr lang="en-US" dirty="0"/>
-                        <a:t>353</a:t>
+                        <a:t>308</a:t>
                       </a:r>
                     </a:p>
                   </a:txBody>
@@ -5567,7 +8319,7 @@
                       <a:pPr algn="ctr"/>
                       <a:r>
                         <a:rPr lang="en-US" dirty="0"/>
-                        <a:t>314.20</a:t>
+                        <a:t>190.20</a:t>
                       </a:r>
                     </a:p>
                   </a:txBody>
@@ -5592,7 +8344,7 @@
           <p:nvPr>
             <p:extLst>
               <p:ext uri="{D42A27DB-BD31-4B8C-83A1-F6EECF244321}">
-                <p14:modId xmlns:p14="http://schemas.microsoft.com/office/powerpoint/2010/main" val="2837550199"/>
+                <p14:modId xmlns:p14="http://schemas.microsoft.com/office/powerpoint/2010/main" val="3922781159"/>
               </p:ext>
             </p:extLst>
           </p:nvPr>
@@ -5740,7 +8492,7 @@
                       <a:pPr algn="ctr"/>
                       <a:r>
                         <a:rPr lang="en-US" dirty="0"/>
-                        <a:t>11,935</a:t>
+                        <a:t>6,683</a:t>
                       </a:r>
                     </a:p>
                   </a:txBody>
@@ -5754,7 +8506,7 @@
                       <a:pPr algn="ctr"/>
                       <a:r>
                         <a:rPr lang="en-US" dirty="0"/>
-                        <a:t>1,451</a:t>
+                        <a:t>1,448</a:t>
                       </a:r>
                     </a:p>
                   </a:txBody>
@@ -5768,7 +8520,7 @@
                       <a:pPr algn="ctr"/>
                       <a:r>
                         <a:rPr lang="en-US" dirty="0"/>
-                        <a:t>3,281.73</a:t>
+                        <a:t>3,268.47</a:t>
                       </a:r>
                     </a:p>
                   </a:txBody>
@@ -5782,7 +8534,7 @@
                       <a:pPr algn="ctr"/>
                       <a:r>
                         <a:rPr lang="en-US" dirty="0"/>
-                        <a:t>42.80</a:t>
+                        <a:t>26.9</a:t>
                       </a:r>
                     </a:p>
                   </a:txBody>
@@ -5796,7 +8548,7 @@
                       <a:pPr algn="ctr"/>
                       <a:r>
                         <a:rPr lang="en-US" dirty="0"/>
-                        <a:t>7.12</a:t>
+                        <a:t>4.33</a:t>
                       </a:r>
                     </a:p>
                   </a:txBody>
@@ -5859,7 +8611,11 @@
           <a:p>
             <a:r>
               <a:rPr lang="en-US" dirty="0"/>
-              <a:t>Spearman Correlation Results</a:t>
+              <a:t>Spearman Correlation: </a:t>
+            </a:r>
+            <a:r>
+              <a:rPr lang="en-US" i="1" dirty="0"/>
+              <a:t>All Projects</a:t>
             </a:r>
           </a:p>
         </p:txBody>
@@ -5907,7 +8663,7 @@
           <p:nvPr>
             <p:extLst>
               <p:ext uri="{D42A27DB-BD31-4B8C-83A1-F6EECF244321}">
-                <p14:modId xmlns:p14="http://schemas.microsoft.com/office/powerpoint/2010/main" val="3354129531"/>
+                <p14:modId xmlns:p14="http://schemas.microsoft.com/office/powerpoint/2010/main" val="4232912133"/>
               </p:ext>
             </p:extLst>
           </p:nvPr>
@@ -5937,14 +8693,14 @@
                     </a:ext>
                   </a:extLst>
                 </a:gridCol>
-                <a:gridCol w="1354667">
+                <a:gridCol w="1239520">
                   <a:extLst>
                     <a:ext uri="{9D8B030D-6E8A-4147-A177-3AD203B41FA5}">
                       <a16:colId xmlns:a16="http://schemas.microsoft.com/office/drawing/2014/main" val="1854535"/>
                     </a:ext>
                   </a:extLst>
                 </a:gridCol>
-                <a:gridCol w="1354667">
+                <a:gridCol w="1469814">
                   <a:extLst>
                     <a:ext uri="{9D8B030D-6E8A-4147-A177-3AD203B41FA5}">
                       <a16:colId xmlns:a16="http://schemas.microsoft.com/office/drawing/2014/main" val="2762140783"/>
@@ -6045,10 +8801,9 @@
                     <a:p>
                       <a:pPr algn="ctr"/>
                       <a:r>
-                        <a:rPr lang="en-US" dirty="0" err="1"/>
-                        <a:t>Betweeness</a:t>
+                        <a:rPr lang="en-US" dirty="0"/>
+                        <a:t>Betweenness</a:t>
                       </a:r>
-                      <a:endParaRPr lang="en-US" dirty="0"/>
                     </a:p>
                   </a:txBody>
                   <a:tcPr/>
@@ -6135,14 +8890,20 @@
                     <a:bodyPr/>
                     <a:lstStyle/>
                     <a:p>
-                      <a:pPr algn="ctr"/>
+                      <a:pPr algn="ctr" fontAlgn="b"/>
                       <a:r>
-                        <a:rPr lang="en-US" dirty="0"/>
-                        <a:t>1</a:t>
+                        <a:rPr lang="en-US" sz="1800" b="0" i="0" u="none" strike="noStrike" dirty="0">
+                          <a:solidFill>
+                            <a:srgbClr val="000000"/>
+                          </a:solidFill>
+                          <a:effectLst/>
+                          <a:latin typeface="Calibri" panose="020F0502020204030204" pitchFamily="34" charset="0"/>
+                        </a:rPr>
+                        <a:t>1.00</a:t>
                       </a:r>
                     </a:p>
                   </a:txBody>
-                  <a:tcPr>
+                  <a:tcPr marL="6350" marR="6350" marT="6350" marB="0" anchor="ctr">
                     <a:lnL>
                       <a:noFill/>
                     </a:lnL>
@@ -6153,44 +8914,80 @@
                     <a:bodyPr/>
                     <a:lstStyle/>
                     <a:p>
-                      <a:pPr algn="ctr"/>
-                      <a:endParaRPr lang="en-US"/>
+                      <a:pPr algn="ctr" fontAlgn="b"/>
+                      <a:r>
+                        <a:rPr lang="en-US" sz="1800" b="1" i="0" u="none" strike="noStrike" dirty="0">
+                          <a:solidFill>
+                            <a:srgbClr val="000000"/>
+                          </a:solidFill>
+                          <a:effectLst/>
+                          <a:latin typeface="Calibri" panose="020F0502020204030204" pitchFamily="34" charset="0"/>
+                        </a:rPr>
+                        <a:t>0.811</a:t>
+                      </a:r>
                     </a:p>
                   </a:txBody>
-                  <a:tcPr/>
+                  <a:tcPr marL="6350" marR="6350" marT="6350" marB="0" anchor="ctr"/>
                 </a:tc>
                 <a:tc>
                   <a:txBody>
                     <a:bodyPr/>
                     <a:lstStyle/>
                     <a:p>
-                      <a:pPr algn="ctr"/>
-                      <a:endParaRPr lang="en-US"/>
+                      <a:pPr algn="ctr" fontAlgn="b"/>
+                      <a:r>
+                        <a:rPr lang="en-US" sz="1800" b="0" i="0" u="none" strike="noStrike" dirty="0">
+                          <a:solidFill>
+                            <a:srgbClr val="000000"/>
+                          </a:solidFill>
+                          <a:effectLst/>
+                          <a:latin typeface="Calibri" panose="020F0502020204030204" pitchFamily="34" charset="0"/>
+                        </a:rPr>
+                        <a:t>0.507</a:t>
+                      </a:r>
                     </a:p>
                   </a:txBody>
-                  <a:tcPr/>
+                  <a:tcPr marL="6350" marR="6350" marT="6350" marB="0" anchor="ctr"/>
                 </a:tc>
                 <a:tc>
                   <a:txBody>
                     <a:bodyPr/>
                     <a:lstStyle/>
                     <a:p>
-                      <a:pPr algn="ctr"/>
-                      <a:endParaRPr lang="en-US"/>
+                      <a:pPr algn="ctr" fontAlgn="b"/>
+                      <a:r>
+                        <a:rPr lang="en-US" sz="1800" b="0" i="0" u="none" strike="noStrike" dirty="0">
+                          <a:solidFill>
+                            <a:srgbClr val="000000"/>
+                          </a:solidFill>
+                          <a:effectLst/>
+                          <a:latin typeface="Calibri" panose="020F0502020204030204" pitchFamily="34" charset="0"/>
+                        </a:rPr>
+                        <a:t>0.173</a:t>
+                      </a:r>
                     </a:p>
                   </a:txBody>
-                  <a:tcPr/>
+                  <a:tcPr marL="6350" marR="6350" marT="6350" marB="0" anchor="ctr"/>
                 </a:tc>
                 <a:tc>
                   <a:txBody>
                     <a:bodyPr/>
                     <a:lstStyle/>
                     <a:p>
-                      <a:pPr algn="ctr"/>
-                      <a:endParaRPr lang="en-US"/>
+                      <a:pPr algn="ctr" fontAlgn="b"/>
+                      <a:r>
+                        <a:rPr lang="en-US" sz="1800" b="1" i="0" u="none" strike="noStrike" dirty="0">
+                          <a:solidFill>
+                            <a:srgbClr val="000000"/>
+                          </a:solidFill>
+                          <a:effectLst/>
+                          <a:latin typeface="Calibri" panose="020F0502020204030204" pitchFamily="34" charset="0"/>
+                        </a:rPr>
+                        <a:t>0.852</a:t>
+                      </a:r>
                     </a:p>
                   </a:txBody>
-                  <a:tcPr/>
+                  <a:tcPr marL="6350" marR="6350" marT="6350" marB="0" anchor="ctr"/>
                 </a:tc>
                 <a:extLst>
                   <a:ext uri="{0D108BD9-81ED-4DB2-BD59-A6C34878D82A}">
@@ -6246,11 +9043,17 @@
                     <a:bodyPr/>
                     <a:lstStyle/>
                     <a:p>
-                      <a:pPr algn="ctr"/>
-                      <a:endParaRPr lang="en-US" dirty="0"/>
+                      <a:pPr algn="ctr" fontAlgn="b"/>
+                      <a:endParaRPr lang="en-US" sz="1800" b="0" i="0" u="none" strike="noStrike" dirty="0">
+                        <a:solidFill>
+                          <a:srgbClr val="000000"/>
+                        </a:solidFill>
+                        <a:effectLst/>
+                        <a:latin typeface="Calibri" panose="020F0502020204030204" pitchFamily="34" charset="0"/>
+                      </a:endParaRPr>
                     </a:p>
                   </a:txBody>
-                  <a:tcPr>
+                  <a:tcPr marL="6350" marR="6350" marT="6350" marB="0" anchor="ctr">
                     <a:lnL>
                       <a:noFill/>
                     </a:lnL>
@@ -6261,47 +9064,80 @@
                     <a:bodyPr/>
                     <a:lstStyle/>
                     <a:p>
-                      <a:pPr algn="ctr"/>
+                      <a:pPr algn="ctr" fontAlgn="b"/>
                       <a:r>
-                        <a:rPr lang="en-US" dirty="0"/>
-                        <a:t>1</a:t>
+                        <a:rPr lang="en-US" sz="1800" b="0" i="0" u="none" strike="noStrike" dirty="0">
+                          <a:solidFill>
+                            <a:srgbClr val="000000"/>
+                          </a:solidFill>
+                          <a:effectLst/>
+                          <a:latin typeface="Calibri" panose="020F0502020204030204" pitchFamily="34" charset="0"/>
+                        </a:rPr>
+                        <a:t>1.00</a:t>
                       </a:r>
                     </a:p>
                   </a:txBody>
-                  <a:tcPr/>
+                  <a:tcPr marL="6350" marR="6350" marT="6350" marB="0" anchor="ctr"/>
                 </a:tc>
                 <a:tc>
                   <a:txBody>
                     <a:bodyPr/>
                     <a:lstStyle/>
                     <a:p>
-                      <a:pPr algn="ctr"/>
-                      <a:endParaRPr lang="en-US" dirty="0"/>
+                      <a:pPr algn="ctr" fontAlgn="b"/>
+                      <a:r>
+                        <a:rPr lang="en-US" sz="1800" b="0" i="0" u="none" strike="noStrike" dirty="0">
+                          <a:solidFill>
+                            <a:srgbClr val="000000"/>
+                          </a:solidFill>
+                          <a:effectLst/>
+                          <a:latin typeface="Calibri" panose="020F0502020204030204" pitchFamily="34" charset="0"/>
+                        </a:rPr>
+                        <a:t>0.453</a:t>
+                      </a:r>
                     </a:p>
                   </a:txBody>
-                  <a:tcPr/>
+                  <a:tcPr marL="6350" marR="6350" marT="6350" marB="0" anchor="ctr"/>
                 </a:tc>
                 <a:tc>
                   <a:txBody>
                     <a:bodyPr/>
                     <a:lstStyle/>
                     <a:p>
-                      <a:pPr algn="ctr"/>
-                      <a:endParaRPr lang="en-US"/>
+                      <a:pPr algn="ctr" fontAlgn="b"/>
+                      <a:r>
+                        <a:rPr lang="en-US" sz="1800" b="0" i="0" u="none" strike="noStrike" dirty="0">
+                          <a:solidFill>
+                            <a:srgbClr val="000000"/>
+                          </a:solidFill>
+                          <a:effectLst/>
+                          <a:latin typeface="Calibri" panose="020F0502020204030204" pitchFamily="34" charset="0"/>
+                        </a:rPr>
+                        <a:t>0.213</a:t>
+                      </a:r>
                     </a:p>
                   </a:txBody>
-                  <a:tcPr/>
+                  <a:tcPr marL="6350" marR="6350" marT="6350" marB="0" anchor="ctr"/>
                 </a:tc>
                 <a:tc>
                   <a:txBody>
                     <a:bodyPr/>
                     <a:lstStyle/>
                     <a:p>
-                      <a:pPr algn="ctr"/>
-                      <a:endParaRPr lang="en-US" dirty="0"/>
+                      <a:pPr algn="ctr" fontAlgn="b"/>
+                      <a:r>
+                        <a:rPr lang="en-US" sz="1800" b="1" i="0" u="none" strike="noStrike" dirty="0">
+                          <a:solidFill>
+                            <a:srgbClr val="000000"/>
+                          </a:solidFill>
+                          <a:effectLst/>
+                          <a:latin typeface="Calibri" panose="020F0502020204030204" pitchFamily="34" charset="0"/>
+                        </a:rPr>
+                        <a:t>0.750</a:t>
+                      </a:r>
                     </a:p>
                   </a:txBody>
-                  <a:tcPr/>
+                  <a:tcPr marL="6350" marR="6350" marT="6350" marB="0" anchor="ctr"/>
                 </a:tc>
                 <a:extLst>
                   <a:ext uri="{0D108BD9-81ED-4DB2-BD59-A6C34878D82A}">
@@ -6357,11 +9193,17 @@
                     <a:bodyPr/>
                     <a:lstStyle/>
                     <a:p>
-                      <a:pPr algn="ctr"/>
-                      <a:endParaRPr lang="en-US"/>
+                      <a:pPr algn="ctr" fontAlgn="b"/>
+                      <a:endParaRPr lang="en-US" sz="1800" b="0" i="0" u="none" strike="noStrike" dirty="0">
+                        <a:solidFill>
+                          <a:srgbClr val="000000"/>
+                        </a:solidFill>
+                        <a:effectLst/>
+                        <a:latin typeface="Calibri" panose="020F0502020204030204" pitchFamily="34" charset="0"/>
+                      </a:endParaRPr>
                     </a:p>
                   </a:txBody>
-                  <a:tcPr>
+                  <a:tcPr marL="6350" marR="6350" marT="6350" marB="0" anchor="ctr">
                     <a:lnL>
                       <a:noFill/>
                     </a:lnL>
@@ -6372,47 +9214,77 @@
                     <a:bodyPr/>
                     <a:lstStyle/>
                     <a:p>
-                      <a:pPr algn="ctr"/>
-                      <a:endParaRPr lang="en-US" dirty="0"/>
+                      <a:pPr algn="ctr" fontAlgn="b"/>
+                      <a:endParaRPr lang="en-US" sz="1800" b="0" i="0" u="none" strike="noStrike" dirty="0">
+                        <a:solidFill>
+                          <a:srgbClr val="000000"/>
+                        </a:solidFill>
+                        <a:effectLst/>
+                        <a:latin typeface="Calibri" panose="020F0502020204030204" pitchFamily="34" charset="0"/>
+                      </a:endParaRPr>
                     </a:p>
                   </a:txBody>
-                  <a:tcPr/>
+                  <a:tcPr marL="6350" marR="6350" marT="6350" marB="0" anchor="ctr"/>
                 </a:tc>
                 <a:tc>
                   <a:txBody>
                     <a:bodyPr/>
                     <a:lstStyle/>
                     <a:p>
-                      <a:pPr algn="ctr"/>
+                      <a:pPr algn="ctr" fontAlgn="b"/>
                       <a:r>
-                        <a:rPr lang="en-US" dirty="0"/>
-                        <a:t>1</a:t>
+                        <a:rPr lang="en-US" sz="1800" b="0" i="0" u="none" strike="noStrike" dirty="0">
+                          <a:solidFill>
+                            <a:srgbClr val="000000"/>
+                          </a:solidFill>
+                          <a:effectLst/>
+                          <a:latin typeface="Calibri" panose="020F0502020204030204" pitchFamily="34" charset="0"/>
+                        </a:rPr>
+                        <a:t>1.00</a:t>
                       </a:r>
                     </a:p>
                   </a:txBody>
-                  <a:tcPr/>
+                  <a:tcPr marL="6350" marR="6350" marT="6350" marB="0" anchor="ctr"/>
                 </a:tc>
                 <a:tc>
                   <a:txBody>
                     <a:bodyPr/>
                     <a:lstStyle/>
                     <a:p>
-                      <a:pPr algn="ctr"/>
-                      <a:endParaRPr lang="en-US" dirty="0"/>
+                      <a:pPr algn="ctr" fontAlgn="b"/>
+                      <a:r>
+                        <a:rPr lang="en-US" sz="1800" b="0" i="0" u="none" strike="noStrike" dirty="0">
+                          <a:solidFill>
+                            <a:srgbClr val="000000"/>
+                          </a:solidFill>
+                          <a:effectLst/>
+                          <a:latin typeface="Calibri" panose="020F0502020204030204" pitchFamily="34" charset="0"/>
+                        </a:rPr>
+                        <a:t>0.627</a:t>
+                      </a:r>
                     </a:p>
                   </a:txBody>
-                  <a:tcPr/>
+                  <a:tcPr marL="6350" marR="6350" marT="6350" marB="0" anchor="ctr"/>
                 </a:tc>
                 <a:tc>
                   <a:txBody>
                     <a:bodyPr/>
                     <a:lstStyle/>
                     <a:p>
-                      <a:pPr algn="ctr"/>
-                      <a:endParaRPr lang="en-US" dirty="0"/>
+                      <a:pPr algn="ctr" fontAlgn="b"/>
+                      <a:r>
+                        <a:rPr lang="en-US" sz="1800" b="1" i="0" u="none" strike="noStrike" dirty="0">
+                          <a:solidFill>
+                            <a:srgbClr val="000000"/>
+                          </a:solidFill>
+                          <a:effectLst/>
+                          <a:latin typeface="Calibri" panose="020F0502020204030204" pitchFamily="34" charset="0"/>
+                        </a:rPr>
+                        <a:t>0.723</a:t>
+                      </a:r>
                     </a:p>
                   </a:txBody>
-                  <a:tcPr/>
+                  <a:tcPr marL="6350" marR="6350" marT="6350" marB="0" anchor="ctr"/>
                 </a:tc>
                 <a:extLst>
                   <a:ext uri="{0D108BD9-81ED-4DB2-BD59-A6C34878D82A}">
@@ -6468,11 +9340,17 @@
                     <a:bodyPr/>
                     <a:lstStyle/>
                     <a:p>
-                      <a:pPr algn="ctr"/>
-                      <a:endParaRPr lang="en-US"/>
+                      <a:pPr algn="ctr" fontAlgn="b"/>
+                      <a:endParaRPr lang="en-US" sz="1800" b="0" i="0" u="none" strike="noStrike" dirty="0">
+                        <a:solidFill>
+                          <a:srgbClr val="000000"/>
+                        </a:solidFill>
+                        <a:effectLst/>
+                        <a:latin typeface="Calibri" panose="020F0502020204030204" pitchFamily="34" charset="0"/>
+                      </a:endParaRPr>
                     </a:p>
                   </a:txBody>
-                  <a:tcPr>
+                  <a:tcPr marL="6350" marR="6350" marT="6350" marB="0" anchor="ctr">
                     <a:lnL>
                       <a:noFill/>
                     </a:lnL>
@@ -6483,47 +9361,74 @@
                     <a:bodyPr/>
                     <a:lstStyle/>
                     <a:p>
-                      <a:pPr algn="ctr"/>
-                      <a:endParaRPr lang="en-US"/>
+                      <a:pPr algn="ctr" fontAlgn="b"/>
+                      <a:endParaRPr lang="en-US" sz="1800" b="0" i="0" u="none" strike="noStrike">
+                        <a:solidFill>
+                          <a:srgbClr val="000000"/>
+                        </a:solidFill>
+                        <a:effectLst/>
+                        <a:latin typeface="Calibri" panose="020F0502020204030204" pitchFamily="34" charset="0"/>
+                      </a:endParaRPr>
                     </a:p>
                   </a:txBody>
-                  <a:tcPr/>
+                  <a:tcPr marL="6350" marR="6350" marT="6350" marB="0" anchor="ctr"/>
                 </a:tc>
                 <a:tc>
                   <a:txBody>
                     <a:bodyPr/>
                     <a:lstStyle/>
                     <a:p>
-                      <a:pPr algn="ctr"/>
-                      <a:endParaRPr lang="en-US" dirty="0"/>
+                      <a:pPr algn="ctr" fontAlgn="b"/>
+                      <a:endParaRPr lang="en-US" sz="1800" b="0" i="0" u="none" strike="noStrike" dirty="0">
+                        <a:solidFill>
+                          <a:srgbClr val="000000"/>
+                        </a:solidFill>
+                        <a:effectLst/>
+                        <a:latin typeface="Calibri" panose="020F0502020204030204" pitchFamily="34" charset="0"/>
+                      </a:endParaRPr>
                     </a:p>
                   </a:txBody>
-                  <a:tcPr/>
+                  <a:tcPr marL="6350" marR="6350" marT="6350" marB="0" anchor="ctr"/>
                 </a:tc>
                 <a:tc>
                   <a:txBody>
                     <a:bodyPr/>
                     <a:lstStyle/>
                     <a:p>
-                      <a:pPr algn="ctr"/>
+                      <a:pPr algn="ctr" fontAlgn="b"/>
                       <a:r>
-                        <a:rPr lang="en-US" dirty="0"/>
-                        <a:t>1</a:t>
+                        <a:rPr lang="en-US" sz="1800" b="0" i="0" u="none" strike="noStrike" dirty="0">
+                          <a:solidFill>
+                            <a:srgbClr val="000000"/>
+                          </a:solidFill>
+                          <a:effectLst/>
+                          <a:latin typeface="Calibri" panose="020F0502020204030204" pitchFamily="34" charset="0"/>
+                        </a:rPr>
+                        <a:t>1.00</a:t>
                       </a:r>
                     </a:p>
                   </a:txBody>
-                  <a:tcPr/>
+                  <a:tcPr marL="6350" marR="6350" marT="6350" marB="0" anchor="ctr"/>
                 </a:tc>
                 <a:tc>
                   <a:txBody>
                     <a:bodyPr/>
                     <a:lstStyle/>
                     <a:p>
-                      <a:pPr algn="ctr"/>
-                      <a:endParaRPr lang="en-US" dirty="0"/>
+                      <a:pPr algn="ctr" fontAlgn="b"/>
+                      <a:r>
+                        <a:rPr lang="en-US" sz="1800" b="0" i="0" u="none" strike="noStrike" dirty="0">
+                          <a:solidFill>
+                            <a:srgbClr val="000000"/>
+                          </a:solidFill>
+                          <a:effectLst/>
+                          <a:latin typeface="Calibri" panose="020F0502020204030204" pitchFamily="34" charset="0"/>
+                        </a:rPr>
+                        <a:t>0.459</a:t>
+                      </a:r>
                     </a:p>
                   </a:txBody>
-                  <a:tcPr/>
+                  <a:tcPr marL="6350" marR="6350" marT="6350" marB="0" anchor="ctr"/>
                 </a:tc>
                 <a:extLst>
                   <a:ext uri="{0D108BD9-81ED-4DB2-BD59-A6C34878D82A}">
@@ -6579,11 +9484,17 @@
                     <a:bodyPr/>
                     <a:lstStyle/>
                     <a:p>
-                      <a:pPr algn="ctr"/>
-                      <a:endParaRPr lang="en-US"/>
+                      <a:pPr algn="ctr" fontAlgn="b"/>
+                      <a:endParaRPr lang="en-US" sz="1800" b="0" i="0" u="none" strike="noStrike" dirty="0">
+                        <a:solidFill>
+                          <a:srgbClr val="000000"/>
+                        </a:solidFill>
+                        <a:effectLst/>
+                        <a:latin typeface="Calibri" panose="020F0502020204030204" pitchFamily="34" charset="0"/>
+                      </a:endParaRPr>
                     </a:p>
                   </a:txBody>
-                  <a:tcPr>
+                  <a:tcPr marL="6350" marR="6350" marT="6350" marB="0" anchor="ctr">
                     <a:lnL>
                       <a:noFill/>
                     </a:lnL>
@@ -6594,47 +9505,71 @@
                     <a:bodyPr/>
                     <a:lstStyle/>
                     <a:p>
-                      <a:pPr algn="ctr"/>
-                      <a:endParaRPr lang="en-US"/>
+                      <a:pPr algn="ctr" fontAlgn="b"/>
+                      <a:endParaRPr lang="en-US" sz="1800" b="0" i="0" u="none" strike="noStrike" dirty="0">
+                        <a:solidFill>
+                          <a:srgbClr val="000000"/>
+                        </a:solidFill>
+                        <a:effectLst/>
+                        <a:latin typeface="Calibri" panose="020F0502020204030204" pitchFamily="34" charset="0"/>
+                      </a:endParaRPr>
                     </a:p>
                   </a:txBody>
-                  <a:tcPr/>
+                  <a:tcPr marL="6350" marR="6350" marT="6350" marB="0" anchor="ctr"/>
                 </a:tc>
                 <a:tc>
                   <a:txBody>
                     <a:bodyPr/>
                     <a:lstStyle/>
                     <a:p>
-                      <a:pPr algn="ctr"/>
-                      <a:endParaRPr lang="en-US"/>
+                      <a:pPr algn="ctr" fontAlgn="b"/>
+                      <a:endParaRPr lang="en-US" sz="1800" b="0" i="0" u="none" strike="noStrike" dirty="0">
+                        <a:solidFill>
+                          <a:srgbClr val="000000"/>
+                        </a:solidFill>
+                        <a:effectLst/>
+                        <a:latin typeface="Calibri" panose="020F0502020204030204" pitchFamily="34" charset="0"/>
+                      </a:endParaRPr>
                     </a:p>
                   </a:txBody>
-                  <a:tcPr/>
+                  <a:tcPr marL="6350" marR="6350" marT="6350" marB="0" anchor="ctr"/>
                 </a:tc>
                 <a:tc>
                   <a:txBody>
                     <a:bodyPr/>
                     <a:lstStyle/>
                     <a:p>
-                      <a:pPr algn="ctr"/>
-                      <a:endParaRPr lang="en-US" dirty="0"/>
+                      <a:pPr algn="ctr" fontAlgn="b"/>
+                      <a:endParaRPr lang="en-US" sz="1800" b="0" i="0" u="none" strike="noStrike" dirty="0">
+                        <a:solidFill>
+                          <a:srgbClr val="000000"/>
+                        </a:solidFill>
+                        <a:effectLst/>
+                        <a:latin typeface="Calibri" panose="020F0502020204030204" pitchFamily="34" charset="0"/>
+                      </a:endParaRPr>
                     </a:p>
                   </a:txBody>
-                  <a:tcPr/>
+                  <a:tcPr marL="6350" marR="6350" marT="6350" marB="0" anchor="ctr"/>
                 </a:tc>
                 <a:tc>
                   <a:txBody>
                     <a:bodyPr/>
                     <a:lstStyle/>
                     <a:p>
-                      <a:pPr algn="ctr"/>
+                      <a:pPr algn="ctr" fontAlgn="b"/>
                       <a:r>
-                        <a:rPr lang="en-US" dirty="0"/>
-                        <a:t>1</a:t>
+                        <a:rPr lang="en-US" sz="1800" b="0" i="0" u="none" strike="noStrike" dirty="0">
+                          <a:solidFill>
+                            <a:srgbClr val="000000"/>
+                          </a:solidFill>
+                          <a:effectLst/>
+                          <a:latin typeface="Calibri" panose="020F0502020204030204" pitchFamily="34" charset="0"/>
+                        </a:rPr>
+                        <a:t>1.00</a:t>
                       </a:r>
                     </a:p>
                   </a:txBody>
-                  <a:tcPr/>
+                  <a:tcPr marL="6350" marR="6350" marT="6350" marB="0" anchor="ctr"/>
                 </a:tc>
                 <a:extLst>
                   <a:ext uri="{0D108BD9-81ED-4DB2-BD59-A6C34878D82A}">
@@ -6708,6 +9643,47 @@
       </p:grpSpPr>
       <p:sp>
         <p:nvSpPr>
+          <p:cNvPr id="7" name="Rectangle 6"/>
+          <p:cNvSpPr/>
+          <p:nvPr/>
+        </p:nvSpPr>
+        <p:spPr>
+          <a:xfrm>
+            <a:off x="0" y="6312310"/>
+            <a:ext cx="12192000" cy="549924"/>
+          </a:xfrm>
+          <a:prstGeom prst="rect">
+            <a:avLst/>
+          </a:prstGeom>
+          <a:ln>
+            <a:noFill/>
+          </a:ln>
+        </p:spPr>
+        <p:style>
+          <a:lnRef idx="2">
+            <a:schemeClr val="accent6"/>
+          </a:lnRef>
+          <a:fillRef idx="1">
+            <a:schemeClr val="lt1"/>
+          </a:fillRef>
+          <a:effectRef idx="0">
+            <a:schemeClr val="accent6"/>
+          </a:effectRef>
+          <a:fontRef idx="minor">
+            <a:schemeClr val="dk1"/>
+          </a:fontRef>
+        </p:style>
+        <p:txBody>
+          <a:bodyPr rtlCol="0" anchor="ctr"/>
+          <a:lstStyle/>
+          <a:p>
+            <a:pPr algn="ctr"/>
+            <a:endParaRPr lang="en-US"/>
+          </a:p>
+        </p:txBody>
+      </p:sp>
+      <p:sp>
+        <p:nvSpPr>
           <p:cNvPr id="2" name="Title 1"/>
           <p:cNvSpPr>
             <a:spLocks noGrp="1"/>
@@ -6723,8 +9699,1995 @@
           <a:p>
             <a:r>
               <a:rPr lang="en-US" dirty="0"/>
-              <a:t>Logistical Regression Results</a:t>
-            </a:r>
+              <a:t>Spearman: </a:t>
+            </a:r>
+            <a:r>
+              <a:rPr lang="en-US" i="1" dirty="0"/>
+              <a:t>MarkUs vs </a:t>
+            </a:r>
+            <a:r>
+              <a:rPr lang="en-US" i="1" dirty="0" err="1"/>
+              <a:t>Caf</a:t>
+            </a:r>
+            <a:r>
+              <a:rPr lang="en-US" i="1" dirty="0"/>
+              <a:t>-Platform</a:t>
+            </a:r>
+          </a:p>
+        </p:txBody>
+      </p:sp>
+      <p:graphicFrame>
+        <p:nvGraphicFramePr>
+          <p:cNvPr id="4" name="Table 3"/>
+          <p:cNvGraphicFramePr>
+            <a:graphicFrameLocks noGrp="1"/>
+          </p:cNvGraphicFramePr>
+          <p:nvPr>
+            <p:extLst>
+              <p:ext uri="{D42A27DB-BD31-4B8C-83A1-F6EECF244321}">
+                <p14:modId xmlns:p14="http://schemas.microsoft.com/office/powerpoint/2010/main" val="4163272091"/>
+              </p:ext>
+            </p:extLst>
+          </p:nvPr>
+        </p:nvGraphicFramePr>
+        <p:xfrm>
+          <a:off x="161576" y="2027767"/>
+          <a:ext cx="8128002" cy="2225040"/>
+        </p:xfrm>
+        <a:graphic>
+          <a:graphicData uri="http://schemas.openxmlformats.org/drawingml/2006/table">
+            <a:tbl>
+              <a:tblPr firstRow="1" bandRow="1">
+                <a:tableStyleId>{B301B821-A1FF-4177-AEE7-76D212191A09}</a:tableStyleId>
+              </a:tblPr>
+              <a:tblGrid>
+                <a:gridCol w="1477134">
+                  <a:extLst>
+                    <a:ext uri="{9D8B030D-6E8A-4147-A177-3AD203B41FA5}">
+                      <a16:colId xmlns:a16="http://schemas.microsoft.com/office/drawing/2014/main" val="1197910584"/>
+                    </a:ext>
+                  </a:extLst>
+                </a:gridCol>
+                <a:gridCol w="1232200">
+                  <a:extLst>
+                    <a:ext uri="{9D8B030D-6E8A-4147-A177-3AD203B41FA5}">
+                      <a16:colId xmlns:a16="http://schemas.microsoft.com/office/drawing/2014/main" val="4077819383"/>
+                    </a:ext>
+                  </a:extLst>
+                </a:gridCol>
+                <a:gridCol w="1159223">
+                  <a:extLst>
+                    <a:ext uri="{9D8B030D-6E8A-4147-A177-3AD203B41FA5}">
+                      <a16:colId xmlns:a16="http://schemas.microsoft.com/office/drawing/2014/main" val="1854535"/>
+                    </a:ext>
+                  </a:extLst>
+                </a:gridCol>
+                <a:gridCol w="1550111">
+                  <a:extLst>
+                    <a:ext uri="{9D8B030D-6E8A-4147-A177-3AD203B41FA5}">
+                      <a16:colId xmlns:a16="http://schemas.microsoft.com/office/drawing/2014/main" val="2762140783"/>
+                    </a:ext>
+                  </a:extLst>
+                </a:gridCol>
+                <a:gridCol w="1354667">
+                  <a:extLst>
+                    <a:ext uri="{9D8B030D-6E8A-4147-A177-3AD203B41FA5}">
+                      <a16:colId xmlns:a16="http://schemas.microsoft.com/office/drawing/2014/main" val="3246837622"/>
+                    </a:ext>
+                  </a:extLst>
+                </a:gridCol>
+                <a:gridCol w="1354667">
+                  <a:extLst>
+                    <a:ext uri="{9D8B030D-6E8A-4147-A177-3AD203B41FA5}">
+                      <a16:colId xmlns:a16="http://schemas.microsoft.com/office/drawing/2014/main" val="3082632850"/>
+                    </a:ext>
+                  </a:extLst>
+                </a:gridCol>
+              </a:tblGrid>
+              <a:tr h="370840">
+                <a:tc>
+                  <a:txBody>
+                    <a:bodyPr/>
+                    <a:lstStyle/>
+                    <a:p>
+                      <a:pPr algn="ctr"/>
+                      <a:endParaRPr lang="en-US" dirty="0"/>
+                    </a:p>
+                  </a:txBody>
+                  <a:tcPr>
+                    <a:lnL w="12700" cmpd="sng">
+                      <a:noFill/>
+                    </a:lnL>
+                    <a:lnR>
+                      <a:noFill/>
+                    </a:lnR>
+                    <a:lnT w="12700" cap="flat" cmpd="sng" algn="ctr">
+                      <a:noFill/>
+                      <a:prstDash val="solid"/>
+                      <a:round/>
+                      <a:headEnd type="none" w="med" len="med"/>
+                      <a:tailEnd type="none" w="med" len="med"/>
+                    </a:lnT>
+                    <a:lnB w="12700" cmpd="sng">
+                      <a:noFill/>
+                    </a:lnB>
+                    <a:lnTlToBr w="12700" cmpd="sng">
+                      <a:noFill/>
+                      <a:prstDash val="solid"/>
+                    </a:lnTlToBr>
+                    <a:lnBlToTr w="12700" cmpd="sng">
+                      <a:noFill/>
+                      <a:prstDash val="solid"/>
+                    </a:lnBlToTr>
+                    <a:solidFill>
+                      <a:schemeClr val="bg1"/>
+                    </a:solidFill>
+                  </a:tcPr>
+                </a:tc>
+                <a:tc>
+                  <a:txBody>
+                    <a:bodyPr/>
+                    <a:lstStyle/>
+                    <a:p>
+                      <a:pPr algn="ctr"/>
+                      <a:r>
+                        <a:rPr lang="en-US" dirty="0"/>
+                        <a:t>Commits</a:t>
+                      </a:r>
+                    </a:p>
+                  </a:txBody>
+                  <a:tcPr>
+                    <a:lnL>
+                      <a:noFill/>
+                    </a:lnL>
+                  </a:tcPr>
+                </a:tc>
+                <a:tc>
+                  <a:txBody>
+                    <a:bodyPr/>
+                    <a:lstStyle/>
+                    <a:p>
+                      <a:pPr algn="ctr"/>
+                      <a:r>
+                        <a:rPr lang="en-US" dirty="0"/>
+                        <a:t>Failures</a:t>
+                      </a:r>
+                    </a:p>
+                  </a:txBody>
+                  <a:tcPr/>
+                </a:tc>
+                <a:tc>
+                  <a:txBody>
+                    <a:bodyPr/>
+                    <a:lstStyle/>
+                    <a:p>
+                      <a:pPr algn="ctr"/>
+                      <a:r>
+                        <a:rPr lang="en-US" dirty="0"/>
+                        <a:t>Betweenness</a:t>
+                      </a:r>
+                    </a:p>
+                  </a:txBody>
+                  <a:tcPr/>
+                </a:tc>
+                <a:tc>
+                  <a:txBody>
+                    <a:bodyPr/>
+                    <a:lstStyle/>
+                    <a:p>
+                      <a:pPr algn="ctr"/>
+                      <a:r>
+                        <a:rPr lang="en-US" dirty="0"/>
+                        <a:t>Closeness</a:t>
+                      </a:r>
+                    </a:p>
+                  </a:txBody>
+                  <a:tcPr/>
+                </a:tc>
+                <a:tc>
+                  <a:txBody>
+                    <a:bodyPr/>
+                    <a:lstStyle/>
+                    <a:p>
+                      <a:pPr algn="ctr"/>
+                      <a:r>
+                        <a:rPr lang="en-US" dirty="0"/>
+                        <a:t>Degree</a:t>
+                      </a:r>
+                    </a:p>
+                  </a:txBody>
+                  <a:tcPr/>
+                </a:tc>
+                <a:extLst>
+                  <a:ext uri="{0D108BD9-81ED-4DB2-BD59-A6C34878D82A}">
+                    <a16:rowId xmlns:a16="http://schemas.microsoft.com/office/drawing/2014/main" val="2176593963"/>
+                  </a:ext>
+                </a:extLst>
+              </a:tr>
+              <a:tr h="370840">
+                <a:tc>
+                  <a:txBody>
+                    <a:bodyPr/>
+                    <a:lstStyle/>
+                    <a:p>
+                      <a:pPr algn="ctr"/>
+                      <a:r>
+                        <a:rPr lang="en-US" b="1" dirty="0">
+                          <a:solidFill>
+                            <a:schemeClr val="bg1"/>
+                          </a:solidFill>
+                        </a:rPr>
+                        <a:t>Commits</a:t>
+                      </a:r>
+                    </a:p>
+                  </a:txBody>
+                  <a:tcPr>
+                    <a:lnL w="12700" cmpd="sng">
+                      <a:noFill/>
+                    </a:lnL>
+                    <a:lnR>
+                      <a:noFill/>
+                    </a:lnR>
+                    <a:lnT w="12700" cmpd="sng">
+                      <a:noFill/>
+                    </a:lnT>
+                    <a:lnB w="12700" cmpd="sng">
+                      <a:noFill/>
+                    </a:lnB>
+                    <a:lnTlToBr w="12700" cmpd="sng">
+                      <a:noFill/>
+                      <a:prstDash val="solid"/>
+                    </a:lnTlToBr>
+                    <a:lnBlToTr w="12700" cmpd="sng">
+                      <a:noFill/>
+                      <a:prstDash val="solid"/>
+                    </a:lnBlToTr>
+                    <a:solidFill>
+                      <a:schemeClr val="accent1"/>
+                    </a:solidFill>
+                  </a:tcPr>
+                </a:tc>
+                <a:tc>
+                  <a:txBody>
+                    <a:bodyPr/>
+                    <a:lstStyle/>
+                    <a:p>
+                      <a:pPr algn="ctr" fontAlgn="b"/>
+                      <a:r>
+                        <a:rPr lang="en-US" sz="1800" b="0" i="0" u="none" strike="noStrike" dirty="0">
+                          <a:solidFill>
+                            <a:srgbClr val="000000"/>
+                          </a:solidFill>
+                          <a:effectLst/>
+                          <a:latin typeface="Calibri" panose="020F0502020204030204" pitchFamily="34" charset="0"/>
+                        </a:rPr>
+                        <a:t>1</a:t>
+                      </a:r>
+                    </a:p>
+                  </a:txBody>
+                  <a:tcPr marL="6350" marR="6350" marT="6350" marB="0" anchor="b">
+                    <a:lnL>
+                      <a:noFill/>
+                    </a:lnL>
+                  </a:tcPr>
+                </a:tc>
+                <a:tc>
+                  <a:txBody>
+                    <a:bodyPr/>
+                    <a:lstStyle/>
+                    <a:p>
+                      <a:pPr algn="ctr" fontAlgn="b"/>
+                      <a:r>
+                        <a:rPr lang="en-US" sz="1800" b="1" i="0" u="none" strike="noStrike" dirty="0">
+                          <a:solidFill>
+                            <a:srgbClr val="000000"/>
+                          </a:solidFill>
+                          <a:effectLst/>
+                          <a:latin typeface="Calibri" panose="020F0502020204030204" pitchFamily="34" charset="0"/>
+                        </a:rPr>
+                        <a:t>0.845</a:t>
+                      </a:r>
+                    </a:p>
+                  </a:txBody>
+                  <a:tcPr marL="6350" marR="6350" marT="6350" marB="0" anchor="b"/>
+                </a:tc>
+                <a:tc>
+                  <a:txBody>
+                    <a:bodyPr/>
+                    <a:lstStyle/>
+                    <a:p>
+                      <a:pPr algn="ctr" fontAlgn="b"/>
+                      <a:r>
+                        <a:rPr lang="en-US" sz="1800" b="0" i="0" u="none" strike="noStrike" dirty="0">
+                          <a:solidFill>
+                            <a:srgbClr val="000000"/>
+                          </a:solidFill>
+                          <a:effectLst/>
+                          <a:latin typeface="Calibri" panose="020F0502020204030204" pitchFamily="34" charset="0"/>
+                        </a:rPr>
+                        <a:t>0.633</a:t>
+                      </a:r>
+                    </a:p>
+                  </a:txBody>
+                  <a:tcPr marL="6350" marR="6350" marT="6350" marB="0" anchor="b"/>
+                </a:tc>
+                <a:tc>
+                  <a:txBody>
+                    <a:bodyPr/>
+                    <a:lstStyle/>
+                    <a:p>
+                      <a:pPr algn="ctr" fontAlgn="b"/>
+                      <a:r>
+                        <a:rPr lang="en-US" sz="1800" b="0" i="0" u="none" strike="noStrike" dirty="0">
+                          <a:solidFill>
+                            <a:srgbClr val="000000"/>
+                          </a:solidFill>
+                          <a:effectLst/>
+                          <a:latin typeface="Calibri" panose="020F0502020204030204" pitchFamily="34" charset="0"/>
+                        </a:rPr>
+                        <a:t>-0.206</a:t>
+                      </a:r>
+                    </a:p>
+                  </a:txBody>
+                  <a:tcPr marL="6350" marR="6350" marT="6350" marB="0" anchor="b"/>
+                </a:tc>
+                <a:tc>
+                  <a:txBody>
+                    <a:bodyPr/>
+                    <a:lstStyle/>
+                    <a:p>
+                      <a:pPr algn="ctr" fontAlgn="b"/>
+                      <a:r>
+                        <a:rPr lang="en-US" sz="1800" b="1" i="0" u="none" strike="noStrike" dirty="0">
+                          <a:solidFill>
+                            <a:srgbClr val="000000"/>
+                          </a:solidFill>
+                          <a:effectLst/>
+                          <a:latin typeface="Calibri" panose="020F0502020204030204" pitchFamily="34" charset="0"/>
+                        </a:rPr>
+                        <a:t>0.929</a:t>
+                      </a:r>
+                    </a:p>
+                  </a:txBody>
+                  <a:tcPr marL="6350" marR="6350" marT="6350" marB="0" anchor="b"/>
+                </a:tc>
+                <a:extLst>
+                  <a:ext uri="{0D108BD9-81ED-4DB2-BD59-A6C34878D82A}">
+                    <a16:rowId xmlns:a16="http://schemas.microsoft.com/office/drawing/2014/main" val="1695581901"/>
+                  </a:ext>
+                </a:extLst>
+              </a:tr>
+              <a:tr h="370840">
+                <a:tc>
+                  <a:txBody>
+                    <a:bodyPr/>
+                    <a:lstStyle/>
+                    <a:p>
+                      <a:pPr algn="ctr"/>
+                      <a:r>
+                        <a:rPr lang="en-US" b="1" dirty="0">
+                          <a:solidFill>
+                            <a:schemeClr val="bg1"/>
+                          </a:solidFill>
+                        </a:rPr>
+                        <a:t>Failures</a:t>
+                      </a:r>
+                    </a:p>
+                  </a:txBody>
+                  <a:tcPr>
+                    <a:lnL w="12700" cmpd="sng">
+                      <a:noFill/>
+                    </a:lnL>
+                    <a:lnR>
+                      <a:noFill/>
+                    </a:lnR>
+                    <a:lnT w="12700" cmpd="sng">
+                      <a:noFill/>
+                    </a:lnT>
+                    <a:lnB w="12700" cmpd="sng">
+                      <a:noFill/>
+                    </a:lnB>
+                    <a:lnTlToBr w="12700" cmpd="sng">
+                      <a:noFill/>
+                      <a:prstDash val="solid"/>
+                    </a:lnTlToBr>
+                    <a:lnBlToTr w="12700" cmpd="sng">
+                      <a:noFill/>
+                      <a:prstDash val="solid"/>
+                    </a:lnBlToTr>
+                    <a:solidFill>
+                      <a:schemeClr val="accent1"/>
+                    </a:solidFill>
+                  </a:tcPr>
+                </a:tc>
+                <a:tc>
+                  <a:txBody>
+                    <a:bodyPr/>
+                    <a:lstStyle/>
+                    <a:p>
+                      <a:pPr algn="ctr" fontAlgn="b"/>
+                      <a:endParaRPr lang="en-US" sz="1800" b="0" i="0" u="none" strike="noStrike" dirty="0">
+                        <a:solidFill>
+                          <a:srgbClr val="000000"/>
+                        </a:solidFill>
+                        <a:effectLst/>
+                        <a:latin typeface="Calibri" panose="020F0502020204030204" pitchFamily="34" charset="0"/>
+                      </a:endParaRPr>
+                    </a:p>
+                  </a:txBody>
+                  <a:tcPr marL="6350" marR="6350" marT="6350" marB="0" anchor="b">
+                    <a:lnL>
+                      <a:noFill/>
+                    </a:lnL>
+                  </a:tcPr>
+                </a:tc>
+                <a:tc>
+                  <a:txBody>
+                    <a:bodyPr/>
+                    <a:lstStyle/>
+                    <a:p>
+                      <a:pPr algn="ctr" fontAlgn="b"/>
+                      <a:r>
+                        <a:rPr lang="en-US" sz="1800" b="0" i="0" u="none" strike="noStrike">
+                          <a:solidFill>
+                            <a:srgbClr val="000000"/>
+                          </a:solidFill>
+                          <a:effectLst/>
+                          <a:latin typeface="Calibri" panose="020F0502020204030204" pitchFamily="34" charset="0"/>
+                        </a:rPr>
+                        <a:t>1</a:t>
+                      </a:r>
+                    </a:p>
+                  </a:txBody>
+                  <a:tcPr marL="6350" marR="6350" marT="6350" marB="0" anchor="b"/>
+                </a:tc>
+                <a:tc>
+                  <a:txBody>
+                    <a:bodyPr/>
+                    <a:lstStyle/>
+                    <a:p>
+                      <a:pPr algn="ctr" fontAlgn="b"/>
+                      <a:r>
+                        <a:rPr lang="en-US" sz="1800" b="0" i="0" u="none" strike="noStrike" dirty="0">
+                          <a:solidFill>
+                            <a:srgbClr val="000000"/>
+                          </a:solidFill>
+                          <a:effectLst/>
+                          <a:latin typeface="Calibri" panose="020F0502020204030204" pitchFamily="34" charset="0"/>
+                        </a:rPr>
+                        <a:t>0.589</a:t>
+                      </a:r>
+                    </a:p>
+                  </a:txBody>
+                  <a:tcPr marL="6350" marR="6350" marT="6350" marB="0" anchor="b"/>
+                </a:tc>
+                <a:tc>
+                  <a:txBody>
+                    <a:bodyPr/>
+                    <a:lstStyle/>
+                    <a:p>
+                      <a:pPr algn="ctr" fontAlgn="b"/>
+                      <a:r>
+                        <a:rPr lang="en-US" sz="1800" b="0" i="0" u="none" strike="noStrike" dirty="0">
+                          <a:solidFill>
+                            <a:srgbClr val="000000"/>
+                          </a:solidFill>
+                          <a:effectLst/>
+                          <a:latin typeface="Calibri" panose="020F0502020204030204" pitchFamily="34" charset="0"/>
+                        </a:rPr>
+                        <a:t>-0.024</a:t>
+                      </a:r>
+                    </a:p>
+                  </a:txBody>
+                  <a:tcPr marL="6350" marR="6350" marT="6350" marB="0" anchor="b"/>
+                </a:tc>
+                <a:tc>
+                  <a:txBody>
+                    <a:bodyPr/>
+                    <a:lstStyle/>
+                    <a:p>
+                      <a:pPr algn="ctr" fontAlgn="b"/>
+                      <a:r>
+                        <a:rPr lang="en-US" sz="1800" b="1" i="0" u="none" strike="noStrike" dirty="0">
+                          <a:solidFill>
+                            <a:srgbClr val="000000"/>
+                          </a:solidFill>
+                          <a:effectLst/>
+                          <a:latin typeface="Calibri" panose="020F0502020204030204" pitchFamily="34" charset="0"/>
+                        </a:rPr>
+                        <a:t>0.869</a:t>
+                      </a:r>
+                    </a:p>
+                  </a:txBody>
+                  <a:tcPr marL="6350" marR="6350" marT="6350" marB="0" anchor="b"/>
+                </a:tc>
+                <a:extLst>
+                  <a:ext uri="{0D108BD9-81ED-4DB2-BD59-A6C34878D82A}">
+                    <a16:rowId xmlns:a16="http://schemas.microsoft.com/office/drawing/2014/main" val="752802374"/>
+                  </a:ext>
+                </a:extLst>
+              </a:tr>
+              <a:tr h="370840">
+                <a:tc>
+                  <a:txBody>
+                    <a:bodyPr/>
+                    <a:lstStyle/>
+                    <a:p>
+                      <a:pPr algn="ctr"/>
+                      <a:r>
+                        <a:rPr lang="en-US" b="1" dirty="0">
+                          <a:solidFill>
+                            <a:schemeClr val="bg1"/>
+                          </a:solidFill>
+                        </a:rPr>
+                        <a:t>Betweenness</a:t>
+                      </a:r>
+                    </a:p>
+                  </a:txBody>
+                  <a:tcPr>
+                    <a:lnL w="12700" cmpd="sng">
+                      <a:noFill/>
+                    </a:lnL>
+                    <a:lnR>
+                      <a:noFill/>
+                    </a:lnR>
+                    <a:lnT w="12700" cmpd="sng">
+                      <a:noFill/>
+                    </a:lnT>
+                    <a:lnB w="12700" cmpd="sng">
+                      <a:noFill/>
+                    </a:lnB>
+                    <a:lnTlToBr w="12700" cmpd="sng">
+                      <a:noFill/>
+                      <a:prstDash val="solid"/>
+                    </a:lnTlToBr>
+                    <a:lnBlToTr w="12700" cmpd="sng">
+                      <a:noFill/>
+                      <a:prstDash val="solid"/>
+                    </a:lnBlToTr>
+                    <a:solidFill>
+                      <a:schemeClr val="accent1"/>
+                    </a:solidFill>
+                  </a:tcPr>
+                </a:tc>
+                <a:tc>
+                  <a:txBody>
+                    <a:bodyPr/>
+                    <a:lstStyle/>
+                    <a:p>
+                      <a:pPr algn="ctr" fontAlgn="b"/>
+                      <a:endParaRPr lang="en-US" sz="1800" b="0" i="0" u="none" strike="noStrike">
+                        <a:solidFill>
+                          <a:srgbClr val="000000"/>
+                        </a:solidFill>
+                        <a:effectLst/>
+                        <a:latin typeface="Calibri" panose="020F0502020204030204" pitchFamily="34" charset="0"/>
+                      </a:endParaRPr>
+                    </a:p>
+                  </a:txBody>
+                  <a:tcPr marL="6350" marR="6350" marT="6350" marB="0" anchor="b">
+                    <a:lnL>
+                      <a:noFill/>
+                    </a:lnL>
+                  </a:tcPr>
+                </a:tc>
+                <a:tc>
+                  <a:txBody>
+                    <a:bodyPr/>
+                    <a:lstStyle/>
+                    <a:p>
+                      <a:pPr algn="ctr" fontAlgn="b"/>
+                      <a:endParaRPr lang="en-US" sz="1800" b="0" i="0" u="none" strike="noStrike" dirty="0">
+                        <a:solidFill>
+                          <a:srgbClr val="000000"/>
+                        </a:solidFill>
+                        <a:effectLst/>
+                        <a:latin typeface="Calibri" panose="020F0502020204030204" pitchFamily="34" charset="0"/>
+                      </a:endParaRPr>
+                    </a:p>
+                  </a:txBody>
+                  <a:tcPr marL="6350" marR="6350" marT="6350" marB="0" anchor="b"/>
+                </a:tc>
+                <a:tc>
+                  <a:txBody>
+                    <a:bodyPr/>
+                    <a:lstStyle/>
+                    <a:p>
+                      <a:pPr algn="ctr" fontAlgn="b"/>
+                      <a:r>
+                        <a:rPr lang="en-US" sz="1800" b="0" i="0" u="none" strike="noStrike" dirty="0">
+                          <a:solidFill>
+                            <a:srgbClr val="000000"/>
+                          </a:solidFill>
+                          <a:effectLst/>
+                          <a:latin typeface="Calibri" panose="020F0502020204030204" pitchFamily="34" charset="0"/>
+                        </a:rPr>
+                        <a:t>1</a:t>
+                      </a:r>
+                    </a:p>
+                  </a:txBody>
+                  <a:tcPr marL="6350" marR="6350" marT="6350" marB="0" anchor="b"/>
+                </a:tc>
+                <a:tc>
+                  <a:txBody>
+                    <a:bodyPr/>
+                    <a:lstStyle/>
+                    <a:p>
+                      <a:pPr algn="ctr" fontAlgn="b"/>
+                      <a:r>
+                        <a:rPr lang="en-US" sz="1800" b="0" i="0" u="none" strike="noStrike" dirty="0">
+                          <a:solidFill>
+                            <a:srgbClr val="000000"/>
+                          </a:solidFill>
+                          <a:effectLst/>
+                          <a:latin typeface="Calibri" panose="020F0502020204030204" pitchFamily="34" charset="0"/>
+                        </a:rPr>
+                        <a:t>0.120</a:t>
+                      </a:r>
+                    </a:p>
+                  </a:txBody>
+                  <a:tcPr marL="6350" marR="6350" marT="6350" marB="0" anchor="b"/>
+                </a:tc>
+                <a:tc>
+                  <a:txBody>
+                    <a:bodyPr/>
+                    <a:lstStyle/>
+                    <a:p>
+                      <a:pPr algn="ctr" fontAlgn="b"/>
+                      <a:r>
+                        <a:rPr lang="en-US" sz="1800" b="1" i="0" u="none" strike="noStrike" dirty="0">
+                          <a:solidFill>
+                            <a:srgbClr val="000000"/>
+                          </a:solidFill>
+                          <a:effectLst/>
+                          <a:latin typeface="Calibri" panose="020F0502020204030204" pitchFamily="34" charset="0"/>
+                        </a:rPr>
+                        <a:t>0.765</a:t>
+                      </a:r>
+                    </a:p>
+                  </a:txBody>
+                  <a:tcPr marL="6350" marR="6350" marT="6350" marB="0" anchor="b"/>
+                </a:tc>
+                <a:extLst>
+                  <a:ext uri="{0D108BD9-81ED-4DB2-BD59-A6C34878D82A}">
+                    <a16:rowId xmlns:a16="http://schemas.microsoft.com/office/drawing/2014/main" val="2259620122"/>
+                  </a:ext>
+                </a:extLst>
+              </a:tr>
+              <a:tr h="370840">
+                <a:tc>
+                  <a:txBody>
+                    <a:bodyPr/>
+                    <a:lstStyle/>
+                    <a:p>
+                      <a:pPr algn="ctr"/>
+                      <a:r>
+                        <a:rPr lang="en-US" b="1" dirty="0">
+                          <a:solidFill>
+                            <a:schemeClr val="bg1"/>
+                          </a:solidFill>
+                        </a:rPr>
+                        <a:t>Closeness</a:t>
+                      </a:r>
+                    </a:p>
+                  </a:txBody>
+                  <a:tcPr>
+                    <a:lnL w="12700" cmpd="sng">
+                      <a:noFill/>
+                    </a:lnL>
+                    <a:lnR>
+                      <a:noFill/>
+                    </a:lnR>
+                    <a:lnT w="12700" cmpd="sng">
+                      <a:noFill/>
+                    </a:lnT>
+                    <a:lnB w="12700" cmpd="sng">
+                      <a:noFill/>
+                    </a:lnB>
+                    <a:lnTlToBr w="12700" cmpd="sng">
+                      <a:noFill/>
+                      <a:prstDash val="solid"/>
+                    </a:lnTlToBr>
+                    <a:lnBlToTr w="12700" cmpd="sng">
+                      <a:noFill/>
+                      <a:prstDash val="solid"/>
+                    </a:lnBlToTr>
+                    <a:solidFill>
+                      <a:schemeClr val="accent1"/>
+                    </a:solidFill>
+                  </a:tcPr>
+                </a:tc>
+                <a:tc>
+                  <a:txBody>
+                    <a:bodyPr/>
+                    <a:lstStyle/>
+                    <a:p>
+                      <a:pPr algn="ctr" fontAlgn="b"/>
+                      <a:endParaRPr lang="en-US" sz="1800" b="0" i="0" u="none" strike="noStrike" dirty="0">
+                        <a:solidFill>
+                          <a:srgbClr val="000000"/>
+                        </a:solidFill>
+                        <a:effectLst/>
+                        <a:latin typeface="Calibri" panose="020F0502020204030204" pitchFamily="34" charset="0"/>
+                      </a:endParaRPr>
+                    </a:p>
+                  </a:txBody>
+                  <a:tcPr marL="6350" marR="6350" marT="6350" marB="0" anchor="b">
+                    <a:lnL>
+                      <a:noFill/>
+                    </a:lnL>
+                  </a:tcPr>
+                </a:tc>
+                <a:tc>
+                  <a:txBody>
+                    <a:bodyPr/>
+                    <a:lstStyle/>
+                    <a:p>
+                      <a:pPr algn="ctr" fontAlgn="b"/>
+                      <a:endParaRPr lang="en-US" sz="1800" b="0" i="0" u="none" strike="noStrike" dirty="0">
+                        <a:solidFill>
+                          <a:srgbClr val="000000"/>
+                        </a:solidFill>
+                        <a:effectLst/>
+                        <a:latin typeface="Calibri" panose="020F0502020204030204" pitchFamily="34" charset="0"/>
+                      </a:endParaRPr>
+                    </a:p>
+                  </a:txBody>
+                  <a:tcPr marL="6350" marR="6350" marT="6350" marB="0" anchor="b"/>
+                </a:tc>
+                <a:tc>
+                  <a:txBody>
+                    <a:bodyPr/>
+                    <a:lstStyle/>
+                    <a:p>
+                      <a:pPr algn="ctr" fontAlgn="b"/>
+                      <a:endParaRPr lang="en-US" sz="1800" b="0" i="0" u="none" strike="noStrike" dirty="0">
+                        <a:solidFill>
+                          <a:srgbClr val="000000"/>
+                        </a:solidFill>
+                        <a:effectLst/>
+                        <a:latin typeface="Calibri" panose="020F0502020204030204" pitchFamily="34" charset="0"/>
+                      </a:endParaRPr>
+                    </a:p>
+                  </a:txBody>
+                  <a:tcPr marL="6350" marR="6350" marT="6350" marB="0" anchor="b"/>
+                </a:tc>
+                <a:tc>
+                  <a:txBody>
+                    <a:bodyPr/>
+                    <a:lstStyle/>
+                    <a:p>
+                      <a:pPr algn="ctr" fontAlgn="b"/>
+                      <a:r>
+                        <a:rPr lang="en-US" sz="1800" b="0" i="0" u="none" strike="noStrike" dirty="0">
+                          <a:solidFill>
+                            <a:srgbClr val="000000"/>
+                          </a:solidFill>
+                          <a:effectLst/>
+                          <a:latin typeface="Calibri" panose="020F0502020204030204" pitchFamily="34" charset="0"/>
+                        </a:rPr>
+                        <a:t>1</a:t>
+                      </a:r>
+                    </a:p>
+                  </a:txBody>
+                  <a:tcPr marL="6350" marR="6350" marT="6350" marB="0" anchor="b"/>
+                </a:tc>
+                <a:tc>
+                  <a:txBody>
+                    <a:bodyPr/>
+                    <a:lstStyle/>
+                    <a:p>
+                      <a:pPr algn="ctr" fontAlgn="b"/>
+                      <a:r>
+                        <a:rPr lang="en-US" sz="1800" b="0" i="0" u="none" strike="noStrike" dirty="0">
+                          <a:solidFill>
+                            <a:srgbClr val="000000"/>
+                          </a:solidFill>
+                          <a:effectLst/>
+                          <a:latin typeface="Calibri" panose="020F0502020204030204" pitchFamily="34" charset="0"/>
+                        </a:rPr>
+                        <a:t>-0.035</a:t>
+                      </a:r>
+                    </a:p>
+                  </a:txBody>
+                  <a:tcPr marL="6350" marR="6350" marT="6350" marB="0" anchor="b"/>
+                </a:tc>
+                <a:extLst>
+                  <a:ext uri="{0D108BD9-81ED-4DB2-BD59-A6C34878D82A}">
+                    <a16:rowId xmlns:a16="http://schemas.microsoft.com/office/drawing/2014/main" val="677023775"/>
+                  </a:ext>
+                </a:extLst>
+              </a:tr>
+              <a:tr h="370840">
+                <a:tc>
+                  <a:txBody>
+                    <a:bodyPr/>
+                    <a:lstStyle/>
+                    <a:p>
+                      <a:pPr algn="ctr"/>
+                      <a:r>
+                        <a:rPr lang="en-US" b="1" dirty="0">
+                          <a:solidFill>
+                            <a:schemeClr val="bg1"/>
+                          </a:solidFill>
+                        </a:rPr>
+                        <a:t>Degree</a:t>
+                      </a:r>
+                    </a:p>
+                  </a:txBody>
+                  <a:tcPr>
+                    <a:lnL w="12700" cmpd="sng">
+                      <a:noFill/>
+                    </a:lnL>
+                    <a:lnR>
+                      <a:noFill/>
+                    </a:lnR>
+                    <a:lnT w="12700" cmpd="sng">
+                      <a:noFill/>
+                    </a:lnT>
+                    <a:lnB w="12700" cmpd="sng">
+                      <a:noFill/>
+                    </a:lnB>
+                    <a:lnTlToBr w="12700" cmpd="sng">
+                      <a:noFill/>
+                      <a:prstDash val="solid"/>
+                    </a:lnTlToBr>
+                    <a:lnBlToTr w="12700" cmpd="sng">
+                      <a:noFill/>
+                      <a:prstDash val="solid"/>
+                    </a:lnBlToTr>
+                    <a:solidFill>
+                      <a:schemeClr val="accent1"/>
+                    </a:solidFill>
+                  </a:tcPr>
+                </a:tc>
+                <a:tc>
+                  <a:txBody>
+                    <a:bodyPr/>
+                    <a:lstStyle/>
+                    <a:p>
+                      <a:pPr algn="ctr" fontAlgn="b"/>
+                      <a:endParaRPr lang="en-US" sz="1800" b="0" i="0" u="none" strike="noStrike" dirty="0">
+                        <a:solidFill>
+                          <a:srgbClr val="000000"/>
+                        </a:solidFill>
+                        <a:effectLst/>
+                        <a:latin typeface="Calibri" panose="020F0502020204030204" pitchFamily="34" charset="0"/>
+                      </a:endParaRPr>
+                    </a:p>
+                  </a:txBody>
+                  <a:tcPr marL="6350" marR="6350" marT="6350" marB="0" anchor="b">
+                    <a:lnL>
+                      <a:noFill/>
+                    </a:lnL>
+                  </a:tcPr>
+                </a:tc>
+                <a:tc>
+                  <a:txBody>
+                    <a:bodyPr/>
+                    <a:lstStyle/>
+                    <a:p>
+                      <a:pPr algn="ctr" fontAlgn="b"/>
+                      <a:endParaRPr lang="en-US" sz="1800" b="0" i="0" u="none" strike="noStrike" dirty="0">
+                        <a:solidFill>
+                          <a:srgbClr val="000000"/>
+                        </a:solidFill>
+                        <a:effectLst/>
+                        <a:latin typeface="Calibri" panose="020F0502020204030204" pitchFamily="34" charset="0"/>
+                      </a:endParaRPr>
+                    </a:p>
+                  </a:txBody>
+                  <a:tcPr marL="6350" marR="6350" marT="6350" marB="0" anchor="b"/>
+                </a:tc>
+                <a:tc>
+                  <a:txBody>
+                    <a:bodyPr/>
+                    <a:lstStyle/>
+                    <a:p>
+                      <a:pPr algn="ctr" fontAlgn="b"/>
+                      <a:endParaRPr lang="en-US" sz="1800" b="0" i="0" u="none" strike="noStrike" dirty="0">
+                        <a:solidFill>
+                          <a:srgbClr val="000000"/>
+                        </a:solidFill>
+                        <a:effectLst/>
+                        <a:latin typeface="Calibri" panose="020F0502020204030204" pitchFamily="34" charset="0"/>
+                      </a:endParaRPr>
+                    </a:p>
+                  </a:txBody>
+                  <a:tcPr marL="6350" marR="6350" marT="6350" marB="0" anchor="b"/>
+                </a:tc>
+                <a:tc>
+                  <a:txBody>
+                    <a:bodyPr/>
+                    <a:lstStyle/>
+                    <a:p>
+                      <a:pPr algn="ctr" fontAlgn="b"/>
+                      <a:endParaRPr lang="en-US" sz="1800" b="0" i="0" u="none" strike="noStrike" dirty="0">
+                        <a:solidFill>
+                          <a:srgbClr val="000000"/>
+                        </a:solidFill>
+                        <a:effectLst/>
+                        <a:latin typeface="Calibri" panose="020F0502020204030204" pitchFamily="34" charset="0"/>
+                      </a:endParaRPr>
+                    </a:p>
+                  </a:txBody>
+                  <a:tcPr marL="6350" marR="6350" marT="6350" marB="0" anchor="b"/>
+                </a:tc>
+                <a:tc>
+                  <a:txBody>
+                    <a:bodyPr/>
+                    <a:lstStyle/>
+                    <a:p>
+                      <a:pPr algn="ctr" fontAlgn="b"/>
+                      <a:r>
+                        <a:rPr lang="en-US" sz="1800" b="0" i="0" u="none" strike="noStrike" dirty="0">
+                          <a:solidFill>
+                            <a:srgbClr val="000000"/>
+                          </a:solidFill>
+                          <a:effectLst/>
+                          <a:latin typeface="Calibri" panose="020F0502020204030204" pitchFamily="34" charset="0"/>
+                        </a:rPr>
+                        <a:t>1</a:t>
+                      </a:r>
+                    </a:p>
+                  </a:txBody>
+                  <a:tcPr marL="6350" marR="6350" marT="6350" marB="0" anchor="b"/>
+                </a:tc>
+                <a:extLst>
+                  <a:ext uri="{0D108BD9-81ED-4DB2-BD59-A6C34878D82A}">
+                    <a16:rowId xmlns:a16="http://schemas.microsoft.com/office/drawing/2014/main" val="1905588825"/>
+                  </a:ext>
+                </a:extLst>
+              </a:tr>
+            </a:tbl>
+          </a:graphicData>
+        </a:graphic>
+      </p:graphicFrame>
+      <p:graphicFrame>
+        <p:nvGraphicFramePr>
+          <p:cNvPr id="5" name="Table 4"/>
+          <p:cNvGraphicFramePr>
+            <a:graphicFrameLocks noGrp="1"/>
+          </p:cNvGraphicFramePr>
+          <p:nvPr>
+            <p:extLst>
+              <p:ext uri="{D42A27DB-BD31-4B8C-83A1-F6EECF244321}">
+                <p14:modId xmlns:p14="http://schemas.microsoft.com/office/powerpoint/2010/main" val="1247508974"/>
+              </p:ext>
+            </p:extLst>
+          </p:nvPr>
+        </p:nvGraphicFramePr>
+        <p:xfrm>
+          <a:off x="3863148" y="4454723"/>
+          <a:ext cx="8128002" cy="2225040"/>
+        </p:xfrm>
+        <a:graphic>
+          <a:graphicData uri="http://schemas.openxmlformats.org/drawingml/2006/table">
+            <a:tbl>
+              <a:tblPr firstRow="1" bandRow="1">
+                <a:tableStyleId>{B301B821-A1FF-4177-AEE7-76D212191A09}</a:tableStyleId>
+              </a:tblPr>
+              <a:tblGrid>
+                <a:gridCol w="1477134">
+                  <a:extLst>
+                    <a:ext uri="{9D8B030D-6E8A-4147-A177-3AD203B41FA5}">
+                      <a16:colId xmlns:a16="http://schemas.microsoft.com/office/drawing/2014/main" val="1197910584"/>
+                    </a:ext>
+                  </a:extLst>
+                </a:gridCol>
+                <a:gridCol w="1232200">
+                  <a:extLst>
+                    <a:ext uri="{9D8B030D-6E8A-4147-A177-3AD203B41FA5}">
+                      <a16:colId xmlns:a16="http://schemas.microsoft.com/office/drawing/2014/main" val="4077819383"/>
+                    </a:ext>
+                  </a:extLst>
+                </a:gridCol>
+                <a:gridCol w="1250718">
+                  <a:extLst>
+                    <a:ext uri="{9D8B030D-6E8A-4147-A177-3AD203B41FA5}">
+                      <a16:colId xmlns:a16="http://schemas.microsoft.com/office/drawing/2014/main" val="1854535"/>
+                    </a:ext>
+                  </a:extLst>
+                </a:gridCol>
+                <a:gridCol w="1458616">
+                  <a:extLst>
+                    <a:ext uri="{9D8B030D-6E8A-4147-A177-3AD203B41FA5}">
+                      <a16:colId xmlns:a16="http://schemas.microsoft.com/office/drawing/2014/main" val="2762140783"/>
+                    </a:ext>
+                  </a:extLst>
+                </a:gridCol>
+                <a:gridCol w="1354667">
+                  <a:extLst>
+                    <a:ext uri="{9D8B030D-6E8A-4147-A177-3AD203B41FA5}">
+                      <a16:colId xmlns:a16="http://schemas.microsoft.com/office/drawing/2014/main" val="3246837622"/>
+                    </a:ext>
+                  </a:extLst>
+                </a:gridCol>
+                <a:gridCol w="1354667">
+                  <a:extLst>
+                    <a:ext uri="{9D8B030D-6E8A-4147-A177-3AD203B41FA5}">
+                      <a16:colId xmlns:a16="http://schemas.microsoft.com/office/drawing/2014/main" val="3082632850"/>
+                    </a:ext>
+                  </a:extLst>
+                </a:gridCol>
+              </a:tblGrid>
+              <a:tr h="370840">
+                <a:tc>
+                  <a:txBody>
+                    <a:bodyPr/>
+                    <a:lstStyle/>
+                    <a:p>
+                      <a:pPr algn="ctr"/>
+                      <a:endParaRPr lang="en-US" dirty="0"/>
+                    </a:p>
+                  </a:txBody>
+                  <a:tcPr>
+                    <a:lnL w="12700" cmpd="sng">
+                      <a:noFill/>
+                    </a:lnL>
+                    <a:lnR>
+                      <a:noFill/>
+                    </a:lnR>
+                    <a:lnT w="12700" cap="flat" cmpd="sng" algn="ctr">
+                      <a:noFill/>
+                      <a:prstDash val="solid"/>
+                      <a:round/>
+                      <a:headEnd type="none" w="med" len="med"/>
+                      <a:tailEnd type="none" w="med" len="med"/>
+                    </a:lnT>
+                    <a:lnB w="12700" cmpd="sng">
+                      <a:noFill/>
+                    </a:lnB>
+                    <a:lnTlToBr w="12700" cmpd="sng">
+                      <a:noFill/>
+                      <a:prstDash val="solid"/>
+                    </a:lnTlToBr>
+                    <a:lnBlToTr w="12700" cmpd="sng">
+                      <a:noFill/>
+                      <a:prstDash val="solid"/>
+                    </a:lnBlToTr>
+                    <a:solidFill>
+                      <a:schemeClr val="bg1"/>
+                    </a:solidFill>
+                  </a:tcPr>
+                </a:tc>
+                <a:tc>
+                  <a:txBody>
+                    <a:bodyPr/>
+                    <a:lstStyle/>
+                    <a:p>
+                      <a:pPr algn="ctr"/>
+                      <a:r>
+                        <a:rPr lang="en-US" dirty="0"/>
+                        <a:t>Commits</a:t>
+                      </a:r>
+                    </a:p>
+                  </a:txBody>
+                  <a:tcPr>
+                    <a:lnL>
+                      <a:noFill/>
+                    </a:lnL>
+                  </a:tcPr>
+                </a:tc>
+                <a:tc>
+                  <a:txBody>
+                    <a:bodyPr/>
+                    <a:lstStyle/>
+                    <a:p>
+                      <a:pPr algn="ctr"/>
+                      <a:r>
+                        <a:rPr lang="en-US" dirty="0"/>
+                        <a:t>Failures</a:t>
+                      </a:r>
+                    </a:p>
+                  </a:txBody>
+                  <a:tcPr/>
+                </a:tc>
+                <a:tc>
+                  <a:txBody>
+                    <a:bodyPr/>
+                    <a:lstStyle/>
+                    <a:p>
+                      <a:pPr algn="ctr"/>
+                      <a:r>
+                        <a:rPr lang="en-US" dirty="0"/>
+                        <a:t>Betweenness</a:t>
+                      </a:r>
+                    </a:p>
+                  </a:txBody>
+                  <a:tcPr/>
+                </a:tc>
+                <a:tc>
+                  <a:txBody>
+                    <a:bodyPr/>
+                    <a:lstStyle/>
+                    <a:p>
+                      <a:pPr algn="ctr"/>
+                      <a:r>
+                        <a:rPr lang="en-US" dirty="0"/>
+                        <a:t>Closeness</a:t>
+                      </a:r>
+                    </a:p>
+                  </a:txBody>
+                  <a:tcPr/>
+                </a:tc>
+                <a:tc>
+                  <a:txBody>
+                    <a:bodyPr/>
+                    <a:lstStyle/>
+                    <a:p>
+                      <a:pPr algn="ctr"/>
+                      <a:r>
+                        <a:rPr lang="en-US" dirty="0"/>
+                        <a:t>Degree</a:t>
+                      </a:r>
+                    </a:p>
+                  </a:txBody>
+                  <a:tcPr/>
+                </a:tc>
+                <a:extLst>
+                  <a:ext uri="{0D108BD9-81ED-4DB2-BD59-A6C34878D82A}">
+                    <a16:rowId xmlns:a16="http://schemas.microsoft.com/office/drawing/2014/main" val="2176593963"/>
+                  </a:ext>
+                </a:extLst>
+              </a:tr>
+              <a:tr h="370840">
+                <a:tc>
+                  <a:txBody>
+                    <a:bodyPr/>
+                    <a:lstStyle/>
+                    <a:p>
+                      <a:pPr algn="ctr"/>
+                      <a:r>
+                        <a:rPr lang="en-US" b="1" dirty="0">
+                          <a:solidFill>
+                            <a:schemeClr val="bg1"/>
+                          </a:solidFill>
+                        </a:rPr>
+                        <a:t>Commits</a:t>
+                      </a:r>
+                    </a:p>
+                  </a:txBody>
+                  <a:tcPr>
+                    <a:lnL w="12700" cmpd="sng">
+                      <a:noFill/>
+                    </a:lnL>
+                    <a:lnR>
+                      <a:noFill/>
+                    </a:lnR>
+                    <a:lnT w="12700" cmpd="sng">
+                      <a:noFill/>
+                    </a:lnT>
+                    <a:lnB w="12700" cmpd="sng">
+                      <a:noFill/>
+                    </a:lnB>
+                    <a:lnTlToBr w="12700" cmpd="sng">
+                      <a:noFill/>
+                      <a:prstDash val="solid"/>
+                    </a:lnTlToBr>
+                    <a:lnBlToTr w="12700" cmpd="sng">
+                      <a:noFill/>
+                      <a:prstDash val="solid"/>
+                    </a:lnBlToTr>
+                    <a:solidFill>
+                      <a:schemeClr val="accent1"/>
+                    </a:solidFill>
+                  </a:tcPr>
+                </a:tc>
+                <a:tc>
+                  <a:txBody>
+                    <a:bodyPr/>
+                    <a:lstStyle/>
+                    <a:p>
+                      <a:pPr algn="ctr" fontAlgn="b"/>
+                      <a:r>
+                        <a:rPr lang="en-US" sz="1800" b="0" i="0" u="none" strike="noStrike">
+                          <a:solidFill>
+                            <a:srgbClr val="000000"/>
+                          </a:solidFill>
+                          <a:effectLst/>
+                          <a:latin typeface="Calibri" panose="020F0502020204030204" pitchFamily="34" charset="0"/>
+                        </a:rPr>
+                        <a:t>1</a:t>
+                      </a:r>
+                    </a:p>
+                  </a:txBody>
+                  <a:tcPr marL="6350" marR="6350" marT="6350" marB="0" anchor="b">
+                    <a:lnL>
+                      <a:noFill/>
+                    </a:lnL>
+                  </a:tcPr>
+                </a:tc>
+                <a:tc>
+                  <a:txBody>
+                    <a:bodyPr/>
+                    <a:lstStyle/>
+                    <a:p>
+                      <a:pPr algn="ctr" fontAlgn="b"/>
+                      <a:r>
+                        <a:rPr lang="en-US" sz="1800" b="1" i="0" u="none" strike="noStrike" dirty="0">
+                          <a:solidFill>
+                            <a:srgbClr val="000000"/>
+                          </a:solidFill>
+                          <a:effectLst/>
+                          <a:latin typeface="Calibri" panose="020F0502020204030204" pitchFamily="34" charset="0"/>
+                        </a:rPr>
+                        <a:t>0.927</a:t>
+                      </a:r>
+                    </a:p>
+                  </a:txBody>
+                  <a:tcPr marL="6350" marR="6350" marT="6350" marB="0" anchor="b"/>
+                </a:tc>
+                <a:tc>
+                  <a:txBody>
+                    <a:bodyPr/>
+                    <a:lstStyle/>
+                    <a:p>
+                      <a:pPr algn="ctr" fontAlgn="b"/>
+                      <a:r>
+                        <a:rPr lang="en-US" sz="1800" b="1" i="0" u="none" strike="noStrike" dirty="0">
+                          <a:solidFill>
+                            <a:srgbClr val="000000"/>
+                          </a:solidFill>
+                          <a:effectLst/>
+                          <a:latin typeface="Calibri" panose="020F0502020204030204" pitchFamily="34" charset="0"/>
+                        </a:rPr>
+                        <a:t>0.803</a:t>
+                      </a:r>
+                    </a:p>
+                  </a:txBody>
+                  <a:tcPr marL="6350" marR="6350" marT="6350" marB="0" anchor="b"/>
+                </a:tc>
+                <a:tc>
+                  <a:txBody>
+                    <a:bodyPr/>
+                    <a:lstStyle/>
+                    <a:p>
+                      <a:pPr algn="ctr" fontAlgn="b"/>
+                      <a:r>
+                        <a:rPr lang="en-US" sz="1800" b="1" i="0" u="none" strike="noStrike" dirty="0">
+                          <a:solidFill>
+                            <a:srgbClr val="000000"/>
+                          </a:solidFill>
+                          <a:effectLst/>
+                          <a:latin typeface="Calibri" panose="020F0502020204030204" pitchFamily="34" charset="0"/>
+                        </a:rPr>
+                        <a:t>0.870</a:t>
+                      </a:r>
+                    </a:p>
+                  </a:txBody>
+                  <a:tcPr marL="6350" marR="6350" marT="6350" marB="0" anchor="b"/>
+                </a:tc>
+                <a:tc>
+                  <a:txBody>
+                    <a:bodyPr/>
+                    <a:lstStyle/>
+                    <a:p>
+                      <a:pPr algn="ctr" fontAlgn="b"/>
+                      <a:r>
+                        <a:rPr lang="en-US" sz="1800" b="1" i="0" u="none" strike="noStrike" dirty="0">
+                          <a:solidFill>
+                            <a:srgbClr val="000000"/>
+                          </a:solidFill>
+                          <a:effectLst/>
+                          <a:latin typeface="Calibri" panose="020F0502020204030204" pitchFamily="34" charset="0"/>
+                        </a:rPr>
+                        <a:t>0.9711</a:t>
+                      </a:r>
+                    </a:p>
+                  </a:txBody>
+                  <a:tcPr marL="6350" marR="6350" marT="6350" marB="0" anchor="b"/>
+                </a:tc>
+                <a:extLst>
+                  <a:ext uri="{0D108BD9-81ED-4DB2-BD59-A6C34878D82A}">
+                    <a16:rowId xmlns:a16="http://schemas.microsoft.com/office/drawing/2014/main" val="1695581901"/>
+                  </a:ext>
+                </a:extLst>
+              </a:tr>
+              <a:tr h="370840">
+                <a:tc>
+                  <a:txBody>
+                    <a:bodyPr/>
+                    <a:lstStyle/>
+                    <a:p>
+                      <a:pPr algn="ctr"/>
+                      <a:r>
+                        <a:rPr lang="en-US" b="1" dirty="0">
+                          <a:solidFill>
+                            <a:schemeClr val="bg1"/>
+                          </a:solidFill>
+                        </a:rPr>
+                        <a:t>Failures</a:t>
+                      </a:r>
+                    </a:p>
+                  </a:txBody>
+                  <a:tcPr>
+                    <a:lnL w="12700" cmpd="sng">
+                      <a:noFill/>
+                    </a:lnL>
+                    <a:lnR>
+                      <a:noFill/>
+                    </a:lnR>
+                    <a:lnT w="12700" cmpd="sng">
+                      <a:noFill/>
+                    </a:lnT>
+                    <a:lnB w="12700" cmpd="sng">
+                      <a:noFill/>
+                    </a:lnB>
+                    <a:lnTlToBr w="12700" cmpd="sng">
+                      <a:noFill/>
+                      <a:prstDash val="solid"/>
+                    </a:lnTlToBr>
+                    <a:lnBlToTr w="12700" cmpd="sng">
+                      <a:noFill/>
+                      <a:prstDash val="solid"/>
+                    </a:lnBlToTr>
+                    <a:solidFill>
+                      <a:schemeClr val="accent1"/>
+                    </a:solidFill>
+                  </a:tcPr>
+                </a:tc>
+                <a:tc>
+                  <a:txBody>
+                    <a:bodyPr/>
+                    <a:lstStyle/>
+                    <a:p>
+                      <a:pPr algn="ctr" fontAlgn="b"/>
+                      <a:endParaRPr lang="en-US" sz="1800" b="0" i="0" u="none" strike="noStrike" dirty="0">
+                        <a:solidFill>
+                          <a:srgbClr val="000000"/>
+                        </a:solidFill>
+                        <a:effectLst/>
+                        <a:latin typeface="Calibri" panose="020F0502020204030204" pitchFamily="34" charset="0"/>
+                      </a:endParaRPr>
+                    </a:p>
+                  </a:txBody>
+                  <a:tcPr marL="6350" marR="6350" marT="6350" marB="0" anchor="b">
+                    <a:lnL>
+                      <a:noFill/>
+                    </a:lnL>
+                  </a:tcPr>
+                </a:tc>
+                <a:tc>
+                  <a:txBody>
+                    <a:bodyPr/>
+                    <a:lstStyle/>
+                    <a:p>
+                      <a:pPr algn="ctr" fontAlgn="b"/>
+                      <a:r>
+                        <a:rPr lang="en-US" sz="1800" b="0" i="0" u="none" strike="noStrike">
+                          <a:solidFill>
+                            <a:srgbClr val="000000"/>
+                          </a:solidFill>
+                          <a:effectLst/>
+                          <a:latin typeface="Calibri" panose="020F0502020204030204" pitchFamily="34" charset="0"/>
+                        </a:rPr>
+                        <a:t>1</a:t>
+                      </a:r>
+                    </a:p>
+                  </a:txBody>
+                  <a:tcPr marL="6350" marR="6350" marT="6350" marB="0" anchor="b"/>
+                </a:tc>
+                <a:tc>
+                  <a:txBody>
+                    <a:bodyPr/>
+                    <a:lstStyle/>
+                    <a:p>
+                      <a:pPr algn="ctr" fontAlgn="b"/>
+                      <a:r>
+                        <a:rPr lang="en-US" sz="1800" b="1" i="0" u="none" strike="noStrike" dirty="0">
+                          <a:solidFill>
+                            <a:srgbClr val="000000"/>
+                          </a:solidFill>
+                          <a:effectLst/>
+                          <a:latin typeface="Calibri" panose="020F0502020204030204" pitchFamily="34" charset="0"/>
+                        </a:rPr>
+                        <a:t>0.783</a:t>
+                      </a:r>
+                    </a:p>
+                  </a:txBody>
+                  <a:tcPr marL="6350" marR="6350" marT="6350" marB="0" anchor="b"/>
+                </a:tc>
+                <a:tc>
+                  <a:txBody>
+                    <a:bodyPr/>
+                    <a:lstStyle/>
+                    <a:p>
+                      <a:pPr algn="ctr" fontAlgn="b"/>
+                      <a:r>
+                        <a:rPr lang="en-US" sz="1800" b="1" i="0" u="none" strike="noStrike" dirty="0">
+                          <a:solidFill>
+                            <a:srgbClr val="000000"/>
+                          </a:solidFill>
+                          <a:effectLst/>
+                          <a:latin typeface="Calibri" panose="020F0502020204030204" pitchFamily="34" charset="0"/>
+                        </a:rPr>
+                        <a:t>0.821</a:t>
+                      </a:r>
+                    </a:p>
+                  </a:txBody>
+                  <a:tcPr marL="6350" marR="6350" marT="6350" marB="0" anchor="b"/>
+                </a:tc>
+                <a:tc>
+                  <a:txBody>
+                    <a:bodyPr/>
+                    <a:lstStyle/>
+                    <a:p>
+                      <a:pPr algn="ctr" fontAlgn="b"/>
+                      <a:r>
+                        <a:rPr lang="en-US" sz="1800" b="1" i="0" u="none" strike="noStrike" dirty="0">
+                          <a:solidFill>
+                            <a:srgbClr val="000000"/>
+                          </a:solidFill>
+                          <a:effectLst/>
+                          <a:latin typeface="Calibri" panose="020F0502020204030204" pitchFamily="34" charset="0"/>
+                        </a:rPr>
+                        <a:t>0.933</a:t>
+                      </a:r>
+                    </a:p>
+                  </a:txBody>
+                  <a:tcPr marL="6350" marR="6350" marT="6350" marB="0" anchor="b"/>
+                </a:tc>
+                <a:extLst>
+                  <a:ext uri="{0D108BD9-81ED-4DB2-BD59-A6C34878D82A}">
+                    <a16:rowId xmlns:a16="http://schemas.microsoft.com/office/drawing/2014/main" val="752802374"/>
+                  </a:ext>
+                </a:extLst>
+              </a:tr>
+              <a:tr h="370840">
+                <a:tc>
+                  <a:txBody>
+                    <a:bodyPr/>
+                    <a:lstStyle/>
+                    <a:p>
+                      <a:pPr algn="ctr"/>
+                      <a:r>
+                        <a:rPr lang="en-US" b="1" dirty="0">
+                          <a:solidFill>
+                            <a:schemeClr val="bg1"/>
+                          </a:solidFill>
+                        </a:rPr>
+                        <a:t>Betweenness</a:t>
+                      </a:r>
+                    </a:p>
+                  </a:txBody>
+                  <a:tcPr>
+                    <a:lnL w="12700" cmpd="sng">
+                      <a:noFill/>
+                    </a:lnL>
+                    <a:lnR>
+                      <a:noFill/>
+                    </a:lnR>
+                    <a:lnT w="12700" cmpd="sng">
+                      <a:noFill/>
+                    </a:lnT>
+                    <a:lnB w="12700" cmpd="sng">
+                      <a:noFill/>
+                    </a:lnB>
+                    <a:lnTlToBr w="12700" cmpd="sng">
+                      <a:noFill/>
+                      <a:prstDash val="solid"/>
+                    </a:lnTlToBr>
+                    <a:lnBlToTr w="12700" cmpd="sng">
+                      <a:noFill/>
+                      <a:prstDash val="solid"/>
+                    </a:lnBlToTr>
+                    <a:solidFill>
+                      <a:schemeClr val="accent1"/>
+                    </a:solidFill>
+                  </a:tcPr>
+                </a:tc>
+                <a:tc>
+                  <a:txBody>
+                    <a:bodyPr/>
+                    <a:lstStyle/>
+                    <a:p>
+                      <a:pPr algn="ctr" fontAlgn="b"/>
+                      <a:endParaRPr lang="en-US" sz="1800" b="0" i="0" u="none" strike="noStrike">
+                        <a:solidFill>
+                          <a:srgbClr val="000000"/>
+                        </a:solidFill>
+                        <a:effectLst/>
+                        <a:latin typeface="Calibri" panose="020F0502020204030204" pitchFamily="34" charset="0"/>
+                      </a:endParaRPr>
+                    </a:p>
+                  </a:txBody>
+                  <a:tcPr marL="6350" marR="6350" marT="6350" marB="0" anchor="b">
+                    <a:lnL>
+                      <a:noFill/>
+                    </a:lnL>
+                  </a:tcPr>
+                </a:tc>
+                <a:tc>
+                  <a:txBody>
+                    <a:bodyPr/>
+                    <a:lstStyle/>
+                    <a:p>
+                      <a:pPr algn="ctr" fontAlgn="b"/>
+                      <a:endParaRPr lang="en-US" sz="1800" b="0" i="0" u="none" strike="noStrike" dirty="0">
+                        <a:solidFill>
+                          <a:srgbClr val="000000"/>
+                        </a:solidFill>
+                        <a:effectLst/>
+                        <a:latin typeface="Calibri" panose="020F0502020204030204" pitchFamily="34" charset="0"/>
+                      </a:endParaRPr>
+                    </a:p>
+                  </a:txBody>
+                  <a:tcPr marL="6350" marR="6350" marT="6350" marB="0" anchor="b"/>
+                </a:tc>
+                <a:tc>
+                  <a:txBody>
+                    <a:bodyPr/>
+                    <a:lstStyle/>
+                    <a:p>
+                      <a:pPr algn="ctr" fontAlgn="b"/>
+                      <a:r>
+                        <a:rPr lang="en-US" sz="1800" b="0" i="0" u="none" strike="noStrike">
+                          <a:solidFill>
+                            <a:srgbClr val="000000"/>
+                          </a:solidFill>
+                          <a:effectLst/>
+                          <a:latin typeface="Calibri" panose="020F0502020204030204" pitchFamily="34" charset="0"/>
+                        </a:rPr>
+                        <a:t>1</a:t>
+                      </a:r>
+                    </a:p>
+                  </a:txBody>
+                  <a:tcPr marL="6350" marR="6350" marT="6350" marB="0" anchor="b"/>
+                </a:tc>
+                <a:tc>
+                  <a:txBody>
+                    <a:bodyPr/>
+                    <a:lstStyle/>
+                    <a:p>
+                      <a:pPr algn="ctr" fontAlgn="b"/>
+                      <a:r>
+                        <a:rPr lang="en-US" sz="1800" b="1" i="0" u="none" strike="noStrike" dirty="0">
+                          <a:solidFill>
+                            <a:srgbClr val="000000"/>
+                          </a:solidFill>
+                          <a:effectLst/>
+                          <a:latin typeface="Calibri" panose="020F0502020204030204" pitchFamily="34" charset="0"/>
+                        </a:rPr>
+                        <a:t>0.899</a:t>
+                      </a:r>
+                    </a:p>
+                  </a:txBody>
+                  <a:tcPr marL="6350" marR="6350" marT="6350" marB="0" anchor="b"/>
+                </a:tc>
+                <a:tc>
+                  <a:txBody>
+                    <a:bodyPr/>
+                    <a:lstStyle/>
+                    <a:p>
+                      <a:pPr algn="ctr" fontAlgn="b"/>
+                      <a:r>
+                        <a:rPr lang="en-US" sz="1800" b="1" i="0" u="none" strike="noStrike" dirty="0">
+                          <a:solidFill>
+                            <a:srgbClr val="000000"/>
+                          </a:solidFill>
+                          <a:effectLst/>
+                          <a:latin typeface="Calibri" panose="020F0502020204030204" pitchFamily="34" charset="0"/>
+                        </a:rPr>
+                        <a:t>0.868</a:t>
+                      </a:r>
+                    </a:p>
+                  </a:txBody>
+                  <a:tcPr marL="6350" marR="6350" marT="6350" marB="0" anchor="b"/>
+                </a:tc>
+                <a:extLst>
+                  <a:ext uri="{0D108BD9-81ED-4DB2-BD59-A6C34878D82A}">
+                    <a16:rowId xmlns:a16="http://schemas.microsoft.com/office/drawing/2014/main" val="2259620122"/>
+                  </a:ext>
+                </a:extLst>
+              </a:tr>
+              <a:tr h="370840">
+                <a:tc>
+                  <a:txBody>
+                    <a:bodyPr/>
+                    <a:lstStyle/>
+                    <a:p>
+                      <a:pPr algn="ctr"/>
+                      <a:r>
+                        <a:rPr lang="en-US" b="1" dirty="0">
+                          <a:solidFill>
+                            <a:schemeClr val="bg1"/>
+                          </a:solidFill>
+                        </a:rPr>
+                        <a:t>Closeness</a:t>
+                      </a:r>
+                    </a:p>
+                  </a:txBody>
+                  <a:tcPr>
+                    <a:lnL w="12700" cmpd="sng">
+                      <a:noFill/>
+                    </a:lnL>
+                    <a:lnR>
+                      <a:noFill/>
+                    </a:lnR>
+                    <a:lnT w="12700" cmpd="sng">
+                      <a:noFill/>
+                    </a:lnT>
+                    <a:lnB w="12700" cmpd="sng">
+                      <a:noFill/>
+                    </a:lnB>
+                    <a:lnTlToBr w="12700" cmpd="sng">
+                      <a:noFill/>
+                      <a:prstDash val="solid"/>
+                    </a:lnTlToBr>
+                    <a:lnBlToTr w="12700" cmpd="sng">
+                      <a:noFill/>
+                      <a:prstDash val="solid"/>
+                    </a:lnBlToTr>
+                    <a:solidFill>
+                      <a:schemeClr val="accent1"/>
+                    </a:solidFill>
+                  </a:tcPr>
+                </a:tc>
+                <a:tc>
+                  <a:txBody>
+                    <a:bodyPr/>
+                    <a:lstStyle/>
+                    <a:p>
+                      <a:pPr algn="ctr" fontAlgn="b"/>
+                      <a:endParaRPr lang="en-US" sz="1800" b="0" i="0" u="none" strike="noStrike" dirty="0">
+                        <a:solidFill>
+                          <a:srgbClr val="000000"/>
+                        </a:solidFill>
+                        <a:effectLst/>
+                        <a:latin typeface="Calibri" panose="020F0502020204030204" pitchFamily="34" charset="0"/>
+                      </a:endParaRPr>
+                    </a:p>
+                  </a:txBody>
+                  <a:tcPr marL="6350" marR="6350" marT="6350" marB="0" anchor="b">
+                    <a:lnL>
+                      <a:noFill/>
+                    </a:lnL>
+                  </a:tcPr>
+                </a:tc>
+                <a:tc>
+                  <a:txBody>
+                    <a:bodyPr/>
+                    <a:lstStyle/>
+                    <a:p>
+                      <a:pPr algn="ctr" fontAlgn="b"/>
+                      <a:endParaRPr lang="en-US" sz="1800" b="0" i="0" u="none" strike="noStrike" dirty="0">
+                        <a:solidFill>
+                          <a:srgbClr val="000000"/>
+                        </a:solidFill>
+                        <a:effectLst/>
+                        <a:latin typeface="Calibri" panose="020F0502020204030204" pitchFamily="34" charset="0"/>
+                      </a:endParaRPr>
+                    </a:p>
+                  </a:txBody>
+                  <a:tcPr marL="6350" marR="6350" marT="6350" marB="0" anchor="b"/>
+                </a:tc>
+                <a:tc>
+                  <a:txBody>
+                    <a:bodyPr/>
+                    <a:lstStyle/>
+                    <a:p>
+                      <a:pPr algn="ctr" fontAlgn="b"/>
+                      <a:endParaRPr lang="en-US" sz="1800" b="0" i="0" u="none" strike="noStrike" dirty="0">
+                        <a:solidFill>
+                          <a:srgbClr val="000000"/>
+                        </a:solidFill>
+                        <a:effectLst/>
+                        <a:latin typeface="Calibri" panose="020F0502020204030204" pitchFamily="34" charset="0"/>
+                      </a:endParaRPr>
+                    </a:p>
+                  </a:txBody>
+                  <a:tcPr marL="6350" marR="6350" marT="6350" marB="0" anchor="b"/>
+                </a:tc>
+                <a:tc>
+                  <a:txBody>
+                    <a:bodyPr/>
+                    <a:lstStyle/>
+                    <a:p>
+                      <a:pPr algn="ctr" fontAlgn="b"/>
+                      <a:r>
+                        <a:rPr lang="en-US" sz="1800" b="0" i="0" u="none" strike="noStrike">
+                          <a:solidFill>
+                            <a:srgbClr val="000000"/>
+                          </a:solidFill>
+                          <a:effectLst/>
+                          <a:latin typeface="Calibri" panose="020F0502020204030204" pitchFamily="34" charset="0"/>
+                        </a:rPr>
+                        <a:t>1</a:t>
+                      </a:r>
+                    </a:p>
+                  </a:txBody>
+                  <a:tcPr marL="6350" marR="6350" marT="6350" marB="0" anchor="b"/>
+                </a:tc>
+                <a:tc>
+                  <a:txBody>
+                    <a:bodyPr/>
+                    <a:lstStyle/>
+                    <a:p>
+                      <a:pPr algn="ctr" fontAlgn="b"/>
+                      <a:r>
+                        <a:rPr lang="en-US" sz="1800" b="1" i="0" u="none" strike="noStrike" dirty="0">
+                          <a:solidFill>
+                            <a:srgbClr val="000000"/>
+                          </a:solidFill>
+                          <a:effectLst/>
+                          <a:latin typeface="Calibri" panose="020F0502020204030204" pitchFamily="34" charset="0"/>
+                        </a:rPr>
+                        <a:t>0.926</a:t>
+                      </a:r>
+                    </a:p>
+                  </a:txBody>
+                  <a:tcPr marL="6350" marR="6350" marT="6350" marB="0" anchor="b"/>
+                </a:tc>
+                <a:extLst>
+                  <a:ext uri="{0D108BD9-81ED-4DB2-BD59-A6C34878D82A}">
+                    <a16:rowId xmlns:a16="http://schemas.microsoft.com/office/drawing/2014/main" val="677023775"/>
+                  </a:ext>
+                </a:extLst>
+              </a:tr>
+              <a:tr h="370840">
+                <a:tc>
+                  <a:txBody>
+                    <a:bodyPr/>
+                    <a:lstStyle/>
+                    <a:p>
+                      <a:pPr algn="ctr"/>
+                      <a:r>
+                        <a:rPr lang="en-US" b="1" dirty="0">
+                          <a:solidFill>
+                            <a:schemeClr val="bg1"/>
+                          </a:solidFill>
+                        </a:rPr>
+                        <a:t>Degree</a:t>
+                      </a:r>
+                    </a:p>
+                  </a:txBody>
+                  <a:tcPr>
+                    <a:lnL w="12700" cmpd="sng">
+                      <a:noFill/>
+                    </a:lnL>
+                    <a:lnR>
+                      <a:noFill/>
+                    </a:lnR>
+                    <a:lnT w="12700" cmpd="sng">
+                      <a:noFill/>
+                    </a:lnT>
+                    <a:lnB w="12700" cmpd="sng">
+                      <a:noFill/>
+                    </a:lnB>
+                    <a:lnTlToBr w="12700" cmpd="sng">
+                      <a:noFill/>
+                      <a:prstDash val="solid"/>
+                    </a:lnTlToBr>
+                    <a:lnBlToTr w="12700" cmpd="sng">
+                      <a:noFill/>
+                      <a:prstDash val="solid"/>
+                    </a:lnBlToTr>
+                    <a:solidFill>
+                      <a:schemeClr val="accent1"/>
+                    </a:solidFill>
+                  </a:tcPr>
+                </a:tc>
+                <a:tc>
+                  <a:txBody>
+                    <a:bodyPr/>
+                    <a:lstStyle/>
+                    <a:p>
+                      <a:pPr algn="ctr" fontAlgn="b"/>
+                      <a:endParaRPr lang="en-US" sz="1800" b="0" i="0" u="none" strike="noStrike" dirty="0">
+                        <a:solidFill>
+                          <a:srgbClr val="000000"/>
+                        </a:solidFill>
+                        <a:effectLst/>
+                        <a:latin typeface="Calibri" panose="020F0502020204030204" pitchFamily="34" charset="0"/>
+                      </a:endParaRPr>
+                    </a:p>
+                  </a:txBody>
+                  <a:tcPr marL="6350" marR="6350" marT="6350" marB="0" anchor="b">
+                    <a:lnL>
+                      <a:noFill/>
+                    </a:lnL>
+                  </a:tcPr>
+                </a:tc>
+                <a:tc>
+                  <a:txBody>
+                    <a:bodyPr/>
+                    <a:lstStyle/>
+                    <a:p>
+                      <a:pPr algn="ctr" fontAlgn="b"/>
+                      <a:endParaRPr lang="en-US" sz="1800" b="0" i="0" u="none" strike="noStrike" dirty="0">
+                        <a:solidFill>
+                          <a:srgbClr val="000000"/>
+                        </a:solidFill>
+                        <a:effectLst/>
+                        <a:latin typeface="Calibri" panose="020F0502020204030204" pitchFamily="34" charset="0"/>
+                      </a:endParaRPr>
+                    </a:p>
+                  </a:txBody>
+                  <a:tcPr marL="6350" marR="6350" marT="6350" marB="0" anchor="b"/>
+                </a:tc>
+                <a:tc>
+                  <a:txBody>
+                    <a:bodyPr/>
+                    <a:lstStyle/>
+                    <a:p>
+                      <a:pPr algn="ctr" fontAlgn="b"/>
+                      <a:endParaRPr lang="en-US" sz="1800" b="0" i="0" u="none" strike="noStrike" dirty="0">
+                        <a:solidFill>
+                          <a:srgbClr val="000000"/>
+                        </a:solidFill>
+                        <a:effectLst/>
+                        <a:latin typeface="Calibri" panose="020F0502020204030204" pitchFamily="34" charset="0"/>
+                      </a:endParaRPr>
+                    </a:p>
+                  </a:txBody>
+                  <a:tcPr marL="6350" marR="6350" marT="6350" marB="0" anchor="b"/>
+                </a:tc>
+                <a:tc>
+                  <a:txBody>
+                    <a:bodyPr/>
+                    <a:lstStyle/>
+                    <a:p>
+                      <a:pPr algn="ctr" fontAlgn="b"/>
+                      <a:endParaRPr lang="en-US" sz="1800" b="0" i="0" u="none" strike="noStrike" dirty="0">
+                        <a:solidFill>
+                          <a:srgbClr val="000000"/>
+                        </a:solidFill>
+                        <a:effectLst/>
+                        <a:latin typeface="Calibri" panose="020F0502020204030204" pitchFamily="34" charset="0"/>
+                      </a:endParaRPr>
+                    </a:p>
+                  </a:txBody>
+                  <a:tcPr marL="6350" marR="6350" marT="6350" marB="0" anchor="b"/>
+                </a:tc>
+                <a:tc>
+                  <a:txBody>
+                    <a:bodyPr/>
+                    <a:lstStyle/>
+                    <a:p>
+                      <a:pPr algn="ctr" fontAlgn="b"/>
+                      <a:r>
+                        <a:rPr lang="en-US" sz="1800" b="0" i="0" u="none" strike="noStrike" dirty="0">
+                          <a:solidFill>
+                            <a:srgbClr val="000000"/>
+                          </a:solidFill>
+                          <a:effectLst/>
+                          <a:latin typeface="Calibri" panose="020F0502020204030204" pitchFamily="34" charset="0"/>
+                        </a:rPr>
+                        <a:t>1</a:t>
+                      </a:r>
+                    </a:p>
+                  </a:txBody>
+                  <a:tcPr marL="6350" marR="6350" marT="6350" marB="0" anchor="b"/>
+                </a:tc>
+                <a:extLst>
+                  <a:ext uri="{0D108BD9-81ED-4DB2-BD59-A6C34878D82A}">
+                    <a16:rowId xmlns:a16="http://schemas.microsoft.com/office/drawing/2014/main" val="1905588825"/>
+                  </a:ext>
+                </a:extLst>
+              </a:tr>
+            </a:tbl>
+          </a:graphicData>
+        </a:graphic>
+      </p:graphicFrame>
+      <p:sp>
+        <p:nvSpPr>
+          <p:cNvPr id="8" name="TextBox 7"/>
+          <p:cNvSpPr txBox="1"/>
+          <p:nvPr/>
+        </p:nvSpPr>
+        <p:spPr>
+          <a:xfrm>
+            <a:off x="8289579" y="2840196"/>
+            <a:ext cx="3701572" cy="584775"/>
+          </a:xfrm>
+          <a:prstGeom prst="rect">
+            <a:avLst/>
+          </a:prstGeom>
+          <a:noFill/>
+        </p:spPr>
+        <p:txBody>
+          <a:bodyPr wrap="square" rtlCol="0">
+            <a:spAutoFit/>
+          </a:bodyPr>
+          <a:lstStyle/>
+          <a:p>
+            <a:pPr algn="ctr"/>
+            <a:r>
+              <a:rPr lang="en-US" sz="3200" b="1" dirty="0"/>
+              <a:t>MarkUs</a:t>
+            </a:r>
+          </a:p>
+        </p:txBody>
+      </p:sp>
+      <p:sp>
+        <p:nvSpPr>
+          <p:cNvPr id="9" name="TextBox 8"/>
+          <p:cNvSpPr txBox="1"/>
+          <p:nvPr/>
+        </p:nvSpPr>
+        <p:spPr>
+          <a:xfrm>
+            <a:off x="161576" y="5525619"/>
+            <a:ext cx="3701572" cy="584775"/>
+          </a:xfrm>
+          <a:prstGeom prst="rect">
+            <a:avLst/>
+          </a:prstGeom>
+          <a:noFill/>
+        </p:spPr>
+        <p:txBody>
+          <a:bodyPr wrap="square" rtlCol="0">
+            <a:spAutoFit/>
+          </a:bodyPr>
+          <a:lstStyle/>
+          <a:p>
+            <a:pPr algn="ctr"/>
+            <a:r>
+              <a:rPr lang="en-US" sz="3200" b="1" dirty="0" err="1"/>
+              <a:t>Caf</a:t>
+            </a:r>
+            <a:r>
+              <a:rPr lang="en-US" sz="3200" b="1" dirty="0"/>
+              <a:t>-Platform</a:t>
+            </a:r>
+          </a:p>
+        </p:txBody>
+      </p:sp>
+    </p:spTree>
+    <p:extLst>
+      <p:ext uri="{BB962C8B-B14F-4D97-AF65-F5344CB8AC3E}">
+        <p14:creationId xmlns:p14="http://schemas.microsoft.com/office/powerpoint/2010/main" val="2962664148"/>
+      </p:ext>
+    </p:extLst>
+  </p:cSld>
+  <p:clrMapOvr>
+    <a:masterClrMapping/>
+  </p:clrMapOvr>
+</p:sld>
+</file>
+
+<file path=ppt/slides/slide17.xml><?xml version="1.0" encoding="utf-8"?>
+<p:sld xmlns:a="http://schemas.openxmlformats.org/drawingml/2006/main" xmlns:r="http://schemas.openxmlformats.org/officeDocument/2006/relationships" xmlns:p="http://schemas.openxmlformats.org/presentationml/2006/main">
+  <p:cSld>
+    <p:spTree>
+      <p:nvGrpSpPr>
+        <p:cNvPr id="1" name=""/>
+        <p:cNvGrpSpPr/>
+        <p:nvPr/>
+      </p:nvGrpSpPr>
+      <p:grpSpPr>
+        <a:xfrm>
+          <a:off x="0" y="0"/>
+          <a:ext cx="0" cy="0"/>
+          <a:chOff x="0" y="0"/>
+          <a:chExt cx="0" cy="0"/>
+        </a:xfrm>
+      </p:grpSpPr>
+      <p:sp>
+        <p:nvSpPr>
+          <p:cNvPr id="2" name="Title 1"/>
+          <p:cNvSpPr>
+            <a:spLocks noGrp="1"/>
+          </p:cNvSpPr>
+          <p:nvPr>
+            <p:ph type="title"/>
+          </p:nvPr>
+        </p:nvSpPr>
+        <p:spPr/>
+        <p:txBody>
+          <a:bodyPr/>
+          <a:lstStyle/>
+          <a:p>
+            <a:r>
+              <a:rPr lang="en-US" dirty="0"/>
+              <a:t>Logistical Regression:</a:t>
+            </a:r>
+            <a:r>
+              <a:rPr lang="en-US" i="1" dirty="0"/>
+              <a:t> All Projects</a:t>
+            </a:r>
+            <a:endParaRPr lang="en-US" dirty="0"/>
           </a:p>
         </p:txBody>
       </p:sp>
@@ -6751,7 +11714,29 @@
           <a:p>
             <a:r>
               <a:rPr lang="en-US" dirty="0"/>
-              <a:t>Each time, 66% of the graph was placed in a training set and 44% was placed in a test set. </a:t>
+              <a:t>Each time, 66% of the graph was placed in a training set and 33% was placed in a test set. </a:t>
+            </a:r>
+          </a:p>
+          <a:p>
+            <a:r>
+              <a:rPr lang="en-US" dirty="0"/>
+              <a:t>Labelled </a:t>
+            </a:r>
+            <a:r>
+              <a:rPr lang="en-US" i="1" dirty="0"/>
+              <a:t>0</a:t>
+            </a:r>
+            <a:r>
+              <a:rPr lang="en-US" dirty="0"/>
+              <a:t> for non-bug-prone and </a:t>
+            </a:r>
+            <a:r>
+              <a:rPr lang="en-US" i="1" dirty="0"/>
+              <a:t>1</a:t>
+            </a:r>
+            <a:r>
+              <a:rPr lang="en-US" dirty="0"/>
+              <a:t> for bug-prone.</a:t>
             </a:r>
           </a:p>
         </p:txBody>
@@ -6765,13 +11750,13 @@
           <p:nvPr>
             <p:extLst>
               <p:ext uri="{D42A27DB-BD31-4B8C-83A1-F6EECF244321}">
-                <p14:modId xmlns:p14="http://schemas.microsoft.com/office/powerpoint/2010/main" val="2212549281"/>
+                <p14:modId xmlns:p14="http://schemas.microsoft.com/office/powerpoint/2010/main" val="4124711837"/>
               </p:ext>
             </p:extLst>
           </p:nvPr>
         </p:nvGraphicFramePr>
         <p:xfrm>
-          <a:off x="2062480" y="3857414"/>
+          <a:off x="2062480" y="4221207"/>
           <a:ext cx="8127999" cy="1483360"/>
         </p:xfrm>
         <a:graphic>
@@ -6920,20 +11905,40 @@
                     <a:bodyPr/>
                     <a:lstStyle/>
                     <a:p>
-                      <a:endParaRPr lang="en-US" dirty="0"/>
+                      <a:pPr algn="ctr" fontAlgn="b"/>
+                      <a:r>
+                        <a:rPr lang="en-US" sz="2000" b="0" i="0" u="none" strike="noStrike" dirty="0">
+                          <a:solidFill>
+                            <a:srgbClr val="000000"/>
+                          </a:solidFill>
+                          <a:effectLst/>
+                          <a:latin typeface="Calibri" panose="020F0502020204030204" pitchFamily="34" charset="0"/>
+                        </a:rPr>
+                        <a:t>0.756</a:t>
+                      </a:r>
                     </a:p>
                   </a:txBody>
-                  <a:tcPr/>
+                  <a:tcPr marL="6350" marR="6350" marT="6350" marB="0" anchor="ctr"/>
                 </a:tc>
                 <a:tc>
                   <a:txBody>
                     <a:bodyPr/>
                     <a:lstStyle/>
                     <a:p>
-                      <a:endParaRPr lang="en-US" dirty="0"/>
+                      <a:pPr algn="ctr" fontAlgn="b"/>
+                      <a:r>
+                        <a:rPr lang="en-US" sz="2000" b="0" i="0" u="none" strike="noStrike" dirty="0">
+                          <a:solidFill>
+                            <a:srgbClr val="000000"/>
+                          </a:solidFill>
+                          <a:effectLst/>
+                          <a:latin typeface="Calibri" panose="020F0502020204030204" pitchFamily="34" charset="0"/>
+                        </a:rPr>
+                        <a:t>0.765</a:t>
+                      </a:r>
                     </a:p>
                   </a:txBody>
-                  <a:tcPr/>
+                  <a:tcPr marL="6350" marR="6350" marT="6350" marB="0" anchor="ctr"/>
                 </a:tc>
                 <a:extLst>
                   <a:ext uri="{0D108BD9-81ED-4DB2-BD59-A6C34878D82A}">
@@ -6969,20 +11974,40 @@
                     <a:bodyPr/>
                     <a:lstStyle/>
                     <a:p>
-                      <a:endParaRPr lang="en-US" dirty="0"/>
+                      <a:pPr algn="ctr" fontAlgn="b"/>
+                      <a:r>
+                        <a:rPr lang="en-US" sz="2000" b="0" i="0" u="none" strike="noStrike" dirty="0">
+                          <a:solidFill>
+                            <a:srgbClr val="000000"/>
+                          </a:solidFill>
+                          <a:effectLst/>
+                          <a:latin typeface="Calibri" panose="020F0502020204030204" pitchFamily="34" charset="0"/>
+                        </a:rPr>
+                        <a:t>0.730</a:t>
+                      </a:r>
                     </a:p>
                   </a:txBody>
-                  <a:tcPr/>
+                  <a:tcPr marL="6350" marR="6350" marT="6350" marB="0" anchor="ctr"/>
                 </a:tc>
                 <a:tc>
                   <a:txBody>
                     <a:bodyPr/>
                     <a:lstStyle/>
                     <a:p>
-                      <a:endParaRPr lang="en-US"/>
+                      <a:pPr algn="ctr" fontAlgn="b"/>
+                      <a:r>
+                        <a:rPr lang="en-US" sz="2000" b="0" i="0" u="none" strike="noStrike" dirty="0">
+                          <a:solidFill>
+                            <a:srgbClr val="000000"/>
+                          </a:solidFill>
+                          <a:effectLst/>
+                          <a:latin typeface="Calibri" panose="020F0502020204030204" pitchFamily="34" charset="0"/>
+                        </a:rPr>
+                        <a:t>0.781</a:t>
+                      </a:r>
                     </a:p>
                   </a:txBody>
-                  <a:tcPr/>
+                  <a:tcPr marL="6350" marR="6350" marT="6350" marB="0" anchor="ctr"/>
                 </a:tc>
                 <a:extLst>
                   <a:ext uri="{0D108BD9-81ED-4DB2-BD59-A6C34878D82A}">
@@ -7018,20 +12043,40 @@
                     <a:bodyPr/>
                     <a:lstStyle/>
                     <a:p>
-                      <a:endParaRPr lang="en-US"/>
+                      <a:pPr algn="ctr" fontAlgn="b"/>
+                      <a:r>
+                        <a:rPr lang="en-US" sz="2000" b="0" i="0" u="none" strike="noStrike" dirty="0">
+                          <a:solidFill>
+                            <a:srgbClr val="000000"/>
+                          </a:solidFill>
+                          <a:effectLst/>
+                          <a:latin typeface="Calibri" panose="020F0502020204030204" pitchFamily="34" charset="0"/>
+                        </a:rPr>
+                        <a:t>0.119</a:t>
+                      </a:r>
                     </a:p>
                   </a:txBody>
-                  <a:tcPr/>
+                  <a:tcPr marL="6350" marR="6350" marT="6350" marB="0" anchor="ctr"/>
                 </a:tc>
                 <a:tc>
                   <a:txBody>
                     <a:bodyPr/>
                     <a:lstStyle/>
                     <a:p>
-                      <a:endParaRPr lang="en-US" dirty="0"/>
+                      <a:pPr algn="ctr" fontAlgn="b"/>
+                      <a:r>
+                        <a:rPr lang="en-US" sz="2000" b="0" i="0" u="none" strike="noStrike" dirty="0">
+                          <a:solidFill>
+                            <a:srgbClr val="000000"/>
+                          </a:solidFill>
+                          <a:effectLst/>
+                          <a:latin typeface="Calibri" panose="020F0502020204030204" pitchFamily="34" charset="0"/>
+                        </a:rPr>
+                        <a:t>0.123</a:t>
+                      </a:r>
                     </a:p>
                   </a:txBody>
-                  <a:tcPr/>
+                  <a:tcPr marL="6350" marR="6350" marT="6350" marB="0" anchor="ctr"/>
                 </a:tc>
                 <a:extLst>
                   <a:ext uri="{0D108BD9-81ED-4DB2-BD59-A6C34878D82A}">
@@ -7047,77 +12092,6 @@
     <p:extLst>
       <p:ext uri="{BB962C8B-B14F-4D97-AF65-F5344CB8AC3E}">
         <p14:creationId xmlns:p14="http://schemas.microsoft.com/office/powerpoint/2010/main" val="3340033311"/>
-      </p:ext>
-    </p:extLst>
-  </p:cSld>
-  <p:clrMapOvr>
-    <a:masterClrMapping/>
-  </p:clrMapOvr>
-</p:sld>
-</file>
-
-<file path=ppt/slides/slide17.xml><?xml version="1.0" encoding="utf-8"?>
-<p:sld xmlns:a="http://schemas.openxmlformats.org/drawingml/2006/main" xmlns:r="http://schemas.openxmlformats.org/officeDocument/2006/relationships" xmlns:p="http://schemas.openxmlformats.org/presentationml/2006/main">
-  <p:cSld>
-    <p:spTree>
-      <p:nvGrpSpPr>
-        <p:cNvPr id="1" name=""/>
-        <p:cNvGrpSpPr/>
-        <p:nvPr/>
-      </p:nvGrpSpPr>
-      <p:grpSpPr>
-        <a:xfrm>
-          <a:off x="0" y="0"/>
-          <a:ext cx="0" cy="0"/>
-          <a:chOff x="0" y="0"/>
-          <a:chExt cx="0" cy="0"/>
-        </a:xfrm>
-      </p:grpSpPr>
-      <p:sp>
-        <p:nvSpPr>
-          <p:cNvPr id="2" name="Title 1"/>
-          <p:cNvSpPr>
-            <a:spLocks noGrp="1"/>
-          </p:cNvSpPr>
-          <p:nvPr>
-            <p:ph type="title"/>
-          </p:nvPr>
-        </p:nvSpPr>
-        <p:spPr/>
-        <p:txBody>
-          <a:bodyPr/>
-          <a:lstStyle/>
-          <a:p>
-            <a:r>
-              <a:rPr lang="en-US" dirty="0"/>
-              <a:t>Logistical Regression Results</a:t>
-            </a:r>
-          </a:p>
-        </p:txBody>
-      </p:sp>
-      <p:sp>
-        <p:nvSpPr>
-          <p:cNvPr id="3" name="Content Placeholder 2"/>
-          <p:cNvSpPr>
-            <a:spLocks noGrp="1"/>
-          </p:cNvSpPr>
-          <p:nvPr>
-            <p:ph idx="1"/>
-          </p:nvPr>
-        </p:nvSpPr>
-        <p:spPr/>
-        <p:txBody>
-          <a:bodyPr/>
-          <a:lstStyle/>
-          <a:p>
-            <a:endParaRPr lang="en-US" dirty="0"/>
-          </a:p>
-        </p:txBody>
-      </p:sp>
-    </p:spTree>
-    <p:extLst>
-      <p:ext uri="{BB962C8B-B14F-4D97-AF65-F5344CB8AC3E}">
-        <p14:creationId xmlns:p14="http://schemas.microsoft.com/office/powerpoint/2010/main" val="2319084904"/>
       </p:ext>
     </p:extLst>
   </p:cSld>
@@ -7161,6 +12135,577 @@
           <a:p>
             <a:r>
               <a:rPr lang="en-US" dirty="0"/>
+              <a:t>Precision and Recall: </a:t>
+            </a:r>
+            <a:r>
+              <a:rPr lang="en-US" i="1" dirty="0" err="1"/>
+              <a:t>Caf</a:t>
+            </a:r>
+            <a:r>
+              <a:rPr lang="en-US" i="1" dirty="0"/>
+              <a:t>-Platform</a:t>
+            </a:r>
+            <a:endParaRPr lang="en-US" dirty="0"/>
+          </a:p>
+        </p:txBody>
+      </p:sp>
+      <p:graphicFrame>
+        <p:nvGraphicFramePr>
+          <p:cNvPr id="5" name="Chart 4"/>
+          <p:cNvGraphicFramePr>
+            <a:graphicFrameLocks/>
+          </p:cNvGraphicFramePr>
+          <p:nvPr>
+            <p:extLst>
+              <p:ext uri="{D42A27DB-BD31-4B8C-83A1-F6EECF244321}">
+                <p14:modId xmlns:p14="http://schemas.microsoft.com/office/powerpoint/2010/main" val="2674124664"/>
+              </p:ext>
+            </p:extLst>
+          </p:nvPr>
+        </p:nvGraphicFramePr>
+        <p:xfrm>
+          <a:off x="93406" y="1955876"/>
+          <a:ext cx="6464710" cy="4195917"/>
+        </p:xfrm>
+        <a:graphic>
+          <a:graphicData uri="http://schemas.openxmlformats.org/drawingml/2006/chart">
+            <c:chart xmlns:c="http://schemas.openxmlformats.org/drawingml/2006/chart" xmlns:r="http://schemas.openxmlformats.org/officeDocument/2006/relationships" r:id="rId2"/>
+          </a:graphicData>
+        </a:graphic>
+      </p:graphicFrame>
+      <p:graphicFrame>
+        <p:nvGraphicFramePr>
+          <p:cNvPr id="8" name="Chart 7"/>
+          <p:cNvGraphicFramePr>
+            <a:graphicFrameLocks/>
+          </p:cNvGraphicFramePr>
+          <p:nvPr>
+            <p:extLst>
+              <p:ext uri="{D42A27DB-BD31-4B8C-83A1-F6EECF244321}">
+                <p14:modId xmlns:p14="http://schemas.microsoft.com/office/powerpoint/2010/main" val="1601993714"/>
+              </p:ext>
+            </p:extLst>
+          </p:nvPr>
+        </p:nvGraphicFramePr>
+        <p:xfrm>
+          <a:off x="5948516" y="1955875"/>
+          <a:ext cx="6243484" cy="4195917"/>
+        </p:xfrm>
+        <a:graphic>
+          <a:graphicData uri="http://schemas.openxmlformats.org/drawingml/2006/chart">
+            <c:chart xmlns:c="http://schemas.openxmlformats.org/drawingml/2006/chart" xmlns:r="http://schemas.openxmlformats.org/officeDocument/2006/relationships" r:id="rId3"/>
+          </a:graphicData>
+        </a:graphic>
+      </p:graphicFrame>
+      <p:graphicFrame>
+        <p:nvGraphicFramePr>
+          <p:cNvPr id="10" name="Table 9"/>
+          <p:cNvGraphicFramePr>
+            <a:graphicFrameLocks noGrp="1"/>
+          </p:cNvGraphicFramePr>
+          <p:nvPr>
+            <p:extLst>
+              <p:ext uri="{D42A27DB-BD31-4B8C-83A1-F6EECF244321}">
+                <p14:modId xmlns:p14="http://schemas.microsoft.com/office/powerpoint/2010/main" val="3058001678"/>
+              </p:ext>
+            </p:extLst>
+          </p:nvPr>
+        </p:nvGraphicFramePr>
+        <p:xfrm>
+          <a:off x="1378482" y="4160956"/>
+          <a:ext cx="3894558" cy="1112520"/>
+        </p:xfrm>
+        <a:graphic>
+          <a:graphicData uri="http://schemas.openxmlformats.org/drawingml/2006/table">
+            <a:tbl>
+              <a:tblPr firstRow="1" bandRow="1">
+                <a:tableStyleId>{69CF1AB2-1976-4502-BF36-3FF5EA218861}</a:tableStyleId>
+              </a:tblPr>
+              <a:tblGrid>
+                <a:gridCol w="1947279">
+                  <a:extLst>
+                    <a:ext uri="{9D8B030D-6E8A-4147-A177-3AD203B41FA5}">
+                      <a16:colId xmlns:a16="http://schemas.microsoft.com/office/drawing/2014/main" val="91774006"/>
+                    </a:ext>
+                  </a:extLst>
+                </a:gridCol>
+                <a:gridCol w="1947279">
+                  <a:extLst>
+                    <a:ext uri="{9D8B030D-6E8A-4147-A177-3AD203B41FA5}">
+                      <a16:colId xmlns:a16="http://schemas.microsoft.com/office/drawing/2014/main" val="1732019202"/>
+                    </a:ext>
+                  </a:extLst>
+                </a:gridCol>
+              </a:tblGrid>
+              <a:tr h="370840">
+                <a:tc>
+                  <a:txBody>
+                    <a:bodyPr/>
+                    <a:lstStyle/>
+                    <a:p>
+                      <a:pPr algn="ctr"/>
+                      <a:r>
+                        <a:rPr lang="en-US" dirty="0"/>
+                        <a:t>Average</a:t>
+                      </a:r>
+                    </a:p>
+                  </a:txBody>
+                  <a:tcPr/>
+                </a:tc>
+                <a:tc>
+                  <a:txBody>
+                    <a:bodyPr/>
+                    <a:lstStyle/>
+                    <a:p>
+                      <a:pPr algn="ctr" fontAlgn="b"/>
+                      <a:r>
+                        <a:rPr lang="en-US" sz="1800" b="0" i="0" u="none" strike="noStrike" dirty="0">
+                          <a:solidFill>
+                            <a:srgbClr val="000000"/>
+                          </a:solidFill>
+                          <a:effectLst/>
+                          <a:latin typeface="Calibri" panose="020F0502020204030204" pitchFamily="34" charset="0"/>
+                        </a:rPr>
+                        <a:t>0.753</a:t>
+                      </a:r>
+                    </a:p>
+                  </a:txBody>
+                  <a:tcPr marL="6350" marR="6350" marT="6350" marB="0" anchor="ctr"/>
+                </a:tc>
+                <a:extLst>
+                  <a:ext uri="{0D108BD9-81ED-4DB2-BD59-A6C34878D82A}">
+                    <a16:rowId xmlns:a16="http://schemas.microsoft.com/office/drawing/2014/main" val="4290133284"/>
+                  </a:ext>
+                </a:extLst>
+              </a:tr>
+              <a:tr h="370840">
+                <a:tc>
+                  <a:txBody>
+                    <a:bodyPr/>
+                    <a:lstStyle/>
+                    <a:p>
+                      <a:pPr algn="ctr"/>
+                      <a:r>
+                        <a:rPr lang="en-US" b="1" dirty="0"/>
+                        <a:t>Median</a:t>
+                      </a:r>
+                    </a:p>
+                  </a:txBody>
+                  <a:tcPr/>
+                </a:tc>
+                <a:tc>
+                  <a:txBody>
+                    <a:bodyPr/>
+                    <a:lstStyle/>
+                    <a:p>
+                      <a:pPr algn="ctr" fontAlgn="b"/>
+                      <a:r>
+                        <a:rPr lang="en-US" sz="1800" b="0" i="0" u="none" strike="noStrike" dirty="0">
+                          <a:solidFill>
+                            <a:srgbClr val="000000"/>
+                          </a:solidFill>
+                          <a:effectLst/>
+                          <a:latin typeface="Calibri" panose="020F0502020204030204" pitchFamily="34" charset="0"/>
+                        </a:rPr>
+                        <a:t>0.753</a:t>
+                      </a:r>
+                    </a:p>
+                  </a:txBody>
+                  <a:tcPr marL="6350" marR="6350" marT="6350" marB="0" anchor="ctr"/>
+                </a:tc>
+                <a:extLst>
+                  <a:ext uri="{0D108BD9-81ED-4DB2-BD59-A6C34878D82A}">
+                    <a16:rowId xmlns:a16="http://schemas.microsoft.com/office/drawing/2014/main" val="1208597087"/>
+                  </a:ext>
+                </a:extLst>
+              </a:tr>
+              <a:tr h="370840">
+                <a:tc>
+                  <a:txBody>
+                    <a:bodyPr/>
+                    <a:lstStyle/>
+                    <a:p>
+                      <a:pPr algn="ctr"/>
+                      <a:r>
+                        <a:rPr lang="en-US" b="1" dirty="0"/>
+                        <a:t>Standard</a:t>
+                      </a:r>
+                      <a:r>
+                        <a:rPr lang="en-US" b="1" baseline="0" dirty="0"/>
+                        <a:t> Dev.</a:t>
+                      </a:r>
+                      <a:endParaRPr lang="en-US" b="1" dirty="0"/>
+                    </a:p>
+                  </a:txBody>
+                  <a:tcPr/>
+                </a:tc>
+                <a:tc>
+                  <a:txBody>
+                    <a:bodyPr/>
+                    <a:lstStyle/>
+                    <a:p>
+                      <a:pPr algn="ctr" fontAlgn="b"/>
+                      <a:r>
+                        <a:rPr lang="en-US" sz="1800" b="0" i="0" u="none" strike="noStrike" dirty="0">
+                          <a:solidFill>
+                            <a:srgbClr val="000000"/>
+                          </a:solidFill>
+                          <a:effectLst/>
+                          <a:latin typeface="Calibri" panose="020F0502020204030204" pitchFamily="34" charset="0"/>
+                        </a:rPr>
+                        <a:t>0.0205</a:t>
+                      </a:r>
+                    </a:p>
+                  </a:txBody>
+                  <a:tcPr marL="6350" marR="6350" marT="6350" marB="0" anchor="ctr"/>
+                </a:tc>
+                <a:extLst>
+                  <a:ext uri="{0D108BD9-81ED-4DB2-BD59-A6C34878D82A}">
+                    <a16:rowId xmlns:a16="http://schemas.microsoft.com/office/drawing/2014/main" val="3051437834"/>
+                  </a:ext>
+                </a:extLst>
+              </a:tr>
+            </a:tbl>
+          </a:graphicData>
+        </a:graphic>
+      </p:graphicFrame>
+      <p:graphicFrame>
+        <p:nvGraphicFramePr>
+          <p:cNvPr id="12" name="Table 11"/>
+          <p:cNvGraphicFramePr>
+            <a:graphicFrameLocks noGrp="1"/>
+          </p:cNvGraphicFramePr>
+          <p:nvPr>
+            <p:extLst>
+              <p:ext uri="{D42A27DB-BD31-4B8C-83A1-F6EECF244321}">
+                <p14:modId xmlns:p14="http://schemas.microsoft.com/office/powerpoint/2010/main" val="1918669274"/>
+              </p:ext>
+            </p:extLst>
+          </p:nvPr>
+        </p:nvGraphicFramePr>
+        <p:xfrm>
+          <a:off x="7233592" y="4160956"/>
+          <a:ext cx="3894558" cy="1112520"/>
+        </p:xfrm>
+        <a:graphic>
+          <a:graphicData uri="http://schemas.openxmlformats.org/drawingml/2006/table">
+            <a:tbl>
+              <a:tblPr firstRow="1" bandRow="1">
+                <a:tableStyleId>{69CF1AB2-1976-4502-BF36-3FF5EA218861}</a:tableStyleId>
+              </a:tblPr>
+              <a:tblGrid>
+                <a:gridCol w="1947279">
+                  <a:extLst>
+                    <a:ext uri="{9D8B030D-6E8A-4147-A177-3AD203B41FA5}">
+                      <a16:colId xmlns:a16="http://schemas.microsoft.com/office/drawing/2014/main" val="91774006"/>
+                    </a:ext>
+                  </a:extLst>
+                </a:gridCol>
+                <a:gridCol w="1947279">
+                  <a:extLst>
+                    <a:ext uri="{9D8B030D-6E8A-4147-A177-3AD203B41FA5}">
+                      <a16:colId xmlns:a16="http://schemas.microsoft.com/office/drawing/2014/main" val="1732019202"/>
+                    </a:ext>
+                  </a:extLst>
+                </a:gridCol>
+              </a:tblGrid>
+              <a:tr h="370840">
+                <a:tc>
+                  <a:txBody>
+                    <a:bodyPr/>
+                    <a:lstStyle/>
+                    <a:p>
+                      <a:pPr algn="ctr"/>
+                      <a:r>
+                        <a:rPr lang="en-US" dirty="0"/>
+                        <a:t>Average</a:t>
+                      </a:r>
+                    </a:p>
+                  </a:txBody>
+                  <a:tcPr/>
+                </a:tc>
+                <a:tc>
+                  <a:txBody>
+                    <a:bodyPr/>
+                    <a:lstStyle/>
+                    <a:p>
+                      <a:pPr algn="ctr" fontAlgn="b"/>
+                      <a:r>
+                        <a:rPr lang="en-US" sz="1800" b="0" i="0" u="none" strike="noStrike" dirty="0">
+                          <a:solidFill>
+                            <a:srgbClr val="000000"/>
+                          </a:solidFill>
+                          <a:effectLst/>
+                          <a:latin typeface="Calibri" panose="020F0502020204030204" pitchFamily="34" charset="0"/>
+                        </a:rPr>
+                        <a:t>0.816</a:t>
+                      </a:r>
+                    </a:p>
+                  </a:txBody>
+                  <a:tcPr marL="6350" marR="6350" marT="6350" marB="0" anchor="ctr"/>
+                </a:tc>
+                <a:extLst>
+                  <a:ext uri="{0D108BD9-81ED-4DB2-BD59-A6C34878D82A}">
+                    <a16:rowId xmlns:a16="http://schemas.microsoft.com/office/drawing/2014/main" val="4290133284"/>
+                  </a:ext>
+                </a:extLst>
+              </a:tr>
+              <a:tr h="370840">
+                <a:tc>
+                  <a:txBody>
+                    <a:bodyPr/>
+                    <a:lstStyle/>
+                    <a:p>
+                      <a:pPr algn="ctr"/>
+                      <a:r>
+                        <a:rPr lang="en-US" b="1" dirty="0"/>
+                        <a:t>Median</a:t>
+                      </a:r>
+                    </a:p>
+                  </a:txBody>
+                  <a:tcPr/>
+                </a:tc>
+                <a:tc>
+                  <a:txBody>
+                    <a:bodyPr/>
+                    <a:lstStyle/>
+                    <a:p>
+                      <a:pPr algn="ctr" fontAlgn="b"/>
+                      <a:r>
+                        <a:rPr lang="en-US" sz="1800" b="0" i="0" u="none" strike="noStrike" dirty="0">
+                          <a:solidFill>
+                            <a:srgbClr val="000000"/>
+                          </a:solidFill>
+                          <a:effectLst/>
+                          <a:latin typeface="Calibri" panose="020F0502020204030204" pitchFamily="34" charset="0"/>
+                        </a:rPr>
+                        <a:t>0.813</a:t>
+                      </a:r>
+                    </a:p>
+                  </a:txBody>
+                  <a:tcPr marL="6350" marR="6350" marT="6350" marB="0" anchor="ctr"/>
+                </a:tc>
+                <a:extLst>
+                  <a:ext uri="{0D108BD9-81ED-4DB2-BD59-A6C34878D82A}">
+                    <a16:rowId xmlns:a16="http://schemas.microsoft.com/office/drawing/2014/main" val="1208597087"/>
+                  </a:ext>
+                </a:extLst>
+              </a:tr>
+              <a:tr h="370840">
+                <a:tc>
+                  <a:txBody>
+                    <a:bodyPr/>
+                    <a:lstStyle/>
+                    <a:p>
+                      <a:pPr algn="ctr"/>
+                      <a:r>
+                        <a:rPr lang="en-US" b="1" dirty="0"/>
+                        <a:t>Standard</a:t>
+                      </a:r>
+                      <a:r>
+                        <a:rPr lang="en-US" b="1" baseline="0" dirty="0"/>
+                        <a:t> Dev.</a:t>
+                      </a:r>
+                      <a:endParaRPr lang="en-US" b="1" dirty="0"/>
+                    </a:p>
+                  </a:txBody>
+                  <a:tcPr/>
+                </a:tc>
+                <a:tc>
+                  <a:txBody>
+                    <a:bodyPr/>
+                    <a:lstStyle/>
+                    <a:p>
+                      <a:pPr algn="ctr" fontAlgn="b"/>
+                      <a:r>
+                        <a:rPr lang="en-US" sz="1800" b="0" i="0" u="none" strike="noStrike" dirty="0">
+                          <a:solidFill>
+                            <a:srgbClr val="000000"/>
+                          </a:solidFill>
+                          <a:effectLst/>
+                          <a:latin typeface="Calibri" panose="020F0502020204030204" pitchFamily="34" charset="0"/>
+                        </a:rPr>
+                        <a:t>0.0186</a:t>
+                      </a:r>
+                    </a:p>
+                  </a:txBody>
+                  <a:tcPr marL="6350" marR="6350" marT="6350" marB="0" anchor="ctr"/>
+                </a:tc>
+                <a:extLst>
+                  <a:ext uri="{0D108BD9-81ED-4DB2-BD59-A6C34878D82A}">
+                    <a16:rowId xmlns:a16="http://schemas.microsoft.com/office/drawing/2014/main" val="3051437834"/>
+                  </a:ext>
+                </a:extLst>
+              </a:tr>
+            </a:tbl>
+          </a:graphicData>
+        </a:graphic>
+      </p:graphicFrame>
+    </p:spTree>
+    <p:extLst>
+      <p:ext uri="{BB962C8B-B14F-4D97-AF65-F5344CB8AC3E}">
+        <p14:creationId xmlns:p14="http://schemas.microsoft.com/office/powerpoint/2010/main" val="2319084904"/>
+      </p:ext>
+    </p:extLst>
+  </p:cSld>
+  <p:clrMapOvr>
+    <a:masterClrMapping/>
+  </p:clrMapOvr>
+  <p:timing>
+    <p:tnLst>
+      <p:par>
+        <p:cTn id="1" dur="indefinite" restart="never" nodeType="tmRoot">
+          <p:childTnLst>
+            <p:seq concurrent="1" nextAc="seek">
+              <p:cTn id="2" dur="indefinite" nodeType="mainSeq">
+                <p:childTnLst>
+                  <p:par>
+                    <p:cTn id="3" fill="hold">
+                      <p:stCondLst>
+                        <p:cond delay="indefinite"/>
+                      </p:stCondLst>
+                      <p:childTnLst>
+                        <p:par>
+                          <p:cTn id="4" fill="hold">
+                            <p:stCondLst>
+                              <p:cond delay="0"/>
+                            </p:stCondLst>
+                            <p:childTnLst>
+                              <p:par>
+                                <p:cTn id="5" presetID="10" presetClass="entr" presetSubtype="0" fill="hold" nodeType="clickEffect">
+                                  <p:stCondLst>
+                                    <p:cond delay="0"/>
+                                  </p:stCondLst>
+                                  <p:childTnLst>
+                                    <p:set>
+                                      <p:cBhvr>
+                                        <p:cTn id="6" dur="1" fill="hold">
+                                          <p:stCondLst>
+                                            <p:cond delay="0"/>
+                                          </p:stCondLst>
+                                        </p:cTn>
+                                        <p:tgtEl>
+                                          <p:spTgt spid="10"/>
+                                        </p:tgtEl>
+                                        <p:attrNameLst>
+                                          <p:attrName>style.visibility</p:attrName>
+                                        </p:attrNameLst>
+                                      </p:cBhvr>
+                                      <p:to>
+                                        <p:strVal val="visible"/>
+                                      </p:to>
+                                    </p:set>
+                                    <p:animEffect transition="in" filter="fade">
+                                      <p:cBhvr>
+                                        <p:cTn id="7" dur="500"/>
+                                        <p:tgtEl>
+                                          <p:spTgt spid="10"/>
+                                        </p:tgtEl>
+                                      </p:cBhvr>
+                                    </p:animEffect>
+                                  </p:childTnLst>
+                                </p:cTn>
+                              </p:par>
+                              <p:par>
+                                <p:cTn id="8" presetID="10" presetClass="entr" presetSubtype="0" fill="hold" nodeType="withEffect">
+                                  <p:stCondLst>
+                                    <p:cond delay="0"/>
+                                  </p:stCondLst>
+                                  <p:childTnLst>
+                                    <p:set>
+                                      <p:cBhvr>
+                                        <p:cTn id="9" dur="1" fill="hold">
+                                          <p:stCondLst>
+                                            <p:cond delay="0"/>
+                                          </p:stCondLst>
+                                        </p:cTn>
+                                        <p:tgtEl>
+                                          <p:spTgt spid="12"/>
+                                        </p:tgtEl>
+                                        <p:attrNameLst>
+                                          <p:attrName>style.visibility</p:attrName>
+                                        </p:attrNameLst>
+                                      </p:cBhvr>
+                                      <p:to>
+                                        <p:strVal val="visible"/>
+                                      </p:to>
+                                    </p:set>
+                                    <p:animEffect transition="in" filter="fade">
+                                      <p:cBhvr>
+                                        <p:cTn id="10" dur="500"/>
+                                        <p:tgtEl>
+                                          <p:spTgt spid="12"/>
+                                        </p:tgtEl>
+                                      </p:cBhvr>
+                                    </p:animEffect>
+                                  </p:childTnLst>
+                                </p:cTn>
+                              </p:par>
+                            </p:childTnLst>
+                          </p:cTn>
+                        </p:par>
+                      </p:childTnLst>
+                    </p:cTn>
+                  </p:par>
+                </p:childTnLst>
+              </p:cTn>
+              <p:prevCondLst>
+                <p:cond evt="onPrev" delay="0">
+                  <p:tgtEl>
+                    <p:sldTgt/>
+                  </p:tgtEl>
+                </p:cond>
+              </p:prevCondLst>
+              <p:nextCondLst>
+                <p:cond evt="onNext" delay="0">
+                  <p:tgtEl>
+                    <p:sldTgt/>
+                  </p:tgtEl>
+                </p:cond>
+              </p:nextCondLst>
+            </p:seq>
+          </p:childTnLst>
+        </p:cTn>
+      </p:par>
+    </p:tnLst>
+  </p:timing>
+</p:sld>
+</file>
+
+<file path=ppt/slides/slide19.xml><?xml version="1.0" encoding="utf-8"?>
+<p:sld xmlns:a="http://schemas.openxmlformats.org/drawingml/2006/main" xmlns:r="http://schemas.openxmlformats.org/officeDocument/2006/relationships" xmlns:p="http://schemas.openxmlformats.org/presentationml/2006/main">
+  <p:cSld>
+    <p:spTree>
+      <p:nvGrpSpPr>
+        <p:cNvPr id="1" name=""/>
+        <p:cNvGrpSpPr/>
+        <p:nvPr/>
+      </p:nvGrpSpPr>
+      <p:grpSpPr>
+        <a:xfrm>
+          <a:off x="0" y="0"/>
+          <a:ext cx="0" cy="0"/>
+          <a:chOff x="0" y="0"/>
+          <a:chExt cx="0" cy="0"/>
+        </a:xfrm>
+      </p:grpSpPr>
+      <p:sp>
+        <p:nvSpPr>
+          <p:cNvPr id="2" name="Title 1"/>
+          <p:cNvSpPr>
+            <a:spLocks noGrp="1"/>
+          </p:cNvSpPr>
+          <p:nvPr>
+            <p:ph type="title"/>
+          </p:nvPr>
+        </p:nvSpPr>
+        <p:spPr/>
+        <p:txBody>
+          <a:bodyPr/>
+          <a:lstStyle/>
+          <a:p>
+            <a:r>
+              <a:rPr lang="en-US" dirty="0"/>
               <a:t>Conclusion</a:t>
             </a:r>
           </a:p>
@@ -7178,23 +12723,41 @@
         </p:nvSpPr>
         <p:spPr/>
         <p:txBody>
-          <a:bodyPr/>
+          <a:bodyPr>
+            <a:normAutofit/>
+          </a:bodyPr>
           <a:lstStyle/>
           <a:p>
             <a:r>
               <a:rPr lang="en-US" dirty="0"/>
-              <a:t>We show that </a:t>
-            </a:r>
-            <a:r>
-              <a:rPr lang="en-US"/>
-              <a:t>GitHub projects can</a:t>
-            </a:r>
+              <a:t>We show that, for </a:t>
+            </a:r>
+            <a:r>
+              <a:rPr lang="en-US" b="1" dirty="0"/>
+              <a:t>some</a:t>
+            </a:r>
+            <a:r>
+              <a:rPr lang="en-US" dirty="0"/>
+              <a:t> GitHub projects, we can predict the presence of bug-prone files using centrality.</a:t>
+            </a:r>
+          </a:p>
+          <a:p>
+            <a:pPr marL="58737" indent="0">
+              <a:buNone/>
+            </a:pPr>
             <a:endParaRPr lang="en-US" dirty="0"/>
           </a:p>
           <a:p>
             <a:r>
               <a:rPr lang="en-US" dirty="0"/>
               <a:t>Lots of future work!</a:t>
+            </a:r>
+          </a:p>
+          <a:p>
+            <a:pPr lvl="1"/>
+            <a:r>
+              <a:rPr lang="en-US" dirty="0"/>
+              <a:t>Check larger projects.</a:t>
             </a:r>
           </a:p>
           <a:p>
@@ -7238,10 +12801,411 @@
   <p:clrMapOvr>
     <a:masterClrMapping/>
   </p:clrMapOvr>
+  <p:timing>
+    <p:tnLst>
+      <p:par>
+        <p:cTn id="1" dur="indefinite" restart="never" nodeType="tmRoot">
+          <p:childTnLst>
+            <p:seq concurrent="1" nextAc="seek">
+              <p:cTn id="2" dur="indefinite" nodeType="mainSeq">
+                <p:childTnLst>
+                  <p:par>
+                    <p:cTn id="3" fill="hold">
+                      <p:stCondLst>
+                        <p:cond delay="indefinite"/>
+                      </p:stCondLst>
+                      <p:childTnLst>
+                        <p:par>
+                          <p:cTn id="4" fill="hold">
+                            <p:stCondLst>
+                              <p:cond delay="0"/>
+                            </p:stCondLst>
+                            <p:childTnLst>
+                              <p:par>
+                                <p:cTn id="5" presetID="10" presetClass="entr" presetSubtype="0" fill="hold" nodeType="clickEffect">
+                                  <p:stCondLst>
+                                    <p:cond delay="0"/>
+                                  </p:stCondLst>
+                                  <p:childTnLst>
+                                    <p:set>
+                                      <p:cBhvr>
+                                        <p:cTn id="6" dur="1" fill="hold">
+                                          <p:stCondLst>
+                                            <p:cond delay="0"/>
+                                          </p:stCondLst>
+                                        </p:cTn>
+                                        <p:tgtEl>
+                                          <p:spTgt spid="3">
+                                            <p:txEl>
+                                              <p:pRg st="2" end="2"/>
+                                            </p:txEl>
+                                          </p:spTgt>
+                                        </p:tgtEl>
+                                        <p:attrNameLst>
+                                          <p:attrName>style.visibility</p:attrName>
+                                        </p:attrNameLst>
+                                      </p:cBhvr>
+                                      <p:to>
+                                        <p:strVal val="visible"/>
+                                      </p:to>
+                                    </p:set>
+                                    <p:animEffect transition="in" filter="fade">
+                                      <p:cBhvr>
+                                        <p:cTn id="7" dur="500"/>
+                                        <p:tgtEl>
+                                          <p:spTgt spid="3">
+                                            <p:txEl>
+                                              <p:pRg st="2" end="2"/>
+                                            </p:txEl>
+                                          </p:spTgt>
+                                        </p:tgtEl>
+                                      </p:cBhvr>
+                                    </p:animEffect>
+                                  </p:childTnLst>
+                                </p:cTn>
+                              </p:par>
+                              <p:par>
+                                <p:cTn id="8" presetID="10" presetClass="entr" presetSubtype="0" fill="hold" nodeType="withEffect">
+                                  <p:stCondLst>
+                                    <p:cond delay="0"/>
+                                  </p:stCondLst>
+                                  <p:childTnLst>
+                                    <p:set>
+                                      <p:cBhvr>
+                                        <p:cTn id="9" dur="1" fill="hold">
+                                          <p:stCondLst>
+                                            <p:cond delay="0"/>
+                                          </p:stCondLst>
+                                        </p:cTn>
+                                        <p:tgtEl>
+                                          <p:spTgt spid="3">
+                                            <p:txEl>
+                                              <p:pRg st="3" end="3"/>
+                                            </p:txEl>
+                                          </p:spTgt>
+                                        </p:tgtEl>
+                                        <p:attrNameLst>
+                                          <p:attrName>style.visibility</p:attrName>
+                                        </p:attrNameLst>
+                                      </p:cBhvr>
+                                      <p:to>
+                                        <p:strVal val="visible"/>
+                                      </p:to>
+                                    </p:set>
+                                    <p:animEffect transition="in" filter="fade">
+                                      <p:cBhvr>
+                                        <p:cTn id="10" dur="500"/>
+                                        <p:tgtEl>
+                                          <p:spTgt spid="3">
+                                            <p:txEl>
+                                              <p:pRg st="3" end="3"/>
+                                            </p:txEl>
+                                          </p:spTgt>
+                                        </p:tgtEl>
+                                      </p:cBhvr>
+                                    </p:animEffect>
+                                  </p:childTnLst>
+                                </p:cTn>
+                              </p:par>
+                              <p:par>
+                                <p:cTn id="11" presetID="10" presetClass="entr" presetSubtype="0" fill="hold" nodeType="withEffect">
+                                  <p:stCondLst>
+                                    <p:cond delay="0"/>
+                                  </p:stCondLst>
+                                  <p:childTnLst>
+                                    <p:set>
+                                      <p:cBhvr>
+                                        <p:cTn id="12" dur="1" fill="hold">
+                                          <p:stCondLst>
+                                            <p:cond delay="0"/>
+                                          </p:stCondLst>
+                                        </p:cTn>
+                                        <p:tgtEl>
+                                          <p:spTgt spid="3">
+                                            <p:txEl>
+                                              <p:pRg st="4" end="4"/>
+                                            </p:txEl>
+                                          </p:spTgt>
+                                        </p:tgtEl>
+                                        <p:attrNameLst>
+                                          <p:attrName>style.visibility</p:attrName>
+                                        </p:attrNameLst>
+                                      </p:cBhvr>
+                                      <p:to>
+                                        <p:strVal val="visible"/>
+                                      </p:to>
+                                    </p:set>
+                                    <p:animEffect transition="in" filter="fade">
+                                      <p:cBhvr>
+                                        <p:cTn id="13" dur="500"/>
+                                        <p:tgtEl>
+                                          <p:spTgt spid="3">
+                                            <p:txEl>
+                                              <p:pRg st="4" end="4"/>
+                                            </p:txEl>
+                                          </p:spTgt>
+                                        </p:tgtEl>
+                                      </p:cBhvr>
+                                    </p:animEffect>
+                                  </p:childTnLst>
+                                </p:cTn>
+                              </p:par>
+                              <p:par>
+                                <p:cTn id="14" presetID="10" presetClass="entr" presetSubtype="0" fill="hold" nodeType="withEffect">
+                                  <p:stCondLst>
+                                    <p:cond delay="0"/>
+                                  </p:stCondLst>
+                                  <p:childTnLst>
+                                    <p:set>
+                                      <p:cBhvr>
+                                        <p:cTn id="15" dur="1" fill="hold">
+                                          <p:stCondLst>
+                                            <p:cond delay="0"/>
+                                          </p:stCondLst>
+                                        </p:cTn>
+                                        <p:tgtEl>
+                                          <p:spTgt spid="3">
+                                            <p:txEl>
+                                              <p:pRg st="5" end="5"/>
+                                            </p:txEl>
+                                          </p:spTgt>
+                                        </p:tgtEl>
+                                        <p:attrNameLst>
+                                          <p:attrName>style.visibility</p:attrName>
+                                        </p:attrNameLst>
+                                      </p:cBhvr>
+                                      <p:to>
+                                        <p:strVal val="visible"/>
+                                      </p:to>
+                                    </p:set>
+                                    <p:animEffect transition="in" filter="fade">
+                                      <p:cBhvr>
+                                        <p:cTn id="16" dur="500"/>
+                                        <p:tgtEl>
+                                          <p:spTgt spid="3">
+                                            <p:txEl>
+                                              <p:pRg st="5" end="5"/>
+                                            </p:txEl>
+                                          </p:spTgt>
+                                        </p:tgtEl>
+                                      </p:cBhvr>
+                                    </p:animEffect>
+                                  </p:childTnLst>
+                                </p:cTn>
+                              </p:par>
+                              <p:par>
+                                <p:cTn id="17" presetID="10" presetClass="entr" presetSubtype="0" fill="hold" nodeType="withEffect">
+                                  <p:stCondLst>
+                                    <p:cond delay="0"/>
+                                  </p:stCondLst>
+                                  <p:childTnLst>
+                                    <p:set>
+                                      <p:cBhvr>
+                                        <p:cTn id="18" dur="1" fill="hold">
+                                          <p:stCondLst>
+                                            <p:cond delay="0"/>
+                                          </p:stCondLst>
+                                        </p:cTn>
+                                        <p:tgtEl>
+                                          <p:spTgt spid="3">
+                                            <p:txEl>
+                                              <p:pRg st="6" end="6"/>
+                                            </p:txEl>
+                                          </p:spTgt>
+                                        </p:tgtEl>
+                                        <p:attrNameLst>
+                                          <p:attrName>style.visibility</p:attrName>
+                                        </p:attrNameLst>
+                                      </p:cBhvr>
+                                      <p:to>
+                                        <p:strVal val="visible"/>
+                                      </p:to>
+                                    </p:set>
+                                    <p:animEffect transition="in" filter="fade">
+                                      <p:cBhvr>
+                                        <p:cTn id="19" dur="500"/>
+                                        <p:tgtEl>
+                                          <p:spTgt spid="3">
+                                            <p:txEl>
+                                              <p:pRg st="6" end="6"/>
+                                            </p:txEl>
+                                          </p:spTgt>
+                                        </p:tgtEl>
+                                      </p:cBhvr>
+                                    </p:animEffect>
+                                  </p:childTnLst>
+                                </p:cTn>
+                              </p:par>
+                            </p:childTnLst>
+                          </p:cTn>
+                        </p:par>
+                      </p:childTnLst>
+                    </p:cTn>
+                  </p:par>
+                </p:childTnLst>
+              </p:cTn>
+              <p:prevCondLst>
+                <p:cond evt="onPrev" delay="0">
+                  <p:tgtEl>
+                    <p:sldTgt/>
+                  </p:tgtEl>
+                </p:cond>
+              </p:prevCondLst>
+              <p:nextCondLst>
+                <p:cond evt="onNext" delay="0">
+                  <p:tgtEl>
+                    <p:sldTgt/>
+                  </p:tgtEl>
+                </p:cond>
+              </p:nextCondLst>
+            </p:seq>
+          </p:childTnLst>
+        </p:cTn>
+      </p:par>
+    </p:tnLst>
+  </p:timing>
 </p:sld>
 </file>
 
-<file path=ppt/slides/slide19.xml><?xml version="1.0" encoding="utf-8"?>
+<file path=ppt/slides/slide2.xml><?xml version="1.0" encoding="utf-8"?>
+<p:sld xmlns:a="http://schemas.openxmlformats.org/drawingml/2006/main" xmlns:r="http://schemas.openxmlformats.org/officeDocument/2006/relationships" xmlns:p="http://schemas.openxmlformats.org/presentationml/2006/main">
+  <p:cSld>
+    <p:spTree>
+      <p:nvGrpSpPr>
+        <p:cNvPr id="1" name=""/>
+        <p:cNvGrpSpPr/>
+        <p:nvPr/>
+      </p:nvGrpSpPr>
+      <p:grpSpPr>
+        <a:xfrm>
+          <a:off x="0" y="0"/>
+          <a:ext cx="0" cy="0"/>
+          <a:chOff x="0" y="0"/>
+          <a:chExt cx="0" cy="0"/>
+        </a:xfrm>
+      </p:grpSpPr>
+      <p:sp>
+        <p:nvSpPr>
+          <p:cNvPr id="2" name="Title 1"/>
+          <p:cNvSpPr>
+            <a:spLocks noGrp="1"/>
+          </p:cNvSpPr>
+          <p:nvPr>
+            <p:ph type="title"/>
+          </p:nvPr>
+        </p:nvSpPr>
+        <p:spPr/>
+        <p:txBody>
+          <a:bodyPr/>
+          <a:lstStyle/>
+          <a:p>
+            <a:r>
+              <a:rPr lang="en-US" dirty="0"/>
+              <a:t>Introduction</a:t>
+            </a:r>
+          </a:p>
+        </p:txBody>
+      </p:sp>
+      <p:sp>
+        <p:nvSpPr>
+          <p:cNvPr id="3" name="Content Placeholder 2"/>
+          <p:cNvSpPr>
+            <a:spLocks noGrp="1"/>
+          </p:cNvSpPr>
+          <p:nvPr>
+            <p:ph idx="1"/>
+          </p:nvPr>
+        </p:nvSpPr>
+        <p:spPr/>
+        <p:txBody>
+          <a:bodyPr>
+            <a:normAutofit fontScale="92500" lnSpcReduction="10000"/>
+          </a:bodyPr>
+          <a:lstStyle/>
+          <a:p>
+            <a:r>
+              <a:rPr lang="en-US" dirty="0"/>
+              <a:t>As we’ve seen in the course, they are many advantages to </a:t>
+            </a:r>
+            <a:r>
+              <a:rPr lang="en-US" b="1" dirty="0"/>
+              <a:t>early </a:t>
+            </a:r>
+            <a:r>
+              <a:rPr lang="en-US" dirty="0"/>
+              <a:t>defect prediction.</a:t>
+            </a:r>
+          </a:p>
+          <a:p>
+            <a:r>
+              <a:rPr lang="en-US" dirty="0"/>
+              <a:t>Many studies have been published looking at whether </a:t>
+            </a:r>
+            <a:r>
+              <a:rPr lang="en-US" b="1" dirty="0"/>
+              <a:t>internal metrics</a:t>
+            </a:r>
+            <a:r>
+              <a:rPr lang="en-US" dirty="0"/>
+              <a:t> can be used as failure predictors.</a:t>
+            </a:r>
+          </a:p>
+          <a:p>
+            <a:endParaRPr lang="en-US" dirty="0"/>
+          </a:p>
+          <a:p>
+            <a:r>
+              <a:rPr lang="en-US" dirty="0"/>
+              <a:t>Studies have looked at: </a:t>
+            </a:r>
+          </a:p>
+          <a:p>
+            <a:pPr lvl="1"/>
+            <a:r>
+              <a:rPr lang="en-US" i="1" dirty="0"/>
+              <a:t>Code measures</a:t>
+            </a:r>
+            <a:endParaRPr lang="en-US" dirty="0"/>
+          </a:p>
+          <a:p>
+            <a:pPr lvl="1"/>
+            <a:r>
+              <a:rPr lang="en-US" i="1" dirty="0"/>
+              <a:t>People and organizational metrics</a:t>
+            </a:r>
+          </a:p>
+          <a:p>
+            <a:pPr lvl="1"/>
+            <a:r>
+              <a:rPr lang="en-US" sz="2600" b="1" i="1" dirty="0"/>
+              <a:t>Social networks</a:t>
+            </a:r>
+          </a:p>
+          <a:p>
+            <a:endParaRPr lang="en-US" dirty="0"/>
+          </a:p>
+          <a:p>
+            <a:endParaRPr lang="en-US" dirty="0"/>
+          </a:p>
+          <a:p>
+            <a:endParaRPr lang="en-US" dirty="0"/>
+          </a:p>
+        </p:txBody>
+      </p:sp>
+    </p:spTree>
+    <p:extLst>
+      <p:ext uri="{BB962C8B-B14F-4D97-AF65-F5344CB8AC3E}">
+        <p14:creationId xmlns:p14="http://schemas.microsoft.com/office/powerpoint/2010/main" val="2457151651"/>
+      </p:ext>
+    </p:extLst>
+  </p:cSld>
+  <p:clrMapOvr>
+    <a:masterClrMapping/>
+  </p:clrMapOvr>
+</p:sld>
+</file>
+
+<file path=ppt/slides/slide20.xml><?xml version="1.0" encoding="utf-8"?>
 <p:sld xmlns:a="http://schemas.openxmlformats.org/drawingml/2006/main" xmlns:r="http://schemas.openxmlformats.org/officeDocument/2006/relationships" xmlns:p="http://schemas.openxmlformats.org/presentationml/2006/main">
   <p:cSld>
     <p:spTree>
@@ -7364,144 +13328,6 @@
     <p:extLst>
       <p:ext uri="{BB962C8B-B14F-4D97-AF65-F5344CB8AC3E}">
         <p14:creationId xmlns:p14="http://schemas.microsoft.com/office/powerpoint/2010/main" val="1248569566"/>
-      </p:ext>
-    </p:extLst>
-  </p:cSld>
-  <p:clrMapOvr>
-    <a:masterClrMapping/>
-  </p:clrMapOvr>
-</p:sld>
-</file>
-
-<file path=ppt/slides/slide2.xml><?xml version="1.0" encoding="utf-8"?>
-<p:sld xmlns:a="http://schemas.openxmlformats.org/drawingml/2006/main" xmlns:r="http://schemas.openxmlformats.org/officeDocument/2006/relationships" xmlns:p="http://schemas.openxmlformats.org/presentationml/2006/main">
-  <p:cSld>
-    <p:spTree>
-      <p:nvGrpSpPr>
-        <p:cNvPr id="1" name=""/>
-        <p:cNvGrpSpPr/>
-        <p:nvPr/>
-      </p:nvGrpSpPr>
-      <p:grpSpPr>
-        <a:xfrm>
-          <a:off x="0" y="0"/>
-          <a:ext cx="0" cy="0"/>
-          <a:chOff x="0" y="0"/>
-          <a:chExt cx="0" cy="0"/>
-        </a:xfrm>
-      </p:grpSpPr>
-      <p:sp>
-        <p:nvSpPr>
-          <p:cNvPr id="2" name="Title 1"/>
-          <p:cNvSpPr>
-            <a:spLocks noGrp="1"/>
-          </p:cNvSpPr>
-          <p:nvPr>
-            <p:ph type="title"/>
-          </p:nvPr>
-        </p:nvSpPr>
-        <p:spPr/>
-        <p:txBody>
-          <a:bodyPr/>
-          <a:lstStyle/>
-          <a:p>
-            <a:r>
-              <a:rPr lang="en-US" dirty="0"/>
-              <a:t>Introduction</a:t>
-            </a:r>
-          </a:p>
-        </p:txBody>
-      </p:sp>
-      <p:sp>
-        <p:nvSpPr>
-          <p:cNvPr id="3" name="Content Placeholder 2"/>
-          <p:cNvSpPr>
-            <a:spLocks noGrp="1"/>
-          </p:cNvSpPr>
-          <p:nvPr>
-            <p:ph idx="1"/>
-          </p:nvPr>
-        </p:nvSpPr>
-        <p:spPr/>
-        <p:txBody>
-          <a:bodyPr>
-            <a:normAutofit fontScale="92500" lnSpcReduction="10000"/>
-          </a:bodyPr>
-          <a:lstStyle/>
-          <a:p>
-            <a:r>
-              <a:rPr lang="en-US" dirty="0"/>
-              <a:t>As we’ve seen in the course, they are many advantages to </a:t>
-            </a:r>
-            <a:r>
-              <a:rPr lang="en-US" b="1" dirty="0"/>
-              <a:t>early </a:t>
-            </a:r>
-            <a:r>
-              <a:rPr lang="en-US" dirty="0"/>
-              <a:t>defect prediction.</a:t>
-            </a:r>
-          </a:p>
-          <a:p>
-            <a:r>
-              <a:rPr lang="en-US" dirty="0"/>
-              <a:t>Many studies have been published looking at whether </a:t>
-            </a:r>
-            <a:r>
-              <a:rPr lang="en-US" b="1" dirty="0"/>
-              <a:t>internal metrics</a:t>
-            </a:r>
-            <a:r>
-              <a:rPr lang="en-US" dirty="0"/>
-              <a:t> can be used as failure predictors.</a:t>
-            </a:r>
-          </a:p>
-          <a:p>
-            <a:endParaRPr lang="en-US" dirty="0"/>
-          </a:p>
-          <a:p>
-            <a:r>
-              <a:rPr lang="en-US" dirty="0"/>
-              <a:t>Studies have looked at: </a:t>
-            </a:r>
-          </a:p>
-          <a:p>
-            <a:pPr lvl="1"/>
-            <a:r>
-              <a:rPr lang="en-US" i="1" dirty="0"/>
-              <a:t>Code measures</a:t>
-            </a:r>
-            <a:endParaRPr lang="en-US" dirty="0"/>
-          </a:p>
-          <a:p>
-            <a:pPr lvl="1"/>
-            <a:r>
-              <a:rPr lang="en-US" i="1" dirty="0"/>
-              <a:t>People and organizational metrics</a:t>
-            </a:r>
-          </a:p>
-          <a:p>
-            <a:pPr lvl="1"/>
-            <a:r>
-              <a:rPr lang="en-US" sz="2600" b="1" i="1" dirty="0"/>
-              <a:t>Social networks</a:t>
-            </a:r>
-          </a:p>
-          <a:p>
-            <a:endParaRPr lang="en-US" dirty="0"/>
-          </a:p>
-          <a:p>
-            <a:endParaRPr lang="en-US" dirty="0"/>
-          </a:p>
-          <a:p>
-            <a:endParaRPr lang="en-US" dirty="0"/>
-          </a:p>
-        </p:txBody>
-      </p:sp>
-    </p:spTree>
-    <p:extLst>
-      <p:ext uri="{BB962C8B-B14F-4D97-AF65-F5344CB8AC3E}">
-        <p14:creationId xmlns:p14="http://schemas.microsoft.com/office/powerpoint/2010/main" val="2457151651"/>
       </p:ext>
     </p:extLst>
   </p:cSld>
@@ -8587,4 +14413,299 @@
     </a:ext>
   </a:extLst>
 </a:theme>
+</file>
+
+<file path=ppt/theme/theme2.xml><?xml version="1.0" encoding="utf-8"?>
+<a:theme xmlns:a="http://schemas.openxmlformats.org/drawingml/2006/main" name="Office Theme">
+  <a:themeElements>
+    <a:clrScheme name="Office">
+      <a:dk1>
+        <a:sysClr val="windowText" lastClr="000000"/>
+      </a:dk1>
+      <a:lt1>
+        <a:sysClr val="window" lastClr="FFFFFF"/>
+      </a:lt1>
+      <a:dk2>
+        <a:srgbClr val="44546A"/>
+      </a:dk2>
+      <a:lt2>
+        <a:srgbClr val="E7E6E6"/>
+      </a:lt2>
+      <a:accent1>
+        <a:srgbClr val="5B9BD5"/>
+      </a:accent1>
+      <a:accent2>
+        <a:srgbClr val="ED7D31"/>
+      </a:accent2>
+      <a:accent3>
+        <a:srgbClr val="A5A5A5"/>
+      </a:accent3>
+      <a:accent4>
+        <a:srgbClr val="FFC000"/>
+      </a:accent4>
+      <a:accent5>
+        <a:srgbClr val="4472C4"/>
+      </a:accent5>
+      <a:accent6>
+        <a:srgbClr val="70AD47"/>
+      </a:accent6>
+      <a:hlink>
+        <a:srgbClr val="0563C1"/>
+      </a:hlink>
+      <a:folHlink>
+        <a:srgbClr val="954F72"/>
+      </a:folHlink>
+    </a:clrScheme>
+    <a:fontScheme name="Office">
+      <a:majorFont>
+        <a:latin typeface="Calibri Light" panose="020F0302020204030204"/>
+        <a:ea typeface=""/>
+        <a:cs typeface=""/>
+        <a:font script="Jpan" typeface="游ゴシック Light"/>
+        <a:font script="Hang" typeface="맑은 고딕"/>
+        <a:font script="Hans" typeface="等线 Light"/>
+        <a:font script="Hant" typeface="新細明體"/>
+        <a:font script="Arab" typeface="Times New Roman"/>
+        <a:font script="Hebr" typeface="Times New Roman"/>
+        <a:font script="Thai" typeface="Angsana New"/>
+        <a:font script="Ethi" typeface="Nyala"/>
+        <a:font script="Beng" typeface="Vrinda"/>
+        <a:font script="Gujr" typeface="Shruti"/>
+        <a:font script="Khmr" typeface="MoolBoran"/>
+        <a:font script="Knda" typeface="Tunga"/>
+        <a:font script="Guru" typeface="Raavi"/>
+        <a:font script="Cans" typeface="Euphemia"/>
+        <a:font script="Cher" typeface="Plantagenet Cherokee"/>
+        <a:font script="Yiii" typeface="Microsoft Yi Baiti"/>
+        <a:font script="Tibt" typeface="Microsoft Himalaya"/>
+        <a:font script="Thaa" typeface="MV Boli"/>
+        <a:font script="Deva" typeface="Mangal"/>
+        <a:font script="Telu" typeface="Gautami"/>
+        <a:font script="Taml" typeface="Latha"/>
+        <a:font script="Syrc" typeface="Estrangelo Edessa"/>
+        <a:font script="Orya" typeface="Kalinga"/>
+        <a:font script="Mlym" typeface="Kartika"/>
+        <a:font script="Laoo" typeface="DokChampa"/>
+        <a:font script="Sinh" typeface="Iskoola Pota"/>
+        <a:font script="Mong" typeface="Mongolian Baiti"/>
+        <a:font script="Viet" typeface="Times New Roman"/>
+        <a:font script="Uigh" typeface="Microsoft Uighur"/>
+        <a:font script="Geor" typeface="Sylfaen"/>
+        <a:font script="Armn" typeface="Arial"/>
+        <a:font script="Bugi" typeface="Leelawadee UI"/>
+        <a:font script="Bopo" typeface="Microsoft JhengHei"/>
+        <a:font script="Java" typeface="Javanese Text"/>
+        <a:font script="Lisu" typeface="Segoe UI"/>
+        <a:font script="Mymr" typeface="Myanmar Text"/>
+        <a:font script="Nkoo" typeface="Ebrima"/>
+        <a:font script="Olck" typeface="Nirmala UI"/>
+        <a:font script="Osma" typeface="Ebrima"/>
+        <a:font script="Phag" typeface="Phagspa"/>
+        <a:font script="Syrn" typeface="Estrangelo Edessa"/>
+        <a:font script="Syrj" typeface="Estrangelo Edessa"/>
+        <a:font script="Syre" typeface="Estrangelo Edessa"/>
+        <a:font script="Sora" typeface="Nirmala UI"/>
+        <a:font script="Tale" typeface="Microsoft Tai Le"/>
+        <a:font script="Talu" typeface="Microsoft New Tai Lue"/>
+        <a:font script="Tfng" typeface="Ebrima"/>
+      </a:majorFont>
+      <a:minorFont>
+        <a:latin typeface="Calibri" panose="020F0502020204030204"/>
+        <a:ea typeface=""/>
+        <a:cs typeface=""/>
+        <a:font script="Jpan" typeface="游ゴシック"/>
+        <a:font script="Hang" typeface="맑은 고딕"/>
+        <a:font script="Hans" typeface="等线"/>
+        <a:font script="Hant" typeface="新細明體"/>
+        <a:font script="Arab" typeface="Arial"/>
+        <a:font script="Hebr" typeface="Arial"/>
+        <a:font script="Thai" typeface="Cordia New"/>
+        <a:font script="Ethi" typeface="Nyala"/>
+        <a:font script="Beng" typeface="Vrinda"/>
+        <a:font script="Gujr" typeface="Shruti"/>
+        <a:font script="Khmr" typeface="DaunPenh"/>
+        <a:font script="Knda" typeface="Tunga"/>
+        <a:font script="Guru" typeface="Raavi"/>
+        <a:font script="Cans" typeface="Euphemia"/>
+        <a:font script="Cher" typeface="Plantagenet Cherokee"/>
+        <a:font script="Yiii" typeface="Microsoft Yi Baiti"/>
+        <a:font script="Tibt" typeface="Microsoft Himalaya"/>
+        <a:font script="Thaa" typeface="MV Boli"/>
+        <a:font script="Deva" typeface="Mangal"/>
+        <a:font script="Telu" typeface="Gautami"/>
+        <a:font script="Taml" typeface="Latha"/>
+        <a:font script="Syrc" typeface="Estrangelo Edessa"/>
+        <a:font script="Orya" typeface="Kalinga"/>
+        <a:font script="Mlym" typeface="Kartika"/>
+        <a:font script="Laoo" typeface="DokChampa"/>
+        <a:font script="Sinh" typeface="Iskoola Pota"/>
+        <a:font script="Mong" typeface="Mongolian Baiti"/>
+        <a:font script="Viet" typeface="Arial"/>
+        <a:font script="Uigh" typeface="Microsoft Uighur"/>
+        <a:font script="Geor" typeface="Sylfaen"/>
+        <a:font script="Armn" typeface="Arial"/>
+        <a:font script="Bugi" typeface="Leelawadee UI"/>
+        <a:font script="Bopo" typeface="Microsoft JhengHei"/>
+        <a:font script="Java" typeface="Javanese Text"/>
+        <a:font script="Lisu" typeface="Segoe UI"/>
+        <a:font script="Mymr" typeface="Myanmar Text"/>
+        <a:font script="Nkoo" typeface="Ebrima"/>
+        <a:font script="Olck" typeface="Nirmala UI"/>
+        <a:font script="Osma" typeface="Ebrima"/>
+        <a:font script="Phag" typeface="Phagspa"/>
+        <a:font script="Syrn" typeface="Estrangelo Edessa"/>
+        <a:font script="Syrj" typeface="Estrangelo Edessa"/>
+        <a:font script="Syre" typeface="Estrangelo Edessa"/>
+        <a:font script="Sora" typeface="Nirmala UI"/>
+        <a:font script="Tale" typeface="Microsoft Tai Le"/>
+        <a:font script="Talu" typeface="Microsoft New Tai Lue"/>
+        <a:font script="Tfng" typeface="Ebrima"/>
+      </a:minorFont>
+    </a:fontScheme>
+    <a:fmtScheme name="Office">
+      <a:fillStyleLst>
+        <a:solidFill>
+          <a:schemeClr val="phClr"/>
+        </a:solidFill>
+        <a:gradFill rotWithShape="1">
+          <a:gsLst>
+            <a:gs pos="0">
+              <a:schemeClr val="phClr">
+                <a:lumMod val="110000"/>
+                <a:satMod val="105000"/>
+                <a:tint val="67000"/>
+              </a:schemeClr>
+            </a:gs>
+            <a:gs pos="50000">
+              <a:schemeClr val="phClr">
+                <a:lumMod val="105000"/>
+                <a:satMod val="103000"/>
+                <a:tint val="73000"/>
+              </a:schemeClr>
+            </a:gs>
+            <a:gs pos="100000">
+              <a:schemeClr val="phClr">
+                <a:lumMod val="105000"/>
+                <a:satMod val="109000"/>
+                <a:tint val="81000"/>
+              </a:schemeClr>
+            </a:gs>
+          </a:gsLst>
+          <a:lin ang="5400000" scaled="0"/>
+        </a:gradFill>
+        <a:gradFill rotWithShape="1">
+          <a:gsLst>
+            <a:gs pos="0">
+              <a:schemeClr val="phClr">
+                <a:satMod val="103000"/>
+                <a:lumMod val="102000"/>
+                <a:tint val="94000"/>
+              </a:schemeClr>
+            </a:gs>
+            <a:gs pos="50000">
+              <a:schemeClr val="phClr">
+                <a:satMod val="110000"/>
+                <a:lumMod val="100000"/>
+                <a:shade val="100000"/>
+              </a:schemeClr>
+            </a:gs>
+            <a:gs pos="100000">
+              <a:schemeClr val="phClr">
+                <a:lumMod val="99000"/>
+                <a:satMod val="120000"/>
+                <a:shade val="78000"/>
+              </a:schemeClr>
+            </a:gs>
+          </a:gsLst>
+          <a:lin ang="5400000" scaled="0"/>
+        </a:gradFill>
+      </a:fillStyleLst>
+      <a:lnStyleLst>
+        <a:ln w="6350" cap="flat" cmpd="sng" algn="ctr">
+          <a:solidFill>
+            <a:schemeClr val="phClr"/>
+          </a:solidFill>
+          <a:prstDash val="solid"/>
+          <a:miter lim="800000"/>
+        </a:ln>
+        <a:ln w="12700" cap="flat" cmpd="sng" algn="ctr">
+          <a:solidFill>
+            <a:schemeClr val="phClr"/>
+          </a:solidFill>
+          <a:prstDash val="solid"/>
+          <a:miter lim="800000"/>
+        </a:ln>
+        <a:ln w="19050" cap="flat" cmpd="sng" algn="ctr">
+          <a:solidFill>
+            <a:schemeClr val="phClr"/>
+          </a:solidFill>
+          <a:prstDash val="solid"/>
+          <a:miter lim="800000"/>
+        </a:ln>
+      </a:lnStyleLst>
+      <a:effectStyleLst>
+        <a:effectStyle>
+          <a:effectLst/>
+        </a:effectStyle>
+        <a:effectStyle>
+          <a:effectLst/>
+        </a:effectStyle>
+        <a:effectStyle>
+          <a:effectLst>
+            <a:outerShdw blurRad="57150" dist="19050" dir="5400000" algn="ctr" rotWithShape="0">
+              <a:srgbClr val="000000">
+                <a:alpha val="63000"/>
+              </a:srgbClr>
+            </a:outerShdw>
+          </a:effectLst>
+        </a:effectStyle>
+      </a:effectStyleLst>
+      <a:bgFillStyleLst>
+        <a:solidFill>
+          <a:schemeClr val="phClr"/>
+        </a:solidFill>
+        <a:solidFill>
+          <a:schemeClr val="phClr">
+            <a:tint val="95000"/>
+            <a:satMod val="170000"/>
+          </a:schemeClr>
+        </a:solidFill>
+        <a:gradFill rotWithShape="1">
+          <a:gsLst>
+            <a:gs pos="0">
+              <a:schemeClr val="phClr">
+                <a:tint val="93000"/>
+                <a:satMod val="150000"/>
+                <a:shade val="98000"/>
+                <a:lumMod val="102000"/>
+              </a:schemeClr>
+            </a:gs>
+            <a:gs pos="50000">
+              <a:schemeClr val="phClr">
+                <a:tint val="98000"/>
+                <a:satMod val="130000"/>
+                <a:shade val="90000"/>
+                <a:lumMod val="103000"/>
+              </a:schemeClr>
+            </a:gs>
+            <a:gs pos="100000">
+              <a:schemeClr val="phClr">
+                <a:shade val="63000"/>
+                <a:satMod val="120000"/>
+              </a:schemeClr>
+            </a:gs>
+          </a:gsLst>
+          <a:lin ang="5400000" scaled="0"/>
+        </a:gradFill>
+      </a:bgFillStyleLst>
+    </a:fmtScheme>
+  </a:themeElements>
+  <a:objectDefaults/>
+  <a:extraClrSchemeLst/>
+  <a:extLst>
+    <a:ext uri="{05A4C25C-085E-4340-85A3-A5531E510DB2}">
+      <thm15:themeFamily xmlns:thm15="http://schemas.microsoft.com/office/thememl/2012/main" name="Office Theme" id="{62F939B6-93AF-4DB8-9C6B-D6C7DFDC589F}" vid="{4A3C46E8-61CC-4603-A589-7422A47A8E4A}"/>
+    </a:ext>
+  </a:extLst>
+</a:theme>
 </file>
--- a/Final-Presentation/Presentation.pptx
+++ b/Final-Presentation/Presentation.pptx
@@ -5,7 +5,7 @@
     <p:sldMasterId id="2147483696" r:id="rId1"/>
   </p:sldMasterIdLst>
   <p:notesMasterIdLst>
-    <p:notesMasterId r:id="rId22"/>
+    <p:notesMasterId r:id="rId25"/>
   </p:notesMasterIdLst>
   <p:sldIdLst>
     <p:sldId id="256" r:id="rId2"/>
@@ -15,19 +15,22 @@
     <p:sldId id="267" r:id="rId6"/>
     <p:sldId id="262" r:id="rId7"/>
     <p:sldId id="276" r:id="rId8"/>
-    <p:sldId id="257" r:id="rId9"/>
-    <p:sldId id="259" r:id="rId10"/>
-    <p:sldId id="268" r:id="rId11"/>
-    <p:sldId id="269" r:id="rId12"/>
+    <p:sldId id="280" r:id="rId9"/>
+    <p:sldId id="257" r:id="rId10"/>
+    <p:sldId id="259" r:id="rId11"/>
+    <p:sldId id="268" r:id="rId12"/>
     <p:sldId id="271" r:id="rId13"/>
-    <p:sldId id="270" r:id="rId14"/>
-    <p:sldId id="273" r:id="rId15"/>
-    <p:sldId id="274" r:id="rId16"/>
-    <p:sldId id="278" r:id="rId17"/>
-    <p:sldId id="275" r:id="rId18"/>
-    <p:sldId id="277" r:id="rId19"/>
-    <p:sldId id="272" r:id="rId20"/>
-    <p:sldId id="265" r:id="rId21"/>
+    <p:sldId id="269" r:id="rId14"/>
+    <p:sldId id="281" r:id="rId15"/>
+    <p:sldId id="273" r:id="rId16"/>
+    <p:sldId id="274" r:id="rId17"/>
+    <p:sldId id="278" r:id="rId18"/>
+    <p:sldId id="275" r:id="rId19"/>
+    <p:sldId id="282" r:id="rId20"/>
+    <p:sldId id="277" r:id="rId21"/>
+    <p:sldId id="272" r:id="rId22"/>
+    <p:sldId id="265" r:id="rId23"/>
+    <p:sldId id="279" r:id="rId24"/>
   </p:sldIdLst>
   <p:sldSz cx="12192000" cy="6858000"/>
   <p:notesSz cx="6858000" cy="9144000"/>
@@ -129,7 +132,7 @@
   <p:extLst>
     <p:ext uri="{521415D9-36F7-43E2-AB2F-B90AF26B5E84}">
       <p14:sectionLst xmlns:p14="http://schemas.microsoft.com/office/powerpoint/2010/main">
-        <p14:section name="Default Section" id="{593A3DF0-34A1-455D-8943-26FA71ED3DCC}">
+        <p14:section name="Title" id="{593A3DF0-34A1-455D-8943-26FA71ED3DCC}">
           <p14:sldIdLst>
             <p14:sldId id="256"/>
           </p14:sldIdLst>
@@ -141,25 +144,27 @@
             <p14:sldId id="264"/>
             <p14:sldId id="267"/>
             <p14:sldId id="262"/>
+            <p14:sldId id="276"/>
           </p14:sldIdLst>
         </p14:section>
         <p14:section name="Methodology" id="{04ADD487-94DA-47EC-AF72-3116CF1CA6D9}">
           <p14:sldIdLst>
-            <p14:sldId id="276"/>
+            <p14:sldId id="280"/>
             <p14:sldId id="257"/>
             <p14:sldId id="259"/>
             <p14:sldId id="268"/>
+            <p14:sldId id="271"/>
             <p14:sldId id="269"/>
-            <p14:sldId id="271"/>
-            <p14:sldId id="270"/>
           </p14:sldIdLst>
         </p14:section>
         <p14:section name="Results" id="{F06C6ECF-4606-4C14-8117-DA2D8675ACF3}">
           <p14:sldIdLst>
+            <p14:sldId id="281"/>
             <p14:sldId id="273"/>
             <p14:sldId id="274"/>
             <p14:sldId id="278"/>
             <p14:sldId id="275"/>
+            <p14:sldId id="282"/>
             <p14:sldId id="277"/>
           </p14:sldIdLst>
         </p14:section>
@@ -167,6 +172,7 @@
           <p14:sldIdLst>
             <p14:sldId id="272"/>
             <p14:sldId id="265"/>
+            <p14:sldId id="279"/>
           </p14:sldIdLst>
         </p14:section>
       </p14:sectionLst>
@@ -2662,7 +2668,7 @@
           <a:p>
             <a:fld id="{6AFF244E-039A-43E3-AD5A-60009F1CEEC7}" type="datetimeFigureOut">
               <a:rPr lang="en-US" smtClean="0"/>
-              <a:t>3/27/2016</a:t>
+              <a:t>3/28/2016</a:t>
             </a:fld>
             <a:endParaRPr lang="en-US"/>
           </a:p>
@@ -2757,7 +2763,6 @@
               <a:rPr lang="en-US"/>
               <a:t>Fifth level</a:t>
             </a:r>
-            <a:endParaRPr lang="en-US"/>
           </a:p>
         </p:txBody>
       </p:sp>
@@ -2930,6 +2935,269 @@
 </p:notesMaster>
 </file>
 
+<file path=ppt/notesSlides/notesSlide1.xml><?xml version="1.0" encoding="utf-8"?>
+<p:notes xmlns:a="http://schemas.openxmlformats.org/drawingml/2006/main" xmlns:r="http://schemas.openxmlformats.org/officeDocument/2006/relationships" xmlns:p="http://schemas.openxmlformats.org/presentationml/2006/main">
+  <p:cSld>
+    <p:spTree>
+      <p:nvGrpSpPr>
+        <p:cNvPr id="1" name=""/>
+        <p:cNvGrpSpPr/>
+        <p:nvPr/>
+      </p:nvGrpSpPr>
+      <p:grpSpPr>
+        <a:xfrm>
+          <a:off x="0" y="0"/>
+          <a:ext cx="0" cy="0"/>
+          <a:chOff x="0" y="0"/>
+          <a:chExt cx="0" cy="0"/>
+        </a:xfrm>
+      </p:grpSpPr>
+      <p:sp>
+        <p:nvSpPr>
+          <p:cNvPr id="2" name="Slide Image Placeholder 1"/>
+          <p:cNvSpPr>
+            <a:spLocks noGrp="1" noRot="1" noChangeAspect="1"/>
+          </p:cNvSpPr>
+          <p:nvPr>
+            <p:ph type="sldImg"/>
+          </p:nvPr>
+        </p:nvSpPr>
+        <p:spPr/>
+      </p:sp>
+      <p:sp>
+        <p:nvSpPr>
+          <p:cNvPr id="3" name="Notes Placeholder 2"/>
+          <p:cNvSpPr>
+            <a:spLocks noGrp="1"/>
+          </p:cNvSpPr>
+          <p:nvPr>
+            <p:ph type="body" idx="1"/>
+          </p:nvPr>
+        </p:nvSpPr>
+        <p:spPr/>
+        <p:txBody>
+          <a:bodyPr/>
+          <a:lstStyle/>
+          <a:p>
+            <a:endParaRPr lang="en-US" dirty="0"/>
+          </a:p>
+        </p:txBody>
+      </p:sp>
+      <p:sp>
+        <p:nvSpPr>
+          <p:cNvPr id="4" name="Slide Number Placeholder 3"/>
+          <p:cNvSpPr>
+            <a:spLocks noGrp="1"/>
+          </p:cNvSpPr>
+          <p:nvPr>
+            <p:ph type="sldNum" sz="quarter" idx="10"/>
+          </p:nvPr>
+        </p:nvSpPr>
+        <p:spPr/>
+        <p:txBody>
+          <a:bodyPr/>
+          <a:lstStyle/>
+          <a:p>
+            <a:fld id="{A264076F-80FB-43C3-B01C-7E976252877C}" type="slidenum">
+              <a:rPr lang="en-US" smtClean="0"/>
+              <a:t>1</a:t>
+            </a:fld>
+            <a:endParaRPr lang="en-US"/>
+          </a:p>
+        </p:txBody>
+      </p:sp>
+    </p:spTree>
+    <p:extLst>
+      <p:ext uri="{BB962C8B-B14F-4D97-AF65-F5344CB8AC3E}">
+        <p14:creationId xmlns:p14="http://schemas.microsoft.com/office/powerpoint/2010/main" val="2075585406"/>
+      </p:ext>
+    </p:extLst>
+  </p:cSld>
+  <p:clrMapOvr>
+    <a:masterClrMapping/>
+  </p:clrMapOvr>
+</p:notes>
+</file>
+
+<file path=ppt/notesSlides/notesSlide2.xml><?xml version="1.0" encoding="utf-8"?>
+<p:notes xmlns:a="http://schemas.openxmlformats.org/drawingml/2006/main" xmlns:r="http://schemas.openxmlformats.org/officeDocument/2006/relationships" xmlns:p="http://schemas.openxmlformats.org/presentationml/2006/main">
+  <p:cSld>
+    <p:spTree>
+      <p:nvGrpSpPr>
+        <p:cNvPr id="1" name=""/>
+        <p:cNvGrpSpPr/>
+        <p:nvPr/>
+      </p:nvGrpSpPr>
+      <p:grpSpPr>
+        <a:xfrm>
+          <a:off x="0" y="0"/>
+          <a:ext cx="0" cy="0"/>
+          <a:chOff x="0" y="0"/>
+          <a:chExt cx="0" cy="0"/>
+        </a:xfrm>
+      </p:grpSpPr>
+      <p:sp>
+        <p:nvSpPr>
+          <p:cNvPr id="2" name="Slide Image Placeholder 1"/>
+          <p:cNvSpPr>
+            <a:spLocks noGrp="1" noRot="1" noChangeAspect="1"/>
+          </p:cNvSpPr>
+          <p:nvPr>
+            <p:ph type="sldImg"/>
+          </p:nvPr>
+        </p:nvSpPr>
+        <p:spPr/>
+      </p:sp>
+      <p:sp>
+        <p:nvSpPr>
+          <p:cNvPr id="3" name="Notes Placeholder 2"/>
+          <p:cNvSpPr>
+            <a:spLocks noGrp="1"/>
+          </p:cNvSpPr>
+          <p:nvPr>
+            <p:ph type="body" idx="1"/>
+          </p:nvPr>
+        </p:nvSpPr>
+        <p:spPr/>
+        <p:txBody>
+          <a:bodyPr/>
+          <a:lstStyle/>
+          <a:p>
+            <a:r>
+              <a:rPr lang="en-US" b="1" dirty="0"/>
+              <a:t>Rafi talk</a:t>
+            </a:r>
+            <a:r>
+              <a:rPr lang="en-US" b="1" baseline="0" dirty="0"/>
+              <a:t>s here.</a:t>
+            </a:r>
+            <a:endParaRPr lang="en-US" b="1" dirty="0"/>
+          </a:p>
+        </p:txBody>
+      </p:sp>
+      <p:sp>
+        <p:nvSpPr>
+          <p:cNvPr id="4" name="Slide Number Placeholder 3"/>
+          <p:cNvSpPr>
+            <a:spLocks noGrp="1"/>
+          </p:cNvSpPr>
+          <p:nvPr>
+            <p:ph type="sldNum" sz="quarter" idx="10"/>
+          </p:nvPr>
+        </p:nvSpPr>
+        <p:spPr/>
+        <p:txBody>
+          <a:bodyPr/>
+          <a:lstStyle/>
+          <a:p>
+            <a:fld id="{A264076F-80FB-43C3-B01C-7E976252877C}" type="slidenum">
+              <a:rPr lang="en-US" smtClean="0"/>
+              <a:t>2</a:t>
+            </a:fld>
+            <a:endParaRPr lang="en-US"/>
+          </a:p>
+        </p:txBody>
+      </p:sp>
+    </p:spTree>
+    <p:extLst>
+      <p:ext uri="{BB962C8B-B14F-4D97-AF65-F5344CB8AC3E}">
+        <p14:creationId xmlns:p14="http://schemas.microsoft.com/office/powerpoint/2010/main" val="3388703001"/>
+      </p:ext>
+    </p:extLst>
+  </p:cSld>
+  <p:clrMapOvr>
+    <a:masterClrMapping/>
+  </p:clrMapOvr>
+</p:notes>
+</file>
+
+<file path=ppt/notesSlides/notesSlide3.xml><?xml version="1.0" encoding="utf-8"?>
+<p:notes xmlns:a="http://schemas.openxmlformats.org/drawingml/2006/main" xmlns:r="http://schemas.openxmlformats.org/officeDocument/2006/relationships" xmlns:p="http://schemas.openxmlformats.org/presentationml/2006/main">
+  <p:cSld>
+    <p:spTree>
+      <p:nvGrpSpPr>
+        <p:cNvPr id="1" name=""/>
+        <p:cNvGrpSpPr/>
+        <p:nvPr/>
+      </p:nvGrpSpPr>
+      <p:grpSpPr>
+        <a:xfrm>
+          <a:off x="0" y="0"/>
+          <a:ext cx="0" cy="0"/>
+          <a:chOff x="0" y="0"/>
+          <a:chExt cx="0" cy="0"/>
+        </a:xfrm>
+      </p:grpSpPr>
+      <p:sp>
+        <p:nvSpPr>
+          <p:cNvPr id="2" name="Slide Image Placeholder 1"/>
+          <p:cNvSpPr>
+            <a:spLocks noGrp="1" noRot="1" noChangeAspect="1"/>
+          </p:cNvSpPr>
+          <p:nvPr>
+            <p:ph type="sldImg"/>
+          </p:nvPr>
+        </p:nvSpPr>
+        <p:spPr/>
+      </p:sp>
+      <p:sp>
+        <p:nvSpPr>
+          <p:cNvPr id="3" name="Notes Placeholder 2"/>
+          <p:cNvSpPr>
+            <a:spLocks noGrp="1"/>
+          </p:cNvSpPr>
+          <p:nvPr>
+            <p:ph type="body" idx="1"/>
+          </p:nvPr>
+        </p:nvSpPr>
+        <p:spPr/>
+        <p:txBody>
+          <a:bodyPr/>
+          <a:lstStyle/>
+          <a:p>
+            <a:r>
+              <a:rPr lang="en-US" b="1" dirty="0"/>
+              <a:t>Bryan talks here.</a:t>
+            </a:r>
+          </a:p>
+        </p:txBody>
+      </p:sp>
+      <p:sp>
+        <p:nvSpPr>
+          <p:cNvPr id="4" name="Slide Number Placeholder 3"/>
+          <p:cNvSpPr>
+            <a:spLocks noGrp="1"/>
+          </p:cNvSpPr>
+          <p:nvPr>
+            <p:ph type="sldNum" sz="quarter" idx="10"/>
+          </p:nvPr>
+        </p:nvSpPr>
+        <p:spPr/>
+        <p:txBody>
+          <a:bodyPr/>
+          <a:lstStyle/>
+          <a:p>
+            <a:fld id="{A264076F-80FB-43C3-B01C-7E976252877C}" type="slidenum">
+              <a:rPr lang="en-US" smtClean="0"/>
+              <a:t>9</a:t>
+            </a:fld>
+            <a:endParaRPr lang="en-US"/>
+          </a:p>
+        </p:txBody>
+      </p:sp>
+    </p:spTree>
+    <p:extLst>
+      <p:ext uri="{BB962C8B-B14F-4D97-AF65-F5344CB8AC3E}">
+        <p14:creationId xmlns:p14="http://schemas.microsoft.com/office/powerpoint/2010/main" val="2996754019"/>
+      </p:ext>
+    </p:extLst>
+  </p:cSld>
+  <p:clrMapOvr>
+    <a:masterClrMapping/>
+  </p:clrMapOvr>
+</p:notes>
+</file>
+
 <file path=ppt/slideLayouts/slideLayout1.xml><?xml version="1.0" encoding="utf-8"?>
 <p:sldLayout xmlns:a="http://schemas.openxmlformats.org/drawingml/2006/main" xmlns:r="http://schemas.openxmlformats.org/officeDocument/2006/relationships" xmlns:p="http://schemas.openxmlformats.org/presentationml/2006/main" showMasterSp="0" type="title" preserve="1">
   <p:cSld name="Title Slide">
@@ -3152,9 +3420,9 @@
           <a:bodyPr/>
           <a:lstStyle/>
           <a:p>
-            <a:fld id="{CA586F88-EEB5-4979-9532-C99075E35C56}" type="datetimeFigureOut">
+            <a:fld id="{4371853E-9369-48C5-BD30-F4637F5C5449}" type="datetime2">
               <a:rPr lang="en-US" smtClean="0"/>
-              <a:t>3/27/2016</a:t>
+              <a:t>Monday, March 28, 2016</a:t>
             </a:fld>
             <a:endParaRPr lang="en-US"/>
           </a:p>
@@ -3179,6 +3447,10 @@
             </a:lvl1pPr>
           </a:lstStyle>
           <a:p>
+            <a:r>
+              <a:rPr lang="en-US"/>
+              <a:t>Developer-Module Networks</a:t>
+            </a:r>
             <a:endParaRPr lang="en-US" dirty="0"/>
           </a:p>
         </p:txBody>
@@ -3326,9 +3598,9 @@
           <a:bodyPr/>
           <a:lstStyle/>
           <a:p>
-            <a:fld id="{CA586F88-EEB5-4979-9532-C99075E35C56}" type="datetimeFigureOut">
+            <a:fld id="{B25F7EE4-4199-4CE9-9177-69ED3C4422BB}" type="datetime2">
               <a:rPr lang="en-US" smtClean="0"/>
-              <a:t>3/27/2016</a:t>
+              <a:t>Monday, March 28, 2016</a:t>
             </a:fld>
             <a:endParaRPr lang="en-US"/>
           </a:p>
@@ -3349,7 +3621,10 @@
           <a:bodyPr/>
           <a:lstStyle/>
           <a:p>
-            <a:endParaRPr lang="en-US"/>
+            <a:r>
+              <a:rPr lang="en-US"/>
+              <a:t>Developer-Module Networks</a:t>
+            </a:r>
           </a:p>
         </p:txBody>
       </p:sp>
@@ -3582,9 +3857,9 @@
           <a:bodyPr/>
           <a:lstStyle/>
           <a:p>
-            <a:fld id="{CA586F88-EEB5-4979-9532-C99075E35C56}" type="datetimeFigureOut">
+            <a:fld id="{54AC6918-B1D9-4F3C-896C-95E1E2CB9CA4}" type="datetime2">
               <a:rPr lang="en-US" smtClean="0"/>
-              <a:t>3/27/2016</a:t>
+              <a:t>Monday, March 28, 2016</a:t>
             </a:fld>
             <a:endParaRPr lang="en-US"/>
           </a:p>
@@ -3605,7 +3880,10 @@
           <a:bodyPr/>
           <a:lstStyle/>
           <a:p>
-            <a:endParaRPr lang="en-US"/>
+            <a:r>
+              <a:rPr lang="en-US"/>
+              <a:t>Developer-Module Networks</a:t>
+            </a:r>
           </a:p>
         </p:txBody>
       </p:sp>
@@ -3757,11 +4035,16 @@
         <p:spPr/>
         <p:txBody>
           <a:bodyPr/>
-          <a:lstStyle/>
-          <a:p>
-            <a:fld id="{CA586F88-EEB5-4979-9532-C99075E35C56}" type="datetimeFigureOut">
+          <a:lstStyle>
+            <a:lvl1pPr>
+              <a:defRPr sz="1400"/>
+            </a:lvl1pPr>
+          </a:lstStyle>
+          <a:p>
+            <a:fld id="{1895407B-6C67-41B4-A620-3F8A303D0A78}" type="datetime2">
               <a:rPr lang="en-US" smtClean="0"/>
-              <a:t>3/27/2016</a:t>
+              <a:pPr/>
+              <a:t>Monday, March 28, 2016</a:t>
             </a:fld>
             <a:endParaRPr lang="en-US"/>
           </a:p>
@@ -3780,8 +4063,16 @@
         <p:spPr/>
         <p:txBody>
           <a:bodyPr/>
-          <a:lstStyle/>
-          <a:p>
+          <a:lstStyle>
+            <a:lvl1pPr>
+              <a:defRPr sz="1400"/>
+            </a:lvl1pPr>
+          </a:lstStyle>
+          <a:p>
+            <a:r>
+              <a:rPr lang="en-US"/>
+              <a:t>Developer-Module Networks</a:t>
+            </a:r>
             <a:endParaRPr lang="en-US"/>
           </a:p>
         </p:txBody>
@@ -3799,10 +4090,15 @@
         <p:spPr/>
         <p:txBody>
           <a:bodyPr/>
-          <a:lstStyle/>
+          <a:lstStyle>
+            <a:lvl1pPr>
+              <a:defRPr sz="1800"/>
+            </a:lvl1pPr>
+          </a:lstStyle>
           <a:p>
             <a:fld id="{597C4F9D-C1BC-482F-ACE4-604A1ED49A8D}" type="slidenum">
               <a:rPr lang="en-US" smtClean="0"/>
+              <a:pPr/>
               <a:t>‹#›</a:t>
             </a:fld>
             <a:endParaRPr lang="en-US"/>
@@ -3847,6 +4143,48 @@
           <a:chExt cx="0" cy="0"/>
         </a:xfrm>
       </p:grpSpPr>
+      <p:pic>
+        <p:nvPicPr>
+          <p:cNvPr id="11" name="Picture 2" descr="http://img.gawkerassets.com/img/18efmtxt7i5nvjpg/original.jpg"/>
+          <p:cNvPicPr>
+            <a:picLocks noChangeAspect="1" noChangeArrowheads="1"/>
+          </p:cNvPicPr>
+          <p:nvPr userDrawn="1"/>
+        </p:nvPicPr>
+        <p:blipFill>
+          <a:blip r:embed="rId2">
+            <a:lum bright="70000" contrast="-70000"/>
+            <a:extLst>
+              <a:ext uri="{28A0092B-C50C-407E-A947-70E740481C1C}">
+                <a14:useLocalDpi xmlns:a14="http://schemas.microsoft.com/office/drawing/2010/main" val="0"/>
+              </a:ext>
+            </a:extLst>
+          </a:blip>
+          <a:srcRect/>
+          <a:stretch>
+            <a:fillRect/>
+          </a:stretch>
+        </p:blipFill>
+        <p:spPr bwMode="auto">
+          <a:xfrm>
+            <a:off x="0" y="0"/>
+            <a:ext cx="12192000" cy="6334539"/>
+          </a:xfrm>
+          <a:prstGeom prst="rect">
+            <a:avLst/>
+          </a:prstGeom>
+          <a:noFill/>
+          <a:extLst>
+            <a:ext uri="{909E8E84-426E-40DD-AFC4-6F175D3DCCD1}">
+              <a14:hiddenFill xmlns:a14="http://schemas.microsoft.com/office/drawing/2010/main">
+                <a:solidFill>
+                  <a:srgbClr val="FFFFFF"/>
+                </a:solidFill>
+              </a14:hiddenFill>
+            </a:ext>
+          </a:extLst>
+        </p:spPr>
+      </p:pic>
       <p:sp>
         <p:nvSpPr>
           <p:cNvPr id="7" name="Rectangle 6"/>
@@ -4102,9 +4440,9 @@
           <a:bodyPr/>
           <a:lstStyle/>
           <a:p>
-            <a:fld id="{CA586F88-EEB5-4979-9532-C99075E35C56}" type="datetimeFigureOut">
+            <a:fld id="{0FBD371F-C4DB-40A8-B4A9-973632389B47}" type="datetime2">
               <a:rPr lang="en-US" smtClean="0"/>
-              <a:t>3/27/2016</a:t>
+              <a:t>Monday, March 28, 2016</a:t>
             </a:fld>
             <a:endParaRPr lang="en-US"/>
           </a:p>
@@ -4125,7 +4463,10 @@
           <a:bodyPr/>
           <a:lstStyle/>
           <a:p>
-            <a:endParaRPr lang="en-US"/>
+            <a:r>
+              <a:rPr lang="en-US"/>
+              <a:t>Developer-Module Networks</a:t>
+            </a:r>
           </a:p>
         </p:txBody>
       </p:sp>
@@ -4377,9 +4718,9 @@
           <a:bodyPr/>
           <a:lstStyle/>
           <a:p>
-            <a:fld id="{CA586F88-EEB5-4979-9532-C99075E35C56}" type="datetimeFigureOut">
+            <a:fld id="{C8DD79F4-E291-494F-AA6B-7E44809559C8}" type="datetime2">
               <a:rPr lang="en-US" smtClean="0"/>
-              <a:t>3/27/2016</a:t>
+              <a:t>Monday, March 28, 2016</a:t>
             </a:fld>
             <a:endParaRPr lang="en-US"/>
           </a:p>
@@ -4400,7 +4741,10 @@
           <a:bodyPr/>
           <a:lstStyle/>
           <a:p>
-            <a:endParaRPr lang="en-US"/>
+            <a:r>
+              <a:rPr lang="en-US"/>
+              <a:t>Developer-Module Networks</a:t>
+            </a:r>
           </a:p>
         </p:txBody>
       </p:sp>
@@ -4756,9 +5100,9 @@
           <a:bodyPr/>
           <a:lstStyle/>
           <a:p>
-            <a:fld id="{CA586F88-EEB5-4979-9532-C99075E35C56}" type="datetimeFigureOut">
+            <a:fld id="{39CDE635-31A6-4B0B-9ACB-BAA074FEED97}" type="datetime2">
               <a:rPr lang="en-US" smtClean="0"/>
-              <a:t>3/27/2016</a:t>
+              <a:t>Monday, March 28, 2016</a:t>
             </a:fld>
             <a:endParaRPr lang="en-US"/>
           </a:p>
@@ -4779,7 +5123,10 @@
           <a:bodyPr/>
           <a:lstStyle/>
           <a:p>
-            <a:endParaRPr lang="en-US"/>
+            <a:r>
+              <a:rPr lang="en-US"/>
+              <a:t>Developer-Module Networks</a:t>
+            </a:r>
           </a:p>
         </p:txBody>
       </p:sp>
@@ -4874,9 +5221,9 @@
           <a:bodyPr/>
           <a:lstStyle/>
           <a:p>
-            <a:fld id="{CA586F88-EEB5-4979-9532-C99075E35C56}" type="datetimeFigureOut">
+            <a:fld id="{AD8F1053-4DF6-4006-B1BB-F4CAC66DFFFA}" type="datetime2">
               <a:rPr lang="en-US" smtClean="0"/>
-              <a:t>3/27/2016</a:t>
+              <a:t>Monday, March 28, 2016</a:t>
             </a:fld>
             <a:endParaRPr lang="en-US"/>
           </a:p>
@@ -4897,7 +5244,10 @@
           <a:bodyPr/>
           <a:lstStyle/>
           <a:p>
-            <a:endParaRPr lang="en-US"/>
+            <a:r>
+              <a:rPr lang="en-US"/>
+              <a:t>Developer-Module Networks</a:t>
+            </a:r>
           </a:p>
         </p:txBody>
       </p:sp>
@@ -5045,9 +5395,9 @@
           <a:bodyPr/>
           <a:lstStyle/>
           <a:p>
-            <a:fld id="{CA586F88-EEB5-4979-9532-C99075E35C56}" type="datetimeFigureOut">
+            <a:fld id="{0069ED6A-9EA0-48BB-A070-C7BE3749297A}" type="datetime2">
               <a:rPr lang="en-US" smtClean="0"/>
-              <a:t>3/27/2016</a:t>
+              <a:t>Monday, March 28, 2016</a:t>
             </a:fld>
             <a:endParaRPr lang="en-US"/>
           </a:p>
@@ -5076,7 +5426,10 @@
             </a:lvl1pPr>
           </a:lstStyle>
           <a:p>
-            <a:endParaRPr lang="en-US"/>
+            <a:r>
+              <a:rPr lang="en-US"/>
+              <a:t>Developer-Module Networks</a:t>
+            </a:r>
           </a:p>
         </p:txBody>
       </p:sp>
@@ -5399,9 +5752,9 @@
             </a:lvl1pPr>
           </a:lstStyle>
           <a:p>
-            <a:fld id="{CA586F88-EEB5-4979-9532-C99075E35C56}" type="datetimeFigureOut">
+            <a:fld id="{6E2D15EE-638C-4B89-82FD-FF00F880831F}" type="datetime2">
               <a:rPr lang="en-US" smtClean="0"/>
-              <a:t>3/27/2016</a:t>
+              <a:t>Monday, March 28, 2016</a:t>
             </a:fld>
             <a:endParaRPr lang="en-US"/>
           </a:p>
@@ -5435,7 +5788,10 @@
             </a:lvl1pPr>
           </a:lstStyle>
           <a:p>
-            <a:endParaRPr lang="en-US"/>
+            <a:r>
+              <a:rPr lang="en-US"/>
+              <a:t>Developer-Module Networks</a:t>
+            </a:r>
           </a:p>
         </p:txBody>
       </p:sp>
@@ -5781,9 +6137,9 @@
           <a:bodyPr/>
           <a:lstStyle/>
           <a:p>
-            <a:fld id="{CA586F88-EEB5-4979-9532-C99075E35C56}" type="datetimeFigureOut">
+            <a:fld id="{FC1B3EA4-54EE-4BE5-B6A6-5D76D7A99D30}" type="datetime2">
               <a:rPr lang="en-US" smtClean="0"/>
-              <a:t>3/27/2016</a:t>
+              <a:t>Monday, March 28, 2016</a:t>
             </a:fld>
             <a:endParaRPr lang="en-US"/>
           </a:p>
@@ -5804,7 +6160,10 @@
           <a:bodyPr/>
           <a:lstStyle/>
           <a:p>
-            <a:endParaRPr lang="en-US"/>
+            <a:r>
+              <a:rPr lang="en-US"/>
+              <a:t>Developer-Module Networks</a:t>
+            </a:r>
           </a:p>
         </p:txBody>
       </p:sp>
@@ -6067,9 +6426,9 @@
             </a:lvl1pPr>
           </a:lstStyle>
           <a:p>
-            <a:fld id="{CA586F88-EEB5-4979-9532-C99075E35C56}" type="datetimeFigureOut">
+            <a:fld id="{82E749BB-E07B-4250-BB85-9F4672F6ED80}" type="datetime2">
               <a:rPr lang="en-US" smtClean="0"/>
-              <a:t>3/27/2016</a:t>
+              <a:t>Monday, March 28, 2016</a:t>
             </a:fld>
             <a:endParaRPr lang="en-US"/>
           </a:p>
@@ -6106,6 +6465,10 @@
             </a:lvl1pPr>
           </a:lstStyle>
           <a:p>
+            <a:r>
+              <a:rPr lang="en-US"/>
+              <a:t>Developer-Module Networks</a:t>
+            </a:r>
             <a:endParaRPr lang="en-US" dirty="0"/>
           </a:p>
         </p:txBody>
@@ -6208,6 +6571,7 @@
     <p:sldLayoutId id="2147483706" r:id="rId10"/>
     <p:sldLayoutId id="2147483707" r:id="rId11"/>
   </p:sldLayoutIdLst>
+  <p:hf hdr="0"/>
   <p:txStyles>
     <p:titleStyle>
       <a:lvl1pPr algn="l" defTabSz="914400" rtl="0" eaLnBrk="1" latinLnBrk="0" hangingPunct="1">
@@ -6602,7 +6966,7 @@
           <p:nvPr/>
         </p:nvPicPr>
         <p:blipFill>
-          <a:blip r:embed="rId2">
+          <a:blip r:embed="rId3">
             <a:lum bright="70000" contrast="-70000"/>
             <a:extLst>
               <a:ext uri="{28A0092B-C50C-407E-A947-70E740481C1C}">
@@ -6775,7 +7139,7 @@
           <p:nvPr/>
         </p:nvPicPr>
         <p:blipFill>
-          <a:blip r:embed="rId3">
+          <a:blip r:embed="rId4">
             <a:extLst>
               <a:ext uri="{28A0092B-C50C-407E-A947-70E740481C1C}">
                 <a14:useLocalDpi xmlns:a14="http://schemas.microsoft.com/office/drawing/2010/main" val="0"/>
@@ -6807,6 +7171,75 @@
           </a:extLst>
         </p:spPr>
       </p:pic>
+      <p:sp>
+        <p:nvSpPr>
+          <p:cNvPr id="4" name="Date Placeholder 3"/>
+          <p:cNvSpPr>
+            <a:spLocks noGrp="1"/>
+          </p:cNvSpPr>
+          <p:nvPr>
+            <p:ph type="dt" sz="half" idx="10"/>
+          </p:nvPr>
+        </p:nvSpPr>
+        <p:spPr/>
+        <p:txBody>
+          <a:bodyPr/>
+          <a:lstStyle/>
+          <a:p>
+            <a:fld id="{01FCBEF5-9A7E-4199-B653-A1E14FCF9ADE}" type="datetime2">
+              <a:rPr lang="en-US" smtClean="0"/>
+              <a:t>Monday, March 28, 2016</a:t>
+            </a:fld>
+            <a:endParaRPr lang="en-US"/>
+          </a:p>
+        </p:txBody>
+      </p:sp>
+      <p:sp>
+        <p:nvSpPr>
+          <p:cNvPr id="6" name="Footer Placeholder 5"/>
+          <p:cNvSpPr>
+            <a:spLocks noGrp="1"/>
+          </p:cNvSpPr>
+          <p:nvPr>
+            <p:ph type="ftr" sz="quarter" idx="11"/>
+          </p:nvPr>
+        </p:nvSpPr>
+        <p:spPr/>
+        <p:txBody>
+          <a:bodyPr/>
+          <a:lstStyle/>
+          <a:p>
+            <a:r>
+              <a:rPr lang="en-US"/>
+              <a:t>Developer-Module Networks</a:t>
+            </a:r>
+            <a:endParaRPr lang="en-US" dirty="0"/>
+          </a:p>
+        </p:txBody>
+      </p:sp>
+      <p:sp>
+        <p:nvSpPr>
+          <p:cNvPr id="7" name="Slide Number Placeholder 6"/>
+          <p:cNvSpPr>
+            <a:spLocks noGrp="1"/>
+          </p:cNvSpPr>
+          <p:nvPr>
+            <p:ph type="sldNum" sz="quarter" idx="12"/>
+          </p:nvPr>
+        </p:nvSpPr>
+        <p:spPr/>
+        <p:txBody>
+          <a:bodyPr/>
+          <a:lstStyle/>
+          <a:p>
+            <a:fld id="{597C4F9D-C1BC-482F-ACE4-604A1ED49A8D}" type="slidenum">
+              <a:rPr lang="en-US" smtClean="0"/>
+              <a:t>1</a:t>
+            </a:fld>
+            <a:endParaRPr lang="en-US"/>
+          </a:p>
+        </p:txBody>
+      </p:sp>
     </p:spTree>
     <p:extLst>
       <p:ext uri="{BB962C8B-B14F-4D97-AF65-F5344CB8AC3E}">
@@ -6854,6 +7287,155 @@
           <a:p>
             <a:r>
               <a:rPr lang="en-US" dirty="0"/>
+              <a:t>Example of Boa: </a:t>
+            </a:r>
+            <a:r>
+              <a:rPr lang="en-US" i="1" dirty="0"/>
+              <a:t>Number of Committers</a:t>
+            </a:r>
+            <a:endParaRPr lang="en-US" dirty="0"/>
+          </a:p>
+        </p:txBody>
+      </p:sp>
+      <p:pic>
+        <p:nvPicPr>
+          <p:cNvPr id="4" name="Picture 3"/>
+          <p:cNvPicPr>
+            <a:picLocks noChangeAspect="1"/>
+          </p:cNvPicPr>
+          <p:nvPr/>
+        </p:nvPicPr>
+        <p:blipFill>
+          <a:blip r:embed="rId2"/>
+          <a:stretch>
+            <a:fillRect/>
+          </a:stretch>
+        </p:blipFill>
+        <p:spPr>
+          <a:xfrm>
+            <a:off x="1965975" y="2158949"/>
+            <a:ext cx="8321009" cy="3529739"/>
+          </a:xfrm>
+          <a:prstGeom prst="rect">
+            <a:avLst/>
+          </a:prstGeom>
+        </p:spPr>
+      </p:pic>
+      <p:sp>
+        <p:nvSpPr>
+          <p:cNvPr id="3" name="Date Placeholder 2"/>
+          <p:cNvSpPr>
+            <a:spLocks noGrp="1"/>
+          </p:cNvSpPr>
+          <p:nvPr>
+            <p:ph type="dt" sz="half" idx="10"/>
+          </p:nvPr>
+        </p:nvSpPr>
+        <p:spPr/>
+        <p:txBody>
+          <a:bodyPr/>
+          <a:lstStyle/>
+          <a:p>
+            <a:fld id="{C3E61AEA-5717-4462-8B4D-697411D28EB1}" type="datetime2">
+              <a:rPr lang="en-US" smtClean="0"/>
+              <a:t>Monday, March 28, 2016</a:t>
+            </a:fld>
+            <a:endParaRPr lang="en-US"/>
+          </a:p>
+        </p:txBody>
+      </p:sp>
+      <p:sp>
+        <p:nvSpPr>
+          <p:cNvPr id="5" name="Footer Placeholder 4"/>
+          <p:cNvSpPr>
+            <a:spLocks noGrp="1"/>
+          </p:cNvSpPr>
+          <p:nvPr>
+            <p:ph type="ftr" sz="quarter" idx="11"/>
+          </p:nvPr>
+        </p:nvSpPr>
+        <p:spPr/>
+        <p:txBody>
+          <a:bodyPr/>
+          <a:lstStyle/>
+          <a:p>
+            <a:r>
+              <a:rPr lang="en-US"/>
+              <a:t>Developer-Module Networks</a:t>
+            </a:r>
+          </a:p>
+        </p:txBody>
+      </p:sp>
+      <p:sp>
+        <p:nvSpPr>
+          <p:cNvPr id="6" name="Slide Number Placeholder 5"/>
+          <p:cNvSpPr>
+            <a:spLocks noGrp="1"/>
+          </p:cNvSpPr>
+          <p:nvPr>
+            <p:ph type="sldNum" sz="quarter" idx="12"/>
+          </p:nvPr>
+        </p:nvSpPr>
+        <p:spPr/>
+        <p:txBody>
+          <a:bodyPr/>
+          <a:lstStyle/>
+          <a:p>
+            <a:fld id="{597C4F9D-C1BC-482F-ACE4-604A1ED49A8D}" type="slidenum">
+              <a:rPr lang="en-US" smtClean="0"/>
+              <a:t>10</a:t>
+            </a:fld>
+            <a:endParaRPr lang="en-US"/>
+          </a:p>
+        </p:txBody>
+      </p:sp>
+    </p:spTree>
+    <p:extLst>
+      <p:ext uri="{BB962C8B-B14F-4D97-AF65-F5344CB8AC3E}">
+        <p14:creationId xmlns:p14="http://schemas.microsoft.com/office/powerpoint/2010/main" val="875459587"/>
+      </p:ext>
+    </p:extLst>
+  </p:cSld>
+  <p:clrMapOvr>
+    <a:masterClrMapping/>
+  </p:clrMapOvr>
+</p:sld>
+</file>
+
+<file path=ppt/slides/slide11.xml><?xml version="1.0" encoding="utf-8"?>
+<p:sld xmlns:a="http://schemas.openxmlformats.org/drawingml/2006/main" xmlns:r="http://schemas.openxmlformats.org/officeDocument/2006/relationships" xmlns:p="http://schemas.openxmlformats.org/presentationml/2006/main">
+  <p:cSld>
+    <p:spTree>
+      <p:nvGrpSpPr>
+        <p:cNvPr id="1" name=""/>
+        <p:cNvGrpSpPr/>
+        <p:nvPr/>
+      </p:nvGrpSpPr>
+      <p:grpSpPr>
+        <a:xfrm>
+          <a:off x="0" y="0"/>
+          <a:ext cx="0" cy="0"/>
+          <a:chOff x="0" y="0"/>
+          <a:chExt cx="0" cy="0"/>
+        </a:xfrm>
+      </p:grpSpPr>
+      <p:sp>
+        <p:nvSpPr>
+          <p:cNvPr id="2" name="Title 1"/>
+          <p:cNvSpPr>
+            <a:spLocks noGrp="1"/>
+          </p:cNvSpPr>
+          <p:nvPr>
+            <p:ph type="title"/>
+          </p:nvPr>
+        </p:nvSpPr>
+        <p:spPr/>
+        <p:txBody>
+          <a:bodyPr/>
+          <a:lstStyle/>
+          <a:p>
+            <a:r>
+              <a:rPr lang="en-US" dirty="0"/>
               <a:t>Methodology</a:t>
             </a:r>
           </a:p>
@@ -6880,7 +7462,7 @@
             </a:pPr>
             <a:r>
               <a:rPr lang="en-US" dirty="0"/>
-              <a:t>Determine adequate projects stored in Boa.</a:t>
+              <a:t>Pull associated file, user, and commit information for a desired project from Boa.</a:t>
             </a:r>
           </a:p>
           <a:p>
@@ -6890,7 +7472,7 @@
             </a:pPr>
             <a:r>
               <a:rPr lang="en-US" dirty="0"/>
-              <a:t>Pull associated file, user, and commit information for a desired project.</a:t>
+              <a:t>Build contribution network from the project data.</a:t>
             </a:r>
           </a:p>
           <a:p>
@@ -6900,7 +7482,7 @@
             </a:pPr>
             <a:r>
               <a:rPr lang="en-US" dirty="0"/>
-              <a:t>Build contribution network from the project data.</a:t>
+              <a:t>Compute betweenness, closeness, and degree centrality.</a:t>
             </a:r>
           </a:p>
           <a:p>
@@ -6910,15 +7492,15 @@
             </a:pPr>
             <a:r>
               <a:rPr lang="en-US" dirty="0"/>
-              <a:t>Compute </a:t>
-            </a:r>
-            <a:r>
-              <a:rPr lang="en-US" dirty="0" err="1"/>
-              <a:t>betweenness</a:t>
+              <a:t>Calculate </a:t>
+            </a:r>
+            <a:r>
+              <a:rPr lang="en-US" b="1" dirty="0"/>
+              <a:t>Spearman correlation</a:t>
             </a:r>
             <a:r>
               <a:rPr lang="en-US" dirty="0"/>
-              <a:t>, closeness, and degree centrality.</a:t>
+              <a:t> for each metric.</a:t>
             </a:r>
           </a:p>
           <a:p>
@@ -6928,7 +7510,7 @@
             </a:pPr>
             <a:r>
               <a:rPr lang="en-US" dirty="0"/>
-              <a:t>Run logical regression on the social network and determine </a:t>
+              <a:t>Run logistical regression on the social network and determine </a:t>
             </a:r>
             <a:r>
               <a:rPr lang="en-US" b="1" dirty="0"/>
@@ -6947,6 +7529,74 @@
               <a:t>.</a:t>
             </a:r>
             <a:endParaRPr lang="en-US" b="1" dirty="0"/>
+          </a:p>
+        </p:txBody>
+      </p:sp>
+      <p:sp>
+        <p:nvSpPr>
+          <p:cNvPr id="4" name="Date Placeholder 3"/>
+          <p:cNvSpPr>
+            <a:spLocks noGrp="1"/>
+          </p:cNvSpPr>
+          <p:nvPr>
+            <p:ph type="dt" sz="half" idx="10"/>
+          </p:nvPr>
+        </p:nvSpPr>
+        <p:spPr/>
+        <p:txBody>
+          <a:bodyPr/>
+          <a:lstStyle/>
+          <a:p>
+            <a:fld id="{3EEFAE6D-4D56-424A-981A-1F5A051D8557}" type="datetime2">
+              <a:rPr lang="en-US" smtClean="0"/>
+              <a:t>Monday, March 28, 2016</a:t>
+            </a:fld>
+            <a:endParaRPr lang="en-US"/>
+          </a:p>
+        </p:txBody>
+      </p:sp>
+      <p:sp>
+        <p:nvSpPr>
+          <p:cNvPr id="5" name="Footer Placeholder 4"/>
+          <p:cNvSpPr>
+            <a:spLocks noGrp="1"/>
+          </p:cNvSpPr>
+          <p:nvPr>
+            <p:ph type="ftr" sz="quarter" idx="11"/>
+          </p:nvPr>
+        </p:nvSpPr>
+        <p:spPr/>
+        <p:txBody>
+          <a:bodyPr/>
+          <a:lstStyle/>
+          <a:p>
+            <a:r>
+              <a:rPr lang="en-US"/>
+              <a:t>Developer-Module Networks</a:t>
+            </a:r>
+          </a:p>
+        </p:txBody>
+      </p:sp>
+      <p:sp>
+        <p:nvSpPr>
+          <p:cNvPr id="6" name="Slide Number Placeholder 5"/>
+          <p:cNvSpPr>
+            <a:spLocks noGrp="1"/>
+          </p:cNvSpPr>
+          <p:nvPr>
+            <p:ph type="sldNum" sz="quarter" idx="12"/>
+          </p:nvPr>
+        </p:nvSpPr>
+        <p:spPr/>
+        <p:txBody>
+          <a:bodyPr/>
+          <a:lstStyle/>
+          <a:p>
+            <a:fld id="{597C4F9D-C1BC-482F-ACE4-604A1ED49A8D}" type="slidenum">
+              <a:rPr lang="en-US" smtClean="0"/>
+              <a:t>11</a:t>
+            </a:fld>
+            <a:endParaRPr lang="en-US"/>
           </a:p>
         </p:txBody>
       </p:sp>
@@ -6960,10 +7610,399 @@
   <p:clrMapOvr>
     <a:masterClrMapping/>
   </p:clrMapOvr>
+  <p:timing>
+    <p:tnLst>
+      <p:par>
+        <p:cTn id="1" dur="indefinite" restart="never" nodeType="tmRoot">
+          <p:childTnLst>
+            <p:seq concurrent="1" nextAc="seek">
+              <p:cTn id="2" dur="indefinite" nodeType="mainSeq">
+                <p:childTnLst>
+                  <p:par>
+                    <p:cTn id="3" fill="hold">
+                      <p:stCondLst>
+                        <p:cond delay="indefinite"/>
+                      </p:stCondLst>
+                      <p:childTnLst>
+                        <p:par>
+                          <p:cTn id="4" fill="hold">
+                            <p:stCondLst>
+                              <p:cond delay="0"/>
+                            </p:stCondLst>
+                            <p:childTnLst>
+                              <p:par>
+                                <p:cTn id="5" presetID="1" presetClass="entr" presetSubtype="0" fill="hold" nodeType="clickEffect">
+                                  <p:stCondLst>
+                                    <p:cond delay="0"/>
+                                  </p:stCondLst>
+                                  <p:childTnLst>
+                                    <p:set>
+                                      <p:cBhvr>
+                                        <p:cTn id="6" dur="1" fill="hold">
+                                          <p:stCondLst>
+                                            <p:cond delay="0"/>
+                                          </p:stCondLst>
+                                        </p:cTn>
+                                        <p:tgtEl>
+                                          <p:spTgt spid="3">
+                                            <p:txEl>
+                                              <p:pRg st="1" end="1"/>
+                                            </p:txEl>
+                                          </p:spTgt>
+                                        </p:tgtEl>
+                                        <p:attrNameLst>
+                                          <p:attrName>style.visibility</p:attrName>
+                                        </p:attrNameLst>
+                                      </p:cBhvr>
+                                      <p:to>
+                                        <p:strVal val="visible"/>
+                                      </p:to>
+                                    </p:set>
+                                  </p:childTnLst>
+                                </p:cTn>
+                              </p:par>
+                            </p:childTnLst>
+                          </p:cTn>
+                        </p:par>
+                      </p:childTnLst>
+                    </p:cTn>
+                  </p:par>
+                  <p:par>
+                    <p:cTn id="7" fill="hold">
+                      <p:stCondLst>
+                        <p:cond delay="indefinite"/>
+                      </p:stCondLst>
+                      <p:childTnLst>
+                        <p:par>
+                          <p:cTn id="8" fill="hold">
+                            <p:stCondLst>
+                              <p:cond delay="0"/>
+                            </p:stCondLst>
+                            <p:childTnLst>
+                              <p:par>
+                                <p:cTn id="9" presetID="1" presetClass="entr" presetSubtype="0" fill="hold" nodeType="clickEffect">
+                                  <p:stCondLst>
+                                    <p:cond delay="0"/>
+                                  </p:stCondLst>
+                                  <p:childTnLst>
+                                    <p:set>
+                                      <p:cBhvr>
+                                        <p:cTn id="10" dur="1" fill="hold">
+                                          <p:stCondLst>
+                                            <p:cond delay="0"/>
+                                          </p:stCondLst>
+                                        </p:cTn>
+                                        <p:tgtEl>
+                                          <p:spTgt spid="3">
+                                            <p:txEl>
+                                              <p:pRg st="2" end="2"/>
+                                            </p:txEl>
+                                          </p:spTgt>
+                                        </p:tgtEl>
+                                        <p:attrNameLst>
+                                          <p:attrName>style.visibility</p:attrName>
+                                        </p:attrNameLst>
+                                      </p:cBhvr>
+                                      <p:to>
+                                        <p:strVal val="visible"/>
+                                      </p:to>
+                                    </p:set>
+                                  </p:childTnLst>
+                                </p:cTn>
+                              </p:par>
+                            </p:childTnLst>
+                          </p:cTn>
+                        </p:par>
+                      </p:childTnLst>
+                    </p:cTn>
+                  </p:par>
+                  <p:par>
+                    <p:cTn id="11" fill="hold">
+                      <p:stCondLst>
+                        <p:cond delay="indefinite"/>
+                      </p:stCondLst>
+                      <p:childTnLst>
+                        <p:par>
+                          <p:cTn id="12" fill="hold">
+                            <p:stCondLst>
+                              <p:cond delay="0"/>
+                            </p:stCondLst>
+                            <p:childTnLst>
+                              <p:par>
+                                <p:cTn id="13" presetID="1" presetClass="entr" presetSubtype="0" fill="hold" nodeType="clickEffect">
+                                  <p:stCondLst>
+                                    <p:cond delay="0"/>
+                                  </p:stCondLst>
+                                  <p:childTnLst>
+                                    <p:set>
+                                      <p:cBhvr>
+                                        <p:cTn id="14" dur="1" fill="hold">
+                                          <p:stCondLst>
+                                            <p:cond delay="0"/>
+                                          </p:stCondLst>
+                                        </p:cTn>
+                                        <p:tgtEl>
+                                          <p:spTgt spid="3">
+                                            <p:txEl>
+                                              <p:pRg st="3" end="3"/>
+                                            </p:txEl>
+                                          </p:spTgt>
+                                        </p:tgtEl>
+                                        <p:attrNameLst>
+                                          <p:attrName>style.visibility</p:attrName>
+                                        </p:attrNameLst>
+                                      </p:cBhvr>
+                                      <p:to>
+                                        <p:strVal val="visible"/>
+                                      </p:to>
+                                    </p:set>
+                                  </p:childTnLst>
+                                </p:cTn>
+                              </p:par>
+                            </p:childTnLst>
+                          </p:cTn>
+                        </p:par>
+                      </p:childTnLst>
+                    </p:cTn>
+                  </p:par>
+                  <p:par>
+                    <p:cTn id="15" fill="hold">
+                      <p:stCondLst>
+                        <p:cond delay="indefinite"/>
+                      </p:stCondLst>
+                      <p:childTnLst>
+                        <p:par>
+                          <p:cTn id="16" fill="hold">
+                            <p:stCondLst>
+                              <p:cond delay="0"/>
+                            </p:stCondLst>
+                            <p:childTnLst>
+                              <p:par>
+                                <p:cTn id="17" presetID="1" presetClass="entr" presetSubtype="0" fill="hold" nodeType="clickEffect">
+                                  <p:stCondLst>
+                                    <p:cond delay="0"/>
+                                  </p:stCondLst>
+                                  <p:childTnLst>
+                                    <p:set>
+                                      <p:cBhvr>
+                                        <p:cTn id="18" dur="1" fill="hold">
+                                          <p:stCondLst>
+                                            <p:cond delay="0"/>
+                                          </p:stCondLst>
+                                        </p:cTn>
+                                        <p:tgtEl>
+                                          <p:spTgt spid="3">
+                                            <p:txEl>
+                                              <p:pRg st="4" end="4"/>
+                                            </p:txEl>
+                                          </p:spTgt>
+                                        </p:tgtEl>
+                                        <p:attrNameLst>
+                                          <p:attrName>style.visibility</p:attrName>
+                                        </p:attrNameLst>
+                                      </p:cBhvr>
+                                      <p:to>
+                                        <p:strVal val="visible"/>
+                                      </p:to>
+                                    </p:set>
+                                  </p:childTnLst>
+                                </p:cTn>
+                              </p:par>
+                            </p:childTnLst>
+                          </p:cTn>
+                        </p:par>
+                      </p:childTnLst>
+                    </p:cTn>
+                  </p:par>
+                </p:childTnLst>
+              </p:cTn>
+              <p:prevCondLst>
+                <p:cond evt="onPrev" delay="0">
+                  <p:tgtEl>
+                    <p:sldTgt/>
+                  </p:tgtEl>
+                </p:cond>
+              </p:prevCondLst>
+              <p:nextCondLst>
+                <p:cond evt="onNext" delay="0">
+                  <p:tgtEl>
+                    <p:sldTgt/>
+                  </p:tgtEl>
+                </p:cond>
+              </p:nextCondLst>
+            </p:seq>
+          </p:childTnLst>
+        </p:cTn>
+      </p:par>
+    </p:tnLst>
+  </p:timing>
 </p:sld>
 </file>
 
-<file path=ppt/slides/slide11.xml><?xml version="1.0" encoding="utf-8"?>
+<file path=ppt/slides/slide12.xml><?xml version="1.0" encoding="utf-8"?>
+<p:sld xmlns:a="http://schemas.openxmlformats.org/drawingml/2006/main" xmlns:r="http://schemas.openxmlformats.org/officeDocument/2006/relationships" xmlns:p="http://schemas.openxmlformats.org/presentationml/2006/main" show="0">
+  <p:cSld>
+    <p:spTree>
+      <p:nvGrpSpPr>
+        <p:cNvPr id="1" name=""/>
+        <p:cNvGrpSpPr/>
+        <p:nvPr/>
+      </p:nvGrpSpPr>
+      <p:grpSpPr>
+        <a:xfrm>
+          <a:off x="0" y="0"/>
+          <a:ext cx="0" cy="0"/>
+          <a:chOff x="0" y="0"/>
+          <a:chExt cx="0" cy="0"/>
+        </a:xfrm>
+      </p:grpSpPr>
+      <p:sp>
+        <p:nvSpPr>
+          <p:cNvPr id="2" name="Title 1"/>
+          <p:cNvSpPr>
+            <a:spLocks noGrp="1"/>
+          </p:cNvSpPr>
+          <p:nvPr>
+            <p:ph type="title"/>
+          </p:nvPr>
+        </p:nvSpPr>
+        <p:spPr/>
+        <p:txBody>
+          <a:bodyPr/>
+          <a:lstStyle/>
+          <a:p>
+            <a:r>
+              <a:rPr lang="en-US" dirty="0"/>
+              <a:t>Software Tool: </a:t>
+            </a:r>
+            <a:r>
+              <a:rPr lang="en-US" i="1" dirty="0" err="1"/>
+              <a:t>NetworkMine</a:t>
+            </a:r>
+            <a:endParaRPr lang="en-US" dirty="0"/>
+          </a:p>
+        </p:txBody>
+      </p:sp>
+      <p:pic>
+        <p:nvPicPr>
+          <p:cNvPr id="4" name="Picture 3"/>
+          <p:cNvPicPr>
+            <a:picLocks noChangeAspect="1"/>
+          </p:cNvPicPr>
+          <p:nvPr/>
+        </p:nvPicPr>
+        <p:blipFill>
+          <a:blip r:embed="rId2">
+            <a:extLst>
+              <a:ext uri="{28A0092B-C50C-407E-A947-70E740481C1C}">
+                <a14:useLocalDpi xmlns:a14="http://schemas.microsoft.com/office/drawing/2010/main" val="0"/>
+              </a:ext>
+            </a:extLst>
+          </a:blip>
+          <a:stretch>
+            <a:fillRect/>
+          </a:stretch>
+        </p:blipFill>
+        <p:spPr>
+          <a:xfrm>
+            <a:off x="1136608" y="1825848"/>
+            <a:ext cx="9955530" cy="4349311"/>
+          </a:xfrm>
+          <a:prstGeom prst="rect">
+            <a:avLst/>
+          </a:prstGeom>
+        </p:spPr>
+      </p:pic>
+      <p:sp>
+        <p:nvSpPr>
+          <p:cNvPr id="3" name="Date Placeholder 2"/>
+          <p:cNvSpPr>
+            <a:spLocks noGrp="1"/>
+          </p:cNvSpPr>
+          <p:nvPr>
+            <p:ph type="dt" sz="half" idx="10"/>
+          </p:nvPr>
+        </p:nvSpPr>
+        <p:spPr/>
+        <p:txBody>
+          <a:bodyPr/>
+          <a:lstStyle/>
+          <a:p>
+            <a:fld id="{EFA3C08D-9286-4AED-A2AB-3B5387E24D51}" type="datetime2">
+              <a:rPr lang="en-US" smtClean="0"/>
+              <a:t>Monday, March 28, 2016</a:t>
+            </a:fld>
+            <a:endParaRPr lang="en-US"/>
+          </a:p>
+        </p:txBody>
+      </p:sp>
+      <p:sp>
+        <p:nvSpPr>
+          <p:cNvPr id="5" name="Footer Placeholder 4"/>
+          <p:cNvSpPr>
+            <a:spLocks noGrp="1"/>
+          </p:cNvSpPr>
+          <p:nvPr>
+            <p:ph type="ftr" sz="quarter" idx="11"/>
+          </p:nvPr>
+        </p:nvSpPr>
+        <p:spPr/>
+        <p:txBody>
+          <a:bodyPr/>
+          <a:lstStyle/>
+          <a:p>
+            <a:r>
+              <a:rPr lang="en-US"/>
+              <a:t>Developer-Module Networks</a:t>
+            </a:r>
+          </a:p>
+        </p:txBody>
+      </p:sp>
+      <p:sp>
+        <p:nvSpPr>
+          <p:cNvPr id="6" name="Slide Number Placeholder 5"/>
+          <p:cNvSpPr>
+            <a:spLocks noGrp="1"/>
+          </p:cNvSpPr>
+          <p:nvPr>
+            <p:ph type="sldNum" sz="quarter" idx="12"/>
+          </p:nvPr>
+        </p:nvSpPr>
+        <p:spPr/>
+        <p:txBody>
+          <a:bodyPr/>
+          <a:lstStyle/>
+          <a:p>
+            <a:fld id="{597C4F9D-C1BC-482F-ACE4-604A1ED49A8D}" type="slidenum">
+              <a:rPr lang="en-US" smtClean="0"/>
+              <a:t>12</a:t>
+            </a:fld>
+            <a:endParaRPr lang="en-US"/>
+          </a:p>
+        </p:txBody>
+      </p:sp>
+    </p:spTree>
+    <p:extLst>
+      <p:ext uri="{BB962C8B-B14F-4D97-AF65-F5344CB8AC3E}">
+        <p14:creationId xmlns:p14="http://schemas.microsoft.com/office/powerpoint/2010/main" val="3094267991"/>
+      </p:ext>
+    </p:extLst>
+  </p:cSld>
+  <p:clrMapOvr>
+    <a:masterClrMapping/>
+  </p:clrMapOvr>
+  <mc:AlternateContent xmlns:mc="http://schemas.openxmlformats.org/markup-compatibility/2006">
+    <mc:Choice xmlns:p14="http://schemas.microsoft.com/office/powerpoint/2010/main" Requires="p14">
+      <p:transition spd="slow" p14:dur="2000"/>
+    </mc:Choice>
+    <mc:Fallback>
+      <p:transition spd="slow"/>
+    </mc:Fallback>
+  </mc:AlternateContent>
+</p:sld>
+</file>
+
+<file path=ppt/slides/slide13.xml><?xml version="1.0" encoding="utf-8"?>
 <p:sld xmlns:a="http://schemas.openxmlformats.org/drawingml/2006/main" xmlns:r="http://schemas.openxmlformats.org/officeDocument/2006/relationships" xmlns:p="http://schemas.openxmlformats.org/presentationml/2006/main">
   <p:cSld>
     <p:spTree>
@@ -7428,6 +8467,74 @@
           </a:prstGeom>
         </p:spPr>
       </p:pic>
+      <p:sp>
+        <p:nvSpPr>
+          <p:cNvPr id="8" name="Date Placeholder 7"/>
+          <p:cNvSpPr>
+            <a:spLocks noGrp="1"/>
+          </p:cNvSpPr>
+          <p:nvPr>
+            <p:ph type="dt" sz="half" idx="10"/>
+          </p:nvPr>
+        </p:nvSpPr>
+        <p:spPr/>
+        <p:txBody>
+          <a:bodyPr/>
+          <a:lstStyle/>
+          <a:p>
+            <a:fld id="{D8DDD801-4221-4D45-9AE5-731C10777F13}" type="datetime2">
+              <a:rPr lang="en-US" smtClean="0"/>
+              <a:t>Monday, March 28, 2016</a:t>
+            </a:fld>
+            <a:endParaRPr lang="en-US"/>
+          </a:p>
+        </p:txBody>
+      </p:sp>
+      <p:sp>
+        <p:nvSpPr>
+          <p:cNvPr id="9" name="Footer Placeholder 8"/>
+          <p:cNvSpPr>
+            <a:spLocks noGrp="1"/>
+          </p:cNvSpPr>
+          <p:nvPr>
+            <p:ph type="ftr" sz="quarter" idx="11"/>
+          </p:nvPr>
+        </p:nvSpPr>
+        <p:spPr/>
+        <p:txBody>
+          <a:bodyPr/>
+          <a:lstStyle/>
+          <a:p>
+            <a:r>
+              <a:rPr lang="en-US"/>
+              <a:t>Developer-Module Networks</a:t>
+            </a:r>
+          </a:p>
+        </p:txBody>
+      </p:sp>
+      <p:sp>
+        <p:nvSpPr>
+          <p:cNvPr id="10" name="Slide Number Placeholder 9"/>
+          <p:cNvSpPr>
+            <a:spLocks noGrp="1"/>
+          </p:cNvSpPr>
+          <p:nvPr>
+            <p:ph type="sldNum" sz="quarter" idx="12"/>
+          </p:nvPr>
+        </p:nvSpPr>
+        <p:spPr/>
+        <p:txBody>
+          <a:bodyPr/>
+          <a:lstStyle/>
+          <a:p>
+            <a:fld id="{597C4F9D-C1BC-482F-ACE4-604A1ED49A8D}" type="slidenum">
+              <a:rPr lang="en-US" smtClean="0"/>
+              <a:t>13</a:t>
+            </a:fld>
+            <a:endParaRPr lang="en-US"/>
+          </a:p>
+        </p:txBody>
+      </p:sp>
     </p:spTree>
     <p:extLst>
       <p:ext uri="{BB962C8B-B14F-4D97-AF65-F5344CB8AC3E}">
@@ -7441,7 +8548,7 @@
 </p:sld>
 </file>
 
-<file path=ppt/slides/slide12.xml><?xml version="1.0" encoding="utf-8"?>
+<file path=ppt/slides/slide14.xml><?xml version="1.0" encoding="utf-8"?>
 <p:sld xmlns:a="http://schemas.openxmlformats.org/drawingml/2006/main" xmlns:r="http://schemas.openxmlformats.org/officeDocument/2006/relationships" xmlns:p="http://schemas.openxmlformats.org/presentationml/2006/main">
   <p:cSld>
     <p:spTree>
@@ -7460,7 +8567,7 @@
       </p:grpSpPr>
       <p:sp>
         <p:nvSpPr>
-          <p:cNvPr id="2" name="Title 1"/>
+          <p:cNvPr id="4" name="Title 3"/>
           <p:cNvSpPr>
             <a:spLocks noGrp="1"/>
           </p:cNvSpPr>
@@ -7475,49 +8582,83 @@
           <a:p>
             <a:r>
               <a:rPr lang="en-US" dirty="0"/>
-              <a:t>Next Steps: </a:t>
-            </a:r>
-            <a:r>
-              <a:rPr lang="en-US" i="1" dirty="0"/>
-              <a:t>Software Tool</a:t>
-            </a:r>
-          </a:p>
-        </p:txBody>
-      </p:sp>
-      <p:pic>
-        <p:nvPicPr>
-          <p:cNvPr id="4" name="Picture 3"/>
-          <p:cNvPicPr>
-            <a:picLocks noChangeAspect="1"/>
-          </p:cNvPicPr>
-          <p:nvPr/>
-        </p:nvPicPr>
-        <p:blipFill>
-          <a:blip r:embed="rId2">
-            <a:extLst>
-              <a:ext uri="{28A0092B-C50C-407E-A947-70E740481C1C}">
-                <a14:useLocalDpi xmlns:a14="http://schemas.microsoft.com/office/drawing/2010/main" val="0"/>
-              </a:ext>
-            </a:extLst>
-          </a:blip>
-          <a:stretch>
-            <a:fillRect/>
-          </a:stretch>
-        </p:blipFill>
-        <p:spPr>
-          <a:xfrm>
-            <a:off x="1136608" y="1825848"/>
-            <a:ext cx="9955530" cy="4349311"/>
-          </a:xfrm>
-          <a:prstGeom prst="rect">
-            <a:avLst/>
-          </a:prstGeom>
-        </p:spPr>
-      </p:pic>
+              <a:t>Study Results</a:t>
+            </a:r>
+          </a:p>
+        </p:txBody>
+      </p:sp>
+      <p:sp>
+        <p:nvSpPr>
+          <p:cNvPr id="6" name="Date Placeholder 5"/>
+          <p:cNvSpPr>
+            <a:spLocks noGrp="1"/>
+          </p:cNvSpPr>
+          <p:nvPr>
+            <p:ph type="dt" sz="half" idx="10"/>
+          </p:nvPr>
+        </p:nvSpPr>
+        <p:spPr/>
+        <p:txBody>
+          <a:bodyPr/>
+          <a:lstStyle/>
+          <a:p>
+            <a:fld id="{B43CAB0D-796A-4821-88C7-DDB8F994C55F}" type="datetime2">
+              <a:rPr lang="en-US" smtClean="0"/>
+              <a:t>Monday, March 28, 2016</a:t>
+            </a:fld>
+            <a:endParaRPr lang="en-US"/>
+          </a:p>
+        </p:txBody>
+      </p:sp>
+      <p:sp>
+        <p:nvSpPr>
+          <p:cNvPr id="7" name="Footer Placeholder 6"/>
+          <p:cNvSpPr>
+            <a:spLocks noGrp="1"/>
+          </p:cNvSpPr>
+          <p:nvPr>
+            <p:ph type="ftr" sz="quarter" idx="11"/>
+          </p:nvPr>
+        </p:nvSpPr>
+        <p:spPr/>
+        <p:txBody>
+          <a:bodyPr/>
+          <a:lstStyle/>
+          <a:p>
+            <a:r>
+              <a:rPr lang="en-US"/>
+              <a:t>Developer-Module Networks</a:t>
+            </a:r>
+          </a:p>
+        </p:txBody>
+      </p:sp>
+      <p:sp>
+        <p:nvSpPr>
+          <p:cNvPr id="8" name="Slide Number Placeholder 7"/>
+          <p:cNvSpPr>
+            <a:spLocks noGrp="1"/>
+          </p:cNvSpPr>
+          <p:nvPr>
+            <p:ph type="sldNum" sz="quarter" idx="12"/>
+          </p:nvPr>
+        </p:nvSpPr>
+        <p:spPr/>
+        <p:txBody>
+          <a:bodyPr/>
+          <a:lstStyle/>
+          <a:p>
+            <a:fld id="{597C4F9D-C1BC-482F-ACE4-604A1ED49A8D}" type="slidenum">
+              <a:rPr lang="en-US" smtClean="0"/>
+              <a:t>14</a:t>
+            </a:fld>
+            <a:endParaRPr lang="en-US"/>
+          </a:p>
+        </p:txBody>
+      </p:sp>
     </p:spTree>
     <p:extLst>
       <p:ext uri="{BB962C8B-B14F-4D97-AF65-F5344CB8AC3E}">
-        <p14:creationId xmlns:p14="http://schemas.microsoft.com/office/powerpoint/2010/main" val="3094267991"/>
+        <p14:creationId xmlns:p14="http://schemas.microsoft.com/office/powerpoint/2010/main" val="726827501"/>
       </p:ext>
     </p:extLst>
   </p:cSld>
@@ -7527,7 +8668,7 @@
 </p:sld>
 </file>
 
-<file path=ppt/slides/slide13.xml><?xml version="1.0" encoding="utf-8"?>
+<file path=ppt/slides/slide15.xml><?xml version="1.0" encoding="utf-8"?>
 <p:sld xmlns:a="http://schemas.openxmlformats.org/drawingml/2006/main" xmlns:r="http://schemas.openxmlformats.org/officeDocument/2006/relationships" xmlns:p="http://schemas.openxmlformats.org/presentationml/2006/main">
   <p:cSld>
     <p:spTree>
@@ -7561,297 +8702,533 @@
           <a:p>
             <a:r>
               <a:rPr lang="en-US" dirty="0"/>
-              <a:t>Next Steps: </a:t>
-            </a:r>
-            <a:r>
-              <a:rPr lang="en-US" i="1" dirty="0"/>
-              <a:t>Software Tool</a:t>
-            </a:r>
-          </a:p>
-        </p:txBody>
-      </p:sp>
-      <p:pic>
-        <p:nvPicPr>
-          <p:cNvPr id="4" name="Picture 3"/>
-          <p:cNvPicPr>
-            <a:picLocks noChangeAspect="1"/>
-          </p:cNvPicPr>
-          <p:nvPr/>
-        </p:nvPicPr>
-        <p:blipFill>
-          <a:blip r:embed="rId2">
-            <a:extLst>
-              <a:ext uri="{28A0092B-C50C-407E-A947-70E740481C1C}">
-                <a14:useLocalDpi xmlns:a14="http://schemas.microsoft.com/office/drawing/2010/main" val="0"/>
-              </a:ext>
-            </a:extLst>
-          </a:blip>
-          <a:stretch>
-            <a:fillRect/>
-          </a:stretch>
-        </p:blipFill>
-        <p:spPr>
-          <a:xfrm>
-            <a:off x="1136608" y="1825848"/>
-            <a:ext cx="9955530" cy="4349311"/>
-          </a:xfrm>
-          <a:prstGeom prst="rect">
-            <a:avLst/>
-          </a:prstGeom>
-        </p:spPr>
-      </p:pic>
-      <p:sp>
-        <p:nvSpPr>
-          <p:cNvPr id="5" name="Rectangle 4"/>
-          <p:cNvSpPr/>
-          <p:nvPr/>
-        </p:nvSpPr>
-        <p:spPr>
-          <a:xfrm>
-            <a:off x="1179871" y="1845734"/>
-            <a:ext cx="3087329" cy="2028176"/>
-          </a:xfrm>
-          <a:prstGeom prst="rect">
-            <a:avLst/>
-          </a:prstGeom>
-          <a:noFill/>
-          <a:ln w="63500"/>
-        </p:spPr>
-        <p:style>
-          <a:lnRef idx="2">
-            <a:schemeClr val="accent1">
-              <a:shade val="50000"/>
-            </a:schemeClr>
-          </a:lnRef>
-          <a:fillRef idx="1">
-            <a:schemeClr val="accent1"/>
-          </a:fillRef>
-          <a:effectRef idx="0">
-            <a:schemeClr val="accent1"/>
-          </a:effectRef>
-          <a:fontRef idx="minor">
-            <a:schemeClr val="lt1"/>
-          </a:fontRef>
-        </p:style>
-        <p:txBody>
-          <a:bodyPr rtlCol="0" anchor="ctr"/>
+              <a:t>Projects Used in Study</a:t>
+            </a:r>
+          </a:p>
+        </p:txBody>
+      </p:sp>
+      <p:sp>
+        <p:nvSpPr>
+          <p:cNvPr id="3" name="Content Placeholder 2"/>
+          <p:cNvSpPr>
+            <a:spLocks noGrp="1"/>
+          </p:cNvSpPr>
+          <p:nvPr>
+            <p:ph idx="1"/>
+          </p:nvPr>
+        </p:nvSpPr>
+        <p:spPr/>
+        <p:txBody>
+          <a:bodyPr/>
           <a:lstStyle/>
           <a:p>
-            <a:pPr algn="ctr"/>
+            <a:pPr marL="58737" indent="0">
+              <a:buNone/>
+            </a:pPr>
+            <a:r>
+              <a:rPr lang="en-US" b="1" dirty="0"/>
+              <a:t>Project Statistics:</a:t>
+            </a:r>
+          </a:p>
+          <a:p>
+            <a:pPr marL="58737" indent="0">
+              <a:buNone/>
+            </a:pPr>
+            <a:endParaRPr lang="en-US" b="1" dirty="0"/>
+          </a:p>
+        </p:txBody>
+      </p:sp>
+      <p:graphicFrame>
+        <p:nvGraphicFramePr>
+          <p:cNvPr id="5" name="Table 4"/>
+          <p:cNvGraphicFramePr>
+            <a:graphicFrameLocks noGrp="1"/>
+          </p:cNvGraphicFramePr>
+          <p:nvPr>
+            <p:extLst>
+              <p:ext uri="{D42A27DB-BD31-4B8C-83A1-F6EECF244321}">
+                <p14:modId xmlns:p14="http://schemas.microsoft.com/office/powerpoint/2010/main" val="3312220035"/>
+              </p:ext>
+            </p:extLst>
+          </p:nvPr>
+        </p:nvGraphicFramePr>
+        <p:xfrm>
+          <a:off x="1793240" y="2526307"/>
+          <a:ext cx="8666478" cy="914400"/>
+        </p:xfrm>
+        <a:graphic>
+          <a:graphicData uri="http://schemas.openxmlformats.org/drawingml/2006/table">
+            <a:tbl>
+              <a:tblPr firstRow="1" bandRow="1">
+                <a:tableStyleId>{5C22544A-7EE6-4342-B048-85BDC9FD1C3A}</a:tableStyleId>
+              </a:tblPr>
+              <a:tblGrid>
+                <a:gridCol w="2888826">
+                  <a:extLst>
+                    <a:ext uri="{9D8B030D-6E8A-4147-A177-3AD203B41FA5}">
+                      <a16:colId xmlns:a16="http://schemas.microsoft.com/office/drawing/2014/main" val="643314803"/>
+                    </a:ext>
+                  </a:extLst>
+                </a:gridCol>
+                <a:gridCol w="2888826">
+                  <a:extLst>
+                    <a:ext uri="{9D8B030D-6E8A-4147-A177-3AD203B41FA5}">
+                      <a16:colId xmlns:a16="http://schemas.microsoft.com/office/drawing/2014/main" val="1177950111"/>
+                    </a:ext>
+                  </a:extLst>
+                </a:gridCol>
+                <a:gridCol w="2888826">
+                  <a:extLst>
+                    <a:ext uri="{9D8B030D-6E8A-4147-A177-3AD203B41FA5}">
+                      <a16:colId xmlns:a16="http://schemas.microsoft.com/office/drawing/2014/main" val="104661152"/>
+                    </a:ext>
+                  </a:extLst>
+                </a:gridCol>
+              </a:tblGrid>
+              <a:tr h="370840">
+                <a:tc>
+                  <a:txBody>
+                    <a:bodyPr/>
+                    <a:lstStyle/>
+                    <a:p>
+                      <a:pPr algn="ctr"/>
+                      <a:r>
+                        <a:rPr lang="en-US" sz="2400" dirty="0"/>
+                        <a:t>Max Contributors</a:t>
+                      </a:r>
+                    </a:p>
+                  </a:txBody>
+                  <a:tcPr/>
+                </a:tc>
+                <a:tc>
+                  <a:txBody>
+                    <a:bodyPr/>
+                    <a:lstStyle/>
+                    <a:p>
+                      <a:pPr algn="ctr"/>
+                      <a:r>
+                        <a:rPr lang="en-US" sz="2400" dirty="0"/>
+                        <a:t>Min Contributors</a:t>
+                      </a:r>
+                    </a:p>
+                  </a:txBody>
+                  <a:tcPr/>
+                </a:tc>
+                <a:tc>
+                  <a:txBody>
+                    <a:bodyPr/>
+                    <a:lstStyle/>
+                    <a:p>
+                      <a:pPr algn="ctr"/>
+                      <a:r>
+                        <a:rPr lang="en-US" sz="2400" dirty="0"/>
+                        <a:t>Average</a:t>
+                      </a:r>
+                      <a:r>
+                        <a:rPr lang="en-US" sz="2400" baseline="0" dirty="0"/>
+                        <a:t> Contributors</a:t>
+                      </a:r>
+                      <a:endParaRPr lang="en-US" sz="2400" dirty="0"/>
+                    </a:p>
+                  </a:txBody>
+                  <a:tcPr/>
+                </a:tc>
+                <a:extLst>
+                  <a:ext uri="{0D108BD9-81ED-4DB2-BD59-A6C34878D82A}">
+                    <a16:rowId xmlns:a16="http://schemas.microsoft.com/office/drawing/2014/main" val="78963249"/>
+                  </a:ext>
+                </a:extLst>
+              </a:tr>
+              <a:tr h="370840">
+                <a:tc>
+                  <a:txBody>
+                    <a:bodyPr/>
+                    <a:lstStyle/>
+                    <a:p>
+                      <a:pPr algn="ctr"/>
+                      <a:r>
+                        <a:rPr lang="en-US" sz="2400" dirty="0"/>
+                        <a:t>308</a:t>
+                      </a:r>
+                    </a:p>
+                  </a:txBody>
+                  <a:tcPr/>
+                </a:tc>
+                <a:tc>
+                  <a:txBody>
+                    <a:bodyPr/>
+                    <a:lstStyle/>
+                    <a:p>
+                      <a:pPr algn="ctr"/>
+                      <a:r>
+                        <a:rPr lang="en-US" sz="2400" dirty="0"/>
+                        <a:t>102</a:t>
+                      </a:r>
+                    </a:p>
+                  </a:txBody>
+                  <a:tcPr/>
+                </a:tc>
+                <a:tc>
+                  <a:txBody>
+                    <a:bodyPr/>
+                    <a:lstStyle/>
+                    <a:p>
+                      <a:pPr algn="ctr"/>
+                      <a:r>
+                        <a:rPr lang="en-US" sz="2400" dirty="0"/>
+                        <a:t>190.20</a:t>
+                      </a:r>
+                    </a:p>
+                  </a:txBody>
+                  <a:tcPr/>
+                </a:tc>
+                <a:extLst>
+                  <a:ext uri="{0D108BD9-81ED-4DB2-BD59-A6C34878D82A}">
+                    <a16:rowId xmlns:a16="http://schemas.microsoft.com/office/drawing/2014/main" val="1204660429"/>
+                  </a:ext>
+                </a:extLst>
+              </a:tr>
+            </a:tbl>
+          </a:graphicData>
+        </a:graphic>
+      </p:graphicFrame>
+      <p:graphicFrame>
+        <p:nvGraphicFramePr>
+          <p:cNvPr id="7" name="Table 6"/>
+          <p:cNvGraphicFramePr>
+            <a:graphicFrameLocks noGrp="1"/>
+          </p:cNvGraphicFramePr>
+          <p:nvPr>
+            <p:extLst>
+              <p:ext uri="{D42A27DB-BD31-4B8C-83A1-F6EECF244321}">
+                <p14:modId xmlns:p14="http://schemas.microsoft.com/office/powerpoint/2010/main" val="835438645"/>
+              </p:ext>
+            </p:extLst>
+          </p:nvPr>
+        </p:nvGraphicFramePr>
+        <p:xfrm>
+          <a:off x="2920971" y="3780993"/>
+          <a:ext cx="6411016" cy="914400"/>
+        </p:xfrm>
+        <a:graphic>
+          <a:graphicData uri="http://schemas.openxmlformats.org/drawingml/2006/table">
+            <a:tbl>
+              <a:tblPr firstRow="1" bandRow="1">
+                <a:tableStyleId>{5C22544A-7EE6-4342-B048-85BDC9FD1C3A}</a:tableStyleId>
+              </a:tblPr>
+              <a:tblGrid>
+                <a:gridCol w="1814490">
+                  <a:extLst>
+                    <a:ext uri="{9D8B030D-6E8A-4147-A177-3AD203B41FA5}">
+                      <a16:colId xmlns:a16="http://schemas.microsoft.com/office/drawing/2014/main" val="2296600065"/>
+                    </a:ext>
+                  </a:extLst>
+                </a:gridCol>
+                <a:gridCol w="2103949">
+                  <a:extLst>
+                    <a:ext uri="{9D8B030D-6E8A-4147-A177-3AD203B41FA5}">
+                      <a16:colId xmlns:a16="http://schemas.microsoft.com/office/drawing/2014/main" val="2275269473"/>
+                    </a:ext>
+                  </a:extLst>
+                </a:gridCol>
+                <a:gridCol w="2492577">
+                  <a:extLst>
+                    <a:ext uri="{9D8B030D-6E8A-4147-A177-3AD203B41FA5}">
+                      <a16:colId xmlns:a16="http://schemas.microsoft.com/office/drawing/2014/main" val="1429109194"/>
+                    </a:ext>
+                  </a:extLst>
+                </a:gridCol>
+              </a:tblGrid>
+              <a:tr h="370840">
+                <a:tc>
+                  <a:txBody>
+                    <a:bodyPr/>
+                    <a:lstStyle/>
+                    <a:p>
+                      <a:pPr algn="ctr"/>
+                      <a:r>
+                        <a:rPr lang="en-US" sz="2400" dirty="0"/>
+                        <a:t>Max Files</a:t>
+                      </a:r>
+                    </a:p>
+                  </a:txBody>
+                  <a:tcPr/>
+                </a:tc>
+                <a:tc>
+                  <a:txBody>
+                    <a:bodyPr/>
+                    <a:lstStyle/>
+                    <a:p>
+                      <a:pPr algn="ctr"/>
+                      <a:r>
+                        <a:rPr lang="en-US" sz="2400" dirty="0"/>
+                        <a:t>Min</a:t>
+                      </a:r>
+                      <a:r>
+                        <a:rPr lang="en-US" sz="2400" baseline="0" dirty="0"/>
+                        <a:t> Files</a:t>
+                      </a:r>
+                      <a:endParaRPr lang="en-US" sz="2400" dirty="0"/>
+                    </a:p>
+                  </a:txBody>
+                  <a:tcPr/>
+                </a:tc>
+                <a:tc>
+                  <a:txBody>
+                    <a:bodyPr/>
+                    <a:lstStyle/>
+                    <a:p>
+                      <a:pPr algn="ctr"/>
+                      <a:r>
+                        <a:rPr lang="en-US" sz="2400" dirty="0"/>
+                        <a:t>Average Files</a:t>
+                      </a:r>
+                    </a:p>
+                  </a:txBody>
+                  <a:tcPr/>
+                </a:tc>
+                <a:extLst>
+                  <a:ext uri="{0D108BD9-81ED-4DB2-BD59-A6C34878D82A}">
+                    <a16:rowId xmlns:a16="http://schemas.microsoft.com/office/drawing/2014/main" val="1737069292"/>
+                  </a:ext>
+                </a:extLst>
+              </a:tr>
+              <a:tr h="370840">
+                <a:tc>
+                  <a:txBody>
+                    <a:bodyPr/>
+                    <a:lstStyle/>
+                    <a:p>
+                      <a:pPr algn="ctr"/>
+                      <a:r>
+                        <a:rPr lang="en-US" sz="2400" dirty="0"/>
+                        <a:t>6,683</a:t>
+                      </a:r>
+                    </a:p>
+                  </a:txBody>
+                  <a:tcPr/>
+                </a:tc>
+                <a:tc>
+                  <a:txBody>
+                    <a:bodyPr/>
+                    <a:lstStyle/>
+                    <a:p>
+                      <a:pPr algn="ctr"/>
+                      <a:r>
+                        <a:rPr lang="en-US" sz="2400" dirty="0"/>
+                        <a:t>1,448</a:t>
+                      </a:r>
+                    </a:p>
+                  </a:txBody>
+                  <a:tcPr/>
+                </a:tc>
+                <a:tc>
+                  <a:txBody>
+                    <a:bodyPr/>
+                    <a:lstStyle/>
+                    <a:p>
+                      <a:pPr algn="ctr"/>
+                      <a:r>
+                        <a:rPr lang="en-US" sz="2400" dirty="0"/>
+                        <a:t>3,268.47</a:t>
+                      </a:r>
+                    </a:p>
+                  </a:txBody>
+                  <a:tcPr/>
+                </a:tc>
+                <a:extLst>
+                  <a:ext uri="{0D108BD9-81ED-4DB2-BD59-A6C34878D82A}">
+                    <a16:rowId xmlns:a16="http://schemas.microsoft.com/office/drawing/2014/main" val="892322457"/>
+                  </a:ext>
+                </a:extLst>
+              </a:tr>
+            </a:tbl>
+          </a:graphicData>
+        </a:graphic>
+      </p:graphicFrame>
+      <p:graphicFrame>
+        <p:nvGraphicFramePr>
+          <p:cNvPr id="6" name="Table 5"/>
+          <p:cNvGraphicFramePr>
+            <a:graphicFrameLocks noGrp="1"/>
+          </p:cNvGraphicFramePr>
+          <p:nvPr>
+            <p:extLst>
+              <p:ext uri="{D42A27DB-BD31-4B8C-83A1-F6EECF244321}">
+                <p14:modId xmlns:p14="http://schemas.microsoft.com/office/powerpoint/2010/main" val="2172237387"/>
+              </p:ext>
+            </p:extLst>
+          </p:nvPr>
+        </p:nvGraphicFramePr>
+        <p:xfrm>
+          <a:off x="2208282" y="5035679"/>
+          <a:ext cx="7836394" cy="914400"/>
+        </p:xfrm>
+        <a:graphic>
+          <a:graphicData uri="http://schemas.openxmlformats.org/drawingml/2006/table">
+            <a:tbl>
+              <a:tblPr firstRow="1" bandRow="1">
+                <a:tableStyleId>{5C22544A-7EE6-4342-B048-85BDC9FD1C3A}</a:tableStyleId>
+              </a:tblPr>
+              <a:tblGrid>
+                <a:gridCol w="3856323">
+                  <a:extLst>
+                    <a:ext uri="{9D8B030D-6E8A-4147-A177-3AD203B41FA5}">
+                      <a16:colId xmlns:a16="http://schemas.microsoft.com/office/drawing/2014/main" val="273718634"/>
+                    </a:ext>
+                  </a:extLst>
+                </a:gridCol>
+                <a:gridCol w="3980071">
+                  <a:extLst>
+                    <a:ext uri="{9D8B030D-6E8A-4147-A177-3AD203B41FA5}">
+                      <a16:colId xmlns:a16="http://schemas.microsoft.com/office/drawing/2014/main" val="2299929990"/>
+                    </a:ext>
+                  </a:extLst>
+                </a:gridCol>
+              </a:tblGrid>
+              <a:tr h="370840">
+                <a:tc>
+                  <a:txBody>
+                    <a:bodyPr/>
+                    <a:lstStyle/>
+                    <a:p>
+                      <a:pPr algn="ctr"/>
+                      <a:r>
+                        <a:rPr lang="en-US" sz="2400" dirty="0"/>
+                        <a:t>Average Commits Per</a:t>
+                      </a:r>
+                      <a:r>
+                        <a:rPr lang="en-US" sz="2400" baseline="0" dirty="0"/>
+                        <a:t> File</a:t>
+                      </a:r>
+                      <a:endParaRPr lang="en-US" sz="2400" dirty="0"/>
+                    </a:p>
+                  </a:txBody>
+                  <a:tcPr/>
+                </a:tc>
+                <a:tc>
+                  <a:txBody>
+                    <a:bodyPr/>
+                    <a:lstStyle/>
+                    <a:p>
+                      <a:pPr algn="ctr"/>
+                      <a:r>
+                        <a:rPr lang="en-US" sz="2400" dirty="0"/>
+                        <a:t>Average Bug Fixes Per File</a:t>
+                      </a:r>
+                    </a:p>
+                  </a:txBody>
+                  <a:tcPr/>
+                </a:tc>
+                <a:extLst>
+                  <a:ext uri="{0D108BD9-81ED-4DB2-BD59-A6C34878D82A}">
+                    <a16:rowId xmlns:a16="http://schemas.microsoft.com/office/drawing/2014/main" val="358548012"/>
+                  </a:ext>
+                </a:extLst>
+              </a:tr>
+              <a:tr h="370840">
+                <a:tc>
+                  <a:txBody>
+                    <a:bodyPr/>
+                    <a:lstStyle/>
+                    <a:p>
+                      <a:pPr algn="ctr"/>
+                      <a:r>
+                        <a:rPr lang="en-US" sz="2400" dirty="0"/>
+                        <a:t>26.9</a:t>
+                      </a:r>
+                    </a:p>
+                  </a:txBody>
+                  <a:tcPr/>
+                </a:tc>
+                <a:tc>
+                  <a:txBody>
+                    <a:bodyPr/>
+                    <a:lstStyle/>
+                    <a:p>
+                      <a:pPr algn="ctr"/>
+                      <a:r>
+                        <a:rPr lang="en-US" sz="2400" dirty="0"/>
+                        <a:t>4.33</a:t>
+                      </a:r>
+                    </a:p>
+                  </a:txBody>
+                  <a:tcPr/>
+                </a:tc>
+                <a:extLst>
+                  <a:ext uri="{0D108BD9-81ED-4DB2-BD59-A6C34878D82A}">
+                    <a16:rowId xmlns:a16="http://schemas.microsoft.com/office/drawing/2014/main" val="3399255093"/>
+                  </a:ext>
+                </a:extLst>
+              </a:tr>
+            </a:tbl>
+          </a:graphicData>
+        </a:graphic>
+      </p:graphicFrame>
+      <p:sp>
+        <p:nvSpPr>
+          <p:cNvPr id="8" name="Date Placeholder 7"/>
+          <p:cNvSpPr>
+            <a:spLocks noGrp="1"/>
+          </p:cNvSpPr>
+          <p:nvPr>
+            <p:ph type="dt" sz="half" idx="10"/>
+          </p:nvPr>
+        </p:nvSpPr>
+        <p:spPr/>
+        <p:txBody>
+          <a:bodyPr/>
+          <a:lstStyle/>
+          <a:p>
+            <a:fld id="{526DA3A0-7EA1-49F6-B159-50FA85814F43}" type="datetime2">
+              <a:rPr lang="en-US" smtClean="0"/>
+              <a:t>Monday, March 28, 2016</a:t>
+            </a:fld>
             <a:endParaRPr lang="en-US"/>
           </a:p>
         </p:txBody>
       </p:sp>
       <p:sp>
         <p:nvSpPr>
-          <p:cNvPr id="6" name="TextBox 5"/>
-          <p:cNvSpPr txBox="1"/>
-          <p:nvPr/>
-        </p:nvSpPr>
-        <p:spPr>
-          <a:xfrm>
-            <a:off x="1334814" y="3993931"/>
-            <a:ext cx="2785241" cy="646331"/>
-          </a:xfrm>
-          <a:prstGeom prst="rect">
-            <a:avLst/>
-          </a:prstGeom>
-          <a:noFill/>
-        </p:spPr>
-        <p:txBody>
-          <a:bodyPr wrap="square" rtlCol="0">
-            <a:spAutoFit/>
-          </a:bodyPr>
+          <p:cNvPr id="9" name="Footer Placeholder 8"/>
+          <p:cNvSpPr>
+            <a:spLocks noGrp="1"/>
+          </p:cNvSpPr>
+          <p:nvPr>
+            <p:ph type="ftr" sz="quarter" idx="11"/>
+          </p:nvPr>
+        </p:nvSpPr>
+        <p:spPr/>
+        <p:txBody>
+          <a:bodyPr/>
           <a:lstStyle/>
           <a:p>
-            <a:pPr algn="ctr"/>
-            <a:r>
-              <a:rPr lang="en-US" dirty="0"/>
-              <a:t>In the future, we will look at additional data sources.</a:t>
-            </a:r>
-          </a:p>
-        </p:txBody>
-      </p:sp>
-      <p:sp>
-        <p:nvSpPr>
-          <p:cNvPr id="15" name="Rectangle 14"/>
-          <p:cNvSpPr/>
-          <p:nvPr/>
-        </p:nvSpPr>
-        <p:spPr>
-          <a:xfrm>
-            <a:off x="1179870" y="1845734"/>
-            <a:ext cx="3087329" cy="2028176"/>
-          </a:xfrm>
-          <a:prstGeom prst="rect">
-            <a:avLst/>
-          </a:prstGeom>
-          <a:noFill/>
-          <a:ln w="63500">
-            <a:solidFill>
-              <a:srgbClr val="00B050"/>
-            </a:solidFill>
-          </a:ln>
-        </p:spPr>
-        <p:style>
-          <a:lnRef idx="2">
-            <a:schemeClr val="accent1">
-              <a:shade val="50000"/>
-            </a:schemeClr>
-          </a:lnRef>
-          <a:fillRef idx="1">
-            <a:schemeClr val="accent1"/>
-          </a:fillRef>
-          <a:effectRef idx="0">
-            <a:schemeClr val="accent1"/>
-          </a:effectRef>
-          <a:fontRef idx="minor">
-            <a:schemeClr val="lt1"/>
-          </a:fontRef>
-        </p:style>
-        <p:txBody>
-          <a:bodyPr rtlCol="0" anchor="ctr"/>
+            <a:r>
+              <a:rPr lang="en-US"/>
+              <a:t>Developer-Module Networks</a:t>
+            </a:r>
+          </a:p>
+        </p:txBody>
+      </p:sp>
+      <p:sp>
+        <p:nvSpPr>
+          <p:cNvPr id="10" name="Slide Number Placeholder 9"/>
+          <p:cNvSpPr>
+            <a:spLocks noGrp="1"/>
+          </p:cNvSpPr>
+          <p:nvPr>
+            <p:ph type="sldNum" sz="quarter" idx="12"/>
+          </p:nvPr>
+        </p:nvSpPr>
+        <p:spPr/>
+        <p:txBody>
+          <a:bodyPr/>
           <a:lstStyle/>
           <a:p>
-            <a:pPr algn="ctr"/>
-            <a:endParaRPr lang="en-US"/>
-          </a:p>
-        </p:txBody>
-      </p:sp>
-      <p:sp>
-        <p:nvSpPr>
-          <p:cNvPr id="16" name="Rectangle 15"/>
-          <p:cNvSpPr/>
-          <p:nvPr/>
-        </p:nvSpPr>
-        <p:spPr>
-          <a:xfrm>
-            <a:off x="8689512" y="2538513"/>
-            <a:ext cx="2505496" cy="1192659"/>
-          </a:xfrm>
-          <a:prstGeom prst="rect">
-            <a:avLst/>
-          </a:prstGeom>
-          <a:noFill/>
-          <a:ln w="63500">
-            <a:solidFill>
-              <a:srgbClr val="00B050"/>
-            </a:solidFill>
-          </a:ln>
-        </p:spPr>
-        <p:style>
-          <a:lnRef idx="2">
-            <a:schemeClr val="accent1">
-              <a:shade val="50000"/>
-            </a:schemeClr>
-          </a:lnRef>
-          <a:fillRef idx="1">
-            <a:schemeClr val="accent1"/>
-          </a:fillRef>
-          <a:effectRef idx="0">
-            <a:schemeClr val="accent1"/>
-          </a:effectRef>
-          <a:fontRef idx="minor">
-            <a:schemeClr val="lt1"/>
-          </a:fontRef>
-        </p:style>
-        <p:txBody>
-          <a:bodyPr rtlCol="0" anchor="ctr"/>
-          <a:lstStyle/>
-          <a:p>
-            <a:pPr algn="ctr"/>
-            <a:endParaRPr lang="en-US"/>
-          </a:p>
-        </p:txBody>
-      </p:sp>
-      <p:sp>
-        <p:nvSpPr>
-          <p:cNvPr id="17" name="Rectangle 16"/>
-          <p:cNvSpPr/>
-          <p:nvPr/>
-        </p:nvSpPr>
-        <p:spPr>
-          <a:xfrm>
-            <a:off x="7353558" y="4311840"/>
-            <a:ext cx="2505496" cy="1951807"/>
-          </a:xfrm>
-          <a:prstGeom prst="rect">
-            <a:avLst/>
-          </a:prstGeom>
-          <a:noFill/>
-          <a:ln w="63500">
-            <a:solidFill>
-              <a:srgbClr val="00B050"/>
-            </a:solidFill>
-          </a:ln>
-        </p:spPr>
-        <p:style>
-          <a:lnRef idx="2">
-            <a:schemeClr val="accent1">
-              <a:shade val="50000"/>
-            </a:schemeClr>
-          </a:lnRef>
-          <a:fillRef idx="1">
-            <a:schemeClr val="accent1"/>
-          </a:fillRef>
-          <a:effectRef idx="0">
-            <a:schemeClr val="accent1"/>
-          </a:effectRef>
-          <a:fontRef idx="minor">
-            <a:schemeClr val="lt1"/>
-          </a:fontRef>
-        </p:style>
-        <p:txBody>
-          <a:bodyPr rtlCol="0" anchor="ctr"/>
-          <a:lstStyle/>
-          <a:p>
-            <a:pPr algn="ctr"/>
-            <a:endParaRPr lang="en-US"/>
-          </a:p>
-        </p:txBody>
-      </p:sp>
-      <p:sp>
-        <p:nvSpPr>
-          <p:cNvPr id="18" name="Rectangle 17"/>
-          <p:cNvSpPr/>
-          <p:nvPr/>
-        </p:nvSpPr>
-        <p:spPr>
-          <a:xfrm>
-            <a:off x="3690704" y="4293872"/>
-            <a:ext cx="2505496" cy="1951807"/>
-          </a:xfrm>
-          <a:prstGeom prst="rect">
-            <a:avLst/>
-          </a:prstGeom>
-          <a:noFill/>
-          <a:ln w="63500">
-            <a:solidFill>
-              <a:srgbClr val="00B050"/>
-            </a:solidFill>
-          </a:ln>
-        </p:spPr>
-        <p:style>
-          <a:lnRef idx="2">
-            <a:schemeClr val="accent1">
-              <a:shade val="50000"/>
-            </a:schemeClr>
-          </a:lnRef>
-          <a:fillRef idx="1">
-            <a:schemeClr val="accent1"/>
-          </a:fillRef>
-          <a:effectRef idx="0">
-            <a:schemeClr val="accent1"/>
-          </a:effectRef>
-          <a:fontRef idx="minor">
-            <a:schemeClr val="lt1"/>
-          </a:fontRef>
-        </p:style>
-        <p:txBody>
-          <a:bodyPr rtlCol="0" anchor="ctr"/>
-          <a:lstStyle/>
-          <a:p>
-            <a:pPr algn="ctr"/>
+            <a:fld id="{597C4F9D-C1BC-482F-ACE4-604A1ED49A8D}" type="slidenum">
+              <a:rPr lang="en-US" smtClean="0"/>
+              <a:t>15</a:t>
+            </a:fld>
             <a:endParaRPr lang="en-US"/>
           </a:p>
         </p:txBody>
@@ -7859,7 +9236,7 @@
     </p:spTree>
     <p:extLst>
       <p:ext uri="{BB962C8B-B14F-4D97-AF65-F5344CB8AC3E}">
-        <p14:creationId xmlns:p14="http://schemas.microsoft.com/office/powerpoint/2010/main" val="3943938521"/>
+        <p14:creationId xmlns:p14="http://schemas.microsoft.com/office/powerpoint/2010/main" val="4211023800"/>
       </p:ext>
     </p:extLst>
   </p:cSld>
@@ -7887,7 +9264,7 @@
                             </p:stCondLst>
                             <p:childTnLst>
                               <p:par>
-                                <p:cTn id="5" presetID="10" presetClass="entr" presetSubtype="0" fill="hold" grpId="0" nodeType="clickEffect">
+                                <p:cTn id="5" presetID="1" presetClass="entr" presetSubtype="0" fill="hold" nodeType="clickEffect">
                                   <p:stCondLst>
                                     <p:cond delay="0"/>
                                   </p:stCondLst>
@@ -7895,6 +9272,51 @@
                                     <p:set>
                                       <p:cBhvr>
                                         <p:cTn id="6" dur="1" fill="hold">
+                                          <p:stCondLst>
+                                            <p:cond delay="0"/>
+                                          </p:stCondLst>
+                                        </p:cTn>
+                                        <p:tgtEl>
+                                          <p:spTgt spid="7"/>
+                                        </p:tgtEl>
+                                        <p:attrNameLst>
+                                          <p:attrName>style.visibility</p:attrName>
+                                        </p:attrNameLst>
+                                      </p:cBhvr>
+                                      <p:to>
+                                        <p:strVal val="visible"/>
+                                      </p:to>
+                                    </p:set>
+                                  </p:childTnLst>
+                                </p:cTn>
+                              </p:par>
+                            </p:childTnLst>
+                          </p:cTn>
+                        </p:par>
+                      </p:childTnLst>
+                    </p:cTn>
+                  </p:par>
+                  <p:par>
+                    <p:cTn id="7" fill="hold">
+                      <p:stCondLst>
+                        <p:cond delay="indefinite"/>
+                      </p:stCondLst>
+                      <p:childTnLst>
+                        <p:par>
+                          <p:cTn id="8" fill="hold">
+                            <p:stCondLst>
+                              <p:cond delay="0"/>
+                            </p:stCondLst>
+                            <p:childTnLst>
+                              <p:par>
+                                <p:cTn id="9" presetID="1" presetClass="entr" presetSubtype="0" fill="hold" nodeType="clickEffect">
+                                  <p:stCondLst>
+                                    <p:cond delay="0"/>
+                                  </p:stCondLst>
+                                  <p:childTnLst>
+                                    <p:set>
+                                      <p:cBhvr>
+                                        <p:cTn id="10" dur="1" fill="hold">
                                           <p:stCondLst>
                                             <p:cond delay="0"/>
                                           </p:stCondLst>
@@ -7908,154 +9330,6 @@
                                       </p:cBhvr>
                                       <p:to>
                                         <p:strVal val="visible"/>
-                                      </p:to>
-                                    </p:set>
-                                    <p:animEffect transition="in" filter="fade">
-                                      <p:cBhvr>
-                                        <p:cTn id="7" dur="500"/>
-                                        <p:tgtEl>
-                                          <p:spTgt spid="6"/>
-                                        </p:tgtEl>
-                                      </p:cBhvr>
-                                    </p:animEffect>
-                                  </p:childTnLst>
-                                </p:cTn>
-                              </p:par>
-                              <p:par>
-                                <p:cTn id="8" presetID="10" presetClass="exit" presetSubtype="0" fill="hold" grpId="0" nodeType="withEffect">
-                                  <p:stCondLst>
-                                    <p:cond delay="0"/>
-                                  </p:stCondLst>
-                                  <p:childTnLst>
-                                    <p:animEffect transition="out" filter="fade">
-                                      <p:cBhvr>
-                                        <p:cTn id="9" dur="500"/>
-                                        <p:tgtEl>
-                                          <p:spTgt spid="18"/>
-                                        </p:tgtEl>
-                                      </p:cBhvr>
-                                    </p:animEffect>
-                                    <p:set>
-                                      <p:cBhvr>
-                                        <p:cTn id="10" dur="1" fill="hold">
-                                          <p:stCondLst>
-                                            <p:cond delay="499"/>
-                                          </p:stCondLst>
-                                        </p:cTn>
-                                        <p:tgtEl>
-                                          <p:spTgt spid="18"/>
-                                        </p:tgtEl>
-                                        <p:attrNameLst>
-                                          <p:attrName>style.visibility</p:attrName>
-                                        </p:attrNameLst>
-                                      </p:cBhvr>
-                                      <p:to>
-                                        <p:strVal val="hidden"/>
-                                      </p:to>
-                                    </p:set>
-                                  </p:childTnLst>
-                                </p:cTn>
-                              </p:par>
-                              <p:par>
-                                <p:cTn id="11" presetID="10" presetClass="exit" presetSubtype="0" fill="hold" grpId="0" nodeType="withEffect">
-                                  <p:stCondLst>
-                                    <p:cond delay="0"/>
-                                  </p:stCondLst>
-                                  <p:childTnLst>
-                                    <p:animEffect transition="out" filter="fade">
-                                      <p:cBhvr>
-                                        <p:cTn id="12" dur="500"/>
-                                        <p:tgtEl>
-                                          <p:spTgt spid="17"/>
-                                        </p:tgtEl>
-                                      </p:cBhvr>
-                                    </p:animEffect>
-                                    <p:set>
-                                      <p:cBhvr>
-                                        <p:cTn id="13" dur="1" fill="hold">
-                                          <p:stCondLst>
-                                            <p:cond delay="499"/>
-                                          </p:stCondLst>
-                                        </p:cTn>
-                                        <p:tgtEl>
-                                          <p:spTgt spid="17"/>
-                                        </p:tgtEl>
-                                        <p:attrNameLst>
-                                          <p:attrName>style.visibility</p:attrName>
-                                        </p:attrNameLst>
-                                      </p:cBhvr>
-                                      <p:to>
-                                        <p:strVal val="hidden"/>
-                                      </p:to>
-                                    </p:set>
-                                  </p:childTnLst>
-                                </p:cTn>
-                              </p:par>
-                              <p:par>
-                                <p:cTn id="14" presetID="10" presetClass="exit" presetSubtype="0" fill="hold" grpId="0" nodeType="withEffect">
-                                  <p:stCondLst>
-                                    <p:cond delay="0"/>
-                                  </p:stCondLst>
-                                  <p:childTnLst>
-                                    <p:animEffect transition="out" filter="fade">
-                                      <p:cBhvr>
-                                        <p:cTn id="15" dur="500"/>
-                                        <p:tgtEl>
-                                          <p:spTgt spid="16"/>
-                                        </p:tgtEl>
-                                      </p:cBhvr>
-                                    </p:animEffect>
-                                    <p:set>
-                                      <p:cBhvr>
-                                        <p:cTn id="16" dur="1" fill="hold">
-                                          <p:stCondLst>
-                                            <p:cond delay="499"/>
-                                          </p:stCondLst>
-                                        </p:cTn>
-                                        <p:tgtEl>
-                                          <p:spTgt spid="16"/>
-                                        </p:tgtEl>
-                                        <p:attrNameLst>
-                                          <p:attrName>style.visibility</p:attrName>
-                                        </p:attrNameLst>
-                                      </p:cBhvr>
-                                      <p:to>
-                                        <p:strVal val="hidden"/>
-                                      </p:to>
-                                    </p:set>
-                                  </p:childTnLst>
-                                </p:cTn>
-                              </p:par>
-                              <p:par>
-                                <p:cTn id="17" presetID="10" presetClass="exit" presetSubtype="0" fill="hold" grpId="0" nodeType="withEffect">
-                                  <p:stCondLst>
-                                    <p:cond delay="0"/>
-                                  </p:stCondLst>
-                                  <p:childTnLst>
-                                    <p:animEffect transition="out" filter="fade">
-                                      <p:cBhvr>
-                                        <p:cTn id="18" dur="500"/>
-                                        <p:tgtEl>
-                                          <p:spTgt spid="15"/>
-                                        </p:tgtEl>
-                                      </p:cBhvr>
-                                    </p:animEffect>
-                                    <p:set>
-                                      <p:cBhvr>
-                                        <p:cTn id="19" dur="1" fill="hold">
-                                          <p:stCondLst>
-                                            <p:cond delay="499"/>
-                                          </p:stCondLst>
-                                        </p:cTn>
-                                        <p:tgtEl>
-                                          <p:spTgt spid="15"/>
-                                        </p:tgtEl>
-                                        <p:attrNameLst>
-                                          <p:attrName>style.visibility</p:attrName>
-                                        </p:attrNameLst>
-                                      </p:cBhvr>
-                                      <p:to>
-                                        <p:strVal val="hidden"/>
                                       </p:to>
                                     </p:set>
                                   </p:childTnLst>
@@ -8088,18 +9362,11 @@
         </p:cTn>
       </p:par>
     </p:tnLst>
-    <p:bldLst>
-      <p:bldP spid="6" grpId="0"/>
-      <p:bldP spid="15" grpId="0" animBg="1"/>
-      <p:bldP spid="16" grpId="0" animBg="1"/>
-      <p:bldP spid="17" grpId="0" animBg="1"/>
-      <p:bldP spid="18" grpId="0" animBg="1"/>
-    </p:bldLst>
   </p:timing>
 </p:sld>
 </file>
 
-<file path=ppt/slides/slide14.xml><?xml version="1.0" encoding="utf-8"?>
+<file path=ppt/slides/slide16.xml><?xml version="1.0" encoding="utf-8"?>
 <p:sld xmlns:a="http://schemas.openxmlformats.org/drawingml/2006/main" xmlns:r="http://schemas.openxmlformats.org/officeDocument/2006/relationships" xmlns:p="http://schemas.openxmlformats.org/presentationml/2006/main">
   <p:cSld>
     <p:spTree>
@@ -8133,7 +9400,11 @@
           <a:p>
             <a:r>
               <a:rPr lang="en-US" dirty="0"/>
-              <a:t>Projects Used in Study</a:t>
+              <a:t>Spearman Correlation: </a:t>
+            </a:r>
+            <a:r>
+              <a:rPr lang="en-US" i="1" dirty="0"/>
+              <a:t>All Projects</a:t>
             </a:r>
           </a:p>
         </p:txBody>
@@ -8155,495 +9426,13 @@
           <a:p>
             <a:r>
               <a:rPr lang="en-US" dirty="0"/>
-              <a:t>We performed our methodology on 15 different GitHub projects.</a:t>
-            </a:r>
-          </a:p>
-          <a:p>
-            <a:pPr marL="58737" indent="0">
-              <a:buNone/>
-            </a:pPr>
-            <a:endParaRPr lang="en-US" sz="900" dirty="0"/>
-          </a:p>
-          <a:p>
-            <a:pPr marL="58737" indent="0">
-              <a:buNone/>
-            </a:pPr>
-            <a:r>
-              <a:rPr lang="en-US" b="1" dirty="0"/>
-              <a:t>Project Statistics:</a:t>
-            </a:r>
-          </a:p>
-          <a:p>
-            <a:pPr marL="58737" indent="0">
-              <a:buNone/>
-            </a:pPr>
-            <a:endParaRPr lang="en-US" b="1" dirty="0"/>
-          </a:p>
-        </p:txBody>
-      </p:sp>
-      <p:graphicFrame>
-        <p:nvGraphicFramePr>
-          <p:cNvPr id="5" name="Table 4"/>
-          <p:cNvGraphicFramePr>
-            <a:graphicFrameLocks noGrp="1"/>
-          </p:cNvGraphicFramePr>
-          <p:nvPr>
-            <p:extLst>
-              <p:ext uri="{D42A27DB-BD31-4B8C-83A1-F6EECF244321}">
-                <p14:modId xmlns:p14="http://schemas.microsoft.com/office/powerpoint/2010/main" val="3364207364"/>
-              </p:ext>
-            </p:extLst>
-          </p:nvPr>
-        </p:nvGraphicFramePr>
-        <p:xfrm>
-          <a:off x="2062480" y="3926238"/>
-          <a:ext cx="8127999" cy="741680"/>
-        </p:xfrm>
-        <a:graphic>
-          <a:graphicData uri="http://schemas.openxmlformats.org/drawingml/2006/table">
-            <a:tbl>
-              <a:tblPr firstRow="1" bandRow="1">
-                <a:tableStyleId>{5C22544A-7EE6-4342-B048-85BDC9FD1C3A}</a:tableStyleId>
-              </a:tblPr>
-              <a:tblGrid>
-                <a:gridCol w="2709333">
-                  <a:extLst>
-                    <a:ext uri="{9D8B030D-6E8A-4147-A177-3AD203B41FA5}">
-                      <a16:colId xmlns:a16="http://schemas.microsoft.com/office/drawing/2014/main" val="643314803"/>
-                    </a:ext>
-                  </a:extLst>
-                </a:gridCol>
-                <a:gridCol w="2709333">
-                  <a:extLst>
-                    <a:ext uri="{9D8B030D-6E8A-4147-A177-3AD203B41FA5}">
-                      <a16:colId xmlns:a16="http://schemas.microsoft.com/office/drawing/2014/main" val="1177950111"/>
-                    </a:ext>
-                  </a:extLst>
-                </a:gridCol>
-                <a:gridCol w="2709333">
-                  <a:extLst>
-                    <a:ext uri="{9D8B030D-6E8A-4147-A177-3AD203B41FA5}">
-                      <a16:colId xmlns:a16="http://schemas.microsoft.com/office/drawing/2014/main" val="104661152"/>
-                    </a:ext>
-                  </a:extLst>
-                </a:gridCol>
-              </a:tblGrid>
-              <a:tr h="370840">
-                <a:tc>
-                  <a:txBody>
-                    <a:bodyPr/>
-                    <a:lstStyle/>
-                    <a:p>
-                      <a:pPr algn="ctr"/>
-                      <a:r>
-                        <a:rPr lang="en-US" dirty="0"/>
-                        <a:t>Max Contributors</a:t>
-                      </a:r>
-                    </a:p>
-                  </a:txBody>
-                  <a:tcPr/>
-                </a:tc>
-                <a:tc>
-                  <a:txBody>
-                    <a:bodyPr/>
-                    <a:lstStyle/>
-                    <a:p>
-                      <a:pPr algn="ctr"/>
-                      <a:r>
-                        <a:rPr lang="en-US" dirty="0"/>
-                        <a:t>Min Contributors</a:t>
-                      </a:r>
-                    </a:p>
-                  </a:txBody>
-                  <a:tcPr/>
-                </a:tc>
-                <a:tc>
-                  <a:txBody>
-                    <a:bodyPr/>
-                    <a:lstStyle/>
-                    <a:p>
-                      <a:pPr algn="ctr"/>
-                      <a:r>
-                        <a:rPr lang="en-US" dirty="0"/>
-                        <a:t>Average</a:t>
-                      </a:r>
-                      <a:r>
-                        <a:rPr lang="en-US" baseline="0" dirty="0"/>
-                        <a:t> Contributors</a:t>
-                      </a:r>
-                      <a:endParaRPr lang="en-US" dirty="0"/>
-                    </a:p>
-                  </a:txBody>
-                  <a:tcPr/>
-                </a:tc>
-                <a:extLst>
-                  <a:ext uri="{0D108BD9-81ED-4DB2-BD59-A6C34878D82A}">
-                    <a16:rowId xmlns:a16="http://schemas.microsoft.com/office/drawing/2014/main" val="78963249"/>
-                  </a:ext>
-                </a:extLst>
-              </a:tr>
-              <a:tr h="370840">
-                <a:tc>
-                  <a:txBody>
-                    <a:bodyPr/>
-                    <a:lstStyle/>
-                    <a:p>
-                      <a:pPr algn="ctr"/>
-                      <a:r>
-                        <a:rPr lang="en-US" dirty="0"/>
-                        <a:t>308</a:t>
-                      </a:r>
-                    </a:p>
-                  </a:txBody>
-                  <a:tcPr/>
-                </a:tc>
-                <a:tc>
-                  <a:txBody>
-                    <a:bodyPr/>
-                    <a:lstStyle/>
-                    <a:p>
-                      <a:pPr algn="ctr"/>
-                      <a:r>
-                        <a:rPr lang="en-US" dirty="0"/>
-                        <a:t>102</a:t>
-                      </a:r>
-                    </a:p>
-                  </a:txBody>
-                  <a:tcPr/>
-                </a:tc>
-                <a:tc>
-                  <a:txBody>
-                    <a:bodyPr/>
-                    <a:lstStyle/>
-                    <a:p>
-                      <a:pPr algn="ctr"/>
-                      <a:r>
-                        <a:rPr lang="en-US" dirty="0"/>
-                        <a:t>190.20</a:t>
-                      </a:r>
-                    </a:p>
-                  </a:txBody>
-                  <a:tcPr/>
-                </a:tc>
-                <a:extLst>
-                  <a:ext uri="{0D108BD9-81ED-4DB2-BD59-A6C34878D82A}">
-                    <a16:rowId xmlns:a16="http://schemas.microsoft.com/office/drawing/2014/main" val="1204660429"/>
-                  </a:ext>
-                </a:extLst>
-              </a:tr>
-            </a:tbl>
-          </a:graphicData>
-        </a:graphic>
-      </p:graphicFrame>
-      <p:graphicFrame>
-        <p:nvGraphicFramePr>
-          <p:cNvPr id="7" name="Table 6"/>
-          <p:cNvGraphicFramePr>
-            <a:graphicFrameLocks noGrp="1"/>
-          </p:cNvGraphicFramePr>
-          <p:nvPr>
-            <p:extLst>
-              <p:ext uri="{D42A27DB-BD31-4B8C-83A1-F6EECF244321}">
-                <p14:modId xmlns:p14="http://schemas.microsoft.com/office/powerpoint/2010/main" val="3922781159"/>
-              </p:ext>
-            </p:extLst>
-          </p:nvPr>
-        </p:nvGraphicFramePr>
-        <p:xfrm>
-          <a:off x="1097280" y="5117498"/>
-          <a:ext cx="10058400" cy="741680"/>
-        </p:xfrm>
-        <a:graphic>
-          <a:graphicData uri="http://schemas.openxmlformats.org/drawingml/2006/table">
-            <a:tbl>
-              <a:tblPr firstRow="1" bandRow="1">
-                <a:tableStyleId>{5C22544A-7EE6-4342-B048-85BDC9FD1C3A}</a:tableStyleId>
-              </a:tblPr>
-              <a:tblGrid>
-                <a:gridCol w="1331288">
-                  <a:extLst>
-                    <a:ext uri="{9D8B030D-6E8A-4147-A177-3AD203B41FA5}">
-                      <a16:colId xmlns:a16="http://schemas.microsoft.com/office/drawing/2014/main" val="2296600065"/>
-                    </a:ext>
-                  </a:extLst>
-                </a:gridCol>
-                <a:gridCol w="1543664">
-                  <a:extLst>
-                    <a:ext uri="{9D8B030D-6E8A-4147-A177-3AD203B41FA5}">
-                      <a16:colId xmlns:a16="http://schemas.microsoft.com/office/drawing/2014/main" val="2275269473"/>
-                    </a:ext>
-                  </a:extLst>
-                </a:gridCol>
-                <a:gridCol w="1828800">
-                  <a:extLst>
-                    <a:ext uri="{9D8B030D-6E8A-4147-A177-3AD203B41FA5}">
-                      <a16:colId xmlns:a16="http://schemas.microsoft.com/office/drawing/2014/main" val="1429109194"/>
-                    </a:ext>
-                  </a:extLst>
-                </a:gridCol>
-                <a:gridCol w="2635045">
-                  <a:extLst>
-                    <a:ext uri="{9D8B030D-6E8A-4147-A177-3AD203B41FA5}">
-                      <a16:colId xmlns:a16="http://schemas.microsoft.com/office/drawing/2014/main" val="206426635"/>
-                    </a:ext>
-                  </a:extLst>
-                </a:gridCol>
-                <a:gridCol w="2719603">
-                  <a:extLst>
-                    <a:ext uri="{9D8B030D-6E8A-4147-A177-3AD203B41FA5}">
-                      <a16:colId xmlns:a16="http://schemas.microsoft.com/office/drawing/2014/main" val="3148064752"/>
-                    </a:ext>
-                  </a:extLst>
-                </a:gridCol>
-              </a:tblGrid>
-              <a:tr h="370840">
-                <a:tc>
-                  <a:txBody>
-                    <a:bodyPr/>
-                    <a:lstStyle/>
-                    <a:p>
-                      <a:pPr algn="ctr"/>
-                      <a:r>
-                        <a:rPr lang="en-US" dirty="0"/>
-                        <a:t>Max Files</a:t>
-                      </a:r>
-                    </a:p>
-                  </a:txBody>
-                  <a:tcPr/>
-                </a:tc>
-                <a:tc>
-                  <a:txBody>
-                    <a:bodyPr/>
-                    <a:lstStyle/>
-                    <a:p>
-                      <a:pPr algn="ctr"/>
-                      <a:r>
-                        <a:rPr lang="en-US" dirty="0"/>
-                        <a:t>Min</a:t>
-                      </a:r>
-                      <a:r>
-                        <a:rPr lang="en-US" baseline="0" dirty="0"/>
-                        <a:t> Files</a:t>
-                      </a:r>
-                      <a:endParaRPr lang="en-US" dirty="0"/>
-                    </a:p>
-                  </a:txBody>
-                  <a:tcPr/>
-                </a:tc>
-                <a:tc>
-                  <a:txBody>
-                    <a:bodyPr/>
-                    <a:lstStyle/>
-                    <a:p>
-                      <a:pPr algn="ctr"/>
-                      <a:r>
-                        <a:rPr lang="en-US" dirty="0"/>
-                        <a:t>Average Files</a:t>
-                      </a:r>
-                    </a:p>
-                  </a:txBody>
-                  <a:tcPr/>
-                </a:tc>
-                <a:tc>
-                  <a:txBody>
-                    <a:bodyPr/>
-                    <a:lstStyle/>
-                    <a:p>
-                      <a:pPr algn="ctr"/>
-                      <a:r>
-                        <a:rPr lang="en-US" dirty="0"/>
-                        <a:t>Average Commits Per</a:t>
-                      </a:r>
-                      <a:r>
-                        <a:rPr lang="en-US" baseline="0" dirty="0"/>
-                        <a:t> File</a:t>
-                      </a:r>
-                      <a:endParaRPr lang="en-US" dirty="0"/>
-                    </a:p>
-                  </a:txBody>
-                  <a:tcPr/>
-                </a:tc>
-                <a:tc>
-                  <a:txBody>
-                    <a:bodyPr/>
-                    <a:lstStyle/>
-                    <a:p>
-                      <a:pPr algn="ctr"/>
-                      <a:r>
-                        <a:rPr lang="en-US" dirty="0"/>
-                        <a:t>Average Bug Fixes Per File</a:t>
-                      </a:r>
-                    </a:p>
-                  </a:txBody>
-                  <a:tcPr/>
-                </a:tc>
-                <a:extLst>
-                  <a:ext uri="{0D108BD9-81ED-4DB2-BD59-A6C34878D82A}">
-                    <a16:rowId xmlns:a16="http://schemas.microsoft.com/office/drawing/2014/main" val="1737069292"/>
-                  </a:ext>
-                </a:extLst>
-              </a:tr>
-              <a:tr h="370840">
-                <a:tc>
-                  <a:txBody>
-                    <a:bodyPr/>
-                    <a:lstStyle/>
-                    <a:p>
-                      <a:pPr algn="ctr"/>
-                      <a:r>
-                        <a:rPr lang="en-US" dirty="0"/>
-                        <a:t>6,683</a:t>
-                      </a:r>
-                    </a:p>
-                  </a:txBody>
-                  <a:tcPr/>
-                </a:tc>
-                <a:tc>
-                  <a:txBody>
-                    <a:bodyPr/>
-                    <a:lstStyle/>
-                    <a:p>
-                      <a:pPr algn="ctr"/>
-                      <a:r>
-                        <a:rPr lang="en-US" dirty="0"/>
-                        <a:t>1,448</a:t>
-                      </a:r>
-                    </a:p>
-                  </a:txBody>
-                  <a:tcPr/>
-                </a:tc>
-                <a:tc>
-                  <a:txBody>
-                    <a:bodyPr/>
-                    <a:lstStyle/>
-                    <a:p>
-                      <a:pPr algn="ctr"/>
-                      <a:r>
-                        <a:rPr lang="en-US" dirty="0"/>
-                        <a:t>3,268.47</a:t>
-                      </a:r>
-                    </a:p>
-                  </a:txBody>
-                  <a:tcPr/>
-                </a:tc>
-                <a:tc>
-                  <a:txBody>
-                    <a:bodyPr/>
-                    <a:lstStyle/>
-                    <a:p>
-                      <a:pPr algn="ctr"/>
-                      <a:r>
-                        <a:rPr lang="en-US" dirty="0"/>
-                        <a:t>26.9</a:t>
-                      </a:r>
-                    </a:p>
-                  </a:txBody>
-                  <a:tcPr/>
-                </a:tc>
-                <a:tc>
-                  <a:txBody>
-                    <a:bodyPr/>
-                    <a:lstStyle/>
-                    <a:p>
-                      <a:pPr algn="ctr"/>
-                      <a:r>
-                        <a:rPr lang="en-US" dirty="0"/>
-                        <a:t>4.33</a:t>
-                      </a:r>
-                    </a:p>
-                  </a:txBody>
-                  <a:tcPr/>
-                </a:tc>
-                <a:extLst>
-                  <a:ext uri="{0D108BD9-81ED-4DB2-BD59-A6C34878D82A}">
-                    <a16:rowId xmlns:a16="http://schemas.microsoft.com/office/drawing/2014/main" val="892322457"/>
-                  </a:ext>
-                </a:extLst>
-              </a:tr>
-            </a:tbl>
-          </a:graphicData>
-        </a:graphic>
-      </p:graphicFrame>
-    </p:spTree>
-    <p:extLst>
-      <p:ext uri="{BB962C8B-B14F-4D97-AF65-F5344CB8AC3E}">
-        <p14:creationId xmlns:p14="http://schemas.microsoft.com/office/powerpoint/2010/main" val="4211023800"/>
-      </p:ext>
-    </p:extLst>
-  </p:cSld>
-  <p:clrMapOvr>
-    <a:masterClrMapping/>
-  </p:clrMapOvr>
-</p:sld>
-</file>
-
-<file path=ppt/slides/slide15.xml><?xml version="1.0" encoding="utf-8"?>
-<p:sld xmlns:a="http://schemas.openxmlformats.org/drawingml/2006/main" xmlns:r="http://schemas.openxmlformats.org/officeDocument/2006/relationships" xmlns:p="http://schemas.openxmlformats.org/presentationml/2006/main">
-  <p:cSld>
-    <p:spTree>
-      <p:nvGrpSpPr>
-        <p:cNvPr id="1" name=""/>
-        <p:cNvGrpSpPr/>
-        <p:nvPr/>
-      </p:nvGrpSpPr>
-      <p:grpSpPr>
-        <a:xfrm>
-          <a:off x="0" y="0"/>
-          <a:ext cx="0" cy="0"/>
-          <a:chOff x="0" y="0"/>
-          <a:chExt cx="0" cy="0"/>
-        </a:xfrm>
-      </p:grpSpPr>
-      <p:sp>
-        <p:nvSpPr>
-          <p:cNvPr id="2" name="Title 1"/>
-          <p:cNvSpPr>
-            <a:spLocks noGrp="1"/>
-          </p:cNvSpPr>
-          <p:nvPr>
-            <p:ph type="title"/>
-          </p:nvPr>
-        </p:nvSpPr>
-        <p:spPr/>
-        <p:txBody>
-          <a:bodyPr/>
-          <a:lstStyle/>
+              <a:t>Determines how data metrics correlate with each other.</a:t>
+            </a:r>
+          </a:p>
           <a:p>
             <a:r>
               <a:rPr lang="en-US" dirty="0"/>
-              <a:t>Spearman Correlation: </a:t>
-            </a:r>
-            <a:r>
-              <a:rPr lang="en-US" i="1" dirty="0"/>
-              <a:t>All Projects</a:t>
-            </a:r>
-          </a:p>
-        </p:txBody>
-      </p:sp>
-      <p:sp>
-        <p:nvSpPr>
-          <p:cNvPr id="3" name="Content Placeholder 2"/>
-          <p:cNvSpPr>
-            <a:spLocks noGrp="1"/>
-          </p:cNvSpPr>
-          <p:nvPr>
-            <p:ph idx="1"/>
-          </p:nvPr>
-        </p:nvSpPr>
-        <p:spPr/>
-        <p:txBody>
-          <a:bodyPr/>
-          <a:lstStyle/>
-          <a:p>
-            <a:r>
-              <a:rPr lang="en-US" dirty="0"/>
-              <a:t>Determines how data metrics correlate with each other.</a:t>
-            </a:r>
-          </a:p>
-          <a:p>
-            <a:r>
-              <a:rPr lang="en-US" dirty="0"/>
-              <a:t>Values +/-0.7 are considered significant.</a:t>
+              <a:t>Values +/-0.7 are considered to be strongly correlated.</a:t>
             </a:r>
           </a:p>
           <a:p>
@@ -8663,14 +9452,14 @@
           <p:nvPr>
             <p:extLst>
               <p:ext uri="{D42A27DB-BD31-4B8C-83A1-F6EECF244321}">
-                <p14:modId xmlns:p14="http://schemas.microsoft.com/office/powerpoint/2010/main" val="4232912133"/>
+                <p14:modId xmlns:p14="http://schemas.microsoft.com/office/powerpoint/2010/main" val="1890044281"/>
               </p:ext>
             </p:extLst>
           </p:nvPr>
         </p:nvGraphicFramePr>
         <p:xfrm>
-          <a:off x="2062479" y="3285885"/>
-          <a:ext cx="8128002" cy="2225040"/>
+          <a:off x="1428804" y="3217115"/>
+          <a:ext cx="9395351" cy="2377440"/>
         </p:xfrm>
         <a:graphic>
           <a:graphicData uri="http://schemas.openxmlformats.org/drawingml/2006/table">
@@ -8679,42 +9468,42 @@
                 <a:tableStyleId>{B301B821-A1FF-4177-AEE7-76D212191A09}</a:tableStyleId>
               </a:tblPr>
               <a:tblGrid>
-                <a:gridCol w="1477134">
+                <a:gridCol w="1707454">
                   <a:extLst>
                     <a:ext uri="{9D8B030D-6E8A-4147-A177-3AD203B41FA5}">
                       <a16:colId xmlns:a16="http://schemas.microsoft.com/office/drawing/2014/main" val="1197910584"/>
                     </a:ext>
                   </a:extLst>
                 </a:gridCol>
-                <a:gridCol w="1232200">
+                <a:gridCol w="1424329">
                   <a:extLst>
                     <a:ext uri="{9D8B030D-6E8A-4147-A177-3AD203B41FA5}">
                       <a16:colId xmlns:a16="http://schemas.microsoft.com/office/drawing/2014/main" val="4077819383"/>
                     </a:ext>
                   </a:extLst>
                 </a:gridCol>
-                <a:gridCol w="1239520">
+                <a:gridCol w="1432791">
                   <a:extLst>
                     <a:ext uri="{9D8B030D-6E8A-4147-A177-3AD203B41FA5}">
                       <a16:colId xmlns:a16="http://schemas.microsoft.com/office/drawing/2014/main" val="1854535"/>
                     </a:ext>
                   </a:extLst>
                 </a:gridCol>
-                <a:gridCol w="1469814">
+                <a:gridCol w="1698993">
                   <a:extLst>
                     <a:ext uri="{9D8B030D-6E8A-4147-A177-3AD203B41FA5}">
                       <a16:colId xmlns:a16="http://schemas.microsoft.com/office/drawing/2014/main" val="2762140783"/>
                     </a:ext>
                   </a:extLst>
                 </a:gridCol>
-                <a:gridCol w="1354667">
+                <a:gridCol w="1565892">
                   <a:extLst>
                     <a:ext uri="{9D8B030D-6E8A-4147-A177-3AD203B41FA5}">
                       <a16:colId xmlns:a16="http://schemas.microsoft.com/office/drawing/2014/main" val="3246837622"/>
                     </a:ext>
                   </a:extLst>
                 </a:gridCol>
-                <a:gridCol w="1354667">
+                <a:gridCol w="1565892">
                   <a:extLst>
                     <a:ext uri="{9D8B030D-6E8A-4147-A177-3AD203B41FA5}">
                       <a16:colId xmlns:a16="http://schemas.microsoft.com/office/drawing/2014/main" val="3082632850"/>
@@ -8729,7 +9518,7 @@
                     <a:lstStyle/>
                     <a:p>
                       <a:pPr algn="ctr"/>
-                      <a:endParaRPr lang="en-US" dirty="0"/>
+                      <a:endParaRPr lang="en-US" sz="2000" dirty="0"/>
                     </a:p>
                   </a:txBody>
                   <a:tcPr>
@@ -8769,7 +9558,7 @@
                     <a:p>
                       <a:pPr algn="ctr"/>
                       <a:r>
-                        <a:rPr lang="en-US" dirty="0"/>
+                        <a:rPr lang="en-US" sz="2000" dirty="0"/>
                         <a:t>Commits</a:t>
                       </a:r>
                     </a:p>
@@ -8787,9 +9576,14 @@
                     <a:p>
                       <a:pPr algn="ctr"/>
                       <a:r>
-                        <a:rPr lang="en-US" dirty="0"/>
-                        <a:t>Failures</a:t>
+                        <a:rPr lang="en-US" sz="2000" dirty="0"/>
+                        <a:t>Bug</a:t>
                       </a:r>
+                      <a:r>
+                        <a:rPr lang="en-US" sz="2000" baseline="0" dirty="0"/>
+                        <a:t> Fixes</a:t>
+                      </a:r>
+                      <a:endParaRPr lang="en-US" sz="2000" dirty="0"/>
                     </a:p>
                   </a:txBody>
                   <a:tcPr/>
@@ -8801,7 +9595,7 @@
                     <a:p>
                       <a:pPr algn="ctr"/>
                       <a:r>
-                        <a:rPr lang="en-US" dirty="0"/>
+                        <a:rPr lang="en-US" sz="2000" dirty="0"/>
                         <a:t>Betweenness</a:t>
                       </a:r>
                     </a:p>
@@ -8815,7 +9609,7 @@
                     <a:p>
                       <a:pPr algn="ctr"/>
                       <a:r>
-                        <a:rPr lang="en-US" dirty="0"/>
+                        <a:rPr lang="en-US" sz="2000" dirty="0"/>
                         <a:t>Closeness</a:t>
                       </a:r>
                     </a:p>
@@ -8829,7 +9623,7 @@
                     <a:p>
                       <a:pPr algn="ctr"/>
                       <a:r>
-                        <a:rPr lang="en-US" dirty="0"/>
+                        <a:rPr lang="en-US" sz="2000" dirty="0"/>
                         <a:t>Degree</a:t>
                       </a:r>
                     </a:p>
@@ -8850,7 +9644,7 @@
                     <a:p>
                       <a:pPr algn="ctr"/>
                       <a:r>
-                        <a:rPr lang="en-US" b="1" dirty="0">
+                        <a:rPr lang="en-US" sz="2000" b="1" dirty="0">
                           <a:solidFill>
                             <a:schemeClr val="bg1"/>
                           </a:solidFill>
@@ -8892,7 +9686,7 @@
                     <a:p>
                       <a:pPr algn="ctr" fontAlgn="b"/>
                       <a:r>
-                        <a:rPr lang="en-US" sz="1800" b="0" i="0" u="none" strike="noStrike" dirty="0">
+                        <a:rPr lang="en-US" sz="2000" b="0" i="0" u="none" strike="noStrike" dirty="0">
                           <a:solidFill>
                             <a:srgbClr val="000000"/>
                           </a:solidFill>
@@ -8916,7 +9710,7 @@
                     <a:p>
                       <a:pPr algn="ctr" fontAlgn="b"/>
                       <a:r>
-                        <a:rPr lang="en-US" sz="1800" b="1" i="0" u="none" strike="noStrike" dirty="0">
+                        <a:rPr lang="en-US" sz="2000" b="1" i="0" u="none" strike="noStrike" dirty="0">
                           <a:solidFill>
                             <a:srgbClr val="000000"/>
                           </a:solidFill>
@@ -8936,7 +9730,7 @@
                     <a:p>
                       <a:pPr algn="ctr" fontAlgn="b"/>
                       <a:r>
-                        <a:rPr lang="en-US" sz="1800" b="0" i="0" u="none" strike="noStrike" dirty="0">
+                        <a:rPr lang="en-US" sz="2000" b="0" i="0" u="none" strike="noStrike" dirty="0">
                           <a:solidFill>
                             <a:srgbClr val="000000"/>
                           </a:solidFill>
@@ -8956,7 +9750,7 @@
                     <a:p>
                       <a:pPr algn="ctr" fontAlgn="b"/>
                       <a:r>
-                        <a:rPr lang="en-US" sz="1800" b="0" i="0" u="none" strike="noStrike" dirty="0">
+                        <a:rPr lang="en-US" sz="2000" b="0" i="0" u="none" strike="noStrike" dirty="0">
                           <a:solidFill>
                             <a:srgbClr val="000000"/>
                           </a:solidFill>
@@ -8976,7 +9770,7 @@
                     <a:p>
                       <a:pPr algn="ctr" fontAlgn="b"/>
                       <a:r>
-                        <a:rPr lang="en-US" sz="1800" b="1" i="0" u="none" strike="noStrike" dirty="0">
+                        <a:rPr lang="en-US" sz="2000" b="1" i="0" u="none" strike="noStrike" dirty="0">
                           <a:solidFill>
                             <a:srgbClr val="000000"/>
                           </a:solidFill>
@@ -9003,12 +9797,12 @@
                     <a:p>
                       <a:pPr algn="ctr"/>
                       <a:r>
-                        <a:rPr lang="en-US" b="1" dirty="0">
+                        <a:rPr lang="en-US" sz="2000" b="1" dirty="0">
                           <a:solidFill>
                             <a:schemeClr val="bg1"/>
                           </a:solidFill>
                         </a:rPr>
-                        <a:t>Failures</a:t>
+                        <a:t>Bug Fixes</a:t>
                       </a:r>
                     </a:p>
                   </a:txBody>
@@ -9044,7 +9838,7 @@
                     <a:lstStyle/>
                     <a:p>
                       <a:pPr algn="ctr" fontAlgn="b"/>
-                      <a:endParaRPr lang="en-US" sz="1800" b="0" i="0" u="none" strike="noStrike" dirty="0">
+                      <a:endParaRPr lang="en-US" sz="2000" b="0" i="0" u="none" strike="noStrike" dirty="0">
                         <a:solidFill>
                           <a:srgbClr val="000000"/>
                         </a:solidFill>
@@ -9066,7 +9860,7 @@
                     <a:p>
                       <a:pPr algn="ctr" fontAlgn="b"/>
                       <a:r>
-                        <a:rPr lang="en-US" sz="1800" b="0" i="0" u="none" strike="noStrike" dirty="0">
+                        <a:rPr lang="en-US" sz="2000" b="0" i="0" u="none" strike="noStrike" dirty="0">
                           <a:solidFill>
                             <a:srgbClr val="000000"/>
                           </a:solidFill>
@@ -9086,7 +9880,7 @@
                     <a:p>
                       <a:pPr algn="ctr" fontAlgn="b"/>
                       <a:r>
-                        <a:rPr lang="en-US" sz="1800" b="0" i="0" u="none" strike="noStrike" dirty="0">
+                        <a:rPr lang="en-US" sz="2000" b="0" i="0" u="none" strike="noStrike" dirty="0">
                           <a:solidFill>
                             <a:srgbClr val="000000"/>
                           </a:solidFill>
@@ -9106,7 +9900,7 @@
                     <a:p>
                       <a:pPr algn="ctr" fontAlgn="b"/>
                       <a:r>
-                        <a:rPr lang="en-US" sz="1800" b="0" i="0" u="none" strike="noStrike" dirty="0">
+                        <a:rPr lang="en-US" sz="2000" b="0" i="0" u="none" strike="noStrike" dirty="0">
                           <a:solidFill>
                             <a:srgbClr val="000000"/>
                           </a:solidFill>
@@ -9126,7 +9920,7 @@
                     <a:p>
                       <a:pPr algn="ctr" fontAlgn="b"/>
                       <a:r>
-                        <a:rPr lang="en-US" sz="1800" b="1" i="0" u="none" strike="noStrike" dirty="0">
+                        <a:rPr lang="en-US" sz="2000" b="1" i="0" u="none" strike="noStrike" dirty="0">
                           <a:solidFill>
                             <a:srgbClr val="000000"/>
                           </a:solidFill>
@@ -9153,7 +9947,7 @@
                     <a:p>
                       <a:pPr algn="ctr"/>
                       <a:r>
-                        <a:rPr lang="en-US" b="1" dirty="0">
+                        <a:rPr lang="en-US" sz="2000" b="1" dirty="0">
                           <a:solidFill>
                             <a:schemeClr val="bg1"/>
                           </a:solidFill>
@@ -9194,7 +9988,7 @@
                     <a:lstStyle/>
                     <a:p>
                       <a:pPr algn="ctr" fontAlgn="b"/>
-                      <a:endParaRPr lang="en-US" sz="1800" b="0" i="0" u="none" strike="noStrike" dirty="0">
+                      <a:endParaRPr lang="en-US" sz="2000" b="0" i="0" u="none" strike="noStrike" dirty="0">
                         <a:solidFill>
                           <a:srgbClr val="000000"/>
                         </a:solidFill>
@@ -9215,7 +10009,7 @@
                     <a:lstStyle/>
                     <a:p>
                       <a:pPr algn="ctr" fontAlgn="b"/>
-                      <a:endParaRPr lang="en-US" sz="1800" b="0" i="0" u="none" strike="noStrike" dirty="0">
+                      <a:endParaRPr lang="en-US" sz="2000" b="0" i="0" u="none" strike="noStrike" dirty="0">
                         <a:solidFill>
                           <a:srgbClr val="000000"/>
                         </a:solidFill>
@@ -9233,7 +10027,7 @@
                     <a:p>
                       <a:pPr algn="ctr" fontAlgn="b"/>
                       <a:r>
-                        <a:rPr lang="en-US" sz="1800" b="0" i="0" u="none" strike="noStrike" dirty="0">
+                        <a:rPr lang="en-US" sz="2000" b="0" i="0" u="none" strike="noStrike" dirty="0">
                           <a:solidFill>
                             <a:srgbClr val="000000"/>
                           </a:solidFill>
@@ -9253,7 +10047,7 @@
                     <a:p>
                       <a:pPr algn="ctr" fontAlgn="b"/>
                       <a:r>
-                        <a:rPr lang="en-US" sz="1800" b="0" i="0" u="none" strike="noStrike" dirty="0">
+                        <a:rPr lang="en-US" sz="2000" b="0" i="0" u="none" strike="noStrike" dirty="0">
                           <a:solidFill>
                             <a:srgbClr val="000000"/>
                           </a:solidFill>
@@ -9273,7 +10067,7 @@
                     <a:p>
                       <a:pPr algn="ctr" fontAlgn="b"/>
                       <a:r>
-                        <a:rPr lang="en-US" sz="1800" b="1" i="0" u="none" strike="noStrike" dirty="0">
+                        <a:rPr lang="en-US" sz="2000" b="1" i="0" u="none" strike="noStrike" dirty="0">
                           <a:solidFill>
                             <a:srgbClr val="000000"/>
                           </a:solidFill>
@@ -9300,7 +10094,7 @@
                     <a:p>
                       <a:pPr algn="ctr"/>
                       <a:r>
-                        <a:rPr lang="en-US" b="1" dirty="0">
+                        <a:rPr lang="en-US" sz="2000" b="1" dirty="0">
                           <a:solidFill>
                             <a:schemeClr val="bg1"/>
                           </a:solidFill>
@@ -9341,7 +10135,7 @@
                     <a:lstStyle/>
                     <a:p>
                       <a:pPr algn="ctr" fontAlgn="b"/>
-                      <a:endParaRPr lang="en-US" sz="1800" b="0" i="0" u="none" strike="noStrike" dirty="0">
+                      <a:endParaRPr lang="en-US" sz="2000" b="0" i="0" u="none" strike="noStrike" dirty="0">
                         <a:solidFill>
                           <a:srgbClr val="000000"/>
                         </a:solidFill>
@@ -9362,7 +10156,7 @@
                     <a:lstStyle/>
                     <a:p>
                       <a:pPr algn="ctr" fontAlgn="b"/>
-                      <a:endParaRPr lang="en-US" sz="1800" b="0" i="0" u="none" strike="noStrike">
+                      <a:endParaRPr lang="en-US" sz="2000" b="0" i="0" u="none" strike="noStrike">
                         <a:solidFill>
                           <a:srgbClr val="000000"/>
                         </a:solidFill>
@@ -9379,7 +10173,7 @@
                     <a:lstStyle/>
                     <a:p>
                       <a:pPr algn="ctr" fontAlgn="b"/>
-                      <a:endParaRPr lang="en-US" sz="1800" b="0" i="0" u="none" strike="noStrike" dirty="0">
+                      <a:endParaRPr lang="en-US" sz="2000" b="0" i="0" u="none" strike="noStrike" dirty="0">
                         <a:solidFill>
                           <a:srgbClr val="000000"/>
                         </a:solidFill>
@@ -9397,7 +10191,7 @@
                     <a:p>
                       <a:pPr algn="ctr" fontAlgn="b"/>
                       <a:r>
-                        <a:rPr lang="en-US" sz="1800" b="0" i="0" u="none" strike="noStrike" dirty="0">
+                        <a:rPr lang="en-US" sz="2000" b="0" i="0" u="none" strike="noStrike" dirty="0">
                           <a:solidFill>
                             <a:srgbClr val="000000"/>
                           </a:solidFill>
@@ -9417,7 +10211,7 @@
                     <a:p>
                       <a:pPr algn="ctr" fontAlgn="b"/>
                       <a:r>
-                        <a:rPr lang="en-US" sz="1800" b="0" i="0" u="none" strike="noStrike" dirty="0">
+                        <a:rPr lang="en-US" sz="2000" b="0" i="0" u="none" strike="noStrike" dirty="0">
                           <a:solidFill>
                             <a:srgbClr val="000000"/>
                           </a:solidFill>
@@ -9444,7 +10238,7 @@
                     <a:p>
                       <a:pPr algn="ctr"/>
                       <a:r>
-                        <a:rPr lang="en-US" b="1" dirty="0">
+                        <a:rPr lang="en-US" sz="2000" b="1" dirty="0">
                           <a:solidFill>
                             <a:schemeClr val="bg1"/>
                           </a:solidFill>
@@ -9485,7 +10279,7 @@
                     <a:lstStyle/>
                     <a:p>
                       <a:pPr algn="ctr" fontAlgn="b"/>
-                      <a:endParaRPr lang="en-US" sz="1800" b="0" i="0" u="none" strike="noStrike" dirty="0">
+                      <a:endParaRPr lang="en-US" sz="2000" b="0" i="0" u="none" strike="noStrike" dirty="0">
                         <a:solidFill>
                           <a:srgbClr val="000000"/>
                         </a:solidFill>
@@ -9506,7 +10300,7 @@
                     <a:lstStyle/>
                     <a:p>
                       <a:pPr algn="ctr" fontAlgn="b"/>
-                      <a:endParaRPr lang="en-US" sz="1800" b="0" i="0" u="none" strike="noStrike" dirty="0">
+                      <a:endParaRPr lang="en-US" sz="2000" b="0" i="0" u="none" strike="noStrike" dirty="0">
                         <a:solidFill>
                           <a:srgbClr val="000000"/>
                         </a:solidFill>
@@ -9523,7 +10317,7 @@
                     <a:lstStyle/>
                     <a:p>
                       <a:pPr algn="ctr" fontAlgn="b"/>
-                      <a:endParaRPr lang="en-US" sz="1800" b="0" i="0" u="none" strike="noStrike" dirty="0">
+                      <a:endParaRPr lang="en-US" sz="2000" b="0" i="0" u="none" strike="noStrike" dirty="0">
                         <a:solidFill>
                           <a:srgbClr val="000000"/>
                         </a:solidFill>
@@ -9540,7 +10334,7 @@
                     <a:lstStyle/>
                     <a:p>
                       <a:pPr algn="ctr" fontAlgn="b"/>
-                      <a:endParaRPr lang="en-US" sz="1800" b="0" i="0" u="none" strike="noStrike" dirty="0">
+                      <a:endParaRPr lang="en-US" sz="2000" b="0" i="0" u="none" strike="noStrike" dirty="0">
                         <a:solidFill>
                           <a:srgbClr val="000000"/>
                         </a:solidFill>
@@ -9558,7 +10352,7 @@
                     <a:p>
                       <a:pPr algn="ctr" fontAlgn="b"/>
                       <a:r>
-                        <a:rPr lang="en-US" sz="1800" b="0" i="0" u="none" strike="noStrike" dirty="0">
+                        <a:rPr lang="en-US" sz="2000" b="0" i="0" u="none" strike="noStrike" dirty="0">
                           <a:solidFill>
                             <a:srgbClr val="000000"/>
                           </a:solidFill>
@@ -9589,8 +10383,8 @@
         </p:nvSpPr>
         <p:spPr>
           <a:xfrm>
-            <a:off x="5496232" y="5594555"/>
-            <a:ext cx="4694249" cy="369332"/>
+            <a:off x="5496232" y="5594554"/>
+            <a:ext cx="5327923" cy="400110"/>
           </a:xfrm>
           <a:prstGeom prst="rect">
             <a:avLst/>
@@ -9605,9 +10399,77 @@
           <a:p>
             <a:pPr algn="r"/>
             <a:r>
-              <a:rPr lang="en-US" dirty="0"/>
+              <a:rPr lang="en-US" sz="2000" dirty="0"/>
               <a:t>Values are significant at the 0.01 level (2-tailed).</a:t>
             </a:r>
+          </a:p>
+        </p:txBody>
+      </p:sp>
+      <p:sp>
+        <p:nvSpPr>
+          <p:cNvPr id="6" name="Date Placeholder 5"/>
+          <p:cNvSpPr>
+            <a:spLocks noGrp="1"/>
+          </p:cNvSpPr>
+          <p:nvPr>
+            <p:ph type="dt" sz="half" idx="10"/>
+          </p:nvPr>
+        </p:nvSpPr>
+        <p:spPr/>
+        <p:txBody>
+          <a:bodyPr/>
+          <a:lstStyle/>
+          <a:p>
+            <a:fld id="{044A86FF-F26E-4585-A0CD-9B66B82A62A9}" type="datetime2">
+              <a:rPr lang="en-US" smtClean="0"/>
+              <a:t>Monday, March 28, 2016</a:t>
+            </a:fld>
+            <a:endParaRPr lang="en-US"/>
+          </a:p>
+        </p:txBody>
+      </p:sp>
+      <p:sp>
+        <p:nvSpPr>
+          <p:cNvPr id="7" name="Footer Placeholder 6"/>
+          <p:cNvSpPr>
+            <a:spLocks noGrp="1"/>
+          </p:cNvSpPr>
+          <p:nvPr>
+            <p:ph type="ftr" sz="quarter" idx="11"/>
+          </p:nvPr>
+        </p:nvSpPr>
+        <p:spPr/>
+        <p:txBody>
+          <a:bodyPr/>
+          <a:lstStyle/>
+          <a:p>
+            <a:r>
+              <a:rPr lang="en-US"/>
+              <a:t>Developer-Module Networks</a:t>
+            </a:r>
+          </a:p>
+        </p:txBody>
+      </p:sp>
+      <p:sp>
+        <p:nvSpPr>
+          <p:cNvPr id="8" name="Slide Number Placeholder 7"/>
+          <p:cNvSpPr>
+            <a:spLocks noGrp="1"/>
+          </p:cNvSpPr>
+          <p:nvPr>
+            <p:ph type="sldNum" sz="quarter" idx="12"/>
+          </p:nvPr>
+        </p:nvSpPr>
+        <p:spPr/>
+        <p:txBody>
+          <a:bodyPr/>
+          <a:lstStyle/>
+          <a:p>
+            <a:fld id="{597C4F9D-C1BC-482F-ACE4-604A1ED49A8D}" type="slidenum">
+              <a:rPr lang="en-US" smtClean="0"/>
+              <a:t>16</a:t>
+            </a:fld>
+            <a:endParaRPr lang="en-US"/>
           </a:p>
         </p:txBody>
       </p:sp>
@@ -9624,7 +10486,7 @@
 </p:sld>
 </file>
 
-<file path=ppt/slides/slide16.xml><?xml version="1.0" encoding="utf-8"?>
+<file path=ppt/slides/slide17.xml><?xml version="1.0" encoding="utf-8"?>
 <p:sld xmlns:a="http://schemas.openxmlformats.org/drawingml/2006/main" xmlns:r="http://schemas.openxmlformats.org/officeDocument/2006/relationships" xmlns:p="http://schemas.openxmlformats.org/presentationml/2006/main">
   <p:cSld>
     <p:spTree>
@@ -9725,14 +10587,14 @@
           <p:nvPr>
             <p:extLst>
               <p:ext uri="{D42A27DB-BD31-4B8C-83A1-F6EECF244321}">
-                <p14:modId xmlns:p14="http://schemas.microsoft.com/office/powerpoint/2010/main" val="4163272091"/>
+                <p14:modId xmlns:p14="http://schemas.microsoft.com/office/powerpoint/2010/main" val="352019595"/>
               </p:ext>
             </p:extLst>
           </p:nvPr>
         </p:nvGraphicFramePr>
         <p:xfrm>
-          <a:off x="161576" y="2027767"/>
-          <a:ext cx="8128002" cy="2225040"/>
+          <a:off x="161576" y="1976325"/>
+          <a:ext cx="9340234" cy="2377440"/>
         </p:xfrm>
         <a:graphic>
           <a:graphicData uri="http://schemas.openxmlformats.org/drawingml/2006/table">
@@ -9741,42 +10603,42 @@
                 <a:tableStyleId>{B301B821-A1FF-4177-AEE7-76D212191A09}</a:tableStyleId>
               </a:tblPr>
               <a:tblGrid>
-                <a:gridCol w="1477134">
+                <a:gridCol w="1697438">
                   <a:extLst>
                     <a:ext uri="{9D8B030D-6E8A-4147-A177-3AD203B41FA5}">
                       <a16:colId xmlns:a16="http://schemas.microsoft.com/office/drawing/2014/main" val="1197910584"/>
                     </a:ext>
                   </a:extLst>
                 </a:gridCol>
-                <a:gridCol w="1232200">
+                <a:gridCol w="1415973">
                   <a:extLst>
                     <a:ext uri="{9D8B030D-6E8A-4147-A177-3AD203B41FA5}">
                       <a16:colId xmlns:a16="http://schemas.microsoft.com/office/drawing/2014/main" val="4077819383"/>
                     </a:ext>
                   </a:extLst>
                 </a:gridCol>
-                <a:gridCol w="1159223">
+                <a:gridCol w="1332112">
                   <a:extLst>
                     <a:ext uri="{9D8B030D-6E8A-4147-A177-3AD203B41FA5}">
                       <a16:colId xmlns:a16="http://schemas.microsoft.com/office/drawing/2014/main" val="1854535"/>
                     </a:ext>
                   </a:extLst>
                 </a:gridCol>
-                <a:gridCol w="1550111">
+                <a:gridCol w="1781299">
                   <a:extLst>
                     <a:ext uri="{9D8B030D-6E8A-4147-A177-3AD203B41FA5}">
                       <a16:colId xmlns:a16="http://schemas.microsoft.com/office/drawing/2014/main" val="2762140783"/>
                     </a:ext>
                   </a:extLst>
                 </a:gridCol>
-                <a:gridCol w="1354667">
+                <a:gridCol w="1556706">
                   <a:extLst>
                     <a:ext uri="{9D8B030D-6E8A-4147-A177-3AD203B41FA5}">
                       <a16:colId xmlns:a16="http://schemas.microsoft.com/office/drawing/2014/main" val="3246837622"/>
                     </a:ext>
                   </a:extLst>
                 </a:gridCol>
-                <a:gridCol w="1354667">
+                <a:gridCol w="1556706">
                   <a:extLst>
                     <a:ext uri="{9D8B030D-6E8A-4147-A177-3AD203B41FA5}">
                       <a16:colId xmlns:a16="http://schemas.microsoft.com/office/drawing/2014/main" val="3082632850"/>
@@ -9791,7 +10653,7 @@
                     <a:lstStyle/>
                     <a:p>
                       <a:pPr algn="ctr"/>
-                      <a:endParaRPr lang="en-US" dirty="0"/>
+                      <a:endParaRPr lang="en-US" sz="2000" dirty="0"/>
                     </a:p>
                   </a:txBody>
                   <a:tcPr>
@@ -9831,7 +10693,7 @@
                     <a:p>
                       <a:pPr algn="ctr"/>
                       <a:r>
-                        <a:rPr lang="en-US" dirty="0"/>
+                        <a:rPr lang="en-US" sz="2000" dirty="0"/>
                         <a:t>Commits</a:t>
                       </a:r>
                     </a:p>
@@ -9849,9 +10711,14 @@
                     <a:p>
                       <a:pPr algn="ctr"/>
                       <a:r>
-                        <a:rPr lang="en-US" dirty="0"/>
-                        <a:t>Failures</a:t>
+                        <a:rPr lang="en-US" sz="2000" dirty="0"/>
+                        <a:t>Bug</a:t>
                       </a:r>
+                      <a:r>
+                        <a:rPr lang="en-US" sz="2000" baseline="0" dirty="0"/>
+                        <a:t> Fixes</a:t>
+                      </a:r>
+                      <a:endParaRPr lang="en-US" sz="2000" dirty="0"/>
                     </a:p>
                   </a:txBody>
                   <a:tcPr/>
@@ -9863,7 +10730,7 @@
                     <a:p>
                       <a:pPr algn="ctr"/>
                       <a:r>
-                        <a:rPr lang="en-US" dirty="0"/>
+                        <a:rPr lang="en-US" sz="2000" dirty="0"/>
                         <a:t>Betweenness</a:t>
                       </a:r>
                     </a:p>
@@ -9877,7 +10744,7 @@
                     <a:p>
                       <a:pPr algn="ctr"/>
                       <a:r>
-                        <a:rPr lang="en-US" dirty="0"/>
+                        <a:rPr lang="en-US" sz="2000" dirty="0"/>
                         <a:t>Closeness</a:t>
                       </a:r>
                     </a:p>
@@ -9891,7 +10758,7 @@
                     <a:p>
                       <a:pPr algn="ctr"/>
                       <a:r>
-                        <a:rPr lang="en-US" dirty="0"/>
+                        <a:rPr lang="en-US" sz="2000" dirty="0"/>
                         <a:t>Degree</a:t>
                       </a:r>
                     </a:p>
@@ -9912,7 +10779,7 @@
                     <a:p>
                       <a:pPr algn="ctr"/>
                       <a:r>
-                        <a:rPr lang="en-US" b="1" dirty="0">
+                        <a:rPr lang="en-US" sz="2000" b="1" dirty="0">
                           <a:solidFill>
                             <a:schemeClr val="bg1"/>
                           </a:solidFill>
@@ -9954,7 +10821,7 @@
                     <a:p>
                       <a:pPr algn="ctr" fontAlgn="b"/>
                       <a:r>
-                        <a:rPr lang="en-US" sz="1800" b="0" i="0" u="none" strike="noStrike" dirty="0">
+                        <a:rPr lang="en-US" sz="2000" b="0" i="0" u="none" strike="noStrike" dirty="0">
                           <a:solidFill>
                             <a:srgbClr val="000000"/>
                           </a:solidFill>
@@ -9978,7 +10845,7 @@
                     <a:p>
                       <a:pPr algn="ctr" fontAlgn="b"/>
                       <a:r>
-                        <a:rPr lang="en-US" sz="1800" b="1" i="0" u="none" strike="noStrike" dirty="0">
+                        <a:rPr lang="en-US" sz="2000" b="1" i="0" u="none" strike="noStrike" dirty="0">
                           <a:solidFill>
                             <a:srgbClr val="000000"/>
                           </a:solidFill>
@@ -9998,7 +10865,7 @@
                     <a:p>
                       <a:pPr algn="ctr" fontAlgn="b"/>
                       <a:r>
-                        <a:rPr lang="en-US" sz="1800" b="0" i="0" u="none" strike="noStrike" dirty="0">
+                        <a:rPr lang="en-US" sz="2000" b="0" i="0" u="none" strike="noStrike" dirty="0">
                           <a:solidFill>
                             <a:srgbClr val="000000"/>
                           </a:solidFill>
@@ -10018,7 +10885,7 @@
                     <a:p>
                       <a:pPr algn="ctr" fontAlgn="b"/>
                       <a:r>
-                        <a:rPr lang="en-US" sz="1800" b="0" i="0" u="none" strike="noStrike" dirty="0">
+                        <a:rPr lang="en-US" sz="2000" b="0" i="0" u="none" strike="noStrike" dirty="0">
                           <a:solidFill>
                             <a:srgbClr val="000000"/>
                           </a:solidFill>
@@ -10038,7 +10905,7 @@
                     <a:p>
                       <a:pPr algn="ctr" fontAlgn="b"/>
                       <a:r>
-                        <a:rPr lang="en-US" sz="1800" b="1" i="0" u="none" strike="noStrike" dirty="0">
+                        <a:rPr lang="en-US" sz="2000" b="1" i="0" u="none" strike="noStrike" dirty="0">
                           <a:solidFill>
                             <a:srgbClr val="000000"/>
                           </a:solidFill>
@@ -10065,13 +10932,26 @@
                     <a:p>
                       <a:pPr algn="ctr"/>
                       <a:r>
-                        <a:rPr lang="en-US" b="1" dirty="0">
+                        <a:rPr lang="en-US" sz="2000" b="1" dirty="0">
                           <a:solidFill>
                             <a:schemeClr val="bg1"/>
                           </a:solidFill>
                         </a:rPr>
-                        <a:t>Failures</a:t>
+                        <a:t>Bug</a:t>
                       </a:r>
+                      <a:r>
+                        <a:rPr lang="en-US" sz="2000" b="1" baseline="0" dirty="0">
+                          <a:solidFill>
+                            <a:schemeClr val="bg1"/>
+                          </a:solidFill>
+                        </a:rPr>
+                        <a:t> Fixes</a:t>
+                      </a:r>
+                      <a:endParaRPr lang="en-US" sz="2000" b="1" dirty="0">
+                        <a:solidFill>
+                          <a:schemeClr val="bg1"/>
+                        </a:solidFill>
+                      </a:endParaRPr>
                     </a:p>
                   </a:txBody>
                   <a:tcPr>
@@ -10106,7 +10986,7 @@
                     <a:lstStyle/>
                     <a:p>
                       <a:pPr algn="ctr" fontAlgn="b"/>
-                      <a:endParaRPr lang="en-US" sz="1800" b="0" i="0" u="none" strike="noStrike" dirty="0">
+                      <a:endParaRPr lang="en-US" sz="2000" b="0" i="0" u="none" strike="noStrike" dirty="0">
                         <a:solidFill>
                           <a:srgbClr val="000000"/>
                         </a:solidFill>
@@ -10128,7 +11008,7 @@
                     <a:p>
                       <a:pPr algn="ctr" fontAlgn="b"/>
                       <a:r>
-                        <a:rPr lang="en-US" sz="1800" b="0" i="0" u="none" strike="noStrike">
+                        <a:rPr lang="en-US" sz="2000" b="0" i="0" u="none" strike="noStrike">
                           <a:solidFill>
                             <a:srgbClr val="000000"/>
                           </a:solidFill>
@@ -10148,7 +11028,7 @@
                     <a:p>
                       <a:pPr algn="ctr" fontAlgn="b"/>
                       <a:r>
-                        <a:rPr lang="en-US" sz="1800" b="0" i="0" u="none" strike="noStrike" dirty="0">
+                        <a:rPr lang="en-US" sz="2000" b="0" i="0" u="none" strike="noStrike" dirty="0">
                           <a:solidFill>
                             <a:srgbClr val="000000"/>
                           </a:solidFill>
@@ -10168,7 +11048,7 @@
                     <a:p>
                       <a:pPr algn="ctr" fontAlgn="b"/>
                       <a:r>
-                        <a:rPr lang="en-US" sz="1800" b="0" i="0" u="none" strike="noStrike" dirty="0">
+                        <a:rPr lang="en-US" sz="2000" b="0" i="0" u="none" strike="noStrike" dirty="0">
                           <a:solidFill>
                             <a:srgbClr val="000000"/>
                           </a:solidFill>
@@ -10188,7 +11068,7 @@
                     <a:p>
                       <a:pPr algn="ctr" fontAlgn="b"/>
                       <a:r>
-                        <a:rPr lang="en-US" sz="1800" b="1" i="0" u="none" strike="noStrike" dirty="0">
+                        <a:rPr lang="en-US" sz="2000" b="1" i="0" u="none" strike="noStrike" dirty="0">
                           <a:solidFill>
                             <a:srgbClr val="000000"/>
                           </a:solidFill>
@@ -10215,7 +11095,7 @@
                     <a:p>
                       <a:pPr algn="ctr"/>
                       <a:r>
-                        <a:rPr lang="en-US" b="1" dirty="0">
+                        <a:rPr lang="en-US" sz="2000" b="1" dirty="0">
                           <a:solidFill>
                             <a:schemeClr val="bg1"/>
                           </a:solidFill>
@@ -10256,7 +11136,7 @@
                     <a:lstStyle/>
                     <a:p>
                       <a:pPr algn="ctr" fontAlgn="b"/>
-                      <a:endParaRPr lang="en-US" sz="1800" b="0" i="0" u="none" strike="noStrike">
+                      <a:endParaRPr lang="en-US" sz="2000" b="0" i="0" u="none" strike="noStrike">
                         <a:solidFill>
                           <a:srgbClr val="000000"/>
                         </a:solidFill>
@@ -10277,7 +11157,7 @@
                     <a:lstStyle/>
                     <a:p>
                       <a:pPr algn="ctr" fontAlgn="b"/>
-                      <a:endParaRPr lang="en-US" sz="1800" b="0" i="0" u="none" strike="noStrike" dirty="0">
+                      <a:endParaRPr lang="en-US" sz="2000" b="0" i="0" u="none" strike="noStrike" dirty="0">
                         <a:solidFill>
                           <a:srgbClr val="000000"/>
                         </a:solidFill>
@@ -10295,7 +11175,7 @@
                     <a:p>
                       <a:pPr algn="ctr" fontAlgn="b"/>
                       <a:r>
-                        <a:rPr lang="en-US" sz="1800" b="0" i="0" u="none" strike="noStrike" dirty="0">
+                        <a:rPr lang="en-US" sz="2000" b="0" i="0" u="none" strike="noStrike" dirty="0">
                           <a:solidFill>
                             <a:srgbClr val="000000"/>
                           </a:solidFill>
@@ -10315,7 +11195,7 @@
                     <a:p>
                       <a:pPr algn="ctr" fontAlgn="b"/>
                       <a:r>
-                        <a:rPr lang="en-US" sz="1800" b="0" i="0" u="none" strike="noStrike" dirty="0">
+                        <a:rPr lang="en-US" sz="2000" b="0" i="0" u="none" strike="noStrike" dirty="0">
                           <a:solidFill>
                             <a:srgbClr val="000000"/>
                           </a:solidFill>
@@ -10335,7 +11215,7 @@
                     <a:p>
                       <a:pPr algn="ctr" fontAlgn="b"/>
                       <a:r>
-                        <a:rPr lang="en-US" sz="1800" b="1" i="0" u="none" strike="noStrike" dirty="0">
+                        <a:rPr lang="en-US" sz="2000" b="1" i="0" u="none" strike="noStrike" dirty="0">
                           <a:solidFill>
                             <a:srgbClr val="000000"/>
                           </a:solidFill>
@@ -10362,7 +11242,7 @@
                     <a:p>
                       <a:pPr algn="ctr"/>
                       <a:r>
-                        <a:rPr lang="en-US" b="1" dirty="0">
+                        <a:rPr lang="en-US" sz="2000" b="1" dirty="0">
                           <a:solidFill>
                             <a:schemeClr val="bg1"/>
                           </a:solidFill>
@@ -10403,7 +11283,7 @@
                     <a:lstStyle/>
                     <a:p>
                       <a:pPr algn="ctr" fontAlgn="b"/>
-                      <a:endParaRPr lang="en-US" sz="1800" b="0" i="0" u="none" strike="noStrike" dirty="0">
+                      <a:endParaRPr lang="en-US" sz="2000" b="0" i="0" u="none" strike="noStrike" dirty="0">
                         <a:solidFill>
                           <a:srgbClr val="000000"/>
                         </a:solidFill>
@@ -10424,7 +11304,7 @@
                     <a:lstStyle/>
                     <a:p>
                       <a:pPr algn="ctr" fontAlgn="b"/>
-                      <a:endParaRPr lang="en-US" sz="1800" b="0" i="0" u="none" strike="noStrike" dirty="0">
+                      <a:endParaRPr lang="en-US" sz="2000" b="0" i="0" u="none" strike="noStrike" dirty="0">
                         <a:solidFill>
                           <a:srgbClr val="000000"/>
                         </a:solidFill>
@@ -10441,7 +11321,7 @@
                     <a:lstStyle/>
                     <a:p>
                       <a:pPr algn="ctr" fontAlgn="b"/>
-                      <a:endParaRPr lang="en-US" sz="1800" b="0" i="0" u="none" strike="noStrike" dirty="0">
+                      <a:endParaRPr lang="en-US" sz="2000" b="0" i="0" u="none" strike="noStrike" dirty="0">
                         <a:solidFill>
                           <a:srgbClr val="000000"/>
                         </a:solidFill>
@@ -10459,7 +11339,7 @@
                     <a:p>
                       <a:pPr algn="ctr" fontAlgn="b"/>
                       <a:r>
-                        <a:rPr lang="en-US" sz="1800" b="0" i="0" u="none" strike="noStrike" dirty="0">
+                        <a:rPr lang="en-US" sz="2000" b="0" i="0" u="none" strike="noStrike" dirty="0">
                           <a:solidFill>
                             <a:srgbClr val="000000"/>
                           </a:solidFill>
@@ -10479,7 +11359,7 @@
                     <a:p>
                       <a:pPr algn="ctr" fontAlgn="b"/>
                       <a:r>
-                        <a:rPr lang="en-US" sz="1800" b="0" i="0" u="none" strike="noStrike" dirty="0">
+                        <a:rPr lang="en-US" sz="2000" b="0" i="0" u="none" strike="noStrike" dirty="0">
                           <a:solidFill>
                             <a:srgbClr val="000000"/>
                           </a:solidFill>
@@ -10506,7 +11386,7 @@
                     <a:p>
                       <a:pPr algn="ctr"/>
                       <a:r>
-                        <a:rPr lang="en-US" b="1" dirty="0">
+                        <a:rPr lang="en-US" sz="2000" b="1" dirty="0">
                           <a:solidFill>
                             <a:schemeClr val="bg1"/>
                           </a:solidFill>
@@ -10547,7 +11427,7 @@
                     <a:lstStyle/>
                     <a:p>
                       <a:pPr algn="ctr" fontAlgn="b"/>
-                      <a:endParaRPr lang="en-US" sz="1800" b="0" i="0" u="none" strike="noStrike" dirty="0">
+                      <a:endParaRPr lang="en-US" sz="2000" b="0" i="0" u="none" strike="noStrike" dirty="0">
                         <a:solidFill>
                           <a:srgbClr val="000000"/>
                         </a:solidFill>
@@ -10568,7 +11448,7 @@
                     <a:lstStyle/>
                     <a:p>
                       <a:pPr algn="ctr" fontAlgn="b"/>
-                      <a:endParaRPr lang="en-US" sz="1800" b="0" i="0" u="none" strike="noStrike" dirty="0">
+                      <a:endParaRPr lang="en-US" sz="2000" b="0" i="0" u="none" strike="noStrike" dirty="0">
                         <a:solidFill>
                           <a:srgbClr val="000000"/>
                         </a:solidFill>
@@ -10585,7 +11465,7 @@
                     <a:lstStyle/>
                     <a:p>
                       <a:pPr algn="ctr" fontAlgn="b"/>
-                      <a:endParaRPr lang="en-US" sz="1800" b="0" i="0" u="none" strike="noStrike" dirty="0">
+                      <a:endParaRPr lang="en-US" sz="2000" b="0" i="0" u="none" strike="noStrike" dirty="0">
                         <a:solidFill>
                           <a:srgbClr val="000000"/>
                         </a:solidFill>
@@ -10602,7 +11482,7 @@
                     <a:lstStyle/>
                     <a:p>
                       <a:pPr algn="ctr" fontAlgn="b"/>
-                      <a:endParaRPr lang="en-US" sz="1800" b="0" i="0" u="none" strike="noStrike" dirty="0">
+                      <a:endParaRPr lang="en-US" sz="2000" b="0" i="0" u="none" strike="noStrike" dirty="0">
                         <a:solidFill>
                           <a:srgbClr val="000000"/>
                         </a:solidFill>
@@ -10620,7 +11500,7 @@
                     <a:p>
                       <a:pPr algn="ctr" fontAlgn="b"/>
                       <a:r>
-                        <a:rPr lang="en-US" sz="1800" b="0" i="0" u="none" strike="noStrike" dirty="0">
+                        <a:rPr lang="en-US" sz="2000" b="0" i="0" u="none" strike="noStrike" dirty="0">
                           <a:solidFill>
                             <a:srgbClr val="000000"/>
                           </a:solidFill>
@@ -10652,14 +11532,14 @@
           <p:nvPr>
             <p:extLst>
               <p:ext uri="{D42A27DB-BD31-4B8C-83A1-F6EECF244321}">
-                <p14:modId xmlns:p14="http://schemas.microsoft.com/office/powerpoint/2010/main" val="1247508974"/>
+                <p14:modId xmlns:p14="http://schemas.microsoft.com/office/powerpoint/2010/main" val="2999919115"/>
               </p:ext>
             </p:extLst>
           </p:nvPr>
         </p:nvGraphicFramePr>
         <p:xfrm>
-          <a:off x="3863148" y="4454723"/>
-          <a:ext cx="8128002" cy="2225040"/>
+          <a:off x="2716696" y="4454723"/>
+          <a:ext cx="9274454" cy="2377440"/>
         </p:xfrm>
         <a:graphic>
           <a:graphicData uri="http://schemas.openxmlformats.org/drawingml/2006/table">
@@ -10668,42 +11548,42 @@
                 <a:tableStyleId>{B301B821-A1FF-4177-AEE7-76D212191A09}</a:tableStyleId>
               </a:tblPr>
               <a:tblGrid>
-                <a:gridCol w="1477134">
+                <a:gridCol w="1685483">
                   <a:extLst>
                     <a:ext uri="{9D8B030D-6E8A-4147-A177-3AD203B41FA5}">
                       <a16:colId xmlns:a16="http://schemas.microsoft.com/office/drawing/2014/main" val="1197910584"/>
                     </a:ext>
                   </a:extLst>
                 </a:gridCol>
-                <a:gridCol w="1232200">
+                <a:gridCol w="1406002">
                   <a:extLst>
                     <a:ext uri="{9D8B030D-6E8A-4147-A177-3AD203B41FA5}">
                       <a16:colId xmlns:a16="http://schemas.microsoft.com/office/drawing/2014/main" val="4077819383"/>
                     </a:ext>
                   </a:extLst>
                 </a:gridCol>
-                <a:gridCol w="1250718">
+                <a:gridCol w="1427131">
                   <a:extLst>
                     <a:ext uri="{9D8B030D-6E8A-4147-A177-3AD203B41FA5}">
                       <a16:colId xmlns:a16="http://schemas.microsoft.com/office/drawing/2014/main" val="1854535"/>
                     </a:ext>
                   </a:extLst>
                 </a:gridCol>
-                <a:gridCol w="1458616">
+                <a:gridCol w="1664354">
                   <a:extLst>
                     <a:ext uri="{9D8B030D-6E8A-4147-A177-3AD203B41FA5}">
                       <a16:colId xmlns:a16="http://schemas.microsoft.com/office/drawing/2014/main" val="2762140783"/>
                     </a:ext>
                   </a:extLst>
                 </a:gridCol>
-                <a:gridCol w="1354667">
+                <a:gridCol w="1545742">
                   <a:extLst>
                     <a:ext uri="{9D8B030D-6E8A-4147-A177-3AD203B41FA5}">
                       <a16:colId xmlns:a16="http://schemas.microsoft.com/office/drawing/2014/main" val="3246837622"/>
                     </a:ext>
                   </a:extLst>
                 </a:gridCol>
-                <a:gridCol w="1354667">
+                <a:gridCol w="1545742">
                   <a:extLst>
                     <a:ext uri="{9D8B030D-6E8A-4147-A177-3AD203B41FA5}">
                       <a16:colId xmlns:a16="http://schemas.microsoft.com/office/drawing/2014/main" val="3082632850"/>
@@ -10718,7 +11598,7 @@
                     <a:lstStyle/>
                     <a:p>
                       <a:pPr algn="ctr"/>
-                      <a:endParaRPr lang="en-US" dirty="0"/>
+                      <a:endParaRPr lang="en-US" sz="2000" dirty="0"/>
                     </a:p>
                   </a:txBody>
                   <a:tcPr>
@@ -10758,7 +11638,7 @@
                     <a:p>
                       <a:pPr algn="ctr"/>
                       <a:r>
-                        <a:rPr lang="en-US" dirty="0"/>
+                        <a:rPr lang="en-US" sz="2000" dirty="0"/>
                         <a:t>Commits</a:t>
                       </a:r>
                     </a:p>
@@ -10776,8 +11656,16 @@
                     <a:p>
                       <a:pPr algn="ctr"/>
                       <a:r>
-                        <a:rPr lang="en-US" dirty="0"/>
-                        <a:t>Failures</a:t>
+                        <a:rPr lang="en-US" sz="2000" dirty="0"/>
+                        <a:t>Bug</a:t>
+                      </a:r>
+                      <a:r>
+                        <a:rPr lang="en-US" sz="2000" baseline="0" dirty="0"/>
+                        <a:t> Fixe</a:t>
+                      </a:r>
+                      <a:r>
+                        <a:rPr lang="en-US" sz="2000" dirty="0"/>
+                        <a:t>s</a:t>
                       </a:r>
                     </a:p>
                   </a:txBody>
@@ -10790,7 +11678,7 @@
                     <a:p>
                       <a:pPr algn="ctr"/>
                       <a:r>
-                        <a:rPr lang="en-US" dirty="0"/>
+                        <a:rPr lang="en-US" sz="2000" dirty="0"/>
                         <a:t>Betweenness</a:t>
                       </a:r>
                     </a:p>
@@ -10804,7 +11692,7 @@
                     <a:p>
                       <a:pPr algn="ctr"/>
                       <a:r>
-                        <a:rPr lang="en-US" dirty="0"/>
+                        <a:rPr lang="en-US" sz="2000" dirty="0"/>
                         <a:t>Closeness</a:t>
                       </a:r>
                     </a:p>
@@ -10818,7 +11706,7 @@
                     <a:p>
                       <a:pPr algn="ctr"/>
                       <a:r>
-                        <a:rPr lang="en-US" dirty="0"/>
+                        <a:rPr lang="en-US" sz="2000" dirty="0"/>
                         <a:t>Degree</a:t>
                       </a:r>
                     </a:p>
@@ -10839,7 +11727,7 @@
                     <a:p>
                       <a:pPr algn="ctr"/>
                       <a:r>
-                        <a:rPr lang="en-US" b="1" dirty="0">
+                        <a:rPr lang="en-US" sz="2000" b="1" dirty="0">
                           <a:solidFill>
                             <a:schemeClr val="bg1"/>
                           </a:solidFill>
@@ -10881,7 +11769,7 @@
                     <a:p>
                       <a:pPr algn="ctr" fontAlgn="b"/>
                       <a:r>
-                        <a:rPr lang="en-US" sz="1800" b="0" i="0" u="none" strike="noStrike">
+                        <a:rPr lang="en-US" sz="2000" b="0" i="0" u="none" strike="noStrike">
                           <a:solidFill>
                             <a:srgbClr val="000000"/>
                           </a:solidFill>
@@ -10905,7 +11793,7 @@
                     <a:p>
                       <a:pPr algn="ctr" fontAlgn="b"/>
                       <a:r>
-                        <a:rPr lang="en-US" sz="1800" b="1" i="0" u="none" strike="noStrike" dirty="0">
+                        <a:rPr lang="en-US" sz="2000" b="1" i="0" u="none" strike="noStrike" dirty="0">
                           <a:solidFill>
                             <a:srgbClr val="000000"/>
                           </a:solidFill>
@@ -10925,7 +11813,7 @@
                     <a:p>
                       <a:pPr algn="ctr" fontAlgn="b"/>
                       <a:r>
-                        <a:rPr lang="en-US" sz="1800" b="1" i="0" u="none" strike="noStrike" dirty="0">
+                        <a:rPr lang="en-US" sz="2000" b="1" i="0" u="none" strike="noStrike" dirty="0">
                           <a:solidFill>
                             <a:srgbClr val="000000"/>
                           </a:solidFill>
@@ -10945,7 +11833,7 @@
                     <a:p>
                       <a:pPr algn="ctr" fontAlgn="b"/>
                       <a:r>
-                        <a:rPr lang="en-US" sz="1800" b="1" i="0" u="none" strike="noStrike" dirty="0">
+                        <a:rPr lang="en-US" sz="2000" b="1" i="0" u="none" strike="noStrike" dirty="0">
                           <a:solidFill>
                             <a:srgbClr val="000000"/>
                           </a:solidFill>
@@ -10965,7 +11853,7 @@
                     <a:p>
                       <a:pPr algn="ctr" fontAlgn="b"/>
                       <a:r>
-                        <a:rPr lang="en-US" sz="1800" b="1" i="0" u="none" strike="noStrike" dirty="0">
+                        <a:rPr lang="en-US" sz="2000" b="1" i="0" u="none" strike="noStrike" dirty="0">
                           <a:solidFill>
                             <a:srgbClr val="000000"/>
                           </a:solidFill>
@@ -10992,13 +11880,26 @@
                     <a:p>
                       <a:pPr algn="ctr"/>
                       <a:r>
-                        <a:rPr lang="en-US" b="1" dirty="0">
+                        <a:rPr lang="en-US" sz="2000" b="1" dirty="0">
                           <a:solidFill>
                             <a:schemeClr val="bg1"/>
                           </a:solidFill>
                         </a:rPr>
-                        <a:t>Failures</a:t>
+                        <a:t>Bug</a:t>
                       </a:r>
+                      <a:r>
+                        <a:rPr lang="en-US" sz="2000" b="1" baseline="0" dirty="0">
+                          <a:solidFill>
+                            <a:schemeClr val="bg1"/>
+                          </a:solidFill>
+                        </a:rPr>
+                        <a:t> Fixes</a:t>
+                      </a:r>
+                      <a:endParaRPr lang="en-US" sz="2000" b="1" dirty="0">
+                        <a:solidFill>
+                          <a:schemeClr val="bg1"/>
+                        </a:solidFill>
+                      </a:endParaRPr>
                     </a:p>
                   </a:txBody>
                   <a:tcPr>
@@ -11033,7 +11934,7 @@
                     <a:lstStyle/>
                     <a:p>
                       <a:pPr algn="ctr" fontAlgn="b"/>
-                      <a:endParaRPr lang="en-US" sz="1800" b="0" i="0" u="none" strike="noStrike" dirty="0">
+                      <a:endParaRPr lang="en-US" sz="2000" b="0" i="0" u="none" strike="noStrike" dirty="0">
                         <a:solidFill>
                           <a:srgbClr val="000000"/>
                         </a:solidFill>
@@ -11055,7 +11956,7 @@
                     <a:p>
                       <a:pPr algn="ctr" fontAlgn="b"/>
                       <a:r>
-                        <a:rPr lang="en-US" sz="1800" b="0" i="0" u="none" strike="noStrike">
+                        <a:rPr lang="en-US" sz="2000" b="0" i="0" u="none" strike="noStrike">
                           <a:solidFill>
                             <a:srgbClr val="000000"/>
                           </a:solidFill>
@@ -11075,7 +11976,7 @@
                     <a:p>
                       <a:pPr algn="ctr" fontAlgn="b"/>
                       <a:r>
-                        <a:rPr lang="en-US" sz="1800" b="1" i="0" u="none" strike="noStrike" dirty="0">
+                        <a:rPr lang="en-US" sz="2000" b="1" i="0" u="none" strike="noStrike" dirty="0">
                           <a:solidFill>
                             <a:srgbClr val="000000"/>
                           </a:solidFill>
@@ -11095,7 +11996,7 @@
                     <a:p>
                       <a:pPr algn="ctr" fontAlgn="b"/>
                       <a:r>
-                        <a:rPr lang="en-US" sz="1800" b="1" i="0" u="none" strike="noStrike" dirty="0">
+                        <a:rPr lang="en-US" sz="2000" b="1" i="0" u="none" strike="noStrike" dirty="0">
                           <a:solidFill>
                             <a:srgbClr val="000000"/>
                           </a:solidFill>
@@ -11115,7 +12016,7 @@
                     <a:p>
                       <a:pPr algn="ctr" fontAlgn="b"/>
                       <a:r>
-                        <a:rPr lang="en-US" sz="1800" b="1" i="0" u="none" strike="noStrike" dirty="0">
+                        <a:rPr lang="en-US" sz="2000" b="1" i="0" u="none" strike="noStrike" dirty="0">
                           <a:solidFill>
                             <a:srgbClr val="000000"/>
                           </a:solidFill>
@@ -11142,7 +12043,7 @@
                     <a:p>
                       <a:pPr algn="ctr"/>
                       <a:r>
-                        <a:rPr lang="en-US" b="1" dirty="0">
+                        <a:rPr lang="en-US" sz="2000" b="1" dirty="0">
                           <a:solidFill>
                             <a:schemeClr val="bg1"/>
                           </a:solidFill>
@@ -11183,7 +12084,7 @@
                     <a:lstStyle/>
                     <a:p>
                       <a:pPr algn="ctr" fontAlgn="b"/>
-                      <a:endParaRPr lang="en-US" sz="1800" b="0" i="0" u="none" strike="noStrike">
+                      <a:endParaRPr lang="en-US" sz="2000" b="0" i="0" u="none" strike="noStrike">
                         <a:solidFill>
                           <a:srgbClr val="000000"/>
                         </a:solidFill>
@@ -11204,7 +12105,7 @@
                     <a:lstStyle/>
                     <a:p>
                       <a:pPr algn="ctr" fontAlgn="b"/>
-                      <a:endParaRPr lang="en-US" sz="1800" b="0" i="0" u="none" strike="noStrike" dirty="0">
+                      <a:endParaRPr lang="en-US" sz="2000" b="0" i="0" u="none" strike="noStrike" dirty="0">
                         <a:solidFill>
                           <a:srgbClr val="000000"/>
                         </a:solidFill>
@@ -11222,7 +12123,7 @@
                     <a:p>
                       <a:pPr algn="ctr" fontAlgn="b"/>
                       <a:r>
-                        <a:rPr lang="en-US" sz="1800" b="0" i="0" u="none" strike="noStrike">
+                        <a:rPr lang="en-US" sz="2000" b="0" i="0" u="none" strike="noStrike">
                           <a:solidFill>
                             <a:srgbClr val="000000"/>
                           </a:solidFill>
@@ -11242,7 +12143,7 @@
                     <a:p>
                       <a:pPr algn="ctr" fontAlgn="b"/>
                       <a:r>
-                        <a:rPr lang="en-US" sz="1800" b="1" i="0" u="none" strike="noStrike" dirty="0">
+                        <a:rPr lang="en-US" sz="2000" b="1" i="0" u="none" strike="noStrike" dirty="0">
                           <a:solidFill>
                             <a:srgbClr val="000000"/>
                           </a:solidFill>
@@ -11262,7 +12163,7 @@
                     <a:p>
                       <a:pPr algn="ctr" fontAlgn="b"/>
                       <a:r>
-                        <a:rPr lang="en-US" sz="1800" b="1" i="0" u="none" strike="noStrike" dirty="0">
+                        <a:rPr lang="en-US" sz="2000" b="1" i="0" u="none" strike="noStrike" dirty="0">
                           <a:solidFill>
                             <a:srgbClr val="000000"/>
                           </a:solidFill>
@@ -11289,7 +12190,7 @@
                     <a:p>
                       <a:pPr algn="ctr"/>
                       <a:r>
-                        <a:rPr lang="en-US" b="1" dirty="0">
+                        <a:rPr lang="en-US" sz="2000" b="1" dirty="0">
                           <a:solidFill>
                             <a:schemeClr val="bg1"/>
                           </a:solidFill>
@@ -11330,7 +12231,7 @@
                     <a:lstStyle/>
                     <a:p>
                       <a:pPr algn="ctr" fontAlgn="b"/>
-                      <a:endParaRPr lang="en-US" sz="1800" b="0" i="0" u="none" strike="noStrike" dirty="0">
+                      <a:endParaRPr lang="en-US" sz="2000" b="0" i="0" u="none" strike="noStrike" dirty="0">
                         <a:solidFill>
                           <a:srgbClr val="000000"/>
                         </a:solidFill>
@@ -11351,7 +12252,7 @@
                     <a:lstStyle/>
                     <a:p>
                       <a:pPr algn="ctr" fontAlgn="b"/>
-                      <a:endParaRPr lang="en-US" sz="1800" b="0" i="0" u="none" strike="noStrike" dirty="0">
+                      <a:endParaRPr lang="en-US" sz="2000" b="0" i="0" u="none" strike="noStrike" dirty="0">
                         <a:solidFill>
                           <a:srgbClr val="000000"/>
                         </a:solidFill>
@@ -11368,7 +12269,7 @@
                     <a:lstStyle/>
                     <a:p>
                       <a:pPr algn="ctr" fontAlgn="b"/>
-                      <a:endParaRPr lang="en-US" sz="1800" b="0" i="0" u="none" strike="noStrike" dirty="0">
+                      <a:endParaRPr lang="en-US" sz="2000" b="0" i="0" u="none" strike="noStrike" dirty="0">
                         <a:solidFill>
                           <a:srgbClr val="000000"/>
                         </a:solidFill>
@@ -11386,7 +12287,7 @@
                     <a:p>
                       <a:pPr algn="ctr" fontAlgn="b"/>
                       <a:r>
-                        <a:rPr lang="en-US" sz="1800" b="0" i="0" u="none" strike="noStrike">
+                        <a:rPr lang="en-US" sz="2000" b="0" i="0" u="none" strike="noStrike">
                           <a:solidFill>
                             <a:srgbClr val="000000"/>
                           </a:solidFill>
@@ -11406,7 +12307,7 @@
                     <a:p>
                       <a:pPr algn="ctr" fontAlgn="b"/>
                       <a:r>
-                        <a:rPr lang="en-US" sz="1800" b="1" i="0" u="none" strike="noStrike" dirty="0">
+                        <a:rPr lang="en-US" sz="2000" b="1" i="0" u="none" strike="noStrike" dirty="0">
                           <a:solidFill>
                             <a:srgbClr val="000000"/>
                           </a:solidFill>
@@ -11433,7 +12334,7 @@
                     <a:p>
                       <a:pPr algn="ctr"/>
                       <a:r>
-                        <a:rPr lang="en-US" b="1" dirty="0">
+                        <a:rPr lang="en-US" sz="2000" b="1" dirty="0">
                           <a:solidFill>
                             <a:schemeClr val="bg1"/>
                           </a:solidFill>
@@ -11474,7 +12375,7 @@
                     <a:lstStyle/>
                     <a:p>
                       <a:pPr algn="ctr" fontAlgn="b"/>
-                      <a:endParaRPr lang="en-US" sz="1800" b="0" i="0" u="none" strike="noStrike" dirty="0">
+                      <a:endParaRPr lang="en-US" sz="2000" b="0" i="0" u="none" strike="noStrike" dirty="0">
                         <a:solidFill>
                           <a:srgbClr val="000000"/>
                         </a:solidFill>
@@ -11495,7 +12396,7 @@
                     <a:lstStyle/>
                     <a:p>
                       <a:pPr algn="ctr" fontAlgn="b"/>
-                      <a:endParaRPr lang="en-US" sz="1800" b="0" i="0" u="none" strike="noStrike" dirty="0">
+                      <a:endParaRPr lang="en-US" sz="2000" b="0" i="0" u="none" strike="noStrike" dirty="0">
                         <a:solidFill>
                           <a:srgbClr val="000000"/>
                         </a:solidFill>
@@ -11512,7 +12413,7 @@
                     <a:lstStyle/>
                     <a:p>
                       <a:pPr algn="ctr" fontAlgn="b"/>
-                      <a:endParaRPr lang="en-US" sz="1800" b="0" i="0" u="none" strike="noStrike" dirty="0">
+                      <a:endParaRPr lang="en-US" sz="2000" b="0" i="0" u="none" strike="noStrike" dirty="0">
                         <a:solidFill>
                           <a:srgbClr val="000000"/>
                         </a:solidFill>
@@ -11529,7 +12430,7 @@
                     <a:lstStyle/>
                     <a:p>
                       <a:pPr algn="ctr" fontAlgn="b"/>
-                      <a:endParaRPr lang="en-US" sz="1800" b="0" i="0" u="none" strike="noStrike" dirty="0">
+                      <a:endParaRPr lang="en-US" sz="2000" b="0" i="0" u="none" strike="noStrike" dirty="0">
                         <a:solidFill>
                           <a:srgbClr val="000000"/>
                         </a:solidFill>
@@ -11547,7 +12448,7 @@
                     <a:p>
                       <a:pPr algn="ctr" fontAlgn="b"/>
                       <a:r>
-                        <a:rPr lang="en-US" sz="1800" b="0" i="0" u="none" strike="noStrike" dirty="0">
+                        <a:rPr lang="en-US" sz="2000" b="0" i="0" u="none" strike="noStrike" dirty="0">
                           <a:solidFill>
                             <a:srgbClr val="000000"/>
                           </a:solidFill>
@@ -11578,8 +12479,8 @@
         </p:nvSpPr>
         <p:spPr>
           <a:xfrm>
-            <a:off x="8289579" y="2840196"/>
-            <a:ext cx="3701572" cy="584775"/>
+            <a:off x="9647583" y="2840196"/>
+            <a:ext cx="2343568" cy="584775"/>
           </a:xfrm>
           <a:prstGeom prst="rect">
             <a:avLst/>
@@ -11609,7 +12510,7 @@
         <p:spPr>
           <a:xfrm>
             <a:off x="161576" y="5525619"/>
-            <a:ext cx="3701572" cy="584775"/>
+            <a:ext cx="2449102" cy="584775"/>
           </a:xfrm>
           <a:prstGeom prst="rect">
             <a:avLst/>
@@ -11631,6 +12532,52 @@
               <a:rPr lang="en-US" sz="3200" b="1" dirty="0"/>
               <a:t>-Platform</a:t>
             </a:r>
+          </a:p>
+        </p:txBody>
+      </p:sp>
+      <p:sp>
+        <p:nvSpPr>
+          <p:cNvPr id="3" name="Date Placeholder 2"/>
+          <p:cNvSpPr>
+            <a:spLocks noGrp="1"/>
+          </p:cNvSpPr>
+          <p:nvPr>
+            <p:ph type="dt" sz="half" idx="10"/>
+          </p:nvPr>
+        </p:nvSpPr>
+        <p:spPr/>
+        <p:txBody>
+          <a:bodyPr/>
+          <a:lstStyle/>
+          <a:p>
+            <a:fld id="{A8E35021-2659-4531-8C4E-E41E6B8D7E18}" type="datetime2">
+              <a:rPr lang="en-US" smtClean="0"/>
+              <a:t>Monday, March 28, 2016</a:t>
+            </a:fld>
+            <a:endParaRPr lang="en-US"/>
+          </a:p>
+        </p:txBody>
+      </p:sp>
+      <p:sp>
+        <p:nvSpPr>
+          <p:cNvPr id="10" name="Slide Number Placeholder 9"/>
+          <p:cNvSpPr>
+            <a:spLocks noGrp="1"/>
+          </p:cNvSpPr>
+          <p:nvPr>
+            <p:ph type="sldNum" sz="quarter" idx="12"/>
+          </p:nvPr>
+        </p:nvSpPr>
+        <p:spPr/>
+        <p:txBody>
+          <a:bodyPr/>
+          <a:lstStyle/>
+          <a:p>
+            <a:fld id="{597C4F9D-C1BC-482F-ACE4-604A1ED49A8D}" type="slidenum">
+              <a:rPr lang="en-US" smtClean="0"/>
+              <a:t>17</a:t>
+            </a:fld>
+            <a:endParaRPr lang="en-US"/>
           </a:p>
         </p:txBody>
       </p:sp>
@@ -11647,7 +12594,7 @@
 </p:sld>
 </file>
 
-<file path=ppt/slides/slide17.xml><?xml version="1.0" encoding="utf-8"?>
+<file path=ppt/slides/slide18.xml><?xml version="1.0" encoding="utf-8"?>
 <p:sld xmlns:a="http://schemas.openxmlformats.org/drawingml/2006/main" xmlns:r="http://schemas.openxmlformats.org/officeDocument/2006/relationships" xmlns:p="http://schemas.openxmlformats.org/presentationml/2006/main">
   <p:cSld>
     <p:spTree>
@@ -11681,13 +12628,8 @@
           <a:p>
             <a:r>
               <a:rPr lang="en-US" dirty="0"/>
-              <a:t>Logistical Regression:</a:t>
-            </a:r>
-            <a:r>
-              <a:rPr lang="en-US" i="1" dirty="0"/>
-              <a:t> All Projects</a:t>
-            </a:r>
-            <a:endParaRPr lang="en-US" dirty="0"/>
+              <a:t>Logistical Regression</a:t>
+            </a:r>
           </a:p>
         </p:txBody>
       </p:sp>
@@ -11714,7 +12656,7 @@
           <a:p>
             <a:r>
               <a:rPr lang="en-US" dirty="0"/>
-              <a:t>Each time, 66% of the graph was placed in a training set and 33% was placed in a test set. </a:t>
+              <a:t>Each time, 60% of the graph was placed in a training set and 40% was placed in a test set. </a:t>
             </a:r>
           </a:p>
           <a:p>
@@ -11738,6 +12680,131 @@
               <a:rPr lang="en-US" dirty="0"/>
               <a:t> for bug-prone.</a:t>
             </a:r>
+          </a:p>
+        </p:txBody>
+      </p:sp>
+      <p:sp>
+        <p:nvSpPr>
+          <p:cNvPr id="5" name="Date Placeholder 4"/>
+          <p:cNvSpPr>
+            <a:spLocks noGrp="1"/>
+          </p:cNvSpPr>
+          <p:nvPr>
+            <p:ph type="dt" sz="half" idx="10"/>
+          </p:nvPr>
+        </p:nvSpPr>
+        <p:spPr/>
+        <p:txBody>
+          <a:bodyPr/>
+          <a:lstStyle/>
+          <a:p>
+            <a:fld id="{54E51A9C-5F40-4949-8706-3D2F66D30FFB}" type="datetime2">
+              <a:rPr lang="en-US" smtClean="0"/>
+              <a:t>Monday, March 28, 2016</a:t>
+            </a:fld>
+            <a:endParaRPr lang="en-US"/>
+          </a:p>
+        </p:txBody>
+      </p:sp>
+      <p:sp>
+        <p:nvSpPr>
+          <p:cNvPr id="6" name="Footer Placeholder 5"/>
+          <p:cNvSpPr>
+            <a:spLocks noGrp="1"/>
+          </p:cNvSpPr>
+          <p:nvPr>
+            <p:ph type="ftr" sz="quarter" idx="11"/>
+          </p:nvPr>
+        </p:nvSpPr>
+        <p:spPr/>
+        <p:txBody>
+          <a:bodyPr/>
+          <a:lstStyle/>
+          <a:p>
+            <a:r>
+              <a:rPr lang="en-US"/>
+              <a:t>Developer-Module Networks</a:t>
+            </a:r>
+          </a:p>
+        </p:txBody>
+      </p:sp>
+      <p:sp>
+        <p:nvSpPr>
+          <p:cNvPr id="7" name="Slide Number Placeholder 6"/>
+          <p:cNvSpPr>
+            <a:spLocks noGrp="1"/>
+          </p:cNvSpPr>
+          <p:nvPr>
+            <p:ph type="sldNum" sz="quarter" idx="12"/>
+          </p:nvPr>
+        </p:nvSpPr>
+        <p:spPr/>
+        <p:txBody>
+          <a:bodyPr/>
+          <a:lstStyle/>
+          <a:p>
+            <a:fld id="{597C4F9D-C1BC-482F-ACE4-604A1ED49A8D}" type="slidenum">
+              <a:rPr lang="en-US" smtClean="0"/>
+              <a:t>18</a:t>
+            </a:fld>
+            <a:endParaRPr lang="en-US"/>
+          </a:p>
+        </p:txBody>
+      </p:sp>
+    </p:spTree>
+    <p:extLst>
+      <p:ext uri="{BB962C8B-B14F-4D97-AF65-F5344CB8AC3E}">
+        <p14:creationId xmlns:p14="http://schemas.microsoft.com/office/powerpoint/2010/main" val="3340033311"/>
+      </p:ext>
+    </p:extLst>
+  </p:cSld>
+  <p:clrMapOvr>
+    <a:masterClrMapping/>
+  </p:clrMapOvr>
+</p:sld>
+</file>
+
+<file path=ppt/slides/slide19.xml><?xml version="1.0" encoding="utf-8"?>
+<p:sld xmlns:a="http://schemas.openxmlformats.org/drawingml/2006/main" xmlns:r="http://schemas.openxmlformats.org/officeDocument/2006/relationships" xmlns:p="http://schemas.openxmlformats.org/presentationml/2006/main">
+  <p:cSld>
+    <p:spTree>
+      <p:nvGrpSpPr>
+        <p:cNvPr id="1" name=""/>
+        <p:cNvGrpSpPr/>
+        <p:nvPr/>
+      </p:nvGrpSpPr>
+      <p:grpSpPr>
+        <a:xfrm>
+          <a:off x="0" y="0"/>
+          <a:ext cx="0" cy="0"/>
+          <a:chOff x="0" y="0"/>
+          <a:chExt cx="0" cy="0"/>
+        </a:xfrm>
+      </p:grpSpPr>
+      <p:sp>
+        <p:nvSpPr>
+          <p:cNvPr id="2" name="Title 1"/>
+          <p:cNvSpPr>
+            <a:spLocks noGrp="1"/>
+          </p:cNvSpPr>
+          <p:nvPr>
+            <p:ph type="title"/>
+          </p:nvPr>
+        </p:nvSpPr>
+        <p:spPr/>
+        <p:txBody>
+          <a:bodyPr/>
+          <a:lstStyle/>
+          <a:p>
+            <a:r>
+              <a:rPr lang="en-US" dirty="0"/>
+              <a:t>Logistical Regression: </a:t>
+            </a:r>
+            <a:r>
+              <a:rPr lang="en-US" i="1" dirty="0"/>
+              <a:t>All Projects</a:t>
+            </a:r>
+            <a:endParaRPr lang="en-US" dirty="0"/>
           </a:p>
         </p:txBody>
       </p:sp>
@@ -11750,14 +12817,14 @@
           <p:nvPr>
             <p:extLst>
               <p:ext uri="{D42A27DB-BD31-4B8C-83A1-F6EECF244321}">
-                <p14:modId xmlns:p14="http://schemas.microsoft.com/office/powerpoint/2010/main" val="4124711837"/>
+                <p14:modId xmlns:p14="http://schemas.microsoft.com/office/powerpoint/2010/main" val="1608594179"/>
               </p:ext>
             </p:extLst>
           </p:nvPr>
         </p:nvGraphicFramePr>
         <p:xfrm>
-          <a:off x="2062480" y="4221207"/>
-          <a:ext cx="8127999" cy="1483360"/>
+          <a:off x="1320359" y="2678854"/>
+          <a:ext cx="9612684" cy="2105180"/>
         </p:xfrm>
         <a:graphic>
           <a:graphicData uri="http://schemas.openxmlformats.org/drawingml/2006/table">
@@ -11766,21 +12833,21 @@
                 <a:tableStyleId>{5C22544A-7EE6-4342-B048-85BDC9FD1C3A}</a:tableStyleId>
               </a:tblPr>
               <a:tblGrid>
-                <a:gridCol w="2709333">
+                <a:gridCol w="3204228">
                   <a:extLst>
                     <a:ext uri="{9D8B030D-6E8A-4147-A177-3AD203B41FA5}">
                       <a16:colId xmlns:a16="http://schemas.microsoft.com/office/drawing/2014/main" val="319367461"/>
                     </a:ext>
                   </a:extLst>
                 </a:gridCol>
-                <a:gridCol w="2709333">
+                <a:gridCol w="3204228">
                   <a:extLst>
                     <a:ext uri="{9D8B030D-6E8A-4147-A177-3AD203B41FA5}">
                       <a16:colId xmlns:a16="http://schemas.microsoft.com/office/drawing/2014/main" val="1169438278"/>
                     </a:ext>
                   </a:extLst>
                 </a:gridCol>
-                <a:gridCol w="2709333">
+                <a:gridCol w="3204228">
                   <a:extLst>
                     <a:ext uri="{9D8B030D-6E8A-4147-A177-3AD203B41FA5}">
                       <a16:colId xmlns:a16="http://schemas.microsoft.com/office/drawing/2014/main" val="863087891"/>
@@ -11788,13 +12855,13 @@
                   </a:extLst>
                 </a:gridCol>
               </a:tblGrid>
-              <a:tr h="370840">
+              <a:tr h="526295">
                 <a:tc>
                   <a:txBody>
                     <a:bodyPr/>
                     <a:lstStyle/>
                     <a:p>
-                      <a:endParaRPr lang="en-US" dirty="0"/>
+                      <a:endParaRPr lang="en-US" sz="2400" dirty="0"/>
                     </a:p>
                   </a:txBody>
                   <a:tcPr>
@@ -11830,7 +12897,7 @@
                     <a:p>
                       <a:pPr algn="ctr"/>
                       <a:r>
-                        <a:rPr lang="en-US" dirty="0"/>
+                        <a:rPr lang="en-US" sz="2400" dirty="0"/>
                         <a:t>Precision</a:t>
                       </a:r>
                     </a:p>
@@ -11848,7 +12915,7 @@
                     <a:p>
                       <a:pPr algn="ctr"/>
                       <a:r>
-                        <a:rPr lang="en-US" dirty="0"/>
+                        <a:rPr lang="en-US" sz="2400" dirty="0"/>
                         <a:t>Recall</a:t>
                       </a:r>
                     </a:p>
@@ -11861,7 +12928,7 @@
                   </a:ext>
                 </a:extLst>
               </a:tr>
-              <a:tr h="370840">
+              <a:tr h="526295">
                 <a:tc>
                   <a:txBody>
                     <a:bodyPr/>
@@ -11869,7 +12936,7 @@
                     <a:p>
                       <a:pPr algn="r"/>
                       <a:r>
-                        <a:rPr lang="en-US" b="1" dirty="0">
+                        <a:rPr lang="en-US" sz="2400" b="1" dirty="0">
                           <a:solidFill>
                             <a:schemeClr val="bg1"/>
                           </a:solidFill>
@@ -11877,14 +12944,14 @@
                         <a:t>Average</a:t>
                       </a:r>
                       <a:r>
-                        <a:rPr lang="en-US" b="1" baseline="0" dirty="0">
+                        <a:rPr lang="en-US" sz="2400" b="1" baseline="0" dirty="0">
                           <a:solidFill>
                             <a:schemeClr val="bg1"/>
                           </a:solidFill>
                         </a:rPr>
                         <a:t> (Mean)</a:t>
                       </a:r>
-                      <a:endParaRPr lang="en-US" b="1" dirty="0">
+                      <a:endParaRPr lang="en-US" sz="2400" b="1" dirty="0">
                         <a:solidFill>
                           <a:schemeClr val="bg1"/>
                         </a:solidFill>
@@ -11907,7 +12974,7 @@
                     <a:p>
                       <a:pPr algn="ctr" fontAlgn="b"/>
                       <a:r>
-                        <a:rPr lang="en-US" sz="2000" b="0" i="0" u="none" strike="noStrike" dirty="0">
+                        <a:rPr lang="en-US" sz="2800" b="0" i="0" u="none" strike="noStrike" dirty="0">
                           <a:solidFill>
                             <a:srgbClr val="000000"/>
                           </a:solidFill>
@@ -11927,7 +12994,7 @@
                     <a:p>
                       <a:pPr algn="ctr" fontAlgn="b"/>
                       <a:r>
-                        <a:rPr lang="en-US" sz="2000" b="0" i="0" u="none" strike="noStrike" dirty="0">
+                        <a:rPr lang="en-US" sz="2800" b="0" i="0" u="none" strike="noStrike" dirty="0">
                           <a:solidFill>
                             <a:srgbClr val="000000"/>
                           </a:solidFill>
@@ -11946,7 +13013,7 @@
                   </a:ext>
                 </a:extLst>
               </a:tr>
-              <a:tr h="370840">
+              <a:tr h="526295">
                 <a:tc>
                   <a:txBody>
                     <a:bodyPr/>
@@ -11954,7 +13021,7 @@
                     <a:p>
                       <a:pPr algn="r"/>
                       <a:r>
-                        <a:rPr lang="en-US" b="1" dirty="0">
+                        <a:rPr lang="en-US" sz="2400" b="1" dirty="0">
                           <a:solidFill>
                             <a:schemeClr val="bg1"/>
                           </a:solidFill>
@@ -11976,7 +13043,7 @@
                     <a:p>
                       <a:pPr algn="ctr" fontAlgn="b"/>
                       <a:r>
-                        <a:rPr lang="en-US" sz="2000" b="0" i="0" u="none" strike="noStrike" dirty="0">
+                        <a:rPr lang="en-US" sz="2800" b="0" i="0" u="none" strike="noStrike" dirty="0">
                           <a:solidFill>
                             <a:srgbClr val="000000"/>
                           </a:solidFill>
@@ -11996,7 +13063,7 @@
                     <a:p>
                       <a:pPr algn="ctr" fontAlgn="b"/>
                       <a:r>
-                        <a:rPr lang="en-US" sz="2000" b="0" i="0" u="none" strike="noStrike" dirty="0">
+                        <a:rPr lang="en-US" sz="2800" b="0" i="0" u="none" strike="noStrike" dirty="0">
                           <a:solidFill>
                             <a:srgbClr val="000000"/>
                           </a:solidFill>
@@ -12015,7 +13082,7 @@
                   </a:ext>
                 </a:extLst>
               </a:tr>
-              <a:tr h="370840">
+              <a:tr h="526295">
                 <a:tc>
                   <a:txBody>
                     <a:bodyPr/>
@@ -12023,7 +13090,7 @@
                     <a:p>
                       <a:pPr algn="r"/>
                       <a:r>
-                        <a:rPr lang="en-US" b="1" dirty="0">
+                        <a:rPr lang="en-US" sz="2400" b="1" dirty="0">
                           <a:solidFill>
                             <a:schemeClr val="bg1"/>
                           </a:solidFill>
@@ -12045,7 +13112,7 @@
                     <a:p>
                       <a:pPr algn="ctr" fontAlgn="b"/>
                       <a:r>
-                        <a:rPr lang="en-US" sz="2000" b="0" i="0" u="none" strike="noStrike" dirty="0">
+                        <a:rPr lang="en-US" sz="2800" b="0" i="0" u="none" strike="noStrike" dirty="0">
                           <a:solidFill>
                             <a:srgbClr val="000000"/>
                           </a:solidFill>
@@ -12065,7 +13132,7 @@
                     <a:p>
                       <a:pPr algn="ctr" fontAlgn="b"/>
                       <a:r>
-                        <a:rPr lang="en-US" sz="2000" b="0" i="0" u="none" strike="noStrike" dirty="0">
+                        <a:rPr lang="en-US" sz="2800" b="0" i="0" u="none" strike="noStrike" dirty="0">
                           <a:solidFill>
                             <a:srgbClr val="000000"/>
                           </a:solidFill>
@@ -12088,10 +13155,78 @@
           </a:graphicData>
         </a:graphic>
       </p:graphicFrame>
+      <p:sp>
+        <p:nvSpPr>
+          <p:cNvPr id="5" name="Date Placeholder 4"/>
+          <p:cNvSpPr>
+            <a:spLocks noGrp="1"/>
+          </p:cNvSpPr>
+          <p:nvPr>
+            <p:ph type="dt" sz="half" idx="10"/>
+          </p:nvPr>
+        </p:nvSpPr>
+        <p:spPr/>
+        <p:txBody>
+          <a:bodyPr/>
+          <a:lstStyle/>
+          <a:p>
+            <a:fld id="{EA0EF9A5-2A0D-401E-BE76-12EDBE8C8D7A}" type="datetime2">
+              <a:rPr lang="en-US" smtClean="0"/>
+              <a:t>Monday, March 28, 2016</a:t>
+            </a:fld>
+            <a:endParaRPr lang="en-US"/>
+          </a:p>
+        </p:txBody>
+      </p:sp>
+      <p:sp>
+        <p:nvSpPr>
+          <p:cNvPr id="6" name="Footer Placeholder 5"/>
+          <p:cNvSpPr>
+            <a:spLocks noGrp="1"/>
+          </p:cNvSpPr>
+          <p:nvPr>
+            <p:ph type="ftr" sz="quarter" idx="11"/>
+          </p:nvPr>
+        </p:nvSpPr>
+        <p:spPr/>
+        <p:txBody>
+          <a:bodyPr/>
+          <a:lstStyle/>
+          <a:p>
+            <a:r>
+              <a:rPr lang="en-US"/>
+              <a:t>Developer-Module Networks</a:t>
+            </a:r>
+          </a:p>
+        </p:txBody>
+      </p:sp>
+      <p:sp>
+        <p:nvSpPr>
+          <p:cNvPr id="7" name="Slide Number Placeholder 6"/>
+          <p:cNvSpPr>
+            <a:spLocks noGrp="1"/>
+          </p:cNvSpPr>
+          <p:nvPr>
+            <p:ph type="sldNum" sz="quarter" idx="12"/>
+          </p:nvPr>
+        </p:nvSpPr>
+        <p:spPr/>
+        <p:txBody>
+          <a:bodyPr/>
+          <a:lstStyle/>
+          <a:p>
+            <a:fld id="{597C4F9D-C1BC-482F-ACE4-604A1ED49A8D}" type="slidenum">
+              <a:rPr lang="en-US" smtClean="0"/>
+              <a:t>19</a:t>
+            </a:fld>
+            <a:endParaRPr lang="en-US"/>
+          </a:p>
+        </p:txBody>
+      </p:sp>
     </p:spTree>
     <p:extLst>
       <p:ext uri="{BB962C8B-B14F-4D97-AF65-F5344CB8AC3E}">
-        <p14:creationId xmlns:p14="http://schemas.microsoft.com/office/powerpoint/2010/main" val="3340033311"/>
+        <p14:creationId xmlns:p14="http://schemas.microsoft.com/office/powerpoint/2010/main" val="2226905370"/>
       </p:ext>
     </p:extLst>
   </p:cSld>
@@ -12101,7 +13236,213 @@
 </p:sld>
 </file>
 
-<file path=ppt/slides/slide18.xml><?xml version="1.0" encoding="utf-8"?>
+<file path=ppt/slides/slide2.xml><?xml version="1.0" encoding="utf-8"?>
+<p:sld xmlns:a="http://schemas.openxmlformats.org/drawingml/2006/main" xmlns:r="http://schemas.openxmlformats.org/officeDocument/2006/relationships" xmlns:p="http://schemas.openxmlformats.org/presentationml/2006/main">
+  <p:cSld>
+    <p:spTree>
+      <p:nvGrpSpPr>
+        <p:cNvPr id="1" name=""/>
+        <p:cNvGrpSpPr/>
+        <p:nvPr/>
+      </p:nvGrpSpPr>
+      <p:grpSpPr>
+        <a:xfrm>
+          <a:off x="0" y="0"/>
+          <a:ext cx="0" cy="0"/>
+          <a:chOff x="0" y="0"/>
+          <a:chExt cx="0" cy="0"/>
+        </a:xfrm>
+      </p:grpSpPr>
+      <p:sp>
+        <p:nvSpPr>
+          <p:cNvPr id="2" name="Title 1"/>
+          <p:cNvSpPr>
+            <a:spLocks noGrp="1"/>
+          </p:cNvSpPr>
+          <p:nvPr>
+            <p:ph type="title"/>
+          </p:nvPr>
+        </p:nvSpPr>
+        <p:spPr/>
+        <p:txBody>
+          <a:bodyPr/>
+          <a:lstStyle/>
+          <a:p>
+            <a:r>
+              <a:rPr lang="en-US" dirty="0"/>
+              <a:t>Introduction</a:t>
+            </a:r>
+          </a:p>
+        </p:txBody>
+      </p:sp>
+      <p:sp>
+        <p:nvSpPr>
+          <p:cNvPr id="3" name="Content Placeholder 2"/>
+          <p:cNvSpPr>
+            <a:spLocks noGrp="1"/>
+          </p:cNvSpPr>
+          <p:nvPr>
+            <p:ph idx="1"/>
+          </p:nvPr>
+        </p:nvSpPr>
+        <p:spPr/>
+        <p:txBody>
+          <a:bodyPr>
+            <a:normAutofit fontScale="92500" lnSpcReduction="10000"/>
+          </a:bodyPr>
+          <a:lstStyle/>
+          <a:p>
+            <a:r>
+              <a:rPr lang="en-US" dirty="0"/>
+              <a:t>As we’ve seen in the course, they are many advantages to </a:t>
+            </a:r>
+            <a:r>
+              <a:rPr lang="en-US" b="1" dirty="0"/>
+              <a:t>early </a:t>
+            </a:r>
+            <a:r>
+              <a:rPr lang="en-US" dirty="0"/>
+              <a:t>defect prediction.</a:t>
+            </a:r>
+          </a:p>
+          <a:p>
+            <a:r>
+              <a:rPr lang="en-US" dirty="0"/>
+              <a:t>Many studies have been published looking at whether </a:t>
+            </a:r>
+            <a:r>
+              <a:rPr lang="en-US" b="1" dirty="0"/>
+              <a:t>internal metrics</a:t>
+            </a:r>
+            <a:r>
+              <a:rPr lang="en-US" dirty="0"/>
+              <a:t> can be used as failure predictors.</a:t>
+            </a:r>
+          </a:p>
+          <a:p>
+            <a:endParaRPr lang="en-US" dirty="0"/>
+          </a:p>
+          <a:p>
+            <a:r>
+              <a:rPr lang="en-US" dirty="0"/>
+              <a:t>Studies have looked at: </a:t>
+            </a:r>
+          </a:p>
+          <a:p>
+            <a:pPr lvl="1"/>
+            <a:r>
+              <a:rPr lang="en-US" i="1" dirty="0"/>
+              <a:t>Code measures</a:t>
+            </a:r>
+            <a:endParaRPr lang="en-US" dirty="0"/>
+          </a:p>
+          <a:p>
+            <a:pPr lvl="1"/>
+            <a:r>
+              <a:rPr lang="en-US" i="1" dirty="0"/>
+              <a:t>People and organizational metrics</a:t>
+            </a:r>
+          </a:p>
+          <a:p>
+            <a:pPr lvl="1"/>
+            <a:r>
+              <a:rPr lang="en-US" sz="2600" b="1" i="1" dirty="0"/>
+              <a:t>Social networks</a:t>
+            </a:r>
+          </a:p>
+          <a:p>
+            <a:endParaRPr lang="en-US" dirty="0"/>
+          </a:p>
+          <a:p>
+            <a:endParaRPr lang="en-US" dirty="0"/>
+          </a:p>
+          <a:p>
+            <a:endParaRPr lang="en-US" dirty="0"/>
+          </a:p>
+        </p:txBody>
+      </p:sp>
+      <p:sp>
+        <p:nvSpPr>
+          <p:cNvPr id="4" name="Date Placeholder 3"/>
+          <p:cNvSpPr>
+            <a:spLocks noGrp="1"/>
+          </p:cNvSpPr>
+          <p:nvPr>
+            <p:ph type="dt" sz="half" idx="10"/>
+          </p:nvPr>
+        </p:nvSpPr>
+        <p:spPr/>
+        <p:txBody>
+          <a:bodyPr/>
+          <a:lstStyle/>
+          <a:p>
+            <a:fld id="{31566EAC-440C-4028-9019-6A0EC51228BF}" type="datetime2">
+              <a:rPr lang="en-US" smtClean="0"/>
+              <a:t>Monday, March 28, 2016</a:t>
+            </a:fld>
+            <a:endParaRPr lang="en-US"/>
+          </a:p>
+        </p:txBody>
+      </p:sp>
+      <p:sp>
+        <p:nvSpPr>
+          <p:cNvPr id="5" name="Footer Placeholder 4"/>
+          <p:cNvSpPr>
+            <a:spLocks noGrp="1"/>
+          </p:cNvSpPr>
+          <p:nvPr>
+            <p:ph type="ftr" sz="quarter" idx="11"/>
+          </p:nvPr>
+        </p:nvSpPr>
+        <p:spPr/>
+        <p:txBody>
+          <a:bodyPr/>
+          <a:lstStyle/>
+          <a:p>
+            <a:r>
+              <a:rPr lang="en-US"/>
+              <a:t>Developer-Module Networks</a:t>
+            </a:r>
+          </a:p>
+        </p:txBody>
+      </p:sp>
+      <p:sp>
+        <p:nvSpPr>
+          <p:cNvPr id="6" name="Slide Number Placeholder 5"/>
+          <p:cNvSpPr>
+            <a:spLocks noGrp="1"/>
+          </p:cNvSpPr>
+          <p:nvPr>
+            <p:ph type="sldNum" sz="quarter" idx="12"/>
+          </p:nvPr>
+        </p:nvSpPr>
+        <p:spPr/>
+        <p:txBody>
+          <a:bodyPr/>
+          <a:lstStyle/>
+          <a:p>
+            <a:fld id="{597C4F9D-C1BC-482F-ACE4-604A1ED49A8D}" type="slidenum">
+              <a:rPr lang="en-US" smtClean="0"/>
+              <a:t>2</a:t>
+            </a:fld>
+            <a:endParaRPr lang="en-US"/>
+          </a:p>
+        </p:txBody>
+      </p:sp>
+    </p:spTree>
+    <p:extLst>
+      <p:ext uri="{BB962C8B-B14F-4D97-AF65-F5344CB8AC3E}">
+        <p14:creationId xmlns:p14="http://schemas.microsoft.com/office/powerpoint/2010/main" val="2457151651"/>
+      </p:ext>
+    </p:extLst>
+  </p:cSld>
+  <p:clrMapOvr>
+    <a:masterClrMapping/>
+  </p:clrMapOvr>
+</p:sld>
+</file>
+
+<file path=ppt/slides/slide20.xml><?xml version="1.0" encoding="utf-8"?>
 <p:sld xmlns:a="http://schemas.openxmlformats.org/drawingml/2006/main" xmlns:r="http://schemas.openxmlformats.org/officeDocument/2006/relationships" xmlns:p="http://schemas.openxmlformats.org/presentationml/2006/main">
   <p:cSld>
     <p:spTree>
@@ -12541,6 +13882,74 @@
           </a:graphicData>
         </a:graphic>
       </p:graphicFrame>
+      <p:sp>
+        <p:nvSpPr>
+          <p:cNvPr id="3" name="Date Placeholder 2"/>
+          <p:cNvSpPr>
+            <a:spLocks noGrp="1"/>
+          </p:cNvSpPr>
+          <p:nvPr>
+            <p:ph type="dt" sz="half" idx="10"/>
+          </p:nvPr>
+        </p:nvSpPr>
+        <p:spPr/>
+        <p:txBody>
+          <a:bodyPr/>
+          <a:lstStyle/>
+          <a:p>
+            <a:fld id="{FFCC645E-F16B-474E-AC86-9E9052D2C706}" type="datetime2">
+              <a:rPr lang="en-US" smtClean="0"/>
+              <a:t>Monday, March 28, 2016</a:t>
+            </a:fld>
+            <a:endParaRPr lang="en-US"/>
+          </a:p>
+        </p:txBody>
+      </p:sp>
+      <p:sp>
+        <p:nvSpPr>
+          <p:cNvPr id="4" name="Footer Placeholder 3"/>
+          <p:cNvSpPr>
+            <a:spLocks noGrp="1"/>
+          </p:cNvSpPr>
+          <p:nvPr>
+            <p:ph type="ftr" sz="quarter" idx="11"/>
+          </p:nvPr>
+        </p:nvSpPr>
+        <p:spPr/>
+        <p:txBody>
+          <a:bodyPr/>
+          <a:lstStyle/>
+          <a:p>
+            <a:r>
+              <a:rPr lang="en-US"/>
+              <a:t>Developer-Module Networks</a:t>
+            </a:r>
+          </a:p>
+        </p:txBody>
+      </p:sp>
+      <p:sp>
+        <p:nvSpPr>
+          <p:cNvPr id="6" name="Slide Number Placeholder 5"/>
+          <p:cNvSpPr>
+            <a:spLocks noGrp="1"/>
+          </p:cNvSpPr>
+          <p:nvPr>
+            <p:ph type="sldNum" sz="quarter" idx="12"/>
+          </p:nvPr>
+        </p:nvSpPr>
+        <p:spPr/>
+        <p:txBody>
+          <a:bodyPr/>
+          <a:lstStyle/>
+          <a:p>
+            <a:fld id="{597C4F9D-C1BC-482F-ACE4-604A1ED49A8D}" type="slidenum">
+              <a:rPr lang="en-US" smtClean="0"/>
+              <a:t>20</a:t>
+            </a:fld>
+            <a:endParaRPr lang="en-US"/>
+          </a:p>
+        </p:txBody>
+      </p:sp>
     </p:spTree>
     <p:extLst>
       <p:ext uri="{BB962C8B-B14F-4D97-AF65-F5344CB8AC3E}">
@@ -12551,128 +13960,10 @@
   <p:clrMapOvr>
     <a:masterClrMapping/>
   </p:clrMapOvr>
-  <p:timing>
-    <p:tnLst>
-      <p:par>
-        <p:cTn id="1" dur="indefinite" restart="never" nodeType="tmRoot">
-          <p:childTnLst>
-            <p:seq concurrent="1" nextAc="seek">
-              <p:cTn id="2" dur="indefinite" nodeType="mainSeq">
-                <p:childTnLst>
-                  <p:par>
-                    <p:cTn id="3" fill="hold">
-                      <p:stCondLst>
-                        <p:cond delay="indefinite"/>
-                      </p:stCondLst>
-                      <p:childTnLst>
-                        <p:par>
-                          <p:cTn id="4" fill="hold">
-                            <p:stCondLst>
-                              <p:cond delay="0"/>
-                            </p:stCondLst>
-                            <p:childTnLst>
-                              <p:par>
-                                <p:cTn id="5" presetID="10" presetClass="entr" presetSubtype="0" fill="hold" nodeType="clickEffect">
-                                  <p:stCondLst>
-                                    <p:cond delay="0"/>
-                                  </p:stCondLst>
-                                  <p:childTnLst>
-                                    <p:set>
-                                      <p:cBhvr>
-                                        <p:cTn id="6" dur="1" fill="hold">
-                                          <p:stCondLst>
-                                            <p:cond delay="0"/>
-                                          </p:stCondLst>
-                                        </p:cTn>
-                                        <p:tgtEl>
-                                          <p:spTgt spid="10"/>
-                                        </p:tgtEl>
-                                        <p:attrNameLst>
-                                          <p:attrName>style.visibility</p:attrName>
-                                        </p:attrNameLst>
-                                      </p:cBhvr>
-                                      <p:to>
-                                        <p:strVal val="visible"/>
-                                      </p:to>
-                                    </p:set>
-                                    <p:animEffect transition="in" filter="fade">
-                                      <p:cBhvr>
-                                        <p:cTn id="7" dur="500"/>
-                                        <p:tgtEl>
-                                          <p:spTgt spid="10"/>
-                                        </p:tgtEl>
-                                      </p:cBhvr>
-                                    </p:animEffect>
-                                  </p:childTnLst>
-                                </p:cTn>
-                              </p:par>
-                              <p:par>
-                                <p:cTn id="8" presetID="10" presetClass="entr" presetSubtype="0" fill="hold" nodeType="withEffect">
-                                  <p:stCondLst>
-                                    <p:cond delay="0"/>
-                                  </p:stCondLst>
-                                  <p:childTnLst>
-                                    <p:set>
-                                      <p:cBhvr>
-                                        <p:cTn id="9" dur="1" fill="hold">
-                                          <p:stCondLst>
-                                            <p:cond delay="0"/>
-                                          </p:stCondLst>
-                                        </p:cTn>
-                                        <p:tgtEl>
-                                          <p:spTgt spid="12"/>
-                                        </p:tgtEl>
-                                        <p:attrNameLst>
-                                          <p:attrName>style.visibility</p:attrName>
-                                        </p:attrNameLst>
-                                      </p:cBhvr>
-                                      <p:to>
-                                        <p:strVal val="visible"/>
-                                      </p:to>
-                                    </p:set>
-                                    <p:animEffect transition="in" filter="fade">
-                                      <p:cBhvr>
-                                        <p:cTn id="10" dur="500"/>
-                                        <p:tgtEl>
-                                          <p:spTgt spid="12"/>
-                                        </p:tgtEl>
-                                      </p:cBhvr>
-                                    </p:animEffect>
-                                  </p:childTnLst>
-                                </p:cTn>
-                              </p:par>
-                            </p:childTnLst>
-                          </p:cTn>
-                        </p:par>
-                      </p:childTnLst>
-                    </p:cTn>
-                  </p:par>
-                </p:childTnLst>
-              </p:cTn>
-              <p:prevCondLst>
-                <p:cond evt="onPrev" delay="0">
-                  <p:tgtEl>
-                    <p:sldTgt/>
-                  </p:tgtEl>
-                </p:cond>
-              </p:prevCondLst>
-              <p:nextCondLst>
-                <p:cond evt="onNext" delay="0">
-                  <p:tgtEl>
-                    <p:sldTgt/>
-                  </p:tgtEl>
-                </p:cond>
-              </p:nextCondLst>
-            </p:seq>
-          </p:childTnLst>
-        </p:cTn>
-      </p:par>
-    </p:tnLst>
-  </p:timing>
 </p:sld>
 </file>
 
-<file path=ppt/slides/slide19.xml><?xml version="1.0" encoding="utf-8"?>
+<file path=ppt/slides/slide21.xml><?xml version="1.0" encoding="utf-8"?>
 <p:sld xmlns:a="http://schemas.openxmlformats.org/drawingml/2006/main" xmlns:r="http://schemas.openxmlformats.org/officeDocument/2006/relationships" xmlns:p="http://schemas.openxmlformats.org/presentationml/2006/main">
   <p:cSld>
     <p:spTree>
@@ -12782,12 +14073,73 @@
               <a:t>Tool improvements.</a:t>
             </a:r>
           </a:p>
-          <a:p>
-            <a:pPr lvl="1"/>
-            <a:r>
-              <a:rPr lang="en-US" dirty="0"/>
-              <a:t>Change data source to speed up data mining.</a:t>
-            </a:r>
+        </p:txBody>
+      </p:sp>
+      <p:sp>
+        <p:nvSpPr>
+          <p:cNvPr id="4" name="Date Placeholder 3"/>
+          <p:cNvSpPr>
+            <a:spLocks noGrp="1"/>
+          </p:cNvSpPr>
+          <p:nvPr>
+            <p:ph type="dt" sz="half" idx="10"/>
+          </p:nvPr>
+        </p:nvSpPr>
+        <p:spPr/>
+        <p:txBody>
+          <a:bodyPr/>
+          <a:lstStyle/>
+          <a:p>
+            <a:fld id="{792182F1-EFC9-4037-B4DF-03A054BEC438}" type="datetime2">
+              <a:rPr lang="en-US" smtClean="0"/>
+              <a:t>Monday, March 28, 2016</a:t>
+            </a:fld>
+            <a:endParaRPr lang="en-US"/>
+          </a:p>
+        </p:txBody>
+      </p:sp>
+      <p:sp>
+        <p:nvSpPr>
+          <p:cNvPr id="5" name="Footer Placeholder 4"/>
+          <p:cNvSpPr>
+            <a:spLocks noGrp="1"/>
+          </p:cNvSpPr>
+          <p:nvPr>
+            <p:ph type="ftr" sz="quarter" idx="11"/>
+          </p:nvPr>
+        </p:nvSpPr>
+        <p:spPr/>
+        <p:txBody>
+          <a:bodyPr/>
+          <a:lstStyle/>
+          <a:p>
+            <a:r>
+              <a:rPr lang="en-US"/>
+              <a:t>Developer-Module Networks</a:t>
+            </a:r>
+          </a:p>
+        </p:txBody>
+      </p:sp>
+      <p:sp>
+        <p:nvSpPr>
+          <p:cNvPr id="6" name="Slide Number Placeholder 5"/>
+          <p:cNvSpPr>
+            <a:spLocks noGrp="1"/>
+          </p:cNvSpPr>
+          <p:nvPr>
+            <p:ph type="sldNum" sz="quarter" idx="12"/>
+          </p:nvPr>
+        </p:nvSpPr>
+        <p:spPr/>
+        <p:txBody>
+          <a:bodyPr/>
+          <a:lstStyle/>
+          <a:p>
+            <a:fld id="{597C4F9D-C1BC-482F-ACE4-604A1ED49A8D}" type="slidenum">
+              <a:rPr lang="en-US" smtClean="0"/>
+              <a:t>21</a:t>
+            </a:fld>
+            <a:endParaRPr lang="en-US"/>
           </a:p>
         </p:txBody>
       </p:sp>
@@ -12993,49 +14345,6 @@
                                   </p:childTnLst>
                                 </p:cTn>
                               </p:par>
-                              <p:par>
-                                <p:cTn id="17" presetID="10" presetClass="entr" presetSubtype="0" fill="hold" nodeType="withEffect">
-                                  <p:stCondLst>
-                                    <p:cond delay="0"/>
-                                  </p:stCondLst>
-                                  <p:childTnLst>
-                                    <p:set>
-                                      <p:cBhvr>
-                                        <p:cTn id="18" dur="1" fill="hold">
-                                          <p:stCondLst>
-                                            <p:cond delay="0"/>
-                                          </p:stCondLst>
-                                        </p:cTn>
-                                        <p:tgtEl>
-                                          <p:spTgt spid="3">
-                                            <p:txEl>
-                                              <p:pRg st="6" end="6"/>
-                                            </p:txEl>
-                                          </p:spTgt>
-                                        </p:tgtEl>
-                                        <p:attrNameLst>
-                                          <p:attrName>style.visibility</p:attrName>
-                                        </p:attrNameLst>
-                                      </p:cBhvr>
-                                      <p:to>
-                                        <p:strVal val="visible"/>
-                                      </p:to>
-                                    </p:set>
-                                    <p:animEffect transition="in" filter="fade">
-                                      <p:cBhvr>
-                                        <p:cTn id="19" dur="500"/>
-                                        <p:tgtEl>
-                                          <p:spTgt spid="3">
-                                            <p:txEl>
-                                              <p:pRg st="6" end="6"/>
-                                            </p:txEl>
-                                          </p:spTgt>
-                                        </p:tgtEl>
-                                      </p:cBhvr>
-                                    </p:animEffect>
-                                  </p:childTnLst>
-                                </p:cTn>
-                              </p:par>
                             </p:childTnLst>
                           </p:cTn>
                         </p:par>
@@ -13067,145 +14376,7 @@
 </p:sld>
 </file>
 
-<file path=ppt/slides/slide2.xml><?xml version="1.0" encoding="utf-8"?>
-<p:sld xmlns:a="http://schemas.openxmlformats.org/drawingml/2006/main" xmlns:r="http://schemas.openxmlformats.org/officeDocument/2006/relationships" xmlns:p="http://schemas.openxmlformats.org/presentationml/2006/main">
-  <p:cSld>
-    <p:spTree>
-      <p:nvGrpSpPr>
-        <p:cNvPr id="1" name=""/>
-        <p:cNvGrpSpPr/>
-        <p:nvPr/>
-      </p:nvGrpSpPr>
-      <p:grpSpPr>
-        <a:xfrm>
-          <a:off x="0" y="0"/>
-          <a:ext cx="0" cy="0"/>
-          <a:chOff x="0" y="0"/>
-          <a:chExt cx="0" cy="0"/>
-        </a:xfrm>
-      </p:grpSpPr>
-      <p:sp>
-        <p:nvSpPr>
-          <p:cNvPr id="2" name="Title 1"/>
-          <p:cNvSpPr>
-            <a:spLocks noGrp="1"/>
-          </p:cNvSpPr>
-          <p:nvPr>
-            <p:ph type="title"/>
-          </p:nvPr>
-        </p:nvSpPr>
-        <p:spPr/>
-        <p:txBody>
-          <a:bodyPr/>
-          <a:lstStyle/>
-          <a:p>
-            <a:r>
-              <a:rPr lang="en-US" dirty="0"/>
-              <a:t>Introduction</a:t>
-            </a:r>
-          </a:p>
-        </p:txBody>
-      </p:sp>
-      <p:sp>
-        <p:nvSpPr>
-          <p:cNvPr id="3" name="Content Placeholder 2"/>
-          <p:cNvSpPr>
-            <a:spLocks noGrp="1"/>
-          </p:cNvSpPr>
-          <p:nvPr>
-            <p:ph idx="1"/>
-          </p:nvPr>
-        </p:nvSpPr>
-        <p:spPr/>
-        <p:txBody>
-          <a:bodyPr>
-            <a:normAutofit fontScale="92500" lnSpcReduction="10000"/>
-          </a:bodyPr>
-          <a:lstStyle/>
-          <a:p>
-            <a:r>
-              <a:rPr lang="en-US" dirty="0"/>
-              <a:t>As we’ve seen in the course, they are many advantages to </a:t>
-            </a:r>
-            <a:r>
-              <a:rPr lang="en-US" b="1" dirty="0"/>
-              <a:t>early </a:t>
-            </a:r>
-            <a:r>
-              <a:rPr lang="en-US" dirty="0"/>
-              <a:t>defect prediction.</a:t>
-            </a:r>
-          </a:p>
-          <a:p>
-            <a:r>
-              <a:rPr lang="en-US" dirty="0"/>
-              <a:t>Many studies have been published looking at whether </a:t>
-            </a:r>
-            <a:r>
-              <a:rPr lang="en-US" b="1" dirty="0"/>
-              <a:t>internal metrics</a:t>
-            </a:r>
-            <a:r>
-              <a:rPr lang="en-US" dirty="0"/>
-              <a:t> can be used as failure predictors.</a:t>
-            </a:r>
-          </a:p>
-          <a:p>
-            <a:endParaRPr lang="en-US" dirty="0"/>
-          </a:p>
-          <a:p>
-            <a:r>
-              <a:rPr lang="en-US" dirty="0"/>
-              <a:t>Studies have looked at: </a:t>
-            </a:r>
-          </a:p>
-          <a:p>
-            <a:pPr lvl="1"/>
-            <a:r>
-              <a:rPr lang="en-US" i="1" dirty="0"/>
-              <a:t>Code measures</a:t>
-            </a:r>
-            <a:endParaRPr lang="en-US" dirty="0"/>
-          </a:p>
-          <a:p>
-            <a:pPr lvl="1"/>
-            <a:r>
-              <a:rPr lang="en-US" i="1" dirty="0"/>
-              <a:t>People and organizational metrics</a:t>
-            </a:r>
-          </a:p>
-          <a:p>
-            <a:pPr lvl="1"/>
-            <a:r>
-              <a:rPr lang="en-US" sz="2600" b="1" i="1" dirty="0"/>
-              <a:t>Social networks</a:t>
-            </a:r>
-          </a:p>
-          <a:p>
-            <a:endParaRPr lang="en-US" dirty="0"/>
-          </a:p>
-          <a:p>
-            <a:endParaRPr lang="en-US" dirty="0"/>
-          </a:p>
-          <a:p>
-            <a:endParaRPr lang="en-US" dirty="0"/>
-          </a:p>
-        </p:txBody>
-      </p:sp>
-    </p:spTree>
-    <p:extLst>
-      <p:ext uri="{BB962C8B-B14F-4D97-AF65-F5344CB8AC3E}">
-        <p14:creationId xmlns:p14="http://schemas.microsoft.com/office/powerpoint/2010/main" val="2457151651"/>
-      </p:ext>
-    </p:extLst>
-  </p:cSld>
-  <p:clrMapOvr>
-    <a:masterClrMapping/>
-  </p:clrMapOvr>
-</p:sld>
-</file>
-
-<file path=ppt/slides/slide20.xml><?xml version="1.0" encoding="utf-8"?>
+<file path=ppt/slides/slide22.xml><?xml version="1.0" encoding="utf-8"?>
 <p:sld xmlns:a="http://schemas.openxmlformats.org/drawingml/2006/main" xmlns:r="http://schemas.openxmlformats.org/officeDocument/2006/relationships" xmlns:p="http://schemas.openxmlformats.org/presentationml/2006/main">
   <p:cSld>
     <p:spTree>
@@ -13324,10 +14495,263 @@
           </a:p>
         </p:txBody>
       </p:sp>
+      <p:sp>
+        <p:nvSpPr>
+          <p:cNvPr id="2" name="Date Placeholder 1"/>
+          <p:cNvSpPr>
+            <a:spLocks noGrp="1"/>
+          </p:cNvSpPr>
+          <p:nvPr>
+            <p:ph type="dt" sz="half" idx="10"/>
+          </p:nvPr>
+        </p:nvSpPr>
+        <p:spPr/>
+        <p:txBody>
+          <a:bodyPr/>
+          <a:lstStyle/>
+          <a:p>
+            <a:fld id="{E3412D51-23E6-44E3-BC3F-E35CE5C80B18}" type="datetime2">
+              <a:rPr lang="en-US" smtClean="0"/>
+              <a:t>Monday, March 28, 2016</a:t>
+            </a:fld>
+            <a:endParaRPr lang="en-US"/>
+          </a:p>
+        </p:txBody>
+      </p:sp>
+      <p:sp>
+        <p:nvSpPr>
+          <p:cNvPr id="3" name="Footer Placeholder 2"/>
+          <p:cNvSpPr>
+            <a:spLocks noGrp="1"/>
+          </p:cNvSpPr>
+          <p:nvPr>
+            <p:ph type="ftr" sz="quarter" idx="11"/>
+          </p:nvPr>
+        </p:nvSpPr>
+        <p:spPr/>
+        <p:txBody>
+          <a:bodyPr/>
+          <a:lstStyle/>
+          <a:p>
+            <a:r>
+              <a:rPr lang="en-US"/>
+              <a:t>Developer-Module Networks</a:t>
+            </a:r>
+            <a:endParaRPr lang="en-US" dirty="0"/>
+          </a:p>
+        </p:txBody>
+      </p:sp>
+      <p:sp>
+        <p:nvSpPr>
+          <p:cNvPr id="7" name="Slide Number Placeholder 6"/>
+          <p:cNvSpPr>
+            <a:spLocks noGrp="1"/>
+          </p:cNvSpPr>
+          <p:nvPr>
+            <p:ph type="sldNum" sz="quarter" idx="12"/>
+          </p:nvPr>
+        </p:nvSpPr>
+        <p:spPr/>
+        <p:txBody>
+          <a:bodyPr/>
+          <a:lstStyle/>
+          <a:p>
+            <a:fld id="{597C4F9D-C1BC-482F-ACE4-604A1ED49A8D}" type="slidenum">
+              <a:rPr lang="en-US" smtClean="0"/>
+              <a:t>22</a:t>
+            </a:fld>
+            <a:endParaRPr lang="en-US"/>
+          </a:p>
+        </p:txBody>
+      </p:sp>
     </p:spTree>
     <p:extLst>
       <p:ext uri="{BB962C8B-B14F-4D97-AF65-F5344CB8AC3E}">
         <p14:creationId xmlns:p14="http://schemas.microsoft.com/office/powerpoint/2010/main" val="1248569566"/>
+      </p:ext>
+    </p:extLst>
+  </p:cSld>
+  <p:clrMapOvr>
+    <a:masterClrMapping/>
+  </p:clrMapOvr>
+</p:sld>
+</file>
+
+<file path=ppt/slides/slide23.xml><?xml version="1.0" encoding="utf-8"?>
+<p:sld xmlns:a="http://schemas.openxmlformats.org/drawingml/2006/main" xmlns:r="http://schemas.openxmlformats.org/officeDocument/2006/relationships" xmlns:p="http://schemas.openxmlformats.org/presentationml/2006/main">
+  <p:cSld>
+    <p:spTree>
+      <p:nvGrpSpPr>
+        <p:cNvPr id="1" name=""/>
+        <p:cNvGrpSpPr/>
+        <p:nvPr/>
+      </p:nvGrpSpPr>
+      <p:grpSpPr>
+        <a:xfrm>
+          <a:off x="0" y="0"/>
+          <a:ext cx="0" cy="0"/>
+          <a:chOff x="0" y="0"/>
+          <a:chExt cx="0" cy="0"/>
+        </a:xfrm>
+      </p:grpSpPr>
+      <p:sp>
+        <p:nvSpPr>
+          <p:cNvPr id="2" name="Title 1"/>
+          <p:cNvSpPr>
+            <a:spLocks noGrp="1"/>
+          </p:cNvSpPr>
+          <p:nvPr>
+            <p:ph type="title"/>
+          </p:nvPr>
+        </p:nvSpPr>
+        <p:spPr/>
+        <p:txBody>
+          <a:bodyPr/>
+          <a:lstStyle/>
+          <a:p>
+            <a:r>
+              <a:rPr lang="en-US" dirty="0"/>
+              <a:t>Image Credits</a:t>
+            </a:r>
+          </a:p>
+        </p:txBody>
+      </p:sp>
+      <p:sp>
+        <p:nvSpPr>
+          <p:cNvPr id="3" name="Content Placeholder 2"/>
+          <p:cNvSpPr>
+            <a:spLocks noGrp="1"/>
+          </p:cNvSpPr>
+          <p:nvPr>
+            <p:ph idx="1"/>
+          </p:nvPr>
+        </p:nvSpPr>
+        <p:spPr/>
+        <p:txBody>
+          <a:bodyPr>
+            <a:normAutofit fontScale="85000" lnSpcReduction="10000"/>
+          </a:bodyPr>
+          <a:lstStyle/>
+          <a:p>
+            <a:r>
+              <a:rPr lang="en-US" dirty="0"/>
+              <a:t>[1] Matrix: http://ecx.images-amazon.com/images/I/61lpwViZjpL._SX466_.jpg</a:t>
+            </a:r>
+          </a:p>
+          <a:p>
+            <a:r>
+              <a:rPr lang="en-US" dirty="0"/>
+              <a:t>[2] GitHub Image: http://img.gawkerassets.com/img/18efmtxt7i5nvjpg/original.jpg</a:t>
+            </a:r>
+          </a:p>
+          <a:p>
+            <a:r>
+              <a:rPr lang="en-US" dirty="0"/>
+              <a:t>[3] Developer Module Network: </a:t>
+            </a:r>
+            <a:r>
+              <a:rPr lang="en-CA" dirty="0"/>
+              <a:t>M. Pingzer, N. </a:t>
+            </a:r>
+            <a:r>
+              <a:rPr lang="en-CA" dirty="0" err="1"/>
+              <a:t>Nagappan</a:t>
+            </a:r>
+            <a:r>
+              <a:rPr lang="en-CA" dirty="0"/>
+              <a:t> and B. Murphy, "Can Developer-Module Networks Predict Failures?," in Special Interest Group on Software Engineering (SIGSOFT), Atlanta, Georgia, 2008.</a:t>
+            </a:r>
+            <a:r>
+              <a:rPr lang="en-US" dirty="0"/>
+              <a:t>   </a:t>
+            </a:r>
+          </a:p>
+          <a:p>
+            <a:r>
+              <a:rPr lang="en-US" dirty="0"/>
+              <a:t>[4] Apache Spark Logo: http://spark.apache.org/images/spark-logo-trademark.png</a:t>
+            </a:r>
+          </a:p>
+          <a:p>
+            <a:pPr marL="58737" indent="0">
+              <a:buNone/>
+            </a:pPr>
+            <a:endParaRPr lang="en-US" dirty="0"/>
+          </a:p>
+        </p:txBody>
+      </p:sp>
+      <p:sp>
+        <p:nvSpPr>
+          <p:cNvPr id="4" name="Date Placeholder 3"/>
+          <p:cNvSpPr>
+            <a:spLocks noGrp="1"/>
+          </p:cNvSpPr>
+          <p:nvPr>
+            <p:ph type="dt" sz="half" idx="10"/>
+          </p:nvPr>
+        </p:nvSpPr>
+        <p:spPr/>
+        <p:txBody>
+          <a:bodyPr/>
+          <a:lstStyle/>
+          <a:p>
+            <a:fld id="{3ACC6648-3D45-4699-805F-18A1033193EB}" type="datetime2">
+              <a:rPr lang="en-US" smtClean="0"/>
+              <a:t>Monday, March 28, 2016</a:t>
+            </a:fld>
+            <a:endParaRPr lang="en-US"/>
+          </a:p>
+        </p:txBody>
+      </p:sp>
+      <p:sp>
+        <p:nvSpPr>
+          <p:cNvPr id="5" name="Footer Placeholder 4"/>
+          <p:cNvSpPr>
+            <a:spLocks noGrp="1"/>
+          </p:cNvSpPr>
+          <p:nvPr>
+            <p:ph type="ftr" sz="quarter" idx="11"/>
+          </p:nvPr>
+        </p:nvSpPr>
+        <p:spPr/>
+        <p:txBody>
+          <a:bodyPr/>
+          <a:lstStyle/>
+          <a:p>
+            <a:r>
+              <a:rPr lang="en-US"/>
+              <a:t>Developer-Module Networks</a:t>
+            </a:r>
+          </a:p>
+        </p:txBody>
+      </p:sp>
+      <p:sp>
+        <p:nvSpPr>
+          <p:cNvPr id="6" name="Slide Number Placeholder 5"/>
+          <p:cNvSpPr>
+            <a:spLocks noGrp="1"/>
+          </p:cNvSpPr>
+          <p:nvPr>
+            <p:ph type="sldNum" sz="quarter" idx="12"/>
+          </p:nvPr>
+        </p:nvSpPr>
+        <p:spPr/>
+        <p:txBody>
+          <a:bodyPr/>
+          <a:lstStyle/>
+          <a:p>
+            <a:fld id="{597C4F9D-C1BC-482F-ACE4-604A1ED49A8D}" type="slidenum">
+              <a:rPr lang="en-US" smtClean="0"/>
+              <a:t>23</a:t>
+            </a:fld>
+            <a:endParaRPr lang="en-US"/>
+          </a:p>
+        </p:txBody>
+      </p:sp>
+    </p:spTree>
+    <p:extLst>
+      <p:ext uri="{BB962C8B-B14F-4D97-AF65-F5344CB8AC3E}">
+        <p14:creationId xmlns:p14="http://schemas.microsoft.com/office/powerpoint/2010/main" val="2665041110"/>
       </p:ext>
     </p:extLst>
   </p:cSld>
@@ -13394,7 +14818,7 @@
         </p:spPr>
         <p:txBody>
           <a:bodyPr>
-            <a:normAutofit lnSpcReduction="10000"/>
+            <a:normAutofit/>
           </a:bodyPr>
           <a:lstStyle/>
           <a:p>
@@ -13440,15 +14864,7 @@
           <a:p>
             <a:r>
               <a:rPr lang="en-US" dirty="0"/>
-              <a:t>Can compute social network metrics like </a:t>
-            </a:r>
-            <a:r>
-              <a:rPr lang="en-US" dirty="0" err="1"/>
-              <a:t>betweenness</a:t>
-            </a:r>
-            <a:r>
-              <a:rPr lang="en-US" dirty="0"/>
-              <a:t> centrality.</a:t>
+              <a:t>Betweenness, closeness, degree centrality.</a:t>
             </a:r>
           </a:p>
         </p:txBody>
@@ -13477,6 +14893,74 @@
           </a:prstGeom>
         </p:spPr>
       </p:pic>
+      <p:sp>
+        <p:nvSpPr>
+          <p:cNvPr id="5" name="Date Placeholder 4"/>
+          <p:cNvSpPr>
+            <a:spLocks noGrp="1"/>
+          </p:cNvSpPr>
+          <p:nvPr>
+            <p:ph type="dt" sz="half" idx="10"/>
+          </p:nvPr>
+        </p:nvSpPr>
+        <p:spPr/>
+        <p:txBody>
+          <a:bodyPr/>
+          <a:lstStyle/>
+          <a:p>
+            <a:fld id="{46555C13-403D-41D7-BBC7-46EE80CD6213}" type="datetime2">
+              <a:rPr lang="en-US" smtClean="0"/>
+              <a:t>Monday, March 28, 2016</a:t>
+            </a:fld>
+            <a:endParaRPr lang="en-US"/>
+          </a:p>
+        </p:txBody>
+      </p:sp>
+      <p:sp>
+        <p:nvSpPr>
+          <p:cNvPr id="6" name="Footer Placeholder 5"/>
+          <p:cNvSpPr>
+            <a:spLocks noGrp="1"/>
+          </p:cNvSpPr>
+          <p:nvPr>
+            <p:ph type="ftr" sz="quarter" idx="11"/>
+          </p:nvPr>
+        </p:nvSpPr>
+        <p:spPr/>
+        <p:txBody>
+          <a:bodyPr/>
+          <a:lstStyle/>
+          <a:p>
+            <a:r>
+              <a:rPr lang="en-US"/>
+              <a:t>Developer-Module Networks</a:t>
+            </a:r>
+          </a:p>
+        </p:txBody>
+      </p:sp>
+      <p:sp>
+        <p:nvSpPr>
+          <p:cNvPr id="7" name="Slide Number Placeholder 6"/>
+          <p:cNvSpPr>
+            <a:spLocks noGrp="1"/>
+          </p:cNvSpPr>
+          <p:nvPr>
+            <p:ph type="sldNum" sz="quarter" idx="12"/>
+          </p:nvPr>
+        </p:nvSpPr>
+        <p:spPr/>
+        <p:txBody>
+          <a:bodyPr/>
+          <a:lstStyle/>
+          <a:p>
+            <a:fld id="{597C4F9D-C1BC-482F-ACE4-604A1ED49A8D}" type="slidenum">
+              <a:rPr lang="en-US" smtClean="0"/>
+              <a:t>3</a:t>
+            </a:fld>
+            <a:endParaRPr lang="en-US"/>
+          </a:p>
+        </p:txBody>
+      </p:sp>
     </p:spTree>
     <p:extLst>
       <p:ext uri="{BB962C8B-B14F-4D97-AF65-F5344CB8AC3E}">
@@ -13587,6 +15071,74 @@
           </a:p>
         </p:txBody>
       </p:sp>
+      <p:sp>
+        <p:nvSpPr>
+          <p:cNvPr id="4" name="Date Placeholder 3"/>
+          <p:cNvSpPr>
+            <a:spLocks noGrp="1"/>
+          </p:cNvSpPr>
+          <p:nvPr>
+            <p:ph type="dt" sz="half" idx="10"/>
+          </p:nvPr>
+        </p:nvSpPr>
+        <p:spPr/>
+        <p:txBody>
+          <a:bodyPr/>
+          <a:lstStyle/>
+          <a:p>
+            <a:fld id="{B5C24F47-3DEC-4375-8E40-6E94B0FEF18D}" type="datetime2">
+              <a:rPr lang="en-US" smtClean="0"/>
+              <a:t>Monday, March 28, 2016</a:t>
+            </a:fld>
+            <a:endParaRPr lang="en-US"/>
+          </a:p>
+        </p:txBody>
+      </p:sp>
+      <p:sp>
+        <p:nvSpPr>
+          <p:cNvPr id="5" name="Footer Placeholder 4"/>
+          <p:cNvSpPr>
+            <a:spLocks noGrp="1"/>
+          </p:cNvSpPr>
+          <p:nvPr>
+            <p:ph type="ftr" sz="quarter" idx="11"/>
+          </p:nvPr>
+        </p:nvSpPr>
+        <p:spPr/>
+        <p:txBody>
+          <a:bodyPr/>
+          <a:lstStyle/>
+          <a:p>
+            <a:r>
+              <a:rPr lang="en-US"/>
+              <a:t>Developer-Module Networks</a:t>
+            </a:r>
+          </a:p>
+        </p:txBody>
+      </p:sp>
+      <p:sp>
+        <p:nvSpPr>
+          <p:cNvPr id="6" name="Slide Number Placeholder 5"/>
+          <p:cNvSpPr>
+            <a:spLocks noGrp="1"/>
+          </p:cNvSpPr>
+          <p:nvPr>
+            <p:ph type="sldNum" sz="quarter" idx="12"/>
+          </p:nvPr>
+        </p:nvSpPr>
+        <p:spPr/>
+        <p:txBody>
+          <a:bodyPr/>
+          <a:lstStyle/>
+          <a:p>
+            <a:fld id="{597C4F9D-C1BC-482F-ACE4-604A1ED49A8D}" type="slidenum">
+              <a:rPr lang="en-US" smtClean="0"/>
+              <a:t>4</a:t>
+            </a:fld>
+            <a:endParaRPr lang="en-US"/>
+          </a:p>
+        </p:txBody>
+      </p:sp>
     </p:spTree>
     <p:extLst>
       <p:ext uri="{BB962C8B-B14F-4D97-AF65-F5344CB8AC3E}">
@@ -13693,6 +15245,74 @@
           </a:p>
         </p:txBody>
       </p:sp>
+      <p:sp>
+        <p:nvSpPr>
+          <p:cNvPr id="4" name="Date Placeholder 3"/>
+          <p:cNvSpPr>
+            <a:spLocks noGrp="1"/>
+          </p:cNvSpPr>
+          <p:nvPr>
+            <p:ph type="dt" sz="half" idx="10"/>
+          </p:nvPr>
+        </p:nvSpPr>
+        <p:spPr/>
+        <p:txBody>
+          <a:bodyPr/>
+          <a:lstStyle/>
+          <a:p>
+            <a:fld id="{80CAC224-D3DD-488F-A351-C2F025EE3EBC}" type="datetime2">
+              <a:rPr lang="en-US" smtClean="0"/>
+              <a:t>Monday, March 28, 2016</a:t>
+            </a:fld>
+            <a:endParaRPr lang="en-US"/>
+          </a:p>
+        </p:txBody>
+      </p:sp>
+      <p:sp>
+        <p:nvSpPr>
+          <p:cNvPr id="5" name="Footer Placeholder 4"/>
+          <p:cNvSpPr>
+            <a:spLocks noGrp="1"/>
+          </p:cNvSpPr>
+          <p:nvPr>
+            <p:ph type="ftr" sz="quarter" idx="11"/>
+          </p:nvPr>
+        </p:nvSpPr>
+        <p:spPr/>
+        <p:txBody>
+          <a:bodyPr/>
+          <a:lstStyle/>
+          <a:p>
+            <a:r>
+              <a:rPr lang="en-US"/>
+              <a:t>Developer-Module Networks</a:t>
+            </a:r>
+          </a:p>
+        </p:txBody>
+      </p:sp>
+      <p:sp>
+        <p:nvSpPr>
+          <p:cNvPr id="6" name="Slide Number Placeholder 5"/>
+          <p:cNvSpPr>
+            <a:spLocks noGrp="1"/>
+          </p:cNvSpPr>
+          <p:nvPr>
+            <p:ph type="sldNum" sz="quarter" idx="12"/>
+          </p:nvPr>
+        </p:nvSpPr>
+        <p:spPr/>
+        <p:txBody>
+          <a:bodyPr/>
+          <a:lstStyle/>
+          <a:p>
+            <a:fld id="{597C4F9D-C1BC-482F-ACE4-604A1ED49A8D}" type="slidenum">
+              <a:rPr lang="en-US" smtClean="0"/>
+              <a:t>5</a:t>
+            </a:fld>
+            <a:endParaRPr lang="en-US"/>
+          </a:p>
+        </p:txBody>
+      </p:sp>
     </p:spTree>
     <p:extLst>
       <p:ext uri="{BB962C8B-B14F-4D97-AF65-F5344CB8AC3E}">
@@ -13812,6 +15432,74 @@
           </a:p>
         </p:txBody>
       </p:sp>
+      <p:sp>
+        <p:nvSpPr>
+          <p:cNvPr id="4" name="Date Placeholder 3"/>
+          <p:cNvSpPr>
+            <a:spLocks noGrp="1"/>
+          </p:cNvSpPr>
+          <p:nvPr>
+            <p:ph type="dt" sz="half" idx="10"/>
+          </p:nvPr>
+        </p:nvSpPr>
+        <p:spPr/>
+        <p:txBody>
+          <a:bodyPr/>
+          <a:lstStyle/>
+          <a:p>
+            <a:fld id="{2398F3CD-8E27-498A-B6F8-9E911CAAC7A7}" type="datetime2">
+              <a:rPr lang="en-US" smtClean="0"/>
+              <a:t>Monday, March 28, 2016</a:t>
+            </a:fld>
+            <a:endParaRPr lang="en-US"/>
+          </a:p>
+        </p:txBody>
+      </p:sp>
+      <p:sp>
+        <p:nvSpPr>
+          <p:cNvPr id="5" name="Footer Placeholder 4"/>
+          <p:cNvSpPr>
+            <a:spLocks noGrp="1"/>
+          </p:cNvSpPr>
+          <p:nvPr>
+            <p:ph type="ftr" sz="quarter" idx="11"/>
+          </p:nvPr>
+        </p:nvSpPr>
+        <p:spPr/>
+        <p:txBody>
+          <a:bodyPr/>
+          <a:lstStyle/>
+          <a:p>
+            <a:r>
+              <a:rPr lang="en-US"/>
+              <a:t>Developer-Module Networks</a:t>
+            </a:r>
+          </a:p>
+        </p:txBody>
+      </p:sp>
+      <p:sp>
+        <p:nvSpPr>
+          <p:cNvPr id="6" name="Slide Number Placeholder 5"/>
+          <p:cNvSpPr>
+            <a:spLocks noGrp="1"/>
+          </p:cNvSpPr>
+          <p:nvPr>
+            <p:ph type="sldNum" sz="quarter" idx="12"/>
+          </p:nvPr>
+        </p:nvSpPr>
+        <p:spPr/>
+        <p:txBody>
+          <a:bodyPr/>
+          <a:lstStyle/>
+          <a:p>
+            <a:fld id="{597C4F9D-C1BC-482F-ACE4-604A1ED49A8D}" type="slidenum">
+              <a:rPr lang="en-US" smtClean="0"/>
+              <a:t>6</a:t>
+            </a:fld>
+            <a:endParaRPr lang="en-US"/>
+          </a:p>
+        </p:txBody>
+      </p:sp>
     </p:spTree>
     <p:extLst>
       <p:ext uri="{BB962C8B-B14F-4D97-AF65-F5344CB8AC3E}">
@@ -13914,6 +15602,74 @@
           </a:p>
         </p:txBody>
       </p:sp>
+      <p:sp>
+        <p:nvSpPr>
+          <p:cNvPr id="4" name="Date Placeholder 3"/>
+          <p:cNvSpPr>
+            <a:spLocks noGrp="1"/>
+          </p:cNvSpPr>
+          <p:nvPr>
+            <p:ph type="dt" sz="half" idx="10"/>
+          </p:nvPr>
+        </p:nvSpPr>
+        <p:spPr/>
+        <p:txBody>
+          <a:bodyPr/>
+          <a:lstStyle/>
+          <a:p>
+            <a:fld id="{5780DD84-CFBC-4EB9-AB27-F57CB9A75E8B}" type="datetime2">
+              <a:rPr lang="en-US" smtClean="0"/>
+              <a:t>Monday, March 28, 2016</a:t>
+            </a:fld>
+            <a:endParaRPr lang="en-US"/>
+          </a:p>
+        </p:txBody>
+      </p:sp>
+      <p:sp>
+        <p:nvSpPr>
+          <p:cNvPr id="5" name="Footer Placeholder 4"/>
+          <p:cNvSpPr>
+            <a:spLocks noGrp="1"/>
+          </p:cNvSpPr>
+          <p:nvPr>
+            <p:ph type="ftr" sz="quarter" idx="11"/>
+          </p:nvPr>
+        </p:nvSpPr>
+        <p:spPr/>
+        <p:txBody>
+          <a:bodyPr/>
+          <a:lstStyle/>
+          <a:p>
+            <a:r>
+              <a:rPr lang="en-US"/>
+              <a:t>Developer-Module Networks</a:t>
+            </a:r>
+          </a:p>
+        </p:txBody>
+      </p:sp>
+      <p:sp>
+        <p:nvSpPr>
+          <p:cNvPr id="6" name="Slide Number Placeholder 5"/>
+          <p:cNvSpPr>
+            <a:spLocks noGrp="1"/>
+          </p:cNvSpPr>
+          <p:nvPr>
+            <p:ph type="sldNum" sz="quarter" idx="12"/>
+          </p:nvPr>
+        </p:nvSpPr>
+        <p:spPr/>
+        <p:txBody>
+          <a:bodyPr/>
+          <a:lstStyle/>
+          <a:p>
+            <a:fld id="{597C4F9D-C1BC-482F-ACE4-604A1ED49A8D}" type="slidenum">
+              <a:rPr lang="en-US" smtClean="0"/>
+              <a:t>7</a:t>
+            </a:fld>
+            <a:endParaRPr lang="en-US"/>
+          </a:p>
+        </p:txBody>
+      </p:sp>
     </p:spTree>
     <p:extLst>
       <p:ext uri="{BB962C8B-B14F-4D97-AF65-F5344CB8AC3E}">
@@ -13946,7 +15702,7 @@
       </p:grpSpPr>
       <p:sp>
         <p:nvSpPr>
-          <p:cNvPr id="2" name="Title 1"/>
+          <p:cNvPr id="4" name="Title 3"/>
           <p:cNvSpPr>
             <a:spLocks noGrp="1"/>
           </p:cNvSpPr>
@@ -13961,19 +15717,19 @@
           <a:p>
             <a:r>
               <a:rPr lang="en-US" dirty="0"/>
-              <a:t>The Boa Project</a:t>
-            </a:r>
-          </a:p>
-        </p:txBody>
-      </p:sp>
-      <p:sp>
-        <p:nvSpPr>
-          <p:cNvPr id="3" name="Content Placeholder 2"/>
-          <p:cNvSpPr>
-            <a:spLocks noGrp="1"/>
-          </p:cNvSpPr>
-          <p:nvPr>
-            <p:ph idx="1"/>
+              <a:t>Methodology</a:t>
+            </a:r>
+          </a:p>
+        </p:txBody>
+      </p:sp>
+      <p:sp>
+        <p:nvSpPr>
+          <p:cNvPr id="7" name="Date Placeholder 6"/>
+          <p:cNvSpPr>
+            <a:spLocks noGrp="1"/>
+          </p:cNvSpPr>
+          <p:nvPr>
+            <p:ph type="dt" sz="half" idx="10"/>
           </p:nvPr>
         </p:nvSpPr>
         <p:spPr/>
@@ -13981,67 +15737,63 @@
           <a:bodyPr/>
           <a:lstStyle/>
           <a:p>
-            <a:r>
-              <a:rPr lang="en-US" dirty="0"/>
-              <a:t>Project that aims to develop a </a:t>
-            </a:r>
-            <a:r>
-              <a:rPr lang="en-US" b="1" dirty="0"/>
-              <a:t>high-level </a:t>
-            </a:r>
-            <a:r>
-              <a:rPr lang="en-US" dirty="0"/>
-              <a:t>language for mining code version repositories.</a:t>
-            </a:r>
-          </a:p>
-          <a:p>
-            <a:r>
-              <a:rPr lang="en-US" dirty="0"/>
-              <a:t>Comprised of two elements:</a:t>
-            </a:r>
-          </a:p>
-          <a:p>
-            <a:pPr lvl="1"/>
-            <a:r>
-              <a:rPr lang="en-US" dirty="0"/>
-              <a:t>Domain specific language for mining code repositories.</a:t>
-            </a:r>
-          </a:p>
-          <a:p>
-            <a:pPr lvl="1"/>
-            <a:r>
-              <a:rPr lang="en-US" dirty="0"/>
-              <a:t>Large online dataset from GitHub and </a:t>
-            </a:r>
-            <a:r>
-              <a:rPr lang="en-US" dirty="0" err="1"/>
-              <a:t>Surgeforge</a:t>
-            </a:r>
-            <a:r>
-              <a:rPr lang="en-US" dirty="0"/>
-              <a:t> (</a:t>
-            </a:r>
-            <a:r>
-              <a:rPr lang="en-US" i="1" dirty="0"/>
-              <a:t>September 2013</a:t>
-            </a:r>
-            <a:r>
-              <a:rPr lang="en-US" dirty="0"/>
-              <a:t>)</a:t>
-            </a:r>
-          </a:p>
-          <a:p>
-            <a:r>
-              <a:rPr lang="en-US" dirty="0"/>
-              <a:t>Has an Eclipse plugin and Java API.</a:t>
-            </a:r>
+            <a:fld id="{0954233E-A306-48BC-A7A3-B687242C91A3}" type="datetime2">
+              <a:rPr lang="en-US" smtClean="0"/>
+              <a:t>Monday, March 28, 2016</a:t>
+            </a:fld>
+            <a:endParaRPr lang="en-US"/>
+          </a:p>
+        </p:txBody>
+      </p:sp>
+      <p:sp>
+        <p:nvSpPr>
+          <p:cNvPr id="8" name="Footer Placeholder 7"/>
+          <p:cNvSpPr>
+            <a:spLocks noGrp="1"/>
+          </p:cNvSpPr>
+          <p:nvPr>
+            <p:ph type="ftr" sz="quarter" idx="11"/>
+          </p:nvPr>
+        </p:nvSpPr>
+        <p:spPr/>
+        <p:txBody>
+          <a:bodyPr/>
+          <a:lstStyle/>
+          <a:p>
+            <a:r>
+              <a:rPr lang="en-US"/>
+              <a:t>Developer-Module Networks</a:t>
+            </a:r>
+          </a:p>
+        </p:txBody>
+      </p:sp>
+      <p:sp>
+        <p:nvSpPr>
+          <p:cNvPr id="9" name="Slide Number Placeholder 8"/>
+          <p:cNvSpPr>
+            <a:spLocks noGrp="1"/>
+          </p:cNvSpPr>
+          <p:nvPr>
+            <p:ph type="sldNum" sz="quarter" idx="12"/>
+          </p:nvPr>
+        </p:nvSpPr>
+        <p:spPr/>
+        <p:txBody>
+          <a:bodyPr/>
+          <a:lstStyle/>
+          <a:p>
+            <a:fld id="{597C4F9D-C1BC-482F-ACE4-604A1ED49A8D}" type="slidenum">
+              <a:rPr lang="en-US" smtClean="0"/>
+              <a:t>8</a:t>
+            </a:fld>
+            <a:endParaRPr lang="en-US"/>
           </a:p>
         </p:txBody>
       </p:sp>
     </p:spTree>
     <p:extLst>
       <p:ext uri="{BB962C8B-B14F-4D97-AF65-F5344CB8AC3E}">
-        <p14:creationId xmlns:p14="http://schemas.microsoft.com/office/powerpoint/2010/main" val="1762729446"/>
+        <p14:creationId xmlns:p14="http://schemas.microsoft.com/office/powerpoint/2010/main" val="2429299608"/>
       </p:ext>
     </p:extLst>
   </p:cSld>
@@ -14085,44 +15837,155 @@
           <a:p>
             <a:r>
               <a:rPr lang="en-US" dirty="0"/>
-              <a:t>Example of Boa: </a:t>
+              <a:t>The Boa Project</a:t>
+            </a:r>
+          </a:p>
+        </p:txBody>
+      </p:sp>
+      <p:sp>
+        <p:nvSpPr>
+          <p:cNvPr id="3" name="Content Placeholder 2"/>
+          <p:cNvSpPr>
+            <a:spLocks noGrp="1"/>
+          </p:cNvSpPr>
+          <p:nvPr>
+            <p:ph idx="1"/>
+          </p:nvPr>
+        </p:nvSpPr>
+        <p:spPr/>
+        <p:txBody>
+          <a:bodyPr/>
+          <a:lstStyle/>
+          <a:p>
+            <a:r>
+              <a:rPr lang="en-US" dirty="0"/>
+              <a:t>Project that aims to develop a </a:t>
+            </a:r>
+            <a:r>
+              <a:rPr lang="en-US" b="1" dirty="0"/>
+              <a:t>high-level </a:t>
+            </a:r>
+            <a:r>
+              <a:rPr lang="en-US" dirty="0"/>
+              <a:t>language for mining code version repositories.</a:t>
+            </a:r>
+          </a:p>
+          <a:p>
+            <a:r>
+              <a:rPr lang="en-US" dirty="0"/>
+              <a:t>Comprised of two elements:</a:t>
+            </a:r>
+          </a:p>
+          <a:p>
+            <a:pPr lvl="1"/>
+            <a:r>
+              <a:rPr lang="en-US" dirty="0"/>
+              <a:t>Domain specific language for mining code repositories.</a:t>
+            </a:r>
+          </a:p>
+          <a:p>
+            <a:pPr lvl="1"/>
+            <a:r>
+              <a:rPr lang="en-US" dirty="0"/>
+              <a:t>Large online dataset from GitHub and </a:t>
+            </a:r>
+            <a:r>
+              <a:rPr lang="en-US" dirty="0" err="1"/>
+              <a:t>Surgeforge</a:t>
+            </a:r>
+            <a:r>
+              <a:rPr lang="en-US" dirty="0"/>
+              <a:t> (</a:t>
             </a:r>
             <a:r>
               <a:rPr lang="en-US" i="1" dirty="0"/>
-              <a:t>Number of Committers</a:t>
-            </a:r>
-            <a:endParaRPr lang="en-US" dirty="0"/>
-          </a:p>
-        </p:txBody>
-      </p:sp>
-      <p:pic>
-        <p:nvPicPr>
-          <p:cNvPr id="4" name="Picture 3"/>
-          <p:cNvPicPr>
-            <a:picLocks noChangeAspect="1"/>
-          </p:cNvPicPr>
-          <p:nvPr/>
-        </p:nvPicPr>
-        <p:blipFill>
-          <a:blip r:embed="rId2"/>
-          <a:stretch>
-            <a:fillRect/>
-          </a:stretch>
-        </p:blipFill>
-        <p:spPr>
-          <a:xfrm>
-            <a:off x="1965975" y="2158949"/>
-            <a:ext cx="8321009" cy="3529739"/>
-          </a:xfrm>
-          <a:prstGeom prst="rect">
-            <a:avLst/>
-          </a:prstGeom>
-        </p:spPr>
-      </p:pic>
+              <a:t>September 2015</a:t>
+            </a:r>
+            <a:r>
+              <a:rPr lang="en-US" dirty="0"/>
+              <a:t>)</a:t>
+            </a:r>
+          </a:p>
+          <a:p>
+            <a:r>
+              <a:rPr lang="en-US" dirty="0"/>
+              <a:t>Has an Eclipse plugin and Java API.</a:t>
+            </a:r>
+          </a:p>
+        </p:txBody>
+      </p:sp>
+      <p:sp>
+        <p:nvSpPr>
+          <p:cNvPr id="4" name="Date Placeholder 3"/>
+          <p:cNvSpPr>
+            <a:spLocks noGrp="1"/>
+          </p:cNvSpPr>
+          <p:nvPr>
+            <p:ph type="dt" sz="half" idx="10"/>
+          </p:nvPr>
+        </p:nvSpPr>
+        <p:spPr/>
+        <p:txBody>
+          <a:bodyPr/>
+          <a:lstStyle/>
+          <a:p>
+            <a:fld id="{D0313814-7F0C-4B5C-87E5-A12841E8F747}" type="datetime2">
+              <a:rPr lang="en-US" smtClean="0"/>
+              <a:t>Monday, March 28, 2016</a:t>
+            </a:fld>
+            <a:endParaRPr lang="en-US"/>
+          </a:p>
+        </p:txBody>
+      </p:sp>
+      <p:sp>
+        <p:nvSpPr>
+          <p:cNvPr id="5" name="Footer Placeholder 4"/>
+          <p:cNvSpPr>
+            <a:spLocks noGrp="1"/>
+          </p:cNvSpPr>
+          <p:nvPr>
+            <p:ph type="ftr" sz="quarter" idx="11"/>
+          </p:nvPr>
+        </p:nvSpPr>
+        <p:spPr/>
+        <p:txBody>
+          <a:bodyPr/>
+          <a:lstStyle/>
+          <a:p>
+            <a:r>
+              <a:rPr lang="en-US"/>
+              <a:t>Developer-Module Networks</a:t>
+            </a:r>
+          </a:p>
+        </p:txBody>
+      </p:sp>
+      <p:sp>
+        <p:nvSpPr>
+          <p:cNvPr id="6" name="Slide Number Placeholder 5"/>
+          <p:cNvSpPr>
+            <a:spLocks noGrp="1"/>
+          </p:cNvSpPr>
+          <p:nvPr>
+            <p:ph type="sldNum" sz="quarter" idx="12"/>
+          </p:nvPr>
+        </p:nvSpPr>
+        <p:spPr/>
+        <p:txBody>
+          <a:bodyPr/>
+          <a:lstStyle/>
+          <a:p>
+            <a:fld id="{597C4F9D-C1BC-482F-ACE4-604A1ED49A8D}" type="slidenum">
+              <a:rPr lang="en-US" smtClean="0"/>
+              <a:t>9</a:t>
+            </a:fld>
+            <a:endParaRPr lang="en-US"/>
+          </a:p>
+        </p:txBody>
+      </p:sp>
     </p:spTree>
     <p:extLst>
       <p:ext uri="{BB962C8B-B14F-4D97-AF65-F5344CB8AC3E}">
-        <p14:creationId xmlns:p14="http://schemas.microsoft.com/office/powerpoint/2010/main" val="875459587"/>
+        <p14:creationId xmlns:p14="http://schemas.microsoft.com/office/powerpoint/2010/main" val="1762729446"/>
       </p:ext>
     </p:extLst>
   </p:cSld>
